--- a/presentation.pptx
+++ b/presentation.pptx
@@ -5,7 +5,7 @@
     <p:sldMasterId id="2147483648" r:id="rId1"/>
   </p:sldMasterIdLst>
   <p:notesMasterIdLst>
-    <p:notesMasterId r:id="rId20"/>
+    <p:notesMasterId r:id="rId24"/>
   </p:notesMasterIdLst>
   <p:sldIdLst>
     <p:sldId id="256" r:id="rId2"/>
@@ -25,7 +25,11 @@
     <p:sldId id="272" r:id="rId16"/>
     <p:sldId id="271" r:id="rId17"/>
     <p:sldId id="273" r:id="rId18"/>
-    <p:sldId id="260" r:id="rId19"/>
+    <p:sldId id="277" r:id="rId19"/>
+    <p:sldId id="276" r:id="rId20"/>
+    <p:sldId id="275" r:id="rId21"/>
+    <p:sldId id="278" r:id="rId22"/>
+    <p:sldId id="274" r:id="rId23"/>
   </p:sldIdLst>
   <p:sldSz cx="12192000" cy="6858000"/>
   <p:notesSz cx="6858000" cy="9144000"/>
@@ -1109,6 +1113,539 @@
     <p:extLst>
       <p:ext uri="{BB962C8B-B14F-4D97-AF65-F5344CB8AC3E}">
         <p14:creationId xmlns:p14="http://schemas.microsoft.com/office/powerpoint/2010/main" val="2359302890"/>
+      </p:ext>
+    </p:extLst>
+  </p:cSld>
+  <p:clrMapOvr>
+    <a:masterClrMapping/>
+  </p:clrMapOvr>
+</p:notes>
+</file>
+
+<file path=ppt/notesSlides/notesSlide15.xml><?xml version="1.0" encoding="utf-8"?>
+<p:notes xmlns:a="http://schemas.openxmlformats.org/drawingml/2006/main" xmlns:r="http://schemas.openxmlformats.org/officeDocument/2006/relationships" xmlns:p="http://schemas.openxmlformats.org/presentationml/2006/main">
+  <p:cSld>
+    <p:spTree>
+      <p:nvGrpSpPr>
+        <p:cNvPr id="1" name=""/>
+        <p:cNvGrpSpPr/>
+        <p:nvPr/>
+      </p:nvGrpSpPr>
+      <p:grpSpPr>
+        <a:xfrm>
+          <a:off x="0" y="0"/>
+          <a:ext cx="0" cy="0"/>
+          <a:chOff x="0" y="0"/>
+          <a:chExt cx="0" cy="0"/>
+        </a:xfrm>
+      </p:grpSpPr>
+      <p:sp>
+        <p:nvSpPr>
+          <p:cNvPr id="2" name="Slide Image Placeholder 1"/>
+          <p:cNvSpPr>
+            <a:spLocks noGrp="1" noRot="1" noChangeAspect="1"/>
+          </p:cNvSpPr>
+          <p:nvPr>
+            <p:ph type="sldImg"/>
+          </p:nvPr>
+        </p:nvSpPr>
+        <p:spPr/>
+      </p:sp>
+      <p:sp>
+        <p:nvSpPr>
+          <p:cNvPr id="3" name="Notes Placeholder 2"/>
+          <p:cNvSpPr>
+            <a:spLocks noGrp="1"/>
+          </p:cNvSpPr>
+          <p:nvPr>
+            <p:ph type="body" idx="1"/>
+          </p:nvPr>
+        </p:nvSpPr>
+        <p:spPr/>
+        <p:txBody>
+          <a:bodyPr/>
+          <a:lstStyle/>
+          <a:p>
+            <a:r>
+              <a:rPr lang="de-CH" dirty="0" smtClean="0"/>
+              <a:t>Wir wissen was es ist, jetzt kommt was es kann</a:t>
+            </a:r>
+            <a:endParaRPr lang="de-CH" dirty="0"/>
+          </a:p>
+        </p:txBody>
+      </p:sp>
+      <p:sp>
+        <p:nvSpPr>
+          <p:cNvPr id="4" name="Slide Number Placeholder 3"/>
+          <p:cNvSpPr>
+            <a:spLocks noGrp="1"/>
+          </p:cNvSpPr>
+          <p:nvPr>
+            <p:ph type="sldNum" sz="quarter" idx="10"/>
+          </p:nvPr>
+        </p:nvSpPr>
+        <p:spPr/>
+        <p:txBody>
+          <a:bodyPr/>
+          <a:lstStyle/>
+          <a:p>
+            <a:fld id="{DA58BC1F-B303-41BB-B1E5-E3EE1F495441}" type="slidenum">
+              <a:rPr lang="de-CH" smtClean="0"/>
+              <a:t>18</a:t>
+            </a:fld>
+            <a:endParaRPr lang="de-CH"/>
+          </a:p>
+        </p:txBody>
+      </p:sp>
+    </p:spTree>
+    <p:extLst>
+      <p:ext uri="{BB962C8B-B14F-4D97-AF65-F5344CB8AC3E}">
+        <p14:creationId xmlns:p14="http://schemas.microsoft.com/office/powerpoint/2010/main" val="1626842335"/>
+      </p:ext>
+    </p:extLst>
+  </p:cSld>
+  <p:clrMapOvr>
+    <a:masterClrMapping/>
+  </p:clrMapOvr>
+</p:notes>
+</file>
+
+<file path=ppt/notesSlides/notesSlide16.xml><?xml version="1.0" encoding="utf-8"?>
+<p:notes xmlns:a="http://schemas.openxmlformats.org/drawingml/2006/main" xmlns:r="http://schemas.openxmlformats.org/officeDocument/2006/relationships" xmlns:p="http://schemas.openxmlformats.org/presentationml/2006/main">
+  <p:cSld>
+    <p:spTree>
+      <p:nvGrpSpPr>
+        <p:cNvPr id="1" name=""/>
+        <p:cNvGrpSpPr/>
+        <p:nvPr/>
+      </p:nvGrpSpPr>
+      <p:grpSpPr>
+        <a:xfrm>
+          <a:off x="0" y="0"/>
+          <a:ext cx="0" cy="0"/>
+          <a:chOff x="0" y="0"/>
+          <a:chExt cx="0" cy="0"/>
+        </a:xfrm>
+      </p:grpSpPr>
+      <p:sp>
+        <p:nvSpPr>
+          <p:cNvPr id="2" name="Slide Image Placeholder 1"/>
+          <p:cNvSpPr>
+            <a:spLocks noGrp="1" noRot="1" noChangeAspect="1"/>
+          </p:cNvSpPr>
+          <p:nvPr>
+            <p:ph type="sldImg"/>
+          </p:nvPr>
+        </p:nvSpPr>
+        <p:spPr/>
+      </p:sp>
+      <p:sp>
+        <p:nvSpPr>
+          <p:cNvPr id="3" name="Notes Placeholder 2"/>
+          <p:cNvSpPr>
+            <a:spLocks noGrp="1"/>
+          </p:cNvSpPr>
+          <p:nvPr>
+            <p:ph type="body" idx="1"/>
+          </p:nvPr>
+        </p:nvSpPr>
+        <p:spPr/>
+        <p:txBody>
+          <a:bodyPr/>
+          <a:lstStyle/>
+          <a:p>
+            <a:r>
+              <a:rPr lang="de-CH" dirty="0" smtClean="0"/>
+              <a:t>Rtools</a:t>
+            </a:r>
+            <a:r>
+              <a:rPr lang="de-CH" baseline="0" dirty="0" smtClean="0"/>
+              <a:t> b</a:t>
+            </a:r>
+            <a:r>
+              <a:rPr lang="de-CH" dirty="0" smtClean="0"/>
+              <a:t>ereits in 2015 einsetzbar</a:t>
+            </a:r>
+            <a:endParaRPr lang="de-CH" dirty="0"/>
+          </a:p>
+        </p:txBody>
+      </p:sp>
+      <p:sp>
+        <p:nvSpPr>
+          <p:cNvPr id="4" name="Slide Number Placeholder 3"/>
+          <p:cNvSpPr>
+            <a:spLocks noGrp="1"/>
+          </p:cNvSpPr>
+          <p:nvPr>
+            <p:ph type="sldNum" sz="quarter" idx="10"/>
+          </p:nvPr>
+        </p:nvSpPr>
+        <p:spPr/>
+        <p:txBody>
+          <a:bodyPr/>
+          <a:lstStyle/>
+          <a:p>
+            <a:fld id="{DA58BC1F-B303-41BB-B1E5-E3EE1F495441}" type="slidenum">
+              <a:rPr lang="de-CH" smtClean="0"/>
+              <a:t>19</a:t>
+            </a:fld>
+            <a:endParaRPr lang="de-CH"/>
+          </a:p>
+        </p:txBody>
+      </p:sp>
+    </p:spTree>
+    <p:extLst>
+      <p:ext uri="{BB962C8B-B14F-4D97-AF65-F5344CB8AC3E}">
+        <p14:creationId xmlns:p14="http://schemas.microsoft.com/office/powerpoint/2010/main" val="2454586652"/>
+      </p:ext>
+    </p:extLst>
+  </p:cSld>
+  <p:clrMapOvr>
+    <a:masterClrMapping/>
+  </p:clrMapOvr>
+</p:notes>
+</file>
+
+<file path=ppt/notesSlides/notesSlide17.xml><?xml version="1.0" encoding="utf-8"?>
+<p:notes xmlns:a="http://schemas.openxmlformats.org/drawingml/2006/main" xmlns:r="http://schemas.openxmlformats.org/officeDocument/2006/relationships" xmlns:p="http://schemas.openxmlformats.org/presentationml/2006/main">
+  <p:cSld>
+    <p:spTree>
+      <p:nvGrpSpPr>
+        <p:cNvPr id="1" name=""/>
+        <p:cNvGrpSpPr/>
+        <p:nvPr/>
+      </p:nvGrpSpPr>
+      <p:grpSpPr>
+        <a:xfrm>
+          <a:off x="0" y="0"/>
+          <a:ext cx="0" cy="0"/>
+          <a:chOff x="0" y="0"/>
+          <a:chExt cx="0" cy="0"/>
+        </a:xfrm>
+      </p:grpSpPr>
+      <p:sp>
+        <p:nvSpPr>
+          <p:cNvPr id="2" name="Slide Image Placeholder 1"/>
+          <p:cNvSpPr>
+            <a:spLocks noGrp="1" noRot="1" noChangeAspect="1"/>
+          </p:cNvSpPr>
+          <p:nvPr>
+            <p:ph type="sldImg"/>
+          </p:nvPr>
+        </p:nvSpPr>
+        <p:spPr/>
+      </p:sp>
+      <p:sp>
+        <p:nvSpPr>
+          <p:cNvPr id="3" name="Notes Placeholder 2"/>
+          <p:cNvSpPr>
+            <a:spLocks noGrp="1"/>
+          </p:cNvSpPr>
+          <p:nvPr>
+            <p:ph type="body" idx="1"/>
+          </p:nvPr>
+        </p:nvSpPr>
+        <p:spPr/>
+        <p:txBody>
+          <a:bodyPr/>
+          <a:lstStyle/>
+          <a:p>
+            <a:r>
+              <a:rPr lang="de-CH" dirty="0" smtClean="0"/>
+              <a:t>Todo: Unterschied schwach und dynamisch sattelfest</a:t>
+            </a:r>
+            <a:r>
+              <a:rPr lang="de-CH" baseline="0" dirty="0" smtClean="0"/>
+              <a:t> haben</a:t>
+            </a:r>
+          </a:p>
+          <a:p>
+            <a:r>
+              <a:rPr lang="de-CH" dirty="0" smtClean="0"/>
+              <a:t>Ob R oder Python spielt eigentlich</a:t>
+            </a:r>
+            <a:r>
+              <a:rPr lang="de-CH" baseline="0" dirty="0" smtClean="0"/>
+              <a:t> keine Rolle (Einfachere Visualisierungen)</a:t>
+            </a:r>
+            <a:endParaRPr lang="de-CH" dirty="0" smtClean="0"/>
+          </a:p>
+          <a:p>
+            <a:r>
+              <a:rPr lang="de-CH" dirty="0" smtClean="0"/>
+              <a:t>Python ist auch in Visual Studio integriert</a:t>
+            </a:r>
+          </a:p>
+          <a:p>
+            <a:r>
+              <a:rPr lang="de-CH" dirty="0" smtClean="0"/>
+              <a:t>Funktional/Objektorientiert</a:t>
+            </a:r>
+          </a:p>
+          <a:p>
+            <a:r>
+              <a:rPr lang="de-CH" dirty="0" smtClean="0"/>
+              <a:t>Open Source (Riesen Community, Fast für</a:t>
+            </a:r>
+            <a:r>
+              <a:rPr lang="de-CH" baseline="0" dirty="0" smtClean="0"/>
+              <a:t> alles ein Package)</a:t>
+            </a:r>
+            <a:endParaRPr lang="de-CH" dirty="0" smtClean="0"/>
+          </a:p>
+          <a:p>
+            <a:r>
+              <a:rPr lang="de-CH" dirty="0" smtClean="0"/>
+              <a:t>Interpretiert -&gt; (Jit-Kompiler,</a:t>
+            </a:r>
+            <a:r>
+              <a:rPr lang="de-CH" baseline="0" dirty="0" smtClean="0"/>
+              <a:t> Vorkompilierte Funktionen)</a:t>
+            </a:r>
+          </a:p>
+          <a:p>
+            <a:endParaRPr lang="de-CH" dirty="0" smtClean="0"/>
+          </a:p>
+          <a:p>
+            <a:endParaRPr lang="de-CH" dirty="0"/>
+          </a:p>
+        </p:txBody>
+      </p:sp>
+      <p:sp>
+        <p:nvSpPr>
+          <p:cNvPr id="4" name="Slide Number Placeholder 3"/>
+          <p:cNvSpPr>
+            <a:spLocks noGrp="1"/>
+          </p:cNvSpPr>
+          <p:nvPr>
+            <p:ph type="sldNum" sz="quarter" idx="10"/>
+          </p:nvPr>
+        </p:nvSpPr>
+        <p:spPr/>
+        <p:txBody>
+          <a:bodyPr/>
+          <a:lstStyle/>
+          <a:p>
+            <a:fld id="{DA58BC1F-B303-41BB-B1E5-E3EE1F495441}" type="slidenum">
+              <a:rPr lang="de-CH" smtClean="0"/>
+              <a:t>20</a:t>
+            </a:fld>
+            <a:endParaRPr lang="de-CH"/>
+          </a:p>
+        </p:txBody>
+      </p:sp>
+    </p:spTree>
+    <p:extLst>
+      <p:ext uri="{BB962C8B-B14F-4D97-AF65-F5344CB8AC3E}">
+        <p14:creationId xmlns:p14="http://schemas.microsoft.com/office/powerpoint/2010/main" val="743457412"/>
+      </p:ext>
+    </p:extLst>
+  </p:cSld>
+  <p:clrMapOvr>
+    <a:masterClrMapping/>
+  </p:clrMapOvr>
+</p:notes>
+</file>
+
+<file path=ppt/notesSlides/notesSlide18.xml><?xml version="1.0" encoding="utf-8"?>
+<p:notes xmlns:a="http://schemas.openxmlformats.org/drawingml/2006/main" xmlns:r="http://schemas.openxmlformats.org/officeDocument/2006/relationships" xmlns:p="http://schemas.openxmlformats.org/presentationml/2006/main">
+  <p:cSld>
+    <p:spTree>
+      <p:nvGrpSpPr>
+        <p:cNvPr id="1" name=""/>
+        <p:cNvGrpSpPr/>
+        <p:nvPr/>
+      </p:nvGrpSpPr>
+      <p:grpSpPr>
+        <a:xfrm>
+          <a:off x="0" y="0"/>
+          <a:ext cx="0" cy="0"/>
+          <a:chOff x="0" y="0"/>
+          <a:chExt cx="0" cy="0"/>
+        </a:xfrm>
+      </p:grpSpPr>
+      <p:sp>
+        <p:nvSpPr>
+          <p:cNvPr id="2" name="Slide Image Placeholder 1"/>
+          <p:cNvSpPr>
+            <a:spLocks noGrp="1" noRot="1" noChangeAspect="1"/>
+          </p:cNvSpPr>
+          <p:nvPr>
+            <p:ph type="sldImg"/>
+          </p:nvPr>
+        </p:nvSpPr>
+        <p:spPr/>
+      </p:sp>
+      <p:sp>
+        <p:nvSpPr>
+          <p:cNvPr id="3" name="Notes Placeholder 2"/>
+          <p:cNvSpPr>
+            <a:spLocks noGrp="1"/>
+          </p:cNvSpPr>
+          <p:nvPr>
+            <p:ph type="body" idx="1"/>
+          </p:nvPr>
+        </p:nvSpPr>
+        <p:spPr/>
+        <p:txBody>
+          <a:bodyPr/>
+          <a:lstStyle/>
+          <a:p>
+            <a:r>
+              <a:rPr lang="de-CH" smtClean="0"/>
+              <a:t>HelloR</a:t>
+            </a:r>
+            <a:r>
+              <a:rPr lang="de-CH" baseline="0" smtClean="0"/>
+              <a:t> zeigen über Remote-Desktop-Verbindung</a:t>
+            </a:r>
+            <a:endParaRPr lang="de-CH" smtClean="0"/>
+          </a:p>
+          <a:p>
+            <a:endParaRPr lang="de-CH" dirty="0" smtClean="0"/>
+          </a:p>
+          <a:p>
+            <a:r>
+              <a:rPr lang="de-CH" dirty="0" smtClean="0"/>
+              <a:t>Pakete</a:t>
+            </a:r>
+            <a:r>
+              <a:rPr lang="de-CH" baseline="0" dirty="0" smtClean="0"/>
+              <a:t> installieren</a:t>
+            </a:r>
+          </a:p>
+          <a:p>
+            <a:r>
+              <a:rPr lang="de-CH" baseline="0" dirty="0" smtClean="0"/>
+              <a:t>Pakete includieren</a:t>
+            </a:r>
+          </a:p>
+          <a:p>
+            <a:r>
+              <a:rPr lang="de-CH" baseline="0" dirty="0" smtClean="0"/>
+              <a:t>Variable assgnement</a:t>
+            </a:r>
+          </a:p>
+          <a:p>
+            <a:r>
+              <a:rPr lang="de-CH" baseline="0" dirty="0" smtClean="0"/>
+              <a:t>Datenbank connection</a:t>
+            </a:r>
+            <a:endParaRPr lang="de-CH" dirty="0"/>
+          </a:p>
+        </p:txBody>
+      </p:sp>
+      <p:sp>
+        <p:nvSpPr>
+          <p:cNvPr id="4" name="Slide Number Placeholder 3"/>
+          <p:cNvSpPr>
+            <a:spLocks noGrp="1"/>
+          </p:cNvSpPr>
+          <p:nvPr>
+            <p:ph type="sldNum" sz="quarter" idx="10"/>
+          </p:nvPr>
+        </p:nvSpPr>
+        <p:spPr/>
+        <p:txBody>
+          <a:bodyPr/>
+          <a:lstStyle/>
+          <a:p>
+            <a:fld id="{DA58BC1F-B303-41BB-B1E5-E3EE1F495441}" type="slidenum">
+              <a:rPr lang="de-CH" smtClean="0"/>
+              <a:t>21</a:t>
+            </a:fld>
+            <a:endParaRPr lang="de-CH"/>
+          </a:p>
+        </p:txBody>
+      </p:sp>
+    </p:spTree>
+    <p:extLst>
+      <p:ext uri="{BB962C8B-B14F-4D97-AF65-F5344CB8AC3E}">
+        <p14:creationId xmlns:p14="http://schemas.microsoft.com/office/powerpoint/2010/main" val="2403547180"/>
+      </p:ext>
+    </p:extLst>
+  </p:cSld>
+  <p:clrMapOvr>
+    <a:masterClrMapping/>
+  </p:clrMapOvr>
+</p:notes>
+</file>
+
+<file path=ppt/notesSlides/notesSlide19.xml><?xml version="1.0" encoding="utf-8"?>
+<p:notes xmlns:a="http://schemas.openxmlformats.org/drawingml/2006/main" xmlns:r="http://schemas.openxmlformats.org/officeDocument/2006/relationships" xmlns:p="http://schemas.openxmlformats.org/presentationml/2006/main">
+  <p:cSld>
+    <p:spTree>
+      <p:nvGrpSpPr>
+        <p:cNvPr id="1" name=""/>
+        <p:cNvGrpSpPr/>
+        <p:nvPr/>
+      </p:nvGrpSpPr>
+      <p:grpSpPr>
+        <a:xfrm>
+          <a:off x="0" y="0"/>
+          <a:ext cx="0" cy="0"/>
+          <a:chOff x="0" y="0"/>
+          <a:chExt cx="0" cy="0"/>
+        </a:xfrm>
+      </p:grpSpPr>
+      <p:sp>
+        <p:nvSpPr>
+          <p:cNvPr id="2" name="Slide Image Placeholder 1"/>
+          <p:cNvSpPr>
+            <a:spLocks noGrp="1" noRot="1" noChangeAspect="1"/>
+          </p:cNvSpPr>
+          <p:nvPr>
+            <p:ph type="sldImg"/>
+          </p:nvPr>
+        </p:nvSpPr>
+        <p:spPr/>
+      </p:sp>
+      <p:sp>
+        <p:nvSpPr>
+          <p:cNvPr id="3" name="Notes Placeholder 2"/>
+          <p:cNvSpPr>
+            <a:spLocks noGrp="1"/>
+          </p:cNvSpPr>
+          <p:nvPr>
+            <p:ph type="body" idx="1"/>
+          </p:nvPr>
+        </p:nvSpPr>
+        <p:spPr/>
+        <p:txBody>
+          <a:bodyPr/>
+          <a:lstStyle/>
+          <a:p>
+            <a:endParaRPr lang="de-CH" dirty="0"/>
+          </a:p>
+        </p:txBody>
+      </p:sp>
+      <p:sp>
+        <p:nvSpPr>
+          <p:cNvPr id="4" name="Slide Number Placeholder 3"/>
+          <p:cNvSpPr>
+            <a:spLocks noGrp="1"/>
+          </p:cNvSpPr>
+          <p:nvPr>
+            <p:ph type="sldNum" sz="quarter" idx="10"/>
+          </p:nvPr>
+        </p:nvSpPr>
+        <p:spPr/>
+        <p:txBody>
+          <a:bodyPr/>
+          <a:lstStyle/>
+          <a:p>
+            <a:fld id="{DA58BC1F-B303-41BB-B1E5-E3EE1F495441}" type="slidenum">
+              <a:rPr lang="de-CH" smtClean="0"/>
+              <a:t>22</a:t>
+            </a:fld>
+            <a:endParaRPr lang="de-CH"/>
+          </a:p>
+        </p:txBody>
+      </p:sp>
+    </p:spTree>
+    <p:extLst>
+      <p:ext uri="{BB962C8B-B14F-4D97-AF65-F5344CB8AC3E}">
+        <p14:creationId xmlns:p14="http://schemas.microsoft.com/office/powerpoint/2010/main" val="2488689134"/>
       </p:ext>
     </p:extLst>
   </p:cSld>
@@ -18573,9 +19110,8 @@
           <a:noFill/>
           <a:ln>
             <a:solidFill>
-              <a:schemeClr val="bg2">
-                <a:lumMod val="90000"/>
-                <a:lumOff val="10000"/>
+              <a:schemeClr val="tx2">
+                <a:lumMod val="75000"/>
               </a:schemeClr>
             </a:solidFill>
           </a:ln>
@@ -18692,7 +19228,7 @@
           <a:p>
             <a:r>
               <a:rPr lang="de-CH" dirty="0" smtClean="0"/>
-              <a:t>Welche Fragen kann ML beanworten?</a:t>
+              <a:t>Was kann maschinelles Lernen?</a:t>
             </a:r>
             <a:endParaRPr lang="de-CH" dirty="0"/>
           </a:p>
@@ -18710,70 +19246,482 @@
         </p:nvSpPr>
         <p:spPr>
           <a:xfrm>
-            <a:off x="2221832" y="2249487"/>
-            <a:ext cx="8825579" cy="3541714"/>
+            <a:off x="1472024" y="1883726"/>
+            <a:ext cx="8825579" cy="4142169"/>
           </a:xfrm>
         </p:spPr>
         <p:txBody>
-          <a:bodyPr/>
+          <a:bodyPr>
+            <a:normAutofit/>
+          </a:bodyPr>
           <a:lstStyle/>
           <a:p>
             <a:pPr marL="0" indent="0">
               <a:buNone/>
             </a:pPr>
-            <a:r>
-              <a:rPr lang="de-CH" dirty="0" smtClean="0"/>
-              <a:t>5 Fragen können von ML beanwortet werden</a:t>
-            </a:r>
-          </a:p>
-          <a:p>
-            <a:pPr marL="0" indent="0">
-              <a:buNone/>
-            </a:pPr>
-            <a:endParaRPr lang="de-CH" dirty="0" smtClean="0"/>
+            <a:endParaRPr lang="de-CH" sz="2800" dirty="0" smtClean="0"/>
           </a:p>
           <a:p>
             <a:pPr lvl="1"/>
             <a:r>
-              <a:rPr lang="de-CH" dirty="0" smtClean="0"/>
+              <a:rPr lang="de-CH" sz="2400" dirty="0" smtClean="0"/>
               <a:t>Ist das A oder B?</a:t>
             </a:r>
           </a:p>
           <a:p>
             <a:pPr lvl="1"/>
             <a:r>
-              <a:rPr lang="de-CH" dirty="0" smtClean="0"/>
+              <a:rPr lang="de-CH" sz="2400" dirty="0" smtClean="0"/>
               <a:t>Wieviel/wieviele?</a:t>
             </a:r>
           </a:p>
           <a:p>
             <a:pPr lvl="1"/>
             <a:r>
-              <a:rPr lang="de-CH" dirty="0" smtClean="0"/>
+              <a:rPr lang="de-CH" sz="2400" dirty="0" smtClean="0"/>
               <a:t>Ist das sonderbar?</a:t>
             </a:r>
           </a:p>
           <a:p>
             <a:pPr lvl="1"/>
             <a:r>
-              <a:rPr lang="de-CH" dirty="0" smtClean="0"/>
+              <a:rPr lang="de-CH" sz="2400" dirty="0" smtClean="0"/>
               <a:t>Wie ist das organisiert?</a:t>
             </a:r>
           </a:p>
           <a:p>
             <a:pPr lvl="1"/>
             <a:r>
-              <a:rPr lang="de-CH" dirty="0" smtClean="0"/>
+              <a:rPr lang="de-CH" sz="2400" dirty="0" smtClean="0"/>
               <a:t>Was soll ich als nächstes tun?</a:t>
             </a:r>
-            <a:endParaRPr lang="de-CH" dirty="0"/>
+            <a:endParaRPr lang="de-CH" sz="2400" dirty="0"/>
           </a:p>
         </p:txBody>
       </p:sp>
     </p:spTree>
     <p:extLst>
       <p:ext uri="{BB962C8B-B14F-4D97-AF65-F5344CB8AC3E}">
-        <p14:creationId xmlns:p14="http://schemas.microsoft.com/office/powerpoint/2010/main" val="3794958679"/>
+        <p14:creationId xmlns:p14="http://schemas.microsoft.com/office/powerpoint/2010/main" val="1029467136"/>
+      </p:ext>
+    </p:extLst>
+  </p:cSld>
+  <p:clrMapOvr>
+    <a:masterClrMapping/>
+  </p:clrMapOvr>
+  <mc:AlternateContent xmlns:mc="http://schemas.openxmlformats.org/markup-compatibility/2006">
+    <mc:Choice xmlns:p14="http://schemas.microsoft.com/office/powerpoint/2010/main" Requires="p14">
+      <p:transition spd="slow" p14:dur="2000"/>
+    </mc:Choice>
+    <mc:Fallback>
+      <p:transition spd="slow"/>
+    </mc:Fallback>
+  </mc:AlternateContent>
+  <p:timing>
+    <p:tnLst>
+      <p:par>
+        <p:cTn id="1" dur="indefinite" restart="never" nodeType="tmRoot">
+          <p:childTnLst>
+            <p:seq concurrent="1" nextAc="seek">
+              <p:cTn id="2" dur="indefinite" nodeType="mainSeq">
+                <p:childTnLst>
+                  <p:par>
+                    <p:cTn id="3" fill="hold">
+                      <p:stCondLst>
+                        <p:cond delay="indefinite"/>
+                      </p:stCondLst>
+                      <p:childTnLst>
+                        <p:par>
+                          <p:cTn id="4" fill="hold">
+                            <p:stCondLst>
+                              <p:cond delay="0"/>
+                            </p:stCondLst>
+                            <p:childTnLst>
+                              <p:par>
+                                <p:cTn id="5" presetID="10" presetClass="entr" presetSubtype="0" fill="hold" nodeType="clickEffect">
+                                  <p:stCondLst>
+                                    <p:cond delay="0"/>
+                                  </p:stCondLst>
+                                  <p:childTnLst>
+                                    <p:set>
+                                      <p:cBhvr>
+                                        <p:cTn id="6" dur="1" fill="hold">
+                                          <p:stCondLst>
+                                            <p:cond delay="0"/>
+                                          </p:stCondLst>
+                                        </p:cTn>
+                                        <p:tgtEl>
+                                          <p:spTgt spid="3">
+                                            <p:txEl>
+                                              <p:pRg st="1" end="1"/>
+                                            </p:txEl>
+                                          </p:spTgt>
+                                        </p:tgtEl>
+                                        <p:attrNameLst>
+                                          <p:attrName>style.visibility</p:attrName>
+                                        </p:attrNameLst>
+                                      </p:cBhvr>
+                                      <p:to>
+                                        <p:strVal val="visible"/>
+                                      </p:to>
+                                    </p:set>
+                                    <p:animEffect transition="in" filter="fade">
+                                      <p:cBhvr>
+                                        <p:cTn id="7" dur="500"/>
+                                        <p:tgtEl>
+                                          <p:spTgt spid="3">
+                                            <p:txEl>
+                                              <p:pRg st="1" end="1"/>
+                                            </p:txEl>
+                                          </p:spTgt>
+                                        </p:tgtEl>
+                                      </p:cBhvr>
+                                    </p:animEffect>
+                                  </p:childTnLst>
+                                </p:cTn>
+                              </p:par>
+                            </p:childTnLst>
+                          </p:cTn>
+                        </p:par>
+                      </p:childTnLst>
+                    </p:cTn>
+                  </p:par>
+                  <p:par>
+                    <p:cTn id="8" fill="hold">
+                      <p:stCondLst>
+                        <p:cond delay="indefinite"/>
+                      </p:stCondLst>
+                      <p:childTnLst>
+                        <p:par>
+                          <p:cTn id="9" fill="hold">
+                            <p:stCondLst>
+                              <p:cond delay="0"/>
+                            </p:stCondLst>
+                            <p:childTnLst>
+                              <p:par>
+                                <p:cTn id="10" presetID="10" presetClass="entr" presetSubtype="0" fill="hold" nodeType="clickEffect">
+                                  <p:stCondLst>
+                                    <p:cond delay="0"/>
+                                  </p:stCondLst>
+                                  <p:childTnLst>
+                                    <p:set>
+                                      <p:cBhvr>
+                                        <p:cTn id="11" dur="1" fill="hold">
+                                          <p:stCondLst>
+                                            <p:cond delay="0"/>
+                                          </p:stCondLst>
+                                        </p:cTn>
+                                        <p:tgtEl>
+                                          <p:spTgt spid="3">
+                                            <p:txEl>
+                                              <p:pRg st="2" end="2"/>
+                                            </p:txEl>
+                                          </p:spTgt>
+                                        </p:tgtEl>
+                                        <p:attrNameLst>
+                                          <p:attrName>style.visibility</p:attrName>
+                                        </p:attrNameLst>
+                                      </p:cBhvr>
+                                      <p:to>
+                                        <p:strVal val="visible"/>
+                                      </p:to>
+                                    </p:set>
+                                    <p:animEffect transition="in" filter="fade">
+                                      <p:cBhvr>
+                                        <p:cTn id="12" dur="500"/>
+                                        <p:tgtEl>
+                                          <p:spTgt spid="3">
+                                            <p:txEl>
+                                              <p:pRg st="2" end="2"/>
+                                            </p:txEl>
+                                          </p:spTgt>
+                                        </p:tgtEl>
+                                      </p:cBhvr>
+                                    </p:animEffect>
+                                  </p:childTnLst>
+                                </p:cTn>
+                              </p:par>
+                            </p:childTnLst>
+                          </p:cTn>
+                        </p:par>
+                      </p:childTnLst>
+                    </p:cTn>
+                  </p:par>
+                  <p:par>
+                    <p:cTn id="13" fill="hold">
+                      <p:stCondLst>
+                        <p:cond delay="indefinite"/>
+                      </p:stCondLst>
+                      <p:childTnLst>
+                        <p:par>
+                          <p:cTn id="14" fill="hold">
+                            <p:stCondLst>
+                              <p:cond delay="0"/>
+                            </p:stCondLst>
+                            <p:childTnLst>
+                              <p:par>
+                                <p:cTn id="15" presetID="10" presetClass="entr" presetSubtype="0" fill="hold" nodeType="clickEffect">
+                                  <p:stCondLst>
+                                    <p:cond delay="0"/>
+                                  </p:stCondLst>
+                                  <p:childTnLst>
+                                    <p:set>
+                                      <p:cBhvr>
+                                        <p:cTn id="16" dur="1" fill="hold">
+                                          <p:stCondLst>
+                                            <p:cond delay="0"/>
+                                          </p:stCondLst>
+                                        </p:cTn>
+                                        <p:tgtEl>
+                                          <p:spTgt spid="3">
+                                            <p:txEl>
+                                              <p:pRg st="3" end="3"/>
+                                            </p:txEl>
+                                          </p:spTgt>
+                                        </p:tgtEl>
+                                        <p:attrNameLst>
+                                          <p:attrName>style.visibility</p:attrName>
+                                        </p:attrNameLst>
+                                      </p:cBhvr>
+                                      <p:to>
+                                        <p:strVal val="visible"/>
+                                      </p:to>
+                                    </p:set>
+                                    <p:animEffect transition="in" filter="fade">
+                                      <p:cBhvr>
+                                        <p:cTn id="17" dur="500"/>
+                                        <p:tgtEl>
+                                          <p:spTgt spid="3">
+                                            <p:txEl>
+                                              <p:pRg st="3" end="3"/>
+                                            </p:txEl>
+                                          </p:spTgt>
+                                        </p:tgtEl>
+                                      </p:cBhvr>
+                                    </p:animEffect>
+                                  </p:childTnLst>
+                                </p:cTn>
+                              </p:par>
+                            </p:childTnLst>
+                          </p:cTn>
+                        </p:par>
+                      </p:childTnLst>
+                    </p:cTn>
+                  </p:par>
+                  <p:par>
+                    <p:cTn id="18" fill="hold">
+                      <p:stCondLst>
+                        <p:cond delay="indefinite"/>
+                      </p:stCondLst>
+                      <p:childTnLst>
+                        <p:par>
+                          <p:cTn id="19" fill="hold">
+                            <p:stCondLst>
+                              <p:cond delay="0"/>
+                            </p:stCondLst>
+                            <p:childTnLst>
+                              <p:par>
+                                <p:cTn id="20" presetID="10" presetClass="entr" presetSubtype="0" fill="hold" nodeType="clickEffect">
+                                  <p:stCondLst>
+                                    <p:cond delay="0"/>
+                                  </p:stCondLst>
+                                  <p:childTnLst>
+                                    <p:set>
+                                      <p:cBhvr>
+                                        <p:cTn id="21" dur="1" fill="hold">
+                                          <p:stCondLst>
+                                            <p:cond delay="0"/>
+                                          </p:stCondLst>
+                                        </p:cTn>
+                                        <p:tgtEl>
+                                          <p:spTgt spid="3">
+                                            <p:txEl>
+                                              <p:pRg st="4" end="4"/>
+                                            </p:txEl>
+                                          </p:spTgt>
+                                        </p:tgtEl>
+                                        <p:attrNameLst>
+                                          <p:attrName>style.visibility</p:attrName>
+                                        </p:attrNameLst>
+                                      </p:cBhvr>
+                                      <p:to>
+                                        <p:strVal val="visible"/>
+                                      </p:to>
+                                    </p:set>
+                                    <p:animEffect transition="in" filter="fade">
+                                      <p:cBhvr>
+                                        <p:cTn id="22" dur="500"/>
+                                        <p:tgtEl>
+                                          <p:spTgt spid="3">
+                                            <p:txEl>
+                                              <p:pRg st="4" end="4"/>
+                                            </p:txEl>
+                                          </p:spTgt>
+                                        </p:tgtEl>
+                                      </p:cBhvr>
+                                    </p:animEffect>
+                                  </p:childTnLst>
+                                </p:cTn>
+                              </p:par>
+                            </p:childTnLst>
+                          </p:cTn>
+                        </p:par>
+                      </p:childTnLst>
+                    </p:cTn>
+                  </p:par>
+                  <p:par>
+                    <p:cTn id="23" fill="hold">
+                      <p:stCondLst>
+                        <p:cond delay="indefinite"/>
+                      </p:stCondLst>
+                      <p:childTnLst>
+                        <p:par>
+                          <p:cTn id="24" fill="hold">
+                            <p:stCondLst>
+                              <p:cond delay="0"/>
+                            </p:stCondLst>
+                            <p:childTnLst>
+                              <p:par>
+                                <p:cTn id="25" presetID="10" presetClass="entr" presetSubtype="0" fill="hold" nodeType="clickEffect">
+                                  <p:stCondLst>
+                                    <p:cond delay="0"/>
+                                  </p:stCondLst>
+                                  <p:childTnLst>
+                                    <p:set>
+                                      <p:cBhvr>
+                                        <p:cTn id="26" dur="1" fill="hold">
+                                          <p:stCondLst>
+                                            <p:cond delay="0"/>
+                                          </p:stCondLst>
+                                        </p:cTn>
+                                        <p:tgtEl>
+                                          <p:spTgt spid="3">
+                                            <p:txEl>
+                                              <p:pRg st="5" end="5"/>
+                                            </p:txEl>
+                                          </p:spTgt>
+                                        </p:tgtEl>
+                                        <p:attrNameLst>
+                                          <p:attrName>style.visibility</p:attrName>
+                                        </p:attrNameLst>
+                                      </p:cBhvr>
+                                      <p:to>
+                                        <p:strVal val="visible"/>
+                                      </p:to>
+                                    </p:set>
+                                    <p:animEffect transition="in" filter="fade">
+                                      <p:cBhvr>
+                                        <p:cTn id="27" dur="500"/>
+                                        <p:tgtEl>
+                                          <p:spTgt spid="3">
+                                            <p:txEl>
+                                              <p:pRg st="5" end="5"/>
+                                            </p:txEl>
+                                          </p:spTgt>
+                                        </p:tgtEl>
+                                      </p:cBhvr>
+                                    </p:animEffect>
+                                  </p:childTnLst>
+                                </p:cTn>
+                              </p:par>
+                            </p:childTnLst>
+                          </p:cTn>
+                        </p:par>
+                      </p:childTnLst>
+                    </p:cTn>
+                  </p:par>
+                </p:childTnLst>
+              </p:cTn>
+              <p:prevCondLst>
+                <p:cond evt="onPrev" delay="0">
+                  <p:tgtEl>
+                    <p:sldTgt/>
+                  </p:tgtEl>
+                </p:cond>
+              </p:prevCondLst>
+              <p:nextCondLst>
+                <p:cond evt="onNext" delay="0">
+                  <p:tgtEl>
+                    <p:sldTgt/>
+                  </p:tgtEl>
+                </p:cond>
+              </p:nextCondLst>
+            </p:seq>
+          </p:childTnLst>
+        </p:cTn>
+      </p:par>
+    </p:tnLst>
+  </p:timing>
+</p:sld>
+</file>
+
+<file path=ppt/slides/slide19.xml><?xml version="1.0" encoding="utf-8"?>
+<p:sld xmlns:a="http://schemas.openxmlformats.org/drawingml/2006/main" xmlns:r="http://schemas.openxmlformats.org/officeDocument/2006/relationships" xmlns:p="http://schemas.openxmlformats.org/presentationml/2006/main">
+  <p:cSld>
+    <p:spTree>
+      <p:nvGrpSpPr>
+        <p:cNvPr id="1" name=""/>
+        <p:cNvGrpSpPr/>
+        <p:nvPr/>
+      </p:nvGrpSpPr>
+      <p:grpSpPr>
+        <a:xfrm>
+          <a:off x="0" y="0"/>
+          <a:ext cx="0" cy="0"/>
+          <a:chOff x="0" y="0"/>
+          <a:chExt cx="0" cy="0"/>
+        </a:xfrm>
+      </p:grpSpPr>
+      <p:sp>
+        <p:nvSpPr>
+          <p:cNvPr id="2" name="Title 1"/>
+          <p:cNvSpPr>
+            <a:spLocks noGrp="1"/>
+          </p:cNvSpPr>
+          <p:nvPr>
+            <p:ph type="title"/>
+          </p:nvPr>
+        </p:nvSpPr>
+        <p:spPr/>
+        <p:txBody>
+          <a:bodyPr/>
+          <a:lstStyle/>
+          <a:p>
+            <a:r>
+              <a:rPr lang="de-CH" dirty="0"/>
+              <a:t>R und Visual </a:t>
+            </a:r>
+            <a:r>
+              <a:rPr lang="de-CH" dirty="0" smtClean="0"/>
+              <a:t>Studio</a:t>
+            </a:r>
+            <a:endParaRPr lang="de-CH" dirty="0"/>
+          </a:p>
+        </p:txBody>
+      </p:sp>
+      <p:sp>
+        <p:nvSpPr>
+          <p:cNvPr id="4" name="Text Placeholder 3"/>
+          <p:cNvSpPr>
+            <a:spLocks noGrp="1"/>
+          </p:cNvSpPr>
+          <p:nvPr>
+            <p:ph type="body" idx="1"/>
+          </p:nvPr>
+        </p:nvSpPr>
+        <p:spPr/>
+        <p:txBody>
+          <a:bodyPr/>
+          <a:lstStyle/>
+          <a:p>
+            <a:endParaRPr lang="de-CH" dirty="0"/>
+          </a:p>
+        </p:txBody>
+      </p:sp>
+    </p:spTree>
+    <p:extLst>
+      <p:ext uri="{BB962C8B-B14F-4D97-AF65-F5344CB8AC3E}">
+        <p14:creationId xmlns:p14="http://schemas.microsoft.com/office/powerpoint/2010/main" val="11550923"/>
       </p:ext>
     </p:extLst>
   </p:cSld>
@@ -18849,37 +19797,59 @@
           <a:p>
             <a:r>
               <a:rPr lang="de-CH" dirty="0" smtClean="0"/>
-              <a:t>Was ist maschinelles Lernen?</a:t>
-            </a:r>
-          </a:p>
-          <a:p>
+              <a:t>Was </a:t>
+            </a:r>
             <a:r>
               <a:rPr lang="de-CH" dirty="0" smtClean="0"/>
-              <a:t>Was ist R/Rstudio?</a:t>
-            </a:r>
-          </a:p>
-          <a:p>
+              <a:t>ist maschinelles Lernen</a:t>
+            </a:r>
             <a:r>
               <a:rPr lang="de-CH" dirty="0" smtClean="0"/>
-              <a:t>Arten von maschinellem Lernen</a:t>
+              <a:t>?</a:t>
             </a:r>
           </a:p>
           <a:p>
             <a:r>
               <a:rPr lang="de-CH" dirty="0" smtClean="0"/>
+              <a:t>R und Visual Studio</a:t>
+            </a:r>
+            <a:endParaRPr lang="de-CH" dirty="0" smtClean="0"/>
+          </a:p>
+          <a:p>
+            <a:r>
+              <a:rPr lang="de-CH" dirty="0"/>
               <a:t>Tutorial/Demo</a:t>
             </a:r>
           </a:p>
           <a:p>
             <a:r>
               <a:rPr lang="de-CH" dirty="0" smtClean="0"/>
-              <a:t>ML mit Visual Studio 2017</a:t>
-            </a:r>
-          </a:p>
-          <a:p>
+              <a:t>Arten </a:t>
+            </a:r>
             <a:r>
               <a:rPr lang="de-CH" dirty="0" smtClean="0"/>
-              <a:t>Weiterführende Konzepte</a:t>
+              <a:t>von maschinellem </a:t>
+            </a:r>
+            <a:r>
+              <a:rPr lang="de-CH" dirty="0" smtClean="0"/>
+              <a:t>Lernen</a:t>
+            </a:r>
+          </a:p>
+          <a:p>
+            <a:r>
+              <a:rPr lang="de-CH" dirty="0" smtClean="0"/>
+              <a:t>Die 5 Fragen</a:t>
+            </a:r>
+            <a:endParaRPr lang="de-CH" dirty="0" smtClean="0"/>
+          </a:p>
+          <a:p>
+            <a:r>
+              <a:rPr lang="de-CH" dirty="0" smtClean="0"/>
+              <a:t>Weiterführende </a:t>
+            </a:r>
+            <a:r>
+              <a:rPr lang="de-CH" dirty="0" smtClean="0"/>
+              <a:t>Konzepte</a:t>
             </a:r>
           </a:p>
         </p:txBody>
@@ -18894,6 +19864,757 @@
   <p:clrMapOvr>
     <a:masterClrMapping/>
   </p:clrMapOvr>
+  <p:timing>
+    <p:tnLst>
+      <p:par>
+        <p:cTn id="1" dur="indefinite" restart="never" nodeType="tmRoot"/>
+      </p:par>
+    </p:tnLst>
+  </p:timing>
+</p:sld>
+</file>
+
+<file path=ppt/slides/slide20.xml><?xml version="1.0" encoding="utf-8"?>
+<p:sld xmlns:a="http://schemas.openxmlformats.org/drawingml/2006/main" xmlns:r="http://schemas.openxmlformats.org/officeDocument/2006/relationships" xmlns:p="http://schemas.openxmlformats.org/presentationml/2006/main">
+  <p:cSld>
+    <p:spTree>
+      <p:nvGrpSpPr>
+        <p:cNvPr id="1" name=""/>
+        <p:cNvGrpSpPr/>
+        <p:nvPr/>
+      </p:nvGrpSpPr>
+      <p:grpSpPr>
+        <a:xfrm>
+          <a:off x="0" y="0"/>
+          <a:ext cx="0" cy="0"/>
+          <a:chOff x="0" y="0"/>
+          <a:chExt cx="0" cy="0"/>
+        </a:xfrm>
+      </p:grpSpPr>
+      <p:sp>
+        <p:nvSpPr>
+          <p:cNvPr id="2" name="Title 1"/>
+          <p:cNvSpPr>
+            <a:spLocks noGrp="1"/>
+          </p:cNvSpPr>
+          <p:nvPr>
+            <p:ph type="title"/>
+          </p:nvPr>
+        </p:nvSpPr>
+        <p:spPr/>
+        <p:txBody>
+          <a:bodyPr/>
+          <a:lstStyle/>
+          <a:p>
+            <a:r>
+              <a:rPr lang="de-CH" dirty="0" smtClean="0"/>
+              <a:t>Die Programmiersprache R</a:t>
+            </a:r>
+            <a:endParaRPr lang="de-CH" dirty="0"/>
+          </a:p>
+        </p:txBody>
+      </p:sp>
+      <p:sp>
+        <p:nvSpPr>
+          <p:cNvPr id="3" name="Content Placeholder 2"/>
+          <p:cNvSpPr>
+            <a:spLocks noGrp="1"/>
+          </p:cNvSpPr>
+          <p:nvPr>
+            <p:ph idx="1"/>
+          </p:nvPr>
+        </p:nvSpPr>
+        <p:spPr/>
+        <p:txBody>
+          <a:bodyPr>
+            <a:normAutofit/>
+          </a:bodyPr>
+          <a:lstStyle/>
+          <a:p>
+            <a:r>
+              <a:rPr lang="de-CH" dirty="0" smtClean="0"/>
+              <a:t>Populäre Sprache für Data Science (</a:t>
+            </a:r>
+            <a:r>
+              <a:rPr lang="de-CH" dirty="0" smtClean="0">
+                <a:hlinkClick r:id="rId3"/>
+              </a:rPr>
+              <a:t>trends</a:t>
+            </a:r>
+            <a:r>
+              <a:rPr lang="de-CH" dirty="0" smtClean="0"/>
+              <a:t>)</a:t>
+            </a:r>
+          </a:p>
+          <a:p>
+            <a:r>
+              <a:rPr lang="de-CH" dirty="0" smtClean="0"/>
+              <a:t>Integriert in Visual Studio (RTools)</a:t>
+            </a:r>
+          </a:p>
+          <a:p>
+            <a:r>
+              <a:rPr lang="de-CH" dirty="0" smtClean="0"/>
+              <a:t>Multiparadigmen</a:t>
+            </a:r>
+          </a:p>
+          <a:p>
+            <a:r>
+              <a:rPr lang="de-CH" dirty="0" smtClean="0"/>
+              <a:t>Open Source </a:t>
+            </a:r>
+          </a:p>
+          <a:p>
+            <a:r>
+              <a:rPr lang="de-CH" dirty="0" smtClean="0"/>
+              <a:t>Interpretiert (mit Optimierungen)</a:t>
+            </a:r>
+          </a:p>
+          <a:p>
+            <a:r>
+              <a:rPr lang="de-CH" dirty="0" smtClean="0"/>
+              <a:t>Dynamisch, implizit, schwach typisiert</a:t>
+            </a:r>
+            <a:endParaRPr lang="de-CH" dirty="0"/>
+          </a:p>
+        </p:txBody>
+      </p:sp>
+    </p:spTree>
+    <p:extLst>
+      <p:ext uri="{BB962C8B-B14F-4D97-AF65-F5344CB8AC3E}">
+        <p14:creationId xmlns:p14="http://schemas.microsoft.com/office/powerpoint/2010/main" val="1892391967"/>
+      </p:ext>
+    </p:extLst>
+  </p:cSld>
+  <p:clrMapOvr>
+    <a:masterClrMapping/>
+  </p:clrMapOvr>
+  <p:timing>
+    <p:tnLst>
+      <p:par>
+        <p:cTn id="1" dur="indefinite" restart="never" nodeType="tmRoot">
+          <p:childTnLst>
+            <p:seq concurrent="1" nextAc="seek">
+              <p:cTn id="2" dur="indefinite" nodeType="mainSeq">
+                <p:childTnLst>
+                  <p:par>
+                    <p:cTn id="3" fill="hold">
+                      <p:stCondLst>
+                        <p:cond delay="indefinite"/>
+                      </p:stCondLst>
+                      <p:childTnLst>
+                        <p:par>
+                          <p:cTn id="4" fill="hold">
+                            <p:stCondLst>
+                              <p:cond delay="0"/>
+                            </p:stCondLst>
+                            <p:childTnLst>
+                              <p:par>
+                                <p:cTn id="5" presetID="10" presetClass="entr" presetSubtype="0" fill="hold" grpId="0" nodeType="clickEffect">
+                                  <p:stCondLst>
+                                    <p:cond delay="0"/>
+                                  </p:stCondLst>
+                                  <p:childTnLst>
+                                    <p:set>
+                                      <p:cBhvr>
+                                        <p:cTn id="6" dur="1" fill="hold">
+                                          <p:stCondLst>
+                                            <p:cond delay="0"/>
+                                          </p:stCondLst>
+                                        </p:cTn>
+                                        <p:tgtEl>
+                                          <p:spTgt spid="3">
+                                            <p:txEl>
+                                              <p:pRg st="0" end="0"/>
+                                            </p:txEl>
+                                          </p:spTgt>
+                                        </p:tgtEl>
+                                        <p:attrNameLst>
+                                          <p:attrName>style.visibility</p:attrName>
+                                        </p:attrNameLst>
+                                      </p:cBhvr>
+                                      <p:to>
+                                        <p:strVal val="visible"/>
+                                      </p:to>
+                                    </p:set>
+                                    <p:animEffect transition="in" filter="fade">
+                                      <p:cBhvr>
+                                        <p:cTn id="7" dur="500"/>
+                                        <p:tgtEl>
+                                          <p:spTgt spid="3">
+                                            <p:txEl>
+                                              <p:pRg st="0" end="0"/>
+                                            </p:txEl>
+                                          </p:spTgt>
+                                        </p:tgtEl>
+                                      </p:cBhvr>
+                                    </p:animEffect>
+                                  </p:childTnLst>
+                                </p:cTn>
+                              </p:par>
+                            </p:childTnLst>
+                          </p:cTn>
+                        </p:par>
+                      </p:childTnLst>
+                    </p:cTn>
+                  </p:par>
+                  <p:par>
+                    <p:cTn id="8" fill="hold">
+                      <p:stCondLst>
+                        <p:cond delay="indefinite"/>
+                      </p:stCondLst>
+                      <p:childTnLst>
+                        <p:par>
+                          <p:cTn id="9" fill="hold">
+                            <p:stCondLst>
+                              <p:cond delay="0"/>
+                            </p:stCondLst>
+                            <p:childTnLst>
+                              <p:par>
+                                <p:cTn id="10" presetID="10" presetClass="entr" presetSubtype="0" fill="hold" grpId="0" nodeType="clickEffect">
+                                  <p:stCondLst>
+                                    <p:cond delay="0"/>
+                                  </p:stCondLst>
+                                  <p:childTnLst>
+                                    <p:set>
+                                      <p:cBhvr>
+                                        <p:cTn id="11" dur="1" fill="hold">
+                                          <p:stCondLst>
+                                            <p:cond delay="0"/>
+                                          </p:stCondLst>
+                                        </p:cTn>
+                                        <p:tgtEl>
+                                          <p:spTgt spid="3">
+                                            <p:txEl>
+                                              <p:pRg st="1" end="1"/>
+                                            </p:txEl>
+                                          </p:spTgt>
+                                        </p:tgtEl>
+                                        <p:attrNameLst>
+                                          <p:attrName>style.visibility</p:attrName>
+                                        </p:attrNameLst>
+                                      </p:cBhvr>
+                                      <p:to>
+                                        <p:strVal val="visible"/>
+                                      </p:to>
+                                    </p:set>
+                                    <p:animEffect transition="in" filter="fade">
+                                      <p:cBhvr>
+                                        <p:cTn id="12" dur="500"/>
+                                        <p:tgtEl>
+                                          <p:spTgt spid="3">
+                                            <p:txEl>
+                                              <p:pRg st="1" end="1"/>
+                                            </p:txEl>
+                                          </p:spTgt>
+                                        </p:tgtEl>
+                                      </p:cBhvr>
+                                    </p:animEffect>
+                                  </p:childTnLst>
+                                </p:cTn>
+                              </p:par>
+                            </p:childTnLst>
+                          </p:cTn>
+                        </p:par>
+                      </p:childTnLst>
+                    </p:cTn>
+                  </p:par>
+                  <p:par>
+                    <p:cTn id="13" fill="hold">
+                      <p:stCondLst>
+                        <p:cond delay="indefinite"/>
+                      </p:stCondLst>
+                      <p:childTnLst>
+                        <p:par>
+                          <p:cTn id="14" fill="hold">
+                            <p:stCondLst>
+                              <p:cond delay="0"/>
+                            </p:stCondLst>
+                            <p:childTnLst>
+                              <p:par>
+                                <p:cTn id="15" presetID="10" presetClass="entr" presetSubtype="0" fill="hold" grpId="0" nodeType="clickEffect">
+                                  <p:stCondLst>
+                                    <p:cond delay="0"/>
+                                  </p:stCondLst>
+                                  <p:childTnLst>
+                                    <p:set>
+                                      <p:cBhvr>
+                                        <p:cTn id="16" dur="1" fill="hold">
+                                          <p:stCondLst>
+                                            <p:cond delay="0"/>
+                                          </p:stCondLst>
+                                        </p:cTn>
+                                        <p:tgtEl>
+                                          <p:spTgt spid="3">
+                                            <p:txEl>
+                                              <p:pRg st="2" end="2"/>
+                                            </p:txEl>
+                                          </p:spTgt>
+                                        </p:tgtEl>
+                                        <p:attrNameLst>
+                                          <p:attrName>style.visibility</p:attrName>
+                                        </p:attrNameLst>
+                                      </p:cBhvr>
+                                      <p:to>
+                                        <p:strVal val="visible"/>
+                                      </p:to>
+                                    </p:set>
+                                    <p:animEffect transition="in" filter="fade">
+                                      <p:cBhvr>
+                                        <p:cTn id="17" dur="500"/>
+                                        <p:tgtEl>
+                                          <p:spTgt spid="3">
+                                            <p:txEl>
+                                              <p:pRg st="2" end="2"/>
+                                            </p:txEl>
+                                          </p:spTgt>
+                                        </p:tgtEl>
+                                      </p:cBhvr>
+                                    </p:animEffect>
+                                  </p:childTnLst>
+                                </p:cTn>
+                              </p:par>
+                            </p:childTnLst>
+                          </p:cTn>
+                        </p:par>
+                      </p:childTnLst>
+                    </p:cTn>
+                  </p:par>
+                  <p:par>
+                    <p:cTn id="18" fill="hold">
+                      <p:stCondLst>
+                        <p:cond delay="indefinite"/>
+                      </p:stCondLst>
+                      <p:childTnLst>
+                        <p:par>
+                          <p:cTn id="19" fill="hold">
+                            <p:stCondLst>
+                              <p:cond delay="0"/>
+                            </p:stCondLst>
+                            <p:childTnLst>
+                              <p:par>
+                                <p:cTn id="20" presetID="10" presetClass="entr" presetSubtype="0" fill="hold" grpId="0" nodeType="clickEffect">
+                                  <p:stCondLst>
+                                    <p:cond delay="0"/>
+                                  </p:stCondLst>
+                                  <p:childTnLst>
+                                    <p:set>
+                                      <p:cBhvr>
+                                        <p:cTn id="21" dur="1" fill="hold">
+                                          <p:stCondLst>
+                                            <p:cond delay="0"/>
+                                          </p:stCondLst>
+                                        </p:cTn>
+                                        <p:tgtEl>
+                                          <p:spTgt spid="3">
+                                            <p:txEl>
+                                              <p:pRg st="3" end="3"/>
+                                            </p:txEl>
+                                          </p:spTgt>
+                                        </p:tgtEl>
+                                        <p:attrNameLst>
+                                          <p:attrName>style.visibility</p:attrName>
+                                        </p:attrNameLst>
+                                      </p:cBhvr>
+                                      <p:to>
+                                        <p:strVal val="visible"/>
+                                      </p:to>
+                                    </p:set>
+                                    <p:animEffect transition="in" filter="fade">
+                                      <p:cBhvr>
+                                        <p:cTn id="22" dur="500"/>
+                                        <p:tgtEl>
+                                          <p:spTgt spid="3">
+                                            <p:txEl>
+                                              <p:pRg st="3" end="3"/>
+                                            </p:txEl>
+                                          </p:spTgt>
+                                        </p:tgtEl>
+                                      </p:cBhvr>
+                                    </p:animEffect>
+                                  </p:childTnLst>
+                                </p:cTn>
+                              </p:par>
+                            </p:childTnLst>
+                          </p:cTn>
+                        </p:par>
+                      </p:childTnLst>
+                    </p:cTn>
+                  </p:par>
+                  <p:par>
+                    <p:cTn id="23" fill="hold">
+                      <p:stCondLst>
+                        <p:cond delay="indefinite"/>
+                      </p:stCondLst>
+                      <p:childTnLst>
+                        <p:par>
+                          <p:cTn id="24" fill="hold">
+                            <p:stCondLst>
+                              <p:cond delay="0"/>
+                            </p:stCondLst>
+                            <p:childTnLst>
+                              <p:par>
+                                <p:cTn id="25" presetID="10" presetClass="entr" presetSubtype="0" fill="hold" grpId="0" nodeType="clickEffect">
+                                  <p:stCondLst>
+                                    <p:cond delay="0"/>
+                                  </p:stCondLst>
+                                  <p:childTnLst>
+                                    <p:set>
+                                      <p:cBhvr>
+                                        <p:cTn id="26" dur="1" fill="hold">
+                                          <p:stCondLst>
+                                            <p:cond delay="0"/>
+                                          </p:stCondLst>
+                                        </p:cTn>
+                                        <p:tgtEl>
+                                          <p:spTgt spid="3">
+                                            <p:txEl>
+                                              <p:pRg st="4" end="4"/>
+                                            </p:txEl>
+                                          </p:spTgt>
+                                        </p:tgtEl>
+                                        <p:attrNameLst>
+                                          <p:attrName>style.visibility</p:attrName>
+                                        </p:attrNameLst>
+                                      </p:cBhvr>
+                                      <p:to>
+                                        <p:strVal val="visible"/>
+                                      </p:to>
+                                    </p:set>
+                                    <p:animEffect transition="in" filter="fade">
+                                      <p:cBhvr>
+                                        <p:cTn id="27" dur="500"/>
+                                        <p:tgtEl>
+                                          <p:spTgt spid="3">
+                                            <p:txEl>
+                                              <p:pRg st="4" end="4"/>
+                                            </p:txEl>
+                                          </p:spTgt>
+                                        </p:tgtEl>
+                                      </p:cBhvr>
+                                    </p:animEffect>
+                                  </p:childTnLst>
+                                </p:cTn>
+                              </p:par>
+                            </p:childTnLst>
+                          </p:cTn>
+                        </p:par>
+                      </p:childTnLst>
+                    </p:cTn>
+                  </p:par>
+                  <p:par>
+                    <p:cTn id="28" fill="hold">
+                      <p:stCondLst>
+                        <p:cond delay="indefinite"/>
+                      </p:stCondLst>
+                      <p:childTnLst>
+                        <p:par>
+                          <p:cTn id="29" fill="hold">
+                            <p:stCondLst>
+                              <p:cond delay="0"/>
+                            </p:stCondLst>
+                            <p:childTnLst>
+                              <p:par>
+                                <p:cTn id="30" presetID="10" presetClass="entr" presetSubtype="0" fill="hold" grpId="0" nodeType="clickEffect">
+                                  <p:stCondLst>
+                                    <p:cond delay="0"/>
+                                  </p:stCondLst>
+                                  <p:childTnLst>
+                                    <p:set>
+                                      <p:cBhvr>
+                                        <p:cTn id="31" dur="1" fill="hold">
+                                          <p:stCondLst>
+                                            <p:cond delay="0"/>
+                                          </p:stCondLst>
+                                        </p:cTn>
+                                        <p:tgtEl>
+                                          <p:spTgt spid="3">
+                                            <p:txEl>
+                                              <p:pRg st="5" end="5"/>
+                                            </p:txEl>
+                                          </p:spTgt>
+                                        </p:tgtEl>
+                                        <p:attrNameLst>
+                                          <p:attrName>style.visibility</p:attrName>
+                                        </p:attrNameLst>
+                                      </p:cBhvr>
+                                      <p:to>
+                                        <p:strVal val="visible"/>
+                                      </p:to>
+                                    </p:set>
+                                    <p:animEffect transition="in" filter="fade">
+                                      <p:cBhvr>
+                                        <p:cTn id="32" dur="500"/>
+                                        <p:tgtEl>
+                                          <p:spTgt spid="3">
+                                            <p:txEl>
+                                              <p:pRg st="5" end="5"/>
+                                            </p:txEl>
+                                          </p:spTgt>
+                                        </p:tgtEl>
+                                      </p:cBhvr>
+                                    </p:animEffect>
+                                  </p:childTnLst>
+                                </p:cTn>
+                              </p:par>
+                            </p:childTnLst>
+                          </p:cTn>
+                        </p:par>
+                      </p:childTnLst>
+                    </p:cTn>
+                  </p:par>
+                </p:childTnLst>
+              </p:cTn>
+              <p:prevCondLst>
+                <p:cond evt="onPrev" delay="0">
+                  <p:tgtEl>
+                    <p:sldTgt/>
+                  </p:tgtEl>
+                </p:cond>
+              </p:prevCondLst>
+              <p:nextCondLst>
+                <p:cond evt="onNext" delay="0">
+                  <p:tgtEl>
+                    <p:sldTgt/>
+                  </p:tgtEl>
+                </p:cond>
+              </p:nextCondLst>
+            </p:seq>
+          </p:childTnLst>
+        </p:cTn>
+      </p:par>
+    </p:tnLst>
+    <p:bldLst>
+      <p:bldP spid="3" grpId="0" build="p"/>
+    </p:bldLst>
+  </p:timing>
+</p:sld>
+</file>
+
+<file path=ppt/slides/slide21.xml><?xml version="1.0" encoding="utf-8"?>
+<p:sld xmlns:a="http://schemas.openxmlformats.org/drawingml/2006/main" xmlns:r="http://schemas.openxmlformats.org/officeDocument/2006/relationships" xmlns:p="http://schemas.openxmlformats.org/presentationml/2006/main">
+  <p:cSld>
+    <p:spTree>
+      <p:nvGrpSpPr>
+        <p:cNvPr id="1" name=""/>
+        <p:cNvGrpSpPr/>
+        <p:nvPr/>
+      </p:nvGrpSpPr>
+      <p:grpSpPr>
+        <a:xfrm>
+          <a:off x="0" y="0"/>
+          <a:ext cx="0" cy="0"/>
+          <a:chOff x="0" y="0"/>
+          <a:chExt cx="0" cy="0"/>
+        </a:xfrm>
+      </p:grpSpPr>
+      <p:sp>
+        <p:nvSpPr>
+          <p:cNvPr id="2" name="Title 1"/>
+          <p:cNvSpPr>
+            <a:spLocks noGrp="1"/>
+          </p:cNvSpPr>
+          <p:nvPr>
+            <p:ph type="title"/>
+          </p:nvPr>
+        </p:nvSpPr>
+        <p:spPr/>
+        <p:txBody>
+          <a:bodyPr/>
+          <a:lstStyle/>
+          <a:p>
+            <a:r>
+              <a:rPr lang="de-CH" dirty="0" smtClean="0"/>
+              <a:t>Visual Studio 2017</a:t>
+            </a:r>
+            <a:endParaRPr lang="de-CH" dirty="0"/>
+          </a:p>
+        </p:txBody>
+      </p:sp>
+      <p:sp>
+        <p:nvSpPr>
+          <p:cNvPr id="3" name="Content Placeholder 2"/>
+          <p:cNvSpPr>
+            <a:spLocks noGrp="1"/>
+          </p:cNvSpPr>
+          <p:nvPr>
+            <p:ph idx="1"/>
+          </p:nvPr>
+        </p:nvSpPr>
+        <p:spPr>
+          <a:xfrm>
+            <a:off x="3502152" y="3099879"/>
+            <a:ext cx="4773169" cy="1618425"/>
+          </a:xfrm>
+        </p:spPr>
+        <p:txBody>
+          <a:bodyPr>
+            <a:normAutofit/>
+          </a:bodyPr>
+          <a:lstStyle/>
+          <a:p>
+            <a:pPr marL="0" indent="0" algn="ctr">
+              <a:buNone/>
+            </a:pPr>
+            <a:r>
+              <a:rPr lang="de-CH" i="1" dirty="0" smtClean="0"/>
+              <a:t>Kurze Thema in bekanntem Kontex</a:t>
+            </a:r>
+            <a:endParaRPr lang="de-CH" i="1" dirty="0"/>
+          </a:p>
+        </p:txBody>
+      </p:sp>
+    </p:spTree>
+    <p:extLst>
+      <p:ext uri="{BB962C8B-B14F-4D97-AF65-F5344CB8AC3E}">
+        <p14:creationId xmlns:p14="http://schemas.microsoft.com/office/powerpoint/2010/main" val="606922813"/>
+      </p:ext>
+    </p:extLst>
+  </p:cSld>
+  <p:clrMapOvr>
+    <a:masterClrMapping/>
+  </p:clrMapOvr>
+  <p:timing>
+    <p:tnLst>
+      <p:par>
+        <p:cTn id="1" dur="indefinite" restart="never" nodeType="tmRoot"/>
+      </p:par>
+    </p:tnLst>
+  </p:timing>
+</p:sld>
+</file>
+
+<file path=ppt/slides/slide22.xml><?xml version="1.0" encoding="utf-8"?>
+<p:sld xmlns:a="http://schemas.openxmlformats.org/drawingml/2006/main" xmlns:r="http://schemas.openxmlformats.org/officeDocument/2006/relationships" xmlns:p="http://schemas.openxmlformats.org/presentationml/2006/main" show="0">
+  <p:cSld>
+    <p:spTree>
+      <p:nvGrpSpPr>
+        <p:cNvPr id="1" name=""/>
+        <p:cNvGrpSpPr/>
+        <p:nvPr/>
+      </p:nvGrpSpPr>
+      <p:grpSpPr>
+        <a:xfrm>
+          <a:off x="0" y="0"/>
+          <a:ext cx="0" cy="0"/>
+          <a:chOff x="0" y="0"/>
+          <a:chExt cx="0" cy="0"/>
+        </a:xfrm>
+      </p:grpSpPr>
+      <p:sp>
+        <p:nvSpPr>
+          <p:cNvPr id="2" name="Title 1"/>
+          <p:cNvSpPr>
+            <a:spLocks noGrp="1"/>
+          </p:cNvSpPr>
+          <p:nvPr>
+            <p:ph type="title"/>
+          </p:nvPr>
+        </p:nvSpPr>
+        <p:spPr/>
+        <p:txBody>
+          <a:bodyPr/>
+          <a:lstStyle/>
+          <a:p>
+            <a:r>
+              <a:rPr lang="de-CH" dirty="0" smtClean="0"/>
+              <a:t>Die </a:t>
+            </a:r>
+            <a:r>
+              <a:rPr lang="de-CH" sz="6600" dirty="0" smtClean="0"/>
+              <a:t>5</a:t>
+            </a:r>
+            <a:r>
+              <a:rPr lang="de-CH" dirty="0" smtClean="0"/>
+              <a:t> Fragen die ML beantworten kann</a:t>
+            </a:r>
+            <a:endParaRPr lang="de-CH" dirty="0"/>
+          </a:p>
+        </p:txBody>
+      </p:sp>
+      <p:sp>
+        <p:nvSpPr>
+          <p:cNvPr id="3" name="Content Placeholder 2"/>
+          <p:cNvSpPr>
+            <a:spLocks noGrp="1"/>
+          </p:cNvSpPr>
+          <p:nvPr>
+            <p:ph idx="1"/>
+          </p:nvPr>
+        </p:nvSpPr>
+        <p:spPr>
+          <a:xfrm>
+            <a:off x="2578448" y="1892870"/>
+            <a:ext cx="8825579" cy="4142169"/>
+          </a:xfrm>
+        </p:spPr>
+        <p:txBody>
+          <a:bodyPr>
+            <a:normAutofit/>
+          </a:bodyPr>
+          <a:lstStyle/>
+          <a:p>
+            <a:pPr marL="0" indent="0">
+              <a:buNone/>
+            </a:pPr>
+            <a:endParaRPr lang="de-CH" sz="2800" dirty="0" smtClean="0"/>
+          </a:p>
+          <a:p>
+            <a:pPr lvl="1"/>
+            <a:r>
+              <a:rPr lang="de-CH" sz="2400" dirty="0" smtClean="0"/>
+              <a:t>Ist das A oder B?</a:t>
+            </a:r>
+          </a:p>
+          <a:p>
+            <a:pPr lvl="1"/>
+            <a:r>
+              <a:rPr lang="de-CH" sz="2400" dirty="0" smtClean="0"/>
+              <a:t>Wieviel/wieviele?</a:t>
+            </a:r>
+          </a:p>
+          <a:p>
+            <a:pPr lvl="1"/>
+            <a:r>
+              <a:rPr lang="de-CH" sz="2400" dirty="0" smtClean="0"/>
+              <a:t>Ist das sonderbar?</a:t>
+            </a:r>
+          </a:p>
+          <a:p>
+            <a:pPr lvl="1"/>
+            <a:r>
+              <a:rPr lang="de-CH" sz="2400" dirty="0" smtClean="0"/>
+              <a:t>Wie ist das organisiert?</a:t>
+            </a:r>
+          </a:p>
+          <a:p>
+            <a:pPr lvl="1"/>
+            <a:r>
+              <a:rPr lang="de-CH" sz="2400" dirty="0" smtClean="0"/>
+              <a:t>Was soll ich als nächstes tun?</a:t>
+            </a:r>
+            <a:endParaRPr lang="de-CH" sz="2400" dirty="0"/>
+          </a:p>
+        </p:txBody>
+      </p:sp>
+    </p:spTree>
+    <p:extLst>
+      <p:ext uri="{BB962C8B-B14F-4D97-AF65-F5344CB8AC3E}">
+        <p14:creationId xmlns:p14="http://schemas.microsoft.com/office/powerpoint/2010/main" val="3379965065"/>
+      </p:ext>
+    </p:extLst>
+  </p:cSld>
+  <p:clrMapOvr>
+    <a:masterClrMapping/>
+  </p:clrMapOvr>
+  <mc:AlternateContent xmlns:mc="http://schemas.openxmlformats.org/markup-compatibility/2006">
+    <mc:Choice xmlns:p14="http://schemas.microsoft.com/office/powerpoint/2010/main" Requires="p14">
+      <p:transition spd="slow" p14:dur="2000"/>
+    </mc:Choice>
+    <mc:Fallback>
+      <p:transition spd="slow"/>
+    </mc:Fallback>
+  </mc:AlternateContent>
   <p:timing>
     <p:tnLst>
       <p:par>

--- a/presentation.pptx
+++ b/presentation.pptx
@@ -1168,7 +1168,11 @@
           <a:p>
             <a:r>
               <a:rPr lang="de-CH" dirty="0" smtClean="0"/>
-              <a:t>Wir wissen was es ist, jetzt kommt was es kann</a:t>
+              <a:t>Wir wissen was es ist, </a:t>
+            </a:r>
+            <a:r>
+              <a:rPr lang="de-CH" dirty="0" smtClean="0"/>
+              <a:t>wirklich interessant ist aber, was man damit tun kann. Das werden wir später sehen, aber dies hier vorab.</a:t>
             </a:r>
             <a:endParaRPr lang="de-CH" dirty="0"/>
           </a:p>
@@ -2551,9 +2555,6 @@
               </a:rPr>
               <a:t>Und/Oder?</a:t>
             </a:r>
-            <a:endParaRPr lang="en-US" dirty="0" smtClean="0">
-              <a:effectLst/>
-            </a:endParaRPr>
           </a:p>
           <a:p>
             <a:endParaRPr lang="de-CH" dirty="0"/>
@@ -2778,12 +2779,6 @@
                 <a:effectLst/>
               </a:rPr>
               <a:t>.</a:t>
-            </a:r>
-            <a:r>
-              <a:rPr lang="en-US" dirty="0" smtClean="0">
-                <a:effectLst/>
-              </a:rPr>
-              <a:t/>
             </a:r>
             <a:br>
               <a:rPr lang="en-US" dirty="0" smtClean="0">
@@ -2892,7 +2887,7 @@
           <a:noFill/>
           <a:extLst>
             <a:ext uri="{909E8E84-426E-40dd-AFC4-6F175D3DCCD1}">
-              <a14:hiddenFill xmlns="" xmlns:a14="http://schemas.microsoft.com/office/drawing/2010/main">
+              <a14:hiddenFill xmlns:a14="http://schemas.microsoft.com/office/drawing/2010/main" xmlns="">
                 <a:solidFill>
                   <a:srgbClr val="FFFFFF"/>
                 </a:solidFill>
@@ -2951,7 +2946,7 @@
             </a:ln>
             <a:extLst>
               <a:ext uri="{91240B29-F687-4f45-9708-019B960494DF}">
-                <a14:hiddenLine xmlns="" xmlns:a14="http://schemas.microsoft.com/office/drawing/2010/main" w="9525">
+                <a14:hiddenLine xmlns:a14="http://schemas.microsoft.com/office/drawing/2010/main" xmlns="" w="9525">
                   <a:solidFill>
                     <a:srgbClr val="000000"/>
                   </a:solidFill>
@@ -3041,7 +3036,7 @@
             </a:ln>
             <a:extLst>
               <a:ext uri="{91240B29-F687-4f45-9708-019B960494DF}">
-                <a14:hiddenLine xmlns="" xmlns:a14="http://schemas.microsoft.com/office/drawing/2010/main" w="9525">
+                <a14:hiddenLine xmlns:a14="http://schemas.microsoft.com/office/drawing/2010/main" xmlns="" w="9525">
                   <a:solidFill>
                     <a:srgbClr val="000000"/>
                   </a:solidFill>
@@ -3131,7 +3126,7 @@
             </a:ln>
             <a:extLst>
               <a:ext uri="{91240B29-F687-4f45-9708-019B960494DF}">
-                <a14:hiddenLine xmlns="" xmlns:a14="http://schemas.microsoft.com/office/drawing/2010/main" w="9525">
+                <a14:hiddenLine xmlns:a14="http://schemas.microsoft.com/office/drawing/2010/main" xmlns="" w="9525">
                   <a:solidFill>
                     <a:srgbClr val="000000"/>
                   </a:solidFill>
@@ -3165,7 +3160,7 @@
             </a:ln>
             <a:extLst>
               <a:ext uri="{91240B29-F687-4f45-9708-019B960494DF}">
-                <a14:hiddenLine xmlns="" xmlns:a14="http://schemas.microsoft.com/office/drawing/2010/main" w="9525">
+                <a14:hiddenLine xmlns:a14="http://schemas.microsoft.com/office/drawing/2010/main" xmlns="" w="9525">
                   <a:solidFill>
                     <a:srgbClr val="000000"/>
                   </a:solidFill>
@@ -3255,7 +3250,7 @@
             </a:ln>
             <a:extLst>
               <a:ext uri="{91240B29-F687-4f45-9708-019B960494DF}">
-                <a14:hiddenLine xmlns="" xmlns:a14="http://schemas.microsoft.com/office/drawing/2010/main" w="9525">
+                <a14:hiddenLine xmlns:a14="http://schemas.microsoft.com/office/drawing/2010/main" xmlns="" w="9525">
                   <a:solidFill>
                     <a:srgbClr val="000000"/>
                   </a:solidFill>
@@ -3317,7 +3312,7 @@
             </a:ln>
             <a:extLst>
               <a:ext uri="{91240B29-F687-4f45-9708-019B960494DF}">
-                <a14:hiddenLine xmlns="" xmlns:a14="http://schemas.microsoft.com/office/drawing/2010/main" w="9525">
+                <a14:hiddenLine xmlns:a14="http://schemas.microsoft.com/office/drawing/2010/main" xmlns="" w="9525">
                   <a:solidFill>
                     <a:srgbClr val="000000"/>
                   </a:solidFill>
@@ -3379,7 +3374,7 @@
             </a:ln>
             <a:extLst>
               <a:ext uri="{91240B29-F687-4f45-9708-019B960494DF}">
-                <a14:hiddenLine xmlns="" xmlns:a14="http://schemas.microsoft.com/office/drawing/2010/main" w="9525">
+                <a14:hiddenLine xmlns:a14="http://schemas.microsoft.com/office/drawing/2010/main" xmlns="" w="9525">
                   <a:solidFill>
                     <a:srgbClr val="000000"/>
                   </a:solidFill>
@@ -3469,7 +3464,7 @@
             </a:ln>
             <a:extLst>
               <a:ext uri="{91240B29-F687-4f45-9708-019B960494DF}">
-                <a14:hiddenLine xmlns="" xmlns:a14="http://schemas.microsoft.com/office/drawing/2010/main" w="9525">
+                <a14:hiddenLine xmlns:a14="http://schemas.microsoft.com/office/drawing/2010/main" xmlns="" w="9525">
                   <a:solidFill>
                     <a:srgbClr val="000000"/>
                   </a:solidFill>
@@ -3531,7 +3526,7 @@
             </a:ln>
             <a:extLst>
               <a:ext uri="{91240B29-F687-4f45-9708-019B960494DF}">
-                <a14:hiddenLine xmlns="" xmlns:a14="http://schemas.microsoft.com/office/drawing/2010/main" w="9525">
+                <a14:hiddenLine xmlns:a14="http://schemas.microsoft.com/office/drawing/2010/main" xmlns="" w="9525">
                   <a:solidFill>
                     <a:srgbClr val="000000"/>
                   </a:solidFill>
@@ -3593,7 +3588,7 @@
             </a:ln>
             <a:extLst>
               <a:ext uri="{91240B29-F687-4f45-9708-019B960494DF}">
-                <a14:hiddenLine xmlns="" xmlns:a14="http://schemas.microsoft.com/office/drawing/2010/main" w="9525">
+                <a14:hiddenLine xmlns:a14="http://schemas.microsoft.com/office/drawing/2010/main" xmlns="" w="9525">
                   <a:solidFill>
                     <a:srgbClr val="000000"/>
                   </a:solidFill>
@@ -3683,7 +3678,7 @@
             </a:ln>
             <a:extLst>
               <a:ext uri="{91240B29-F687-4f45-9708-019B960494DF}">
-                <a14:hiddenLine xmlns="" xmlns:a14="http://schemas.microsoft.com/office/drawing/2010/main" w="9525">
+                <a14:hiddenLine xmlns:a14="http://schemas.microsoft.com/office/drawing/2010/main" xmlns="" w="9525">
                   <a:solidFill>
                     <a:srgbClr val="000000"/>
                   </a:solidFill>
@@ -3773,7 +3768,7 @@
             </a:ln>
             <a:extLst>
               <a:ext uri="{91240B29-F687-4f45-9708-019B960494DF}">
-                <a14:hiddenLine xmlns="" xmlns:a14="http://schemas.microsoft.com/office/drawing/2010/main" w="9525">
+                <a14:hiddenLine xmlns:a14="http://schemas.microsoft.com/office/drawing/2010/main" xmlns="" w="9525">
                   <a:solidFill>
                     <a:srgbClr val="000000"/>
                   </a:solidFill>
@@ -3835,7 +3830,7 @@
             </a:ln>
             <a:extLst>
               <a:ext uri="{91240B29-F687-4f45-9708-019B960494DF}">
-                <a14:hiddenLine xmlns="" xmlns:a14="http://schemas.microsoft.com/office/drawing/2010/main" w="9525">
+                <a14:hiddenLine xmlns:a14="http://schemas.microsoft.com/office/drawing/2010/main" xmlns="" w="9525">
                   <a:solidFill>
                     <a:srgbClr val="000000"/>
                   </a:solidFill>
@@ -3945,7 +3940,7 @@
             </a:ln>
             <a:extLst>
               <a:ext uri="{91240B29-F687-4f45-9708-019B960494DF}">
-                <a14:hiddenLine xmlns="" xmlns:a14="http://schemas.microsoft.com/office/drawing/2010/main" w="9525">
+                <a14:hiddenLine xmlns:a14="http://schemas.microsoft.com/office/drawing/2010/main" xmlns="" w="9525">
                   <a:solidFill>
                     <a:srgbClr val="000000"/>
                   </a:solidFill>
@@ -4007,7 +4002,7 @@
             </a:ln>
             <a:extLst>
               <a:ext uri="{91240B29-F687-4f45-9708-019B960494DF}">
-                <a14:hiddenLine xmlns="" xmlns:a14="http://schemas.microsoft.com/office/drawing/2010/main" w="9525">
+                <a14:hiddenLine xmlns:a14="http://schemas.microsoft.com/office/drawing/2010/main" xmlns="" w="9525">
                   <a:solidFill>
                     <a:srgbClr val="000000"/>
                   </a:solidFill>
@@ -4097,7 +4092,7 @@
             </a:ln>
             <a:extLst>
               <a:ext uri="{91240B29-F687-4f45-9708-019B960494DF}">
-                <a14:hiddenLine xmlns="" xmlns:a14="http://schemas.microsoft.com/office/drawing/2010/main" w="9525">
+                <a14:hiddenLine xmlns:a14="http://schemas.microsoft.com/office/drawing/2010/main" xmlns="" w="9525">
                   <a:solidFill>
                     <a:srgbClr val="000000"/>
                   </a:solidFill>
@@ -4187,7 +4182,7 @@
             </a:ln>
             <a:extLst>
               <a:ext uri="{91240B29-F687-4f45-9708-019B960494DF}">
-                <a14:hiddenLine xmlns="" xmlns:a14="http://schemas.microsoft.com/office/drawing/2010/main" w="9525">
+                <a14:hiddenLine xmlns:a14="http://schemas.microsoft.com/office/drawing/2010/main" xmlns="" w="9525">
                   <a:solidFill>
                     <a:srgbClr val="000000"/>
                   </a:solidFill>
@@ -4249,7 +4244,7 @@
             </a:ln>
             <a:extLst>
               <a:ext uri="{91240B29-F687-4f45-9708-019B960494DF}">
-                <a14:hiddenLine xmlns="" xmlns:a14="http://schemas.microsoft.com/office/drawing/2010/main" w="9525">
+                <a14:hiddenLine xmlns:a14="http://schemas.microsoft.com/office/drawing/2010/main" xmlns="" w="9525">
                   <a:solidFill>
                     <a:srgbClr val="000000"/>
                   </a:solidFill>
@@ -4339,7 +4334,7 @@
             </a:ln>
             <a:extLst>
               <a:ext uri="{91240B29-F687-4f45-9708-019B960494DF}">
-                <a14:hiddenLine xmlns="" xmlns:a14="http://schemas.microsoft.com/office/drawing/2010/main" w="9525">
+                <a14:hiddenLine xmlns:a14="http://schemas.microsoft.com/office/drawing/2010/main" xmlns="" w="9525">
                   <a:solidFill>
                     <a:srgbClr val="000000"/>
                   </a:solidFill>
@@ -4429,7 +4424,7 @@
             </a:ln>
             <a:extLst>
               <a:ext uri="{91240B29-F687-4f45-9708-019B960494DF}">
-                <a14:hiddenLine xmlns="" xmlns:a14="http://schemas.microsoft.com/office/drawing/2010/main" w="9525">
+                <a14:hiddenLine xmlns:a14="http://schemas.microsoft.com/office/drawing/2010/main" xmlns="" w="9525">
                   <a:solidFill>
                     <a:srgbClr val="000000"/>
                   </a:solidFill>
@@ -4485,7 +4480,7 @@
             </a:ln>
             <a:extLst>
               <a:ext uri="{91240B29-F687-4f45-9708-019B960494DF}">
-                <a14:hiddenLine xmlns="" xmlns:a14="http://schemas.microsoft.com/office/drawing/2010/main" w="9525">
+                <a14:hiddenLine xmlns:a14="http://schemas.microsoft.com/office/drawing/2010/main" xmlns="" w="9525">
                   <a:solidFill>
                     <a:srgbClr val="000000"/>
                   </a:solidFill>
@@ -4575,7 +4570,7 @@
             </a:ln>
             <a:extLst>
               <a:ext uri="{91240B29-F687-4f45-9708-019B960494DF}">
-                <a14:hiddenLine xmlns="" xmlns:a14="http://schemas.microsoft.com/office/drawing/2010/main" w="9525">
+                <a14:hiddenLine xmlns:a14="http://schemas.microsoft.com/office/drawing/2010/main" xmlns="" w="9525">
                   <a:solidFill>
                     <a:srgbClr val="000000"/>
                   </a:solidFill>
@@ -4631,7 +4626,7 @@
             </a:ln>
             <a:extLst>
               <a:ext uri="{91240B29-F687-4f45-9708-019B960494DF}">
-                <a14:hiddenLine xmlns="" xmlns:a14="http://schemas.microsoft.com/office/drawing/2010/main" w="9525">
+                <a14:hiddenLine xmlns:a14="http://schemas.microsoft.com/office/drawing/2010/main" xmlns="" w="9525">
                   <a:solidFill>
                     <a:srgbClr val="000000"/>
                   </a:solidFill>
@@ -4721,7 +4716,7 @@
             </a:ln>
             <a:extLst>
               <a:ext uri="{91240B29-F687-4f45-9708-019B960494DF}">
-                <a14:hiddenLine xmlns="" xmlns:a14="http://schemas.microsoft.com/office/drawing/2010/main" w="9525">
+                <a14:hiddenLine xmlns:a14="http://schemas.microsoft.com/office/drawing/2010/main" xmlns="" w="9525">
                   <a:solidFill>
                     <a:srgbClr val="000000"/>
                   </a:solidFill>
@@ -4789,7 +4784,7 @@
             </a:ln>
             <a:extLst>
               <a:ext uri="{91240B29-F687-4f45-9708-019B960494DF}">
-                <a14:hiddenLine xmlns="" xmlns:a14="http://schemas.microsoft.com/office/drawing/2010/main" w="9525">
+                <a14:hiddenLine xmlns:a14="http://schemas.microsoft.com/office/drawing/2010/main" xmlns="" w="9525">
                   <a:solidFill>
                     <a:srgbClr val="000000"/>
                   </a:solidFill>
@@ -4879,7 +4874,7 @@
             </a:ln>
             <a:extLst>
               <a:ext uri="{91240B29-F687-4f45-9708-019B960494DF}">
-                <a14:hiddenLine xmlns="" xmlns:a14="http://schemas.microsoft.com/office/drawing/2010/main" w="9525">
+                <a14:hiddenLine xmlns:a14="http://schemas.microsoft.com/office/drawing/2010/main" xmlns="" w="9525">
                   <a:solidFill>
                     <a:srgbClr val="000000"/>
                   </a:solidFill>
@@ -4947,7 +4942,7 @@
             </a:ln>
             <a:extLst>
               <a:ext uri="{91240B29-F687-4f45-9708-019B960494DF}">
-                <a14:hiddenLine xmlns="" xmlns:a14="http://schemas.microsoft.com/office/drawing/2010/main" w="9525">
+                <a14:hiddenLine xmlns:a14="http://schemas.microsoft.com/office/drawing/2010/main" xmlns="" w="9525">
                   <a:solidFill>
                     <a:srgbClr val="000000"/>
                   </a:solidFill>
@@ -5037,7 +5032,7 @@
             </a:ln>
             <a:extLst>
               <a:ext uri="{91240B29-F687-4f45-9708-019B960494DF}">
-                <a14:hiddenLine xmlns="" xmlns:a14="http://schemas.microsoft.com/office/drawing/2010/main" w="9525">
+                <a14:hiddenLine xmlns:a14="http://schemas.microsoft.com/office/drawing/2010/main" xmlns="" w="9525">
                   <a:solidFill>
                     <a:srgbClr val="000000"/>
                   </a:solidFill>
@@ -5071,7 +5066,7 @@
             </a:ln>
             <a:extLst>
               <a:ext uri="{91240B29-F687-4f45-9708-019B960494DF}">
-                <a14:hiddenLine xmlns="" xmlns:a14="http://schemas.microsoft.com/office/drawing/2010/main" w="9525">
+                <a14:hiddenLine xmlns:a14="http://schemas.microsoft.com/office/drawing/2010/main" xmlns="" w="9525">
                   <a:solidFill>
                     <a:srgbClr val="000000"/>
                   </a:solidFill>
@@ -5161,7 +5156,7 @@
             </a:ln>
             <a:extLst>
               <a:ext uri="{91240B29-F687-4f45-9708-019B960494DF}">
-                <a14:hiddenLine xmlns="" xmlns:a14="http://schemas.microsoft.com/office/drawing/2010/main" w="9525">
+                <a14:hiddenLine xmlns:a14="http://schemas.microsoft.com/office/drawing/2010/main" xmlns="" w="9525">
                   <a:solidFill>
                     <a:srgbClr val="000000"/>
                   </a:solidFill>
@@ -5223,7 +5218,7 @@
             </a:ln>
             <a:extLst>
               <a:ext uri="{91240B29-F687-4f45-9708-019B960494DF}">
-                <a14:hiddenLine xmlns="" xmlns:a14="http://schemas.microsoft.com/office/drawing/2010/main" w="9525">
+                <a14:hiddenLine xmlns:a14="http://schemas.microsoft.com/office/drawing/2010/main" xmlns="" w="9525">
                   <a:solidFill>
                     <a:srgbClr val="000000"/>
                   </a:solidFill>
@@ -5285,7 +5280,7 @@
             </a:ln>
             <a:extLst>
               <a:ext uri="{91240B29-F687-4f45-9708-019B960494DF}">
-                <a14:hiddenLine xmlns="" xmlns:a14="http://schemas.microsoft.com/office/drawing/2010/main" w="9525">
+                <a14:hiddenLine xmlns:a14="http://schemas.microsoft.com/office/drawing/2010/main" xmlns="" w="9525">
                   <a:solidFill>
                     <a:srgbClr val="000000"/>
                   </a:solidFill>
@@ -5375,7 +5370,7 @@
             </a:ln>
             <a:extLst>
               <a:ext uri="{91240B29-F687-4f45-9708-019B960494DF}">
-                <a14:hiddenLine xmlns="" xmlns:a14="http://schemas.microsoft.com/office/drawing/2010/main" w="9525">
+                <a14:hiddenLine xmlns:a14="http://schemas.microsoft.com/office/drawing/2010/main" xmlns="" w="9525">
                   <a:solidFill>
                     <a:srgbClr val="000000"/>
                   </a:solidFill>
@@ -5443,7 +5438,7 @@
             </a:ln>
             <a:extLst>
               <a:ext uri="{91240B29-F687-4f45-9708-019B960494DF}">
-                <a14:hiddenLine xmlns="" xmlns:a14="http://schemas.microsoft.com/office/drawing/2010/main" w="9525">
+                <a14:hiddenLine xmlns:a14="http://schemas.microsoft.com/office/drawing/2010/main" xmlns="" w="9525">
                   <a:solidFill>
                     <a:srgbClr val="000000"/>
                   </a:solidFill>
@@ -5505,7 +5500,7 @@
             </a:ln>
             <a:extLst>
               <a:ext uri="{91240B29-F687-4f45-9708-019B960494DF}">
-                <a14:hiddenLine xmlns="" xmlns:a14="http://schemas.microsoft.com/office/drawing/2010/main" w="9525">
+                <a14:hiddenLine xmlns:a14="http://schemas.microsoft.com/office/drawing/2010/main" xmlns="" w="9525">
                   <a:solidFill>
                     <a:srgbClr val="000000"/>
                   </a:solidFill>
@@ -5595,7 +5590,7 @@
             </a:ln>
             <a:extLst>
               <a:ext uri="{91240B29-F687-4f45-9708-019B960494DF}">
-                <a14:hiddenLine xmlns="" xmlns:a14="http://schemas.microsoft.com/office/drawing/2010/main" w="9525">
+                <a14:hiddenLine xmlns:a14="http://schemas.microsoft.com/office/drawing/2010/main" xmlns="" w="9525">
                   <a:solidFill>
                     <a:srgbClr val="000000"/>
                   </a:solidFill>
@@ -5657,7 +5652,7 @@
             </a:ln>
             <a:extLst>
               <a:ext uri="{91240B29-F687-4f45-9708-019B960494DF}">
-                <a14:hiddenLine xmlns="" xmlns:a14="http://schemas.microsoft.com/office/drawing/2010/main" w="9525">
+                <a14:hiddenLine xmlns:a14="http://schemas.microsoft.com/office/drawing/2010/main" xmlns="" w="9525">
                   <a:solidFill>
                     <a:srgbClr val="000000"/>
                   </a:solidFill>
@@ -5747,7 +5742,7 @@
             </a:ln>
             <a:extLst>
               <a:ext uri="{91240B29-F687-4f45-9708-019B960494DF}">
-                <a14:hiddenLine xmlns="" xmlns:a14="http://schemas.microsoft.com/office/drawing/2010/main" w="9525">
+                <a14:hiddenLine xmlns:a14="http://schemas.microsoft.com/office/drawing/2010/main" xmlns="" w="9525">
                   <a:solidFill>
                     <a:srgbClr val="000000"/>
                   </a:solidFill>
@@ -5809,7 +5804,7 @@
             </a:ln>
             <a:extLst>
               <a:ext uri="{91240B29-F687-4f45-9708-019B960494DF}">
-                <a14:hiddenLine xmlns="" xmlns:a14="http://schemas.microsoft.com/office/drawing/2010/main" w="9525">
+                <a14:hiddenLine xmlns:a14="http://schemas.microsoft.com/office/drawing/2010/main" xmlns="" w="9525">
                   <a:solidFill>
                     <a:srgbClr val="000000"/>
                   </a:solidFill>
@@ -5899,7 +5894,7 @@
             </a:ln>
             <a:extLst>
               <a:ext uri="{91240B29-F687-4f45-9708-019B960494DF}">
-                <a14:hiddenLine xmlns="" xmlns:a14="http://schemas.microsoft.com/office/drawing/2010/main" w="9525">
+                <a14:hiddenLine xmlns:a14="http://schemas.microsoft.com/office/drawing/2010/main" xmlns="" w="9525">
                   <a:solidFill>
                     <a:srgbClr val="000000"/>
                   </a:solidFill>
@@ -5933,7 +5928,7 @@
             </a:ln>
             <a:extLst>
               <a:ext uri="{91240B29-F687-4f45-9708-019B960494DF}">
-                <a14:hiddenLine xmlns="" xmlns:a14="http://schemas.microsoft.com/office/drawing/2010/main" w="9525">
+                <a14:hiddenLine xmlns:a14="http://schemas.microsoft.com/office/drawing/2010/main" xmlns="" w="9525">
                   <a:solidFill>
                     <a:srgbClr val="000000"/>
                   </a:solidFill>
@@ -5998,7 +5993,7 @@
             </a:ln>
             <a:extLst>
               <a:ext uri="{91240B29-F687-4f45-9708-019B960494DF}">
-                <a14:hiddenLine xmlns="" xmlns:a14="http://schemas.microsoft.com/office/drawing/2010/main" w="9525">
+                <a14:hiddenLine xmlns:a14="http://schemas.microsoft.com/office/drawing/2010/main" xmlns="" w="9525">
                   <a:solidFill>
                     <a:srgbClr val="000000"/>
                   </a:solidFill>
@@ -6088,7 +6083,7 @@
             </a:ln>
             <a:extLst>
               <a:ext uri="{91240B29-F687-4f45-9708-019B960494DF}">
-                <a14:hiddenLine xmlns="" xmlns:a14="http://schemas.microsoft.com/office/drawing/2010/main" w="9525">
+                <a14:hiddenLine xmlns:a14="http://schemas.microsoft.com/office/drawing/2010/main" xmlns="" w="9525">
                   <a:solidFill>
                     <a:srgbClr val="000000"/>
                   </a:solidFill>
@@ -6150,7 +6145,7 @@
             </a:ln>
             <a:extLst>
               <a:ext uri="{91240B29-F687-4f45-9708-019B960494DF}">
-                <a14:hiddenLine xmlns="" xmlns:a14="http://schemas.microsoft.com/office/drawing/2010/main" w="9525">
+                <a14:hiddenLine xmlns:a14="http://schemas.microsoft.com/office/drawing/2010/main" xmlns="" w="9525">
                   <a:solidFill>
                     <a:srgbClr val="000000"/>
                   </a:solidFill>
@@ -6240,7 +6235,7 @@
             </a:ln>
             <a:extLst>
               <a:ext uri="{91240B29-F687-4f45-9708-019B960494DF}">
-                <a14:hiddenLine xmlns="" xmlns:a14="http://schemas.microsoft.com/office/drawing/2010/main" w="9525">
+                <a14:hiddenLine xmlns:a14="http://schemas.microsoft.com/office/drawing/2010/main" xmlns="" w="9525">
                   <a:solidFill>
                     <a:srgbClr val="000000"/>
                   </a:solidFill>
@@ -6330,7 +6325,7 @@
             </a:ln>
             <a:extLst>
               <a:ext uri="{91240B29-F687-4f45-9708-019B960494DF}">
-                <a14:hiddenLine xmlns="" xmlns:a14="http://schemas.microsoft.com/office/drawing/2010/main" w="9525">
+                <a14:hiddenLine xmlns:a14="http://schemas.microsoft.com/office/drawing/2010/main" xmlns="" w="9525">
                   <a:solidFill>
                     <a:srgbClr val="000000"/>
                   </a:solidFill>
@@ -6395,7 +6390,7 @@
             </a:ln>
             <a:extLst>
               <a:ext uri="{91240B29-F687-4f45-9708-019B960494DF}">
-                <a14:hiddenLine xmlns="" xmlns:a14="http://schemas.microsoft.com/office/drawing/2010/main" w="9525">
+                <a14:hiddenLine xmlns:a14="http://schemas.microsoft.com/office/drawing/2010/main" xmlns="" w="9525">
                   <a:solidFill>
                     <a:srgbClr val="000000"/>
                   </a:solidFill>
@@ -6457,7 +6452,7 @@
             </a:ln>
             <a:extLst>
               <a:ext uri="{91240B29-F687-4f45-9708-019B960494DF}">
-                <a14:hiddenLine xmlns="" xmlns:a14="http://schemas.microsoft.com/office/drawing/2010/main" w="9525">
+                <a14:hiddenLine xmlns:a14="http://schemas.microsoft.com/office/drawing/2010/main" xmlns="" w="9525">
                   <a:solidFill>
                     <a:srgbClr val="000000"/>
                   </a:solidFill>
@@ -6547,7 +6542,7 @@
             </a:ln>
             <a:extLst>
               <a:ext uri="{91240B29-F687-4f45-9708-019B960494DF}">
-                <a14:hiddenLine xmlns="" xmlns:a14="http://schemas.microsoft.com/office/drawing/2010/main" w="9525">
+                <a14:hiddenLine xmlns:a14="http://schemas.microsoft.com/office/drawing/2010/main" xmlns="" w="9525">
                   <a:solidFill>
                     <a:srgbClr val="000000"/>
                   </a:solidFill>
@@ -6637,7 +6632,7 @@
             </a:ln>
             <a:extLst>
               <a:ext uri="{91240B29-F687-4f45-9708-019B960494DF}">
-                <a14:hiddenLine xmlns="" xmlns:a14="http://schemas.microsoft.com/office/drawing/2010/main" w="9525">
+                <a14:hiddenLine xmlns:a14="http://schemas.microsoft.com/office/drawing/2010/main" xmlns="" w="9525">
                   <a:solidFill>
                     <a:srgbClr val="000000"/>
                   </a:solidFill>
@@ -6699,7 +6694,7 @@
             </a:ln>
             <a:extLst>
               <a:ext uri="{91240B29-F687-4f45-9708-019B960494DF}">
-                <a14:hiddenLine xmlns="" xmlns:a14="http://schemas.microsoft.com/office/drawing/2010/main" w="9525">
+                <a14:hiddenLine xmlns:a14="http://schemas.microsoft.com/office/drawing/2010/main" xmlns="" w="9525">
                   <a:solidFill>
                     <a:srgbClr val="000000"/>
                   </a:solidFill>
@@ -6819,7 +6814,7 @@
             </a:ln>
             <a:extLst>
               <a:ext uri="{91240B29-F687-4f45-9708-019B960494DF}">
-                <a14:hiddenLine xmlns="" xmlns:a14="http://schemas.microsoft.com/office/drawing/2010/main" w="9525">
+                <a14:hiddenLine xmlns:a14="http://schemas.microsoft.com/office/drawing/2010/main" xmlns="" w="9525">
                   <a:solidFill>
                     <a:srgbClr val="000000"/>
                   </a:solidFill>
@@ -6887,7 +6882,7 @@
             </a:ln>
             <a:extLst>
               <a:ext uri="{91240B29-F687-4f45-9708-019B960494DF}">
-                <a14:hiddenLine xmlns="" xmlns:a14="http://schemas.microsoft.com/office/drawing/2010/main" w="9525">
+                <a14:hiddenLine xmlns:a14="http://schemas.microsoft.com/office/drawing/2010/main" xmlns="" w="9525">
                   <a:solidFill>
                     <a:srgbClr val="000000"/>
                   </a:solidFill>
@@ -6977,7 +6972,7 @@
             </a:ln>
             <a:extLst>
               <a:ext uri="{91240B29-F687-4f45-9708-019B960494DF}">
-                <a14:hiddenLine xmlns="" xmlns:a14="http://schemas.microsoft.com/office/drawing/2010/main" w="9525">
+                <a14:hiddenLine xmlns:a14="http://schemas.microsoft.com/office/drawing/2010/main" xmlns="" w="9525">
                   <a:solidFill>
                     <a:srgbClr val="000000"/>
                   </a:solidFill>
@@ -11706,7 +11701,7 @@
           <a:noFill/>
           <a:extLst>
             <a:ext uri="{909E8E84-426E-40dd-AFC4-6F175D3DCCD1}">
-              <a14:hiddenFill xmlns="" xmlns:a14="http://schemas.microsoft.com/office/drawing/2010/main">
+              <a14:hiddenFill xmlns:a14="http://schemas.microsoft.com/office/drawing/2010/main" xmlns="">
                 <a:solidFill>
                   <a:srgbClr val="FFFFFF"/>
                 </a:solidFill>
@@ -11780,7 +11775,7 @@
               </a:ln>
               <a:extLst>
                 <a:ext uri="{91240B29-F687-4f45-9708-019B960494DF}">
-                  <a14:hiddenLine xmlns="" xmlns:a14="http://schemas.microsoft.com/office/drawing/2010/main" w="9525">
+                  <a14:hiddenLine xmlns:a14="http://schemas.microsoft.com/office/drawing/2010/main" xmlns="" w="9525">
                     <a:solidFill>
                       <a:srgbClr val="000000"/>
                     </a:solidFill>
@@ -11870,7 +11865,7 @@
               </a:ln>
               <a:extLst>
                 <a:ext uri="{91240B29-F687-4f45-9708-019B960494DF}">
-                  <a14:hiddenLine xmlns="" xmlns:a14="http://schemas.microsoft.com/office/drawing/2010/main" w="9525">
+                  <a14:hiddenLine xmlns:a14="http://schemas.microsoft.com/office/drawing/2010/main" xmlns="" w="9525">
                     <a:solidFill>
                       <a:srgbClr val="000000"/>
                     </a:solidFill>
@@ -11960,7 +11955,7 @@
               </a:ln>
               <a:extLst>
                 <a:ext uri="{91240B29-F687-4f45-9708-019B960494DF}">
-                  <a14:hiddenLine xmlns="" xmlns:a14="http://schemas.microsoft.com/office/drawing/2010/main" w="9525">
+                  <a14:hiddenLine xmlns:a14="http://schemas.microsoft.com/office/drawing/2010/main" xmlns="" w="9525">
                     <a:solidFill>
                       <a:srgbClr val="000000"/>
                     </a:solidFill>
@@ -12022,7 +12017,7 @@
               </a:ln>
               <a:extLst>
                 <a:ext uri="{91240B29-F687-4f45-9708-019B960494DF}">
-                  <a14:hiddenLine xmlns="" xmlns:a14="http://schemas.microsoft.com/office/drawing/2010/main" w="9525">
+                  <a14:hiddenLine xmlns:a14="http://schemas.microsoft.com/office/drawing/2010/main" xmlns="" w="9525">
                     <a:solidFill>
                       <a:srgbClr val="000000"/>
                     </a:solidFill>
@@ -12112,7 +12107,7 @@
               </a:ln>
               <a:extLst>
                 <a:ext uri="{91240B29-F687-4f45-9708-019B960494DF}">
-                  <a14:hiddenLine xmlns="" xmlns:a14="http://schemas.microsoft.com/office/drawing/2010/main" w="9525">
+                  <a14:hiddenLine xmlns:a14="http://schemas.microsoft.com/office/drawing/2010/main" xmlns="" w="9525">
                     <a:solidFill>
                       <a:srgbClr val="000000"/>
                     </a:solidFill>
@@ -12174,7 +12169,7 @@
               </a:ln>
               <a:extLst>
                 <a:ext uri="{91240B29-F687-4f45-9708-019B960494DF}">
-                  <a14:hiddenLine xmlns="" xmlns:a14="http://schemas.microsoft.com/office/drawing/2010/main" w="9525">
+                  <a14:hiddenLine xmlns:a14="http://schemas.microsoft.com/office/drawing/2010/main" xmlns="" w="9525">
                     <a:solidFill>
                       <a:srgbClr val="000000"/>
                     </a:solidFill>
@@ -12236,7 +12231,7 @@
               </a:ln>
               <a:extLst>
                 <a:ext uri="{91240B29-F687-4f45-9708-019B960494DF}">
-                  <a14:hiddenLine xmlns="" xmlns:a14="http://schemas.microsoft.com/office/drawing/2010/main" w="9525">
+                  <a14:hiddenLine xmlns:a14="http://schemas.microsoft.com/office/drawing/2010/main" xmlns="" w="9525">
                     <a:solidFill>
                       <a:srgbClr val="000000"/>
                     </a:solidFill>
@@ -12326,7 +12321,7 @@
               </a:ln>
               <a:extLst>
                 <a:ext uri="{91240B29-F687-4f45-9708-019B960494DF}">
-                  <a14:hiddenLine xmlns="" xmlns:a14="http://schemas.microsoft.com/office/drawing/2010/main" w="9525">
+                  <a14:hiddenLine xmlns:a14="http://schemas.microsoft.com/office/drawing/2010/main" xmlns="" w="9525">
                     <a:solidFill>
                       <a:srgbClr val="000000"/>
                     </a:solidFill>
@@ -12416,7 +12411,7 @@
               </a:ln>
               <a:extLst>
                 <a:ext uri="{91240B29-F687-4f45-9708-019B960494DF}">
-                  <a14:hiddenLine xmlns="" xmlns:a14="http://schemas.microsoft.com/office/drawing/2010/main" w="9525">
+                  <a14:hiddenLine xmlns:a14="http://schemas.microsoft.com/office/drawing/2010/main" xmlns="" w="9525">
                     <a:solidFill>
                       <a:srgbClr val="000000"/>
                     </a:solidFill>
@@ -12478,7 +12473,7 @@
               </a:ln>
               <a:extLst>
                 <a:ext uri="{91240B29-F687-4f45-9708-019B960494DF}">
-                  <a14:hiddenLine xmlns="" xmlns:a14="http://schemas.microsoft.com/office/drawing/2010/main" w="9525">
+                  <a14:hiddenLine xmlns:a14="http://schemas.microsoft.com/office/drawing/2010/main" xmlns="" w="9525">
                     <a:solidFill>
                       <a:srgbClr val="000000"/>
                     </a:solidFill>
@@ -12588,7 +12583,7 @@
               </a:ln>
               <a:extLst>
                 <a:ext uri="{91240B29-F687-4f45-9708-019B960494DF}">
-                  <a14:hiddenLine xmlns="" xmlns:a14="http://schemas.microsoft.com/office/drawing/2010/main" w="9525">
+                  <a14:hiddenLine xmlns:a14="http://schemas.microsoft.com/office/drawing/2010/main" xmlns="" w="9525">
                     <a:solidFill>
                       <a:srgbClr val="000000"/>
                     </a:solidFill>
@@ -12672,7 +12667,7 @@
               </a:ln>
               <a:extLst>
                 <a:ext uri="{91240B29-F687-4f45-9708-019B960494DF}">
-                  <a14:hiddenLine xmlns="" xmlns:a14="http://schemas.microsoft.com/office/drawing/2010/main" w="9525">
+                  <a14:hiddenLine xmlns:a14="http://schemas.microsoft.com/office/drawing/2010/main" xmlns="" w="9525">
                     <a:solidFill>
                       <a:srgbClr val="000000"/>
                     </a:solidFill>
@@ -12734,7 +12729,7 @@
               </a:ln>
               <a:extLst>
                 <a:ext uri="{91240B29-F687-4f45-9708-019B960494DF}">
-                  <a14:hiddenLine xmlns="" xmlns:a14="http://schemas.microsoft.com/office/drawing/2010/main" w="9525">
+                  <a14:hiddenLine xmlns:a14="http://schemas.microsoft.com/office/drawing/2010/main" xmlns="" w="9525">
                     <a:solidFill>
                       <a:srgbClr val="000000"/>
                     </a:solidFill>
@@ -12796,7 +12791,7 @@
               </a:ln>
               <a:extLst>
                 <a:ext uri="{91240B29-F687-4f45-9708-019B960494DF}">
-                  <a14:hiddenLine xmlns="" xmlns:a14="http://schemas.microsoft.com/office/drawing/2010/main" w="9525">
+                  <a14:hiddenLine xmlns:a14="http://schemas.microsoft.com/office/drawing/2010/main" xmlns="" w="9525">
                     <a:solidFill>
                       <a:srgbClr val="000000"/>
                     </a:solidFill>
@@ -12886,7 +12881,7 @@
               </a:ln>
               <a:extLst>
                 <a:ext uri="{91240B29-F687-4f45-9708-019B960494DF}">
-                  <a14:hiddenLine xmlns="" xmlns:a14="http://schemas.microsoft.com/office/drawing/2010/main" w="9525">
+                  <a14:hiddenLine xmlns:a14="http://schemas.microsoft.com/office/drawing/2010/main" xmlns="" w="9525">
                     <a:solidFill>
                       <a:srgbClr val="000000"/>
                     </a:solidFill>
@@ -12920,7 +12915,7 @@
               </a:ln>
               <a:extLst>
                 <a:ext uri="{91240B29-F687-4f45-9708-019B960494DF}">
-                  <a14:hiddenLine xmlns="" xmlns:a14="http://schemas.microsoft.com/office/drawing/2010/main" w="9525">
+                  <a14:hiddenLine xmlns:a14="http://schemas.microsoft.com/office/drawing/2010/main" xmlns="" w="9525">
                     <a:solidFill>
                       <a:srgbClr val="000000"/>
                     </a:solidFill>
@@ -12985,7 +12980,7 @@
               </a:ln>
               <a:extLst>
                 <a:ext uri="{91240B29-F687-4f45-9708-019B960494DF}">
-                  <a14:hiddenLine xmlns="" xmlns:a14="http://schemas.microsoft.com/office/drawing/2010/main" w="9525">
+                  <a14:hiddenLine xmlns:a14="http://schemas.microsoft.com/office/drawing/2010/main" xmlns="" w="9525">
                     <a:solidFill>
                       <a:srgbClr val="000000"/>
                     </a:solidFill>
@@ -13075,7 +13070,7 @@
               </a:ln>
               <a:extLst>
                 <a:ext uri="{91240B29-F687-4f45-9708-019B960494DF}">
-                  <a14:hiddenLine xmlns="" xmlns:a14="http://schemas.microsoft.com/office/drawing/2010/main" w="9525">
+                  <a14:hiddenLine xmlns:a14="http://schemas.microsoft.com/office/drawing/2010/main" xmlns="" w="9525">
                     <a:solidFill>
                       <a:srgbClr val="000000"/>
                     </a:solidFill>
@@ -13137,7 +13132,7 @@
               </a:ln>
               <a:extLst>
                 <a:ext uri="{91240B29-F687-4f45-9708-019B960494DF}">
-                  <a14:hiddenLine xmlns="" xmlns:a14="http://schemas.microsoft.com/office/drawing/2010/main" w="9525">
+                  <a14:hiddenLine xmlns:a14="http://schemas.microsoft.com/office/drawing/2010/main" xmlns="" w="9525">
                     <a:solidFill>
                       <a:srgbClr val="000000"/>
                     </a:solidFill>
@@ -13227,7 +13222,7 @@
               </a:ln>
               <a:extLst>
                 <a:ext uri="{91240B29-F687-4f45-9708-019B960494DF}">
-                  <a14:hiddenLine xmlns="" xmlns:a14="http://schemas.microsoft.com/office/drawing/2010/main" w="9525">
+                  <a14:hiddenLine xmlns:a14="http://schemas.microsoft.com/office/drawing/2010/main" xmlns="" w="9525">
                     <a:solidFill>
                       <a:srgbClr val="000000"/>
                     </a:solidFill>
@@ -13292,7 +13287,7 @@
               </a:ln>
               <a:extLst>
                 <a:ext uri="{91240B29-F687-4f45-9708-019B960494DF}">
-                  <a14:hiddenLine xmlns="" xmlns:a14="http://schemas.microsoft.com/office/drawing/2010/main" w="9525">
+                  <a14:hiddenLine xmlns:a14="http://schemas.microsoft.com/office/drawing/2010/main" xmlns="" w="9525">
                     <a:solidFill>
                       <a:srgbClr val="000000"/>
                     </a:solidFill>
@@ -13354,7 +13349,7 @@
               </a:ln>
               <a:extLst>
                 <a:ext uri="{91240B29-F687-4f45-9708-019B960494DF}">
-                  <a14:hiddenLine xmlns="" xmlns:a14="http://schemas.microsoft.com/office/drawing/2010/main" w="9525">
+                  <a14:hiddenLine xmlns:a14="http://schemas.microsoft.com/office/drawing/2010/main" xmlns="" w="9525">
                     <a:solidFill>
                       <a:srgbClr val="000000"/>
                     </a:solidFill>
@@ -13444,7 +13439,7 @@
               </a:ln>
               <a:extLst>
                 <a:ext uri="{91240B29-F687-4f45-9708-019B960494DF}">
-                  <a14:hiddenLine xmlns="" xmlns:a14="http://schemas.microsoft.com/office/drawing/2010/main" w="9525">
+                  <a14:hiddenLine xmlns:a14="http://schemas.microsoft.com/office/drawing/2010/main" xmlns="" w="9525">
                     <a:solidFill>
                       <a:srgbClr val="000000"/>
                     </a:solidFill>
@@ -13534,7 +13529,7 @@
               </a:ln>
               <a:extLst>
                 <a:ext uri="{91240B29-F687-4f45-9708-019B960494DF}">
-                  <a14:hiddenLine xmlns="" xmlns:a14="http://schemas.microsoft.com/office/drawing/2010/main" w="9525">
+                  <a14:hiddenLine xmlns:a14="http://schemas.microsoft.com/office/drawing/2010/main" xmlns="" w="9525">
                     <a:solidFill>
                       <a:srgbClr val="000000"/>
                     </a:solidFill>
@@ -13599,7 +13594,7 @@
               </a:ln>
               <a:extLst>
                 <a:ext uri="{91240B29-F687-4f45-9708-019B960494DF}">
-                  <a14:hiddenLine xmlns="" xmlns:a14="http://schemas.microsoft.com/office/drawing/2010/main" w="9525">
+                  <a14:hiddenLine xmlns:a14="http://schemas.microsoft.com/office/drawing/2010/main" xmlns="" w="9525">
                     <a:solidFill>
                       <a:srgbClr val="000000"/>
                     </a:solidFill>
@@ -13719,7 +13714,7 @@
               </a:ln>
               <a:extLst>
                 <a:ext uri="{91240B29-F687-4f45-9708-019B960494DF}">
-                  <a14:hiddenLine xmlns="" xmlns:a14="http://schemas.microsoft.com/office/drawing/2010/main" w="9525">
+                  <a14:hiddenLine xmlns:a14="http://schemas.microsoft.com/office/drawing/2010/main" xmlns="" w="9525">
                     <a:solidFill>
                       <a:srgbClr val="000000"/>
                     </a:solidFill>
@@ -13800,7 +13795,7 @@
               </a:ln>
               <a:extLst>
                 <a:ext uri="{91240B29-F687-4f45-9708-019B960494DF}">
-                  <a14:hiddenLine xmlns="" xmlns:a14="http://schemas.microsoft.com/office/drawing/2010/main" w="9525">
+                  <a14:hiddenLine xmlns:a14="http://schemas.microsoft.com/office/drawing/2010/main" xmlns="" w="9525">
                     <a:solidFill>
                       <a:srgbClr val="000000"/>
                     </a:solidFill>
@@ -13915,7 +13910,7 @@
               </a:ln>
               <a:extLst>
                 <a:ext uri="{91240B29-F687-4f45-9708-019B960494DF}">
-                  <a14:hiddenLine xmlns="" xmlns:a14="http://schemas.microsoft.com/office/drawing/2010/main" w="9525">
+                  <a14:hiddenLine xmlns:a14="http://schemas.microsoft.com/office/drawing/2010/main" xmlns="" w="9525">
                     <a:solidFill>
                       <a:srgbClr val="000000"/>
                     </a:solidFill>
@@ -14005,7 +14000,7 @@
               </a:ln>
               <a:extLst>
                 <a:ext uri="{91240B29-F687-4f45-9708-019B960494DF}">
-                  <a14:hiddenLine xmlns="" xmlns:a14="http://schemas.microsoft.com/office/drawing/2010/main" w="9525">
+                  <a14:hiddenLine xmlns:a14="http://schemas.microsoft.com/office/drawing/2010/main" xmlns="" w="9525">
                     <a:solidFill>
                       <a:srgbClr val="000000"/>
                     </a:solidFill>
@@ -14070,7 +14065,7 @@
               </a:ln>
               <a:extLst>
                 <a:ext uri="{91240B29-F687-4f45-9708-019B960494DF}">
-                  <a14:hiddenLine xmlns="" xmlns:a14="http://schemas.microsoft.com/office/drawing/2010/main" w="9525">
+                  <a14:hiddenLine xmlns:a14="http://schemas.microsoft.com/office/drawing/2010/main" xmlns="" w="9525">
                     <a:solidFill>
                       <a:srgbClr val="000000"/>
                     </a:solidFill>
@@ -14160,7 +14155,7 @@
               </a:ln>
               <a:extLst>
                 <a:ext uri="{91240B29-F687-4f45-9708-019B960494DF}">
-                  <a14:hiddenLine xmlns="" xmlns:a14="http://schemas.microsoft.com/office/drawing/2010/main" w="9525">
+                  <a14:hiddenLine xmlns:a14="http://schemas.microsoft.com/office/drawing/2010/main" xmlns="" w="9525">
                     <a:solidFill>
                       <a:srgbClr val="000000"/>
                     </a:solidFill>
@@ -14228,7 +14223,7 @@
               </a:ln>
               <a:extLst>
                 <a:ext uri="{91240B29-F687-4f45-9708-019B960494DF}">
-                  <a14:hiddenLine xmlns="" xmlns:a14="http://schemas.microsoft.com/office/drawing/2010/main" w="9525">
+                  <a14:hiddenLine xmlns:a14="http://schemas.microsoft.com/office/drawing/2010/main" xmlns="" w="9525">
                     <a:solidFill>
                       <a:srgbClr val="000000"/>
                     </a:solidFill>
@@ -14318,7 +14313,7 @@
               </a:ln>
               <a:extLst>
                 <a:ext uri="{91240B29-F687-4f45-9708-019B960494DF}">
-                  <a14:hiddenLine xmlns="" xmlns:a14="http://schemas.microsoft.com/office/drawing/2010/main" w="9525">
+                  <a14:hiddenLine xmlns:a14="http://schemas.microsoft.com/office/drawing/2010/main" xmlns="" w="9525">
                     <a:solidFill>
                       <a:srgbClr val="000000"/>
                     </a:solidFill>
@@ -14386,7 +14381,7 @@
               </a:ln>
               <a:extLst>
                 <a:ext uri="{91240B29-F687-4f45-9708-019B960494DF}">
-                  <a14:hiddenLine xmlns="" xmlns:a14="http://schemas.microsoft.com/office/drawing/2010/main" w="9525">
+                  <a14:hiddenLine xmlns:a14="http://schemas.microsoft.com/office/drawing/2010/main" xmlns="" w="9525">
                     <a:solidFill>
                       <a:srgbClr val="000000"/>
                     </a:solidFill>
@@ -14476,7 +14471,7 @@
               </a:ln>
               <a:extLst>
                 <a:ext uri="{91240B29-F687-4f45-9708-019B960494DF}">
-                  <a14:hiddenLine xmlns="" xmlns:a14="http://schemas.microsoft.com/office/drawing/2010/main" w="9525">
+                  <a14:hiddenLine xmlns:a14="http://schemas.microsoft.com/office/drawing/2010/main" xmlns="" w="9525">
                     <a:solidFill>
                       <a:srgbClr val="000000"/>
                     </a:solidFill>
@@ -14510,7 +14505,7 @@
               </a:ln>
               <a:extLst>
                 <a:ext uri="{91240B29-F687-4f45-9708-019B960494DF}">
-                  <a14:hiddenLine xmlns="" xmlns:a14="http://schemas.microsoft.com/office/drawing/2010/main" w="9525">
+                  <a14:hiddenLine xmlns:a14="http://schemas.microsoft.com/office/drawing/2010/main" xmlns="" w="9525">
                     <a:solidFill>
                       <a:srgbClr val="000000"/>
                     </a:solidFill>
@@ -15173,11 +15168,7 @@
           <a:p>
             <a:r>
               <a:rPr lang="de-CH" dirty="0" smtClean="0"/>
-              <a:t>Buzzword </a:t>
-            </a:r>
-            <a:r>
-              <a:rPr lang="de-CH" dirty="0" smtClean="0"/>
-              <a:t>cleanup</a:t>
+              <a:t>Buzzword cleanup</a:t>
             </a:r>
             <a:endParaRPr lang="de-CH" dirty="0"/>
           </a:p>
@@ -18745,11 +18736,7 @@
           <a:p>
             <a:r>
               <a:rPr lang="de-CH" sz="2400" dirty="0" smtClean="0"/>
-              <a:t>Deep </a:t>
-            </a:r>
-            <a:r>
-              <a:rPr lang="de-CH" sz="2400" dirty="0" smtClean="0"/>
-              <a:t>Learning</a:t>
+              <a:t>Deep Learning</a:t>
             </a:r>
             <a:endParaRPr lang="de-CH" sz="2400" dirty="0"/>
           </a:p>
@@ -19246,8 +19233,8 @@
         </p:nvSpPr>
         <p:spPr>
           <a:xfrm>
-            <a:off x="1472024" y="1883726"/>
-            <a:ext cx="8825579" cy="4142169"/>
+            <a:off x="1472024" y="2224216"/>
+            <a:ext cx="8825579" cy="3801679"/>
           </a:xfrm>
         </p:spPr>
         <p:txBody>
@@ -19256,46 +19243,97 @@
           </a:bodyPr>
           <a:lstStyle/>
           <a:p>
-            <a:pPr marL="0" indent="0">
+            <a:pPr marL="457200" lvl="1" indent="0" algn="just">
               <a:buNone/>
             </a:pPr>
-            <a:endParaRPr lang="de-CH" sz="2800" dirty="0" smtClean="0"/>
-          </a:p>
-          <a:p>
-            <a:pPr lvl="1"/>
             <a:r>
               <a:rPr lang="de-CH" sz="2400" dirty="0" smtClean="0"/>
-              <a:t>Ist das A oder B?</a:t>
-            </a:r>
-          </a:p>
-          <a:p>
-            <a:pPr lvl="1"/>
-            <a:r>
-              <a:rPr lang="de-CH" sz="2400" dirty="0" smtClean="0"/>
+              <a:t>Es kann 5 Fragen beantworten:</a:t>
+            </a:r>
+          </a:p>
+          <a:p>
+            <a:pPr lvl="2"/>
+            <a:r>
+              <a:rPr lang="de-CH" sz="2200" dirty="0" smtClean="0"/>
+              <a:t>Ist </a:t>
+            </a:r>
+            <a:r>
+              <a:rPr lang="de-CH" sz="2200" dirty="0" smtClean="0"/>
+              <a:t>das A oder B?</a:t>
+            </a:r>
+          </a:p>
+          <a:p>
+            <a:pPr lvl="2"/>
+            <a:r>
+              <a:rPr lang="de-CH" sz="2200" dirty="0" smtClean="0"/>
               <a:t>Wieviel/wieviele?</a:t>
             </a:r>
           </a:p>
           <a:p>
-            <a:pPr lvl="1"/>
-            <a:r>
-              <a:rPr lang="de-CH" sz="2400" dirty="0" smtClean="0"/>
+            <a:pPr lvl="2"/>
+            <a:r>
+              <a:rPr lang="de-CH" sz="2200" dirty="0" smtClean="0"/>
               <a:t>Ist das sonderbar?</a:t>
             </a:r>
           </a:p>
           <a:p>
-            <a:pPr lvl="1"/>
-            <a:r>
-              <a:rPr lang="de-CH" sz="2400" dirty="0" smtClean="0"/>
+            <a:pPr lvl="2"/>
+            <a:r>
+              <a:rPr lang="de-CH" sz="2200" dirty="0" smtClean="0"/>
               <a:t>Wie ist das organisiert?</a:t>
             </a:r>
           </a:p>
           <a:p>
-            <a:pPr lvl="1"/>
-            <a:r>
-              <a:rPr lang="de-CH" sz="2400" dirty="0" smtClean="0"/>
+            <a:pPr lvl="2"/>
+            <a:r>
+              <a:rPr lang="de-CH" sz="2200" dirty="0" smtClean="0"/>
               <a:t>Was soll ich als nächstes tun?</a:t>
             </a:r>
-            <a:endParaRPr lang="de-CH" sz="2400" dirty="0"/>
+            <a:endParaRPr lang="de-CH" sz="2200" dirty="0"/>
+          </a:p>
+        </p:txBody>
+      </p:sp>
+      <p:sp>
+        <p:nvSpPr>
+          <p:cNvPr id="4" name="TextBox 3"/>
+          <p:cNvSpPr txBox="1"/>
+          <p:nvPr/>
+        </p:nvSpPr>
+        <p:spPr>
+          <a:xfrm rot="20487536">
+            <a:off x="2174789" y="3282971"/>
+            <a:ext cx="6809878" cy="923330"/>
+          </a:xfrm>
+          <a:prstGeom prst="rect">
+            <a:avLst/>
+          </a:prstGeom>
+          <a:noFill/>
+        </p:spPr>
+        <p:txBody>
+          <a:bodyPr wrap="none" rtlCol="0">
+            <a:spAutoFit/>
+          </a:bodyPr>
+          <a:lstStyle/>
+          <a:p>
+            <a:r>
+              <a:rPr lang="de-CH" sz="5400" b="1" dirty="0" smtClean="0">
+                <a:solidFill>
+                  <a:schemeClr val="tx2">
+                    <a:lumMod val="60000"/>
+                    <a:lumOff val="40000"/>
+                  </a:schemeClr>
+                </a:solidFill>
+              </a:rPr>
+              <a:t>Didaktischer Spoiler</a:t>
+            </a:r>
+            <a:endParaRPr lang="de-CH" sz="5400" b="1" dirty="0">
+              <a:solidFill>
+                <a:schemeClr val="tx2">
+                  <a:lumMod val="60000"/>
+                  <a:lumOff val="40000"/>
+                </a:schemeClr>
+              </a:solidFill>
+            </a:endParaRPr>
           </a:p>
         </p:txBody>
       </p:sp>
@@ -19309,11 +19347,11 @@
   <p:clrMapOvr>
     <a:masterClrMapping/>
   </p:clrMapOvr>
-  <mc:AlternateContent xmlns:mc="http://schemas.openxmlformats.org/markup-compatibility/2006">
-    <mc:Choice xmlns:p14="http://schemas.microsoft.com/office/powerpoint/2010/main" Requires="p14">
+  <mc:AlternateContent xmlns:mc="http://schemas.openxmlformats.org/markup-compatibility/2006" xmlns:p14="http://schemas.microsoft.com/office/powerpoint/2010/main">
+    <mc:Choice Requires="p14">
       <p:transition spd="slow" p14:dur="2000"/>
     </mc:Choice>
-    <mc:Fallback>
+    <mc:Fallback xmlns="">
       <p:transition spd="slow"/>
     </mc:Fallback>
   </mc:AlternateContent>
@@ -19353,7 +19391,7 @@
                                         <p:tgtEl>
                                           <p:spTgt spid="3">
                                             <p:txEl>
-                                              <p:pRg st="1" end="1"/>
+                                              <p:pRg st="0" end="0"/>
                                             </p:txEl>
                                           </p:spTgt>
                                         </p:tgtEl>
@@ -19371,7 +19409,7 @@
                                         <p:tgtEl>
                                           <p:spTgt spid="3">
                                             <p:txEl>
-                                              <p:pRg st="1" end="1"/>
+                                              <p:pRg st="0" end="0"/>
                                             </p:txEl>
                                           </p:spTgt>
                                         </p:tgtEl>
@@ -19414,7 +19452,7 @@
                                         <p:tgtEl>
                                           <p:spTgt spid="3">
                                             <p:txEl>
-                                              <p:pRg st="2" end="2"/>
+                                              <p:pRg st="1" end="1"/>
                                             </p:txEl>
                                           </p:spTgt>
                                         </p:tgtEl>
@@ -19432,7 +19470,7 @@
                                         <p:tgtEl>
                                           <p:spTgt spid="3">
                                             <p:txEl>
-                                              <p:pRg st="2" end="2"/>
+                                              <p:pRg st="1" end="1"/>
                                             </p:txEl>
                                           </p:spTgt>
                                         </p:tgtEl>
@@ -19475,7 +19513,7 @@
                                         <p:tgtEl>
                                           <p:spTgt spid="3">
                                             <p:txEl>
-                                              <p:pRg st="3" end="3"/>
+                                              <p:pRg st="2" end="2"/>
                                             </p:txEl>
                                           </p:spTgt>
                                         </p:tgtEl>
@@ -19493,7 +19531,7 @@
                                         <p:tgtEl>
                                           <p:spTgt spid="3">
                                             <p:txEl>
-                                              <p:pRg st="3" end="3"/>
+                                              <p:pRg st="2" end="2"/>
                                             </p:txEl>
                                           </p:spTgt>
                                         </p:tgtEl>
@@ -19536,7 +19574,7 @@
                                         <p:tgtEl>
                                           <p:spTgt spid="3">
                                             <p:txEl>
-                                              <p:pRg st="4" end="4"/>
+                                              <p:pRg st="3" end="3"/>
                                             </p:txEl>
                                           </p:spTgt>
                                         </p:tgtEl>
@@ -19554,7 +19592,7 @@
                                         <p:tgtEl>
                                           <p:spTgt spid="3">
                                             <p:txEl>
-                                              <p:pRg st="4" end="4"/>
+                                              <p:pRg st="3" end="3"/>
                                             </p:txEl>
                                           </p:spTgt>
                                         </p:tgtEl>
@@ -19597,7 +19635,7 @@
                                         <p:tgtEl>
                                           <p:spTgt spid="3">
                                             <p:txEl>
-                                              <p:pRg st="5" end="5"/>
+                                              <p:pRg st="4" end="4"/>
                                             </p:txEl>
                                           </p:spTgt>
                                         </p:tgtEl>
@@ -19615,12 +19653,352 @@
                                         <p:tgtEl>
                                           <p:spTgt spid="3">
                                             <p:txEl>
+                                              <p:pRg st="4" end="4"/>
+                                            </p:txEl>
+                                          </p:spTgt>
+                                        </p:tgtEl>
+                                      </p:cBhvr>
+                                    </p:animEffect>
+                                  </p:childTnLst>
+                                </p:cTn>
+                              </p:par>
+                            </p:childTnLst>
+                          </p:cTn>
+                        </p:par>
+                      </p:childTnLst>
+                    </p:cTn>
+                  </p:par>
+                  <p:par>
+                    <p:cTn id="28" fill="hold">
+                      <p:stCondLst>
+                        <p:cond delay="indefinite"/>
+                      </p:stCondLst>
+                      <p:childTnLst>
+                        <p:par>
+                          <p:cTn id="29" fill="hold">
+                            <p:stCondLst>
+                              <p:cond delay="0"/>
+                            </p:stCondLst>
+                            <p:childTnLst>
+                              <p:par>
+                                <p:cTn id="30" presetID="10" presetClass="entr" presetSubtype="0" fill="hold" nodeType="clickEffect">
+                                  <p:stCondLst>
+                                    <p:cond delay="0"/>
+                                  </p:stCondLst>
+                                  <p:childTnLst>
+                                    <p:set>
+                                      <p:cBhvr>
+                                        <p:cTn id="31" dur="1" fill="hold">
+                                          <p:stCondLst>
+                                            <p:cond delay="0"/>
+                                          </p:stCondLst>
+                                        </p:cTn>
+                                        <p:tgtEl>
+                                          <p:spTgt spid="3">
+                                            <p:txEl>
+                                              <p:pRg st="5" end="5"/>
+                                            </p:txEl>
+                                          </p:spTgt>
+                                        </p:tgtEl>
+                                        <p:attrNameLst>
+                                          <p:attrName>style.visibility</p:attrName>
+                                        </p:attrNameLst>
+                                      </p:cBhvr>
+                                      <p:to>
+                                        <p:strVal val="visible"/>
+                                      </p:to>
+                                    </p:set>
+                                    <p:animEffect transition="in" filter="fade">
+                                      <p:cBhvr>
+                                        <p:cTn id="32" dur="500"/>
+                                        <p:tgtEl>
+                                          <p:spTgt spid="3">
+                                            <p:txEl>
                                               <p:pRg st="5" end="5"/>
                                             </p:txEl>
                                           </p:spTgt>
                                         </p:tgtEl>
                                       </p:cBhvr>
                                     </p:animEffect>
+                                  </p:childTnLst>
+                                </p:cTn>
+                              </p:par>
+                            </p:childTnLst>
+                          </p:cTn>
+                        </p:par>
+                      </p:childTnLst>
+                    </p:cTn>
+                  </p:par>
+                  <p:par>
+                    <p:cTn id="33" fill="hold">
+                      <p:stCondLst>
+                        <p:cond delay="indefinite"/>
+                      </p:stCondLst>
+                      <p:childTnLst>
+                        <p:par>
+                          <p:cTn id="34" fill="hold">
+                            <p:stCondLst>
+                              <p:cond delay="0"/>
+                            </p:stCondLst>
+                            <p:childTnLst>
+                              <p:par>
+                                <p:cTn id="35" presetID="9" presetClass="emph" presetSubtype="0" grpId="0" nodeType="clickEffect">
+                                  <p:stCondLst>
+                                    <p:cond delay="0"/>
+                                  </p:stCondLst>
+                                  <p:childTnLst>
+                                    <p:set>
+                                      <p:cBhvr rctx="PPT">
+                                        <p:cTn id="36" dur="indefinite"/>
+                                        <p:tgtEl>
+                                          <p:spTgt spid="3">
+                                            <p:txEl>
+                                              <p:pRg st="0" end="0"/>
+                                            </p:txEl>
+                                          </p:spTgt>
+                                        </p:tgtEl>
+                                        <p:attrNameLst>
+                                          <p:attrName>style.opacity</p:attrName>
+                                        </p:attrNameLst>
+                                      </p:cBhvr>
+                                      <p:to>
+                                        <p:strVal val="0.75"/>
+                                      </p:to>
+                                    </p:set>
+                                    <p:animEffect filter="image" prLst="opacity: 0.75">
+                                      <p:cBhvr rctx="IE">
+                                        <p:cTn id="37" dur="indefinite"/>
+                                        <p:tgtEl>
+                                          <p:spTgt spid="3">
+                                            <p:txEl>
+                                              <p:pRg st="0" end="0"/>
+                                            </p:txEl>
+                                          </p:spTgt>
+                                        </p:tgtEl>
+                                      </p:cBhvr>
+                                    </p:animEffect>
+                                  </p:childTnLst>
+                                </p:cTn>
+                              </p:par>
+                              <p:par>
+                                <p:cTn id="38" presetID="9" presetClass="emph" presetSubtype="0" grpId="0" nodeType="withEffect">
+                                  <p:stCondLst>
+                                    <p:cond delay="0"/>
+                                  </p:stCondLst>
+                                  <p:childTnLst>
+                                    <p:set>
+                                      <p:cBhvr rctx="PPT">
+                                        <p:cTn id="39" dur="indefinite"/>
+                                        <p:tgtEl>
+                                          <p:spTgt spid="3">
+                                            <p:txEl>
+                                              <p:pRg st="1" end="1"/>
+                                            </p:txEl>
+                                          </p:spTgt>
+                                        </p:tgtEl>
+                                        <p:attrNameLst>
+                                          <p:attrName>style.opacity</p:attrName>
+                                        </p:attrNameLst>
+                                      </p:cBhvr>
+                                      <p:to>
+                                        <p:strVal val="0.75"/>
+                                      </p:to>
+                                    </p:set>
+                                    <p:animEffect filter="image" prLst="opacity: 0.75">
+                                      <p:cBhvr rctx="IE">
+                                        <p:cTn id="40" dur="indefinite"/>
+                                        <p:tgtEl>
+                                          <p:spTgt spid="3">
+                                            <p:txEl>
+                                              <p:pRg st="1" end="1"/>
+                                            </p:txEl>
+                                          </p:spTgt>
+                                        </p:tgtEl>
+                                      </p:cBhvr>
+                                    </p:animEffect>
+                                  </p:childTnLst>
+                                </p:cTn>
+                              </p:par>
+                              <p:par>
+                                <p:cTn id="41" presetID="9" presetClass="emph" presetSubtype="0" grpId="0" nodeType="withEffect">
+                                  <p:stCondLst>
+                                    <p:cond delay="0"/>
+                                  </p:stCondLst>
+                                  <p:childTnLst>
+                                    <p:set>
+                                      <p:cBhvr rctx="PPT">
+                                        <p:cTn id="42" dur="indefinite"/>
+                                        <p:tgtEl>
+                                          <p:spTgt spid="3">
+                                            <p:txEl>
+                                              <p:pRg st="2" end="2"/>
+                                            </p:txEl>
+                                          </p:spTgt>
+                                        </p:tgtEl>
+                                        <p:attrNameLst>
+                                          <p:attrName>style.opacity</p:attrName>
+                                        </p:attrNameLst>
+                                      </p:cBhvr>
+                                      <p:to>
+                                        <p:strVal val="0.75"/>
+                                      </p:to>
+                                    </p:set>
+                                    <p:animEffect filter="image" prLst="opacity: 0.75">
+                                      <p:cBhvr rctx="IE">
+                                        <p:cTn id="43" dur="indefinite"/>
+                                        <p:tgtEl>
+                                          <p:spTgt spid="3">
+                                            <p:txEl>
+                                              <p:pRg st="2" end="2"/>
+                                            </p:txEl>
+                                          </p:spTgt>
+                                        </p:tgtEl>
+                                      </p:cBhvr>
+                                    </p:animEffect>
+                                  </p:childTnLst>
+                                </p:cTn>
+                              </p:par>
+                              <p:par>
+                                <p:cTn id="44" presetID="9" presetClass="emph" presetSubtype="0" grpId="0" nodeType="withEffect">
+                                  <p:stCondLst>
+                                    <p:cond delay="0"/>
+                                  </p:stCondLst>
+                                  <p:childTnLst>
+                                    <p:set>
+                                      <p:cBhvr rctx="PPT">
+                                        <p:cTn id="45" dur="indefinite"/>
+                                        <p:tgtEl>
+                                          <p:spTgt spid="3">
+                                            <p:txEl>
+                                              <p:pRg st="3" end="3"/>
+                                            </p:txEl>
+                                          </p:spTgt>
+                                        </p:tgtEl>
+                                        <p:attrNameLst>
+                                          <p:attrName>style.opacity</p:attrName>
+                                        </p:attrNameLst>
+                                      </p:cBhvr>
+                                      <p:to>
+                                        <p:strVal val="0.75"/>
+                                      </p:to>
+                                    </p:set>
+                                    <p:animEffect filter="image" prLst="opacity: 0.75">
+                                      <p:cBhvr rctx="IE">
+                                        <p:cTn id="46" dur="indefinite"/>
+                                        <p:tgtEl>
+                                          <p:spTgt spid="3">
+                                            <p:txEl>
+                                              <p:pRg st="3" end="3"/>
+                                            </p:txEl>
+                                          </p:spTgt>
+                                        </p:tgtEl>
+                                      </p:cBhvr>
+                                    </p:animEffect>
+                                  </p:childTnLst>
+                                </p:cTn>
+                              </p:par>
+                              <p:par>
+                                <p:cTn id="47" presetID="9" presetClass="emph" presetSubtype="0" grpId="0" nodeType="withEffect">
+                                  <p:stCondLst>
+                                    <p:cond delay="0"/>
+                                  </p:stCondLst>
+                                  <p:childTnLst>
+                                    <p:set>
+                                      <p:cBhvr rctx="PPT">
+                                        <p:cTn id="48" dur="indefinite"/>
+                                        <p:tgtEl>
+                                          <p:spTgt spid="3">
+                                            <p:txEl>
+                                              <p:pRg st="4" end="4"/>
+                                            </p:txEl>
+                                          </p:spTgt>
+                                        </p:tgtEl>
+                                        <p:attrNameLst>
+                                          <p:attrName>style.opacity</p:attrName>
+                                        </p:attrNameLst>
+                                      </p:cBhvr>
+                                      <p:to>
+                                        <p:strVal val="0.75"/>
+                                      </p:to>
+                                    </p:set>
+                                    <p:animEffect filter="image" prLst="opacity: 0.75">
+                                      <p:cBhvr rctx="IE">
+                                        <p:cTn id="49" dur="indefinite"/>
+                                        <p:tgtEl>
+                                          <p:spTgt spid="3">
+                                            <p:txEl>
+                                              <p:pRg st="4" end="4"/>
+                                            </p:txEl>
+                                          </p:spTgt>
+                                        </p:tgtEl>
+                                      </p:cBhvr>
+                                    </p:animEffect>
+                                  </p:childTnLst>
+                                </p:cTn>
+                              </p:par>
+                              <p:par>
+                                <p:cTn id="50" presetID="9" presetClass="emph" presetSubtype="0" grpId="0" nodeType="withEffect">
+                                  <p:stCondLst>
+                                    <p:cond delay="0"/>
+                                  </p:stCondLst>
+                                  <p:childTnLst>
+                                    <p:set>
+                                      <p:cBhvr rctx="PPT">
+                                        <p:cTn id="51" dur="indefinite"/>
+                                        <p:tgtEl>
+                                          <p:spTgt spid="3">
+                                            <p:txEl>
+                                              <p:pRg st="5" end="5"/>
+                                            </p:txEl>
+                                          </p:spTgt>
+                                        </p:tgtEl>
+                                        <p:attrNameLst>
+                                          <p:attrName>style.opacity</p:attrName>
+                                        </p:attrNameLst>
+                                      </p:cBhvr>
+                                      <p:to>
+                                        <p:strVal val="0.75"/>
+                                      </p:to>
+                                    </p:set>
+                                    <p:animEffect filter="image" prLst="opacity: 0.75">
+                                      <p:cBhvr rctx="IE">
+                                        <p:cTn id="52" dur="indefinite"/>
+                                        <p:tgtEl>
+                                          <p:spTgt spid="3">
+                                            <p:txEl>
+                                              <p:pRg st="5" end="5"/>
+                                            </p:txEl>
+                                          </p:spTgt>
+                                        </p:tgtEl>
+                                      </p:cBhvr>
+                                    </p:animEffect>
+                                  </p:childTnLst>
+                                </p:cTn>
+                              </p:par>
+                              <p:par>
+                                <p:cTn id="53" presetID="1" presetClass="entr" presetSubtype="0" fill="hold" grpId="0" nodeType="withEffect">
+                                  <p:stCondLst>
+                                    <p:cond delay="0"/>
+                                  </p:stCondLst>
+                                  <p:childTnLst>
+                                    <p:set>
+                                      <p:cBhvr>
+                                        <p:cTn id="54" dur="1" fill="hold">
+                                          <p:stCondLst>
+                                            <p:cond delay="0"/>
+                                          </p:stCondLst>
+                                        </p:cTn>
+                                        <p:tgtEl>
+                                          <p:spTgt spid="4"/>
+                                        </p:tgtEl>
+                                        <p:attrNameLst>
+                                          <p:attrName>style.visibility</p:attrName>
+                                        </p:attrNameLst>
+                                      </p:cBhvr>
+                                      <p:to>
+                                        <p:strVal val="visible"/>
+                                      </p:to>
+                                    </p:set>
                                   </p:childTnLst>
                                 </p:cTn>
                               </p:par>
@@ -19651,6 +20029,10 @@
         </p:cTn>
       </p:par>
     </p:tnLst>
+    <p:bldLst>
+      <p:bldP spid="3" grpId="0" build="p"/>
+      <p:bldP spid="4" grpId="0"/>
+    </p:bldLst>
   </p:timing>
 </p:sld>
 </file>
@@ -19797,15 +20179,7 @@
           <a:p>
             <a:r>
               <a:rPr lang="de-CH" dirty="0" smtClean="0"/>
-              <a:t>Was </a:t>
-            </a:r>
-            <a:r>
-              <a:rPr lang="de-CH" dirty="0" smtClean="0"/>
-              <a:t>ist maschinelles Lernen</a:t>
-            </a:r>
-            <a:r>
-              <a:rPr lang="de-CH" dirty="0" smtClean="0"/>
-              <a:t>?</a:t>
+              <a:t>Was ist maschinelles Lernen?</a:t>
             </a:r>
           </a:p>
           <a:p>
@@ -19813,7 +20187,6 @@
               <a:rPr lang="de-CH" dirty="0" smtClean="0"/>
               <a:t>R und Visual Studio</a:t>
             </a:r>
-            <a:endParaRPr lang="de-CH" dirty="0" smtClean="0"/>
           </a:p>
           <a:p>
             <a:r>
@@ -19824,15 +20197,7 @@
           <a:p>
             <a:r>
               <a:rPr lang="de-CH" dirty="0" smtClean="0"/>
-              <a:t>Arten </a:t>
-            </a:r>
-            <a:r>
-              <a:rPr lang="de-CH" dirty="0" smtClean="0"/>
-              <a:t>von maschinellem </a:t>
-            </a:r>
-            <a:r>
-              <a:rPr lang="de-CH" dirty="0" smtClean="0"/>
-              <a:t>Lernen</a:t>
+              <a:t>Arten von maschinellem Lernen</a:t>
             </a:r>
           </a:p>
           <a:p>
@@ -19840,16 +20205,11 @@
               <a:rPr lang="de-CH" dirty="0" smtClean="0"/>
               <a:t>Die 5 Fragen</a:t>
             </a:r>
-            <a:endParaRPr lang="de-CH" dirty="0" smtClean="0"/>
           </a:p>
           <a:p>
             <a:r>
               <a:rPr lang="de-CH" dirty="0" smtClean="0"/>
-              <a:t>Weiterführende </a:t>
-            </a:r>
-            <a:r>
-              <a:rPr lang="de-CH" dirty="0" smtClean="0"/>
-              <a:t>Konzepte</a:t>
+              <a:t>Weiterführende Konzepte</a:t>
             </a:r>
           </a:p>
         </p:txBody>
@@ -20607,11 +20967,11 @@
   <p:clrMapOvr>
     <a:masterClrMapping/>
   </p:clrMapOvr>
-  <mc:AlternateContent xmlns:mc="http://schemas.openxmlformats.org/markup-compatibility/2006">
-    <mc:Choice xmlns:p14="http://schemas.microsoft.com/office/powerpoint/2010/main" Requires="p14">
+  <mc:AlternateContent xmlns:mc="http://schemas.openxmlformats.org/markup-compatibility/2006" xmlns:p14="http://schemas.microsoft.com/office/powerpoint/2010/main">
+    <mc:Choice Requires="p14">
       <p:transition spd="slow" p14:dur="2000"/>
     </mc:Choice>
-    <mc:Fallback>
+    <mc:Fallback xmlns="">
       <p:transition spd="slow"/>
     </mc:Fallback>
   </mc:AlternateContent>
@@ -21567,16 +21927,11 @@
               <a:rPr lang="de-CH" i="1" dirty="0"/>
               <a:t>, welches sich </a:t>
             </a:r>
-            <a:endParaRPr lang="de-CH" i="1" dirty="0"/>
           </a:p>
           <a:p>
             <a:r>
               <a:rPr lang="de-CH" i="1" dirty="0"/>
-              <a:t>mit </a:t>
-            </a:r>
-            <a:r>
-              <a:rPr lang="de-CH" i="1" dirty="0"/>
-              <a:t>der </a:t>
+              <a:t>mit der </a:t>
             </a:r>
             <a:r>
               <a:rPr lang="de-CH" b="1" i="1" dirty="0"/>
@@ -21586,7 +21941,6 @@
               <a:rPr lang="de-CH" i="1" dirty="0"/>
               <a:t> befasst. </a:t>
             </a:r>
-            <a:endParaRPr lang="de-CH" i="1" dirty="0"/>
           </a:p>
           <a:p>
             <a:endParaRPr lang="de-CH" i="1" dirty="0"/>
@@ -22281,7 +22635,6 @@
               <a:rPr lang="en-US" i="1" dirty="0"/>
               <a:t>        </a:t>
             </a:r>
-            <a:endParaRPr lang="en-US" i="1" dirty="0"/>
           </a:p>
           <a:p>
             <a:r>

--- a/presentation.pptx
+++ b/presentation.pptx
@@ -5,7 +5,7 @@
     <p:sldMasterId id="2147483648" r:id="rId1"/>
   </p:sldMasterIdLst>
   <p:notesMasterIdLst>
-    <p:notesMasterId r:id="rId24"/>
+    <p:notesMasterId r:id="rId31"/>
   </p:notesMasterIdLst>
   <p:sldIdLst>
     <p:sldId id="256" r:id="rId2"/>
@@ -29,7 +29,14 @@
     <p:sldId id="276" r:id="rId20"/>
     <p:sldId id="275" r:id="rId21"/>
     <p:sldId id="278" r:id="rId22"/>
-    <p:sldId id="274" r:id="rId23"/>
+    <p:sldId id="281" r:id="rId23"/>
+    <p:sldId id="283" r:id="rId24"/>
+    <p:sldId id="284" r:id="rId25"/>
+    <p:sldId id="285" r:id="rId26"/>
+    <p:sldId id="279" r:id="rId27"/>
+    <p:sldId id="280" r:id="rId28"/>
+    <p:sldId id="282" r:id="rId29"/>
+    <p:sldId id="274" r:id="rId30"/>
   </p:sldIdLst>
   <p:sldSz cx="12192000" cy="6858000"/>
   <p:notesSz cx="6858000" cy="9144000"/>
@@ -531,22 +538,20 @@
           <a:lstStyle/>
           <a:p>
             <a:r>
-              <a:rPr lang="en-US" dirty="0" smtClean="0">
-                <a:effectLst/>
-              </a:rPr>
-              <a:t/>
-            </a:r>
-            <a:br>
-              <a:rPr lang="en-US" dirty="0" smtClean="0">
-                <a:effectLst/>
-              </a:rPr>
-            </a:br>
-            <a:endParaRPr lang="en-US" dirty="0" smtClean="0">
-              <a:effectLst/>
-            </a:endParaRPr>
-          </a:p>
-          <a:p>
-            <a:endParaRPr lang="de-CH" dirty="0"/>
+              <a:rPr lang="de-CH" dirty="0" smtClean="0"/>
+              <a:t>TODO:</a:t>
+            </a:r>
+          </a:p>
+          <a:p>
+            <a:r>
+              <a:rPr lang="de-CH" strike="sngStrike" dirty="0" smtClean="0"/>
+              <a:t>- ev. kurze Pause (Folien) zwischen</a:t>
+            </a:r>
+            <a:r>
+              <a:rPr lang="de-CH" strike="sngStrike" baseline="0" dirty="0" smtClean="0"/>
+              <a:t> Visual Studio Demo und Walkthrough</a:t>
+            </a:r>
+            <a:endParaRPr lang="de-CH" strike="sngStrike" dirty="0"/>
           </a:p>
         </p:txBody>
       </p:sp>
@@ -567,7 +572,7 @@
           <a:p>
             <a:fld id="{DA58BC1F-B303-41BB-B1E5-E3EE1F495441}" type="slidenum">
               <a:rPr lang="de-CH" smtClean="0"/>
-              <a:t>4</a:t>
+              <a:t>1</a:t>
             </a:fld>
             <a:endParaRPr lang="de-CH"/>
           </a:p>
@@ -576,7 +581,7 @@
     </p:spTree>
     <p:extLst>
       <p:ext uri="{BB962C8B-B14F-4D97-AF65-F5344CB8AC3E}">
-        <p14:creationId xmlns:p14="http://schemas.microsoft.com/office/powerpoint/2010/main" val="3484418300"/>
+        <p14:creationId xmlns:p14="http://schemas.microsoft.com/office/powerpoint/2010/main" val="1165701938"/>
       </p:ext>
     </p:extLst>
   </p:cSld>
@@ -631,46 +636,34 @@
           <a:lstStyle/>
           <a:p>
             <a:r>
+              <a:rPr lang="en-US" dirty="0" smtClean="0">
+                <a:effectLst/>
+              </a:rPr>
+              <a:t>Was </a:t>
+            </a:r>
+            <a:r>
               <a:rPr lang="en-US" dirty="0" err="1" smtClean="0">
                 <a:effectLst/>
               </a:rPr>
-              <a:t>Sehr</a:t>
-            </a:r>
-            <a:r>
-              <a:rPr lang="en-US" baseline="0" dirty="0" smtClean="0">
+              <a:t>noch</a:t>
+            </a:r>
+            <a:r>
+              <a:rPr lang="en-US" dirty="0" smtClean="0">
                 <a:effectLst/>
               </a:rPr>
               <a:t> </a:t>
             </a:r>
             <a:r>
-              <a:rPr lang="en-US" baseline="0" dirty="0" err="1" smtClean="0">
+              <a:rPr lang="en-US" dirty="0" err="1" smtClean="0">
                 <a:effectLst/>
               </a:rPr>
-              <a:t>angesagt</a:t>
-            </a:r>
-            <a:r>
-              <a:rPr lang="en-US" baseline="0" dirty="0" smtClean="0">
-                <a:effectLst/>
-              </a:rPr>
-              <a:t> </a:t>
-            </a:r>
-            <a:r>
-              <a:rPr lang="en-US" baseline="0" dirty="0" err="1" smtClean="0">
-                <a:effectLst/>
-              </a:rPr>
-              <a:t>im</a:t>
-            </a:r>
-            <a:r>
-              <a:rPr lang="en-US" baseline="0" dirty="0" smtClean="0">
-                <a:effectLst/>
-              </a:rPr>
-              <a:t> Moment.</a:t>
+              <a:t>fehlt</a:t>
             </a:r>
             <a:r>
               <a:rPr lang="en-US" dirty="0" smtClean="0">
                 <a:effectLst/>
               </a:rPr>
-              <a:t/>
+              <a:t>.</a:t>
             </a:r>
             <a:br>
               <a:rPr lang="en-US" dirty="0" smtClean="0">
@@ -703,7 +696,7 @@
           <a:p>
             <a:fld id="{DA58BC1F-B303-41BB-B1E5-E3EE1F495441}" type="slidenum">
               <a:rPr lang="de-CH" smtClean="0"/>
-              <a:t>13</a:t>
+              <a:t>12</a:t>
             </a:fld>
             <a:endParaRPr lang="de-CH"/>
           </a:p>
@@ -712,7 +705,7 @@
     </p:spTree>
     <p:extLst>
       <p:ext uri="{BB962C8B-B14F-4D97-AF65-F5344CB8AC3E}">
-        <p14:creationId xmlns:p14="http://schemas.microsoft.com/office/powerpoint/2010/main" val="2212649584"/>
+        <p14:creationId xmlns:p14="http://schemas.microsoft.com/office/powerpoint/2010/main" val="3344351000"/>
       </p:ext>
     </p:extLst>
   </p:cSld>
@@ -767,6 +760,42 @@
           <a:lstStyle/>
           <a:p>
             <a:r>
+              <a:rPr lang="en-US" dirty="0" err="1" smtClean="0">
+                <a:effectLst/>
+              </a:rPr>
+              <a:t>Sehr</a:t>
+            </a:r>
+            <a:r>
+              <a:rPr lang="en-US" baseline="0" dirty="0" smtClean="0">
+                <a:effectLst/>
+              </a:rPr>
+              <a:t> </a:t>
+            </a:r>
+            <a:r>
+              <a:rPr lang="en-US" baseline="0" dirty="0" err="1" smtClean="0">
+                <a:effectLst/>
+              </a:rPr>
+              <a:t>angesagt</a:t>
+            </a:r>
+            <a:r>
+              <a:rPr lang="en-US" baseline="0" dirty="0" smtClean="0">
+                <a:effectLst/>
+              </a:rPr>
+              <a:t> </a:t>
+            </a:r>
+            <a:r>
+              <a:rPr lang="en-US" baseline="0" dirty="0" err="1" smtClean="0">
+                <a:effectLst/>
+              </a:rPr>
+              <a:t>im</a:t>
+            </a:r>
+            <a:r>
+              <a:rPr lang="en-US" baseline="0" dirty="0" smtClean="0">
+                <a:effectLst/>
+              </a:rPr>
+              <a:t> Moment.</a:t>
+            </a:r>
+            <a:r>
               <a:rPr lang="en-US" dirty="0" smtClean="0">
                 <a:effectLst/>
               </a:rPr>
@@ -803,7 +832,7 @@
           <a:p>
             <a:fld id="{DA58BC1F-B303-41BB-B1E5-E3EE1F495441}" type="slidenum">
               <a:rPr lang="de-CH" smtClean="0"/>
-              <a:t>14</a:t>
+              <a:t>13</a:t>
             </a:fld>
             <a:endParaRPr lang="de-CH"/>
           </a:p>
@@ -812,7 +841,7 @@
     </p:spTree>
     <p:extLst>
       <p:ext uri="{BB962C8B-B14F-4D97-AF65-F5344CB8AC3E}">
-        <p14:creationId xmlns:p14="http://schemas.microsoft.com/office/powerpoint/2010/main" val="3465185793"/>
+        <p14:creationId xmlns:p14="http://schemas.microsoft.com/office/powerpoint/2010/main" val="2212649584"/>
       </p:ext>
     </p:extLst>
   </p:cSld>
@@ -903,7 +932,7 @@
           <a:p>
             <a:fld id="{DA58BC1F-B303-41BB-B1E5-E3EE1F495441}" type="slidenum">
               <a:rPr lang="de-CH" smtClean="0"/>
-              <a:t>15</a:t>
+              <a:t>14</a:t>
             </a:fld>
             <a:endParaRPr lang="de-CH"/>
           </a:p>
@@ -912,7 +941,7 @@
     </p:spTree>
     <p:extLst>
       <p:ext uri="{BB962C8B-B14F-4D97-AF65-F5344CB8AC3E}">
-        <p14:creationId xmlns:p14="http://schemas.microsoft.com/office/powerpoint/2010/main" val="3867933291"/>
+        <p14:creationId xmlns:p14="http://schemas.microsoft.com/office/powerpoint/2010/main" val="3465185793"/>
       </p:ext>
     </p:extLst>
   </p:cSld>
@@ -1003,7 +1032,7 @@
           <a:p>
             <a:fld id="{DA58BC1F-B303-41BB-B1E5-E3EE1F495441}" type="slidenum">
               <a:rPr lang="de-CH" smtClean="0"/>
-              <a:t>16</a:t>
+              <a:t>15</a:t>
             </a:fld>
             <a:endParaRPr lang="de-CH"/>
           </a:p>
@@ -1012,7 +1041,7 @@
     </p:spTree>
     <p:extLst>
       <p:ext uri="{BB962C8B-B14F-4D97-AF65-F5344CB8AC3E}">
-        <p14:creationId xmlns:p14="http://schemas.microsoft.com/office/powerpoint/2010/main" val="608833155"/>
+        <p14:creationId xmlns:p14="http://schemas.microsoft.com/office/powerpoint/2010/main" val="3867933291"/>
       </p:ext>
     </p:extLst>
   </p:cSld>
@@ -1103,7 +1132,7 @@
           <a:p>
             <a:fld id="{DA58BC1F-B303-41BB-B1E5-E3EE1F495441}" type="slidenum">
               <a:rPr lang="de-CH" smtClean="0"/>
-              <a:t>17</a:t>
+              <a:t>16</a:t>
             </a:fld>
             <a:endParaRPr lang="de-CH"/>
           </a:p>
@@ -1112,7 +1141,7 @@
     </p:spTree>
     <p:extLst>
       <p:ext uri="{BB962C8B-B14F-4D97-AF65-F5344CB8AC3E}">
-        <p14:creationId xmlns:p14="http://schemas.microsoft.com/office/powerpoint/2010/main" val="2359302890"/>
+        <p14:creationId xmlns:p14="http://schemas.microsoft.com/office/powerpoint/2010/main" val="608833155"/>
       </p:ext>
     </p:extLst>
   </p:cSld>
@@ -1167,13 +1196,21 @@
           <a:lstStyle/>
           <a:p>
             <a:r>
-              <a:rPr lang="de-CH" dirty="0" smtClean="0"/>
-              <a:t>Wir wissen was es ist, </a:t>
-            </a:r>
-            <a:r>
-              <a:rPr lang="de-CH" dirty="0" smtClean="0"/>
-              <a:t>wirklich interessant ist aber, was man damit tun kann. Das werden wir später sehen, aber dies hier vorab.</a:t>
-            </a:r>
+              <a:rPr lang="en-US" dirty="0" smtClean="0">
+                <a:effectLst/>
+              </a:rPr>
+              <a:t/>
+            </a:r>
+            <a:br>
+              <a:rPr lang="en-US" dirty="0" smtClean="0">
+                <a:effectLst/>
+              </a:rPr>
+            </a:br>
+            <a:endParaRPr lang="en-US" dirty="0" smtClean="0">
+              <a:effectLst/>
+            </a:endParaRPr>
+          </a:p>
+          <a:p>
             <a:endParaRPr lang="de-CH" dirty="0"/>
           </a:p>
         </p:txBody>
@@ -1195,7 +1232,7 @@
           <a:p>
             <a:fld id="{DA58BC1F-B303-41BB-B1E5-E3EE1F495441}" type="slidenum">
               <a:rPr lang="de-CH" smtClean="0"/>
-              <a:t>18</a:t>
+              <a:t>17</a:t>
             </a:fld>
             <a:endParaRPr lang="de-CH"/>
           </a:p>
@@ -1204,7 +1241,7 @@
     </p:spTree>
     <p:extLst>
       <p:ext uri="{BB962C8B-B14F-4D97-AF65-F5344CB8AC3E}">
-        <p14:creationId xmlns:p14="http://schemas.microsoft.com/office/powerpoint/2010/main" val="1626842335"/>
+        <p14:creationId xmlns:p14="http://schemas.microsoft.com/office/powerpoint/2010/main" val="2359302890"/>
       </p:ext>
     </p:extLst>
   </p:cSld>
@@ -1260,15 +1297,7 @@
           <a:p>
             <a:r>
               <a:rPr lang="de-CH" dirty="0" smtClean="0"/>
-              <a:t>Rtools</a:t>
-            </a:r>
-            <a:r>
-              <a:rPr lang="de-CH" baseline="0" dirty="0" smtClean="0"/>
-              <a:t> b</a:t>
-            </a:r>
-            <a:r>
-              <a:rPr lang="de-CH" dirty="0" smtClean="0"/>
-              <a:t>ereits in 2015 einsetzbar</a:t>
+              <a:t>Wir wissen was es ist, wirklich interessant ist aber, was man damit tun kann. Das werden wir später sehen, aber dies hier vorab.</a:t>
             </a:r>
             <a:endParaRPr lang="de-CH" dirty="0"/>
           </a:p>
@@ -1291,7 +1320,7 @@
           <a:p>
             <a:fld id="{DA58BC1F-B303-41BB-B1E5-E3EE1F495441}" type="slidenum">
               <a:rPr lang="de-CH" smtClean="0"/>
-              <a:t>19</a:t>
+              <a:t>18</a:t>
             </a:fld>
             <a:endParaRPr lang="de-CH"/>
           </a:p>
@@ -1300,7 +1329,7 @@
     </p:spTree>
     <p:extLst>
       <p:ext uri="{BB962C8B-B14F-4D97-AF65-F5344CB8AC3E}">
-        <p14:creationId xmlns:p14="http://schemas.microsoft.com/office/powerpoint/2010/main" val="2454586652"/>
+        <p14:creationId xmlns:p14="http://schemas.microsoft.com/office/powerpoint/2010/main" val="1626842335"/>
       </p:ext>
     </p:extLst>
   </p:cSld>
@@ -1356,61 +1385,16 @@
           <a:p>
             <a:r>
               <a:rPr lang="de-CH" dirty="0" smtClean="0"/>
-              <a:t>Todo: Unterschied schwach und dynamisch sattelfest</a:t>
+              <a:t>Rtools</a:t>
             </a:r>
             <a:r>
               <a:rPr lang="de-CH" baseline="0" dirty="0" smtClean="0"/>
-              <a:t> haben</a:t>
-            </a:r>
-          </a:p>
-          <a:p>
+              <a:t> b</a:t>
+            </a:r>
             <a:r>
               <a:rPr lang="de-CH" dirty="0" smtClean="0"/>
-              <a:t>Ob R oder Python spielt eigentlich</a:t>
-            </a:r>
-            <a:r>
-              <a:rPr lang="de-CH" baseline="0" dirty="0" smtClean="0"/>
-              <a:t> keine Rolle (Einfachere Visualisierungen)</a:t>
-            </a:r>
-            <a:endParaRPr lang="de-CH" dirty="0" smtClean="0"/>
-          </a:p>
-          <a:p>
-            <a:r>
-              <a:rPr lang="de-CH" dirty="0" smtClean="0"/>
-              <a:t>Python ist auch in Visual Studio integriert</a:t>
-            </a:r>
-          </a:p>
-          <a:p>
-            <a:r>
-              <a:rPr lang="de-CH" dirty="0" smtClean="0"/>
-              <a:t>Funktional/Objektorientiert</a:t>
-            </a:r>
-          </a:p>
-          <a:p>
-            <a:r>
-              <a:rPr lang="de-CH" dirty="0" smtClean="0"/>
-              <a:t>Open Source (Riesen Community, Fast für</a:t>
-            </a:r>
-            <a:r>
-              <a:rPr lang="de-CH" baseline="0" dirty="0" smtClean="0"/>
-              <a:t> alles ein Package)</a:t>
-            </a:r>
-            <a:endParaRPr lang="de-CH" dirty="0" smtClean="0"/>
-          </a:p>
-          <a:p>
-            <a:r>
-              <a:rPr lang="de-CH" dirty="0" smtClean="0"/>
-              <a:t>Interpretiert -&gt; (Jit-Kompiler,</a:t>
-            </a:r>
-            <a:r>
-              <a:rPr lang="de-CH" baseline="0" dirty="0" smtClean="0"/>
-              <a:t> Vorkompilierte Funktionen)</a:t>
-            </a:r>
-          </a:p>
-          <a:p>
-            <a:endParaRPr lang="de-CH" dirty="0" smtClean="0"/>
-          </a:p>
-          <a:p>
+              <a:t>ereits in 2015 einsetzbar</a:t>
+            </a:r>
             <a:endParaRPr lang="de-CH" dirty="0"/>
           </a:p>
         </p:txBody>
@@ -1432,7 +1416,7 @@
           <a:p>
             <a:fld id="{DA58BC1F-B303-41BB-B1E5-E3EE1F495441}" type="slidenum">
               <a:rPr lang="de-CH" smtClean="0"/>
-              <a:t>20</a:t>
+              <a:t>19</a:t>
             </a:fld>
             <a:endParaRPr lang="de-CH"/>
           </a:p>
@@ -1441,7 +1425,7 @@
     </p:spTree>
     <p:extLst>
       <p:ext uri="{BB962C8B-B14F-4D97-AF65-F5344CB8AC3E}">
-        <p14:creationId xmlns:p14="http://schemas.microsoft.com/office/powerpoint/2010/main" val="743457412"/>
+        <p14:creationId xmlns:p14="http://schemas.microsoft.com/office/powerpoint/2010/main" val="2454586652"/>
       </p:ext>
     </p:extLst>
   </p:cSld>
@@ -1496,45 +1480,62 @@
           <a:lstStyle/>
           <a:p>
             <a:r>
-              <a:rPr lang="de-CH" smtClean="0"/>
-              <a:t>HelloR</a:t>
-            </a:r>
-            <a:r>
-              <a:rPr lang="de-CH" baseline="0" smtClean="0"/>
-              <a:t> zeigen über Remote-Desktop-Verbindung</a:t>
-            </a:r>
-            <a:endParaRPr lang="de-CH" smtClean="0"/>
-          </a:p>
-          <a:p>
+              <a:rPr lang="de-CH" dirty="0" smtClean="0"/>
+              <a:t>Todo: Unterschied schwach und dynamisch sattelfest</a:t>
+            </a:r>
+            <a:r>
+              <a:rPr lang="de-CH" baseline="0" dirty="0" smtClean="0"/>
+              <a:t> haben</a:t>
+            </a:r>
+          </a:p>
+          <a:p>
+            <a:r>
+              <a:rPr lang="de-CH" dirty="0" smtClean="0"/>
+              <a:t>Ob R oder Python spielt eigentlich</a:t>
+            </a:r>
+            <a:r>
+              <a:rPr lang="de-CH" baseline="0" dirty="0" smtClean="0"/>
+              <a:t> keine Rolle (Einfachere Visualisierungen)</a:t>
+            </a:r>
             <a:endParaRPr lang="de-CH" dirty="0" smtClean="0"/>
           </a:p>
           <a:p>
             <a:r>
               <a:rPr lang="de-CH" dirty="0" smtClean="0"/>
-              <a:t>Pakete</a:t>
+              <a:t>Python ist auch in Visual Studio integriert</a:t>
+            </a:r>
+          </a:p>
+          <a:p>
+            <a:r>
+              <a:rPr lang="de-CH" dirty="0" smtClean="0"/>
+              <a:t>Funktional/Objektorientiert</a:t>
+            </a:r>
+          </a:p>
+          <a:p>
+            <a:r>
+              <a:rPr lang="de-CH" dirty="0" smtClean="0"/>
+              <a:t>Open Source (Riesen Community, Fast für</a:t>
             </a:r>
             <a:r>
               <a:rPr lang="de-CH" baseline="0" dirty="0" smtClean="0"/>
-              <a:t> installieren</a:t>
-            </a:r>
-          </a:p>
-          <a:p>
+              <a:t> alles ein Package)</a:t>
+            </a:r>
+            <a:endParaRPr lang="de-CH" dirty="0" smtClean="0"/>
+          </a:p>
+          <a:p>
+            <a:r>
+              <a:rPr lang="de-CH" dirty="0" smtClean="0"/>
+              <a:t>Interpretiert -&gt; (Jit-Kompiler,</a:t>
+            </a:r>
             <a:r>
               <a:rPr lang="de-CH" baseline="0" dirty="0" smtClean="0"/>
-              <a:t>Pakete includieren</a:t>
-            </a:r>
-          </a:p>
-          <a:p>
-            <a:r>
-              <a:rPr lang="de-CH" baseline="0" dirty="0" smtClean="0"/>
-              <a:t>Variable assgnement</a:t>
-            </a:r>
-          </a:p>
-          <a:p>
-            <a:r>
-              <a:rPr lang="de-CH" baseline="0" dirty="0" smtClean="0"/>
-              <a:t>Datenbank connection</a:t>
-            </a:r>
+              <a:t> Vorkompilierte Funktionen)</a:t>
+            </a:r>
+          </a:p>
+          <a:p>
+            <a:endParaRPr lang="de-CH" dirty="0" smtClean="0"/>
+          </a:p>
+          <a:p>
             <a:endParaRPr lang="de-CH" dirty="0"/>
           </a:p>
         </p:txBody>
@@ -1556,7 +1557,7 @@
           <a:p>
             <a:fld id="{DA58BC1F-B303-41BB-B1E5-E3EE1F495441}" type="slidenum">
               <a:rPr lang="de-CH" smtClean="0"/>
-              <a:t>21</a:t>
+              <a:t>20</a:t>
             </a:fld>
             <a:endParaRPr lang="de-CH"/>
           </a:p>
@@ -1565,7 +1566,7 @@
     </p:spTree>
     <p:extLst>
       <p:ext uri="{BB962C8B-B14F-4D97-AF65-F5344CB8AC3E}">
-        <p14:creationId xmlns:p14="http://schemas.microsoft.com/office/powerpoint/2010/main" val="2403547180"/>
+        <p14:creationId xmlns:p14="http://schemas.microsoft.com/office/powerpoint/2010/main" val="743457412"/>
       </p:ext>
     </p:extLst>
   </p:cSld>
@@ -1619,6 +1620,46 @@
           <a:bodyPr/>
           <a:lstStyle/>
           <a:p>
+            <a:r>
+              <a:rPr lang="de-CH" smtClean="0"/>
+              <a:t>HelloR</a:t>
+            </a:r>
+            <a:r>
+              <a:rPr lang="de-CH" baseline="0" smtClean="0"/>
+              <a:t> zeigen über Remote-Desktop-Verbindung</a:t>
+            </a:r>
+            <a:endParaRPr lang="de-CH" smtClean="0"/>
+          </a:p>
+          <a:p>
+            <a:endParaRPr lang="de-CH" dirty="0" smtClean="0"/>
+          </a:p>
+          <a:p>
+            <a:r>
+              <a:rPr lang="de-CH" dirty="0" smtClean="0"/>
+              <a:t>Pakete</a:t>
+            </a:r>
+            <a:r>
+              <a:rPr lang="de-CH" baseline="0" dirty="0" smtClean="0"/>
+              <a:t> installieren</a:t>
+            </a:r>
+          </a:p>
+          <a:p>
+            <a:r>
+              <a:rPr lang="de-CH" baseline="0" dirty="0" smtClean="0"/>
+              <a:t>Pakete includieren</a:t>
+            </a:r>
+          </a:p>
+          <a:p>
+            <a:r>
+              <a:rPr lang="de-CH" baseline="0" dirty="0" smtClean="0"/>
+              <a:t>Variable assgnement</a:t>
+            </a:r>
+          </a:p>
+          <a:p>
+            <a:r>
+              <a:rPr lang="de-CH" baseline="0" dirty="0" smtClean="0"/>
+              <a:t>Datenbank connection</a:t>
+            </a:r>
             <a:endParaRPr lang="de-CH" dirty="0"/>
           </a:p>
         </p:txBody>
@@ -1640,7 +1681,7 @@
           <a:p>
             <a:fld id="{DA58BC1F-B303-41BB-B1E5-E3EE1F495441}" type="slidenum">
               <a:rPr lang="de-CH" smtClean="0"/>
-              <a:t>22</a:t>
+              <a:t>21</a:t>
             </a:fld>
             <a:endParaRPr lang="de-CH"/>
           </a:p>
@@ -1649,7 +1690,7 @@
     </p:spTree>
     <p:extLst>
       <p:ext uri="{BB962C8B-B14F-4D97-AF65-F5344CB8AC3E}">
-        <p14:creationId xmlns:p14="http://schemas.microsoft.com/office/powerpoint/2010/main" val="2488689134"/>
+        <p14:creationId xmlns:p14="http://schemas.microsoft.com/office/powerpoint/2010/main" val="2403547180"/>
       </p:ext>
     </p:extLst>
   </p:cSld>
@@ -1740,7 +1781,7 @@
           <a:p>
             <a:fld id="{DA58BC1F-B303-41BB-B1E5-E3EE1F495441}" type="slidenum">
               <a:rPr lang="de-CH" smtClean="0"/>
-              <a:t>5</a:t>
+              <a:t>4</a:t>
             </a:fld>
             <a:endParaRPr lang="de-CH"/>
           </a:p>
@@ -1749,7 +1790,591 @@
     </p:spTree>
     <p:extLst>
       <p:ext uri="{BB962C8B-B14F-4D97-AF65-F5344CB8AC3E}">
-        <p14:creationId xmlns:p14="http://schemas.microsoft.com/office/powerpoint/2010/main" val="2938822595"/>
+        <p14:creationId xmlns:p14="http://schemas.microsoft.com/office/powerpoint/2010/main" val="3484418300"/>
+      </p:ext>
+    </p:extLst>
+  </p:cSld>
+  <p:clrMapOvr>
+    <a:masterClrMapping/>
+  </p:clrMapOvr>
+</p:notes>
+</file>
+
+<file path=ppt/notesSlides/notesSlide20.xml><?xml version="1.0" encoding="utf-8"?>
+<p:notes xmlns:a="http://schemas.openxmlformats.org/drawingml/2006/main" xmlns:r="http://schemas.openxmlformats.org/officeDocument/2006/relationships" xmlns:p="http://schemas.openxmlformats.org/presentationml/2006/main">
+  <p:cSld>
+    <p:spTree>
+      <p:nvGrpSpPr>
+        <p:cNvPr id="1" name=""/>
+        <p:cNvGrpSpPr/>
+        <p:nvPr/>
+      </p:nvGrpSpPr>
+      <p:grpSpPr>
+        <a:xfrm>
+          <a:off x="0" y="0"/>
+          <a:ext cx="0" cy="0"/>
+          <a:chOff x="0" y="0"/>
+          <a:chExt cx="0" cy="0"/>
+        </a:xfrm>
+      </p:grpSpPr>
+      <p:sp>
+        <p:nvSpPr>
+          <p:cNvPr id="2" name="Slide Image Placeholder 1"/>
+          <p:cNvSpPr>
+            <a:spLocks noGrp="1" noRot="1" noChangeAspect="1"/>
+          </p:cNvSpPr>
+          <p:nvPr>
+            <p:ph type="sldImg"/>
+          </p:nvPr>
+        </p:nvSpPr>
+        <p:spPr/>
+      </p:sp>
+      <p:sp>
+        <p:nvSpPr>
+          <p:cNvPr id="3" name="Notes Placeholder 2"/>
+          <p:cNvSpPr>
+            <a:spLocks noGrp="1"/>
+          </p:cNvSpPr>
+          <p:nvPr>
+            <p:ph type="body" idx="1"/>
+          </p:nvPr>
+        </p:nvSpPr>
+        <p:spPr/>
+        <p:txBody>
+          <a:bodyPr/>
+          <a:lstStyle/>
+          <a:p>
+            <a:r>
+              <a:rPr lang="de-CH" dirty="0" smtClean="0"/>
+              <a:t>Und</a:t>
+            </a:r>
+            <a:r>
+              <a:rPr lang="de-CH" baseline="0" dirty="0" smtClean="0"/>
+              <a:t> semi-supervised learning und semi-reinforced learning.</a:t>
+            </a:r>
+            <a:endParaRPr lang="de-CH" dirty="0"/>
+          </a:p>
+        </p:txBody>
+      </p:sp>
+      <p:sp>
+        <p:nvSpPr>
+          <p:cNvPr id="4" name="Slide Number Placeholder 3"/>
+          <p:cNvSpPr>
+            <a:spLocks noGrp="1"/>
+          </p:cNvSpPr>
+          <p:nvPr>
+            <p:ph type="sldNum" sz="quarter" idx="10"/>
+          </p:nvPr>
+        </p:nvSpPr>
+        <p:spPr/>
+        <p:txBody>
+          <a:bodyPr/>
+          <a:lstStyle/>
+          <a:p>
+            <a:fld id="{DA58BC1F-B303-41BB-B1E5-E3EE1F495441}" type="slidenum">
+              <a:rPr lang="de-CH" smtClean="0"/>
+              <a:t>23</a:t>
+            </a:fld>
+            <a:endParaRPr lang="de-CH"/>
+          </a:p>
+        </p:txBody>
+      </p:sp>
+    </p:spTree>
+    <p:extLst>
+      <p:ext uri="{BB962C8B-B14F-4D97-AF65-F5344CB8AC3E}">
+        <p14:creationId xmlns:p14="http://schemas.microsoft.com/office/powerpoint/2010/main" val="3482313808"/>
+      </p:ext>
+    </p:extLst>
+  </p:cSld>
+  <p:clrMapOvr>
+    <a:masterClrMapping/>
+  </p:clrMapOvr>
+</p:notes>
+</file>
+
+<file path=ppt/notesSlides/notesSlide21.xml><?xml version="1.0" encoding="utf-8"?>
+<p:notes xmlns:a="http://schemas.openxmlformats.org/drawingml/2006/main" xmlns:r="http://schemas.openxmlformats.org/officeDocument/2006/relationships" xmlns:p="http://schemas.openxmlformats.org/presentationml/2006/main">
+  <p:cSld>
+    <p:spTree>
+      <p:nvGrpSpPr>
+        <p:cNvPr id="1" name=""/>
+        <p:cNvGrpSpPr/>
+        <p:nvPr/>
+      </p:nvGrpSpPr>
+      <p:grpSpPr>
+        <a:xfrm>
+          <a:off x="0" y="0"/>
+          <a:ext cx="0" cy="0"/>
+          <a:chOff x="0" y="0"/>
+          <a:chExt cx="0" cy="0"/>
+        </a:xfrm>
+      </p:grpSpPr>
+      <p:sp>
+        <p:nvSpPr>
+          <p:cNvPr id="2" name="Slide Image Placeholder 1"/>
+          <p:cNvSpPr>
+            <a:spLocks noGrp="1" noRot="1" noChangeAspect="1"/>
+          </p:cNvSpPr>
+          <p:nvPr>
+            <p:ph type="sldImg"/>
+          </p:nvPr>
+        </p:nvSpPr>
+        <p:spPr/>
+      </p:sp>
+      <p:sp>
+        <p:nvSpPr>
+          <p:cNvPr id="3" name="Notes Placeholder 2"/>
+          <p:cNvSpPr>
+            <a:spLocks noGrp="1"/>
+          </p:cNvSpPr>
+          <p:nvPr>
+            <p:ph type="body" idx="1"/>
+          </p:nvPr>
+        </p:nvSpPr>
+        <p:spPr/>
+        <p:txBody>
+          <a:bodyPr/>
+          <a:lstStyle/>
+          <a:p>
+            <a:r>
+              <a:rPr lang="de-CH" dirty="0" smtClean="0"/>
+              <a:t>Labeled</a:t>
+            </a:r>
+          </a:p>
+          <a:p>
+            <a:r>
+              <a:rPr lang="de-CH" dirty="0" smtClean="0"/>
+              <a:t>Weiss jemand wo</a:t>
+            </a:r>
+            <a:r>
+              <a:rPr lang="de-CH" baseline="0" dirty="0" smtClean="0"/>
+              <a:t> man das bereits macht?</a:t>
+            </a:r>
+            <a:endParaRPr lang="de-CH" dirty="0"/>
+          </a:p>
+        </p:txBody>
+      </p:sp>
+      <p:sp>
+        <p:nvSpPr>
+          <p:cNvPr id="4" name="Slide Number Placeholder 3"/>
+          <p:cNvSpPr>
+            <a:spLocks noGrp="1"/>
+          </p:cNvSpPr>
+          <p:nvPr>
+            <p:ph type="sldNum" sz="quarter" idx="10"/>
+          </p:nvPr>
+        </p:nvSpPr>
+        <p:spPr/>
+        <p:txBody>
+          <a:bodyPr/>
+          <a:lstStyle/>
+          <a:p>
+            <a:fld id="{DA58BC1F-B303-41BB-B1E5-E3EE1F495441}" type="slidenum">
+              <a:rPr lang="de-CH" smtClean="0"/>
+              <a:t>24</a:t>
+            </a:fld>
+            <a:endParaRPr lang="de-CH"/>
+          </a:p>
+        </p:txBody>
+      </p:sp>
+    </p:spTree>
+    <p:extLst>
+      <p:ext uri="{BB962C8B-B14F-4D97-AF65-F5344CB8AC3E}">
+        <p14:creationId xmlns:p14="http://schemas.microsoft.com/office/powerpoint/2010/main" val="3681622079"/>
+      </p:ext>
+    </p:extLst>
+  </p:cSld>
+  <p:clrMapOvr>
+    <a:masterClrMapping/>
+  </p:clrMapOvr>
+</p:notes>
+</file>
+
+<file path=ppt/notesSlides/notesSlide22.xml><?xml version="1.0" encoding="utf-8"?>
+<p:notes xmlns:a="http://schemas.openxmlformats.org/drawingml/2006/main" xmlns:r="http://schemas.openxmlformats.org/officeDocument/2006/relationships" xmlns:p="http://schemas.openxmlformats.org/presentationml/2006/main">
+  <p:cSld>
+    <p:spTree>
+      <p:nvGrpSpPr>
+        <p:cNvPr id="1" name=""/>
+        <p:cNvGrpSpPr/>
+        <p:nvPr/>
+      </p:nvGrpSpPr>
+      <p:grpSpPr>
+        <a:xfrm>
+          <a:off x="0" y="0"/>
+          <a:ext cx="0" cy="0"/>
+          <a:chOff x="0" y="0"/>
+          <a:chExt cx="0" cy="0"/>
+        </a:xfrm>
+      </p:grpSpPr>
+      <p:sp>
+        <p:nvSpPr>
+          <p:cNvPr id="2" name="Slide Image Placeholder 1"/>
+          <p:cNvSpPr>
+            <a:spLocks noGrp="1" noRot="1" noChangeAspect="1"/>
+          </p:cNvSpPr>
+          <p:nvPr>
+            <p:ph type="sldImg"/>
+          </p:nvPr>
+        </p:nvSpPr>
+        <p:spPr/>
+      </p:sp>
+      <p:sp>
+        <p:nvSpPr>
+          <p:cNvPr id="3" name="Notes Placeholder 2"/>
+          <p:cNvSpPr>
+            <a:spLocks noGrp="1"/>
+          </p:cNvSpPr>
+          <p:nvPr>
+            <p:ph type="body" idx="1"/>
+          </p:nvPr>
+        </p:nvSpPr>
+        <p:spPr/>
+        <p:txBody>
+          <a:bodyPr/>
+          <a:lstStyle/>
+          <a:p>
+            <a:r>
+              <a:rPr lang="de-CH" dirty="0" smtClean="0"/>
+              <a:t>Labeled</a:t>
+            </a:r>
+          </a:p>
+          <a:p>
+            <a:r>
+              <a:rPr lang="de-CH" dirty="0" smtClean="0"/>
+              <a:t>Weiss jemand wo</a:t>
+            </a:r>
+            <a:r>
+              <a:rPr lang="de-CH" baseline="0" dirty="0" smtClean="0"/>
+              <a:t> man das bereits macht?</a:t>
+            </a:r>
+            <a:endParaRPr lang="de-CH" dirty="0"/>
+          </a:p>
+        </p:txBody>
+      </p:sp>
+      <p:sp>
+        <p:nvSpPr>
+          <p:cNvPr id="4" name="Slide Number Placeholder 3"/>
+          <p:cNvSpPr>
+            <a:spLocks noGrp="1"/>
+          </p:cNvSpPr>
+          <p:nvPr>
+            <p:ph type="sldNum" sz="quarter" idx="10"/>
+          </p:nvPr>
+        </p:nvSpPr>
+        <p:spPr/>
+        <p:txBody>
+          <a:bodyPr/>
+          <a:lstStyle/>
+          <a:p>
+            <a:fld id="{DA58BC1F-B303-41BB-B1E5-E3EE1F495441}" type="slidenum">
+              <a:rPr lang="de-CH" smtClean="0"/>
+              <a:t>25</a:t>
+            </a:fld>
+            <a:endParaRPr lang="de-CH"/>
+          </a:p>
+        </p:txBody>
+      </p:sp>
+    </p:spTree>
+    <p:extLst>
+      <p:ext uri="{BB962C8B-B14F-4D97-AF65-F5344CB8AC3E}">
+        <p14:creationId xmlns:p14="http://schemas.microsoft.com/office/powerpoint/2010/main" val="3614108088"/>
+      </p:ext>
+    </p:extLst>
+  </p:cSld>
+  <p:clrMapOvr>
+    <a:masterClrMapping/>
+  </p:clrMapOvr>
+</p:notes>
+</file>
+
+<file path=ppt/notesSlides/notesSlide23.xml><?xml version="1.0" encoding="utf-8"?>
+<p:notes xmlns:a="http://schemas.openxmlformats.org/drawingml/2006/main" xmlns:r="http://schemas.openxmlformats.org/officeDocument/2006/relationships" xmlns:p="http://schemas.openxmlformats.org/presentationml/2006/main">
+  <p:cSld>
+    <p:spTree>
+      <p:nvGrpSpPr>
+        <p:cNvPr id="1" name=""/>
+        <p:cNvGrpSpPr/>
+        <p:nvPr/>
+      </p:nvGrpSpPr>
+      <p:grpSpPr>
+        <a:xfrm>
+          <a:off x="0" y="0"/>
+          <a:ext cx="0" cy="0"/>
+          <a:chOff x="0" y="0"/>
+          <a:chExt cx="0" cy="0"/>
+        </a:xfrm>
+      </p:grpSpPr>
+      <p:sp>
+        <p:nvSpPr>
+          <p:cNvPr id="2" name="Slide Image Placeholder 1"/>
+          <p:cNvSpPr>
+            <a:spLocks noGrp="1" noRot="1" noChangeAspect="1"/>
+          </p:cNvSpPr>
+          <p:nvPr>
+            <p:ph type="sldImg"/>
+          </p:nvPr>
+        </p:nvSpPr>
+        <p:spPr/>
+      </p:sp>
+      <p:sp>
+        <p:nvSpPr>
+          <p:cNvPr id="3" name="Notes Placeholder 2"/>
+          <p:cNvSpPr>
+            <a:spLocks noGrp="1"/>
+          </p:cNvSpPr>
+          <p:nvPr>
+            <p:ph type="body" idx="1"/>
+          </p:nvPr>
+        </p:nvSpPr>
+        <p:spPr/>
+        <p:txBody>
+          <a:bodyPr/>
+          <a:lstStyle/>
+          <a:p>
+            <a:r>
+              <a:rPr lang="de-CH" smtClean="0"/>
+              <a:t>HelloR</a:t>
+            </a:r>
+            <a:r>
+              <a:rPr lang="de-CH" baseline="0" smtClean="0"/>
+              <a:t> zeigen über Remote-Desktop-Verbindung</a:t>
+            </a:r>
+            <a:endParaRPr lang="de-CH" smtClean="0"/>
+          </a:p>
+          <a:p>
+            <a:endParaRPr lang="de-CH" dirty="0" smtClean="0"/>
+          </a:p>
+          <a:p>
+            <a:r>
+              <a:rPr lang="de-CH" dirty="0" smtClean="0"/>
+              <a:t>Pakete</a:t>
+            </a:r>
+            <a:r>
+              <a:rPr lang="de-CH" baseline="0" dirty="0" smtClean="0"/>
+              <a:t> installieren</a:t>
+            </a:r>
+          </a:p>
+          <a:p>
+            <a:r>
+              <a:rPr lang="de-CH" baseline="0" dirty="0" smtClean="0"/>
+              <a:t>Pakete includieren</a:t>
+            </a:r>
+          </a:p>
+          <a:p>
+            <a:r>
+              <a:rPr lang="de-CH" baseline="0" dirty="0" smtClean="0"/>
+              <a:t>Variable assgnement</a:t>
+            </a:r>
+          </a:p>
+          <a:p>
+            <a:r>
+              <a:rPr lang="de-CH" baseline="0" dirty="0" smtClean="0"/>
+              <a:t>Datenbank connection</a:t>
+            </a:r>
+            <a:endParaRPr lang="de-CH" dirty="0"/>
+          </a:p>
+        </p:txBody>
+      </p:sp>
+      <p:sp>
+        <p:nvSpPr>
+          <p:cNvPr id="4" name="Slide Number Placeholder 3"/>
+          <p:cNvSpPr>
+            <a:spLocks noGrp="1"/>
+          </p:cNvSpPr>
+          <p:nvPr>
+            <p:ph type="sldNum" sz="quarter" idx="10"/>
+          </p:nvPr>
+        </p:nvSpPr>
+        <p:spPr/>
+        <p:txBody>
+          <a:bodyPr/>
+          <a:lstStyle/>
+          <a:p>
+            <a:fld id="{DA58BC1F-B303-41BB-B1E5-E3EE1F495441}" type="slidenum">
+              <a:rPr lang="de-CH" smtClean="0"/>
+              <a:t>27</a:t>
+            </a:fld>
+            <a:endParaRPr lang="de-CH"/>
+          </a:p>
+        </p:txBody>
+      </p:sp>
+    </p:spTree>
+    <p:extLst>
+      <p:ext uri="{BB962C8B-B14F-4D97-AF65-F5344CB8AC3E}">
+        <p14:creationId xmlns:p14="http://schemas.microsoft.com/office/powerpoint/2010/main" val="3516317793"/>
+      </p:ext>
+    </p:extLst>
+  </p:cSld>
+  <p:clrMapOvr>
+    <a:masterClrMapping/>
+  </p:clrMapOvr>
+</p:notes>
+</file>
+
+<file path=ppt/notesSlides/notesSlide24.xml><?xml version="1.0" encoding="utf-8"?>
+<p:notes xmlns:a="http://schemas.openxmlformats.org/drawingml/2006/main" xmlns:r="http://schemas.openxmlformats.org/officeDocument/2006/relationships" xmlns:p="http://schemas.openxmlformats.org/presentationml/2006/main">
+  <p:cSld>
+    <p:spTree>
+      <p:nvGrpSpPr>
+        <p:cNvPr id="1" name=""/>
+        <p:cNvGrpSpPr/>
+        <p:nvPr/>
+      </p:nvGrpSpPr>
+      <p:grpSpPr>
+        <a:xfrm>
+          <a:off x="0" y="0"/>
+          <a:ext cx="0" cy="0"/>
+          <a:chOff x="0" y="0"/>
+          <a:chExt cx="0" cy="0"/>
+        </a:xfrm>
+      </p:grpSpPr>
+      <p:sp>
+        <p:nvSpPr>
+          <p:cNvPr id="2" name="Slide Image Placeholder 1"/>
+          <p:cNvSpPr>
+            <a:spLocks noGrp="1" noRot="1" noChangeAspect="1"/>
+          </p:cNvSpPr>
+          <p:nvPr>
+            <p:ph type="sldImg"/>
+          </p:nvPr>
+        </p:nvSpPr>
+        <p:spPr/>
+      </p:sp>
+      <p:sp>
+        <p:nvSpPr>
+          <p:cNvPr id="3" name="Notes Placeholder 2"/>
+          <p:cNvSpPr>
+            <a:spLocks noGrp="1"/>
+          </p:cNvSpPr>
+          <p:nvPr>
+            <p:ph type="body" idx="1"/>
+          </p:nvPr>
+        </p:nvSpPr>
+        <p:spPr/>
+        <p:txBody>
+          <a:bodyPr/>
+          <a:lstStyle/>
+          <a:p>
+            <a:r>
+              <a:rPr lang="de-CH" dirty="0" smtClean="0"/>
+              <a:t>Screenshots von Walkthrough</a:t>
+            </a:r>
+            <a:endParaRPr lang="de-CH" dirty="0"/>
+          </a:p>
+        </p:txBody>
+      </p:sp>
+      <p:sp>
+        <p:nvSpPr>
+          <p:cNvPr id="4" name="Slide Number Placeholder 3"/>
+          <p:cNvSpPr>
+            <a:spLocks noGrp="1"/>
+          </p:cNvSpPr>
+          <p:nvPr>
+            <p:ph type="sldNum" sz="quarter" idx="10"/>
+          </p:nvPr>
+        </p:nvSpPr>
+        <p:spPr/>
+        <p:txBody>
+          <a:bodyPr/>
+          <a:lstStyle/>
+          <a:p>
+            <a:fld id="{DA58BC1F-B303-41BB-B1E5-E3EE1F495441}" type="slidenum">
+              <a:rPr lang="de-CH" smtClean="0"/>
+              <a:t>28</a:t>
+            </a:fld>
+            <a:endParaRPr lang="de-CH"/>
+          </a:p>
+        </p:txBody>
+      </p:sp>
+    </p:spTree>
+    <p:extLst>
+      <p:ext uri="{BB962C8B-B14F-4D97-AF65-F5344CB8AC3E}">
+        <p14:creationId xmlns:p14="http://schemas.microsoft.com/office/powerpoint/2010/main" val="2842412450"/>
+      </p:ext>
+    </p:extLst>
+  </p:cSld>
+  <p:clrMapOvr>
+    <a:masterClrMapping/>
+  </p:clrMapOvr>
+</p:notes>
+</file>
+
+<file path=ppt/notesSlides/notesSlide25.xml><?xml version="1.0" encoding="utf-8"?>
+<p:notes xmlns:a="http://schemas.openxmlformats.org/drawingml/2006/main" xmlns:r="http://schemas.openxmlformats.org/officeDocument/2006/relationships" xmlns:p="http://schemas.openxmlformats.org/presentationml/2006/main">
+  <p:cSld>
+    <p:spTree>
+      <p:nvGrpSpPr>
+        <p:cNvPr id="1" name=""/>
+        <p:cNvGrpSpPr/>
+        <p:nvPr/>
+      </p:nvGrpSpPr>
+      <p:grpSpPr>
+        <a:xfrm>
+          <a:off x="0" y="0"/>
+          <a:ext cx="0" cy="0"/>
+          <a:chOff x="0" y="0"/>
+          <a:chExt cx="0" cy="0"/>
+        </a:xfrm>
+      </p:grpSpPr>
+      <p:sp>
+        <p:nvSpPr>
+          <p:cNvPr id="2" name="Slide Image Placeholder 1"/>
+          <p:cNvSpPr>
+            <a:spLocks noGrp="1" noRot="1" noChangeAspect="1"/>
+          </p:cNvSpPr>
+          <p:nvPr>
+            <p:ph type="sldImg"/>
+          </p:nvPr>
+        </p:nvSpPr>
+        <p:spPr/>
+      </p:sp>
+      <p:sp>
+        <p:nvSpPr>
+          <p:cNvPr id="3" name="Notes Placeholder 2"/>
+          <p:cNvSpPr>
+            <a:spLocks noGrp="1"/>
+          </p:cNvSpPr>
+          <p:nvPr>
+            <p:ph type="body" idx="1"/>
+          </p:nvPr>
+        </p:nvSpPr>
+        <p:spPr/>
+        <p:txBody>
+          <a:bodyPr/>
+          <a:lstStyle/>
+          <a:p>
+            <a:endParaRPr lang="de-CH" dirty="0"/>
+          </a:p>
+        </p:txBody>
+      </p:sp>
+      <p:sp>
+        <p:nvSpPr>
+          <p:cNvPr id="4" name="Slide Number Placeholder 3"/>
+          <p:cNvSpPr>
+            <a:spLocks noGrp="1"/>
+          </p:cNvSpPr>
+          <p:nvPr>
+            <p:ph type="sldNum" sz="quarter" idx="10"/>
+          </p:nvPr>
+        </p:nvSpPr>
+        <p:spPr/>
+        <p:txBody>
+          <a:bodyPr/>
+          <a:lstStyle/>
+          <a:p>
+            <a:fld id="{DA58BC1F-B303-41BB-B1E5-E3EE1F495441}" type="slidenum">
+              <a:rPr lang="de-CH" smtClean="0"/>
+              <a:t>29</a:t>
+            </a:fld>
+            <a:endParaRPr lang="de-CH"/>
+          </a:p>
+        </p:txBody>
+      </p:sp>
+    </p:spTree>
+    <p:extLst>
+      <p:ext uri="{BB962C8B-B14F-4D97-AF65-F5344CB8AC3E}">
+        <p14:creationId xmlns:p14="http://schemas.microsoft.com/office/powerpoint/2010/main" val="2488689134"/>
       </p:ext>
     </p:extLst>
   </p:cSld>
@@ -1840,7 +2465,7 @@
           <a:p>
             <a:fld id="{DA58BC1F-B303-41BB-B1E5-E3EE1F495441}" type="slidenum">
               <a:rPr lang="de-CH" smtClean="0"/>
-              <a:t>6</a:t>
+              <a:t>5</a:t>
             </a:fld>
             <a:endParaRPr lang="de-CH"/>
           </a:p>
@@ -1849,7 +2474,7 @@
     </p:spTree>
     <p:extLst>
       <p:ext uri="{BB962C8B-B14F-4D97-AF65-F5344CB8AC3E}">
-        <p14:creationId xmlns:p14="http://schemas.microsoft.com/office/powerpoint/2010/main" val="2476789394"/>
+        <p14:creationId xmlns:p14="http://schemas.microsoft.com/office/powerpoint/2010/main" val="2938822595"/>
       </p:ext>
     </p:extLst>
   </p:cSld>
@@ -1914,72 +2539,11 @@
                 <a:effectLst/>
               </a:rPr>
             </a:br>
-            <a:r>
-              <a:rPr lang="de-CH" sz="1200" i="1" kern="1200" dirty="0" smtClean="0">
-                <a:solidFill>
-                  <a:schemeClr val="tx1"/>
-                </a:solidFill>
-                <a:effectLst/>
-                <a:latin typeface="+mn-lt"/>
-                <a:ea typeface="+mn-ea"/>
-                <a:cs typeface="+mn-cs"/>
-              </a:rPr>
-              <a:t> Das Thema ist eng verwandt mit „</a:t>
-            </a:r>
-            <a:r>
-              <a:rPr lang="de-CH" sz="1200" i="1" kern="1200" dirty="0" smtClean="0">
-                <a:solidFill>
-                  <a:schemeClr val="tx1"/>
-                </a:solidFill>
-                <a:effectLst/>
-                <a:latin typeface="+mn-lt"/>
-                <a:ea typeface="+mn-ea"/>
-                <a:cs typeface="+mn-cs"/>
-                <a:hlinkClick r:id="rId3" tooltip="Knowledge Discovery in Databases"/>
-              </a:rPr>
-              <a:t>Knowledge Discovery in Databases</a:t>
-            </a:r>
-            <a:r>
-              <a:rPr lang="de-CH" sz="1200" i="1" kern="1200" dirty="0" smtClean="0">
-                <a:solidFill>
-                  <a:schemeClr val="tx1"/>
-                </a:solidFill>
-                <a:effectLst/>
-                <a:latin typeface="+mn-lt"/>
-                <a:ea typeface="+mn-ea"/>
-                <a:cs typeface="+mn-cs"/>
-              </a:rPr>
-              <a:t>“ und „</a:t>
-            </a:r>
-            <a:r>
-              <a:rPr lang="de-CH" sz="1200" i="1" kern="1200" dirty="0" smtClean="0">
-                <a:solidFill>
-                  <a:schemeClr val="tx1"/>
-                </a:solidFill>
-                <a:effectLst/>
-                <a:latin typeface="+mn-lt"/>
-                <a:ea typeface="+mn-ea"/>
-                <a:cs typeface="+mn-cs"/>
-                <a:hlinkClick r:id="rId4" tooltip="Data-Mining"/>
-              </a:rPr>
-              <a:t>Data-Mining</a:t>
-            </a:r>
-            <a:r>
-              <a:rPr lang="de-CH" sz="1200" i="1" kern="1200" dirty="0" smtClean="0">
-                <a:solidFill>
-                  <a:schemeClr val="tx1"/>
-                </a:solidFill>
-                <a:effectLst/>
-                <a:latin typeface="+mn-lt"/>
-                <a:ea typeface="+mn-ea"/>
-                <a:cs typeface="+mn-cs"/>
-              </a:rPr>
-              <a:t>“, bei dem es jedoch vorwiegend um das Finden von neuen Mustern und Gesetzmäßigkeiten geht. </a:t>
-            </a:r>
-            <a:r>
-              <a:rPr lang="de-CH" dirty="0" smtClean="0"/>
-              <a:t> </a:t>
-            </a:r>
+            <a:endParaRPr lang="en-US" dirty="0" smtClean="0">
+              <a:effectLst/>
+            </a:endParaRPr>
+          </a:p>
+          <a:p>
             <a:endParaRPr lang="de-CH" dirty="0"/>
           </a:p>
         </p:txBody>
@@ -2001,7 +2565,7 @@
           <a:p>
             <a:fld id="{DA58BC1F-B303-41BB-B1E5-E3EE1F495441}" type="slidenum">
               <a:rPr lang="de-CH" smtClean="0"/>
-              <a:t>7</a:t>
+              <a:t>6</a:t>
             </a:fld>
             <a:endParaRPr lang="de-CH"/>
           </a:p>
@@ -2010,7 +2574,7 @@
     </p:spTree>
     <p:extLst>
       <p:ext uri="{BB962C8B-B14F-4D97-AF65-F5344CB8AC3E}">
-        <p14:creationId xmlns:p14="http://schemas.microsoft.com/office/powerpoint/2010/main" val="4269087800"/>
+        <p14:creationId xmlns:p14="http://schemas.microsoft.com/office/powerpoint/2010/main" val="2476789394"/>
       </p:ext>
     </p:extLst>
   </p:cSld>
@@ -2064,14 +2628,19 @@
           <a:bodyPr/>
           <a:lstStyle/>
           <a:p>
-            <a:endParaRPr lang="en-US" dirty="0" smtClean="0">
-              <a:effectLst/>
-            </a:endParaRPr>
-          </a:p>
-          <a:p>
-            <a:pPr rtl="0" latinLnBrk="0"/>
-            <a:r>
-              <a:rPr lang="en-US" sz="1200" i="1" kern="1200" dirty="0" smtClean="0">
+            <a:r>
+              <a:rPr lang="en-US" dirty="0" smtClean="0">
+                <a:effectLst/>
+              </a:rPr>
+              <a:t/>
+            </a:r>
+            <a:br>
+              <a:rPr lang="en-US" dirty="0" smtClean="0">
+                <a:effectLst/>
+              </a:rPr>
+            </a:br>
+            <a:r>
+              <a:rPr lang="de-CH" sz="1200" i="1" kern="1200" dirty="0" smtClean="0">
                 <a:solidFill>
                   <a:schemeClr val="tx1"/>
                 </a:solidFill>
@@ -2080,16 +2649,23 @@
                 <a:ea typeface="+mn-ea"/>
                 <a:cs typeface="+mn-cs"/>
               </a:rPr>
-              <a:t>NLP allows developers to organize and structure knowledge and perform various tasks, including translation, speech recognition, and topic</a:t>
-            </a:r>
-            <a:r>
-              <a:rPr lang="en-US" dirty="0" smtClean="0">
+              <a:t> Das Thema ist eng verwandt mit „</a:t>
+            </a:r>
+            <a:r>
+              <a:rPr lang="de-CH" sz="1200" i="1" kern="1200" dirty="0" smtClean="0">
+                <a:solidFill>
+                  <a:schemeClr val="tx1"/>
+                </a:solidFill>
                 <a:effectLst/>
+                <a:latin typeface="+mn-lt"/>
+                <a:ea typeface="+mn-ea"/>
+                <a:cs typeface="+mn-cs"/>
+                <a:hlinkClick r:id="rId3" tooltip="Knowledge Discovery in Databases"/>
               </a:rPr>
-              <a:t> </a:t>
-            </a:r>
-            <a:r>
-              <a:rPr lang="en-US" sz="1200" i="1" kern="1200" dirty="0" smtClean="0">
+              <a:t>Knowledge Discovery in Databases</a:t>
+            </a:r>
+            <a:r>
+              <a:rPr lang="de-CH" sz="1200" i="1" kern="1200" dirty="0" smtClean="0">
                 <a:solidFill>
                   <a:schemeClr val="tx1"/>
                 </a:solidFill>
@@ -2098,16 +2674,23 @@
                 <a:ea typeface="+mn-ea"/>
                 <a:cs typeface="+mn-cs"/>
               </a:rPr>
-              <a:t>    </a:t>
-            </a:r>
-            <a:endParaRPr lang="en-US" dirty="0" smtClean="0">
-              <a:effectLst/>
-            </a:endParaRPr>
-          </a:p>
-          <a:p>
-            <a:pPr rtl="0" latinLnBrk="0"/>
-            <a:r>
-              <a:rPr lang="en-US" sz="1200" i="1" kern="1200" dirty="0" smtClean="0">
+              <a:t>“ und „</a:t>
+            </a:r>
+            <a:r>
+              <a:rPr lang="de-CH" sz="1200" i="1" kern="1200" dirty="0" smtClean="0">
+                <a:solidFill>
+                  <a:schemeClr val="tx1"/>
+                </a:solidFill>
+                <a:effectLst/>
+                <a:latin typeface="+mn-lt"/>
+                <a:ea typeface="+mn-ea"/>
+                <a:cs typeface="+mn-cs"/>
+                <a:hlinkClick r:id="rId4" tooltip="Data-Mining"/>
+              </a:rPr>
+              <a:t>Data-Mining</a:t>
+            </a:r>
+            <a:r>
+              <a:rPr lang="de-CH" sz="1200" i="1" kern="1200" dirty="0" smtClean="0">
                 <a:solidFill>
                   <a:schemeClr val="tx1"/>
                 </a:solidFill>
@@ -2116,13 +2699,12 @@
                 <a:ea typeface="+mn-ea"/>
                 <a:cs typeface="+mn-cs"/>
               </a:rPr>
-              <a:t>    segmentation, named entity recognition, automatic summarization, and sentiment analysis and relationship extraction.</a:t>
-            </a:r>
-            <a:endParaRPr lang="en-US" dirty="0" smtClean="0">
-              <a:effectLst/>
-            </a:endParaRPr>
-          </a:p>
-          <a:p>
+              <a:t>“, bei dem es jedoch vorwiegend um das Finden von neuen Mustern und Gesetzmäßigkeiten geht. </a:t>
+            </a:r>
+            <a:r>
+              <a:rPr lang="de-CH" dirty="0" smtClean="0"/>
+              <a:t> </a:t>
+            </a:r>
             <a:endParaRPr lang="de-CH" dirty="0"/>
           </a:p>
         </p:txBody>
@@ -2144,7 +2726,7 @@
           <a:p>
             <a:fld id="{DA58BC1F-B303-41BB-B1E5-E3EE1F495441}" type="slidenum">
               <a:rPr lang="de-CH" smtClean="0"/>
-              <a:t>8</a:t>
+              <a:t>7</a:t>
             </a:fld>
             <a:endParaRPr lang="de-CH"/>
           </a:p>
@@ -2153,7 +2735,7 @@
     </p:spTree>
     <p:extLst>
       <p:ext uri="{BB962C8B-B14F-4D97-AF65-F5344CB8AC3E}">
-        <p14:creationId xmlns:p14="http://schemas.microsoft.com/office/powerpoint/2010/main" val="590151831"/>
+        <p14:creationId xmlns:p14="http://schemas.microsoft.com/office/powerpoint/2010/main" val="4269087800"/>
       </p:ext>
     </p:extLst>
   </p:cSld>
@@ -2207,40 +2789,23 @@
           <a:bodyPr/>
           <a:lstStyle/>
           <a:p>
-            <a:r>
-              <a:rPr lang="en-US" dirty="0" smtClean="0">
+            <a:endParaRPr lang="en-US" dirty="0" smtClean="0">
+              <a:effectLst/>
+            </a:endParaRPr>
+          </a:p>
+          <a:p>
+            <a:pPr rtl="0" latinLnBrk="0"/>
+            <a:r>
+              <a:rPr lang="en-US" sz="1200" i="1" kern="1200" dirty="0" smtClean="0">
+                <a:solidFill>
+                  <a:schemeClr val="tx1"/>
+                </a:solidFill>
                 <a:effectLst/>
+                <a:latin typeface="+mn-lt"/>
+                <a:ea typeface="+mn-ea"/>
+                <a:cs typeface="+mn-cs"/>
               </a:rPr>
-              <a:t/>
-            </a:r>
-            <a:br>
-              <a:rPr lang="en-US" dirty="0" smtClean="0">
-                <a:effectLst/>
-              </a:rPr>
-            </a:br>
-            <a:r>
-              <a:rPr lang="en-US" dirty="0" smtClean="0">
-                <a:effectLst/>
-              </a:rPr>
-              <a:t>Beware: </a:t>
-            </a:r>
-            <a:r>
-              <a:rPr lang="en-US" dirty="0" err="1" smtClean="0">
-                <a:effectLst/>
-              </a:rPr>
-              <a:t>Englisch</a:t>
-            </a:r>
-            <a:r>
-              <a:rPr lang="en-US" dirty="0" smtClean="0">
-                <a:effectLst/>
-              </a:rPr>
-              <a:t> und Deutsch </a:t>
-            </a:r>
-            <a:r>
-              <a:rPr lang="en-US" dirty="0" err="1" smtClean="0">
-                <a:effectLst/>
-              </a:rPr>
-              <a:t>ist</a:t>
+              <a:t>NLP allows developers to organize and structure knowledge and perform various tasks, including translation, speech recognition, and topic</a:t>
             </a:r>
             <a:r>
               <a:rPr lang="en-US" dirty="0" smtClean="0">
@@ -2249,137 +2814,34 @@
               <a:t> </a:t>
             </a:r>
             <a:r>
-              <a:rPr lang="en-US" dirty="0" err="1" smtClean="0">
+              <a:rPr lang="en-US" sz="1200" i="1" kern="1200" dirty="0" smtClean="0">
+                <a:solidFill>
+                  <a:schemeClr val="tx1"/>
+                </a:solidFill>
                 <a:effectLst/>
+                <a:latin typeface="+mn-lt"/>
+                <a:ea typeface="+mn-ea"/>
+                <a:cs typeface="+mn-cs"/>
               </a:rPr>
-              <a:t>hier</a:t>
-            </a:r>
-            <a:r>
-              <a:rPr lang="en-US" dirty="0" smtClean="0">
-                <a:effectLst/>
-              </a:rPr>
-              <a:t> </a:t>
-            </a:r>
-            <a:r>
-              <a:rPr lang="en-US" dirty="0" err="1" smtClean="0">
-                <a:effectLst/>
-              </a:rPr>
-              <a:t>sehr</a:t>
-            </a:r>
-            <a:r>
-              <a:rPr lang="en-US" dirty="0" smtClean="0">
-                <a:effectLst/>
-              </a:rPr>
-              <a:t> </a:t>
-            </a:r>
-            <a:r>
-              <a:rPr lang="en-US" dirty="0" err="1" smtClean="0">
-                <a:effectLst/>
-              </a:rPr>
-              <a:t>mit</a:t>
-            </a:r>
-            <a:r>
-              <a:rPr lang="en-US" dirty="0" smtClean="0">
-                <a:effectLst/>
-              </a:rPr>
-              <a:t> </a:t>
-            </a:r>
-            <a:r>
-              <a:rPr lang="en-US" dirty="0" err="1" smtClean="0">
-                <a:effectLst/>
-              </a:rPr>
-              <a:t>bedacht</a:t>
-            </a:r>
-            <a:r>
-              <a:rPr lang="en-US" dirty="0" smtClean="0">
-                <a:effectLst/>
-              </a:rPr>
-              <a:t> </a:t>
-            </a:r>
-            <a:r>
-              <a:rPr lang="en-US" dirty="0" err="1" smtClean="0">
-                <a:effectLst/>
-              </a:rPr>
-              <a:t>gewählt</a:t>
-            </a:r>
-            <a:r>
-              <a:rPr lang="en-US" dirty="0" smtClean="0">
-                <a:effectLst/>
-              </a:rPr>
-              <a:t> </a:t>
-            </a:r>
-            <a:r>
-              <a:rPr lang="en-US" dirty="0" err="1" smtClean="0">
-                <a:effectLst/>
-              </a:rPr>
-              <a:t>bei</a:t>
-            </a:r>
-            <a:r>
-              <a:rPr lang="en-US" dirty="0" smtClean="0">
-                <a:effectLst/>
-              </a:rPr>
-              <a:t> </a:t>
-            </a:r>
-            <a:r>
-              <a:rPr lang="en-US" dirty="0" err="1" smtClean="0">
-                <a:effectLst/>
-              </a:rPr>
-              <a:t>diesen</a:t>
-            </a:r>
-            <a:r>
-              <a:rPr lang="en-US" dirty="0" smtClean="0">
-                <a:effectLst/>
-              </a:rPr>
-              <a:t> </a:t>
-            </a:r>
-            <a:r>
-              <a:rPr lang="en-US" dirty="0" err="1" smtClean="0">
-                <a:effectLst/>
-              </a:rPr>
-              <a:t>Folien</a:t>
-            </a:r>
-            <a:r>
-              <a:rPr lang="en-US" dirty="0" smtClean="0">
-                <a:effectLst/>
-              </a:rPr>
-              <a:t>! </a:t>
-            </a:r>
-          </a:p>
-          <a:p>
+              <a:t>    </a:t>
+            </a:r>
             <a:endParaRPr lang="en-US" dirty="0" smtClean="0">
               <a:effectLst/>
             </a:endParaRPr>
           </a:p>
           <a:p>
-            <a:r>
-              <a:rPr lang="en-US" dirty="0" err="1" smtClean="0">
+            <a:pPr rtl="0" latinLnBrk="0"/>
+            <a:r>
+              <a:rPr lang="en-US" sz="1200" i="1" kern="1200" dirty="0" smtClean="0">
+                <a:solidFill>
+                  <a:schemeClr val="tx1"/>
+                </a:solidFill>
                 <a:effectLst/>
+                <a:latin typeface="+mn-lt"/>
+                <a:ea typeface="+mn-ea"/>
+                <a:cs typeface="+mn-cs"/>
               </a:rPr>
-              <a:t>Künstliche</a:t>
-            </a:r>
-            <a:r>
-              <a:rPr lang="en-US" dirty="0" smtClean="0">
-                <a:effectLst/>
-              </a:rPr>
-              <a:t> </a:t>
-            </a:r>
-            <a:r>
-              <a:rPr lang="en-US" dirty="0" err="1" smtClean="0">
-                <a:effectLst/>
-              </a:rPr>
-              <a:t>neuronale</a:t>
-            </a:r>
-            <a:r>
-              <a:rPr lang="en-US" dirty="0" smtClean="0">
-                <a:effectLst/>
-              </a:rPr>
-              <a:t> </a:t>
-            </a:r>
-            <a:r>
-              <a:rPr lang="en-US" dirty="0" err="1" smtClean="0">
-                <a:effectLst/>
-              </a:rPr>
-              <a:t>Netze</a:t>
+              <a:t>    segmentation, named entity recognition, automatic summarization, and sentiment analysis and relationship extraction.</a:t>
             </a:r>
             <a:endParaRPr lang="en-US" dirty="0" smtClean="0">
               <a:effectLst/>
@@ -2407,7 +2869,7 @@
           <a:p>
             <a:fld id="{DA58BC1F-B303-41BB-B1E5-E3EE1F495441}" type="slidenum">
               <a:rPr lang="de-CH" smtClean="0"/>
-              <a:t>9</a:t>
+              <a:t>8</a:t>
             </a:fld>
             <a:endParaRPr lang="de-CH"/>
           </a:p>
@@ -2416,7 +2878,7 @@
     </p:spTree>
     <p:extLst>
       <p:ext uri="{BB962C8B-B14F-4D97-AF65-F5344CB8AC3E}">
-        <p14:creationId xmlns:p14="http://schemas.microsoft.com/office/powerpoint/2010/main" val="970443988"/>
+        <p14:creationId xmlns:p14="http://schemas.microsoft.com/office/powerpoint/2010/main" val="590151831"/>
       </p:ext>
     </p:extLst>
   </p:cSld>
@@ -2485,25 +2947,25 @@
               <a:rPr lang="en-US" dirty="0" smtClean="0">
                 <a:effectLst/>
               </a:rPr>
-              <a:t>Anyhow? </a:t>
+              <a:t>Beware: </a:t>
             </a:r>
             <a:r>
               <a:rPr lang="en-US" dirty="0" err="1" smtClean="0">
                 <a:effectLst/>
               </a:rPr>
-              <a:t>Diskussionen</a:t>
+              <a:t>Englisch</a:t>
             </a:r>
             <a:r>
               <a:rPr lang="en-US" dirty="0" smtClean="0">
                 <a:effectLst/>
               </a:rPr>
-              <a:t> on Yammer - Hat </a:t>
+              <a:t> und Deutsch </a:t>
             </a:r>
             <a:r>
               <a:rPr lang="en-US" dirty="0" err="1" smtClean="0">
                 <a:effectLst/>
               </a:rPr>
-              <a:t>jemand</a:t>
+              <a:t>ist</a:t>
             </a:r>
             <a:r>
               <a:rPr lang="en-US" dirty="0" smtClean="0">
@@ -2515,7 +2977,7 @@
               <a:rPr lang="en-US" dirty="0" err="1" smtClean="0">
                 <a:effectLst/>
               </a:rPr>
-              <a:t>eine</a:t>
+              <a:t>hier</a:t>
             </a:r>
             <a:r>
               <a:rPr lang="en-US" dirty="0" smtClean="0">
@@ -2527,34 +2989,126 @@
               <a:rPr lang="en-US" dirty="0" err="1" smtClean="0">
                 <a:effectLst/>
               </a:rPr>
-              <a:t>gute</a:t>
+              <a:t>sehr</a:t>
             </a:r>
             <a:r>
               <a:rPr lang="en-US" dirty="0" smtClean="0">
                 <a:effectLst/>
               </a:rPr>
-              <a:t> Definition </a:t>
+              <a:t> </a:t>
             </a:r>
             <a:r>
               <a:rPr lang="en-US" dirty="0" err="1" smtClean="0">
                 <a:effectLst/>
               </a:rPr>
-              <a:t>für</a:t>
+              <a:t>mit</a:t>
             </a:r>
             <a:r>
               <a:rPr lang="en-US" dirty="0" smtClean="0">
                 <a:effectLst/>
               </a:rPr>
-              <a:t> das?</a:t>
-            </a:r>
-          </a:p>
-          <a:p>
+              <a:t> </a:t>
+            </a:r>
+            <a:r>
+              <a:rPr lang="en-US" dirty="0" err="1" smtClean="0">
+                <a:effectLst/>
+              </a:rPr>
+              <a:t>bedacht</a:t>
+            </a:r>
             <a:r>
               <a:rPr lang="en-US" dirty="0" smtClean="0">
                 <a:effectLst/>
               </a:rPr>
-              <a:t>Und/Oder?</a:t>
-            </a:r>
+              <a:t> </a:t>
+            </a:r>
+            <a:r>
+              <a:rPr lang="en-US" dirty="0" err="1" smtClean="0">
+                <a:effectLst/>
+              </a:rPr>
+              <a:t>gewählt</a:t>
+            </a:r>
+            <a:r>
+              <a:rPr lang="en-US" dirty="0" smtClean="0">
+                <a:effectLst/>
+              </a:rPr>
+              <a:t> </a:t>
+            </a:r>
+            <a:r>
+              <a:rPr lang="en-US" dirty="0" err="1" smtClean="0">
+                <a:effectLst/>
+              </a:rPr>
+              <a:t>bei</a:t>
+            </a:r>
+            <a:r>
+              <a:rPr lang="en-US" dirty="0" smtClean="0">
+                <a:effectLst/>
+              </a:rPr>
+              <a:t> </a:t>
+            </a:r>
+            <a:r>
+              <a:rPr lang="en-US" dirty="0" err="1" smtClean="0">
+                <a:effectLst/>
+              </a:rPr>
+              <a:t>diesen</a:t>
+            </a:r>
+            <a:r>
+              <a:rPr lang="en-US" dirty="0" smtClean="0">
+                <a:effectLst/>
+              </a:rPr>
+              <a:t> </a:t>
+            </a:r>
+            <a:r>
+              <a:rPr lang="en-US" dirty="0" err="1" smtClean="0">
+                <a:effectLst/>
+              </a:rPr>
+              <a:t>Folien</a:t>
+            </a:r>
+            <a:r>
+              <a:rPr lang="en-US" dirty="0" smtClean="0">
+                <a:effectLst/>
+              </a:rPr>
+              <a:t>! </a:t>
+            </a:r>
+          </a:p>
+          <a:p>
+            <a:endParaRPr lang="en-US" dirty="0" smtClean="0">
+              <a:effectLst/>
+            </a:endParaRPr>
+          </a:p>
+          <a:p>
+            <a:r>
+              <a:rPr lang="en-US" dirty="0" err="1" smtClean="0">
+                <a:effectLst/>
+              </a:rPr>
+              <a:t>Künstliche</a:t>
+            </a:r>
+            <a:r>
+              <a:rPr lang="en-US" dirty="0" smtClean="0">
+                <a:effectLst/>
+              </a:rPr>
+              <a:t> </a:t>
+            </a:r>
+            <a:r>
+              <a:rPr lang="en-US" dirty="0" err="1" smtClean="0">
+                <a:effectLst/>
+              </a:rPr>
+              <a:t>neuronale</a:t>
+            </a:r>
+            <a:r>
+              <a:rPr lang="en-US" dirty="0" smtClean="0">
+                <a:effectLst/>
+              </a:rPr>
+              <a:t> </a:t>
+            </a:r>
+            <a:r>
+              <a:rPr lang="en-US" dirty="0" err="1" smtClean="0">
+                <a:effectLst/>
+              </a:rPr>
+              <a:t>Netze</a:t>
+            </a:r>
+            <a:endParaRPr lang="en-US" dirty="0" smtClean="0">
+              <a:effectLst/>
+            </a:endParaRPr>
           </a:p>
           <a:p>
             <a:endParaRPr lang="de-CH" dirty="0"/>
@@ -2578,7 +3132,7 @@
           <a:p>
             <a:fld id="{DA58BC1F-B303-41BB-B1E5-E3EE1F495441}" type="slidenum">
               <a:rPr lang="de-CH" smtClean="0"/>
-              <a:t>10</a:t>
+              <a:t>9</a:t>
             </a:fld>
             <a:endParaRPr lang="de-CH"/>
           </a:p>
@@ -2587,7 +3141,7 @@
     </p:spTree>
     <p:extLst>
       <p:ext uri="{BB962C8B-B14F-4D97-AF65-F5344CB8AC3E}">
-        <p14:creationId xmlns:p14="http://schemas.microsoft.com/office/powerpoint/2010/main" val="2063801729"/>
+        <p14:creationId xmlns:p14="http://schemas.microsoft.com/office/powerpoint/2010/main" val="970443988"/>
       </p:ext>
     </p:extLst>
   </p:cSld>
@@ -2653,20 +3207,82 @@
               </a:rPr>
             </a:br>
             <a:r>
-              <a:rPr lang="de-CH" dirty="0" smtClean="0">
+              <a:rPr lang="en-US" dirty="0" smtClean="0">
                 <a:effectLst/>
               </a:rPr>
-              <a:t>Wa</a:t>
-            </a:r>
-            <a:r>
-              <a:rPr lang="de-CH" baseline="0" dirty="0" smtClean="0">
+              <a:t>Anyhow? </a:t>
+            </a:r>
+            <a:r>
+              <a:rPr lang="en-US" dirty="0" err="1" smtClean="0">
                 <a:effectLst/>
               </a:rPr>
-              <a:t>s wir bis jetzt haben.</a:t>
-            </a:r>
-            <a:endParaRPr lang="en-US" dirty="0" smtClean="0">
-              <a:effectLst/>
-            </a:endParaRPr>
+              <a:t>Diskussionen</a:t>
+            </a:r>
+            <a:r>
+              <a:rPr lang="en-US" dirty="0" smtClean="0">
+                <a:effectLst/>
+              </a:rPr>
+              <a:t> on Yammer - Hat </a:t>
+            </a:r>
+            <a:r>
+              <a:rPr lang="en-US" dirty="0" err="1" smtClean="0">
+                <a:effectLst/>
+              </a:rPr>
+              <a:t>jemand</a:t>
+            </a:r>
+            <a:r>
+              <a:rPr lang="en-US" dirty="0" smtClean="0">
+                <a:effectLst/>
+              </a:rPr>
+              <a:t> </a:t>
+            </a:r>
+            <a:r>
+              <a:rPr lang="en-US" dirty="0" err="1" smtClean="0">
+                <a:effectLst/>
+              </a:rPr>
+              <a:t>eine</a:t>
+            </a:r>
+            <a:r>
+              <a:rPr lang="en-US" dirty="0" smtClean="0">
+                <a:effectLst/>
+              </a:rPr>
+              <a:t> </a:t>
+            </a:r>
+            <a:r>
+              <a:rPr lang="en-US" dirty="0" err="1" smtClean="0">
+                <a:effectLst/>
+              </a:rPr>
+              <a:t>gute</a:t>
+            </a:r>
+            <a:r>
+              <a:rPr lang="en-US" dirty="0" smtClean="0">
+                <a:effectLst/>
+              </a:rPr>
+              <a:t> Definition </a:t>
+            </a:r>
+            <a:r>
+              <a:rPr lang="en-US" dirty="0" err="1" smtClean="0">
+                <a:effectLst/>
+              </a:rPr>
+              <a:t>für</a:t>
+            </a:r>
+            <a:r>
+              <a:rPr lang="en-US" dirty="0" smtClean="0">
+                <a:effectLst/>
+              </a:rPr>
+              <a:t> das?</a:t>
+            </a:r>
+          </a:p>
+          <a:p>
+            <a:r>
+              <a:rPr lang="en-US" dirty="0" smtClean="0">
+                <a:effectLst/>
+              </a:rPr>
+              <a:t>Und/Oder?</a:t>
+            </a:r>
+          </a:p>
+          <a:p>
+            <a:endParaRPr lang="de-CH" dirty="0"/>
           </a:p>
         </p:txBody>
       </p:sp>
@@ -2687,7 +3303,7 @@
           <a:p>
             <a:fld id="{DA58BC1F-B303-41BB-B1E5-E3EE1F495441}" type="slidenum">
               <a:rPr lang="de-CH" smtClean="0"/>
-              <a:t>11</a:t>
+              <a:t>10</a:t>
             </a:fld>
             <a:endParaRPr lang="de-CH"/>
           </a:p>
@@ -2696,7 +3312,7 @@
     </p:spTree>
     <p:extLst>
       <p:ext uri="{BB962C8B-B14F-4D97-AF65-F5344CB8AC3E}">
-        <p14:creationId xmlns:p14="http://schemas.microsoft.com/office/powerpoint/2010/main" val="177082054"/>
+        <p14:creationId xmlns:p14="http://schemas.microsoft.com/office/powerpoint/2010/main" val="2063801729"/>
       </p:ext>
     </p:extLst>
   </p:cSld>
@@ -2754,43 +3370,28 @@
               <a:rPr lang="en-US" dirty="0" smtClean="0">
                 <a:effectLst/>
               </a:rPr>
-              <a:t>Was </a:t>
-            </a:r>
-            <a:r>
-              <a:rPr lang="en-US" dirty="0" err="1" smtClean="0">
-                <a:effectLst/>
-              </a:rPr>
-              <a:t>noch</a:t>
-            </a:r>
-            <a:r>
-              <a:rPr lang="en-US" dirty="0" smtClean="0">
-                <a:effectLst/>
-              </a:rPr>
-              <a:t> </a:t>
-            </a:r>
-            <a:r>
-              <a:rPr lang="en-US" dirty="0" err="1" smtClean="0">
-                <a:effectLst/>
-              </a:rPr>
-              <a:t>fehlt</a:t>
-            </a:r>
-            <a:r>
-              <a:rPr lang="en-US" dirty="0" smtClean="0">
-                <a:effectLst/>
-              </a:rPr>
-              <a:t>.</a:t>
+              <a:t/>
             </a:r>
             <a:br>
               <a:rPr lang="en-US" dirty="0" smtClean="0">
                 <a:effectLst/>
               </a:rPr>
             </a:br>
+            <a:r>
+              <a:rPr lang="de-CH" dirty="0" smtClean="0">
+                <a:effectLst/>
+              </a:rPr>
+              <a:t>Wa</a:t>
+            </a:r>
+            <a:r>
+              <a:rPr lang="de-CH" baseline="0" dirty="0" smtClean="0">
+                <a:effectLst/>
+              </a:rPr>
+              <a:t>s wir bis jetzt haben.</a:t>
+            </a:r>
             <a:endParaRPr lang="en-US" dirty="0" smtClean="0">
               <a:effectLst/>
             </a:endParaRPr>
-          </a:p>
-          <a:p>
-            <a:endParaRPr lang="de-CH" dirty="0"/>
           </a:p>
         </p:txBody>
       </p:sp>
@@ -2811,7 +3412,7 @@
           <a:p>
             <a:fld id="{DA58BC1F-B303-41BB-B1E5-E3EE1F495441}" type="slidenum">
               <a:rPr lang="de-CH" smtClean="0"/>
-              <a:t>12</a:t>
+              <a:t>11</a:t>
             </a:fld>
             <a:endParaRPr lang="de-CH"/>
           </a:p>
@@ -2820,7 +3421,7 @@
     </p:spTree>
     <p:extLst>
       <p:ext uri="{BB962C8B-B14F-4D97-AF65-F5344CB8AC3E}">
-        <p14:creationId xmlns:p14="http://schemas.microsoft.com/office/powerpoint/2010/main" val="3344351000"/>
+        <p14:creationId xmlns:p14="http://schemas.microsoft.com/office/powerpoint/2010/main" val="177082054"/>
       </p:ext>
     </p:extLst>
   </p:cSld>
@@ -15114,6 +15715,50 @@
           </a:p>
         </p:txBody>
       </p:sp>
+      <p:sp>
+        <p:nvSpPr>
+          <p:cNvPr id="4" name="TextBox 3"/>
+          <p:cNvSpPr txBox="1"/>
+          <p:nvPr/>
+        </p:nvSpPr>
+        <p:spPr>
+          <a:xfrm>
+            <a:off x="1901138" y="5463746"/>
+            <a:ext cx="3329758" cy="261610"/>
+          </a:xfrm>
+          <a:prstGeom prst="rect">
+            <a:avLst/>
+          </a:prstGeom>
+          <a:noFill/>
+        </p:spPr>
+        <p:txBody>
+          <a:bodyPr wrap="none" rtlCol="0">
+            <a:spAutoFit/>
+          </a:bodyPr>
+          <a:lstStyle/>
+          <a:p>
+            <a:r>
+              <a:rPr lang="de-CH" sz="1100" dirty="0" smtClean="0">
+                <a:solidFill>
+                  <a:schemeClr val="tx2">
+                    <a:lumMod val="60000"/>
+                    <a:lumOff val="40000"/>
+                  </a:schemeClr>
+                </a:solidFill>
+              </a:rPr>
+              <a:t>Christoph Hilty @GARAIO Academy Days 2017</a:t>
+            </a:r>
+            <a:endParaRPr lang="de-CH" sz="1100" dirty="0">
+              <a:solidFill>
+                <a:schemeClr val="tx2">
+                  <a:lumMod val="60000"/>
+                  <a:lumOff val="40000"/>
+                </a:schemeClr>
+              </a:solidFill>
+            </a:endParaRPr>
+          </a:p>
+        </p:txBody>
+      </p:sp>
     </p:spTree>
     <p:extLst>
       <p:ext uri="{BB962C8B-B14F-4D97-AF65-F5344CB8AC3E}">
@@ -19255,11 +19900,7 @@
             <a:pPr lvl="2"/>
             <a:r>
               <a:rPr lang="de-CH" sz="2200" dirty="0" smtClean="0"/>
-              <a:t>Ist </a:t>
-            </a:r>
-            <a:r>
-              <a:rPr lang="de-CH" sz="2200" dirty="0" smtClean="0"/>
-              <a:t>das A oder B?</a:t>
+              <a:t>Ist das A oder B?</a:t>
             </a:r>
           </a:p>
           <a:p>
@@ -20190,9 +20831,10 @@
           </a:p>
           <a:p>
             <a:r>
-              <a:rPr lang="de-CH" dirty="0"/>
-              <a:t>Tutorial/Demo</a:t>
-            </a:r>
+              <a:rPr lang="de-CH" dirty="0" smtClean="0"/>
+              <a:t>Machine Learning by Example</a:t>
+            </a:r>
+            <a:endParaRPr lang="de-CH" dirty="0"/>
           </a:p>
           <a:p>
             <a:r>
@@ -20203,7 +20845,7 @@
           <a:p>
             <a:r>
               <a:rPr lang="de-CH" dirty="0" smtClean="0"/>
-              <a:t>Die 5 Fragen</a:t>
+              <a:t>Die 5 Fragen die ML beantworten kann</a:t>
             </a:r>
           </a:p>
           <a:p>
@@ -20820,7 +21462,18 @@
               <a:rPr lang="de-CH" i="1" dirty="0" smtClean="0"/>
               <a:t>Kurze Thema in bekanntem Kontex</a:t>
             </a:r>
-            <a:endParaRPr lang="de-CH" i="1" dirty="0"/>
+          </a:p>
+          <a:p>
+            <a:pPr marL="0" indent="0" algn="ctr">
+              <a:buNone/>
+            </a:pPr>
+            <a:r>
+              <a:rPr lang="de-CH" sz="1300" i="1" dirty="0">
+                <a:hlinkClick r:id="rId3"/>
+              </a:rPr>
+              <a:t>https://github.com/huli/introduction-machine-learning/tree/master/visual-studio/HelloR</a:t>
+            </a:r>
+            <a:endParaRPr lang="de-CH" sz="1300" i="1" dirty="0"/>
           </a:p>
         </p:txBody>
       </p:sp>
@@ -20845,6 +21498,1022 @@
 </file>
 
 <file path=ppt/slides/slide22.xml><?xml version="1.0" encoding="utf-8"?>
+<p:sld xmlns:a="http://schemas.openxmlformats.org/drawingml/2006/main" xmlns:r="http://schemas.openxmlformats.org/officeDocument/2006/relationships" xmlns:p="http://schemas.openxmlformats.org/presentationml/2006/main">
+  <p:cSld>
+    <p:spTree>
+      <p:nvGrpSpPr>
+        <p:cNvPr id="1" name=""/>
+        <p:cNvGrpSpPr/>
+        <p:nvPr/>
+      </p:nvGrpSpPr>
+      <p:grpSpPr>
+        <a:xfrm>
+          <a:off x="0" y="0"/>
+          <a:ext cx="0" cy="0"/>
+          <a:chOff x="0" y="0"/>
+          <a:chExt cx="0" cy="0"/>
+        </a:xfrm>
+      </p:grpSpPr>
+      <p:sp>
+        <p:nvSpPr>
+          <p:cNvPr id="2" name="Title 1"/>
+          <p:cNvSpPr>
+            <a:spLocks noGrp="1"/>
+          </p:cNvSpPr>
+          <p:nvPr>
+            <p:ph type="title"/>
+          </p:nvPr>
+        </p:nvSpPr>
+        <p:spPr/>
+        <p:txBody>
+          <a:bodyPr/>
+          <a:lstStyle/>
+          <a:p>
+            <a:r>
+              <a:rPr lang="de-CH" dirty="0" smtClean="0"/>
+              <a:t>Arten von maschinellem Lernen</a:t>
+            </a:r>
+            <a:endParaRPr lang="de-CH" dirty="0"/>
+          </a:p>
+        </p:txBody>
+      </p:sp>
+      <p:sp>
+        <p:nvSpPr>
+          <p:cNvPr id="4" name="Text Placeholder 3"/>
+          <p:cNvSpPr>
+            <a:spLocks noGrp="1"/>
+          </p:cNvSpPr>
+          <p:nvPr>
+            <p:ph type="body" idx="1"/>
+          </p:nvPr>
+        </p:nvSpPr>
+        <p:spPr/>
+        <p:txBody>
+          <a:bodyPr/>
+          <a:lstStyle/>
+          <a:p>
+            <a:endParaRPr lang="de-CH" dirty="0"/>
+          </a:p>
+        </p:txBody>
+      </p:sp>
+    </p:spTree>
+    <p:extLst>
+      <p:ext uri="{BB962C8B-B14F-4D97-AF65-F5344CB8AC3E}">
+        <p14:creationId xmlns:p14="http://schemas.microsoft.com/office/powerpoint/2010/main" val="3920540836"/>
+      </p:ext>
+    </p:extLst>
+  </p:cSld>
+  <p:clrMapOvr>
+    <a:masterClrMapping/>
+  </p:clrMapOvr>
+  <p:timing>
+    <p:tnLst>
+      <p:par>
+        <p:cTn id="1" dur="indefinite" restart="never" nodeType="tmRoot"/>
+      </p:par>
+    </p:tnLst>
+  </p:timing>
+</p:sld>
+</file>
+
+<file path=ppt/slides/slide23.xml><?xml version="1.0" encoding="utf-8"?>
+<p:sld xmlns:a="http://schemas.openxmlformats.org/drawingml/2006/main" xmlns:r="http://schemas.openxmlformats.org/officeDocument/2006/relationships" xmlns:p="http://schemas.openxmlformats.org/presentationml/2006/main">
+  <p:cSld>
+    <p:spTree>
+      <p:nvGrpSpPr>
+        <p:cNvPr id="1" name=""/>
+        <p:cNvGrpSpPr/>
+        <p:nvPr/>
+      </p:nvGrpSpPr>
+      <p:grpSpPr>
+        <a:xfrm>
+          <a:off x="0" y="0"/>
+          <a:ext cx="0" cy="0"/>
+          <a:chOff x="0" y="0"/>
+          <a:chExt cx="0" cy="0"/>
+        </a:xfrm>
+      </p:grpSpPr>
+      <p:sp>
+        <p:nvSpPr>
+          <p:cNvPr id="2" name="Title 1"/>
+          <p:cNvSpPr>
+            <a:spLocks noGrp="1"/>
+          </p:cNvSpPr>
+          <p:nvPr>
+            <p:ph type="title"/>
+          </p:nvPr>
+        </p:nvSpPr>
+        <p:spPr/>
+        <p:txBody>
+          <a:bodyPr/>
+          <a:lstStyle/>
+          <a:p>
+            <a:r>
+              <a:rPr lang="de-CH" dirty="0" smtClean="0"/>
+              <a:t>Übersicht über die drei Haupttypen</a:t>
+            </a:r>
+            <a:endParaRPr lang="de-CH" dirty="0"/>
+          </a:p>
+        </p:txBody>
+      </p:sp>
+      <p:sp>
+        <p:nvSpPr>
+          <p:cNvPr id="6" name="TextBox 5"/>
+          <p:cNvSpPr txBox="1"/>
+          <p:nvPr/>
+        </p:nvSpPr>
+        <p:spPr>
+          <a:xfrm>
+            <a:off x="6421264" y="3830875"/>
+            <a:ext cx="3522118" cy="461665"/>
+          </a:xfrm>
+          <a:prstGeom prst="rect">
+            <a:avLst/>
+          </a:prstGeom>
+          <a:noFill/>
+        </p:spPr>
+        <p:txBody>
+          <a:bodyPr wrap="none" rtlCol="0">
+            <a:spAutoFit/>
+          </a:bodyPr>
+          <a:lstStyle/>
+          <a:p>
+            <a:r>
+              <a:rPr lang="de-CH" sz="2400" dirty="0" smtClean="0"/>
+              <a:t>Unsupervised Learning</a:t>
+            </a:r>
+            <a:endParaRPr lang="de-CH" sz="2400" dirty="0"/>
+          </a:p>
+        </p:txBody>
+      </p:sp>
+      <p:sp>
+        <p:nvSpPr>
+          <p:cNvPr id="7" name="TextBox 6"/>
+          <p:cNvSpPr txBox="1"/>
+          <p:nvPr/>
+        </p:nvSpPr>
+        <p:spPr>
+          <a:xfrm>
+            <a:off x="6421264" y="2619635"/>
+            <a:ext cx="3166251" cy="461665"/>
+          </a:xfrm>
+          <a:prstGeom prst="rect">
+            <a:avLst/>
+          </a:prstGeom>
+          <a:noFill/>
+        </p:spPr>
+        <p:txBody>
+          <a:bodyPr wrap="none" rtlCol="0">
+            <a:spAutoFit/>
+          </a:bodyPr>
+          <a:lstStyle/>
+          <a:p>
+            <a:r>
+              <a:rPr lang="de-CH" sz="2400" dirty="0" smtClean="0"/>
+              <a:t>Supervised Learning</a:t>
+            </a:r>
+            <a:endParaRPr lang="de-CH" sz="2400" dirty="0"/>
+          </a:p>
+        </p:txBody>
+      </p:sp>
+      <p:sp>
+        <p:nvSpPr>
+          <p:cNvPr id="8" name="TextBox 7"/>
+          <p:cNvSpPr txBox="1"/>
+          <p:nvPr/>
+        </p:nvSpPr>
+        <p:spPr>
+          <a:xfrm>
+            <a:off x="6421264" y="5036188"/>
+            <a:ext cx="3565400" cy="461665"/>
+          </a:xfrm>
+          <a:prstGeom prst="rect">
+            <a:avLst/>
+          </a:prstGeom>
+          <a:noFill/>
+        </p:spPr>
+        <p:txBody>
+          <a:bodyPr wrap="none" rtlCol="0">
+            <a:spAutoFit/>
+          </a:bodyPr>
+          <a:lstStyle/>
+          <a:p>
+            <a:r>
+              <a:rPr lang="de-CH" sz="2400" dirty="0" smtClean="0"/>
+              <a:t>Reinforcment Learning</a:t>
+            </a:r>
+            <a:endParaRPr lang="de-CH" sz="2400" dirty="0"/>
+          </a:p>
+        </p:txBody>
+      </p:sp>
+      <p:sp>
+        <p:nvSpPr>
+          <p:cNvPr id="9" name="Pentagon 8"/>
+          <p:cNvSpPr/>
+          <p:nvPr/>
+        </p:nvSpPr>
+        <p:spPr>
+          <a:xfrm>
+            <a:off x="1878227" y="2271950"/>
+            <a:ext cx="4143633" cy="1210510"/>
+          </a:xfrm>
+          <a:prstGeom prst="homePlate">
+            <a:avLst>
+              <a:gd name="adj" fmla="val 30946"/>
+            </a:avLst>
+          </a:prstGeom>
+          <a:solidFill>
+            <a:schemeClr val="tx2">
+              <a:lumMod val="75000"/>
+            </a:schemeClr>
+          </a:solidFill>
+          <a:ln>
+            <a:noFill/>
+          </a:ln>
+        </p:spPr>
+        <p:style>
+          <a:lnRef idx="2">
+            <a:schemeClr val="accent1">
+              <a:shade val="50000"/>
+            </a:schemeClr>
+          </a:lnRef>
+          <a:fillRef idx="1">
+            <a:schemeClr val="accent1"/>
+          </a:fillRef>
+          <a:effectRef idx="0">
+            <a:schemeClr val="accent1"/>
+          </a:effectRef>
+          <a:fontRef idx="minor">
+            <a:schemeClr val="lt1"/>
+          </a:fontRef>
+        </p:style>
+        <p:txBody>
+          <a:bodyPr rtlCol="0" anchor="ctr"/>
+          <a:lstStyle/>
+          <a:p>
+            <a:pPr algn="ctr"/>
+            <a:endParaRPr lang="de-CH"/>
+          </a:p>
+        </p:txBody>
+      </p:sp>
+      <p:sp>
+        <p:nvSpPr>
+          <p:cNvPr id="11" name="Pentagon 10"/>
+          <p:cNvSpPr/>
+          <p:nvPr/>
+        </p:nvSpPr>
+        <p:spPr>
+          <a:xfrm>
+            <a:off x="1878226" y="3482460"/>
+            <a:ext cx="4143633" cy="1210510"/>
+          </a:xfrm>
+          <a:prstGeom prst="homePlate">
+            <a:avLst>
+              <a:gd name="adj" fmla="val 32306"/>
+            </a:avLst>
+          </a:prstGeom>
+          <a:solidFill>
+            <a:schemeClr val="tx2">
+              <a:lumMod val="75000"/>
+            </a:schemeClr>
+          </a:solidFill>
+          <a:ln>
+            <a:noFill/>
+          </a:ln>
+        </p:spPr>
+        <p:style>
+          <a:lnRef idx="2">
+            <a:schemeClr val="accent1">
+              <a:shade val="50000"/>
+            </a:schemeClr>
+          </a:lnRef>
+          <a:fillRef idx="1">
+            <a:schemeClr val="accent1"/>
+          </a:fillRef>
+          <a:effectRef idx="0">
+            <a:schemeClr val="accent1"/>
+          </a:effectRef>
+          <a:fontRef idx="minor">
+            <a:schemeClr val="lt1"/>
+          </a:fontRef>
+        </p:style>
+        <p:txBody>
+          <a:bodyPr rtlCol="0" anchor="ctr"/>
+          <a:lstStyle/>
+          <a:p>
+            <a:pPr algn="ctr"/>
+            <a:endParaRPr lang="de-CH"/>
+          </a:p>
+        </p:txBody>
+      </p:sp>
+      <p:sp>
+        <p:nvSpPr>
+          <p:cNvPr id="12" name="Pentagon 11"/>
+          <p:cNvSpPr/>
+          <p:nvPr/>
+        </p:nvSpPr>
+        <p:spPr>
+          <a:xfrm>
+            <a:off x="1878226" y="4661766"/>
+            <a:ext cx="4143634" cy="1210510"/>
+          </a:xfrm>
+          <a:prstGeom prst="homePlate">
+            <a:avLst>
+              <a:gd name="adj" fmla="val 31626"/>
+            </a:avLst>
+          </a:prstGeom>
+          <a:solidFill>
+            <a:schemeClr val="tx2">
+              <a:lumMod val="75000"/>
+            </a:schemeClr>
+          </a:solidFill>
+          <a:ln>
+            <a:noFill/>
+          </a:ln>
+        </p:spPr>
+        <p:style>
+          <a:lnRef idx="2">
+            <a:schemeClr val="accent1">
+              <a:shade val="50000"/>
+            </a:schemeClr>
+          </a:lnRef>
+          <a:fillRef idx="1">
+            <a:schemeClr val="accent1"/>
+          </a:fillRef>
+          <a:effectRef idx="0">
+            <a:schemeClr val="accent1"/>
+          </a:effectRef>
+          <a:fontRef idx="minor">
+            <a:schemeClr val="lt1"/>
+          </a:fontRef>
+        </p:style>
+        <p:txBody>
+          <a:bodyPr rtlCol="0" anchor="ctr"/>
+          <a:lstStyle/>
+          <a:p>
+            <a:pPr algn="ctr"/>
+            <a:endParaRPr lang="de-CH"/>
+          </a:p>
+        </p:txBody>
+      </p:sp>
+      <p:sp>
+        <p:nvSpPr>
+          <p:cNvPr id="5" name="TextBox 4"/>
+          <p:cNvSpPr txBox="1"/>
+          <p:nvPr/>
+        </p:nvSpPr>
+        <p:spPr>
+          <a:xfrm>
+            <a:off x="2487831" y="3307975"/>
+            <a:ext cx="2763898" cy="1384995"/>
+          </a:xfrm>
+          <a:prstGeom prst="rect">
+            <a:avLst/>
+          </a:prstGeom>
+          <a:noFill/>
+        </p:spPr>
+        <p:txBody>
+          <a:bodyPr wrap="none" rtlCol="0">
+            <a:spAutoFit/>
+          </a:bodyPr>
+          <a:lstStyle/>
+          <a:p>
+            <a:r>
+              <a:rPr lang="de-CH" sz="4400" dirty="0" smtClean="0"/>
+              <a:t>Machine</a:t>
+            </a:r>
+            <a:r>
+              <a:rPr lang="de-CH" sz="4000" dirty="0" smtClean="0"/>
+              <a:t> </a:t>
+            </a:r>
+          </a:p>
+          <a:p>
+            <a:r>
+              <a:rPr lang="de-CH" sz="4000" dirty="0" smtClean="0"/>
+              <a:t>Learning</a:t>
+            </a:r>
+            <a:endParaRPr lang="de-CH" sz="4000" dirty="0"/>
+          </a:p>
+        </p:txBody>
+      </p:sp>
+    </p:spTree>
+    <p:extLst>
+      <p:ext uri="{BB962C8B-B14F-4D97-AF65-F5344CB8AC3E}">
+        <p14:creationId xmlns:p14="http://schemas.microsoft.com/office/powerpoint/2010/main" val="3003109396"/>
+      </p:ext>
+    </p:extLst>
+  </p:cSld>
+  <p:clrMapOvr>
+    <a:masterClrMapping/>
+  </p:clrMapOvr>
+  <p:timing>
+    <p:tnLst>
+      <p:par>
+        <p:cTn id="1" dur="indefinite" restart="never" nodeType="tmRoot"/>
+      </p:par>
+    </p:tnLst>
+  </p:timing>
+</p:sld>
+</file>
+
+<file path=ppt/slides/slide24.xml><?xml version="1.0" encoding="utf-8"?>
+<p:sld xmlns:a="http://schemas.openxmlformats.org/drawingml/2006/main" xmlns:r="http://schemas.openxmlformats.org/officeDocument/2006/relationships" xmlns:p="http://schemas.openxmlformats.org/presentationml/2006/main">
+  <p:cSld>
+    <p:spTree>
+      <p:nvGrpSpPr>
+        <p:cNvPr id="1" name=""/>
+        <p:cNvGrpSpPr/>
+        <p:nvPr/>
+      </p:nvGrpSpPr>
+      <p:grpSpPr>
+        <a:xfrm>
+          <a:off x="0" y="0"/>
+          <a:ext cx="0" cy="0"/>
+          <a:chOff x="0" y="0"/>
+          <a:chExt cx="0" cy="0"/>
+        </a:xfrm>
+      </p:grpSpPr>
+      <p:sp>
+        <p:nvSpPr>
+          <p:cNvPr id="2" name="Title 1"/>
+          <p:cNvSpPr>
+            <a:spLocks noGrp="1"/>
+          </p:cNvSpPr>
+          <p:nvPr>
+            <p:ph type="title"/>
+          </p:nvPr>
+        </p:nvSpPr>
+        <p:spPr/>
+        <p:txBody>
+          <a:bodyPr/>
+          <a:lstStyle/>
+          <a:p>
+            <a:r>
+              <a:rPr lang="de-CH" dirty="0" smtClean="0"/>
+              <a:t>Supervised Learning</a:t>
+            </a:r>
+            <a:endParaRPr lang="de-CH" dirty="0"/>
+          </a:p>
+        </p:txBody>
+      </p:sp>
+      <p:sp>
+        <p:nvSpPr>
+          <p:cNvPr id="3" name="Content Placeholder 2"/>
+          <p:cNvSpPr>
+            <a:spLocks noGrp="1"/>
+          </p:cNvSpPr>
+          <p:nvPr>
+            <p:ph idx="1"/>
+          </p:nvPr>
+        </p:nvSpPr>
+        <p:spPr/>
+        <p:txBody>
+          <a:bodyPr>
+            <a:normAutofit/>
+          </a:bodyPr>
+          <a:lstStyle/>
+          <a:p>
+            <a:pPr marL="457200" indent="-457200">
+              <a:buFont typeface="+mj-lt"/>
+              <a:buAutoNum type="arabicPeriod"/>
+            </a:pPr>
+            <a:r>
+              <a:rPr lang="de-CH" dirty="0" smtClean="0"/>
+              <a:t>Geordnete (labeled) Daten </a:t>
+            </a:r>
+          </a:p>
+          <a:p>
+            <a:pPr marL="457200" indent="-457200">
+              <a:buFont typeface="+mj-lt"/>
+              <a:buAutoNum type="arabicPeriod"/>
+            </a:pPr>
+            <a:r>
+              <a:rPr lang="de-CH" dirty="0" smtClean="0"/>
+              <a:t>Modell erstellen</a:t>
+            </a:r>
+          </a:p>
+          <a:p>
+            <a:pPr marL="457200" indent="-457200">
+              <a:buFont typeface="+mj-lt"/>
+              <a:buAutoNum type="arabicPeriod"/>
+            </a:pPr>
+            <a:r>
+              <a:rPr lang="de-CH" dirty="0" smtClean="0"/>
+              <a:t>Voraussagen über neue </a:t>
+            </a:r>
+            <a:br>
+              <a:rPr lang="de-CH" dirty="0" smtClean="0"/>
+            </a:br>
+            <a:r>
+              <a:rPr lang="de-CH" dirty="0" smtClean="0"/>
+              <a:t>(unlabeled) Daten machen </a:t>
+            </a:r>
+            <a:endParaRPr lang="de-CH" dirty="0"/>
+          </a:p>
+        </p:txBody>
+      </p:sp>
+      <p:pic>
+        <p:nvPicPr>
+          <p:cNvPr id="7" name="Picture 6"/>
+          <p:cNvPicPr>
+            <a:picLocks noChangeAspect="1"/>
+          </p:cNvPicPr>
+          <p:nvPr/>
+        </p:nvPicPr>
+        <p:blipFill>
+          <a:blip r:embed="rId3">
+            <a:extLst>
+              <a:ext uri="{28A0092B-C50C-407E-A947-70E740481C1C}">
+                <a14:useLocalDpi xmlns:a14="http://schemas.microsoft.com/office/drawing/2010/main" val="0"/>
+              </a:ext>
+            </a:extLst>
+          </a:blip>
+          <a:stretch>
+            <a:fillRect/>
+          </a:stretch>
+        </p:blipFill>
+        <p:spPr>
+          <a:xfrm>
+            <a:off x="6565393" y="2097088"/>
+            <a:ext cx="4183220" cy="3497676"/>
+          </a:xfrm>
+          <a:prstGeom prst="rect">
+            <a:avLst/>
+          </a:prstGeom>
+        </p:spPr>
+      </p:pic>
+    </p:spTree>
+    <p:extLst>
+      <p:ext uri="{BB962C8B-B14F-4D97-AF65-F5344CB8AC3E}">
+        <p14:creationId xmlns:p14="http://schemas.microsoft.com/office/powerpoint/2010/main" val="3646246468"/>
+      </p:ext>
+    </p:extLst>
+  </p:cSld>
+  <p:clrMapOvr>
+    <a:masterClrMapping/>
+  </p:clrMapOvr>
+  <p:timing>
+    <p:tnLst>
+      <p:par>
+        <p:cTn id="1" dur="indefinite" restart="never" nodeType="tmRoot">
+          <p:childTnLst>
+            <p:seq concurrent="1" nextAc="seek">
+              <p:cTn id="2" dur="indefinite" nodeType="mainSeq">
+                <p:childTnLst>
+                  <p:par>
+                    <p:cTn id="3" fill="hold">
+                      <p:stCondLst>
+                        <p:cond delay="indefinite"/>
+                      </p:stCondLst>
+                      <p:childTnLst>
+                        <p:par>
+                          <p:cTn id="4" fill="hold">
+                            <p:stCondLst>
+                              <p:cond delay="0"/>
+                            </p:stCondLst>
+                            <p:childTnLst>
+                              <p:par>
+                                <p:cTn id="5" presetID="10" presetClass="entr" presetSubtype="0" fill="hold" nodeType="clickEffect">
+                                  <p:stCondLst>
+                                    <p:cond delay="0"/>
+                                  </p:stCondLst>
+                                  <p:childTnLst>
+                                    <p:set>
+                                      <p:cBhvr>
+                                        <p:cTn id="6" dur="1" fill="hold">
+                                          <p:stCondLst>
+                                            <p:cond delay="0"/>
+                                          </p:stCondLst>
+                                        </p:cTn>
+                                        <p:tgtEl>
+                                          <p:spTgt spid="7"/>
+                                        </p:tgtEl>
+                                        <p:attrNameLst>
+                                          <p:attrName>style.visibility</p:attrName>
+                                        </p:attrNameLst>
+                                      </p:cBhvr>
+                                      <p:to>
+                                        <p:strVal val="visible"/>
+                                      </p:to>
+                                    </p:set>
+                                    <p:animEffect transition="in" filter="fade">
+                                      <p:cBhvr>
+                                        <p:cTn id="7" dur="500"/>
+                                        <p:tgtEl>
+                                          <p:spTgt spid="7"/>
+                                        </p:tgtEl>
+                                      </p:cBhvr>
+                                    </p:animEffect>
+                                  </p:childTnLst>
+                                </p:cTn>
+                              </p:par>
+                            </p:childTnLst>
+                          </p:cTn>
+                        </p:par>
+                      </p:childTnLst>
+                    </p:cTn>
+                  </p:par>
+                </p:childTnLst>
+              </p:cTn>
+              <p:prevCondLst>
+                <p:cond evt="onPrev" delay="0">
+                  <p:tgtEl>
+                    <p:sldTgt/>
+                  </p:tgtEl>
+                </p:cond>
+              </p:prevCondLst>
+              <p:nextCondLst>
+                <p:cond evt="onNext" delay="0">
+                  <p:tgtEl>
+                    <p:sldTgt/>
+                  </p:tgtEl>
+                </p:cond>
+              </p:nextCondLst>
+            </p:seq>
+          </p:childTnLst>
+        </p:cTn>
+      </p:par>
+    </p:tnLst>
+  </p:timing>
+</p:sld>
+</file>
+
+<file path=ppt/slides/slide25.xml><?xml version="1.0" encoding="utf-8"?>
+<p:sld xmlns:a="http://schemas.openxmlformats.org/drawingml/2006/main" xmlns:r="http://schemas.openxmlformats.org/officeDocument/2006/relationships" xmlns:p="http://schemas.openxmlformats.org/presentationml/2006/main">
+  <p:cSld>
+    <p:spTree>
+      <p:nvGrpSpPr>
+        <p:cNvPr id="1" name=""/>
+        <p:cNvGrpSpPr/>
+        <p:nvPr/>
+      </p:nvGrpSpPr>
+      <p:grpSpPr>
+        <a:xfrm>
+          <a:off x="0" y="0"/>
+          <a:ext cx="0" cy="0"/>
+          <a:chOff x="0" y="0"/>
+          <a:chExt cx="0" cy="0"/>
+        </a:xfrm>
+      </p:grpSpPr>
+      <p:sp>
+        <p:nvSpPr>
+          <p:cNvPr id="2" name="Title 1"/>
+          <p:cNvSpPr>
+            <a:spLocks noGrp="1"/>
+          </p:cNvSpPr>
+          <p:nvPr>
+            <p:ph type="title"/>
+          </p:nvPr>
+        </p:nvSpPr>
+        <p:spPr/>
+        <p:txBody>
+          <a:bodyPr/>
+          <a:lstStyle/>
+          <a:p>
+            <a:r>
+              <a:rPr lang="de-CH" dirty="0" smtClean="0"/>
+              <a:t>Uns</a:t>
+            </a:r>
+            <a:r>
+              <a:rPr lang="de-CH" dirty="0" smtClean="0"/>
+              <a:t>upervised Learning</a:t>
+            </a:r>
+            <a:endParaRPr lang="de-CH" dirty="0"/>
+          </a:p>
+        </p:txBody>
+      </p:sp>
+      <p:sp>
+        <p:nvSpPr>
+          <p:cNvPr id="3" name="Content Placeholder 2"/>
+          <p:cNvSpPr>
+            <a:spLocks noGrp="1"/>
+          </p:cNvSpPr>
+          <p:nvPr>
+            <p:ph idx="1"/>
+          </p:nvPr>
+        </p:nvSpPr>
+        <p:spPr/>
+        <p:txBody>
+          <a:bodyPr>
+            <a:normAutofit/>
+          </a:bodyPr>
+          <a:lstStyle/>
+          <a:p>
+            <a:pPr marL="457200" indent="-457200">
+              <a:buFont typeface="+mj-lt"/>
+              <a:buAutoNum type="arabicPeriod"/>
+            </a:pPr>
+            <a:r>
+              <a:rPr lang="de-CH" dirty="0" smtClean="0"/>
+              <a:t>Keine geordneten (labeled) Daten</a:t>
+            </a:r>
+          </a:p>
+          <a:p>
+            <a:pPr marL="457200" indent="-457200">
+              <a:buFont typeface="+mj-lt"/>
+              <a:buAutoNum type="arabicPeriod"/>
+            </a:pPr>
+            <a:r>
+              <a:rPr lang="de-CH" dirty="0" smtClean="0"/>
+              <a:t>Schlüsse werden gezogen</a:t>
+            </a:r>
+          </a:p>
+          <a:p>
+            <a:pPr marL="457200" indent="-457200">
+              <a:buFont typeface="+mj-lt"/>
+              <a:buAutoNum type="arabicPeriod"/>
+            </a:pPr>
+            <a:r>
+              <a:rPr lang="de-CH" dirty="0" smtClean="0"/>
+              <a:t>Neue Strukturen/Muster werden erkannt </a:t>
+            </a:r>
+            <a:endParaRPr lang="de-CH" dirty="0"/>
+          </a:p>
+        </p:txBody>
+      </p:sp>
+    </p:spTree>
+    <p:extLst>
+      <p:ext uri="{BB962C8B-B14F-4D97-AF65-F5344CB8AC3E}">
+        <p14:creationId xmlns:p14="http://schemas.microsoft.com/office/powerpoint/2010/main" val="1554952212"/>
+      </p:ext>
+    </p:extLst>
+  </p:cSld>
+  <p:clrMapOvr>
+    <a:masterClrMapping/>
+  </p:clrMapOvr>
+  <p:timing>
+    <p:tnLst>
+      <p:par>
+        <p:cTn id="1" dur="indefinite" restart="never" nodeType="tmRoot"/>
+      </p:par>
+    </p:tnLst>
+  </p:timing>
+</p:sld>
+</file>
+
+<file path=ppt/slides/slide26.xml><?xml version="1.0" encoding="utf-8"?>
+<p:sld xmlns:a="http://schemas.openxmlformats.org/drawingml/2006/main" xmlns:r="http://schemas.openxmlformats.org/officeDocument/2006/relationships" xmlns:p="http://schemas.openxmlformats.org/presentationml/2006/main">
+  <p:cSld>
+    <p:spTree>
+      <p:nvGrpSpPr>
+        <p:cNvPr id="1" name=""/>
+        <p:cNvGrpSpPr/>
+        <p:nvPr/>
+      </p:nvGrpSpPr>
+      <p:grpSpPr>
+        <a:xfrm>
+          <a:off x="0" y="0"/>
+          <a:ext cx="0" cy="0"/>
+          <a:chOff x="0" y="0"/>
+          <a:chExt cx="0" cy="0"/>
+        </a:xfrm>
+      </p:grpSpPr>
+      <p:sp>
+        <p:nvSpPr>
+          <p:cNvPr id="2" name="Title 1"/>
+          <p:cNvSpPr>
+            <a:spLocks noGrp="1"/>
+          </p:cNvSpPr>
+          <p:nvPr>
+            <p:ph type="title"/>
+          </p:nvPr>
+        </p:nvSpPr>
+        <p:spPr/>
+        <p:txBody>
+          <a:bodyPr/>
+          <a:lstStyle/>
+          <a:p>
+            <a:r>
+              <a:rPr lang="de-CH" dirty="0" smtClean="0"/>
+              <a:t>Machine Learning by Example</a:t>
+            </a:r>
+            <a:endParaRPr lang="de-CH" dirty="0"/>
+          </a:p>
+        </p:txBody>
+      </p:sp>
+      <p:sp>
+        <p:nvSpPr>
+          <p:cNvPr id="4" name="Text Placeholder 3"/>
+          <p:cNvSpPr>
+            <a:spLocks noGrp="1"/>
+          </p:cNvSpPr>
+          <p:nvPr>
+            <p:ph type="body" idx="1"/>
+          </p:nvPr>
+        </p:nvSpPr>
+        <p:spPr/>
+        <p:txBody>
+          <a:bodyPr/>
+          <a:lstStyle/>
+          <a:p>
+            <a:endParaRPr lang="de-CH" dirty="0"/>
+          </a:p>
+        </p:txBody>
+      </p:sp>
+    </p:spTree>
+    <p:extLst>
+      <p:ext uri="{BB962C8B-B14F-4D97-AF65-F5344CB8AC3E}">
+        <p14:creationId xmlns:p14="http://schemas.microsoft.com/office/powerpoint/2010/main" val="3233697467"/>
+      </p:ext>
+    </p:extLst>
+  </p:cSld>
+  <p:clrMapOvr>
+    <a:masterClrMapping/>
+  </p:clrMapOvr>
+  <p:timing>
+    <p:tnLst>
+      <p:par>
+        <p:cTn id="1" dur="indefinite" restart="never" nodeType="tmRoot"/>
+      </p:par>
+    </p:tnLst>
+  </p:timing>
+</p:sld>
+</file>
+
+<file path=ppt/slides/slide27.xml><?xml version="1.0" encoding="utf-8"?>
+<p:sld xmlns:a="http://schemas.openxmlformats.org/drawingml/2006/main" xmlns:r="http://schemas.openxmlformats.org/officeDocument/2006/relationships" xmlns:p="http://schemas.openxmlformats.org/presentationml/2006/main">
+  <p:cSld>
+    <p:spTree>
+      <p:nvGrpSpPr>
+        <p:cNvPr id="1" name=""/>
+        <p:cNvGrpSpPr/>
+        <p:nvPr/>
+      </p:nvGrpSpPr>
+      <p:grpSpPr>
+        <a:xfrm>
+          <a:off x="0" y="0"/>
+          <a:ext cx="0" cy="0"/>
+          <a:chOff x="0" y="0"/>
+          <a:chExt cx="0" cy="0"/>
+        </a:xfrm>
+      </p:grpSpPr>
+      <p:sp>
+        <p:nvSpPr>
+          <p:cNvPr id="2" name="Title 1"/>
+          <p:cNvSpPr>
+            <a:spLocks noGrp="1"/>
+          </p:cNvSpPr>
+          <p:nvPr>
+            <p:ph type="title"/>
+          </p:nvPr>
+        </p:nvSpPr>
+        <p:spPr/>
+        <p:txBody>
+          <a:bodyPr/>
+          <a:lstStyle/>
+          <a:p>
+            <a:r>
+              <a:rPr lang="de-CH" dirty="0" smtClean="0"/>
+              <a:t>Machine Learning with RStudio</a:t>
+            </a:r>
+            <a:endParaRPr lang="de-CH" dirty="0"/>
+          </a:p>
+        </p:txBody>
+      </p:sp>
+      <p:sp>
+        <p:nvSpPr>
+          <p:cNvPr id="3" name="Content Placeholder 2"/>
+          <p:cNvSpPr>
+            <a:spLocks noGrp="1"/>
+          </p:cNvSpPr>
+          <p:nvPr>
+            <p:ph idx="1"/>
+          </p:nvPr>
+        </p:nvSpPr>
+        <p:spPr>
+          <a:xfrm>
+            <a:off x="3502152" y="3099879"/>
+            <a:ext cx="4773169" cy="1618425"/>
+          </a:xfrm>
+        </p:spPr>
+        <p:txBody>
+          <a:bodyPr>
+            <a:normAutofit/>
+          </a:bodyPr>
+          <a:lstStyle/>
+          <a:p>
+            <a:pPr marL="0" indent="0" algn="ctr">
+              <a:buNone/>
+            </a:pPr>
+            <a:r>
+              <a:rPr lang="de-CH" i="1" dirty="0" smtClean="0"/>
+              <a:t>Walkthrough</a:t>
+            </a:r>
+          </a:p>
+          <a:p>
+            <a:pPr marL="0" indent="0" algn="ctr">
+              <a:buNone/>
+            </a:pPr>
+            <a:r>
+              <a:rPr lang="de-CH" sz="1300" i="1" dirty="0">
+                <a:hlinkClick r:id="rId3"/>
+              </a:rPr>
+              <a:t>https://github.com/huli/introduction-machine-learning/blob/master/walkthrough.R</a:t>
+            </a:r>
+            <a:endParaRPr lang="de-CH" sz="1300" i="1" dirty="0"/>
+          </a:p>
+        </p:txBody>
+      </p:sp>
+    </p:spTree>
+    <p:extLst>
+      <p:ext uri="{BB962C8B-B14F-4D97-AF65-F5344CB8AC3E}">
+        <p14:creationId xmlns:p14="http://schemas.microsoft.com/office/powerpoint/2010/main" val="590116814"/>
+      </p:ext>
+    </p:extLst>
+  </p:cSld>
+  <p:clrMapOvr>
+    <a:masterClrMapping/>
+  </p:clrMapOvr>
+  <p:timing>
+    <p:tnLst>
+      <p:par>
+        <p:cTn id="1" dur="indefinite" restart="never" nodeType="tmRoot"/>
+      </p:par>
+    </p:tnLst>
+  </p:timing>
+</p:sld>
+</file>
+
+<file path=ppt/slides/slide28.xml><?xml version="1.0" encoding="utf-8"?>
+<p:sld xmlns:a="http://schemas.openxmlformats.org/drawingml/2006/main" xmlns:r="http://schemas.openxmlformats.org/officeDocument/2006/relationships" xmlns:p="http://schemas.openxmlformats.org/presentationml/2006/main">
+  <p:cSld>
+    <p:spTree>
+      <p:nvGrpSpPr>
+        <p:cNvPr id="1" name=""/>
+        <p:cNvGrpSpPr/>
+        <p:nvPr/>
+      </p:nvGrpSpPr>
+      <p:grpSpPr>
+        <a:xfrm>
+          <a:off x="0" y="0"/>
+          <a:ext cx="0" cy="0"/>
+          <a:chOff x="0" y="0"/>
+          <a:chExt cx="0" cy="0"/>
+        </a:xfrm>
+      </p:grpSpPr>
+      <p:sp>
+        <p:nvSpPr>
+          <p:cNvPr id="2" name="Title 1"/>
+          <p:cNvSpPr>
+            <a:spLocks noGrp="1"/>
+          </p:cNvSpPr>
+          <p:nvPr>
+            <p:ph type="title"/>
+          </p:nvPr>
+        </p:nvSpPr>
+        <p:spPr/>
+        <p:txBody>
+          <a:bodyPr/>
+          <a:lstStyle/>
+          <a:p>
+            <a:r>
+              <a:rPr lang="de-CH" dirty="0" smtClean="0"/>
+              <a:t>Die 5 Fragen die ML beanworten kann </a:t>
+            </a:r>
+            <a:endParaRPr lang="de-CH" dirty="0"/>
+          </a:p>
+        </p:txBody>
+      </p:sp>
+      <p:sp>
+        <p:nvSpPr>
+          <p:cNvPr id="4" name="Text Placeholder 3"/>
+          <p:cNvSpPr>
+            <a:spLocks noGrp="1"/>
+          </p:cNvSpPr>
+          <p:nvPr>
+            <p:ph type="body" idx="1"/>
+          </p:nvPr>
+        </p:nvSpPr>
+        <p:spPr/>
+        <p:txBody>
+          <a:bodyPr/>
+          <a:lstStyle/>
+          <a:p>
+            <a:endParaRPr lang="de-CH" dirty="0"/>
+          </a:p>
+        </p:txBody>
+      </p:sp>
+    </p:spTree>
+    <p:extLst>
+      <p:ext uri="{BB962C8B-B14F-4D97-AF65-F5344CB8AC3E}">
+        <p14:creationId xmlns:p14="http://schemas.microsoft.com/office/powerpoint/2010/main" val="796124643"/>
+      </p:ext>
+    </p:extLst>
+  </p:cSld>
+  <p:clrMapOvr>
+    <a:masterClrMapping/>
+  </p:clrMapOvr>
+  <p:timing>
+    <p:tnLst>
+      <p:par>
+        <p:cTn id="1" dur="indefinite" restart="never" nodeType="tmRoot"/>
+      </p:par>
+    </p:tnLst>
+  </p:timing>
+</p:sld>
+</file>
+
+<file path=ppt/slides/slide29.xml><?xml version="1.0" encoding="utf-8"?>
 <p:sld xmlns:a="http://schemas.openxmlformats.org/drawingml/2006/main" xmlns:r="http://schemas.openxmlformats.org/officeDocument/2006/relationships" xmlns:p="http://schemas.openxmlformats.org/presentationml/2006/main" show="0">
   <p:cSld>
     <p:spTree>

--- a/presentation.pptx
+++ b/presentation.pptx
@@ -5,7 +5,7 @@
     <p:sldMasterId id="2147483648" r:id="rId1"/>
   </p:sldMasterIdLst>
   <p:notesMasterIdLst>
-    <p:notesMasterId r:id="rId31"/>
+    <p:notesMasterId r:id="rId33"/>
   </p:notesMasterIdLst>
   <p:sldIdLst>
     <p:sldId id="256" r:id="rId2"/>
@@ -29,14 +29,16 @@
     <p:sldId id="276" r:id="rId20"/>
     <p:sldId id="275" r:id="rId21"/>
     <p:sldId id="278" r:id="rId22"/>
-    <p:sldId id="281" r:id="rId23"/>
-    <p:sldId id="283" r:id="rId24"/>
-    <p:sldId id="284" r:id="rId25"/>
-    <p:sldId id="285" r:id="rId26"/>
-    <p:sldId id="279" r:id="rId27"/>
-    <p:sldId id="280" r:id="rId28"/>
-    <p:sldId id="282" r:id="rId29"/>
-    <p:sldId id="274" r:id="rId30"/>
+    <p:sldId id="287" r:id="rId23"/>
+    <p:sldId id="286" r:id="rId24"/>
+    <p:sldId id="281" r:id="rId25"/>
+    <p:sldId id="283" r:id="rId26"/>
+    <p:sldId id="284" r:id="rId27"/>
+    <p:sldId id="285" r:id="rId28"/>
+    <p:sldId id="279" r:id="rId29"/>
+    <p:sldId id="280" r:id="rId30"/>
+    <p:sldId id="282" r:id="rId31"/>
+    <p:sldId id="274" r:id="rId32"/>
   </p:sldIdLst>
   <p:sldSz cx="12192000" cy="6858000"/>
   <p:notesSz cx="6858000" cy="9144000"/>
@@ -1620,46 +1622,6 @@
           <a:bodyPr/>
           <a:lstStyle/>
           <a:p>
-            <a:r>
-              <a:rPr lang="de-CH" smtClean="0"/>
-              <a:t>HelloR</a:t>
-            </a:r>
-            <a:r>
-              <a:rPr lang="de-CH" baseline="0" smtClean="0"/>
-              <a:t> zeigen über Remote-Desktop-Verbindung</a:t>
-            </a:r>
-            <a:endParaRPr lang="de-CH" smtClean="0"/>
-          </a:p>
-          <a:p>
-            <a:endParaRPr lang="de-CH" dirty="0" smtClean="0"/>
-          </a:p>
-          <a:p>
-            <a:r>
-              <a:rPr lang="de-CH" dirty="0" smtClean="0"/>
-              <a:t>Pakete</a:t>
-            </a:r>
-            <a:r>
-              <a:rPr lang="de-CH" baseline="0" dirty="0" smtClean="0"/>
-              <a:t> installieren</a:t>
-            </a:r>
-          </a:p>
-          <a:p>
-            <a:r>
-              <a:rPr lang="de-CH" baseline="0" dirty="0" smtClean="0"/>
-              <a:t>Pakete includieren</a:t>
-            </a:r>
-          </a:p>
-          <a:p>
-            <a:r>
-              <a:rPr lang="de-CH" baseline="0" dirty="0" smtClean="0"/>
-              <a:t>Variable assgnement</a:t>
-            </a:r>
-          </a:p>
-          <a:p>
-            <a:r>
-              <a:rPr lang="de-CH" baseline="0" dirty="0" smtClean="0"/>
-              <a:t>Datenbank connection</a:t>
-            </a:r>
             <a:endParaRPr lang="de-CH" dirty="0"/>
           </a:p>
         </p:txBody>
@@ -1844,14 +1806,6 @@
           <a:bodyPr/>
           <a:lstStyle/>
           <a:p>
-            <a:r>
-              <a:rPr lang="de-CH" dirty="0" smtClean="0"/>
-              <a:t>Und</a:t>
-            </a:r>
-            <a:r>
-              <a:rPr lang="de-CH" baseline="0" dirty="0" smtClean="0"/>
-              <a:t> semi-supervised learning und semi-reinforced learning.</a:t>
-            </a:r>
             <a:endParaRPr lang="de-CH" dirty="0"/>
           </a:p>
         </p:txBody>
@@ -1873,7 +1827,7 @@
           <a:p>
             <a:fld id="{DA58BC1F-B303-41BB-B1E5-E3EE1F495441}" type="slidenum">
               <a:rPr lang="de-CH" smtClean="0"/>
-              <a:t>23</a:t>
+              <a:t>22</a:t>
             </a:fld>
             <a:endParaRPr lang="de-CH"/>
           </a:p>
@@ -1882,7 +1836,7 @@
     </p:spTree>
     <p:extLst>
       <p:ext uri="{BB962C8B-B14F-4D97-AF65-F5344CB8AC3E}">
-        <p14:creationId xmlns:p14="http://schemas.microsoft.com/office/powerpoint/2010/main" val="3482313808"/>
+        <p14:creationId xmlns:p14="http://schemas.microsoft.com/office/powerpoint/2010/main" val="409478653"/>
       </p:ext>
     </p:extLst>
   </p:cSld>
@@ -1937,18 +1891,44 @@
           <a:lstStyle/>
           <a:p>
             <a:r>
+              <a:rPr lang="de-CH" smtClean="0"/>
+              <a:t>HelloR</a:t>
+            </a:r>
+            <a:r>
+              <a:rPr lang="de-CH" baseline="0" smtClean="0"/>
+              <a:t> zeigen über Remote-Desktop-Verbindung</a:t>
+            </a:r>
+            <a:endParaRPr lang="de-CH" smtClean="0"/>
+          </a:p>
+          <a:p>
+            <a:endParaRPr lang="de-CH" dirty="0" smtClean="0"/>
+          </a:p>
+          <a:p>
+            <a:r>
               <a:rPr lang="de-CH" dirty="0" smtClean="0"/>
-              <a:t>Labeled</a:t>
-            </a:r>
-          </a:p>
-          <a:p>
-            <a:r>
-              <a:rPr lang="de-CH" dirty="0" smtClean="0"/>
-              <a:t>Weiss jemand wo</a:t>
+              <a:t>Pakete</a:t>
             </a:r>
             <a:r>
               <a:rPr lang="de-CH" baseline="0" dirty="0" smtClean="0"/>
-              <a:t> man das bereits macht?</a:t>
+              <a:t> installieren</a:t>
+            </a:r>
+          </a:p>
+          <a:p>
+            <a:r>
+              <a:rPr lang="de-CH" baseline="0" dirty="0" smtClean="0"/>
+              <a:t>Pakete includieren</a:t>
+            </a:r>
+          </a:p>
+          <a:p>
+            <a:r>
+              <a:rPr lang="de-CH" baseline="0" dirty="0" smtClean="0"/>
+              <a:t>Variable assgnement</a:t>
+            </a:r>
+          </a:p>
+          <a:p>
+            <a:r>
+              <a:rPr lang="de-CH" baseline="0" dirty="0" smtClean="0"/>
+              <a:t>Datenbank connection</a:t>
             </a:r>
             <a:endParaRPr lang="de-CH" dirty="0"/>
           </a:p>
@@ -1971,7 +1951,7 @@
           <a:p>
             <a:fld id="{DA58BC1F-B303-41BB-B1E5-E3EE1F495441}" type="slidenum">
               <a:rPr lang="de-CH" smtClean="0"/>
-              <a:t>24</a:t>
+              <a:t>23</a:t>
             </a:fld>
             <a:endParaRPr lang="de-CH"/>
           </a:p>
@@ -1980,7 +1960,7 @@
     </p:spTree>
     <p:extLst>
       <p:ext uri="{BB962C8B-B14F-4D97-AF65-F5344CB8AC3E}">
-        <p14:creationId xmlns:p14="http://schemas.microsoft.com/office/powerpoint/2010/main" val="3681622079"/>
+        <p14:creationId xmlns:p14="http://schemas.microsoft.com/office/powerpoint/2010/main" val="1946402774"/>
       </p:ext>
     </p:extLst>
   </p:cSld>
@@ -2036,17 +2016,11 @@
           <a:p>
             <a:r>
               <a:rPr lang="de-CH" dirty="0" smtClean="0"/>
-              <a:t>Labeled</a:t>
-            </a:r>
-          </a:p>
-          <a:p>
-            <a:r>
-              <a:rPr lang="de-CH" dirty="0" smtClean="0"/>
-              <a:t>Weiss jemand wo</a:t>
+              <a:t>Und</a:t>
             </a:r>
             <a:r>
               <a:rPr lang="de-CH" baseline="0" dirty="0" smtClean="0"/>
-              <a:t> man das bereits macht?</a:t>
+              <a:t> semi-supervised learning und semi-reinforced learning.</a:t>
             </a:r>
             <a:endParaRPr lang="de-CH" dirty="0"/>
           </a:p>
@@ -2078,7 +2052,7 @@
     </p:spTree>
     <p:extLst>
       <p:ext uri="{BB962C8B-B14F-4D97-AF65-F5344CB8AC3E}">
-        <p14:creationId xmlns:p14="http://schemas.microsoft.com/office/powerpoint/2010/main" val="3614108088"/>
+        <p14:creationId xmlns:p14="http://schemas.microsoft.com/office/powerpoint/2010/main" val="3482313808"/>
       </p:ext>
     </p:extLst>
   </p:cSld>
@@ -2133,44 +2107,18 @@
           <a:lstStyle/>
           <a:p>
             <a:r>
-              <a:rPr lang="de-CH" smtClean="0"/>
-              <a:t>HelloR</a:t>
-            </a:r>
-            <a:r>
-              <a:rPr lang="de-CH" baseline="0" smtClean="0"/>
-              <a:t> zeigen über Remote-Desktop-Verbindung</a:t>
-            </a:r>
-            <a:endParaRPr lang="de-CH" smtClean="0"/>
-          </a:p>
-          <a:p>
-            <a:endParaRPr lang="de-CH" dirty="0" smtClean="0"/>
-          </a:p>
-          <a:p>
-            <a:r>
               <a:rPr lang="de-CH" dirty="0" smtClean="0"/>
-              <a:t>Pakete</a:t>
+              <a:t>Labeled</a:t>
+            </a:r>
+          </a:p>
+          <a:p>
+            <a:r>
+              <a:rPr lang="de-CH" dirty="0" smtClean="0"/>
+              <a:t>Weiss jemand wo</a:t>
             </a:r>
             <a:r>
               <a:rPr lang="de-CH" baseline="0" dirty="0" smtClean="0"/>
-              <a:t> installieren</a:t>
-            </a:r>
-          </a:p>
-          <a:p>
-            <a:r>
-              <a:rPr lang="de-CH" baseline="0" dirty="0" smtClean="0"/>
-              <a:t>Pakete includieren</a:t>
-            </a:r>
-          </a:p>
-          <a:p>
-            <a:r>
-              <a:rPr lang="de-CH" baseline="0" dirty="0" smtClean="0"/>
-              <a:t>Variable assgnement</a:t>
-            </a:r>
-          </a:p>
-          <a:p>
-            <a:r>
-              <a:rPr lang="de-CH" baseline="0" dirty="0" smtClean="0"/>
-              <a:t>Datenbank connection</a:t>
+              <a:t> man das bereits macht?</a:t>
             </a:r>
             <a:endParaRPr lang="de-CH" dirty="0"/>
           </a:p>
@@ -2193,7 +2141,7 @@
           <a:p>
             <a:fld id="{DA58BC1F-B303-41BB-B1E5-E3EE1F495441}" type="slidenum">
               <a:rPr lang="de-CH" smtClean="0"/>
-              <a:t>27</a:t>
+              <a:t>26</a:t>
             </a:fld>
             <a:endParaRPr lang="de-CH"/>
           </a:p>
@@ -2202,7 +2150,7 @@
     </p:spTree>
     <p:extLst>
       <p:ext uri="{BB962C8B-B14F-4D97-AF65-F5344CB8AC3E}">
-        <p14:creationId xmlns:p14="http://schemas.microsoft.com/office/powerpoint/2010/main" val="3516317793"/>
+        <p14:creationId xmlns:p14="http://schemas.microsoft.com/office/powerpoint/2010/main" val="3681622079"/>
       </p:ext>
     </p:extLst>
   </p:cSld>
@@ -2258,7 +2206,17 @@
           <a:p>
             <a:r>
               <a:rPr lang="de-CH" dirty="0" smtClean="0"/>
-              <a:t>Screenshots von Walkthrough</a:t>
+              <a:t>Labeled</a:t>
+            </a:r>
+          </a:p>
+          <a:p>
+            <a:r>
+              <a:rPr lang="de-CH" dirty="0" smtClean="0"/>
+              <a:t>Weiss jemand wo</a:t>
+            </a:r>
+            <a:r>
+              <a:rPr lang="de-CH" baseline="0" dirty="0" smtClean="0"/>
+              <a:t> man das bereits macht?</a:t>
             </a:r>
             <a:endParaRPr lang="de-CH" dirty="0"/>
           </a:p>
@@ -2281,7 +2239,7 @@
           <a:p>
             <a:fld id="{DA58BC1F-B303-41BB-B1E5-E3EE1F495441}" type="slidenum">
               <a:rPr lang="de-CH" smtClean="0"/>
-              <a:t>28</a:t>
+              <a:t>27</a:t>
             </a:fld>
             <a:endParaRPr lang="de-CH"/>
           </a:p>
@@ -2290,7 +2248,7 @@
     </p:spTree>
     <p:extLst>
       <p:ext uri="{BB962C8B-B14F-4D97-AF65-F5344CB8AC3E}">
-        <p14:creationId xmlns:p14="http://schemas.microsoft.com/office/powerpoint/2010/main" val="2842412450"/>
+        <p14:creationId xmlns:p14="http://schemas.microsoft.com/office/powerpoint/2010/main" val="3614108088"/>
       </p:ext>
     </p:extLst>
   </p:cSld>
@@ -2344,6 +2302,46 @@
           <a:bodyPr/>
           <a:lstStyle/>
           <a:p>
+            <a:r>
+              <a:rPr lang="de-CH" smtClean="0"/>
+              <a:t>HelloR</a:t>
+            </a:r>
+            <a:r>
+              <a:rPr lang="de-CH" baseline="0" smtClean="0"/>
+              <a:t> zeigen über Remote-Desktop-Verbindung</a:t>
+            </a:r>
+            <a:endParaRPr lang="de-CH" smtClean="0"/>
+          </a:p>
+          <a:p>
+            <a:endParaRPr lang="de-CH" dirty="0" smtClean="0"/>
+          </a:p>
+          <a:p>
+            <a:r>
+              <a:rPr lang="de-CH" dirty="0" smtClean="0"/>
+              <a:t>Pakete</a:t>
+            </a:r>
+            <a:r>
+              <a:rPr lang="de-CH" baseline="0" dirty="0" smtClean="0"/>
+              <a:t> installieren</a:t>
+            </a:r>
+          </a:p>
+          <a:p>
+            <a:r>
+              <a:rPr lang="de-CH" baseline="0" dirty="0" smtClean="0"/>
+              <a:t>Pakete includieren</a:t>
+            </a:r>
+          </a:p>
+          <a:p>
+            <a:r>
+              <a:rPr lang="de-CH" baseline="0" dirty="0" smtClean="0"/>
+              <a:t>Variable assgnement</a:t>
+            </a:r>
+          </a:p>
+          <a:p>
+            <a:r>
+              <a:rPr lang="de-CH" baseline="0" dirty="0" smtClean="0"/>
+              <a:t>Datenbank connection</a:t>
+            </a:r>
             <a:endParaRPr lang="de-CH" dirty="0"/>
           </a:p>
         </p:txBody>
@@ -2366,6 +2364,178 @@
             <a:fld id="{DA58BC1F-B303-41BB-B1E5-E3EE1F495441}" type="slidenum">
               <a:rPr lang="de-CH" smtClean="0"/>
               <a:t>29</a:t>
+            </a:fld>
+            <a:endParaRPr lang="de-CH"/>
+          </a:p>
+        </p:txBody>
+      </p:sp>
+    </p:spTree>
+    <p:extLst>
+      <p:ext uri="{BB962C8B-B14F-4D97-AF65-F5344CB8AC3E}">
+        <p14:creationId xmlns:p14="http://schemas.microsoft.com/office/powerpoint/2010/main" val="3516317793"/>
+      </p:ext>
+    </p:extLst>
+  </p:cSld>
+  <p:clrMapOvr>
+    <a:masterClrMapping/>
+  </p:clrMapOvr>
+</p:notes>
+</file>
+
+<file path=ppt/notesSlides/notesSlide26.xml><?xml version="1.0" encoding="utf-8"?>
+<p:notes xmlns:a="http://schemas.openxmlformats.org/drawingml/2006/main" xmlns:r="http://schemas.openxmlformats.org/officeDocument/2006/relationships" xmlns:p="http://schemas.openxmlformats.org/presentationml/2006/main">
+  <p:cSld>
+    <p:spTree>
+      <p:nvGrpSpPr>
+        <p:cNvPr id="1" name=""/>
+        <p:cNvGrpSpPr/>
+        <p:nvPr/>
+      </p:nvGrpSpPr>
+      <p:grpSpPr>
+        <a:xfrm>
+          <a:off x="0" y="0"/>
+          <a:ext cx="0" cy="0"/>
+          <a:chOff x="0" y="0"/>
+          <a:chExt cx="0" cy="0"/>
+        </a:xfrm>
+      </p:grpSpPr>
+      <p:sp>
+        <p:nvSpPr>
+          <p:cNvPr id="2" name="Slide Image Placeholder 1"/>
+          <p:cNvSpPr>
+            <a:spLocks noGrp="1" noRot="1" noChangeAspect="1"/>
+          </p:cNvSpPr>
+          <p:nvPr>
+            <p:ph type="sldImg"/>
+          </p:nvPr>
+        </p:nvSpPr>
+        <p:spPr/>
+      </p:sp>
+      <p:sp>
+        <p:nvSpPr>
+          <p:cNvPr id="3" name="Notes Placeholder 2"/>
+          <p:cNvSpPr>
+            <a:spLocks noGrp="1"/>
+          </p:cNvSpPr>
+          <p:nvPr>
+            <p:ph type="body" idx="1"/>
+          </p:nvPr>
+        </p:nvSpPr>
+        <p:spPr/>
+        <p:txBody>
+          <a:bodyPr/>
+          <a:lstStyle/>
+          <a:p>
+            <a:r>
+              <a:rPr lang="de-CH" dirty="0" smtClean="0"/>
+              <a:t>Screenshots von Walkthrough</a:t>
+            </a:r>
+            <a:endParaRPr lang="de-CH" dirty="0"/>
+          </a:p>
+        </p:txBody>
+      </p:sp>
+      <p:sp>
+        <p:nvSpPr>
+          <p:cNvPr id="4" name="Slide Number Placeholder 3"/>
+          <p:cNvSpPr>
+            <a:spLocks noGrp="1"/>
+          </p:cNvSpPr>
+          <p:nvPr>
+            <p:ph type="sldNum" sz="quarter" idx="10"/>
+          </p:nvPr>
+        </p:nvSpPr>
+        <p:spPr/>
+        <p:txBody>
+          <a:bodyPr/>
+          <a:lstStyle/>
+          <a:p>
+            <a:fld id="{DA58BC1F-B303-41BB-B1E5-E3EE1F495441}" type="slidenum">
+              <a:rPr lang="de-CH" smtClean="0"/>
+              <a:t>30</a:t>
+            </a:fld>
+            <a:endParaRPr lang="de-CH"/>
+          </a:p>
+        </p:txBody>
+      </p:sp>
+    </p:spTree>
+    <p:extLst>
+      <p:ext uri="{BB962C8B-B14F-4D97-AF65-F5344CB8AC3E}">
+        <p14:creationId xmlns:p14="http://schemas.microsoft.com/office/powerpoint/2010/main" val="2842412450"/>
+      </p:ext>
+    </p:extLst>
+  </p:cSld>
+  <p:clrMapOvr>
+    <a:masterClrMapping/>
+  </p:clrMapOvr>
+</p:notes>
+</file>
+
+<file path=ppt/notesSlides/notesSlide27.xml><?xml version="1.0" encoding="utf-8"?>
+<p:notes xmlns:a="http://schemas.openxmlformats.org/drawingml/2006/main" xmlns:r="http://schemas.openxmlformats.org/officeDocument/2006/relationships" xmlns:p="http://schemas.openxmlformats.org/presentationml/2006/main">
+  <p:cSld>
+    <p:spTree>
+      <p:nvGrpSpPr>
+        <p:cNvPr id="1" name=""/>
+        <p:cNvGrpSpPr/>
+        <p:nvPr/>
+      </p:nvGrpSpPr>
+      <p:grpSpPr>
+        <a:xfrm>
+          <a:off x="0" y="0"/>
+          <a:ext cx="0" cy="0"/>
+          <a:chOff x="0" y="0"/>
+          <a:chExt cx="0" cy="0"/>
+        </a:xfrm>
+      </p:grpSpPr>
+      <p:sp>
+        <p:nvSpPr>
+          <p:cNvPr id="2" name="Slide Image Placeholder 1"/>
+          <p:cNvSpPr>
+            <a:spLocks noGrp="1" noRot="1" noChangeAspect="1"/>
+          </p:cNvSpPr>
+          <p:nvPr>
+            <p:ph type="sldImg"/>
+          </p:nvPr>
+        </p:nvSpPr>
+        <p:spPr/>
+      </p:sp>
+      <p:sp>
+        <p:nvSpPr>
+          <p:cNvPr id="3" name="Notes Placeholder 2"/>
+          <p:cNvSpPr>
+            <a:spLocks noGrp="1"/>
+          </p:cNvSpPr>
+          <p:nvPr>
+            <p:ph type="body" idx="1"/>
+          </p:nvPr>
+        </p:nvSpPr>
+        <p:spPr/>
+        <p:txBody>
+          <a:bodyPr/>
+          <a:lstStyle/>
+          <a:p>
+            <a:endParaRPr lang="de-CH" dirty="0"/>
+          </a:p>
+        </p:txBody>
+      </p:sp>
+      <p:sp>
+        <p:nvSpPr>
+          <p:cNvPr id="4" name="Slide Number Placeholder 3"/>
+          <p:cNvSpPr>
+            <a:spLocks noGrp="1"/>
+          </p:cNvSpPr>
+          <p:nvPr>
+            <p:ph type="sldNum" sz="quarter" idx="10"/>
+          </p:nvPr>
+        </p:nvSpPr>
+        <p:spPr/>
+        <p:txBody>
+          <a:bodyPr/>
+          <a:lstStyle/>
+          <a:p>
+            <a:fld id="{DA58BC1F-B303-41BB-B1E5-E3EE1F495441}" type="slidenum">
+              <a:rPr lang="de-CH" smtClean="0"/>
+              <a:t>31</a:t>
             </a:fld>
             <a:endParaRPr lang="de-CH"/>
           </a:p>
@@ -3488,7 +3658,7 @@
           <a:noFill/>
           <a:extLst>
             <a:ext uri="{909E8E84-426E-40dd-AFC4-6F175D3DCCD1}">
-              <a14:hiddenFill xmlns:a14="http://schemas.microsoft.com/office/drawing/2010/main" xmlns="">
+              <a14:hiddenFill xmlns="" xmlns:a14="http://schemas.microsoft.com/office/drawing/2010/main">
                 <a:solidFill>
                   <a:srgbClr val="FFFFFF"/>
                 </a:solidFill>
@@ -3547,7 +3717,7 @@
             </a:ln>
             <a:extLst>
               <a:ext uri="{91240B29-F687-4f45-9708-019B960494DF}">
-                <a14:hiddenLine xmlns:a14="http://schemas.microsoft.com/office/drawing/2010/main" xmlns="" w="9525">
+                <a14:hiddenLine xmlns="" xmlns:a14="http://schemas.microsoft.com/office/drawing/2010/main" w="9525">
                   <a:solidFill>
                     <a:srgbClr val="000000"/>
                   </a:solidFill>
@@ -3637,7 +3807,7 @@
             </a:ln>
             <a:extLst>
               <a:ext uri="{91240B29-F687-4f45-9708-019B960494DF}">
-                <a14:hiddenLine xmlns:a14="http://schemas.microsoft.com/office/drawing/2010/main" xmlns="" w="9525">
+                <a14:hiddenLine xmlns="" xmlns:a14="http://schemas.microsoft.com/office/drawing/2010/main" w="9525">
                   <a:solidFill>
                     <a:srgbClr val="000000"/>
                   </a:solidFill>
@@ -3727,7 +3897,7 @@
             </a:ln>
             <a:extLst>
               <a:ext uri="{91240B29-F687-4f45-9708-019B960494DF}">
-                <a14:hiddenLine xmlns:a14="http://schemas.microsoft.com/office/drawing/2010/main" xmlns="" w="9525">
+                <a14:hiddenLine xmlns="" xmlns:a14="http://schemas.microsoft.com/office/drawing/2010/main" w="9525">
                   <a:solidFill>
                     <a:srgbClr val="000000"/>
                   </a:solidFill>
@@ -3761,7 +3931,7 @@
             </a:ln>
             <a:extLst>
               <a:ext uri="{91240B29-F687-4f45-9708-019B960494DF}">
-                <a14:hiddenLine xmlns:a14="http://schemas.microsoft.com/office/drawing/2010/main" xmlns="" w="9525">
+                <a14:hiddenLine xmlns="" xmlns:a14="http://schemas.microsoft.com/office/drawing/2010/main" w="9525">
                   <a:solidFill>
                     <a:srgbClr val="000000"/>
                   </a:solidFill>
@@ -3851,7 +4021,7 @@
             </a:ln>
             <a:extLst>
               <a:ext uri="{91240B29-F687-4f45-9708-019B960494DF}">
-                <a14:hiddenLine xmlns:a14="http://schemas.microsoft.com/office/drawing/2010/main" xmlns="" w="9525">
+                <a14:hiddenLine xmlns="" xmlns:a14="http://schemas.microsoft.com/office/drawing/2010/main" w="9525">
                   <a:solidFill>
                     <a:srgbClr val="000000"/>
                   </a:solidFill>
@@ -3913,7 +4083,7 @@
             </a:ln>
             <a:extLst>
               <a:ext uri="{91240B29-F687-4f45-9708-019B960494DF}">
-                <a14:hiddenLine xmlns:a14="http://schemas.microsoft.com/office/drawing/2010/main" xmlns="" w="9525">
+                <a14:hiddenLine xmlns="" xmlns:a14="http://schemas.microsoft.com/office/drawing/2010/main" w="9525">
                   <a:solidFill>
                     <a:srgbClr val="000000"/>
                   </a:solidFill>
@@ -3975,7 +4145,7 @@
             </a:ln>
             <a:extLst>
               <a:ext uri="{91240B29-F687-4f45-9708-019B960494DF}">
-                <a14:hiddenLine xmlns:a14="http://schemas.microsoft.com/office/drawing/2010/main" xmlns="" w="9525">
+                <a14:hiddenLine xmlns="" xmlns:a14="http://schemas.microsoft.com/office/drawing/2010/main" w="9525">
                   <a:solidFill>
                     <a:srgbClr val="000000"/>
                   </a:solidFill>
@@ -4065,7 +4235,7 @@
             </a:ln>
             <a:extLst>
               <a:ext uri="{91240B29-F687-4f45-9708-019B960494DF}">
-                <a14:hiddenLine xmlns:a14="http://schemas.microsoft.com/office/drawing/2010/main" xmlns="" w="9525">
+                <a14:hiddenLine xmlns="" xmlns:a14="http://schemas.microsoft.com/office/drawing/2010/main" w="9525">
                   <a:solidFill>
                     <a:srgbClr val="000000"/>
                   </a:solidFill>
@@ -4127,7 +4297,7 @@
             </a:ln>
             <a:extLst>
               <a:ext uri="{91240B29-F687-4f45-9708-019B960494DF}">
-                <a14:hiddenLine xmlns:a14="http://schemas.microsoft.com/office/drawing/2010/main" xmlns="" w="9525">
+                <a14:hiddenLine xmlns="" xmlns:a14="http://schemas.microsoft.com/office/drawing/2010/main" w="9525">
                   <a:solidFill>
                     <a:srgbClr val="000000"/>
                   </a:solidFill>
@@ -4189,7 +4359,7 @@
             </a:ln>
             <a:extLst>
               <a:ext uri="{91240B29-F687-4f45-9708-019B960494DF}">
-                <a14:hiddenLine xmlns:a14="http://schemas.microsoft.com/office/drawing/2010/main" xmlns="" w="9525">
+                <a14:hiddenLine xmlns="" xmlns:a14="http://schemas.microsoft.com/office/drawing/2010/main" w="9525">
                   <a:solidFill>
                     <a:srgbClr val="000000"/>
                   </a:solidFill>
@@ -4279,7 +4449,7 @@
             </a:ln>
             <a:extLst>
               <a:ext uri="{91240B29-F687-4f45-9708-019B960494DF}">
-                <a14:hiddenLine xmlns:a14="http://schemas.microsoft.com/office/drawing/2010/main" xmlns="" w="9525">
+                <a14:hiddenLine xmlns="" xmlns:a14="http://schemas.microsoft.com/office/drawing/2010/main" w="9525">
                   <a:solidFill>
                     <a:srgbClr val="000000"/>
                   </a:solidFill>
@@ -4369,7 +4539,7 @@
             </a:ln>
             <a:extLst>
               <a:ext uri="{91240B29-F687-4f45-9708-019B960494DF}">
-                <a14:hiddenLine xmlns:a14="http://schemas.microsoft.com/office/drawing/2010/main" xmlns="" w="9525">
+                <a14:hiddenLine xmlns="" xmlns:a14="http://schemas.microsoft.com/office/drawing/2010/main" w="9525">
                   <a:solidFill>
                     <a:srgbClr val="000000"/>
                   </a:solidFill>
@@ -4431,7 +4601,7 @@
             </a:ln>
             <a:extLst>
               <a:ext uri="{91240B29-F687-4f45-9708-019B960494DF}">
-                <a14:hiddenLine xmlns:a14="http://schemas.microsoft.com/office/drawing/2010/main" xmlns="" w="9525">
+                <a14:hiddenLine xmlns="" xmlns:a14="http://schemas.microsoft.com/office/drawing/2010/main" w="9525">
                   <a:solidFill>
                     <a:srgbClr val="000000"/>
                   </a:solidFill>
@@ -4541,7 +4711,7 @@
             </a:ln>
             <a:extLst>
               <a:ext uri="{91240B29-F687-4f45-9708-019B960494DF}">
-                <a14:hiddenLine xmlns:a14="http://schemas.microsoft.com/office/drawing/2010/main" xmlns="" w="9525">
+                <a14:hiddenLine xmlns="" xmlns:a14="http://schemas.microsoft.com/office/drawing/2010/main" w="9525">
                   <a:solidFill>
                     <a:srgbClr val="000000"/>
                   </a:solidFill>
@@ -4603,7 +4773,7 @@
             </a:ln>
             <a:extLst>
               <a:ext uri="{91240B29-F687-4f45-9708-019B960494DF}">
-                <a14:hiddenLine xmlns:a14="http://schemas.microsoft.com/office/drawing/2010/main" xmlns="" w="9525">
+                <a14:hiddenLine xmlns="" xmlns:a14="http://schemas.microsoft.com/office/drawing/2010/main" w="9525">
                   <a:solidFill>
                     <a:srgbClr val="000000"/>
                   </a:solidFill>
@@ -4693,7 +4863,7 @@
             </a:ln>
             <a:extLst>
               <a:ext uri="{91240B29-F687-4f45-9708-019B960494DF}">
-                <a14:hiddenLine xmlns:a14="http://schemas.microsoft.com/office/drawing/2010/main" xmlns="" w="9525">
+                <a14:hiddenLine xmlns="" xmlns:a14="http://schemas.microsoft.com/office/drawing/2010/main" w="9525">
                   <a:solidFill>
                     <a:srgbClr val="000000"/>
                   </a:solidFill>
@@ -4783,7 +4953,7 @@
             </a:ln>
             <a:extLst>
               <a:ext uri="{91240B29-F687-4f45-9708-019B960494DF}">
-                <a14:hiddenLine xmlns:a14="http://schemas.microsoft.com/office/drawing/2010/main" xmlns="" w="9525">
+                <a14:hiddenLine xmlns="" xmlns:a14="http://schemas.microsoft.com/office/drawing/2010/main" w="9525">
                   <a:solidFill>
                     <a:srgbClr val="000000"/>
                   </a:solidFill>
@@ -4845,7 +5015,7 @@
             </a:ln>
             <a:extLst>
               <a:ext uri="{91240B29-F687-4f45-9708-019B960494DF}">
-                <a14:hiddenLine xmlns:a14="http://schemas.microsoft.com/office/drawing/2010/main" xmlns="" w="9525">
+                <a14:hiddenLine xmlns="" xmlns:a14="http://schemas.microsoft.com/office/drawing/2010/main" w="9525">
                   <a:solidFill>
                     <a:srgbClr val="000000"/>
                   </a:solidFill>
@@ -4935,7 +5105,7 @@
             </a:ln>
             <a:extLst>
               <a:ext uri="{91240B29-F687-4f45-9708-019B960494DF}">
-                <a14:hiddenLine xmlns:a14="http://schemas.microsoft.com/office/drawing/2010/main" xmlns="" w="9525">
+                <a14:hiddenLine xmlns="" xmlns:a14="http://schemas.microsoft.com/office/drawing/2010/main" w="9525">
                   <a:solidFill>
                     <a:srgbClr val="000000"/>
                   </a:solidFill>
@@ -5025,7 +5195,7 @@
             </a:ln>
             <a:extLst>
               <a:ext uri="{91240B29-F687-4f45-9708-019B960494DF}">
-                <a14:hiddenLine xmlns:a14="http://schemas.microsoft.com/office/drawing/2010/main" xmlns="" w="9525">
+                <a14:hiddenLine xmlns="" xmlns:a14="http://schemas.microsoft.com/office/drawing/2010/main" w="9525">
                   <a:solidFill>
                     <a:srgbClr val="000000"/>
                   </a:solidFill>
@@ -5081,7 +5251,7 @@
             </a:ln>
             <a:extLst>
               <a:ext uri="{91240B29-F687-4f45-9708-019B960494DF}">
-                <a14:hiddenLine xmlns:a14="http://schemas.microsoft.com/office/drawing/2010/main" xmlns="" w="9525">
+                <a14:hiddenLine xmlns="" xmlns:a14="http://schemas.microsoft.com/office/drawing/2010/main" w="9525">
                   <a:solidFill>
                     <a:srgbClr val="000000"/>
                   </a:solidFill>
@@ -5171,7 +5341,7 @@
             </a:ln>
             <a:extLst>
               <a:ext uri="{91240B29-F687-4f45-9708-019B960494DF}">
-                <a14:hiddenLine xmlns:a14="http://schemas.microsoft.com/office/drawing/2010/main" xmlns="" w="9525">
+                <a14:hiddenLine xmlns="" xmlns:a14="http://schemas.microsoft.com/office/drawing/2010/main" w="9525">
                   <a:solidFill>
                     <a:srgbClr val="000000"/>
                   </a:solidFill>
@@ -5227,7 +5397,7 @@
             </a:ln>
             <a:extLst>
               <a:ext uri="{91240B29-F687-4f45-9708-019B960494DF}">
-                <a14:hiddenLine xmlns:a14="http://schemas.microsoft.com/office/drawing/2010/main" xmlns="" w="9525">
+                <a14:hiddenLine xmlns="" xmlns:a14="http://schemas.microsoft.com/office/drawing/2010/main" w="9525">
                   <a:solidFill>
                     <a:srgbClr val="000000"/>
                   </a:solidFill>
@@ -5317,7 +5487,7 @@
             </a:ln>
             <a:extLst>
               <a:ext uri="{91240B29-F687-4f45-9708-019B960494DF}">
-                <a14:hiddenLine xmlns:a14="http://schemas.microsoft.com/office/drawing/2010/main" xmlns="" w="9525">
+                <a14:hiddenLine xmlns="" xmlns:a14="http://schemas.microsoft.com/office/drawing/2010/main" w="9525">
                   <a:solidFill>
                     <a:srgbClr val="000000"/>
                   </a:solidFill>
@@ -5385,7 +5555,7 @@
             </a:ln>
             <a:extLst>
               <a:ext uri="{91240B29-F687-4f45-9708-019B960494DF}">
-                <a14:hiddenLine xmlns:a14="http://schemas.microsoft.com/office/drawing/2010/main" xmlns="" w="9525">
+                <a14:hiddenLine xmlns="" xmlns:a14="http://schemas.microsoft.com/office/drawing/2010/main" w="9525">
                   <a:solidFill>
                     <a:srgbClr val="000000"/>
                   </a:solidFill>
@@ -5475,7 +5645,7 @@
             </a:ln>
             <a:extLst>
               <a:ext uri="{91240B29-F687-4f45-9708-019B960494DF}">
-                <a14:hiddenLine xmlns:a14="http://schemas.microsoft.com/office/drawing/2010/main" xmlns="" w="9525">
+                <a14:hiddenLine xmlns="" xmlns:a14="http://schemas.microsoft.com/office/drawing/2010/main" w="9525">
                   <a:solidFill>
                     <a:srgbClr val="000000"/>
                   </a:solidFill>
@@ -5543,7 +5713,7 @@
             </a:ln>
             <a:extLst>
               <a:ext uri="{91240B29-F687-4f45-9708-019B960494DF}">
-                <a14:hiddenLine xmlns:a14="http://schemas.microsoft.com/office/drawing/2010/main" xmlns="" w="9525">
+                <a14:hiddenLine xmlns="" xmlns:a14="http://schemas.microsoft.com/office/drawing/2010/main" w="9525">
                   <a:solidFill>
                     <a:srgbClr val="000000"/>
                   </a:solidFill>
@@ -5633,7 +5803,7 @@
             </a:ln>
             <a:extLst>
               <a:ext uri="{91240B29-F687-4f45-9708-019B960494DF}">
-                <a14:hiddenLine xmlns:a14="http://schemas.microsoft.com/office/drawing/2010/main" xmlns="" w="9525">
+                <a14:hiddenLine xmlns="" xmlns:a14="http://schemas.microsoft.com/office/drawing/2010/main" w="9525">
                   <a:solidFill>
                     <a:srgbClr val="000000"/>
                   </a:solidFill>
@@ -5667,7 +5837,7 @@
             </a:ln>
             <a:extLst>
               <a:ext uri="{91240B29-F687-4f45-9708-019B960494DF}">
-                <a14:hiddenLine xmlns:a14="http://schemas.microsoft.com/office/drawing/2010/main" xmlns="" w="9525">
+                <a14:hiddenLine xmlns="" xmlns:a14="http://schemas.microsoft.com/office/drawing/2010/main" w="9525">
                   <a:solidFill>
                     <a:srgbClr val="000000"/>
                   </a:solidFill>
@@ -5757,7 +5927,7 @@
             </a:ln>
             <a:extLst>
               <a:ext uri="{91240B29-F687-4f45-9708-019B960494DF}">
-                <a14:hiddenLine xmlns:a14="http://schemas.microsoft.com/office/drawing/2010/main" xmlns="" w="9525">
+                <a14:hiddenLine xmlns="" xmlns:a14="http://schemas.microsoft.com/office/drawing/2010/main" w="9525">
                   <a:solidFill>
                     <a:srgbClr val="000000"/>
                   </a:solidFill>
@@ -5819,7 +5989,7 @@
             </a:ln>
             <a:extLst>
               <a:ext uri="{91240B29-F687-4f45-9708-019B960494DF}">
-                <a14:hiddenLine xmlns:a14="http://schemas.microsoft.com/office/drawing/2010/main" xmlns="" w="9525">
+                <a14:hiddenLine xmlns="" xmlns:a14="http://schemas.microsoft.com/office/drawing/2010/main" w="9525">
                   <a:solidFill>
                     <a:srgbClr val="000000"/>
                   </a:solidFill>
@@ -5881,7 +6051,7 @@
             </a:ln>
             <a:extLst>
               <a:ext uri="{91240B29-F687-4f45-9708-019B960494DF}">
-                <a14:hiddenLine xmlns:a14="http://schemas.microsoft.com/office/drawing/2010/main" xmlns="" w="9525">
+                <a14:hiddenLine xmlns="" xmlns:a14="http://schemas.microsoft.com/office/drawing/2010/main" w="9525">
                   <a:solidFill>
                     <a:srgbClr val="000000"/>
                   </a:solidFill>
@@ -5971,7 +6141,7 @@
             </a:ln>
             <a:extLst>
               <a:ext uri="{91240B29-F687-4f45-9708-019B960494DF}">
-                <a14:hiddenLine xmlns:a14="http://schemas.microsoft.com/office/drawing/2010/main" xmlns="" w="9525">
+                <a14:hiddenLine xmlns="" xmlns:a14="http://schemas.microsoft.com/office/drawing/2010/main" w="9525">
                   <a:solidFill>
                     <a:srgbClr val="000000"/>
                   </a:solidFill>
@@ -6039,7 +6209,7 @@
             </a:ln>
             <a:extLst>
               <a:ext uri="{91240B29-F687-4f45-9708-019B960494DF}">
-                <a14:hiddenLine xmlns:a14="http://schemas.microsoft.com/office/drawing/2010/main" xmlns="" w="9525">
+                <a14:hiddenLine xmlns="" xmlns:a14="http://schemas.microsoft.com/office/drawing/2010/main" w="9525">
                   <a:solidFill>
                     <a:srgbClr val="000000"/>
                   </a:solidFill>
@@ -6101,7 +6271,7 @@
             </a:ln>
             <a:extLst>
               <a:ext uri="{91240B29-F687-4f45-9708-019B960494DF}">
-                <a14:hiddenLine xmlns:a14="http://schemas.microsoft.com/office/drawing/2010/main" xmlns="" w="9525">
+                <a14:hiddenLine xmlns="" xmlns:a14="http://schemas.microsoft.com/office/drawing/2010/main" w="9525">
                   <a:solidFill>
                     <a:srgbClr val="000000"/>
                   </a:solidFill>
@@ -6191,7 +6361,7 @@
             </a:ln>
             <a:extLst>
               <a:ext uri="{91240B29-F687-4f45-9708-019B960494DF}">
-                <a14:hiddenLine xmlns:a14="http://schemas.microsoft.com/office/drawing/2010/main" xmlns="" w="9525">
+                <a14:hiddenLine xmlns="" xmlns:a14="http://schemas.microsoft.com/office/drawing/2010/main" w="9525">
                   <a:solidFill>
                     <a:srgbClr val="000000"/>
                   </a:solidFill>
@@ -6253,7 +6423,7 @@
             </a:ln>
             <a:extLst>
               <a:ext uri="{91240B29-F687-4f45-9708-019B960494DF}">
-                <a14:hiddenLine xmlns:a14="http://schemas.microsoft.com/office/drawing/2010/main" xmlns="" w="9525">
+                <a14:hiddenLine xmlns="" xmlns:a14="http://schemas.microsoft.com/office/drawing/2010/main" w="9525">
                   <a:solidFill>
                     <a:srgbClr val="000000"/>
                   </a:solidFill>
@@ -6343,7 +6513,7 @@
             </a:ln>
             <a:extLst>
               <a:ext uri="{91240B29-F687-4f45-9708-019B960494DF}">
-                <a14:hiddenLine xmlns:a14="http://schemas.microsoft.com/office/drawing/2010/main" xmlns="" w="9525">
+                <a14:hiddenLine xmlns="" xmlns:a14="http://schemas.microsoft.com/office/drawing/2010/main" w="9525">
                   <a:solidFill>
                     <a:srgbClr val="000000"/>
                   </a:solidFill>
@@ -6405,7 +6575,7 @@
             </a:ln>
             <a:extLst>
               <a:ext uri="{91240B29-F687-4f45-9708-019B960494DF}">
-                <a14:hiddenLine xmlns:a14="http://schemas.microsoft.com/office/drawing/2010/main" xmlns="" w="9525">
+                <a14:hiddenLine xmlns="" xmlns:a14="http://schemas.microsoft.com/office/drawing/2010/main" w="9525">
                   <a:solidFill>
                     <a:srgbClr val="000000"/>
                   </a:solidFill>
@@ -6495,7 +6665,7 @@
             </a:ln>
             <a:extLst>
               <a:ext uri="{91240B29-F687-4f45-9708-019B960494DF}">
-                <a14:hiddenLine xmlns:a14="http://schemas.microsoft.com/office/drawing/2010/main" xmlns="" w="9525">
+                <a14:hiddenLine xmlns="" xmlns:a14="http://schemas.microsoft.com/office/drawing/2010/main" w="9525">
                   <a:solidFill>
                     <a:srgbClr val="000000"/>
                   </a:solidFill>
@@ -6529,7 +6699,7 @@
             </a:ln>
             <a:extLst>
               <a:ext uri="{91240B29-F687-4f45-9708-019B960494DF}">
-                <a14:hiddenLine xmlns:a14="http://schemas.microsoft.com/office/drawing/2010/main" xmlns="" w="9525">
+                <a14:hiddenLine xmlns="" xmlns:a14="http://schemas.microsoft.com/office/drawing/2010/main" w="9525">
                   <a:solidFill>
                     <a:srgbClr val="000000"/>
                   </a:solidFill>
@@ -6594,7 +6764,7 @@
             </a:ln>
             <a:extLst>
               <a:ext uri="{91240B29-F687-4f45-9708-019B960494DF}">
-                <a14:hiddenLine xmlns:a14="http://schemas.microsoft.com/office/drawing/2010/main" xmlns="" w="9525">
+                <a14:hiddenLine xmlns="" xmlns:a14="http://schemas.microsoft.com/office/drawing/2010/main" w="9525">
                   <a:solidFill>
                     <a:srgbClr val="000000"/>
                   </a:solidFill>
@@ -6684,7 +6854,7 @@
             </a:ln>
             <a:extLst>
               <a:ext uri="{91240B29-F687-4f45-9708-019B960494DF}">
-                <a14:hiddenLine xmlns:a14="http://schemas.microsoft.com/office/drawing/2010/main" xmlns="" w="9525">
+                <a14:hiddenLine xmlns="" xmlns:a14="http://schemas.microsoft.com/office/drawing/2010/main" w="9525">
                   <a:solidFill>
                     <a:srgbClr val="000000"/>
                   </a:solidFill>
@@ -6746,7 +6916,7 @@
             </a:ln>
             <a:extLst>
               <a:ext uri="{91240B29-F687-4f45-9708-019B960494DF}">
-                <a14:hiddenLine xmlns:a14="http://schemas.microsoft.com/office/drawing/2010/main" xmlns="" w="9525">
+                <a14:hiddenLine xmlns="" xmlns:a14="http://schemas.microsoft.com/office/drawing/2010/main" w="9525">
                   <a:solidFill>
                     <a:srgbClr val="000000"/>
                   </a:solidFill>
@@ -6836,7 +7006,7 @@
             </a:ln>
             <a:extLst>
               <a:ext uri="{91240B29-F687-4f45-9708-019B960494DF}">
-                <a14:hiddenLine xmlns:a14="http://schemas.microsoft.com/office/drawing/2010/main" xmlns="" w="9525">
+                <a14:hiddenLine xmlns="" xmlns:a14="http://schemas.microsoft.com/office/drawing/2010/main" w="9525">
                   <a:solidFill>
                     <a:srgbClr val="000000"/>
                   </a:solidFill>
@@ -6926,7 +7096,7 @@
             </a:ln>
             <a:extLst>
               <a:ext uri="{91240B29-F687-4f45-9708-019B960494DF}">
-                <a14:hiddenLine xmlns:a14="http://schemas.microsoft.com/office/drawing/2010/main" xmlns="" w="9525">
+                <a14:hiddenLine xmlns="" xmlns:a14="http://schemas.microsoft.com/office/drawing/2010/main" w="9525">
                   <a:solidFill>
                     <a:srgbClr val="000000"/>
                   </a:solidFill>
@@ -6991,7 +7161,7 @@
             </a:ln>
             <a:extLst>
               <a:ext uri="{91240B29-F687-4f45-9708-019B960494DF}">
-                <a14:hiddenLine xmlns:a14="http://schemas.microsoft.com/office/drawing/2010/main" xmlns="" w="9525">
+                <a14:hiddenLine xmlns="" xmlns:a14="http://schemas.microsoft.com/office/drawing/2010/main" w="9525">
                   <a:solidFill>
                     <a:srgbClr val="000000"/>
                   </a:solidFill>
@@ -7053,7 +7223,7 @@
             </a:ln>
             <a:extLst>
               <a:ext uri="{91240B29-F687-4f45-9708-019B960494DF}">
-                <a14:hiddenLine xmlns:a14="http://schemas.microsoft.com/office/drawing/2010/main" xmlns="" w="9525">
+                <a14:hiddenLine xmlns="" xmlns:a14="http://schemas.microsoft.com/office/drawing/2010/main" w="9525">
                   <a:solidFill>
                     <a:srgbClr val="000000"/>
                   </a:solidFill>
@@ -7143,7 +7313,7 @@
             </a:ln>
             <a:extLst>
               <a:ext uri="{91240B29-F687-4f45-9708-019B960494DF}">
-                <a14:hiddenLine xmlns:a14="http://schemas.microsoft.com/office/drawing/2010/main" xmlns="" w="9525">
+                <a14:hiddenLine xmlns="" xmlns:a14="http://schemas.microsoft.com/office/drawing/2010/main" w="9525">
                   <a:solidFill>
                     <a:srgbClr val="000000"/>
                   </a:solidFill>
@@ -7233,7 +7403,7 @@
             </a:ln>
             <a:extLst>
               <a:ext uri="{91240B29-F687-4f45-9708-019B960494DF}">
-                <a14:hiddenLine xmlns:a14="http://schemas.microsoft.com/office/drawing/2010/main" xmlns="" w="9525">
+                <a14:hiddenLine xmlns="" xmlns:a14="http://schemas.microsoft.com/office/drawing/2010/main" w="9525">
                   <a:solidFill>
                     <a:srgbClr val="000000"/>
                   </a:solidFill>
@@ -7295,7 +7465,7 @@
             </a:ln>
             <a:extLst>
               <a:ext uri="{91240B29-F687-4f45-9708-019B960494DF}">
-                <a14:hiddenLine xmlns:a14="http://schemas.microsoft.com/office/drawing/2010/main" xmlns="" w="9525">
+                <a14:hiddenLine xmlns="" xmlns:a14="http://schemas.microsoft.com/office/drawing/2010/main" w="9525">
                   <a:solidFill>
                     <a:srgbClr val="000000"/>
                   </a:solidFill>
@@ -7415,7 +7585,7 @@
             </a:ln>
             <a:extLst>
               <a:ext uri="{91240B29-F687-4f45-9708-019B960494DF}">
-                <a14:hiddenLine xmlns:a14="http://schemas.microsoft.com/office/drawing/2010/main" xmlns="" w="9525">
+                <a14:hiddenLine xmlns="" xmlns:a14="http://schemas.microsoft.com/office/drawing/2010/main" w="9525">
                   <a:solidFill>
                     <a:srgbClr val="000000"/>
                   </a:solidFill>
@@ -7483,7 +7653,7 @@
             </a:ln>
             <a:extLst>
               <a:ext uri="{91240B29-F687-4f45-9708-019B960494DF}">
-                <a14:hiddenLine xmlns:a14="http://schemas.microsoft.com/office/drawing/2010/main" xmlns="" w="9525">
+                <a14:hiddenLine xmlns="" xmlns:a14="http://schemas.microsoft.com/office/drawing/2010/main" w="9525">
                   <a:solidFill>
                     <a:srgbClr val="000000"/>
                   </a:solidFill>
@@ -7573,7 +7743,7 @@
             </a:ln>
             <a:extLst>
               <a:ext uri="{91240B29-F687-4f45-9708-019B960494DF}">
-                <a14:hiddenLine xmlns:a14="http://schemas.microsoft.com/office/drawing/2010/main" xmlns="" w="9525">
+                <a14:hiddenLine xmlns="" xmlns:a14="http://schemas.microsoft.com/office/drawing/2010/main" w="9525">
                   <a:solidFill>
                     <a:srgbClr val="000000"/>
                   </a:solidFill>
@@ -12302,7 +12472,7 @@
           <a:noFill/>
           <a:extLst>
             <a:ext uri="{909E8E84-426E-40dd-AFC4-6F175D3DCCD1}">
-              <a14:hiddenFill xmlns:a14="http://schemas.microsoft.com/office/drawing/2010/main" xmlns="">
+              <a14:hiddenFill xmlns="" xmlns:a14="http://schemas.microsoft.com/office/drawing/2010/main">
                 <a:solidFill>
                   <a:srgbClr val="FFFFFF"/>
                 </a:solidFill>
@@ -12376,7 +12546,7 @@
               </a:ln>
               <a:extLst>
                 <a:ext uri="{91240B29-F687-4f45-9708-019B960494DF}">
-                  <a14:hiddenLine xmlns:a14="http://schemas.microsoft.com/office/drawing/2010/main" xmlns="" w="9525">
+                  <a14:hiddenLine xmlns="" xmlns:a14="http://schemas.microsoft.com/office/drawing/2010/main" w="9525">
                     <a:solidFill>
                       <a:srgbClr val="000000"/>
                     </a:solidFill>
@@ -12466,7 +12636,7 @@
               </a:ln>
               <a:extLst>
                 <a:ext uri="{91240B29-F687-4f45-9708-019B960494DF}">
-                  <a14:hiddenLine xmlns:a14="http://schemas.microsoft.com/office/drawing/2010/main" xmlns="" w="9525">
+                  <a14:hiddenLine xmlns="" xmlns:a14="http://schemas.microsoft.com/office/drawing/2010/main" w="9525">
                     <a:solidFill>
                       <a:srgbClr val="000000"/>
                     </a:solidFill>
@@ -12556,7 +12726,7 @@
               </a:ln>
               <a:extLst>
                 <a:ext uri="{91240B29-F687-4f45-9708-019B960494DF}">
-                  <a14:hiddenLine xmlns:a14="http://schemas.microsoft.com/office/drawing/2010/main" xmlns="" w="9525">
+                  <a14:hiddenLine xmlns="" xmlns:a14="http://schemas.microsoft.com/office/drawing/2010/main" w="9525">
                     <a:solidFill>
                       <a:srgbClr val="000000"/>
                     </a:solidFill>
@@ -12618,7 +12788,7 @@
               </a:ln>
               <a:extLst>
                 <a:ext uri="{91240B29-F687-4f45-9708-019B960494DF}">
-                  <a14:hiddenLine xmlns:a14="http://schemas.microsoft.com/office/drawing/2010/main" xmlns="" w="9525">
+                  <a14:hiddenLine xmlns="" xmlns:a14="http://schemas.microsoft.com/office/drawing/2010/main" w="9525">
                     <a:solidFill>
                       <a:srgbClr val="000000"/>
                     </a:solidFill>
@@ -12708,7 +12878,7 @@
               </a:ln>
               <a:extLst>
                 <a:ext uri="{91240B29-F687-4f45-9708-019B960494DF}">
-                  <a14:hiddenLine xmlns:a14="http://schemas.microsoft.com/office/drawing/2010/main" xmlns="" w="9525">
+                  <a14:hiddenLine xmlns="" xmlns:a14="http://schemas.microsoft.com/office/drawing/2010/main" w="9525">
                     <a:solidFill>
                       <a:srgbClr val="000000"/>
                     </a:solidFill>
@@ -12770,7 +12940,7 @@
               </a:ln>
               <a:extLst>
                 <a:ext uri="{91240B29-F687-4f45-9708-019B960494DF}">
-                  <a14:hiddenLine xmlns:a14="http://schemas.microsoft.com/office/drawing/2010/main" xmlns="" w="9525">
+                  <a14:hiddenLine xmlns="" xmlns:a14="http://schemas.microsoft.com/office/drawing/2010/main" w="9525">
                     <a:solidFill>
                       <a:srgbClr val="000000"/>
                     </a:solidFill>
@@ -12832,7 +13002,7 @@
               </a:ln>
               <a:extLst>
                 <a:ext uri="{91240B29-F687-4f45-9708-019B960494DF}">
-                  <a14:hiddenLine xmlns:a14="http://schemas.microsoft.com/office/drawing/2010/main" xmlns="" w="9525">
+                  <a14:hiddenLine xmlns="" xmlns:a14="http://schemas.microsoft.com/office/drawing/2010/main" w="9525">
                     <a:solidFill>
                       <a:srgbClr val="000000"/>
                     </a:solidFill>
@@ -12922,7 +13092,7 @@
               </a:ln>
               <a:extLst>
                 <a:ext uri="{91240B29-F687-4f45-9708-019B960494DF}">
-                  <a14:hiddenLine xmlns:a14="http://schemas.microsoft.com/office/drawing/2010/main" xmlns="" w="9525">
+                  <a14:hiddenLine xmlns="" xmlns:a14="http://schemas.microsoft.com/office/drawing/2010/main" w="9525">
                     <a:solidFill>
                       <a:srgbClr val="000000"/>
                     </a:solidFill>
@@ -13012,7 +13182,7 @@
               </a:ln>
               <a:extLst>
                 <a:ext uri="{91240B29-F687-4f45-9708-019B960494DF}">
-                  <a14:hiddenLine xmlns:a14="http://schemas.microsoft.com/office/drawing/2010/main" xmlns="" w="9525">
+                  <a14:hiddenLine xmlns="" xmlns:a14="http://schemas.microsoft.com/office/drawing/2010/main" w="9525">
                     <a:solidFill>
                       <a:srgbClr val="000000"/>
                     </a:solidFill>
@@ -13074,7 +13244,7 @@
               </a:ln>
               <a:extLst>
                 <a:ext uri="{91240B29-F687-4f45-9708-019B960494DF}">
-                  <a14:hiddenLine xmlns:a14="http://schemas.microsoft.com/office/drawing/2010/main" xmlns="" w="9525">
+                  <a14:hiddenLine xmlns="" xmlns:a14="http://schemas.microsoft.com/office/drawing/2010/main" w="9525">
                     <a:solidFill>
                       <a:srgbClr val="000000"/>
                     </a:solidFill>
@@ -13184,7 +13354,7 @@
               </a:ln>
               <a:extLst>
                 <a:ext uri="{91240B29-F687-4f45-9708-019B960494DF}">
-                  <a14:hiddenLine xmlns:a14="http://schemas.microsoft.com/office/drawing/2010/main" xmlns="" w="9525">
+                  <a14:hiddenLine xmlns="" xmlns:a14="http://schemas.microsoft.com/office/drawing/2010/main" w="9525">
                     <a:solidFill>
                       <a:srgbClr val="000000"/>
                     </a:solidFill>
@@ -13268,7 +13438,7 @@
               </a:ln>
               <a:extLst>
                 <a:ext uri="{91240B29-F687-4f45-9708-019B960494DF}">
-                  <a14:hiddenLine xmlns:a14="http://schemas.microsoft.com/office/drawing/2010/main" xmlns="" w="9525">
+                  <a14:hiddenLine xmlns="" xmlns:a14="http://schemas.microsoft.com/office/drawing/2010/main" w="9525">
                     <a:solidFill>
                       <a:srgbClr val="000000"/>
                     </a:solidFill>
@@ -13330,7 +13500,7 @@
               </a:ln>
               <a:extLst>
                 <a:ext uri="{91240B29-F687-4f45-9708-019B960494DF}">
-                  <a14:hiddenLine xmlns:a14="http://schemas.microsoft.com/office/drawing/2010/main" xmlns="" w="9525">
+                  <a14:hiddenLine xmlns="" xmlns:a14="http://schemas.microsoft.com/office/drawing/2010/main" w="9525">
                     <a:solidFill>
                       <a:srgbClr val="000000"/>
                     </a:solidFill>
@@ -13392,7 +13562,7 @@
               </a:ln>
               <a:extLst>
                 <a:ext uri="{91240B29-F687-4f45-9708-019B960494DF}">
-                  <a14:hiddenLine xmlns:a14="http://schemas.microsoft.com/office/drawing/2010/main" xmlns="" w="9525">
+                  <a14:hiddenLine xmlns="" xmlns:a14="http://schemas.microsoft.com/office/drawing/2010/main" w="9525">
                     <a:solidFill>
                       <a:srgbClr val="000000"/>
                     </a:solidFill>
@@ -13482,7 +13652,7 @@
               </a:ln>
               <a:extLst>
                 <a:ext uri="{91240B29-F687-4f45-9708-019B960494DF}">
-                  <a14:hiddenLine xmlns:a14="http://schemas.microsoft.com/office/drawing/2010/main" xmlns="" w="9525">
+                  <a14:hiddenLine xmlns="" xmlns:a14="http://schemas.microsoft.com/office/drawing/2010/main" w="9525">
                     <a:solidFill>
                       <a:srgbClr val="000000"/>
                     </a:solidFill>
@@ -13516,7 +13686,7 @@
               </a:ln>
               <a:extLst>
                 <a:ext uri="{91240B29-F687-4f45-9708-019B960494DF}">
-                  <a14:hiddenLine xmlns:a14="http://schemas.microsoft.com/office/drawing/2010/main" xmlns="" w="9525">
+                  <a14:hiddenLine xmlns="" xmlns:a14="http://schemas.microsoft.com/office/drawing/2010/main" w="9525">
                     <a:solidFill>
                       <a:srgbClr val="000000"/>
                     </a:solidFill>
@@ -13581,7 +13751,7 @@
               </a:ln>
               <a:extLst>
                 <a:ext uri="{91240B29-F687-4f45-9708-019B960494DF}">
-                  <a14:hiddenLine xmlns:a14="http://schemas.microsoft.com/office/drawing/2010/main" xmlns="" w="9525">
+                  <a14:hiddenLine xmlns="" xmlns:a14="http://schemas.microsoft.com/office/drawing/2010/main" w="9525">
                     <a:solidFill>
                       <a:srgbClr val="000000"/>
                     </a:solidFill>
@@ -13671,7 +13841,7 @@
               </a:ln>
               <a:extLst>
                 <a:ext uri="{91240B29-F687-4f45-9708-019B960494DF}">
-                  <a14:hiddenLine xmlns:a14="http://schemas.microsoft.com/office/drawing/2010/main" xmlns="" w="9525">
+                  <a14:hiddenLine xmlns="" xmlns:a14="http://schemas.microsoft.com/office/drawing/2010/main" w="9525">
                     <a:solidFill>
                       <a:srgbClr val="000000"/>
                     </a:solidFill>
@@ -13733,7 +13903,7 @@
               </a:ln>
               <a:extLst>
                 <a:ext uri="{91240B29-F687-4f45-9708-019B960494DF}">
-                  <a14:hiddenLine xmlns:a14="http://schemas.microsoft.com/office/drawing/2010/main" xmlns="" w="9525">
+                  <a14:hiddenLine xmlns="" xmlns:a14="http://schemas.microsoft.com/office/drawing/2010/main" w="9525">
                     <a:solidFill>
                       <a:srgbClr val="000000"/>
                     </a:solidFill>
@@ -13823,7 +13993,7 @@
               </a:ln>
               <a:extLst>
                 <a:ext uri="{91240B29-F687-4f45-9708-019B960494DF}">
-                  <a14:hiddenLine xmlns:a14="http://schemas.microsoft.com/office/drawing/2010/main" xmlns="" w="9525">
+                  <a14:hiddenLine xmlns="" xmlns:a14="http://schemas.microsoft.com/office/drawing/2010/main" w="9525">
                     <a:solidFill>
                       <a:srgbClr val="000000"/>
                     </a:solidFill>
@@ -13888,7 +14058,7 @@
               </a:ln>
               <a:extLst>
                 <a:ext uri="{91240B29-F687-4f45-9708-019B960494DF}">
-                  <a14:hiddenLine xmlns:a14="http://schemas.microsoft.com/office/drawing/2010/main" xmlns="" w="9525">
+                  <a14:hiddenLine xmlns="" xmlns:a14="http://schemas.microsoft.com/office/drawing/2010/main" w="9525">
                     <a:solidFill>
                       <a:srgbClr val="000000"/>
                     </a:solidFill>
@@ -13950,7 +14120,7 @@
               </a:ln>
               <a:extLst>
                 <a:ext uri="{91240B29-F687-4f45-9708-019B960494DF}">
-                  <a14:hiddenLine xmlns:a14="http://schemas.microsoft.com/office/drawing/2010/main" xmlns="" w="9525">
+                  <a14:hiddenLine xmlns="" xmlns:a14="http://schemas.microsoft.com/office/drawing/2010/main" w="9525">
                     <a:solidFill>
                       <a:srgbClr val="000000"/>
                     </a:solidFill>
@@ -14040,7 +14210,7 @@
               </a:ln>
               <a:extLst>
                 <a:ext uri="{91240B29-F687-4f45-9708-019B960494DF}">
-                  <a14:hiddenLine xmlns:a14="http://schemas.microsoft.com/office/drawing/2010/main" xmlns="" w="9525">
+                  <a14:hiddenLine xmlns="" xmlns:a14="http://schemas.microsoft.com/office/drawing/2010/main" w="9525">
                     <a:solidFill>
                       <a:srgbClr val="000000"/>
                     </a:solidFill>
@@ -14130,7 +14300,7 @@
               </a:ln>
               <a:extLst>
                 <a:ext uri="{91240B29-F687-4f45-9708-019B960494DF}">
-                  <a14:hiddenLine xmlns:a14="http://schemas.microsoft.com/office/drawing/2010/main" xmlns="" w="9525">
+                  <a14:hiddenLine xmlns="" xmlns:a14="http://schemas.microsoft.com/office/drawing/2010/main" w="9525">
                     <a:solidFill>
                       <a:srgbClr val="000000"/>
                     </a:solidFill>
@@ -14195,7 +14365,7 @@
               </a:ln>
               <a:extLst>
                 <a:ext uri="{91240B29-F687-4f45-9708-019B960494DF}">
-                  <a14:hiddenLine xmlns:a14="http://schemas.microsoft.com/office/drawing/2010/main" xmlns="" w="9525">
+                  <a14:hiddenLine xmlns="" xmlns:a14="http://schemas.microsoft.com/office/drawing/2010/main" w="9525">
                     <a:solidFill>
                       <a:srgbClr val="000000"/>
                     </a:solidFill>
@@ -14315,7 +14485,7 @@
               </a:ln>
               <a:extLst>
                 <a:ext uri="{91240B29-F687-4f45-9708-019B960494DF}">
-                  <a14:hiddenLine xmlns:a14="http://schemas.microsoft.com/office/drawing/2010/main" xmlns="" w="9525">
+                  <a14:hiddenLine xmlns="" xmlns:a14="http://schemas.microsoft.com/office/drawing/2010/main" w="9525">
                     <a:solidFill>
                       <a:srgbClr val="000000"/>
                     </a:solidFill>
@@ -14396,7 +14566,7 @@
               </a:ln>
               <a:extLst>
                 <a:ext uri="{91240B29-F687-4f45-9708-019B960494DF}">
-                  <a14:hiddenLine xmlns:a14="http://schemas.microsoft.com/office/drawing/2010/main" xmlns="" w="9525">
+                  <a14:hiddenLine xmlns="" xmlns:a14="http://schemas.microsoft.com/office/drawing/2010/main" w="9525">
                     <a:solidFill>
                       <a:srgbClr val="000000"/>
                     </a:solidFill>
@@ -14511,7 +14681,7 @@
               </a:ln>
               <a:extLst>
                 <a:ext uri="{91240B29-F687-4f45-9708-019B960494DF}">
-                  <a14:hiddenLine xmlns:a14="http://schemas.microsoft.com/office/drawing/2010/main" xmlns="" w="9525">
+                  <a14:hiddenLine xmlns="" xmlns:a14="http://schemas.microsoft.com/office/drawing/2010/main" w="9525">
                     <a:solidFill>
                       <a:srgbClr val="000000"/>
                     </a:solidFill>
@@ -14601,7 +14771,7 @@
               </a:ln>
               <a:extLst>
                 <a:ext uri="{91240B29-F687-4f45-9708-019B960494DF}">
-                  <a14:hiddenLine xmlns:a14="http://schemas.microsoft.com/office/drawing/2010/main" xmlns="" w="9525">
+                  <a14:hiddenLine xmlns="" xmlns:a14="http://schemas.microsoft.com/office/drawing/2010/main" w="9525">
                     <a:solidFill>
                       <a:srgbClr val="000000"/>
                     </a:solidFill>
@@ -14666,7 +14836,7 @@
               </a:ln>
               <a:extLst>
                 <a:ext uri="{91240B29-F687-4f45-9708-019B960494DF}">
-                  <a14:hiddenLine xmlns:a14="http://schemas.microsoft.com/office/drawing/2010/main" xmlns="" w="9525">
+                  <a14:hiddenLine xmlns="" xmlns:a14="http://schemas.microsoft.com/office/drawing/2010/main" w="9525">
                     <a:solidFill>
                       <a:srgbClr val="000000"/>
                     </a:solidFill>
@@ -14756,7 +14926,7 @@
               </a:ln>
               <a:extLst>
                 <a:ext uri="{91240B29-F687-4f45-9708-019B960494DF}">
-                  <a14:hiddenLine xmlns:a14="http://schemas.microsoft.com/office/drawing/2010/main" xmlns="" w="9525">
+                  <a14:hiddenLine xmlns="" xmlns:a14="http://schemas.microsoft.com/office/drawing/2010/main" w="9525">
                     <a:solidFill>
                       <a:srgbClr val="000000"/>
                     </a:solidFill>
@@ -14824,7 +14994,7 @@
               </a:ln>
               <a:extLst>
                 <a:ext uri="{91240B29-F687-4f45-9708-019B960494DF}">
-                  <a14:hiddenLine xmlns:a14="http://schemas.microsoft.com/office/drawing/2010/main" xmlns="" w="9525">
+                  <a14:hiddenLine xmlns="" xmlns:a14="http://schemas.microsoft.com/office/drawing/2010/main" w="9525">
                     <a:solidFill>
                       <a:srgbClr val="000000"/>
                     </a:solidFill>
@@ -14914,7 +15084,7 @@
               </a:ln>
               <a:extLst>
                 <a:ext uri="{91240B29-F687-4f45-9708-019B960494DF}">
-                  <a14:hiddenLine xmlns:a14="http://schemas.microsoft.com/office/drawing/2010/main" xmlns="" w="9525">
+                  <a14:hiddenLine xmlns="" xmlns:a14="http://schemas.microsoft.com/office/drawing/2010/main" w="9525">
                     <a:solidFill>
                       <a:srgbClr val="000000"/>
                     </a:solidFill>
@@ -14982,7 +15152,7 @@
               </a:ln>
               <a:extLst>
                 <a:ext uri="{91240B29-F687-4f45-9708-019B960494DF}">
-                  <a14:hiddenLine xmlns:a14="http://schemas.microsoft.com/office/drawing/2010/main" xmlns="" w="9525">
+                  <a14:hiddenLine xmlns="" xmlns:a14="http://schemas.microsoft.com/office/drawing/2010/main" w="9525">
                     <a:solidFill>
                       <a:srgbClr val="000000"/>
                     </a:solidFill>
@@ -15072,7 +15242,7 @@
               </a:ln>
               <a:extLst>
                 <a:ext uri="{91240B29-F687-4f45-9708-019B960494DF}">
-                  <a14:hiddenLine xmlns:a14="http://schemas.microsoft.com/office/drawing/2010/main" xmlns="" w="9525">
+                  <a14:hiddenLine xmlns="" xmlns:a14="http://schemas.microsoft.com/office/drawing/2010/main" w="9525">
                     <a:solidFill>
                       <a:srgbClr val="000000"/>
                     </a:solidFill>
@@ -15106,7 +15276,7 @@
               </a:ln>
               <a:extLst>
                 <a:ext uri="{91240B29-F687-4f45-9708-019B960494DF}">
-                  <a14:hiddenLine xmlns:a14="http://schemas.microsoft.com/office/drawing/2010/main" xmlns="" w="9525">
+                  <a14:hiddenLine xmlns="" xmlns:a14="http://schemas.microsoft.com/office/drawing/2010/main" w="9525">
                     <a:solidFill>
                       <a:srgbClr val="000000"/>
                     </a:solidFill>
@@ -15812,8 +15982,16 @@
           <a:lstStyle/>
           <a:p>
             <a:r>
-              <a:rPr lang="de-CH" dirty="0" smtClean="0"/>
-              <a:t>Buzzword cleanup</a:t>
+              <a:rPr lang="de-CH" dirty="0" err="1"/>
+              <a:t>Demystifying</a:t>
+            </a:r>
+            <a:r>
+              <a:rPr lang="de-CH" dirty="0"/>
+              <a:t> </a:t>
+            </a:r>
+            <a:r>
+              <a:rPr lang="de-CH" dirty="0" err="1"/>
+              <a:t>Buzzwords</a:t>
             </a:r>
             <a:endParaRPr lang="de-CH" dirty="0"/>
           </a:p>
@@ -16440,8 +16618,16 @@
           <a:lstStyle/>
           <a:p>
             <a:r>
-              <a:rPr lang="de-CH" dirty="0" smtClean="0"/>
-              <a:t>Buzzword cleanup</a:t>
+              <a:rPr lang="de-CH" dirty="0" err="1"/>
+              <a:t>Demystifying</a:t>
+            </a:r>
+            <a:r>
+              <a:rPr lang="de-CH" dirty="0"/>
+              <a:t> </a:t>
+            </a:r>
+            <a:r>
+              <a:rPr lang="de-CH" dirty="0" err="1"/>
+              <a:t>Buzzwords</a:t>
             </a:r>
             <a:endParaRPr lang="de-CH" dirty="0"/>
           </a:p>
@@ -16809,8 +16995,16 @@
           <a:lstStyle/>
           <a:p>
             <a:r>
-              <a:rPr lang="de-CH" dirty="0" smtClean="0"/>
-              <a:t>Buzzword cleanup</a:t>
+              <a:rPr lang="de-CH" dirty="0" err="1"/>
+              <a:t>Demystifying</a:t>
+            </a:r>
+            <a:r>
+              <a:rPr lang="de-CH" dirty="0"/>
+              <a:t> </a:t>
+            </a:r>
+            <a:r>
+              <a:rPr lang="de-CH" dirty="0" err="1"/>
+              <a:t>Buzzwords</a:t>
             </a:r>
             <a:endParaRPr lang="de-CH" dirty="0"/>
           </a:p>
@@ -17214,8 +17408,16 @@
           <a:lstStyle/>
           <a:p>
             <a:r>
-              <a:rPr lang="de-CH" dirty="0" smtClean="0"/>
-              <a:t>Buzzword cleanup</a:t>
+              <a:rPr lang="de-CH" dirty="0" err="1"/>
+              <a:t>Demystifying</a:t>
+            </a:r>
+            <a:r>
+              <a:rPr lang="de-CH" dirty="0"/>
+              <a:t> </a:t>
+            </a:r>
+            <a:r>
+              <a:rPr lang="de-CH" dirty="0" err="1"/>
+              <a:t>Buzzwords</a:t>
             </a:r>
             <a:endParaRPr lang="de-CH" dirty="0"/>
           </a:p>
@@ -17774,8 +17976,16 @@
           <a:lstStyle/>
           <a:p>
             <a:r>
-              <a:rPr lang="de-CH" dirty="0" smtClean="0"/>
-              <a:t>Buzzword cleanup</a:t>
+              <a:rPr lang="de-CH" dirty="0" err="1"/>
+              <a:t>Demystifying</a:t>
+            </a:r>
+            <a:r>
+              <a:rPr lang="de-CH" dirty="0"/>
+              <a:t> </a:t>
+            </a:r>
+            <a:r>
+              <a:rPr lang="de-CH" dirty="0" err="1"/>
+              <a:t>Buzzwords</a:t>
             </a:r>
             <a:endParaRPr lang="de-CH" dirty="0"/>
           </a:p>
@@ -18338,8 +18548,16 @@
           <a:lstStyle/>
           <a:p>
             <a:r>
-              <a:rPr lang="de-CH" dirty="0" smtClean="0"/>
-              <a:t>Buzzword cleanup</a:t>
+              <a:rPr lang="de-CH" dirty="0" err="1"/>
+              <a:t>Demystifying</a:t>
+            </a:r>
+            <a:r>
+              <a:rPr lang="de-CH" dirty="0"/>
+              <a:t> </a:t>
+            </a:r>
+            <a:r>
+              <a:rPr lang="de-CH" dirty="0" err="1"/>
+              <a:t>Buzzwords</a:t>
             </a:r>
             <a:endParaRPr lang="de-CH" dirty="0"/>
           </a:p>
@@ -18894,8 +19112,16 @@
           <a:lstStyle/>
           <a:p>
             <a:r>
-              <a:rPr lang="de-CH" dirty="0" smtClean="0"/>
-              <a:t>Buzzword cleanup</a:t>
+              <a:rPr lang="de-CH" dirty="0" err="1"/>
+              <a:t>Demystifying</a:t>
+            </a:r>
+            <a:r>
+              <a:rPr lang="de-CH" dirty="0"/>
+              <a:t> </a:t>
+            </a:r>
+            <a:r>
+              <a:rPr lang="de-CH" dirty="0" err="1"/>
+              <a:t>Buzzwords</a:t>
             </a:r>
             <a:endParaRPr lang="de-CH" dirty="0"/>
           </a:p>
@@ -19227,8 +19453,16 @@
           <a:lstStyle/>
           <a:p>
             <a:r>
-              <a:rPr lang="de-CH" dirty="0" smtClean="0"/>
-              <a:t>Buzzword cleanup</a:t>
+              <a:rPr lang="de-CH" dirty="0" err="1"/>
+              <a:t>Demystifying</a:t>
+            </a:r>
+            <a:r>
+              <a:rPr lang="de-CH" dirty="0"/>
+              <a:t> </a:t>
+            </a:r>
+            <a:r>
+              <a:rPr lang="de-CH" dirty="0" err="1"/>
+              <a:t>Buzzwords</a:t>
             </a:r>
             <a:endParaRPr lang="de-CH" dirty="0"/>
           </a:p>
@@ -19942,8 +20176,8 @@
         </p:nvSpPr>
         <p:spPr>
           <a:xfrm rot="20487536">
-            <a:off x="2174789" y="3282971"/>
-            <a:ext cx="6809878" cy="923330"/>
+            <a:off x="1887218" y="2993082"/>
+            <a:ext cx="8196475" cy="1200329"/>
           </a:xfrm>
           <a:prstGeom prst="rect">
             <a:avLst/>
@@ -19956,6 +20190,17 @@
           </a:bodyPr>
           <a:lstStyle/>
           <a:p>
+            <a:r>
+              <a:rPr lang="de-CH" sz="7200" b="1" dirty="0" smtClean="0">
+                <a:solidFill>
+                  <a:schemeClr val="tx2">
+                    <a:lumMod val="60000"/>
+                    <a:lumOff val="40000"/>
+                  </a:schemeClr>
+                </a:solidFill>
+              </a:rPr>
+              <a:t>Didaktischer</a:t>
+            </a:r>
             <a:r>
               <a:rPr lang="de-CH" sz="5400" b="1" dirty="0" smtClean="0">
                 <a:solidFill>
@@ -19965,7 +20210,7 @@
                   </a:schemeClr>
                 </a:solidFill>
               </a:rPr>
-              <a:t>Didaktischer Spoiler</a:t>
+              <a:t> Spoiler</a:t>
             </a:r>
             <a:endParaRPr lang="de-CH" sz="5400" b="1" dirty="0">
               <a:solidFill>
@@ -20403,10 +20648,10 @@
                                         </p:attrNameLst>
                                       </p:cBhvr>
                                       <p:to>
-                                        <p:strVal val="0.75"/>
+                                        <p:strVal val="0.9"/>
                                       </p:to>
                                     </p:set>
-                                    <p:animEffect filter="image" prLst="opacity: 0.75">
+                                    <p:animEffect filter="image" prLst="opacity: 0.9">
                                       <p:cBhvr rctx="IE">
                                         <p:cTn id="37" dur="indefinite"/>
                                         <p:tgtEl>
@@ -20442,10 +20687,10 @@
                                         </p:attrNameLst>
                                       </p:cBhvr>
                                       <p:to>
-                                        <p:strVal val="0.75"/>
+                                        <p:strVal val="0.5"/>
                                       </p:to>
                                     </p:set>
-                                    <p:animEffect filter="image" prLst="opacity: 0.75">
+                                    <p:animEffect filter="image" prLst="opacity: 0.5">
                                       <p:cBhvr rctx="IE">
                                         <p:cTn id="40" dur="indefinite"/>
                                         <p:tgtEl>
@@ -20481,10 +20726,10 @@
                                         </p:attrNameLst>
                                       </p:cBhvr>
                                       <p:to>
-                                        <p:strVal val="0.75"/>
+                                        <p:strVal val="0.5"/>
                                       </p:to>
                                     </p:set>
-                                    <p:animEffect filter="image" prLst="opacity: 0.75">
+                                    <p:animEffect filter="image" prLst="opacity: 0.5">
                                       <p:cBhvr rctx="IE">
                                         <p:cTn id="43" dur="indefinite"/>
                                         <p:tgtEl>
@@ -20520,10 +20765,10 @@
                                         </p:attrNameLst>
                                       </p:cBhvr>
                                       <p:to>
-                                        <p:strVal val="0.75"/>
+                                        <p:strVal val="0.5"/>
                                       </p:to>
                                     </p:set>
-                                    <p:animEffect filter="image" prLst="opacity: 0.75">
+                                    <p:animEffect filter="image" prLst="opacity: 0.5">
                                       <p:cBhvr rctx="IE">
                                         <p:cTn id="46" dur="indefinite"/>
                                         <p:tgtEl>
@@ -20559,10 +20804,10 @@
                                         </p:attrNameLst>
                                       </p:cBhvr>
                                       <p:to>
-                                        <p:strVal val="0.75"/>
+                                        <p:strVal val="0.5"/>
                                       </p:to>
                                     </p:set>
-                                    <p:animEffect filter="image" prLst="opacity: 0.75">
+                                    <p:animEffect filter="image" prLst="opacity: 0.5">
                                       <p:cBhvr rctx="IE">
                                         <p:cTn id="49" dur="indefinite"/>
                                         <p:tgtEl>
@@ -20598,10 +20843,10 @@
                                         </p:attrNameLst>
                                       </p:cBhvr>
                                       <p:to>
-                                        <p:strVal val="0.75"/>
+                                        <p:strVal val="0.5"/>
                                       </p:to>
                                     </p:set>
-                                    <p:animEffect filter="image" prLst="opacity: 0.75">
+                                    <p:animEffect filter="image" prLst="opacity: 0.5">
                                       <p:cBhvr rctx="IE">
                                         <p:cTn id="52" dur="indefinite"/>
                                         <p:tgtEl>
@@ -20671,7 +20916,7 @@
       </p:par>
     </p:tnLst>
     <p:bldLst>
-      <p:bldP spid="3" grpId="0" build="p"/>
+      <p:bldP spid="3" grpId="0" uiExpand="1" build="p"/>
       <p:bldP spid="4" grpId="0"/>
     </p:bldLst>
   </p:timing>
@@ -20737,6 +20982,10 @@
           <a:bodyPr/>
           <a:lstStyle/>
           <a:p>
+            <a:r>
+              <a:rPr lang="de-CH" dirty="0" smtClean="0"/>
+              <a:t>Die statistische Programmiersprache R und deren Integration in Visual Studio</a:t>
+            </a:r>
             <a:endParaRPr lang="de-CH" dirty="0"/>
           </a:p>
         </p:txBody>
@@ -21422,20 +21671,22 @@
         </p:nvSpPr>
         <p:spPr/>
         <p:txBody>
-          <a:bodyPr/>
-          <a:lstStyle/>
-          <a:p>
-            <a:r>
-              <a:rPr lang="de-CH" dirty="0" smtClean="0"/>
-              <a:t>Visual Studio 2017</a:t>
-            </a:r>
-            <a:endParaRPr lang="de-CH" dirty="0"/>
-          </a:p>
-        </p:txBody>
-      </p:sp>
-      <p:sp>
-        <p:nvSpPr>
-          <p:cNvPr id="3" name="Content Placeholder 2"/>
+          <a:bodyPr>
+            <a:normAutofit/>
+          </a:bodyPr>
+          <a:lstStyle/>
+          <a:p>
+            <a:r>
+              <a:rPr lang="de-CH" sz="3200" dirty="0" smtClean="0"/>
+              <a:t>Warum eine statistische Programmiersprache?</a:t>
+            </a:r>
+            <a:endParaRPr lang="de-CH" sz="3200" dirty="0"/>
+          </a:p>
+        </p:txBody>
+      </p:sp>
+      <p:sp>
+        <p:nvSpPr>
+          <p:cNvPr id="4" name="Content Placeholder 3"/>
           <p:cNvSpPr>
             <a:spLocks noGrp="1"/>
           </p:cNvSpPr>
@@ -21443,37 +21694,63 @@
             <p:ph idx="1"/>
           </p:nvPr>
         </p:nvSpPr>
-        <p:spPr>
-          <a:xfrm>
-            <a:off x="3502152" y="3099879"/>
-            <a:ext cx="4773169" cy="1618425"/>
-          </a:xfrm>
-        </p:spPr>
+        <p:spPr/>
         <p:txBody>
           <a:bodyPr>
             <a:normAutofit/>
           </a:bodyPr>
           <a:lstStyle/>
           <a:p>
-            <a:pPr marL="0" indent="0" algn="ctr">
+            <a:r>
+              <a:rPr lang="de-CH" dirty="0" err="1" smtClean="0"/>
+              <a:t>Machine</a:t>
+            </a:r>
+            <a:r>
+              <a:rPr lang="de-CH" dirty="0" smtClean="0"/>
+              <a:t> Learning ist ein Teilgebiet der Informatik</a:t>
+            </a:r>
+          </a:p>
+          <a:p>
+            <a:r>
+              <a:rPr lang="de-CH" dirty="0" smtClean="0"/>
+              <a:t>Statistik ist ein Teilgebiet der Mathematik</a:t>
+            </a:r>
+          </a:p>
+          <a:p>
+            <a:endParaRPr lang="de-CH" dirty="0" smtClean="0"/>
+          </a:p>
+          <a:p>
+            <a:pPr marL="0" indent="0">
               <a:buNone/>
             </a:pPr>
             <a:r>
-              <a:rPr lang="de-CH" i="1" dirty="0" smtClean="0"/>
-              <a:t>Kurze Thema in bekanntem Kontex</a:t>
-            </a:r>
-          </a:p>
-          <a:p>
-            <a:pPr marL="0" indent="0" algn="ctr">
+              <a:rPr lang="en-US" sz="1600" i="1" dirty="0" smtClean="0"/>
+              <a:t>ML </a:t>
+            </a:r>
+            <a:r>
+              <a:rPr lang="en-US" sz="1600" i="1" dirty="0"/>
+              <a:t>professional: “The model is 85% accurate in predicting Y, given a, b and c</a:t>
+            </a:r>
+            <a:r>
+              <a:rPr lang="en-US" sz="1600" i="1" dirty="0" smtClean="0"/>
+              <a:t>.”</a:t>
+            </a:r>
+          </a:p>
+          <a:p>
+            <a:pPr marL="0" indent="0">
               <a:buNone/>
             </a:pPr>
             <a:r>
-              <a:rPr lang="de-CH" sz="1300" i="1" dirty="0">
-                <a:hlinkClick r:id="rId3"/>
-              </a:rPr>
-              <a:t>https://github.com/huli/introduction-machine-learning/tree/master/visual-studio/HelloR</a:t>
-            </a:r>
-            <a:endParaRPr lang="de-CH" sz="1300" i="1" dirty="0"/>
+              <a:rPr lang="en-US" sz="1600" i="1" dirty="0"/>
+              <a:t>Statistician: “The model is 85% accurate in predicting Y, given a, b and c; and I am 90% certain that you will obtain the same result.”</a:t>
+            </a:r>
+            <a:endParaRPr lang="de-CH" sz="1600" dirty="0" smtClean="0"/>
+          </a:p>
+          <a:p>
+            <a:pPr marL="0" indent="0">
+              <a:buNone/>
+            </a:pPr>
+            <a:endParaRPr lang="de-CH" sz="4400" dirty="0"/>
           </a:p>
         </p:txBody>
       </p:sp>
@@ -21490,9 +21767,261 @@
   <p:timing>
     <p:tnLst>
       <p:par>
-        <p:cTn id="1" dur="indefinite" restart="never" nodeType="tmRoot"/>
+        <p:cTn id="1" dur="indefinite" restart="never" nodeType="tmRoot">
+          <p:childTnLst>
+            <p:seq concurrent="1" nextAc="seek">
+              <p:cTn id="2" dur="indefinite" nodeType="mainSeq">
+                <p:childTnLst>
+                  <p:par>
+                    <p:cTn id="3" fill="hold">
+                      <p:stCondLst>
+                        <p:cond delay="indefinite"/>
+                      </p:stCondLst>
+                      <p:childTnLst>
+                        <p:par>
+                          <p:cTn id="4" fill="hold">
+                            <p:stCondLst>
+                              <p:cond delay="0"/>
+                            </p:stCondLst>
+                            <p:childTnLst>
+                              <p:par>
+                                <p:cTn id="5" presetID="10" presetClass="entr" presetSubtype="0" fill="hold" grpId="0" nodeType="clickEffect">
+                                  <p:stCondLst>
+                                    <p:cond delay="0"/>
+                                  </p:stCondLst>
+                                  <p:childTnLst>
+                                    <p:set>
+                                      <p:cBhvr>
+                                        <p:cTn id="6" dur="1" fill="hold">
+                                          <p:stCondLst>
+                                            <p:cond delay="0"/>
+                                          </p:stCondLst>
+                                        </p:cTn>
+                                        <p:tgtEl>
+                                          <p:spTgt spid="4">
+                                            <p:txEl>
+                                              <p:pRg st="0" end="0"/>
+                                            </p:txEl>
+                                          </p:spTgt>
+                                        </p:tgtEl>
+                                        <p:attrNameLst>
+                                          <p:attrName>style.visibility</p:attrName>
+                                        </p:attrNameLst>
+                                      </p:cBhvr>
+                                      <p:to>
+                                        <p:strVal val="visible"/>
+                                      </p:to>
+                                    </p:set>
+                                    <p:animEffect transition="in" filter="fade">
+                                      <p:cBhvr>
+                                        <p:cTn id="7" dur="500"/>
+                                        <p:tgtEl>
+                                          <p:spTgt spid="4">
+                                            <p:txEl>
+                                              <p:pRg st="0" end="0"/>
+                                            </p:txEl>
+                                          </p:spTgt>
+                                        </p:tgtEl>
+                                      </p:cBhvr>
+                                    </p:animEffect>
+                                  </p:childTnLst>
+                                </p:cTn>
+                              </p:par>
+                            </p:childTnLst>
+                          </p:cTn>
+                        </p:par>
+                      </p:childTnLst>
+                    </p:cTn>
+                  </p:par>
+                  <p:par>
+                    <p:cTn id="8" fill="hold">
+                      <p:stCondLst>
+                        <p:cond delay="indefinite"/>
+                      </p:stCondLst>
+                      <p:childTnLst>
+                        <p:par>
+                          <p:cTn id="9" fill="hold">
+                            <p:stCondLst>
+                              <p:cond delay="0"/>
+                            </p:stCondLst>
+                            <p:childTnLst>
+                              <p:par>
+                                <p:cTn id="10" presetID="10" presetClass="entr" presetSubtype="0" fill="hold" grpId="0" nodeType="clickEffect">
+                                  <p:stCondLst>
+                                    <p:cond delay="0"/>
+                                  </p:stCondLst>
+                                  <p:childTnLst>
+                                    <p:set>
+                                      <p:cBhvr>
+                                        <p:cTn id="11" dur="1" fill="hold">
+                                          <p:stCondLst>
+                                            <p:cond delay="0"/>
+                                          </p:stCondLst>
+                                        </p:cTn>
+                                        <p:tgtEl>
+                                          <p:spTgt spid="4">
+                                            <p:txEl>
+                                              <p:pRg st="1" end="1"/>
+                                            </p:txEl>
+                                          </p:spTgt>
+                                        </p:tgtEl>
+                                        <p:attrNameLst>
+                                          <p:attrName>style.visibility</p:attrName>
+                                        </p:attrNameLst>
+                                      </p:cBhvr>
+                                      <p:to>
+                                        <p:strVal val="visible"/>
+                                      </p:to>
+                                    </p:set>
+                                    <p:animEffect transition="in" filter="fade">
+                                      <p:cBhvr>
+                                        <p:cTn id="12" dur="500"/>
+                                        <p:tgtEl>
+                                          <p:spTgt spid="4">
+                                            <p:txEl>
+                                              <p:pRg st="1" end="1"/>
+                                            </p:txEl>
+                                          </p:spTgt>
+                                        </p:tgtEl>
+                                      </p:cBhvr>
+                                    </p:animEffect>
+                                  </p:childTnLst>
+                                </p:cTn>
+                              </p:par>
+                            </p:childTnLst>
+                          </p:cTn>
+                        </p:par>
+                      </p:childTnLst>
+                    </p:cTn>
+                  </p:par>
+                  <p:par>
+                    <p:cTn id="13" fill="hold">
+                      <p:stCondLst>
+                        <p:cond delay="indefinite"/>
+                      </p:stCondLst>
+                      <p:childTnLst>
+                        <p:par>
+                          <p:cTn id="14" fill="hold">
+                            <p:stCondLst>
+                              <p:cond delay="0"/>
+                            </p:stCondLst>
+                            <p:childTnLst>
+                              <p:par>
+                                <p:cTn id="15" presetID="10" presetClass="entr" presetSubtype="0" fill="hold" grpId="0" nodeType="clickEffect">
+                                  <p:stCondLst>
+                                    <p:cond delay="0"/>
+                                  </p:stCondLst>
+                                  <p:childTnLst>
+                                    <p:set>
+                                      <p:cBhvr>
+                                        <p:cTn id="16" dur="1" fill="hold">
+                                          <p:stCondLst>
+                                            <p:cond delay="0"/>
+                                          </p:stCondLst>
+                                        </p:cTn>
+                                        <p:tgtEl>
+                                          <p:spTgt spid="4">
+                                            <p:txEl>
+                                              <p:pRg st="3" end="3"/>
+                                            </p:txEl>
+                                          </p:spTgt>
+                                        </p:tgtEl>
+                                        <p:attrNameLst>
+                                          <p:attrName>style.visibility</p:attrName>
+                                        </p:attrNameLst>
+                                      </p:cBhvr>
+                                      <p:to>
+                                        <p:strVal val="visible"/>
+                                      </p:to>
+                                    </p:set>
+                                    <p:animEffect transition="in" filter="fade">
+                                      <p:cBhvr>
+                                        <p:cTn id="17" dur="500"/>
+                                        <p:tgtEl>
+                                          <p:spTgt spid="4">
+                                            <p:txEl>
+                                              <p:pRg st="3" end="3"/>
+                                            </p:txEl>
+                                          </p:spTgt>
+                                        </p:tgtEl>
+                                      </p:cBhvr>
+                                    </p:animEffect>
+                                  </p:childTnLst>
+                                </p:cTn>
+                              </p:par>
+                              <p:par>
+                                <p:cTn id="18" presetID="10" presetClass="entr" presetSubtype="0" fill="hold" grpId="0" nodeType="withEffect">
+                                  <p:stCondLst>
+                                    <p:cond delay="0"/>
+                                  </p:stCondLst>
+                                  <p:childTnLst>
+                                    <p:set>
+                                      <p:cBhvr>
+                                        <p:cTn id="19" dur="1" fill="hold">
+                                          <p:stCondLst>
+                                            <p:cond delay="0"/>
+                                          </p:stCondLst>
+                                        </p:cTn>
+                                        <p:tgtEl>
+                                          <p:spTgt spid="4">
+                                            <p:txEl>
+                                              <p:pRg st="4" end="4"/>
+                                            </p:txEl>
+                                          </p:spTgt>
+                                        </p:tgtEl>
+                                        <p:attrNameLst>
+                                          <p:attrName>style.visibility</p:attrName>
+                                        </p:attrNameLst>
+                                      </p:cBhvr>
+                                      <p:to>
+                                        <p:strVal val="visible"/>
+                                      </p:to>
+                                    </p:set>
+                                    <p:animEffect transition="in" filter="fade">
+                                      <p:cBhvr>
+                                        <p:cTn id="20" dur="500"/>
+                                        <p:tgtEl>
+                                          <p:spTgt spid="4">
+                                            <p:txEl>
+                                              <p:pRg st="4" end="4"/>
+                                            </p:txEl>
+                                          </p:spTgt>
+                                        </p:tgtEl>
+                                      </p:cBhvr>
+                                    </p:animEffect>
+                                  </p:childTnLst>
+                                </p:cTn>
+                              </p:par>
+                            </p:childTnLst>
+                          </p:cTn>
+                        </p:par>
+                      </p:childTnLst>
+                    </p:cTn>
+                  </p:par>
+                </p:childTnLst>
+              </p:cTn>
+              <p:prevCondLst>
+                <p:cond evt="onPrev" delay="0">
+                  <p:tgtEl>
+                    <p:sldTgt/>
+                  </p:tgtEl>
+                </p:cond>
+              </p:prevCondLst>
+              <p:nextCondLst>
+                <p:cond evt="onNext" delay="0">
+                  <p:tgtEl>
+                    <p:sldTgt/>
+                  </p:tgtEl>
+                </p:cond>
+              </p:nextCondLst>
+            </p:seq>
+          </p:childTnLst>
+        </p:cTn>
       </p:par>
     </p:tnLst>
+    <p:bldLst>
+      <p:bldP spid="4" grpId="0" uiExpand="1" build="p"/>
+    </p:bldLst>
   </p:timing>
 </p:sld>
 </file>
@@ -21526,6 +22055,488 @@
         </p:nvSpPr>
         <p:spPr/>
         <p:txBody>
+          <a:bodyPr>
+            <a:normAutofit/>
+          </a:bodyPr>
+          <a:lstStyle/>
+          <a:p>
+            <a:r>
+              <a:rPr lang="de-CH" sz="3200" dirty="0" smtClean="0"/>
+              <a:t>Warum eine statistische Programmiersprache?</a:t>
+            </a:r>
+            <a:endParaRPr lang="de-CH" sz="3200" dirty="0"/>
+          </a:p>
+        </p:txBody>
+      </p:sp>
+      <p:sp>
+        <p:nvSpPr>
+          <p:cNvPr id="4" name="Content Placeholder 3"/>
+          <p:cNvSpPr>
+            <a:spLocks noGrp="1"/>
+          </p:cNvSpPr>
+          <p:nvPr>
+            <p:ph idx="1"/>
+          </p:nvPr>
+        </p:nvSpPr>
+        <p:spPr/>
+        <p:txBody>
+          <a:bodyPr/>
+          <a:lstStyle/>
+          <a:p>
+            <a:pPr marL="0" indent="0" algn="ctr">
+              <a:buNone/>
+            </a:pPr>
+            <a:endParaRPr lang="de-CH" dirty="0" smtClean="0"/>
+          </a:p>
+          <a:p>
+            <a:pPr marL="0" indent="0" algn="ctr">
+              <a:buNone/>
+            </a:pPr>
+            <a:r>
+              <a:rPr lang="de-CH" sz="2000" dirty="0" smtClean="0"/>
+              <a:t>beschäftigen sich mit der gleichen Frage</a:t>
+            </a:r>
+            <a:endParaRPr lang="de-CH" sz="4000" dirty="0" smtClean="0"/>
+          </a:p>
+          <a:p>
+            <a:pPr marL="0" indent="0" algn="ctr">
+              <a:buNone/>
+            </a:pPr>
+            <a:r>
+              <a:rPr lang="de-CH" sz="4400" dirty="0" smtClean="0"/>
+              <a:t>Wie lernen wir von Daten?</a:t>
+            </a:r>
+            <a:endParaRPr lang="de-CH" sz="4400" dirty="0"/>
+          </a:p>
+        </p:txBody>
+      </p:sp>
+      <p:sp>
+        <p:nvSpPr>
+          <p:cNvPr id="3" name="TextBox 2"/>
+          <p:cNvSpPr txBox="1"/>
+          <p:nvPr/>
+        </p:nvSpPr>
+        <p:spPr>
+          <a:xfrm>
+            <a:off x="2916380" y="4821382"/>
+            <a:ext cx="6756978" cy="738664"/>
+          </a:xfrm>
+          <a:prstGeom prst="rect">
+            <a:avLst/>
+          </a:prstGeom>
+          <a:noFill/>
+        </p:spPr>
+        <p:txBody>
+          <a:bodyPr wrap="none" rtlCol="0">
+            <a:spAutoFit/>
+          </a:bodyPr>
+          <a:lstStyle/>
+          <a:p>
+            <a:r>
+              <a:rPr lang="de-CH" sz="2800" dirty="0" err="1" smtClean="0"/>
+              <a:t>Machine</a:t>
+            </a:r>
+            <a:r>
+              <a:rPr lang="de-CH" sz="2800" dirty="0" smtClean="0"/>
+              <a:t> Learning = </a:t>
+            </a:r>
+            <a:r>
+              <a:rPr lang="de-CH" sz="2800" dirty="0" err="1" smtClean="0"/>
+              <a:t>glorified</a:t>
+            </a:r>
+            <a:r>
+              <a:rPr lang="de-CH" sz="2800" dirty="0" smtClean="0"/>
+              <a:t> </a:t>
+            </a:r>
+            <a:r>
+              <a:rPr lang="de-CH" sz="2800" dirty="0" err="1" smtClean="0"/>
+              <a:t>statistics</a:t>
+            </a:r>
+            <a:r>
+              <a:rPr lang="de-CH" sz="2800" dirty="0" smtClean="0"/>
+              <a:t> </a:t>
+            </a:r>
+          </a:p>
+          <a:p>
+            <a:r>
+              <a:rPr lang="de-CH" sz="1400" dirty="0" smtClean="0"/>
+              <a:t>(</a:t>
+            </a:r>
+            <a:r>
+              <a:rPr lang="en-US" sz="1400" dirty="0" smtClean="0"/>
+              <a:t>R. </a:t>
+            </a:r>
+            <a:r>
+              <a:rPr lang="en-US" sz="1400" dirty="0" err="1"/>
+              <a:t>Tibshirani</a:t>
+            </a:r>
+            <a:r>
+              <a:rPr lang="en-US" sz="1400" dirty="0"/>
+              <a:t>, a statistician and machine learning expert at </a:t>
+            </a:r>
+            <a:r>
+              <a:rPr lang="en-US" sz="1400" dirty="0" smtClean="0"/>
+              <a:t>Stanford)</a:t>
+            </a:r>
+            <a:endParaRPr lang="de-CH" sz="1400" dirty="0"/>
+          </a:p>
+        </p:txBody>
+      </p:sp>
+    </p:spTree>
+    <p:extLst>
+      <p:ext uri="{BB962C8B-B14F-4D97-AF65-F5344CB8AC3E}">
+        <p14:creationId xmlns:p14="http://schemas.microsoft.com/office/powerpoint/2010/main" val="1658939079"/>
+      </p:ext>
+    </p:extLst>
+  </p:cSld>
+  <p:clrMapOvr>
+    <a:masterClrMapping/>
+  </p:clrMapOvr>
+  <p:timing>
+    <p:tnLst>
+      <p:par>
+        <p:cTn id="1" dur="indefinite" restart="never" nodeType="tmRoot">
+          <p:childTnLst>
+            <p:seq concurrent="1" nextAc="seek">
+              <p:cTn id="2" dur="indefinite" nodeType="mainSeq">
+                <p:childTnLst>
+                  <p:par>
+                    <p:cTn id="3" fill="hold">
+                      <p:stCondLst>
+                        <p:cond delay="indefinite"/>
+                      </p:stCondLst>
+                      <p:childTnLst>
+                        <p:par>
+                          <p:cTn id="4" fill="hold">
+                            <p:stCondLst>
+                              <p:cond delay="0"/>
+                            </p:stCondLst>
+                            <p:childTnLst>
+                              <p:par>
+                                <p:cTn id="5" presetID="10" presetClass="entr" presetSubtype="0" fill="hold" grpId="0" nodeType="clickEffect">
+                                  <p:stCondLst>
+                                    <p:cond delay="0"/>
+                                  </p:stCondLst>
+                                  <p:childTnLst>
+                                    <p:set>
+                                      <p:cBhvr>
+                                        <p:cTn id="6" dur="1" fill="hold">
+                                          <p:stCondLst>
+                                            <p:cond delay="0"/>
+                                          </p:stCondLst>
+                                        </p:cTn>
+                                        <p:tgtEl>
+                                          <p:spTgt spid="4">
+                                            <p:txEl>
+                                              <p:pRg st="1" end="1"/>
+                                            </p:txEl>
+                                          </p:spTgt>
+                                        </p:tgtEl>
+                                        <p:attrNameLst>
+                                          <p:attrName>style.visibility</p:attrName>
+                                        </p:attrNameLst>
+                                      </p:cBhvr>
+                                      <p:to>
+                                        <p:strVal val="visible"/>
+                                      </p:to>
+                                    </p:set>
+                                    <p:animEffect transition="in" filter="fade">
+                                      <p:cBhvr>
+                                        <p:cTn id="7" dur="500"/>
+                                        <p:tgtEl>
+                                          <p:spTgt spid="4">
+                                            <p:txEl>
+                                              <p:pRg st="1" end="1"/>
+                                            </p:txEl>
+                                          </p:spTgt>
+                                        </p:tgtEl>
+                                      </p:cBhvr>
+                                    </p:animEffect>
+                                  </p:childTnLst>
+                                </p:cTn>
+                              </p:par>
+                            </p:childTnLst>
+                          </p:cTn>
+                        </p:par>
+                      </p:childTnLst>
+                    </p:cTn>
+                  </p:par>
+                  <p:par>
+                    <p:cTn id="8" fill="hold">
+                      <p:stCondLst>
+                        <p:cond delay="indefinite"/>
+                      </p:stCondLst>
+                      <p:childTnLst>
+                        <p:par>
+                          <p:cTn id="9" fill="hold">
+                            <p:stCondLst>
+                              <p:cond delay="0"/>
+                            </p:stCondLst>
+                            <p:childTnLst>
+                              <p:par>
+                                <p:cTn id="10" presetID="10" presetClass="entr" presetSubtype="0" fill="hold" grpId="0" nodeType="clickEffect">
+                                  <p:stCondLst>
+                                    <p:cond delay="0"/>
+                                  </p:stCondLst>
+                                  <p:childTnLst>
+                                    <p:set>
+                                      <p:cBhvr>
+                                        <p:cTn id="11" dur="1" fill="hold">
+                                          <p:stCondLst>
+                                            <p:cond delay="0"/>
+                                          </p:stCondLst>
+                                        </p:cTn>
+                                        <p:tgtEl>
+                                          <p:spTgt spid="4">
+                                            <p:txEl>
+                                              <p:pRg st="2" end="2"/>
+                                            </p:txEl>
+                                          </p:spTgt>
+                                        </p:tgtEl>
+                                        <p:attrNameLst>
+                                          <p:attrName>style.visibility</p:attrName>
+                                        </p:attrNameLst>
+                                      </p:cBhvr>
+                                      <p:to>
+                                        <p:strVal val="visible"/>
+                                      </p:to>
+                                    </p:set>
+                                    <p:animEffect transition="in" filter="fade">
+                                      <p:cBhvr>
+                                        <p:cTn id="12" dur="500"/>
+                                        <p:tgtEl>
+                                          <p:spTgt spid="4">
+                                            <p:txEl>
+                                              <p:pRg st="2" end="2"/>
+                                            </p:txEl>
+                                          </p:spTgt>
+                                        </p:tgtEl>
+                                      </p:cBhvr>
+                                    </p:animEffect>
+                                  </p:childTnLst>
+                                </p:cTn>
+                              </p:par>
+                            </p:childTnLst>
+                          </p:cTn>
+                        </p:par>
+                      </p:childTnLst>
+                    </p:cTn>
+                  </p:par>
+                  <p:par>
+                    <p:cTn id="13" fill="hold">
+                      <p:stCondLst>
+                        <p:cond delay="indefinite"/>
+                      </p:stCondLst>
+                      <p:childTnLst>
+                        <p:par>
+                          <p:cTn id="14" fill="hold">
+                            <p:stCondLst>
+                              <p:cond delay="0"/>
+                            </p:stCondLst>
+                            <p:childTnLst>
+                              <p:par>
+                                <p:cTn id="15" presetID="14" presetClass="entr" presetSubtype="10" fill="hold" grpId="0" nodeType="clickEffect">
+                                  <p:stCondLst>
+                                    <p:cond delay="0"/>
+                                  </p:stCondLst>
+                                  <p:childTnLst>
+                                    <p:set>
+                                      <p:cBhvr>
+                                        <p:cTn id="16" dur="1" fill="hold">
+                                          <p:stCondLst>
+                                            <p:cond delay="0"/>
+                                          </p:stCondLst>
+                                        </p:cTn>
+                                        <p:tgtEl>
+                                          <p:spTgt spid="3"/>
+                                        </p:tgtEl>
+                                        <p:attrNameLst>
+                                          <p:attrName>style.visibility</p:attrName>
+                                        </p:attrNameLst>
+                                      </p:cBhvr>
+                                      <p:to>
+                                        <p:strVal val="visible"/>
+                                      </p:to>
+                                    </p:set>
+                                    <p:animEffect transition="in" filter="randombar(horizontal)">
+                                      <p:cBhvr>
+                                        <p:cTn id="17" dur="500"/>
+                                        <p:tgtEl>
+                                          <p:spTgt spid="3"/>
+                                        </p:tgtEl>
+                                      </p:cBhvr>
+                                    </p:animEffect>
+                                  </p:childTnLst>
+                                </p:cTn>
+                              </p:par>
+                            </p:childTnLst>
+                          </p:cTn>
+                        </p:par>
+                      </p:childTnLst>
+                    </p:cTn>
+                  </p:par>
+                </p:childTnLst>
+              </p:cTn>
+              <p:prevCondLst>
+                <p:cond evt="onPrev" delay="0">
+                  <p:tgtEl>
+                    <p:sldTgt/>
+                  </p:tgtEl>
+                </p:cond>
+              </p:prevCondLst>
+              <p:nextCondLst>
+                <p:cond evt="onNext" delay="0">
+                  <p:tgtEl>
+                    <p:sldTgt/>
+                  </p:tgtEl>
+                </p:cond>
+              </p:nextCondLst>
+            </p:seq>
+          </p:childTnLst>
+        </p:cTn>
+      </p:par>
+    </p:tnLst>
+    <p:bldLst>
+      <p:bldP spid="4" grpId="0" build="p"/>
+      <p:bldP spid="3" grpId="0"/>
+    </p:bldLst>
+  </p:timing>
+</p:sld>
+</file>
+
+<file path=ppt/slides/slide23.xml><?xml version="1.0" encoding="utf-8"?>
+<p:sld xmlns:a="http://schemas.openxmlformats.org/drawingml/2006/main" xmlns:r="http://schemas.openxmlformats.org/officeDocument/2006/relationships" xmlns:p="http://schemas.openxmlformats.org/presentationml/2006/main">
+  <p:cSld>
+    <p:spTree>
+      <p:nvGrpSpPr>
+        <p:cNvPr id="1" name=""/>
+        <p:cNvGrpSpPr/>
+        <p:nvPr/>
+      </p:nvGrpSpPr>
+      <p:grpSpPr>
+        <a:xfrm>
+          <a:off x="0" y="0"/>
+          <a:ext cx="0" cy="0"/>
+          <a:chOff x="0" y="0"/>
+          <a:chExt cx="0" cy="0"/>
+        </a:xfrm>
+      </p:grpSpPr>
+      <p:sp>
+        <p:nvSpPr>
+          <p:cNvPr id="2" name="Title 1"/>
+          <p:cNvSpPr>
+            <a:spLocks noGrp="1"/>
+          </p:cNvSpPr>
+          <p:nvPr>
+            <p:ph type="title"/>
+          </p:nvPr>
+        </p:nvSpPr>
+        <p:spPr/>
+        <p:txBody>
+          <a:bodyPr/>
+          <a:lstStyle/>
+          <a:p>
+            <a:r>
+              <a:rPr lang="de-CH" dirty="0" smtClean="0"/>
+              <a:t>Visual Studio 2017</a:t>
+            </a:r>
+            <a:endParaRPr lang="de-CH" dirty="0"/>
+          </a:p>
+        </p:txBody>
+      </p:sp>
+      <p:sp>
+        <p:nvSpPr>
+          <p:cNvPr id="3" name="Content Placeholder 2"/>
+          <p:cNvSpPr>
+            <a:spLocks noGrp="1"/>
+          </p:cNvSpPr>
+          <p:nvPr>
+            <p:ph idx="1"/>
+          </p:nvPr>
+        </p:nvSpPr>
+        <p:spPr>
+          <a:xfrm>
+            <a:off x="3502152" y="3099879"/>
+            <a:ext cx="4773169" cy="1618425"/>
+          </a:xfrm>
+        </p:spPr>
+        <p:txBody>
+          <a:bodyPr>
+            <a:normAutofit/>
+          </a:bodyPr>
+          <a:lstStyle/>
+          <a:p>
+            <a:pPr marL="0" indent="0" algn="ctr">
+              <a:buNone/>
+            </a:pPr>
+            <a:r>
+              <a:rPr lang="de-CH" i="1" dirty="0" smtClean="0"/>
+              <a:t>Kurze Thema in bekanntem Kontex</a:t>
+            </a:r>
+          </a:p>
+          <a:p>
+            <a:pPr marL="0" indent="0" algn="ctr">
+              <a:buNone/>
+            </a:pPr>
+            <a:r>
+              <a:rPr lang="de-CH" sz="1300" i="1" dirty="0">
+                <a:hlinkClick r:id="rId3"/>
+              </a:rPr>
+              <a:t>https://github.com/huli/introduction-machine-learning/tree/master/visual-studio/HelloR</a:t>
+            </a:r>
+            <a:endParaRPr lang="de-CH" sz="1300" i="1" dirty="0"/>
+          </a:p>
+        </p:txBody>
+      </p:sp>
+    </p:spTree>
+    <p:extLst>
+      <p:ext uri="{BB962C8B-B14F-4D97-AF65-F5344CB8AC3E}">
+        <p14:creationId xmlns:p14="http://schemas.microsoft.com/office/powerpoint/2010/main" val="2304250550"/>
+      </p:ext>
+    </p:extLst>
+  </p:cSld>
+  <p:clrMapOvr>
+    <a:masterClrMapping/>
+  </p:clrMapOvr>
+  <p:timing>
+    <p:tnLst>
+      <p:par>
+        <p:cTn id="1" dur="indefinite" restart="never" nodeType="tmRoot"/>
+      </p:par>
+    </p:tnLst>
+  </p:timing>
+</p:sld>
+</file>
+
+<file path=ppt/slides/slide24.xml><?xml version="1.0" encoding="utf-8"?>
+<p:sld xmlns:a="http://schemas.openxmlformats.org/drawingml/2006/main" xmlns:r="http://schemas.openxmlformats.org/officeDocument/2006/relationships" xmlns:p="http://schemas.openxmlformats.org/presentationml/2006/main">
+  <p:cSld>
+    <p:spTree>
+      <p:nvGrpSpPr>
+        <p:cNvPr id="1" name=""/>
+        <p:cNvGrpSpPr/>
+        <p:nvPr/>
+      </p:nvGrpSpPr>
+      <p:grpSpPr>
+        <a:xfrm>
+          <a:off x="0" y="0"/>
+          <a:ext cx="0" cy="0"/>
+          <a:chOff x="0" y="0"/>
+          <a:chExt cx="0" cy="0"/>
+        </a:xfrm>
+      </p:grpSpPr>
+      <p:sp>
+        <p:nvSpPr>
+          <p:cNvPr id="2" name="Title 1"/>
+          <p:cNvSpPr>
+            <a:spLocks noGrp="1"/>
+          </p:cNvSpPr>
+          <p:nvPr>
+            <p:ph type="title"/>
+          </p:nvPr>
+        </p:nvSpPr>
+        <p:spPr/>
+        <p:txBody>
           <a:bodyPr/>
           <a:lstStyle/>
           <a:p>
@@ -21552,6 +22563,10 @@
           <a:bodyPr/>
           <a:lstStyle/>
           <a:p>
+            <a:r>
+              <a:rPr lang="de-CH" dirty="0" smtClean="0"/>
+              <a:t>Die drei Hauptzweige von maschinellem Lernen und deren Anwendung</a:t>
+            </a:r>
             <a:endParaRPr lang="de-CH" dirty="0"/>
           </a:p>
         </p:txBody>
@@ -21576,7 +22591,7 @@
 </p:sld>
 </file>
 
-<file path=ppt/slides/slide23.xml><?xml version="1.0" encoding="utf-8"?>
+<file path=ppt/slides/slide25.xml><?xml version="1.0" encoding="utf-8"?>
 <p:sld xmlns:a="http://schemas.openxmlformats.org/drawingml/2006/main" xmlns:r="http://schemas.openxmlformats.org/officeDocument/2006/relationships" xmlns:p="http://schemas.openxmlformats.org/presentationml/2006/main">
   <p:cSld>
     <p:spTree>
@@ -21916,7 +22931,7 @@
 </p:sld>
 </file>
 
-<file path=ppt/slides/slide24.xml><?xml version="1.0" encoding="utf-8"?>
+<file path=ppt/slides/slide26.xml><?xml version="1.0" encoding="utf-8"?>
 <p:sld xmlns:a="http://schemas.openxmlformats.org/drawingml/2006/main" xmlns:r="http://schemas.openxmlformats.org/officeDocument/2006/relationships" xmlns:p="http://schemas.openxmlformats.org/presentationml/2006/main">
   <p:cSld>
     <p:spTree>
@@ -22138,198 +23153,6 @@
 </p:sld>
 </file>
 
-<file path=ppt/slides/slide25.xml><?xml version="1.0" encoding="utf-8"?>
-<p:sld xmlns:a="http://schemas.openxmlformats.org/drawingml/2006/main" xmlns:r="http://schemas.openxmlformats.org/officeDocument/2006/relationships" xmlns:p="http://schemas.openxmlformats.org/presentationml/2006/main">
-  <p:cSld>
-    <p:spTree>
-      <p:nvGrpSpPr>
-        <p:cNvPr id="1" name=""/>
-        <p:cNvGrpSpPr/>
-        <p:nvPr/>
-      </p:nvGrpSpPr>
-      <p:grpSpPr>
-        <a:xfrm>
-          <a:off x="0" y="0"/>
-          <a:ext cx="0" cy="0"/>
-          <a:chOff x="0" y="0"/>
-          <a:chExt cx="0" cy="0"/>
-        </a:xfrm>
-      </p:grpSpPr>
-      <p:sp>
-        <p:nvSpPr>
-          <p:cNvPr id="2" name="Title 1"/>
-          <p:cNvSpPr>
-            <a:spLocks noGrp="1"/>
-          </p:cNvSpPr>
-          <p:nvPr>
-            <p:ph type="title"/>
-          </p:nvPr>
-        </p:nvSpPr>
-        <p:spPr/>
-        <p:txBody>
-          <a:bodyPr/>
-          <a:lstStyle/>
-          <a:p>
-            <a:r>
-              <a:rPr lang="de-CH" dirty="0" smtClean="0"/>
-              <a:t>Uns</a:t>
-            </a:r>
-            <a:r>
-              <a:rPr lang="de-CH" dirty="0" smtClean="0"/>
-              <a:t>upervised Learning</a:t>
-            </a:r>
-            <a:endParaRPr lang="de-CH" dirty="0"/>
-          </a:p>
-        </p:txBody>
-      </p:sp>
-      <p:sp>
-        <p:nvSpPr>
-          <p:cNvPr id="3" name="Content Placeholder 2"/>
-          <p:cNvSpPr>
-            <a:spLocks noGrp="1"/>
-          </p:cNvSpPr>
-          <p:nvPr>
-            <p:ph idx="1"/>
-          </p:nvPr>
-        </p:nvSpPr>
-        <p:spPr/>
-        <p:txBody>
-          <a:bodyPr>
-            <a:normAutofit/>
-          </a:bodyPr>
-          <a:lstStyle/>
-          <a:p>
-            <a:pPr marL="457200" indent="-457200">
-              <a:buFont typeface="+mj-lt"/>
-              <a:buAutoNum type="arabicPeriod"/>
-            </a:pPr>
-            <a:r>
-              <a:rPr lang="de-CH" dirty="0" smtClean="0"/>
-              <a:t>Keine geordneten (labeled) Daten</a:t>
-            </a:r>
-          </a:p>
-          <a:p>
-            <a:pPr marL="457200" indent="-457200">
-              <a:buFont typeface="+mj-lt"/>
-              <a:buAutoNum type="arabicPeriod"/>
-            </a:pPr>
-            <a:r>
-              <a:rPr lang="de-CH" dirty="0" smtClean="0"/>
-              <a:t>Schlüsse werden gezogen</a:t>
-            </a:r>
-          </a:p>
-          <a:p>
-            <a:pPr marL="457200" indent="-457200">
-              <a:buFont typeface="+mj-lt"/>
-              <a:buAutoNum type="arabicPeriod"/>
-            </a:pPr>
-            <a:r>
-              <a:rPr lang="de-CH" dirty="0" smtClean="0"/>
-              <a:t>Neue Strukturen/Muster werden erkannt </a:t>
-            </a:r>
-            <a:endParaRPr lang="de-CH" dirty="0"/>
-          </a:p>
-        </p:txBody>
-      </p:sp>
-    </p:spTree>
-    <p:extLst>
-      <p:ext uri="{BB962C8B-B14F-4D97-AF65-F5344CB8AC3E}">
-        <p14:creationId xmlns:p14="http://schemas.microsoft.com/office/powerpoint/2010/main" val="1554952212"/>
-      </p:ext>
-    </p:extLst>
-  </p:cSld>
-  <p:clrMapOvr>
-    <a:masterClrMapping/>
-  </p:clrMapOvr>
-  <p:timing>
-    <p:tnLst>
-      <p:par>
-        <p:cTn id="1" dur="indefinite" restart="never" nodeType="tmRoot"/>
-      </p:par>
-    </p:tnLst>
-  </p:timing>
-</p:sld>
-</file>
-
-<file path=ppt/slides/slide26.xml><?xml version="1.0" encoding="utf-8"?>
-<p:sld xmlns:a="http://schemas.openxmlformats.org/drawingml/2006/main" xmlns:r="http://schemas.openxmlformats.org/officeDocument/2006/relationships" xmlns:p="http://schemas.openxmlformats.org/presentationml/2006/main">
-  <p:cSld>
-    <p:spTree>
-      <p:nvGrpSpPr>
-        <p:cNvPr id="1" name=""/>
-        <p:cNvGrpSpPr/>
-        <p:nvPr/>
-      </p:nvGrpSpPr>
-      <p:grpSpPr>
-        <a:xfrm>
-          <a:off x="0" y="0"/>
-          <a:ext cx="0" cy="0"/>
-          <a:chOff x="0" y="0"/>
-          <a:chExt cx="0" cy="0"/>
-        </a:xfrm>
-      </p:grpSpPr>
-      <p:sp>
-        <p:nvSpPr>
-          <p:cNvPr id="2" name="Title 1"/>
-          <p:cNvSpPr>
-            <a:spLocks noGrp="1"/>
-          </p:cNvSpPr>
-          <p:nvPr>
-            <p:ph type="title"/>
-          </p:nvPr>
-        </p:nvSpPr>
-        <p:spPr/>
-        <p:txBody>
-          <a:bodyPr/>
-          <a:lstStyle/>
-          <a:p>
-            <a:r>
-              <a:rPr lang="de-CH" dirty="0" smtClean="0"/>
-              <a:t>Machine Learning by Example</a:t>
-            </a:r>
-            <a:endParaRPr lang="de-CH" dirty="0"/>
-          </a:p>
-        </p:txBody>
-      </p:sp>
-      <p:sp>
-        <p:nvSpPr>
-          <p:cNvPr id="4" name="Text Placeholder 3"/>
-          <p:cNvSpPr>
-            <a:spLocks noGrp="1"/>
-          </p:cNvSpPr>
-          <p:nvPr>
-            <p:ph type="body" idx="1"/>
-          </p:nvPr>
-        </p:nvSpPr>
-        <p:spPr/>
-        <p:txBody>
-          <a:bodyPr/>
-          <a:lstStyle/>
-          <a:p>
-            <a:endParaRPr lang="de-CH" dirty="0"/>
-          </a:p>
-        </p:txBody>
-      </p:sp>
-    </p:spTree>
-    <p:extLst>
-      <p:ext uri="{BB962C8B-B14F-4D97-AF65-F5344CB8AC3E}">
-        <p14:creationId xmlns:p14="http://schemas.microsoft.com/office/powerpoint/2010/main" val="3233697467"/>
-      </p:ext>
-    </p:extLst>
-  </p:cSld>
-  <p:clrMapOvr>
-    <a:masterClrMapping/>
-  </p:clrMapOvr>
-  <p:timing>
-    <p:tnLst>
-      <p:par>
-        <p:cTn id="1" dur="indefinite" restart="never" nodeType="tmRoot"/>
-      </p:par>
-    </p:tnLst>
-  </p:timing>
-</p:sld>
-</file>
-
 <file path=ppt/slides/slide27.xml><?xml version="1.0" encoding="utf-8"?>
 <p:sld xmlns:a="http://schemas.openxmlformats.org/drawingml/2006/main" xmlns:r="http://schemas.openxmlformats.org/officeDocument/2006/relationships" xmlns:p="http://schemas.openxmlformats.org/presentationml/2006/main">
   <p:cSld>
@@ -22364,7 +23187,7 @@
           <a:p>
             <a:r>
               <a:rPr lang="de-CH" dirty="0" smtClean="0"/>
-              <a:t>Machine Learning with RStudio</a:t>
+              <a:t>Unsupervised Learning</a:t>
             </a:r>
             <a:endParaRPr lang="de-CH" dirty="0"/>
           </a:p>
@@ -22380,44 +23203,49 @@
             <p:ph idx="1"/>
           </p:nvPr>
         </p:nvSpPr>
-        <p:spPr>
-          <a:xfrm>
-            <a:off x="3502152" y="3099879"/>
-            <a:ext cx="4773169" cy="1618425"/>
-          </a:xfrm>
-        </p:spPr>
+        <p:spPr/>
         <p:txBody>
           <a:bodyPr>
             <a:normAutofit/>
           </a:bodyPr>
           <a:lstStyle/>
           <a:p>
-            <a:pPr marL="0" indent="0" algn="ctr">
-              <a:buNone/>
+            <a:pPr marL="457200" indent="-457200">
+              <a:buFont typeface="+mj-lt"/>
+              <a:buAutoNum type="arabicPeriod"/>
             </a:pPr>
             <a:r>
-              <a:rPr lang="de-CH" i="1" dirty="0" smtClean="0"/>
-              <a:t>Walkthrough</a:t>
-            </a:r>
-          </a:p>
-          <a:p>
-            <a:pPr marL="0" indent="0" algn="ctr">
-              <a:buNone/>
+              <a:rPr lang="de-CH" dirty="0" smtClean="0"/>
+              <a:t>Keine geordneten (labeled) Daten</a:t>
+            </a:r>
+          </a:p>
+          <a:p>
+            <a:pPr marL="457200" indent="-457200">
+              <a:buFont typeface="+mj-lt"/>
+              <a:buAutoNum type="arabicPeriod"/>
             </a:pPr>
             <a:r>
-              <a:rPr lang="de-CH" sz="1300" i="1" dirty="0">
-                <a:hlinkClick r:id="rId3"/>
-              </a:rPr>
-              <a:t>https://github.com/huli/introduction-machine-learning/blob/master/walkthrough.R</a:t>
-            </a:r>
-            <a:endParaRPr lang="de-CH" sz="1300" i="1" dirty="0"/>
+              <a:rPr lang="de-CH" dirty="0" smtClean="0"/>
+              <a:t>Schlüsse werden gezogen</a:t>
+            </a:r>
+          </a:p>
+          <a:p>
+            <a:pPr marL="457200" indent="-457200">
+              <a:buFont typeface="+mj-lt"/>
+              <a:buAutoNum type="arabicPeriod"/>
+            </a:pPr>
+            <a:r>
+              <a:rPr lang="de-CH" dirty="0" smtClean="0"/>
+              <a:t>Neue Strukturen/Muster werden erkannt </a:t>
+            </a:r>
+            <a:endParaRPr lang="de-CH" dirty="0"/>
           </a:p>
         </p:txBody>
       </p:sp>
     </p:spTree>
     <p:extLst>
       <p:ext uri="{BB962C8B-B14F-4D97-AF65-F5344CB8AC3E}">
-        <p14:creationId xmlns:p14="http://schemas.microsoft.com/office/powerpoint/2010/main" val="590116814"/>
+        <p14:creationId xmlns:p14="http://schemas.microsoft.com/office/powerpoint/2010/main" val="1554952212"/>
       </p:ext>
     </p:extLst>
   </p:cSld>
@@ -22468,7 +23296,7 @@
           <a:p>
             <a:r>
               <a:rPr lang="de-CH" dirty="0" smtClean="0"/>
-              <a:t>Die 5 Fragen die ML beanworten kann </a:t>
+              <a:t>Machine Learning by Example</a:t>
             </a:r>
             <a:endParaRPr lang="de-CH" dirty="0"/>
           </a:p>
@@ -22489,6 +23317,284 @@
           <a:bodyPr/>
           <a:lstStyle/>
           <a:p>
+            <a:r>
+              <a:rPr lang="de-CH" dirty="0" err="1" smtClean="0"/>
+              <a:t>Walkthrough</a:t>
+            </a:r>
+            <a:r>
+              <a:rPr lang="de-CH" dirty="0" smtClean="0"/>
+              <a:t> durch ein praktisches Beispiel an einem konkreten Datensatz</a:t>
+            </a:r>
+            <a:endParaRPr lang="de-CH" dirty="0"/>
+          </a:p>
+        </p:txBody>
+      </p:sp>
+    </p:spTree>
+    <p:extLst>
+      <p:ext uri="{BB962C8B-B14F-4D97-AF65-F5344CB8AC3E}">
+        <p14:creationId xmlns:p14="http://schemas.microsoft.com/office/powerpoint/2010/main" val="3233697467"/>
+      </p:ext>
+    </p:extLst>
+  </p:cSld>
+  <p:clrMapOvr>
+    <a:masterClrMapping/>
+  </p:clrMapOvr>
+  <p:timing>
+    <p:tnLst>
+      <p:par>
+        <p:cTn id="1" dur="indefinite" restart="never" nodeType="tmRoot"/>
+      </p:par>
+    </p:tnLst>
+  </p:timing>
+</p:sld>
+</file>
+
+<file path=ppt/slides/slide29.xml><?xml version="1.0" encoding="utf-8"?>
+<p:sld xmlns:a="http://schemas.openxmlformats.org/drawingml/2006/main" xmlns:r="http://schemas.openxmlformats.org/officeDocument/2006/relationships" xmlns:p="http://schemas.openxmlformats.org/presentationml/2006/main">
+  <p:cSld>
+    <p:spTree>
+      <p:nvGrpSpPr>
+        <p:cNvPr id="1" name=""/>
+        <p:cNvGrpSpPr/>
+        <p:nvPr/>
+      </p:nvGrpSpPr>
+      <p:grpSpPr>
+        <a:xfrm>
+          <a:off x="0" y="0"/>
+          <a:ext cx="0" cy="0"/>
+          <a:chOff x="0" y="0"/>
+          <a:chExt cx="0" cy="0"/>
+        </a:xfrm>
+      </p:grpSpPr>
+      <p:sp>
+        <p:nvSpPr>
+          <p:cNvPr id="2" name="Title 1"/>
+          <p:cNvSpPr>
+            <a:spLocks noGrp="1"/>
+          </p:cNvSpPr>
+          <p:nvPr>
+            <p:ph type="title"/>
+          </p:nvPr>
+        </p:nvSpPr>
+        <p:spPr/>
+        <p:txBody>
+          <a:bodyPr/>
+          <a:lstStyle/>
+          <a:p>
+            <a:r>
+              <a:rPr lang="de-CH" dirty="0" smtClean="0"/>
+              <a:t>Machine Learning with RStudio</a:t>
+            </a:r>
+            <a:endParaRPr lang="de-CH" dirty="0"/>
+          </a:p>
+        </p:txBody>
+      </p:sp>
+      <p:sp>
+        <p:nvSpPr>
+          <p:cNvPr id="3" name="Content Placeholder 2"/>
+          <p:cNvSpPr>
+            <a:spLocks noGrp="1"/>
+          </p:cNvSpPr>
+          <p:nvPr>
+            <p:ph idx="1"/>
+          </p:nvPr>
+        </p:nvSpPr>
+        <p:spPr>
+          <a:xfrm>
+            <a:off x="3502152" y="3099879"/>
+            <a:ext cx="4773169" cy="1618425"/>
+          </a:xfrm>
+        </p:spPr>
+        <p:txBody>
+          <a:bodyPr>
+            <a:normAutofit/>
+          </a:bodyPr>
+          <a:lstStyle/>
+          <a:p>
+            <a:pPr marL="0" indent="0" algn="ctr">
+              <a:buNone/>
+            </a:pPr>
+            <a:r>
+              <a:rPr lang="de-CH" i="1" dirty="0" smtClean="0"/>
+              <a:t>Walkthrough</a:t>
+            </a:r>
+          </a:p>
+          <a:p>
+            <a:pPr marL="0" indent="0" algn="ctr">
+              <a:buNone/>
+            </a:pPr>
+            <a:r>
+              <a:rPr lang="de-CH" sz="1300" i="1" dirty="0">
+                <a:hlinkClick r:id="rId3"/>
+              </a:rPr>
+              <a:t>https://github.com/huli/introduction-machine-learning/blob/master/walkthrough.R</a:t>
+            </a:r>
+            <a:endParaRPr lang="de-CH" sz="1300" i="1" dirty="0"/>
+          </a:p>
+        </p:txBody>
+      </p:sp>
+    </p:spTree>
+    <p:extLst>
+      <p:ext uri="{BB962C8B-B14F-4D97-AF65-F5344CB8AC3E}">
+        <p14:creationId xmlns:p14="http://schemas.microsoft.com/office/powerpoint/2010/main" val="590116814"/>
+      </p:ext>
+    </p:extLst>
+  </p:cSld>
+  <p:clrMapOvr>
+    <a:masterClrMapping/>
+  </p:clrMapOvr>
+  <p:timing>
+    <p:tnLst>
+      <p:par>
+        <p:cTn id="1" dur="indefinite" restart="never" nodeType="tmRoot"/>
+      </p:par>
+    </p:tnLst>
+  </p:timing>
+</p:sld>
+</file>
+
+<file path=ppt/slides/slide3.xml><?xml version="1.0" encoding="utf-8"?>
+<p:sld xmlns:a="http://schemas.openxmlformats.org/drawingml/2006/main" xmlns:r="http://schemas.openxmlformats.org/officeDocument/2006/relationships" xmlns:p="http://schemas.openxmlformats.org/presentationml/2006/main">
+  <p:cSld>
+    <p:spTree>
+      <p:nvGrpSpPr>
+        <p:cNvPr id="1" name=""/>
+        <p:cNvGrpSpPr/>
+        <p:nvPr/>
+      </p:nvGrpSpPr>
+      <p:grpSpPr>
+        <a:xfrm>
+          <a:off x="0" y="0"/>
+          <a:ext cx="0" cy="0"/>
+          <a:chOff x="0" y="0"/>
+          <a:chExt cx="0" cy="0"/>
+        </a:xfrm>
+      </p:grpSpPr>
+      <p:sp>
+        <p:nvSpPr>
+          <p:cNvPr id="2" name="Title 1"/>
+          <p:cNvSpPr>
+            <a:spLocks noGrp="1"/>
+          </p:cNvSpPr>
+          <p:nvPr>
+            <p:ph type="title"/>
+          </p:nvPr>
+        </p:nvSpPr>
+        <p:spPr/>
+        <p:txBody>
+          <a:bodyPr/>
+          <a:lstStyle/>
+          <a:p>
+            <a:r>
+              <a:rPr lang="de-CH" dirty="0" smtClean="0"/>
+              <a:t>Was ist maschinelles Lernen?</a:t>
+            </a:r>
+            <a:endParaRPr lang="de-CH" dirty="0"/>
+          </a:p>
+        </p:txBody>
+      </p:sp>
+      <p:sp>
+        <p:nvSpPr>
+          <p:cNvPr id="4" name="Text Placeholder 3"/>
+          <p:cNvSpPr>
+            <a:spLocks noGrp="1"/>
+          </p:cNvSpPr>
+          <p:nvPr>
+            <p:ph type="body" idx="1"/>
+          </p:nvPr>
+        </p:nvSpPr>
+        <p:spPr/>
+        <p:txBody>
+          <a:bodyPr/>
+          <a:lstStyle/>
+          <a:p>
+            <a:r>
+              <a:rPr lang="de-CH" dirty="0" smtClean="0"/>
+              <a:t>Begriffliche Aufräumaktion und die Fragen die ML beantworten kann</a:t>
+            </a:r>
+            <a:endParaRPr lang="de-CH" dirty="0"/>
+          </a:p>
+        </p:txBody>
+      </p:sp>
+    </p:spTree>
+    <p:extLst>
+      <p:ext uri="{BB962C8B-B14F-4D97-AF65-F5344CB8AC3E}">
+        <p14:creationId xmlns:p14="http://schemas.microsoft.com/office/powerpoint/2010/main" val="3194009361"/>
+      </p:ext>
+    </p:extLst>
+  </p:cSld>
+  <p:clrMapOvr>
+    <a:masterClrMapping/>
+  </p:clrMapOvr>
+  <p:timing>
+    <p:tnLst>
+      <p:par>
+        <p:cTn id="1" dur="indefinite" restart="never" nodeType="tmRoot"/>
+      </p:par>
+    </p:tnLst>
+  </p:timing>
+</p:sld>
+</file>
+
+<file path=ppt/slides/slide30.xml><?xml version="1.0" encoding="utf-8"?>
+<p:sld xmlns:a="http://schemas.openxmlformats.org/drawingml/2006/main" xmlns:r="http://schemas.openxmlformats.org/officeDocument/2006/relationships" xmlns:p="http://schemas.openxmlformats.org/presentationml/2006/main">
+  <p:cSld>
+    <p:spTree>
+      <p:nvGrpSpPr>
+        <p:cNvPr id="1" name=""/>
+        <p:cNvGrpSpPr/>
+        <p:nvPr/>
+      </p:nvGrpSpPr>
+      <p:grpSpPr>
+        <a:xfrm>
+          <a:off x="0" y="0"/>
+          <a:ext cx="0" cy="0"/>
+          <a:chOff x="0" y="0"/>
+          <a:chExt cx="0" cy="0"/>
+        </a:xfrm>
+      </p:grpSpPr>
+      <p:sp>
+        <p:nvSpPr>
+          <p:cNvPr id="2" name="Title 1"/>
+          <p:cNvSpPr>
+            <a:spLocks noGrp="1"/>
+          </p:cNvSpPr>
+          <p:nvPr>
+            <p:ph type="title"/>
+          </p:nvPr>
+        </p:nvSpPr>
+        <p:spPr/>
+        <p:txBody>
+          <a:bodyPr/>
+          <a:lstStyle/>
+          <a:p>
+            <a:r>
+              <a:rPr lang="de-CH" dirty="0" smtClean="0"/>
+              <a:t>Die 5 Fragen die ML beanworten kann </a:t>
+            </a:r>
+            <a:endParaRPr lang="de-CH" dirty="0"/>
+          </a:p>
+        </p:txBody>
+      </p:sp>
+      <p:sp>
+        <p:nvSpPr>
+          <p:cNvPr id="4" name="Text Placeholder 3"/>
+          <p:cNvSpPr>
+            <a:spLocks noGrp="1"/>
+          </p:cNvSpPr>
+          <p:nvPr>
+            <p:ph type="body" idx="1"/>
+          </p:nvPr>
+        </p:nvSpPr>
+        <p:spPr/>
+        <p:txBody>
+          <a:bodyPr/>
+          <a:lstStyle/>
+          <a:p>
+            <a:r>
+              <a:rPr lang="de-CH" dirty="0" smtClean="0"/>
+              <a:t>Repetition und Verbindung der Praxis mit den Fragen von maschinellem Lernen</a:t>
+            </a:r>
             <a:endParaRPr lang="de-CH" dirty="0"/>
           </a:p>
         </p:txBody>
@@ -22513,7 +23619,7 @@
 </p:sld>
 </file>
 
-<file path=ppt/slides/slide29.xml><?xml version="1.0" encoding="utf-8"?>
+<file path=ppt/slides/slide31.xml><?xml version="1.0" encoding="utf-8"?>
 <p:sld xmlns:a="http://schemas.openxmlformats.org/drawingml/2006/main" xmlns:r="http://schemas.openxmlformats.org/officeDocument/2006/relationships" xmlns:p="http://schemas.openxmlformats.org/presentationml/2006/main" show="0">
   <p:cSld>
     <p:spTree>
@@ -22654,85 +23760,6 @@
 </p:sld>
 </file>
 
-<file path=ppt/slides/slide3.xml><?xml version="1.0" encoding="utf-8"?>
-<p:sld xmlns:a="http://schemas.openxmlformats.org/drawingml/2006/main" xmlns:r="http://schemas.openxmlformats.org/officeDocument/2006/relationships" xmlns:p="http://schemas.openxmlformats.org/presentationml/2006/main">
-  <p:cSld>
-    <p:spTree>
-      <p:nvGrpSpPr>
-        <p:cNvPr id="1" name=""/>
-        <p:cNvGrpSpPr/>
-        <p:nvPr/>
-      </p:nvGrpSpPr>
-      <p:grpSpPr>
-        <a:xfrm>
-          <a:off x="0" y="0"/>
-          <a:ext cx="0" cy="0"/>
-          <a:chOff x="0" y="0"/>
-          <a:chExt cx="0" cy="0"/>
-        </a:xfrm>
-      </p:grpSpPr>
-      <p:sp>
-        <p:nvSpPr>
-          <p:cNvPr id="2" name="Title 1"/>
-          <p:cNvSpPr>
-            <a:spLocks noGrp="1"/>
-          </p:cNvSpPr>
-          <p:nvPr>
-            <p:ph type="title"/>
-          </p:nvPr>
-        </p:nvSpPr>
-        <p:spPr/>
-        <p:txBody>
-          <a:bodyPr/>
-          <a:lstStyle/>
-          <a:p>
-            <a:r>
-              <a:rPr lang="de-CH" dirty="0" smtClean="0"/>
-              <a:t>Was ist maschinelles Lernen?</a:t>
-            </a:r>
-            <a:endParaRPr lang="de-CH" dirty="0"/>
-          </a:p>
-        </p:txBody>
-      </p:sp>
-      <p:sp>
-        <p:nvSpPr>
-          <p:cNvPr id="4" name="Text Placeholder 3"/>
-          <p:cNvSpPr>
-            <a:spLocks noGrp="1"/>
-          </p:cNvSpPr>
-          <p:nvPr>
-            <p:ph type="body" idx="1"/>
-          </p:nvPr>
-        </p:nvSpPr>
-        <p:spPr/>
-        <p:txBody>
-          <a:bodyPr/>
-          <a:lstStyle/>
-          <a:p>
-            <a:endParaRPr lang="de-CH" dirty="0"/>
-          </a:p>
-        </p:txBody>
-      </p:sp>
-    </p:spTree>
-    <p:extLst>
-      <p:ext uri="{BB962C8B-B14F-4D97-AF65-F5344CB8AC3E}">
-        <p14:creationId xmlns:p14="http://schemas.microsoft.com/office/powerpoint/2010/main" val="3194009361"/>
-      </p:ext>
-    </p:extLst>
-  </p:cSld>
-  <p:clrMapOvr>
-    <a:masterClrMapping/>
-  </p:clrMapOvr>
-  <p:timing>
-    <p:tnLst>
-      <p:par>
-        <p:cTn id="1" dur="indefinite" restart="never" nodeType="tmRoot"/>
-      </p:par>
-    </p:tnLst>
-  </p:timing>
-</p:sld>
-</file>
-
 <file path=ppt/slides/slide4.xml><?xml version="1.0" encoding="utf-8"?>
 <p:sld xmlns:a="http://schemas.openxmlformats.org/drawingml/2006/main" xmlns:r="http://schemas.openxmlformats.org/officeDocument/2006/relationships" xmlns:p="http://schemas.openxmlformats.org/presentationml/2006/main">
   <p:cSld>
@@ -22766,8 +23793,16 @@
           <a:lstStyle/>
           <a:p>
             <a:r>
+              <a:rPr lang="de-CH" dirty="0" err="1" smtClean="0"/>
+              <a:t>Demystifying</a:t>
+            </a:r>
+            <a:r>
               <a:rPr lang="de-CH" dirty="0" smtClean="0"/>
-              <a:t>Buzzword cleanup</a:t>
+              <a:t> </a:t>
+            </a:r>
+            <a:r>
+              <a:rPr lang="de-CH" dirty="0" err="1" smtClean="0"/>
+              <a:t>Buzzwords</a:t>
             </a:r>
             <a:endParaRPr lang="de-CH" dirty="0"/>
           </a:p>
@@ -23099,8 +24134,16 @@
           <a:lstStyle/>
           <a:p>
             <a:r>
-              <a:rPr lang="de-CH" dirty="0" smtClean="0"/>
-              <a:t>Buzzword cleanup</a:t>
+              <a:rPr lang="de-CH" dirty="0" err="1"/>
+              <a:t>Demystifying</a:t>
+            </a:r>
+            <a:r>
+              <a:rPr lang="de-CH" dirty="0"/>
+              <a:t> </a:t>
+            </a:r>
+            <a:r>
+              <a:rPr lang="de-CH" dirty="0" err="1"/>
+              <a:t>Buzzwords</a:t>
             </a:r>
             <a:endParaRPr lang="de-CH" dirty="0"/>
           </a:p>
@@ -23872,8 +24915,16 @@
           <a:lstStyle/>
           <a:p>
             <a:r>
-              <a:rPr lang="de-CH" dirty="0" smtClean="0"/>
-              <a:t>Buzzword cleanup</a:t>
+              <a:rPr lang="de-CH" dirty="0" err="1"/>
+              <a:t>Demystifying</a:t>
+            </a:r>
+            <a:r>
+              <a:rPr lang="de-CH" dirty="0"/>
+              <a:t> </a:t>
+            </a:r>
+            <a:r>
+              <a:rPr lang="de-CH" dirty="0" err="1"/>
+              <a:t>Buzzwords</a:t>
             </a:r>
             <a:endParaRPr lang="de-CH" dirty="0"/>
           </a:p>
@@ -24452,8 +25503,16 @@
           <a:lstStyle/>
           <a:p>
             <a:r>
-              <a:rPr lang="de-CH" dirty="0" smtClean="0"/>
-              <a:t>Buzzword cleanup</a:t>
+              <a:rPr lang="de-CH" dirty="0" err="1"/>
+              <a:t>Demystifying</a:t>
+            </a:r>
+            <a:r>
+              <a:rPr lang="de-CH" dirty="0"/>
+              <a:t> </a:t>
+            </a:r>
+            <a:r>
+              <a:rPr lang="de-CH" dirty="0" err="1"/>
+              <a:t>Buzzwords</a:t>
             </a:r>
             <a:endParaRPr lang="de-CH" dirty="0"/>
           </a:p>
@@ -25188,8 +26247,16 @@
           <a:lstStyle/>
           <a:p>
             <a:r>
-              <a:rPr lang="de-CH" dirty="0" smtClean="0"/>
-              <a:t>Buzzword cleanup</a:t>
+              <a:rPr lang="de-CH" dirty="0" err="1"/>
+              <a:t>Demystifying</a:t>
+            </a:r>
+            <a:r>
+              <a:rPr lang="de-CH" dirty="0"/>
+              <a:t> </a:t>
+            </a:r>
+            <a:r>
+              <a:rPr lang="de-CH" dirty="0" err="1"/>
+              <a:t>Buzzwords</a:t>
             </a:r>
             <a:endParaRPr lang="de-CH" dirty="0"/>
           </a:p>
@@ -25751,8 +26818,16 @@
           <a:lstStyle/>
           <a:p>
             <a:r>
-              <a:rPr lang="de-CH" dirty="0" smtClean="0"/>
-              <a:t>Buzzword cleanup</a:t>
+              <a:rPr lang="de-CH" dirty="0" err="1"/>
+              <a:t>Demystifying</a:t>
+            </a:r>
+            <a:r>
+              <a:rPr lang="de-CH" dirty="0"/>
+              <a:t> </a:t>
+            </a:r>
+            <a:r>
+              <a:rPr lang="de-CH" dirty="0" err="1"/>
+              <a:t>Buzzwords</a:t>
             </a:r>
             <a:endParaRPr lang="de-CH" dirty="0"/>
           </a:p>

--- a/presentation.pptx
+++ b/presentation.pptx
@@ -3658,7 +3658,7 @@
           <a:noFill/>
           <a:extLst>
             <a:ext uri="{909E8E84-426E-40dd-AFC4-6F175D3DCCD1}">
-              <a14:hiddenFill xmlns="" xmlns:a14="http://schemas.microsoft.com/office/drawing/2010/main">
+              <a14:hiddenFill xmlns:a14="http://schemas.microsoft.com/office/drawing/2010/main" xmlns="">
                 <a:solidFill>
                   <a:srgbClr val="FFFFFF"/>
                 </a:solidFill>
@@ -3717,7 +3717,7 @@
             </a:ln>
             <a:extLst>
               <a:ext uri="{91240B29-F687-4f45-9708-019B960494DF}">
-                <a14:hiddenLine xmlns="" xmlns:a14="http://schemas.microsoft.com/office/drawing/2010/main" w="9525">
+                <a14:hiddenLine xmlns:a14="http://schemas.microsoft.com/office/drawing/2010/main" xmlns="" w="9525">
                   <a:solidFill>
                     <a:srgbClr val="000000"/>
                   </a:solidFill>
@@ -3807,7 +3807,7 @@
             </a:ln>
             <a:extLst>
               <a:ext uri="{91240B29-F687-4f45-9708-019B960494DF}">
-                <a14:hiddenLine xmlns="" xmlns:a14="http://schemas.microsoft.com/office/drawing/2010/main" w="9525">
+                <a14:hiddenLine xmlns:a14="http://schemas.microsoft.com/office/drawing/2010/main" xmlns="" w="9525">
                   <a:solidFill>
                     <a:srgbClr val="000000"/>
                   </a:solidFill>
@@ -3897,7 +3897,7 @@
             </a:ln>
             <a:extLst>
               <a:ext uri="{91240B29-F687-4f45-9708-019B960494DF}">
-                <a14:hiddenLine xmlns="" xmlns:a14="http://schemas.microsoft.com/office/drawing/2010/main" w="9525">
+                <a14:hiddenLine xmlns:a14="http://schemas.microsoft.com/office/drawing/2010/main" xmlns="" w="9525">
                   <a:solidFill>
                     <a:srgbClr val="000000"/>
                   </a:solidFill>
@@ -3931,7 +3931,7 @@
             </a:ln>
             <a:extLst>
               <a:ext uri="{91240B29-F687-4f45-9708-019B960494DF}">
-                <a14:hiddenLine xmlns="" xmlns:a14="http://schemas.microsoft.com/office/drawing/2010/main" w="9525">
+                <a14:hiddenLine xmlns:a14="http://schemas.microsoft.com/office/drawing/2010/main" xmlns="" w="9525">
                   <a:solidFill>
                     <a:srgbClr val="000000"/>
                   </a:solidFill>
@@ -4021,7 +4021,7 @@
             </a:ln>
             <a:extLst>
               <a:ext uri="{91240B29-F687-4f45-9708-019B960494DF}">
-                <a14:hiddenLine xmlns="" xmlns:a14="http://schemas.microsoft.com/office/drawing/2010/main" w="9525">
+                <a14:hiddenLine xmlns:a14="http://schemas.microsoft.com/office/drawing/2010/main" xmlns="" w="9525">
                   <a:solidFill>
                     <a:srgbClr val="000000"/>
                   </a:solidFill>
@@ -4083,7 +4083,7 @@
             </a:ln>
             <a:extLst>
               <a:ext uri="{91240B29-F687-4f45-9708-019B960494DF}">
-                <a14:hiddenLine xmlns="" xmlns:a14="http://schemas.microsoft.com/office/drawing/2010/main" w="9525">
+                <a14:hiddenLine xmlns:a14="http://schemas.microsoft.com/office/drawing/2010/main" xmlns="" w="9525">
                   <a:solidFill>
                     <a:srgbClr val="000000"/>
                   </a:solidFill>
@@ -4145,7 +4145,7 @@
             </a:ln>
             <a:extLst>
               <a:ext uri="{91240B29-F687-4f45-9708-019B960494DF}">
-                <a14:hiddenLine xmlns="" xmlns:a14="http://schemas.microsoft.com/office/drawing/2010/main" w="9525">
+                <a14:hiddenLine xmlns:a14="http://schemas.microsoft.com/office/drawing/2010/main" xmlns="" w="9525">
                   <a:solidFill>
                     <a:srgbClr val="000000"/>
                   </a:solidFill>
@@ -4235,7 +4235,7 @@
             </a:ln>
             <a:extLst>
               <a:ext uri="{91240B29-F687-4f45-9708-019B960494DF}">
-                <a14:hiddenLine xmlns="" xmlns:a14="http://schemas.microsoft.com/office/drawing/2010/main" w="9525">
+                <a14:hiddenLine xmlns:a14="http://schemas.microsoft.com/office/drawing/2010/main" xmlns="" w="9525">
                   <a:solidFill>
                     <a:srgbClr val="000000"/>
                   </a:solidFill>
@@ -4297,7 +4297,7 @@
             </a:ln>
             <a:extLst>
               <a:ext uri="{91240B29-F687-4f45-9708-019B960494DF}">
-                <a14:hiddenLine xmlns="" xmlns:a14="http://schemas.microsoft.com/office/drawing/2010/main" w="9525">
+                <a14:hiddenLine xmlns:a14="http://schemas.microsoft.com/office/drawing/2010/main" xmlns="" w="9525">
                   <a:solidFill>
                     <a:srgbClr val="000000"/>
                   </a:solidFill>
@@ -4359,7 +4359,7 @@
             </a:ln>
             <a:extLst>
               <a:ext uri="{91240B29-F687-4f45-9708-019B960494DF}">
-                <a14:hiddenLine xmlns="" xmlns:a14="http://schemas.microsoft.com/office/drawing/2010/main" w="9525">
+                <a14:hiddenLine xmlns:a14="http://schemas.microsoft.com/office/drawing/2010/main" xmlns="" w="9525">
                   <a:solidFill>
                     <a:srgbClr val="000000"/>
                   </a:solidFill>
@@ -4449,7 +4449,7 @@
             </a:ln>
             <a:extLst>
               <a:ext uri="{91240B29-F687-4f45-9708-019B960494DF}">
-                <a14:hiddenLine xmlns="" xmlns:a14="http://schemas.microsoft.com/office/drawing/2010/main" w="9525">
+                <a14:hiddenLine xmlns:a14="http://schemas.microsoft.com/office/drawing/2010/main" xmlns="" w="9525">
                   <a:solidFill>
                     <a:srgbClr val="000000"/>
                   </a:solidFill>
@@ -4539,7 +4539,7 @@
             </a:ln>
             <a:extLst>
               <a:ext uri="{91240B29-F687-4f45-9708-019B960494DF}">
-                <a14:hiddenLine xmlns="" xmlns:a14="http://schemas.microsoft.com/office/drawing/2010/main" w="9525">
+                <a14:hiddenLine xmlns:a14="http://schemas.microsoft.com/office/drawing/2010/main" xmlns="" w="9525">
                   <a:solidFill>
                     <a:srgbClr val="000000"/>
                   </a:solidFill>
@@ -4601,7 +4601,7 @@
             </a:ln>
             <a:extLst>
               <a:ext uri="{91240B29-F687-4f45-9708-019B960494DF}">
-                <a14:hiddenLine xmlns="" xmlns:a14="http://schemas.microsoft.com/office/drawing/2010/main" w="9525">
+                <a14:hiddenLine xmlns:a14="http://schemas.microsoft.com/office/drawing/2010/main" xmlns="" w="9525">
                   <a:solidFill>
                     <a:srgbClr val="000000"/>
                   </a:solidFill>
@@ -4711,7 +4711,7 @@
             </a:ln>
             <a:extLst>
               <a:ext uri="{91240B29-F687-4f45-9708-019B960494DF}">
-                <a14:hiddenLine xmlns="" xmlns:a14="http://schemas.microsoft.com/office/drawing/2010/main" w="9525">
+                <a14:hiddenLine xmlns:a14="http://schemas.microsoft.com/office/drawing/2010/main" xmlns="" w="9525">
                   <a:solidFill>
                     <a:srgbClr val="000000"/>
                   </a:solidFill>
@@ -4773,7 +4773,7 @@
             </a:ln>
             <a:extLst>
               <a:ext uri="{91240B29-F687-4f45-9708-019B960494DF}">
-                <a14:hiddenLine xmlns="" xmlns:a14="http://schemas.microsoft.com/office/drawing/2010/main" w="9525">
+                <a14:hiddenLine xmlns:a14="http://schemas.microsoft.com/office/drawing/2010/main" xmlns="" w="9525">
                   <a:solidFill>
                     <a:srgbClr val="000000"/>
                   </a:solidFill>
@@ -4863,7 +4863,7 @@
             </a:ln>
             <a:extLst>
               <a:ext uri="{91240B29-F687-4f45-9708-019B960494DF}">
-                <a14:hiddenLine xmlns="" xmlns:a14="http://schemas.microsoft.com/office/drawing/2010/main" w="9525">
+                <a14:hiddenLine xmlns:a14="http://schemas.microsoft.com/office/drawing/2010/main" xmlns="" w="9525">
                   <a:solidFill>
                     <a:srgbClr val="000000"/>
                   </a:solidFill>
@@ -4953,7 +4953,7 @@
             </a:ln>
             <a:extLst>
               <a:ext uri="{91240B29-F687-4f45-9708-019B960494DF}">
-                <a14:hiddenLine xmlns="" xmlns:a14="http://schemas.microsoft.com/office/drawing/2010/main" w="9525">
+                <a14:hiddenLine xmlns:a14="http://schemas.microsoft.com/office/drawing/2010/main" xmlns="" w="9525">
                   <a:solidFill>
                     <a:srgbClr val="000000"/>
                   </a:solidFill>
@@ -5015,7 +5015,7 @@
             </a:ln>
             <a:extLst>
               <a:ext uri="{91240B29-F687-4f45-9708-019B960494DF}">
-                <a14:hiddenLine xmlns="" xmlns:a14="http://schemas.microsoft.com/office/drawing/2010/main" w="9525">
+                <a14:hiddenLine xmlns:a14="http://schemas.microsoft.com/office/drawing/2010/main" xmlns="" w="9525">
                   <a:solidFill>
                     <a:srgbClr val="000000"/>
                   </a:solidFill>
@@ -5105,7 +5105,7 @@
             </a:ln>
             <a:extLst>
               <a:ext uri="{91240B29-F687-4f45-9708-019B960494DF}">
-                <a14:hiddenLine xmlns="" xmlns:a14="http://schemas.microsoft.com/office/drawing/2010/main" w="9525">
+                <a14:hiddenLine xmlns:a14="http://schemas.microsoft.com/office/drawing/2010/main" xmlns="" w="9525">
                   <a:solidFill>
                     <a:srgbClr val="000000"/>
                   </a:solidFill>
@@ -5195,7 +5195,7 @@
             </a:ln>
             <a:extLst>
               <a:ext uri="{91240B29-F687-4f45-9708-019B960494DF}">
-                <a14:hiddenLine xmlns="" xmlns:a14="http://schemas.microsoft.com/office/drawing/2010/main" w="9525">
+                <a14:hiddenLine xmlns:a14="http://schemas.microsoft.com/office/drawing/2010/main" xmlns="" w="9525">
                   <a:solidFill>
                     <a:srgbClr val="000000"/>
                   </a:solidFill>
@@ -5251,7 +5251,7 @@
             </a:ln>
             <a:extLst>
               <a:ext uri="{91240B29-F687-4f45-9708-019B960494DF}">
-                <a14:hiddenLine xmlns="" xmlns:a14="http://schemas.microsoft.com/office/drawing/2010/main" w="9525">
+                <a14:hiddenLine xmlns:a14="http://schemas.microsoft.com/office/drawing/2010/main" xmlns="" w="9525">
                   <a:solidFill>
                     <a:srgbClr val="000000"/>
                   </a:solidFill>
@@ -5341,7 +5341,7 @@
             </a:ln>
             <a:extLst>
               <a:ext uri="{91240B29-F687-4f45-9708-019B960494DF}">
-                <a14:hiddenLine xmlns="" xmlns:a14="http://schemas.microsoft.com/office/drawing/2010/main" w="9525">
+                <a14:hiddenLine xmlns:a14="http://schemas.microsoft.com/office/drawing/2010/main" xmlns="" w="9525">
                   <a:solidFill>
                     <a:srgbClr val="000000"/>
                   </a:solidFill>
@@ -5397,7 +5397,7 @@
             </a:ln>
             <a:extLst>
               <a:ext uri="{91240B29-F687-4f45-9708-019B960494DF}">
-                <a14:hiddenLine xmlns="" xmlns:a14="http://schemas.microsoft.com/office/drawing/2010/main" w="9525">
+                <a14:hiddenLine xmlns:a14="http://schemas.microsoft.com/office/drawing/2010/main" xmlns="" w="9525">
                   <a:solidFill>
                     <a:srgbClr val="000000"/>
                   </a:solidFill>
@@ -5487,7 +5487,7 @@
             </a:ln>
             <a:extLst>
               <a:ext uri="{91240B29-F687-4f45-9708-019B960494DF}">
-                <a14:hiddenLine xmlns="" xmlns:a14="http://schemas.microsoft.com/office/drawing/2010/main" w="9525">
+                <a14:hiddenLine xmlns:a14="http://schemas.microsoft.com/office/drawing/2010/main" xmlns="" w="9525">
                   <a:solidFill>
                     <a:srgbClr val="000000"/>
                   </a:solidFill>
@@ -5555,7 +5555,7 @@
             </a:ln>
             <a:extLst>
               <a:ext uri="{91240B29-F687-4f45-9708-019B960494DF}">
-                <a14:hiddenLine xmlns="" xmlns:a14="http://schemas.microsoft.com/office/drawing/2010/main" w="9525">
+                <a14:hiddenLine xmlns:a14="http://schemas.microsoft.com/office/drawing/2010/main" xmlns="" w="9525">
                   <a:solidFill>
                     <a:srgbClr val="000000"/>
                   </a:solidFill>
@@ -5645,7 +5645,7 @@
             </a:ln>
             <a:extLst>
               <a:ext uri="{91240B29-F687-4f45-9708-019B960494DF}">
-                <a14:hiddenLine xmlns="" xmlns:a14="http://schemas.microsoft.com/office/drawing/2010/main" w="9525">
+                <a14:hiddenLine xmlns:a14="http://schemas.microsoft.com/office/drawing/2010/main" xmlns="" w="9525">
                   <a:solidFill>
                     <a:srgbClr val="000000"/>
                   </a:solidFill>
@@ -5713,7 +5713,7 @@
             </a:ln>
             <a:extLst>
               <a:ext uri="{91240B29-F687-4f45-9708-019B960494DF}">
-                <a14:hiddenLine xmlns="" xmlns:a14="http://schemas.microsoft.com/office/drawing/2010/main" w="9525">
+                <a14:hiddenLine xmlns:a14="http://schemas.microsoft.com/office/drawing/2010/main" xmlns="" w="9525">
                   <a:solidFill>
                     <a:srgbClr val="000000"/>
                   </a:solidFill>
@@ -5803,7 +5803,7 @@
             </a:ln>
             <a:extLst>
               <a:ext uri="{91240B29-F687-4f45-9708-019B960494DF}">
-                <a14:hiddenLine xmlns="" xmlns:a14="http://schemas.microsoft.com/office/drawing/2010/main" w="9525">
+                <a14:hiddenLine xmlns:a14="http://schemas.microsoft.com/office/drawing/2010/main" xmlns="" w="9525">
                   <a:solidFill>
                     <a:srgbClr val="000000"/>
                   </a:solidFill>
@@ -5837,7 +5837,7 @@
             </a:ln>
             <a:extLst>
               <a:ext uri="{91240B29-F687-4f45-9708-019B960494DF}">
-                <a14:hiddenLine xmlns="" xmlns:a14="http://schemas.microsoft.com/office/drawing/2010/main" w="9525">
+                <a14:hiddenLine xmlns:a14="http://schemas.microsoft.com/office/drawing/2010/main" xmlns="" w="9525">
                   <a:solidFill>
                     <a:srgbClr val="000000"/>
                   </a:solidFill>
@@ -5927,7 +5927,7 @@
             </a:ln>
             <a:extLst>
               <a:ext uri="{91240B29-F687-4f45-9708-019B960494DF}">
-                <a14:hiddenLine xmlns="" xmlns:a14="http://schemas.microsoft.com/office/drawing/2010/main" w="9525">
+                <a14:hiddenLine xmlns:a14="http://schemas.microsoft.com/office/drawing/2010/main" xmlns="" w="9525">
                   <a:solidFill>
                     <a:srgbClr val="000000"/>
                   </a:solidFill>
@@ -5989,7 +5989,7 @@
             </a:ln>
             <a:extLst>
               <a:ext uri="{91240B29-F687-4f45-9708-019B960494DF}">
-                <a14:hiddenLine xmlns="" xmlns:a14="http://schemas.microsoft.com/office/drawing/2010/main" w="9525">
+                <a14:hiddenLine xmlns:a14="http://schemas.microsoft.com/office/drawing/2010/main" xmlns="" w="9525">
                   <a:solidFill>
                     <a:srgbClr val="000000"/>
                   </a:solidFill>
@@ -6051,7 +6051,7 @@
             </a:ln>
             <a:extLst>
               <a:ext uri="{91240B29-F687-4f45-9708-019B960494DF}">
-                <a14:hiddenLine xmlns="" xmlns:a14="http://schemas.microsoft.com/office/drawing/2010/main" w="9525">
+                <a14:hiddenLine xmlns:a14="http://schemas.microsoft.com/office/drawing/2010/main" xmlns="" w="9525">
                   <a:solidFill>
                     <a:srgbClr val="000000"/>
                   </a:solidFill>
@@ -6141,7 +6141,7 @@
             </a:ln>
             <a:extLst>
               <a:ext uri="{91240B29-F687-4f45-9708-019B960494DF}">
-                <a14:hiddenLine xmlns="" xmlns:a14="http://schemas.microsoft.com/office/drawing/2010/main" w="9525">
+                <a14:hiddenLine xmlns:a14="http://schemas.microsoft.com/office/drawing/2010/main" xmlns="" w="9525">
                   <a:solidFill>
                     <a:srgbClr val="000000"/>
                   </a:solidFill>
@@ -6209,7 +6209,7 @@
             </a:ln>
             <a:extLst>
               <a:ext uri="{91240B29-F687-4f45-9708-019B960494DF}">
-                <a14:hiddenLine xmlns="" xmlns:a14="http://schemas.microsoft.com/office/drawing/2010/main" w="9525">
+                <a14:hiddenLine xmlns:a14="http://schemas.microsoft.com/office/drawing/2010/main" xmlns="" w="9525">
                   <a:solidFill>
                     <a:srgbClr val="000000"/>
                   </a:solidFill>
@@ -6271,7 +6271,7 @@
             </a:ln>
             <a:extLst>
               <a:ext uri="{91240B29-F687-4f45-9708-019B960494DF}">
-                <a14:hiddenLine xmlns="" xmlns:a14="http://schemas.microsoft.com/office/drawing/2010/main" w="9525">
+                <a14:hiddenLine xmlns:a14="http://schemas.microsoft.com/office/drawing/2010/main" xmlns="" w="9525">
                   <a:solidFill>
                     <a:srgbClr val="000000"/>
                   </a:solidFill>
@@ -6361,7 +6361,7 @@
             </a:ln>
             <a:extLst>
               <a:ext uri="{91240B29-F687-4f45-9708-019B960494DF}">
-                <a14:hiddenLine xmlns="" xmlns:a14="http://schemas.microsoft.com/office/drawing/2010/main" w="9525">
+                <a14:hiddenLine xmlns:a14="http://schemas.microsoft.com/office/drawing/2010/main" xmlns="" w="9525">
                   <a:solidFill>
                     <a:srgbClr val="000000"/>
                   </a:solidFill>
@@ -6423,7 +6423,7 @@
             </a:ln>
             <a:extLst>
               <a:ext uri="{91240B29-F687-4f45-9708-019B960494DF}">
-                <a14:hiddenLine xmlns="" xmlns:a14="http://schemas.microsoft.com/office/drawing/2010/main" w="9525">
+                <a14:hiddenLine xmlns:a14="http://schemas.microsoft.com/office/drawing/2010/main" xmlns="" w="9525">
                   <a:solidFill>
                     <a:srgbClr val="000000"/>
                   </a:solidFill>
@@ -6513,7 +6513,7 @@
             </a:ln>
             <a:extLst>
               <a:ext uri="{91240B29-F687-4f45-9708-019B960494DF}">
-                <a14:hiddenLine xmlns="" xmlns:a14="http://schemas.microsoft.com/office/drawing/2010/main" w="9525">
+                <a14:hiddenLine xmlns:a14="http://schemas.microsoft.com/office/drawing/2010/main" xmlns="" w="9525">
                   <a:solidFill>
                     <a:srgbClr val="000000"/>
                   </a:solidFill>
@@ -6575,7 +6575,7 @@
             </a:ln>
             <a:extLst>
               <a:ext uri="{91240B29-F687-4f45-9708-019B960494DF}">
-                <a14:hiddenLine xmlns="" xmlns:a14="http://schemas.microsoft.com/office/drawing/2010/main" w="9525">
+                <a14:hiddenLine xmlns:a14="http://schemas.microsoft.com/office/drawing/2010/main" xmlns="" w="9525">
                   <a:solidFill>
                     <a:srgbClr val="000000"/>
                   </a:solidFill>
@@ -6665,7 +6665,7 @@
             </a:ln>
             <a:extLst>
               <a:ext uri="{91240B29-F687-4f45-9708-019B960494DF}">
-                <a14:hiddenLine xmlns="" xmlns:a14="http://schemas.microsoft.com/office/drawing/2010/main" w="9525">
+                <a14:hiddenLine xmlns:a14="http://schemas.microsoft.com/office/drawing/2010/main" xmlns="" w="9525">
                   <a:solidFill>
                     <a:srgbClr val="000000"/>
                   </a:solidFill>
@@ -6699,7 +6699,7 @@
             </a:ln>
             <a:extLst>
               <a:ext uri="{91240B29-F687-4f45-9708-019B960494DF}">
-                <a14:hiddenLine xmlns="" xmlns:a14="http://schemas.microsoft.com/office/drawing/2010/main" w="9525">
+                <a14:hiddenLine xmlns:a14="http://schemas.microsoft.com/office/drawing/2010/main" xmlns="" w="9525">
                   <a:solidFill>
                     <a:srgbClr val="000000"/>
                   </a:solidFill>
@@ -6764,7 +6764,7 @@
             </a:ln>
             <a:extLst>
               <a:ext uri="{91240B29-F687-4f45-9708-019B960494DF}">
-                <a14:hiddenLine xmlns="" xmlns:a14="http://schemas.microsoft.com/office/drawing/2010/main" w="9525">
+                <a14:hiddenLine xmlns:a14="http://schemas.microsoft.com/office/drawing/2010/main" xmlns="" w="9525">
                   <a:solidFill>
                     <a:srgbClr val="000000"/>
                   </a:solidFill>
@@ -6854,7 +6854,7 @@
             </a:ln>
             <a:extLst>
               <a:ext uri="{91240B29-F687-4f45-9708-019B960494DF}">
-                <a14:hiddenLine xmlns="" xmlns:a14="http://schemas.microsoft.com/office/drawing/2010/main" w="9525">
+                <a14:hiddenLine xmlns:a14="http://schemas.microsoft.com/office/drawing/2010/main" xmlns="" w="9525">
                   <a:solidFill>
                     <a:srgbClr val="000000"/>
                   </a:solidFill>
@@ -6916,7 +6916,7 @@
             </a:ln>
             <a:extLst>
               <a:ext uri="{91240B29-F687-4f45-9708-019B960494DF}">
-                <a14:hiddenLine xmlns="" xmlns:a14="http://schemas.microsoft.com/office/drawing/2010/main" w="9525">
+                <a14:hiddenLine xmlns:a14="http://schemas.microsoft.com/office/drawing/2010/main" xmlns="" w="9525">
                   <a:solidFill>
                     <a:srgbClr val="000000"/>
                   </a:solidFill>
@@ -7006,7 +7006,7 @@
             </a:ln>
             <a:extLst>
               <a:ext uri="{91240B29-F687-4f45-9708-019B960494DF}">
-                <a14:hiddenLine xmlns="" xmlns:a14="http://schemas.microsoft.com/office/drawing/2010/main" w="9525">
+                <a14:hiddenLine xmlns:a14="http://schemas.microsoft.com/office/drawing/2010/main" xmlns="" w="9525">
                   <a:solidFill>
                     <a:srgbClr val="000000"/>
                   </a:solidFill>
@@ -7096,7 +7096,7 @@
             </a:ln>
             <a:extLst>
               <a:ext uri="{91240B29-F687-4f45-9708-019B960494DF}">
-                <a14:hiddenLine xmlns="" xmlns:a14="http://schemas.microsoft.com/office/drawing/2010/main" w="9525">
+                <a14:hiddenLine xmlns:a14="http://schemas.microsoft.com/office/drawing/2010/main" xmlns="" w="9525">
                   <a:solidFill>
                     <a:srgbClr val="000000"/>
                   </a:solidFill>
@@ -7161,7 +7161,7 @@
             </a:ln>
             <a:extLst>
               <a:ext uri="{91240B29-F687-4f45-9708-019B960494DF}">
-                <a14:hiddenLine xmlns="" xmlns:a14="http://schemas.microsoft.com/office/drawing/2010/main" w="9525">
+                <a14:hiddenLine xmlns:a14="http://schemas.microsoft.com/office/drawing/2010/main" xmlns="" w="9525">
                   <a:solidFill>
                     <a:srgbClr val="000000"/>
                   </a:solidFill>
@@ -7223,7 +7223,7 @@
             </a:ln>
             <a:extLst>
               <a:ext uri="{91240B29-F687-4f45-9708-019B960494DF}">
-                <a14:hiddenLine xmlns="" xmlns:a14="http://schemas.microsoft.com/office/drawing/2010/main" w="9525">
+                <a14:hiddenLine xmlns:a14="http://schemas.microsoft.com/office/drawing/2010/main" xmlns="" w="9525">
                   <a:solidFill>
                     <a:srgbClr val="000000"/>
                   </a:solidFill>
@@ -7313,7 +7313,7 @@
             </a:ln>
             <a:extLst>
               <a:ext uri="{91240B29-F687-4f45-9708-019B960494DF}">
-                <a14:hiddenLine xmlns="" xmlns:a14="http://schemas.microsoft.com/office/drawing/2010/main" w="9525">
+                <a14:hiddenLine xmlns:a14="http://schemas.microsoft.com/office/drawing/2010/main" xmlns="" w="9525">
                   <a:solidFill>
                     <a:srgbClr val="000000"/>
                   </a:solidFill>
@@ -7403,7 +7403,7 @@
             </a:ln>
             <a:extLst>
               <a:ext uri="{91240B29-F687-4f45-9708-019B960494DF}">
-                <a14:hiddenLine xmlns="" xmlns:a14="http://schemas.microsoft.com/office/drawing/2010/main" w="9525">
+                <a14:hiddenLine xmlns:a14="http://schemas.microsoft.com/office/drawing/2010/main" xmlns="" w="9525">
                   <a:solidFill>
                     <a:srgbClr val="000000"/>
                   </a:solidFill>
@@ -7465,7 +7465,7 @@
             </a:ln>
             <a:extLst>
               <a:ext uri="{91240B29-F687-4f45-9708-019B960494DF}">
-                <a14:hiddenLine xmlns="" xmlns:a14="http://schemas.microsoft.com/office/drawing/2010/main" w="9525">
+                <a14:hiddenLine xmlns:a14="http://schemas.microsoft.com/office/drawing/2010/main" xmlns="" w="9525">
                   <a:solidFill>
                     <a:srgbClr val="000000"/>
                   </a:solidFill>
@@ -7585,7 +7585,7 @@
             </a:ln>
             <a:extLst>
               <a:ext uri="{91240B29-F687-4f45-9708-019B960494DF}">
-                <a14:hiddenLine xmlns="" xmlns:a14="http://schemas.microsoft.com/office/drawing/2010/main" w="9525">
+                <a14:hiddenLine xmlns:a14="http://schemas.microsoft.com/office/drawing/2010/main" xmlns="" w="9525">
                   <a:solidFill>
                     <a:srgbClr val="000000"/>
                   </a:solidFill>
@@ -7653,7 +7653,7 @@
             </a:ln>
             <a:extLst>
               <a:ext uri="{91240B29-F687-4f45-9708-019B960494DF}">
-                <a14:hiddenLine xmlns="" xmlns:a14="http://schemas.microsoft.com/office/drawing/2010/main" w="9525">
+                <a14:hiddenLine xmlns:a14="http://schemas.microsoft.com/office/drawing/2010/main" xmlns="" w="9525">
                   <a:solidFill>
                     <a:srgbClr val="000000"/>
                   </a:solidFill>
@@ -7743,7 +7743,7 @@
             </a:ln>
             <a:extLst>
               <a:ext uri="{91240B29-F687-4f45-9708-019B960494DF}">
-                <a14:hiddenLine xmlns="" xmlns:a14="http://schemas.microsoft.com/office/drawing/2010/main" w="9525">
+                <a14:hiddenLine xmlns:a14="http://schemas.microsoft.com/office/drawing/2010/main" xmlns="" w="9525">
                   <a:solidFill>
                     <a:srgbClr val="000000"/>
                   </a:solidFill>
@@ -12472,7 +12472,7 @@
           <a:noFill/>
           <a:extLst>
             <a:ext uri="{909E8E84-426E-40dd-AFC4-6F175D3DCCD1}">
-              <a14:hiddenFill xmlns="" xmlns:a14="http://schemas.microsoft.com/office/drawing/2010/main">
+              <a14:hiddenFill xmlns:a14="http://schemas.microsoft.com/office/drawing/2010/main" xmlns="">
                 <a:solidFill>
                   <a:srgbClr val="FFFFFF"/>
                 </a:solidFill>
@@ -12546,7 +12546,7 @@
               </a:ln>
               <a:extLst>
                 <a:ext uri="{91240B29-F687-4f45-9708-019B960494DF}">
-                  <a14:hiddenLine xmlns="" xmlns:a14="http://schemas.microsoft.com/office/drawing/2010/main" w="9525">
+                  <a14:hiddenLine xmlns:a14="http://schemas.microsoft.com/office/drawing/2010/main" xmlns="" w="9525">
                     <a:solidFill>
                       <a:srgbClr val="000000"/>
                     </a:solidFill>
@@ -12636,7 +12636,7 @@
               </a:ln>
               <a:extLst>
                 <a:ext uri="{91240B29-F687-4f45-9708-019B960494DF}">
-                  <a14:hiddenLine xmlns="" xmlns:a14="http://schemas.microsoft.com/office/drawing/2010/main" w="9525">
+                  <a14:hiddenLine xmlns:a14="http://schemas.microsoft.com/office/drawing/2010/main" xmlns="" w="9525">
                     <a:solidFill>
                       <a:srgbClr val="000000"/>
                     </a:solidFill>
@@ -12726,7 +12726,7 @@
               </a:ln>
               <a:extLst>
                 <a:ext uri="{91240B29-F687-4f45-9708-019B960494DF}">
-                  <a14:hiddenLine xmlns="" xmlns:a14="http://schemas.microsoft.com/office/drawing/2010/main" w="9525">
+                  <a14:hiddenLine xmlns:a14="http://schemas.microsoft.com/office/drawing/2010/main" xmlns="" w="9525">
                     <a:solidFill>
                       <a:srgbClr val="000000"/>
                     </a:solidFill>
@@ -12788,7 +12788,7 @@
               </a:ln>
               <a:extLst>
                 <a:ext uri="{91240B29-F687-4f45-9708-019B960494DF}">
-                  <a14:hiddenLine xmlns="" xmlns:a14="http://schemas.microsoft.com/office/drawing/2010/main" w="9525">
+                  <a14:hiddenLine xmlns:a14="http://schemas.microsoft.com/office/drawing/2010/main" xmlns="" w="9525">
                     <a:solidFill>
                       <a:srgbClr val="000000"/>
                     </a:solidFill>
@@ -12878,7 +12878,7 @@
               </a:ln>
               <a:extLst>
                 <a:ext uri="{91240B29-F687-4f45-9708-019B960494DF}">
-                  <a14:hiddenLine xmlns="" xmlns:a14="http://schemas.microsoft.com/office/drawing/2010/main" w="9525">
+                  <a14:hiddenLine xmlns:a14="http://schemas.microsoft.com/office/drawing/2010/main" xmlns="" w="9525">
                     <a:solidFill>
                       <a:srgbClr val="000000"/>
                     </a:solidFill>
@@ -12940,7 +12940,7 @@
               </a:ln>
               <a:extLst>
                 <a:ext uri="{91240B29-F687-4f45-9708-019B960494DF}">
-                  <a14:hiddenLine xmlns="" xmlns:a14="http://schemas.microsoft.com/office/drawing/2010/main" w="9525">
+                  <a14:hiddenLine xmlns:a14="http://schemas.microsoft.com/office/drawing/2010/main" xmlns="" w="9525">
                     <a:solidFill>
                       <a:srgbClr val="000000"/>
                     </a:solidFill>
@@ -13002,7 +13002,7 @@
               </a:ln>
               <a:extLst>
                 <a:ext uri="{91240B29-F687-4f45-9708-019B960494DF}">
-                  <a14:hiddenLine xmlns="" xmlns:a14="http://schemas.microsoft.com/office/drawing/2010/main" w="9525">
+                  <a14:hiddenLine xmlns:a14="http://schemas.microsoft.com/office/drawing/2010/main" xmlns="" w="9525">
                     <a:solidFill>
                       <a:srgbClr val="000000"/>
                     </a:solidFill>
@@ -13092,7 +13092,7 @@
               </a:ln>
               <a:extLst>
                 <a:ext uri="{91240B29-F687-4f45-9708-019B960494DF}">
-                  <a14:hiddenLine xmlns="" xmlns:a14="http://schemas.microsoft.com/office/drawing/2010/main" w="9525">
+                  <a14:hiddenLine xmlns:a14="http://schemas.microsoft.com/office/drawing/2010/main" xmlns="" w="9525">
                     <a:solidFill>
                       <a:srgbClr val="000000"/>
                     </a:solidFill>
@@ -13182,7 +13182,7 @@
               </a:ln>
               <a:extLst>
                 <a:ext uri="{91240B29-F687-4f45-9708-019B960494DF}">
-                  <a14:hiddenLine xmlns="" xmlns:a14="http://schemas.microsoft.com/office/drawing/2010/main" w="9525">
+                  <a14:hiddenLine xmlns:a14="http://schemas.microsoft.com/office/drawing/2010/main" xmlns="" w="9525">
                     <a:solidFill>
                       <a:srgbClr val="000000"/>
                     </a:solidFill>
@@ -13244,7 +13244,7 @@
               </a:ln>
               <a:extLst>
                 <a:ext uri="{91240B29-F687-4f45-9708-019B960494DF}">
-                  <a14:hiddenLine xmlns="" xmlns:a14="http://schemas.microsoft.com/office/drawing/2010/main" w="9525">
+                  <a14:hiddenLine xmlns:a14="http://schemas.microsoft.com/office/drawing/2010/main" xmlns="" w="9525">
                     <a:solidFill>
                       <a:srgbClr val="000000"/>
                     </a:solidFill>
@@ -13354,7 +13354,7 @@
               </a:ln>
               <a:extLst>
                 <a:ext uri="{91240B29-F687-4f45-9708-019B960494DF}">
-                  <a14:hiddenLine xmlns="" xmlns:a14="http://schemas.microsoft.com/office/drawing/2010/main" w="9525">
+                  <a14:hiddenLine xmlns:a14="http://schemas.microsoft.com/office/drawing/2010/main" xmlns="" w="9525">
                     <a:solidFill>
                       <a:srgbClr val="000000"/>
                     </a:solidFill>
@@ -13438,7 +13438,7 @@
               </a:ln>
               <a:extLst>
                 <a:ext uri="{91240B29-F687-4f45-9708-019B960494DF}">
-                  <a14:hiddenLine xmlns="" xmlns:a14="http://schemas.microsoft.com/office/drawing/2010/main" w="9525">
+                  <a14:hiddenLine xmlns:a14="http://schemas.microsoft.com/office/drawing/2010/main" xmlns="" w="9525">
                     <a:solidFill>
                       <a:srgbClr val="000000"/>
                     </a:solidFill>
@@ -13500,7 +13500,7 @@
               </a:ln>
               <a:extLst>
                 <a:ext uri="{91240B29-F687-4f45-9708-019B960494DF}">
-                  <a14:hiddenLine xmlns="" xmlns:a14="http://schemas.microsoft.com/office/drawing/2010/main" w="9525">
+                  <a14:hiddenLine xmlns:a14="http://schemas.microsoft.com/office/drawing/2010/main" xmlns="" w="9525">
                     <a:solidFill>
                       <a:srgbClr val="000000"/>
                     </a:solidFill>
@@ -13562,7 +13562,7 @@
               </a:ln>
               <a:extLst>
                 <a:ext uri="{91240B29-F687-4f45-9708-019B960494DF}">
-                  <a14:hiddenLine xmlns="" xmlns:a14="http://schemas.microsoft.com/office/drawing/2010/main" w="9525">
+                  <a14:hiddenLine xmlns:a14="http://schemas.microsoft.com/office/drawing/2010/main" xmlns="" w="9525">
                     <a:solidFill>
                       <a:srgbClr val="000000"/>
                     </a:solidFill>
@@ -13652,7 +13652,7 @@
               </a:ln>
               <a:extLst>
                 <a:ext uri="{91240B29-F687-4f45-9708-019B960494DF}">
-                  <a14:hiddenLine xmlns="" xmlns:a14="http://schemas.microsoft.com/office/drawing/2010/main" w="9525">
+                  <a14:hiddenLine xmlns:a14="http://schemas.microsoft.com/office/drawing/2010/main" xmlns="" w="9525">
                     <a:solidFill>
                       <a:srgbClr val="000000"/>
                     </a:solidFill>
@@ -13686,7 +13686,7 @@
               </a:ln>
               <a:extLst>
                 <a:ext uri="{91240B29-F687-4f45-9708-019B960494DF}">
-                  <a14:hiddenLine xmlns="" xmlns:a14="http://schemas.microsoft.com/office/drawing/2010/main" w="9525">
+                  <a14:hiddenLine xmlns:a14="http://schemas.microsoft.com/office/drawing/2010/main" xmlns="" w="9525">
                     <a:solidFill>
                       <a:srgbClr val="000000"/>
                     </a:solidFill>
@@ -13751,7 +13751,7 @@
               </a:ln>
               <a:extLst>
                 <a:ext uri="{91240B29-F687-4f45-9708-019B960494DF}">
-                  <a14:hiddenLine xmlns="" xmlns:a14="http://schemas.microsoft.com/office/drawing/2010/main" w="9525">
+                  <a14:hiddenLine xmlns:a14="http://schemas.microsoft.com/office/drawing/2010/main" xmlns="" w="9525">
                     <a:solidFill>
                       <a:srgbClr val="000000"/>
                     </a:solidFill>
@@ -13841,7 +13841,7 @@
               </a:ln>
               <a:extLst>
                 <a:ext uri="{91240B29-F687-4f45-9708-019B960494DF}">
-                  <a14:hiddenLine xmlns="" xmlns:a14="http://schemas.microsoft.com/office/drawing/2010/main" w="9525">
+                  <a14:hiddenLine xmlns:a14="http://schemas.microsoft.com/office/drawing/2010/main" xmlns="" w="9525">
                     <a:solidFill>
                       <a:srgbClr val="000000"/>
                     </a:solidFill>
@@ -13903,7 +13903,7 @@
               </a:ln>
               <a:extLst>
                 <a:ext uri="{91240B29-F687-4f45-9708-019B960494DF}">
-                  <a14:hiddenLine xmlns="" xmlns:a14="http://schemas.microsoft.com/office/drawing/2010/main" w="9525">
+                  <a14:hiddenLine xmlns:a14="http://schemas.microsoft.com/office/drawing/2010/main" xmlns="" w="9525">
                     <a:solidFill>
                       <a:srgbClr val="000000"/>
                     </a:solidFill>
@@ -13993,7 +13993,7 @@
               </a:ln>
               <a:extLst>
                 <a:ext uri="{91240B29-F687-4f45-9708-019B960494DF}">
-                  <a14:hiddenLine xmlns="" xmlns:a14="http://schemas.microsoft.com/office/drawing/2010/main" w="9525">
+                  <a14:hiddenLine xmlns:a14="http://schemas.microsoft.com/office/drawing/2010/main" xmlns="" w="9525">
                     <a:solidFill>
                       <a:srgbClr val="000000"/>
                     </a:solidFill>
@@ -14058,7 +14058,7 @@
               </a:ln>
               <a:extLst>
                 <a:ext uri="{91240B29-F687-4f45-9708-019B960494DF}">
-                  <a14:hiddenLine xmlns="" xmlns:a14="http://schemas.microsoft.com/office/drawing/2010/main" w="9525">
+                  <a14:hiddenLine xmlns:a14="http://schemas.microsoft.com/office/drawing/2010/main" xmlns="" w="9525">
                     <a:solidFill>
                       <a:srgbClr val="000000"/>
                     </a:solidFill>
@@ -14120,7 +14120,7 @@
               </a:ln>
               <a:extLst>
                 <a:ext uri="{91240B29-F687-4f45-9708-019B960494DF}">
-                  <a14:hiddenLine xmlns="" xmlns:a14="http://schemas.microsoft.com/office/drawing/2010/main" w="9525">
+                  <a14:hiddenLine xmlns:a14="http://schemas.microsoft.com/office/drawing/2010/main" xmlns="" w="9525">
                     <a:solidFill>
                       <a:srgbClr val="000000"/>
                     </a:solidFill>
@@ -14210,7 +14210,7 @@
               </a:ln>
               <a:extLst>
                 <a:ext uri="{91240B29-F687-4f45-9708-019B960494DF}">
-                  <a14:hiddenLine xmlns="" xmlns:a14="http://schemas.microsoft.com/office/drawing/2010/main" w="9525">
+                  <a14:hiddenLine xmlns:a14="http://schemas.microsoft.com/office/drawing/2010/main" xmlns="" w="9525">
                     <a:solidFill>
                       <a:srgbClr val="000000"/>
                     </a:solidFill>
@@ -14300,7 +14300,7 @@
               </a:ln>
               <a:extLst>
                 <a:ext uri="{91240B29-F687-4f45-9708-019B960494DF}">
-                  <a14:hiddenLine xmlns="" xmlns:a14="http://schemas.microsoft.com/office/drawing/2010/main" w="9525">
+                  <a14:hiddenLine xmlns:a14="http://schemas.microsoft.com/office/drawing/2010/main" xmlns="" w="9525">
                     <a:solidFill>
                       <a:srgbClr val="000000"/>
                     </a:solidFill>
@@ -14365,7 +14365,7 @@
               </a:ln>
               <a:extLst>
                 <a:ext uri="{91240B29-F687-4f45-9708-019B960494DF}">
-                  <a14:hiddenLine xmlns="" xmlns:a14="http://schemas.microsoft.com/office/drawing/2010/main" w="9525">
+                  <a14:hiddenLine xmlns:a14="http://schemas.microsoft.com/office/drawing/2010/main" xmlns="" w="9525">
                     <a:solidFill>
                       <a:srgbClr val="000000"/>
                     </a:solidFill>
@@ -14485,7 +14485,7 @@
               </a:ln>
               <a:extLst>
                 <a:ext uri="{91240B29-F687-4f45-9708-019B960494DF}">
-                  <a14:hiddenLine xmlns="" xmlns:a14="http://schemas.microsoft.com/office/drawing/2010/main" w="9525">
+                  <a14:hiddenLine xmlns:a14="http://schemas.microsoft.com/office/drawing/2010/main" xmlns="" w="9525">
                     <a:solidFill>
                       <a:srgbClr val="000000"/>
                     </a:solidFill>
@@ -14566,7 +14566,7 @@
               </a:ln>
               <a:extLst>
                 <a:ext uri="{91240B29-F687-4f45-9708-019B960494DF}">
-                  <a14:hiddenLine xmlns="" xmlns:a14="http://schemas.microsoft.com/office/drawing/2010/main" w="9525">
+                  <a14:hiddenLine xmlns:a14="http://schemas.microsoft.com/office/drawing/2010/main" xmlns="" w="9525">
                     <a:solidFill>
                       <a:srgbClr val="000000"/>
                     </a:solidFill>
@@ -14681,7 +14681,7 @@
               </a:ln>
               <a:extLst>
                 <a:ext uri="{91240B29-F687-4f45-9708-019B960494DF}">
-                  <a14:hiddenLine xmlns="" xmlns:a14="http://schemas.microsoft.com/office/drawing/2010/main" w="9525">
+                  <a14:hiddenLine xmlns:a14="http://schemas.microsoft.com/office/drawing/2010/main" xmlns="" w="9525">
                     <a:solidFill>
                       <a:srgbClr val="000000"/>
                     </a:solidFill>
@@ -14771,7 +14771,7 @@
               </a:ln>
               <a:extLst>
                 <a:ext uri="{91240B29-F687-4f45-9708-019B960494DF}">
-                  <a14:hiddenLine xmlns="" xmlns:a14="http://schemas.microsoft.com/office/drawing/2010/main" w="9525">
+                  <a14:hiddenLine xmlns:a14="http://schemas.microsoft.com/office/drawing/2010/main" xmlns="" w="9525">
                     <a:solidFill>
                       <a:srgbClr val="000000"/>
                     </a:solidFill>
@@ -14836,7 +14836,7 @@
               </a:ln>
               <a:extLst>
                 <a:ext uri="{91240B29-F687-4f45-9708-019B960494DF}">
-                  <a14:hiddenLine xmlns="" xmlns:a14="http://schemas.microsoft.com/office/drawing/2010/main" w="9525">
+                  <a14:hiddenLine xmlns:a14="http://schemas.microsoft.com/office/drawing/2010/main" xmlns="" w="9525">
                     <a:solidFill>
                       <a:srgbClr val="000000"/>
                     </a:solidFill>
@@ -14926,7 +14926,7 @@
               </a:ln>
               <a:extLst>
                 <a:ext uri="{91240B29-F687-4f45-9708-019B960494DF}">
-                  <a14:hiddenLine xmlns="" xmlns:a14="http://schemas.microsoft.com/office/drawing/2010/main" w="9525">
+                  <a14:hiddenLine xmlns:a14="http://schemas.microsoft.com/office/drawing/2010/main" xmlns="" w="9525">
                     <a:solidFill>
                       <a:srgbClr val="000000"/>
                     </a:solidFill>
@@ -14994,7 +14994,7 @@
               </a:ln>
               <a:extLst>
                 <a:ext uri="{91240B29-F687-4f45-9708-019B960494DF}">
-                  <a14:hiddenLine xmlns="" xmlns:a14="http://schemas.microsoft.com/office/drawing/2010/main" w="9525">
+                  <a14:hiddenLine xmlns:a14="http://schemas.microsoft.com/office/drawing/2010/main" xmlns="" w="9525">
                     <a:solidFill>
                       <a:srgbClr val="000000"/>
                     </a:solidFill>
@@ -15084,7 +15084,7 @@
               </a:ln>
               <a:extLst>
                 <a:ext uri="{91240B29-F687-4f45-9708-019B960494DF}">
-                  <a14:hiddenLine xmlns="" xmlns:a14="http://schemas.microsoft.com/office/drawing/2010/main" w="9525">
+                  <a14:hiddenLine xmlns:a14="http://schemas.microsoft.com/office/drawing/2010/main" xmlns="" w="9525">
                     <a:solidFill>
                       <a:srgbClr val="000000"/>
                     </a:solidFill>
@@ -15152,7 +15152,7 @@
               </a:ln>
               <a:extLst>
                 <a:ext uri="{91240B29-F687-4f45-9708-019B960494DF}">
-                  <a14:hiddenLine xmlns="" xmlns:a14="http://schemas.microsoft.com/office/drawing/2010/main" w="9525">
+                  <a14:hiddenLine xmlns:a14="http://schemas.microsoft.com/office/drawing/2010/main" xmlns="" w="9525">
                     <a:solidFill>
                       <a:srgbClr val="000000"/>
                     </a:solidFill>
@@ -15242,7 +15242,7 @@
               </a:ln>
               <a:extLst>
                 <a:ext uri="{91240B29-F687-4f45-9708-019B960494DF}">
-                  <a14:hiddenLine xmlns="" xmlns:a14="http://schemas.microsoft.com/office/drawing/2010/main" w="9525">
+                  <a14:hiddenLine xmlns:a14="http://schemas.microsoft.com/office/drawing/2010/main" xmlns="" w="9525">
                     <a:solidFill>
                       <a:srgbClr val="000000"/>
                     </a:solidFill>
@@ -15276,7 +15276,7 @@
               </a:ln>
               <a:extLst>
                 <a:ext uri="{91240B29-F687-4f45-9708-019B960494DF}">
-                  <a14:hiddenLine xmlns="" xmlns:a14="http://schemas.microsoft.com/office/drawing/2010/main" w="9525">
+                  <a14:hiddenLine xmlns:a14="http://schemas.microsoft.com/office/drawing/2010/main" xmlns="" w="9525">
                     <a:solidFill>
                       <a:srgbClr val="000000"/>
                     </a:solidFill>
@@ -21697,7 +21697,7 @@
         <p:spPr/>
         <p:txBody>
           <a:bodyPr>
-            <a:normAutofit/>
+            <a:normAutofit fontScale="77500" lnSpcReduction="20000"/>
           </a:bodyPr>
           <a:lstStyle/>
           <a:p>
@@ -21707,13 +21707,63 @@
             </a:r>
             <a:r>
               <a:rPr lang="de-CH" dirty="0" smtClean="0"/>
-              <a:t> Learning ist ein Teilgebiet der Informatik</a:t>
-            </a:r>
-          </a:p>
-          <a:p>
+              <a:t> Learning </a:t>
+            </a:r>
+          </a:p>
+          <a:p>
+            <a:pPr lvl="1"/>
             <a:r>
               <a:rPr lang="de-CH" dirty="0" smtClean="0"/>
-              <a:t>Statistik ist ein Teilgebiet der Mathematik</a:t>
+              <a:t>stellt Performance in </a:t>
+            </a:r>
+            <a:r>
+              <a:rPr lang="de-CH" dirty="0"/>
+              <a:t>den Vordergrund</a:t>
+            </a:r>
+          </a:p>
+          <a:p>
+            <a:pPr lvl="1"/>
+            <a:r>
+              <a:rPr lang="de-CH" dirty="0" smtClean="0"/>
+              <a:t>ist </a:t>
+            </a:r>
+            <a:r>
+              <a:rPr lang="de-CH" dirty="0"/>
+              <a:t>ein Teilgebiet der Informatik</a:t>
+            </a:r>
+          </a:p>
+          <a:p>
+            <a:endParaRPr lang="de-CH" dirty="0" smtClean="0"/>
+          </a:p>
+          <a:p>
+            <a:pPr marL="0" indent="0">
+              <a:buNone/>
+            </a:pPr>
+            <a:r>
+              <a:rPr lang="de-CH" dirty="0" smtClean="0"/>
+              <a:t>Statistik</a:t>
+            </a:r>
+          </a:p>
+          <a:p>
+            <a:pPr lvl="1"/>
+            <a:r>
+              <a:rPr lang="de-CH" dirty="0"/>
+              <a:t>stellt </a:t>
+            </a:r>
+            <a:r>
+              <a:rPr lang="de-CH" dirty="0" smtClean="0"/>
+              <a:t>Schlussfolgerungen in den Vordergrund</a:t>
+            </a:r>
+          </a:p>
+          <a:p>
+            <a:pPr lvl="1"/>
+            <a:r>
+              <a:rPr lang="de-CH" dirty="0" smtClean="0"/>
+              <a:t>Statistik </a:t>
+            </a:r>
+            <a:r>
+              <a:rPr lang="de-CH" dirty="0" smtClean="0"/>
+              <a:t>ist ein Teilgebiet der Mathematik</a:t>
             </a:r>
           </a:p>
           <a:p>
@@ -21827,33 +21877,15 @@
                                   </p:childTnLst>
                                 </p:cTn>
                               </p:par>
-                            </p:childTnLst>
-                          </p:cTn>
-                        </p:par>
-                      </p:childTnLst>
-                    </p:cTn>
-                  </p:par>
-                  <p:par>
-                    <p:cTn id="8" fill="hold">
-                      <p:stCondLst>
-                        <p:cond delay="indefinite"/>
-                      </p:stCondLst>
-                      <p:childTnLst>
-                        <p:par>
-                          <p:cTn id="9" fill="hold">
-                            <p:stCondLst>
-                              <p:cond delay="0"/>
-                            </p:stCondLst>
-                            <p:childTnLst>
                               <p:par>
-                                <p:cTn id="10" presetID="10" presetClass="entr" presetSubtype="0" fill="hold" grpId="0" nodeType="clickEffect">
+                                <p:cTn id="8" presetID="10" presetClass="entr" presetSubtype="0" fill="hold" grpId="0" nodeType="withEffect">
                                   <p:stCondLst>
                                     <p:cond delay="0"/>
                                   </p:stCondLst>
                                   <p:childTnLst>
                                     <p:set>
                                       <p:cBhvr>
-                                        <p:cTn id="11" dur="1" fill="hold">
+                                        <p:cTn id="9" dur="1" fill="hold">
                                           <p:stCondLst>
                                             <p:cond delay="0"/>
                                           </p:stCondLst>
@@ -21875,11 +21907,54 @@
                                     </p:set>
                                     <p:animEffect transition="in" filter="fade">
                                       <p:cBhvr>
-                                        <p:cTn id="12" dur="500"/>
+                                        <p:cTn id="10" dur="500"/>
                                         <p:tgtEl>
                                           <p:spTgt spid="4">
                                             <p:txEl>
                                               <p:pRg st="1" end="1"/>
+                                            </p:txEl>
+                                          </p:spTgt>
+                                        </p:tgtEl>
+                                      </p:cBhvr>
+                                    </p:animEffect>
+                                  </p:childTnLst>
+                                </p:cTn>
+                              </p:par>
+                              <p:par>
+                                <p:cTn id="11" presetID="10" presetClass="entr" presetSubtype="0" fill="hold" grpId="0" nodeType="withEffect">
+                                  <p:stCondLst>
+                                    <p:cond delay="0"/>
+                                  </p:stCondLst>
+                                  <p:childTnLst>
+                                    <p:set>
+                                      <p:cBhvr>
+                                        <p:cTn id="12" dur="1" fill="hold">
+                                          <p:stCondLst>
+                                            <p:cond delay="0"/>
+                                          </p:stCondLst>
+                                        </p:cTn>
+                                        <p:tgtEl>
+                                          <p:spTgt spid="4">
+                                            <p:txEl>
+                                              <p:pRg st="2" end="2"/>
+                                            </p:txEl>
+                                          </p:spTgt>
+                                        </p:tgtEl>
+                                        <p:attrNameLst>
+                                          <p:attrName>style.visibility</p:attrName>
+                                        </p:attrNameLst>
+                                      </p:cBhvr>
+                                      <p:to>
+                                        <p:strVal val="visible"/>
+                                      </p:to>
+                                    </p:set>
+                                    <p:animEffect transition="in" filter="fade">
+                                      <p:cBhvr>
+                                        <p:cTn id="13" dur="500"/>
+                                        <p:tgtEl>
+                                          <p:spTgt spid="4">
+                                            <p:txEl>
+                                              <p:pRg st="2" end="2"/>
                                             </p:txEl>
                                           </p:spTgt>
                                         </p:tgtEl>
@@ -21895,69 +21970,26 @@
                     </p:cTn>
                   </p:par>
                   <p:par>
-                    <p:cTn id="13" fill="hold">
+                    <p:cTn id="14" fill="hold">
                       <p:stCondLst>
                         <p:cond delay="indefinite"/>
                       </p:stCondLst>
                       <p:childTnLst>
                         <p:par>
-                          <p:cTn id="14" fill="hold">
+                          <p:cTn id="15" fill="hold">
                             <p:stCondLst>
                               <p:cond delay="0"/>
                             </p:stCondLst>
                             <p:childTnLst>
                               <p:par>
-                                <p:cTn id="15" presetID="10" presetClass="entr" presetSubtype="0" fill="hold" grpId="0" nodeType="clickEffect">
+                                <p:cTn id="16" presetID="10" presetClass="entr" presetSubtype="0" fill="hold" grpId="0" nodeType="clickEffect">
                                   <p:stCondLst>
                                     <p:cond delay="0"/>
                                   </p:stCondLst>
                                   <p:childTnLst>
                                     <p:set>
                                       <p:cBhvr>
-                                        <p:cTn id="16" dur="1" fill="hold">
-                                          <p:stCondLst>
-                                            <p:cond delay="0"/>
-                                          </p:stCondLst>
-                                        </p:cTn>
-                                        <p:tgtEl>
-                                          <p:spTgt spid="4">
-                                            <p:txEl>
-                                              <p:pRg st="3" end="3"/>
-                                            </p:txEl>
-                                          </p:spTgt>
-                                        </p:tgtEl>
-                                        <p:attrNameLst>
-                                          <p:attrName>style.visibility</p:attrName>
-                                        </p:attrNameLst>
-                                      </p:cBhvr>
-                                      <p:to>
-                                        <p:strVal val="visible"/>
-                                      </p:to>
-                                    </p:set>
-                                    <p:animEffect transition="in" filter="fade">
-                                      <p:cBhvr>
-                                        <p:cTn id="17" dur="500"/>
-                                        <p:tgtEl>
-                                          <p:spTgt spid="4">
-                                            <p:txEl>
-                                              <p:pRg st="3" end="3"/>
-                                            </p:txEl>
-                                          </p:spTgt>
-                                        </p:tgtEl>
-                                      </p:cBhvr>
-                                    </p:animEffect>
-                                  </p:childTnLst>
-                                </p:cTn>
-                              </p:par>
-                              <p:par>
-                                <p:cTn id="18" presetID="10" presetClass="entr" presetSubtype="0" fill="hold" grpId="0" nodeType="withEffect">
-                                  <p:stCondLst>
-                                    <p:cond delay="0"/>
-                                  </p:stCondLst>
-                                  <p:childTnLst>
-                                    <p:set>
-                                      <p:cBhvr>
-                                        <p:cTn id="19" dur="1" fill="hold">
+                                        <p:cTn id="17" dur="1" fill="hold">
                                           <p:stCondLst>
                                             <p:cond delay="0"/>
                                           </p:stCondLst>
@@ -21979,11 +22011,201 @@
                                     </p:set>
                                     <p:animEffect transition="in" filter="fade">
                                       <p:cBhvr>
-                                        <p:cTn id="20" dur="500"/>
+                                        <p:cTn id="18" dur="500"/>
                                         <p:tgtEl>
                                           <p:spTgt spid="4">
                                             <p:txEl>
                                               <p:pRg st="4" end="4"/>
+                                            </p:txEl>
+                                          </p:spTgt>
+                                        </p:tgtEl>
+                                      </p:cBhvr>
+                                    </p:animEffect>
+                                  </p:childTnLst>
+                                </p:cTn>
+                              </p:par>
+                              <p:par>
+                                <p:cTn id="19" presetID="10" presetClass="entr" presetSubtype="0" fill="hold" grpId="0" nodeType="withEffect">
+                                  <p:stCondLst>
+                                    <p:cond delay="0"/>
+                                  </p:stCondLst>
+                                  <p:childTnLst>
+                                    <p:set>
+                                      <p:cBhvr>
+                                        <p:cTn id="20" dur="1" fill="hold">
+                                          <p:stCondLst>
+                                            <p:cond delay="0"/>
+                                          </p:stCondLst>
+                                        </p:cTn>
+                                        <p:tgtEl>
+                                          <p:spTgt spid="4">
+                                            <p:txEl>
+                                              <p:pRg st="5" end="5"/>
+                                            </p:txEl>
+                                          </p:spTgt>
+                                        </p:tgtEl>
+                                        <p:attrNameLst>
+                                          <p:attrName>style.visibility</p:attrName>
+                                        </p:attrNameLst>
+                                      </p:cBhvr>
+                                      <p:to>
+                                        <p:strVal val="visible"/>
+                                      </p:to>
+                                    </p:set>
+                                    <p:animEffect transition="in" filter="fade">
+                                      <p:cBhvr>
+                                        <p:cTn id="21" dur="500"/>
+                                        <p:tgtEl>
+                                          <p:spTgt spid="4">
+                                            <p:txEl>
+                                              <p:pRg st="5" end="5"/>
+                                            </p:txEl>
+                                          </p:spTgt>
+                                        </p:tgtEl>
+                                      </p:cBhvr>
+                                    </p:animEffect>
+                                  </p:childTnLst>
+                                </p:cTn>
+                              </p:par>
+                              <p:par>
+                                <p:cTn id="22" presetID="10" presetClass="entr" presetSubtype="0" fill="hold" grpId="0" nodeType="withEffect">
+                                  <p:stCondLst>
+                                    <p:cond delay="0"/>
+                                  </p:stCondLst>
+                                  <p:childTnLst>
+                                    <p:set>
+                                      <p:cBhvr>
+                                        <p:cTn id="23" dur="1" fill="hold">
+                                          <p:stCondLst>
+                                            <p:cond delay="0"/>
+                                          </p:stCondLst>
+                                        </p:cTn>
+                                        <p:tgtEl>
+                                          <p:spTgt spid="4">
+                                            <p:txEl>
+                                              <p:pRg st="6" end="6"/>
+                                            </p:txEl>
+                                          </p:spTgt>
+                                        </p:tgtEl>
+                                        <p:attrNameLst>
+                                          <p:attrName>style.visibility</p:attrName>
+                                        </p:attrNameLst>
+                                      </p:cBhvr>
+                                      <p:to>
+                                        <p:strVal val="visible"/>
+                                      </p:to>
+                                    </p:set>
+                                    <p:animEffect transition="in" filter="fade">
+                                      <p:cBhvr>
+                                        <p:cTn id="24" dur="500"/>
+                                        <p:tgtEl>
+                                          <p:spTgt spid="4">
+                                            <p:txEl>
+                                              <p:pRg st="6" end="6"/>
+                                            </p:txEl>
+                                          </p:spTgt>
+                                        </p:tgtEl>
+                                      </p:cBhvr>
+                                    </p:animEffect>
+                                  </p:childTnLst>
+                                </p:cTn>
+                              </p:par>
+                            </p:childTnLst>
+                          </p:cTn>
+                        </p:par>
+                      </p:childTnLst>
+                    </p:cTn>
+                  </p:par>
+                  <p:par>
+                    <p:cTn id="25" fill="hold">
+                      <p:stCondLst>
+                        <p:cond delay="indefinite"/>
+                      </p:stCondLst>
+                      <p:childTnLst>
+                        <p:par>
+                          <p:cTn id="26" fill="hold">
+                            <p:stCondLst>
+                              <p:cond delay="0"/>
+                            </p:stCondLst>
+                            <p:childTnLst>
+                              <p:par>
+                                <p:cTn id="27" presetID="10" presetClass="entr" presetSubtype="0" fill="hold" grpId="0" nodeType="clickEffect">
+                                  <p:stCondLst>
+                                    <p:cond delay="0"/>
+                                  </p:stCondLst>
+                                  <p:childTnLst>
+                                    <p:set>
+                                      <p:cBhvr>
+                                        <p:cTn id="28" dur="1" fill="hold">
+                                          <p:stCondLst>
+                                            <p:cond delay="0"/>
+                                          </p:stCondLst>
+                                        </p:cTn>
+                                        <p:tgtEl>
+                                          <p:spTgt spid="4">
+                                            <p:txEl>
+                                              <p:pRg st="8" end="8"/>
+                                            </p:txEl>
+                                          </p:spTgt>
+                                        </p:tgtEl>
+                                        <p:attrNameLst>
+                                          <p:attrName>style.visibility</p:attrName>
+                                        </p:attrNameLst>
+                                      </p:cBhvr>
+                                      <p:to>
+                                        <p:strVal val="visible"/>
+                                      </p:to>
+                                    </p:set>
+                                    <p:animEffect transition="in" filter="fade">
+                                      <p:cBhvr>
+                                        <p:cTn id="29" dur="500"/>
+                                        <p:tgtEl>
+                                          <p:spTgt spid="4">
+                                            <p:txEl>
+                                              <p:pRg st="8" end="8"/>
+                                            </p:txEl>
+                                          </p:spTgt>
+                                        </p:tgtEl>
+                                      </p:cBhvr>
+                                    </p:animEffect>
+                                  </p:childTnLst>
+                                </p:cTn>
+                              </p:par>
+                              <p:par>
+                                <p:cTn id="30" presetID="10" presetClass="entr" presetSubtype="0" fill="hold" grpId="0" nodeType="withEffect">
+                                  <p:stCondLst>
+                                    <p:cond delay="0"/>
+                                  </p:stCondLst>
+                                  <p:childTnLst>
+                                    <p:set>
+                                      <p:cBhvr>
+                                        <p:cTn id="31" dur="1" fill="hold">
+                                          <p:stCondLst>
+                                            <p:cond delay="0"/>
+                                          </p:stCondLst>
+                                        </p:cTn>
+                                        <p:tgtEl>
+                                          <p:spTgt spid="4">
+                                            <p:txEl>
+                                              <p:pRg st="9" end="9"/>
+                                            </p:txEl>
+                                          </p:spTgt>
+                                        </p:tgtEl>
+                                        <p:attrNameLst>
+                                          <p:attrName>style.visibility</p:attrName>
+                                        </p:attrNameLst>
+                                      </p:cBhvr>
+                                      <p:to>
+                                        <p:strVal val="visible"/>
+                                      </p:to>
+                                    </p:set>
+                                    <p:animEffect transition="in" filter="fade">
+                                      <p:cBhvr>
+                                        <p:cTn id="32" dur="500"/>
+                                        <p:tgtEl>
+                                          <p:spTgt spid="4">
+                                            <p:txEl>
+                                              <p:pRg st="9" end="9"/>
                                             </p:txEl>
                                           </p:spTgt>
                                         </p:tgtEl>
@@ -22204,6 +22426,9 @@
                     <p:cTn id="3" fill="hold">
                       <p:stCondLst>
                         <p:cond delay="indefinite"/>
+                        <p:cond evt="onBegin" delay="0">
+                          <p:tn val="2"/>
+                        </p:cond>
                       </p:stCondLst>
                       <p:childTnLst>
                         <p:par>
@@ -22213,7 +22438,7 @@
                             </p:stCondLst>
                             <p:childTnLst>
                               <p:par>
-                                <p:cTn id="5" presetID="10" presetClass="entr" presetSubtype="0" fill="hold" grpId="0" nodeType="clickEffect">
+                                <p:cTn id="5" presetID="10" presetClass="entr" presetSubtype="0" fill="hold" grpId="0" nodeType="withEffect">
                                   <p:stCondLst>
                                     <p:cond delay="0"/>
                                   </p:stCondLst>
@@ -22255,33 +22480,15 @@
                                   </p:childTnLst>
                                 </p:cTn>
                               </p:par>
-                            </p:childTnLst>
-                          </p:cTn>
-                        </p:par>
-                      </p:childTnLst>
-                    </p:cTn>
-                  </p:par>
-                  <p:par>
-                    <p:cTn id="8" fill="hold">
-                      <p:stCondLst>
-                        <p:cond delay="indefinite"/>
-                      </p:stCondLst>
-                      <p:childTnLst>
-                        <p:par>
-                          <p:cTn id="9" fill="hold">
-                            <p:stCondLst>
-                              <p:cond delay="0"/>
-                            </p:stCondLst>
-                            <p:childTnLst>
                               <p:par>
-                                <p:cTn id="10" presetID="10" presetClass="entr" presetSubtype="0" fill="hold" grpId="0" nodeType="clickEffect">
+                                <p:cTn id="8" presetID="10" presetClass="entr" presetSubtype="0" fill="hold" grpId="0" nodeType="withEffect">
                                   <p:stCondLst>
                                     <p:cond delay="0"/>
                                   </p:stCondLst>
                                   <p:childTnLst>
                                     <p:set>
                                       <p:cBhvr>
-                                        <p:cTn id="11" dur="1" fill="hold">
+                                        <p:cTn id="9" dur="1" fill="hold">
                                           <p:stCondLst>
                                             <p:cond delay="0"/>
                                           </p:stCondLst>
@@ -22303,7 +22510,7 @@
                                     </p:set>
                                     <p:animEffect transition="in" filter="fade">
                                       <p:cBhvr>
-                                        <p:cTn id="12" dur="500"/>
+                                        <p:cTn id="10" dur="500"/>
                                         <p:tgtEl>
                                           <p:spTgt spid="4">
                                             <p:txEl>
@@ -22323,26 +22530,26 @@
                     </p:cTn>
                   </p:par>
                   <p:par>
-                    <p:cTn id="13" fill="hold">
+                    <p:cTn id="11" fill="hold">
                       <p:stCondLst>
                         <p:cond delay="indefinite"/>
                       </p:stCondLst>
                       <p:childTnLst>
                         <p:par>
-                          <p:cTn id="14" fill="hold">
+                          <p:cTn id="12" fill="hold">
                             <p:stCondLst>
                               <p:cond delay="0"/>
                             </p:stCondLst>
                             <p:childTnLst>
                               <p:par>
-                                <p:cTn id="15" presetID="14" presetClass="entr" presetSubtype="10" fill="hold" grpId="0" nodeType="clickEffect">
+                                <p:cTn id="13" presetID="14" presetClass="entr" presetSubtype="10" fill="hold" grpId="0" nodeType="clickEffect">
                                   <p:stCondLst>
                                     <p:cond delay="0"/>
                                   </p:stCondLst>
                                   <p:childTnLst>
                                     <p:set>
                                       <p:cBhvr>
-                                        <p:cTn id="16" dur="1" fill="hold">
+                                        <p:cTn id="14" dur="1" fill="hold">
                                           <p:stCondLst>
                                             <p:cond delay="0"/>
                                           </p:stCondLst>
@@ -22360,7 +22567,7 @@
                                     </p:set>
                                     <p:animEffect transition="in" filter="randombar(horizontal)">
                                       <p:cBhvr>
-                                        <p:cTn id="17" dur="500"/>
+                                        <p:cTn id="15" dur="500"/>
                                         <p:tgtEl>
                                           <p:spTgt spid="3"/>
                                         </p:tgtEl>

--- a/presentation.pptx
+++ b/presentation.pptx
@@ -3658,7 +3658,7 @@
           <a:noFill/>
           <a:extLst>
             <a:ext uri="{909E8E84-426E-40dd-AFC4-6F175D3DCCD1}">
-              <a14:hiddenFill xmlns:a14="http://schemas.microsoft.com/office/drawing/2010/main" xmlns="">
+              <a14:hiddenFill xmlns="" xmlns:a14="http://schemas.microsoft.com/office/drawing/2010/main">
                 <a:solidFill>
                   <a:srgbClr val="FFFFFF"/>
                 </a:solidFill>
@@ -3717,7 +3717,7 @@
             </a:ln>
             <a:extLst>
               <a:ext uri="{91240B29-F687-4f45-9708-019B960494DF}">
-                <a14:hiddenLine xmlns:a14="http://schemas.microsoft.com/office/drawing/2010/main" xmlns="" w="9525">
+                <a14:hiddenLine xmlns="" xmlns:a14="http://schemas.microsoft.com/office/drawing/2010/main" w="9525">
                   <a:solidFill>
                     <a:srgbClr val="000000"/>
                   </a:solidFill>
@@ -3807,7 +3807,7 @@
             </a:ln>
             <a:extLst>
               <a:ext uri="{91240B29-F687-4f45-9708-019B960494DF}">
-                <a14:hiddenLine xmlns:a14="http://schemas.microsoft.com/office/drawing/2010/main" xmlns="" w="9525">
+                <a14:hiddenLine xmlns="" xmlns:a14="http://schemas.microsoft.com/office/drawing/2010/main" w="9525">
                   <a:solidFill>
                     <a:srgbClr val="000000"/>
                   </a:solidFill>
@@ -3897,7 +3897,7 @@
             </a:ln>
             <a:extLst>
               <a:ext uri="{91240B29-F687-4f45-9708-019B960494DF}">
-                <a14:hiddenLine xmlns:a14="http://schemas.microsoft.com/office/drawing/2010/main" xmlns="" w="9525">
+                <a14:hiddenLine xmlns="" xmlns:a14="http://schemas.microsoft.com/office/drawing/2010/main" w="9525">
                   <a:solidFill>
                     <a:srgbClr val="000000"/>
                   </a:solidFill>
@@ -3931,7 +3931,7 @@
             </a:ln>
             <a:extLst>
               <a:ext uri="{91240B29-F687-4f45-9708-019B960494DF}">
-                <a14:hiddenLine xmlns:a14="http://schemas.microsoft.com/office/drawing/2010/main" xmlns="" w="9525">
+                <a14:hiddenLine xmlns="" xmlns:a14="http://schemas.microsoft.com/office/drawing/2010/main" w="9525">
                   <a:solidFill>
                     <a:srgbClr val="000000"/>
                   </a:solidFill>
@@ -4021,7 +4021,7 @@
             </a:ln>
             <a:extLst>
               <a:ext uri="{91240B29-F687-4f45-9708-019B960494DF}">
-                <a14:hiddenLine xmlns:a14="http://schemas.microsoft.com/office/drawing/2010/main" xmlns="" w="9525">
+                <a14:hiddenLine xmlns="" xmlns:a14="http://schemas.microsoft.com/office/drawing/2010/main" w="9525">
                   <a:solidFill>
                     <a:srgbClr val="000000"/>
                   </a:solidFill>
@@ -4083,7 +4083,7 @@
             </a:ln>
             <a:extLst>
               <a:ext uri="{91240B29-F687-4f45-9708-019B960494DF}">
-                <a14:hiddenLine xmlns:a14="http://schemas.microsoft.com/office/drawing/2010/main" xmlns="" w="9525">
+                <a14:hiddenLine xmlns="" xmlns:a14="http://schemas.microsoft.com/office/drawing/2010/main" w="9525">
                   <a:solidFill>
                     <a:srgbClr val="000000"/>
                   </a:solidFill>
@@ -4145,7 +4145,7 @@
             </a:ln>
             <a:extLst>
               <a:ext uri="{91240B29-F687-4f45-9708-019B960494DF}">
-                <a14:hiddenLine xmlns:a14="http://schemas.microsoft.com/office/drawing/2010/main" xmlns="" w="9525">
+                <a14:hiddenLine xmlns="" xmlns:a14="http://schemas.microsoft.com/office/drawing/2010/main" w="9525">
                   <a:solidFill>
                     <a:srgbClr val="000000"/>
                   </a:solidFill>
@@ -4235,7 +4235,7 @@
             </a:ln>
             <a:extLst>
               <a:ext uri="{91240B29-F687-4f45-9708-019B960494DF}">
-                <a14:hiddenLine xmlns:a14="http://schemas.microsoft.com/office/drawing/2010/main" xmlns="" w="9525">
+                <a14:hiddenLine xmlns="" xmlns:a14="http://schemas.microsoft.com/office/drawing/2010/main" w="9525">
                   <a:solidFill>
                     <a:srgbClr val="000000"/>
                   </a:solidFill>
@@ -4297,7 +4297,7 @@
             </a:ln>
             <a:extLst>
               <a:ext uri="{91240B29-F687-4f45-9708-019B960494DF}">
-                <a14:hiddenLine xmlns:a14="http://schemas.microsoft.com/office/drawing/2010/main" xmlns="" w="9525">
+                <a14:hiddenLine xmlns="" xmlns:a14="http://schemas.microsoft.com/office/drawing/2010/main" w="9525">
                   <a:solidFill>
                     <a:srgbClr val="000000"/>
                   </a:solidFill>
@@ -4359,7 +4359,7 @@
             </a:ln>
             <a:extLst>
               <a:ext uri="{91240B29-F687-4f45-9708-019B960494DF}">
-                <a14:hiddenLine xmlns:a14="http://schemas.microsoft.com/office/drawing/2010/main" xmlns="" w="9525">
+                <a14:hiddenLine xmlns="" xmlns:a14="http://schemas.microsoft.com/office/drawing/2010/main" w="9525">
                   <a:solidFill>
                     <a:srgbClr val="000000"/>
                   </a:solidFill>
@@ -4449,7 +4449,7 @@
             </a:ln>
             <a:extLst>
               <a:ext uri="{91240B29-F687-4f45-9708-019B960494DF}">
-                <a14:hiddenLine xmlns:a14="http://schemas.microsoft.com/office/drawing/2010/main" xmlns="" w="9525">
+                <a14:hiddenLine xmlns="" xmlns:a14="http://schemas.microsoft.com/office/drawing/2010/main" w="9525">
                   <a:solidFill>
                     <a:srgbClr val="000000"/>
                   </a:solidFill>
@@ -4539,7 +4539,7 @@
             </a:ln>
             <a:extLst>
               <a:ext uri="{91240B29-F687-4f45-9708-019B960494DF}">
-                <a14:hiddenLine xmlns:a14="http://schemas.microsoft.com/office/drawing/2010/main" xmlns="" w="9525">
+                <a14:hiddenLine xmlns="" xmlns:a14="http://schemas.microsoft.com/office/drawing/2010/main" w="9525">
                   <a:solidFill>
                     <a:srgbClr val="000000"/>
                   </a:solidFill>
@@ -4601,7 +4601,7 @@
             </a:ln>
             <a:extLst>
               <a:ext uri="{91240B29-F687-4f45-9708-019B960494DF}">
-                <a14:hiddenLine xmlns:a14="http://schemas.microsoft.com/office/drawing/2010/main" xmlns="" w="9525">
+                <a14:hiddenLine xmlns="" xmlns:a14="http://schemas.microsoft.com/office/drawing/2010/main" w="9525">
                   <a:solidFill>
                     <a:srgbClr val="000000"/>
                   </a:solidFill>
@@ -4711,7 +4711,7 @@
             </a:ln>
             <a:extLst>
               <a:ext uri="{91240B29-F687-4f45-9708-019B960494DF}">
-                <a14:hiddenLine xmlns:a14="http://schemas.microsoft.com/office/drawing/2010/main" xmlns="" w="9525">
+                <a14:hiddenLine xmlns="" xmlns:a14="http://schemas.microsoft.com/office/drawing/2010/main" w="9525">
                   <a:solidFill>
                     <a:srgbClr val="000000"/>
                   </a:solidFill>
@@ -4773,7 +4773,7 @@
             </a:ln>
             <a:extLst>
               <a:ext uri="{91240B29-F687-4f45-9708-019B960494DF}">
-                <a14:hiddenLine xmlns:a14="http://schemas.microsoft.com/office/drawing/2010/main" xmlns="" w="9525">
+                <a14:hiddenLine xmlns="" xmlns:a14="http://schemas.microsoft.com/office/drawing/2010/main" w="9525">
                   <a:solidFill>
                     <a:srgbClr val="000000"/>
                   </a:solidFill>
@@ -4863,7 +4863,7 @@
             </a:ln>
             <a:extLst>
               <a:ext uri="{91240B29-F687-4f45-9708-019B960494DF}">
-                <a14:hiddenLine xmlns:a14="http://schemas.microsoft.com/office/drawing/2010/main" xmlns="" w="9525">
+                <a14:hiddenLine xmlns="" xmlns:a14="http://schemas.microsoft.com/office/drawing/2010/main" w="9525">
                   <a:solidFill>
                     <a:srgbClr val="000000"/>
                   </a:solidFill>
@@ -4953,7 +4953,7 @@
             </a:ln>
             <a:extLst>
               <a:ext uri="{91240B29-F687-4f45-9708-019B960494DF}">
-                <a14:hiddenLine xmlns:a14="http://schemas.microsoft.com/office/drawing/2010/main" xmlns="" w="9525">
+                <a14:hiddenLine xmlns="" xmlns:a14="http://schemas.microsoft.com/office/drawing/2010/main" w="9525">
                   <a:solidFill>
                     <a:srgbClr val="000000"/>
                   </a:solidFill>
@@ -5015,7 +5015,7 @@
             </a:ln>
             <a:extLst>
               <a:ext uri="{91240B29-F687-4f45-9708-019B960494DF}">
-                <a14:hiddenLine xmlns:a14="http://schemas.microsoft.com/office/drawing/2010/main" xmlns="" w="9525">
+                <a14:hiddenLine xmlns="" xmlns:a14="http://schemas.microsoft.com/office/drawing/2010/main" w="9525">
                   <a:solidFill>
                     <a:srgbClr val="000000"/>
                   </a:solidFill>
@@ -5105,7 +5105,7 @@
             </a:ln>
             <a:extLst>
               <a:ext uri="{91240B29-F687-4f45-9708-019B960494DF}">
-                <a14:hiddenLine xmlns:a14="http://schemas.microsoft.com/office/drawing/2010/main" xmlns="" w="9525">
+                <a14:hiddenLine xmlns="" xmlns:a14="http://schemas.microsoft.com/office/drawing/2010/main" w="9525">
                   <a:solidFill>
                     <a:srgbClr val="000000"/>
                   </a:solidFill>
@@ -5195,7 +5195,7 @@
             </a:ln>
             <a:extLst>
               <a:ext uri="{91240B29-F687-4f45-9708-019B960494DF}">
-                <a14:hiddenLine xmlns:a14="http://schemas.microsoft.com/office/drawing/2010/main" xmlns="" w="9525">
+                <a14:hiddenLine xmlns="" xmlns:a14="http://schemas.microsoft.com/office/drawing/2010/main" w="9525">
                   <a:solidFill>
                     <a:srgbClr val="000000"/>
                   </a:solidFill>
@@ -5251,7 +5251,7 @@
             </a:ln>
             <a:extLst>
               <a:ext uri="{91240B29-F687-4f45-9708-019B960494DF}">
-                <a14:hiddenLine xmlns:a14="http://schemas.microsoft.com/office/drawing/2010/main" xmlns="" w="9525">
+                <a14:hiddenLine xmlns="" xmlns:a14="http://schemas.microsoft.com/office/drawing/2010/main" w="9525">
                   <a:solidFill>
                     <a:srgbClr val="000000"/>
                   </a:solidFill>
@@ -5341,7 +5341,7 @@
             </a:ln>
             <a:extLst>
               <a:ext uri="{91240B29-F687-4f45-9708-019B960494DF}">
-                <a14:hiddenLine xmlns:a14="http://schemas.microsoft.com/office/drawing/2010/main" xmlns="" w="9525">
+                <a14:hiddenLine xmlns="" xmlns:a14="http://schemas.microsoft.com/office/drawing/2010/main" w="9525">
                   <a:solidFill>
                     <a:srgbClr val="000000"/>
                   </a:solidFill>
@@ -5397,7 +5397,7 @@
             </a:ln>
             <a:extLst>
               <a:ext uri="{91240B29-F687-4f45-9708-019B960494DF}">
-                <a14:hiddenLine xmlns:a14="http://schemas.microsoft.com/office/drawing/2010/main" xmlns="" w="9525">
+                <a14:hiddenLine xmlns="" xmlns:a14="http://schemas.microsoft.com/office/drawing/2010/main" w="9525">
                   <a:solidFill>
                     <a:srgbClr val="000000"/>
                   </a:solidFill>
@@ -5487,7 +5487,7 @@
             </a:ln>
             <a:extLst>
               <a:ext uri="{91240B29-F687-4f45-9708-019B960494DF}">
-                <a14:hiddenLine xmlns:a14="http://schemas.microsoft.com/office/drawing/2010/main" xmlns="" w="9525">
+                <a14:hiddenLine xmlns="" xmlns:a14="http://schemas.microsoft.com/office/drawing/2010/main" w="9525">
                   <a:solidFill>
                     <a:srgbClr val="000000"/>
                   </a:solidFill>
@@ -5555,7 +5555,7 @@
             </a:ln>
             <a:extLst>
               <a:ext uri="{91240B29-F687-4f45-9708-019B960494DF}">
-                <a14:hiddenLine xmlns:a14="http://schemas.microsoft.com/office/drawing/2010/main" xmlns="" w="9525">
+                <a14:hiddenLine xmlns="" xmlns:a14="http://schemas.microsoft.com/office/drawing/2010/main" w="9525">
                   <a:solidFill>
                     <a:srgbClr val="000000"/>
                   </a:solidFill>
@@ -5645,7 +5645,7 @@
             </a:ln>
             <a:extLst>
               <a:ext uri="{91240B29-F687-4f45-9708-019B960494DF}">
-                <a14:hiddenLine xmlns:a14="http://schemas.microsoft.com/office/drawing/2010/main" xmlns="" w="9525">
+                <a14:hiddenLine xmlns="" xmlns:a14="http://schemas.microsoft.com/office/drawing/2010/main" w="9525">
                   <a:solidFill>
                     <a:srgbClr val="000000"/>
                   </a:solidFill>
@@ -5713,7 +5713,7 @@
             </a:ln>
             <a:extLst>
               <a:ext uri="{91240B29-F687-4f45-9708-019B960494DF}">
-                <a14:hiddenLine xmlns:a14="http://schemas.microsoft.com/office/drawing/2010/main" xmlns="" w="9525">
+                <a14:hiddenLine xmlns="" xmlns:a14="http://schemas.microsoft.com/office/drawing/2010/main" w="9525">
                   <a:solidFill>
                     <a:srgbClr val="000000"/>
                   </a:solidFill>
@@ -5803,7 +5803,7 @@
             </a:ln>
             <a:extLst>
               <a:ext uri="{91240B29-F687-4f45-9708-019B960494DF}">
-                <a14:hiddenLine xmlns:a14="http://schemas.microsoft.com/office/drawing/2010/main" xmlns="" w="9525">
+                <a14:hiddenLine xmlns="" xmlns:a14="http://schemas.microsoft.com/office/drawing/2010/main" w="9525">
                   <a:solidFill>
                     <a:srgbClr val="000000"/>
                   </a:solidFill>
@@ -5837,7 +5837,7 @@
             </a:ln>
             <a:extLst>
               <a:ext uri="{91240B29-F687-4f45-9708-019B960494DF}">
-                <a14:hiddenLine xmlns:a14="http://schemas.microsoft.com/office/drawing/2010/main" xmlns="" w="9525">
+                <a14:hiddenLine xmlns="" xmlns:a14="http://schemas.microsoft.com/office/drawing/2010/main" w="9525">
                   <a:solidFill>
                     <a:srgbClr val="000000"/>
                   </a:solidFill>
@@ -5927,7 +5927,7 @@
             </a:ln>
             <a:extLst>
               <a:ext uri="{91240B29-F687-4f45-9708-019B960494DF}">
-                <a14:hiddenLine xmlns:a14="http://schemas.microsoft.com/office/drawing/2010/main" xmlns="" w="9525">
+                <a14:hiddenLine xmlns="" xmlns:a14="http://schemas.microsoft.com/office/drawing/2010/main" w="9525">
                   <a:solidFill>
                     <a:srgbClr val="000000"/>
                   </a:solidFill>
@@ -5989,7 +5989,7 @@
             </a:ln>
             <a:extLst>
               <a:ext uri="{91240B29-F687-4f45-9708-019B960494DF}">
-                <a14:hiddenLine xmlns:a14="http://schemas.microsoft.com/office/drawing/2010/main" xmlns="" w="9525">
+                <a14:hiddenLine xmlns="" xmlns:a14="http://schemas.microsoft.com/office/drawing/2010/main" w="9525">
                   <a:solidFill>
                     <a:srgbClr val="000000"/>
                   </a:solidFill>
@@ -6051,7 +6051,7 @@
             </a:ln>
             <a:extLst>
               <a:ext uri="{91240B29-F687-4f45-9708-019B960494DF}">
-                <a14:hiddenLine xmlns:a14="http://schemas.microsoft.com/office/drawing/2010/main" xmlns="" w="9525">
+                <a14:hiddenLine xmlns="" xmlns:a14="http://schemas.microsoft.com/office/drawing/2010/main" w="9525">
                   <a:solidFill>
                     <a:srgbClr val="000000"/>
                   </a:solidFill>
@@ -6141,7 +6141,7 @@
             </a:ln>
             <a:extLst>
               <a:ext uri="{91240B29-F687-4f45-9708-019B960494DF}">
-                <a14:hiddenLine xmlns:a14="http://schemas.microsoft.com/office/drawing/2010/main" xmlns="" w="9525">
+                <a14:hiddenLine xmlns="" xmlns:a14="http://schemas.microsoft.com/office/drawing/2010/main" w="9525">
                   <a:solidFill>
                     <a:srgbClr val="000000"/>
                   </a:solidFill>
@@ -6209,7 +6209,7 @@
             </a:ln>
             <a:extLst>
               <a:ext uri="{91240B29-F687-4f45-9708-019B960494DF}">
-                <a14:hiddenLine xmlns:a14="http://schemas.microsoft.com/office/drawing/2010/main" xmlns="" w="9525">
+                <a14:hiddenLine xmlns="" xmlns:a14="http://schemas.microsoft.com/office/drawing/2010/main" w="9525">
                   <a:solidFill>
                     <a:srgbClr val="000000"/>
                   </a:solidFill>
@@ -6271,7 +6271,7 @@
             </a:ln>
             <a:extLst>
               <a:ext uri="{91240B29-F687-4f45-9708-019B960494DF}">
-                <a14:hiddenLine xmlns:a14="http://schemas.microsoft.com/office/drawing/2010/main" xmlns="" w="9525">
+                <a14:hiddenLine xmlns="" xmlns:a14="http://schemas.microsoft.com/office/drawing/2010/main" w="9525">
                   <a:solidFill>
                     <a:srgbClr val="000000"/>
                   </a:solidFill>
@@ -6361,7 +6361,7 @@
             </a:ln>
             <a:extLst>
               <a:ext uri="{91240B29-F687-4f45-9708-019B960494DF}">
-                <a14:hiddenLine xmlns:a14="http://schemas.microsoft.com/office/drawing/2010/main" xmlns="" w="9525">
+                <a14:hiddenLine xmlns="" xmlns:a14="http://schemas.microsoft.com/office/drawing/2010/main" w="9525">
                   <a:solidFill>
                     <a:srgbClr val="000000"/>
                   </a:solidFill>
@@ -6423,7 +6423,7 @@
             </a:ln>
             <a:extLst>
               <a:ext uri="{91240B29-F687-4f45-9708-019B960494DF}">
-                <a14:hiddenLine xmlns:a14="http://schemas.microsoft.com/office/drawing/2010/main" xmlns="" w="9525">
+                <a14:hiddenLine xmlns="" xmlns:a14="http://schemas.microsoft.com/office/drawing/2010/main" w="9525">
                   <a:solidFill>
                     <a:srgbClr val="000000"/>
                   </a:solidFill>
@@ -6513,7 +6513,7 @@
             </a:ln>
             <a:extLst>
               <a:ext uri="{91240B29-F687-4f45-9708-019B960494DF}">
-                <a14:hiddenLine xmlns:a14="http://schemas.microsoft.com/office/drawing/2010/main" xmlns="" w="9525">
+                <a14:hiddenLine xmlns="" xmlns:a14="http://schemas.microsoft.com/office/drawing/2010/main" w="9525">
                   <a:solidFill>
                     <a:srgbClr val="000000"/>
                   </a:solidFill>
@@ -6575,7 +6575,7 @@
             </a:ln>
             <a:extLst>
               <a:ext uri="{91240B29-F687-4f45-9708-019B960494DF}">
-                <a14:hiddenLine xmlns:a14="http://schemas.microsoft.com/office/drawing/2010/main" xmlns="" w="9525">
+                <a14:hiddenLine xmlns="" xmlns:a14="http://schemas.microsoft.com/office/drawing/2010/main" w="9525">
                   <a:solidFill>
                     <a:srgbClr val="000000"/>
                   </a:solidFill>
@@ -6665,7 +6665,7 @@
             </a:ln>
             <a:extLst>
               <a:ext uri="{91240B29-F687-4f45-9708-019B960494DF}">
-                <a14:hiddenLine xmlns:a14="http://schemas.microsoft.com/office/drawing/2010/main" xmlns="" w="9525">
+                <a14:hiddenLine xmlns="" xmlns:a14="http://schemas.microsoft.com/office/drawing/2010/main" w="9525">
                   <a:solidFill>
                     <a:srgbClr val="000000"/>
                   </a:solidFill>
@@ -6699,7 +6699,7 @@
             </a:ln>
             <a:extLst>
               <a:ext uri="{91240B29-F687-4f45-9708-019B960494DF}">
-                <a14:hiddenLine xmlns:a14="http://schemas.microsoft.com/office/drawing/2010/main" xmlns="" w="9525">
+                <a14:hiddenLine xmlns="" xmlns:a14="http://schemas.microsoft.com/office/drawing/2010/main" w="9525">
                   <a:solidFill>
                     <a:srgbClr val="000000"/>
                   </a:solidFill>
@@ -6764,7 +6764,7 @@
             </a:ln>
             <a:extLst>
               <a:ext uri="{91240B29-F687-4f45-9708-019B960494DF}">
-                <a14:hiddenLine xmlns:a14="http://schemas.microsoft.com/office/drawing/2010/main" xmlns="" w="9525">
+                <a14:hiddenLine xmlns="" xmlns:a14="http://schemas.microsoft.com/office/drawing/2010/main" w="9525">
                   <a:solidFill>
                     <a:srgbClr val="000000"/>
                   </a:solidFill>
@@ -6854,7 +6854,7 @@
             </a:ln>
             <a:extLst>
               <a:ext uri="{91240B29-F687-4f45-9708-019B960494DF}">
-                <a14:hiddenLine xmlns:a14="http://schemas.microsoft.com/office/drawing/2010/main" xmlns="" w="9525">
+                <a14:hiddenLine xmlns="" xmlns:a14="http://schemas.microsoft.com/office/drawing/2010/main" w="9525">
                   <a:solidFill>
                     <a:srgbClr val="000000"/>
                   </a:solidFill>
@@ -6916,7 +6916,7 @@
             </a:ln>
             <a:extLst>
               <a:ext uri="{91240B29-F687-4f45-9708-019B960494DF}">
-                <a14:hiddenLine xmlns:a14="http://schemas.microsoft.com/office/drawing/2010/main" xmlns="" w="9525">
+                <a14:hiddenLine xmlns="" xmlns:a14="http://schemas.microsoft.com/office/drawing/2010/main" w="9525">
                   <a:solidFill>
                     <a:srgbClr val="000000"/>
                   </a:solidFill>
@@ -7006,7 +7006,7 @@
             </a:ln>
             <a:extLst>
               <a:ext uri="{91240B29-F687-4f45-9708-019B960494DF}">
-                <a14:hiddenLine xmlns:a14="http://schemas.microsoft.com/office/drawing/2010/main" xmlns="" w="9525">
+                <a14:hiddenLine xmlns="" xmlns:a14="http://schemas.microsoft.com/office/drawing/2010/main" w="9525">
                   <a:solidFill>
                     <a:srgbClr val="000000"/>
                   </a:solidFill>
@@ -7096,7 +7096,7 @@
             </a:ln>
             <a:extLst>
               <a:ext uri="{91240B29-F687-4f45-9708-019B960494DF}">
-                <a14:hiddenLine xmlns:a14="http://schemas.microsoft.com/office/drawing/2010/main" xmlns="" w="9525">
+                <a14:hiddenLine xmlns="" xmlns:a14="http://schemas.microsoft.com/office/drawing/2010/main" w="9525">
                   <a:solidFill>
                     <a:srgbClr val="000000"/>
                   </a:solidFill>
@@ -7161,7 +7161,7 @@
             </a:ln>
             <a:extLst>
               <a:ext uri="{91240B29-F687-4f45-9708-019B960494DF}">
-                <a14:hiddenLine xmlns:a14="http://schemas.microsoft.com/office/drawing/2010/main" xmlns="" w="9525">
+                <a14:hiddenLine xmlns="" xmlns:a14="http://schemas.microsoft.com/office/drawing/2010/main" w="9525">
                   <a:solidFill>
                     <a:srgbClr val="000000"/>
                   </a:solidFill>
@@ -7223,7 +7223,7 @@
             </a:ln>
             <a:extLst>
               <a:ext uri="{91240B29-F687-4f45-9708-019B960494DF}">
-                <a14:hiddenLine xmlns:a14="http://schemas.microsoft.com/office/drawing/2010/main" xmlns="" w="9525">
+                <a14:hiddenLine xmlns="" xmlns:a14="http://schemas.microsoft.com/office/drawing/2010/main" w="9525">
                   <a:solidFill>
                     <a:srgbClr val="000000"/>
                   </a:solidFill>
@@ -7313,7 +7313,7 @@
             </a:ln>
             <a:extLst>
               <a:ext uri="{91240B29-F687-4f45-9708-019B960494DF}">
-                <a14:hiddenLine xmlns:a14="http://schemas.microsoft.com/office/drawing/2010/main" xmlns="" w="9525">
+                <a14:hiddenLine xmlns="" xmlns:a14="http://schemas.microsoft.com/office/drawing/2010/main" w="9525">
                   <a:solidFill>
                     <a:srgbClr val="000000"/>
                   </a:solidFill>
@@ -7403,7 +7403,7 @@
             </a:ln>
             <a:extLst>
               <a:ext uri="{91240B29-F687-4f45-9708-019B960494DF}">
-                <a14:hiddenLine xmlns:a14="http://schemas.microsoft.com/office/drawing/2010/main" xmlns="" w="9525">
+                <a14:hiddenLine xmlns="" xmlns:a14="http://schemas.microsoft.com/office/drawing/2010/main" w="9525">
                   <a:solidFill>
                     <a:srgbClr val="000000"/>
                   </a:solidFill>
@@ -7465,7 +7465,7 @@
             </a:ln>
             <a:extLst>
               <a:ext uri="{91240B29-F687-4f45-9708-019B960494DF}">
-                <a14:hiddenLine xmlns:a14="http://schemas.microsoft.com/office/drawing/2010/main" xmlns="" w="9525">
+                <a14:hiddenLine xmlns="" xmlns:a14="http://schemas.microsoft.com/office/drawing/2010/main" w="9525">
                   <a:solidFill>
                     <a:srgbClr val="000000"/>
                   </a:solidFill>
@@ -7585,7 +7585,7 @@
             </a:ln>
             <a:extLst>
               <a:ext uri="{91240B29-F687-4f45-9708-019B960494DF}">
-                <a14:hiddenLine xmlns:a14="http://schemas.microsoft.com/office/drawing/2010/main" xmlns="" w="9525">
+                <a14:hiddenLine xmlns="" xmlns:a14="http://schemas.microsoft.com/office/drawing/2010/main" w="9525">
                   <a:solidFill>
                     <a:srgbClr val="000000"/>
                   </a:solidFill>
@@ -7653,7 +7653,7 @@
             </a:ln>
             <a:extLst>
               <a:ext uri="{91240B29-F687-4f45-9708-019B960494DF}">
-                <a14:hiddenLine xmlns:a14="http://schemas.microsoft.com/office/drawing/2010/main" xmlns="" w="9525">
+                <a14:hiddenLine xmlns="" xmlns:a14="http://schemas.microsoft.com/office/drawing/2010/main" w="9525">
                   <a:solidFill>
                     <a:srgbClr val="000000"/>
                   </a:solidFill>
@@ -7743,7 +7743,7 @@
             </a:ln>
             <a:extLst>
               <a:ext uri="{91240B29-F687-4f45-9708-019B960494DF}">
-                <a14:hiddenLine xmlns:a14="http://schemas.microsoft.com/office/drawing/2010/main" xmlns="" w="9525">
+                <a14:hiddenLine xmlns="" xmlns:a14="http://schemas.microsoft.com/office/drawing/2010/main" w="9525">
                   <a:solidFill>
                     <a:srgbClr val="000000"/>
                   </a:solidFill>
@@ -12472,7 +12472,7 @@
           <a:noFill/>
           <a:extLst>
             <a:ext uri="{909E8E84-426E-40dd-AFC4-6F175D3DCCD1}">
-              <a14:hiddenFill xmlns:a14="http://schemas.microsoft.com/office/drawing/2010/main" xmlns="">
+              <a14:hiddenFill xmlns="" xmlns:a14="http://schemas.microsoft.com/office/drawing/2010/main">
                 <a:solidFill>
                   <a:srgbClr val="FFFFFF"/>
                 </a:solidFill>
@@ -12546,7 +12546,7 @@
               </a:ln>
               <a:extLst>
                 <a:ext uri="{91240B29-F687-4f45-9708-019B960494DF}">
-                  <a14:hiddenLine xmlns:a14="http://schemas.microsoft.com/office/drawing/2010/main" xmlns="" w="9525">
+                  <a14:hiddenLine xmlns="" xmlns:a14="http://schemas.microsoft.com/office/drawing/2010/main" w="9525">
                     <a:solidFill>
                       <a:srgbClr val="000000"/>
                     </a:solidFill>
@@ -12636,7 +12636,7 @@
               </a:ln>
               <a:extLst>
                 <a:ext uri="{91240B29-F687-4f45-9708-019B960494DF}">
-                  <a14:hiddenLine xmlns:a14="http://schemas.microsoft.com/office/drawing/2010/main" xmlns="" w="9525">
+                  <a14:hiddenLine xmlns="" xmlns:a14="http://schemas.microsoft.com/office/drawing/2010/main" w="9525">
                     <a:solidFill>
                       <a:srgbClr val="000000"/>
                     </a:solidFill>
@@ -12726,7 +12726,7 @@
               </a:ln>
               <a:extLst>
                 <a:ext uri="{91240B29-F687-4f45-9708-019B960494DF}">
-                  <a14:hiddenLine xmlns:a14="http://schemas.microsoft.com/office/drawing/2010/main" xmlns="" w="9525">
+                  <a14:hiddenLine xmlns="" xmlns:a14="http://schemas.microsoft.com/office/drawing/2010/main" w="9525">
                     <a:solidFill>
                       <a:srgbClr val="000000"/>
                     </a:solidFill>
@@ -12788,7 +12788,7 @@
               </a:ln>
               <a:extLst>
                 <a:ext uri="{91240B29-F687-4f45-9708-019B960494DF}">
-                  <a14:hiddenLine xmlns:a14="http://schemas.microsoft.com/office/drawing/2010/main" xmlns="" w="9525">
+                  <a14:hiddenLine xmlns="" xmlns:a14="http://schemas.microsoft.com/office/drawing/2010/main" w="9525">
                     <a:solidFill>
                       <a:srgbClr val="000000"/>
                     </a:solidFill>
@@ -12878,7 +12878,7 @@
               </a:ln>
               <a:extLst>
                 <a:ext uri="{91240B29-F687-4f45-9708-019B960494DF}">
-                  <a14:hiddenLine xmlns:a14="http://schemas.microsoft.com/office/drawing/2010/main" xmlns="" w="9525">
+                  <a14:hiddenLine xmlns="" xmlns:a14="http://schemas.microsoft.com/office/drawing/2010/main" w="9525">
                     <a:solidFill>
                       <a:srgbClr val="000000"/>
                     </a:solidFill>
@@ -12940,7 +12940,7 @@
               </a:ln>
               <a:extLst>
                 <a:ext uri="{91240B29-F687-4f45-9708-019B960494DF}">
-                  <a14:hiddenLine xmlns:a14="http://schemas.microsoft.com/office/drawing/2010/main" xmlns="" w="9525">
+                  <a14:hiddenLine xmlns="" xmlns:a14="http://schemas.microsoft.com/office/drawing/2010/main" w="9525">
                     <a:solidFill>
                       <a:srgbClr val="000000"/>
                     </a:solidFill>
@@ -13002,7 +13002,7 @@
               </a:ln>
               <a:extLst>
                 <a:ext uri="{91240B29-F687-4f45-9708-019B960494DF}">
-                  <a14:hiddenLine xmlns:a14="http://schemas.microsoft.com/office/drawing/2010/main" xmlns="" w="9525">
+                  <a14:hiddenLine xmlns="" xmlns:a14="http://schemas.microsoft.com/office/drawing/2010/main" w="9525">
                     <a:solidFill>
                       <a:srgbClr val="000000"/>
                     </a:solidFill>
@@ -13092,7 +13092,7 @@
               </a:ln>
               <a:extLst>
                 <a:ext uri="{91240B29-F687-4f45-9708-019B960494DF}">
-                  <a14:hiddenLine xmlns:a14="http://schemas.microsoft.com/office/drawing/2010/main" xmlns="" w="9525">
+                  <a14:hiddenLine xmlns="" xmlns:a14="http://schemas.microsoft.com/office/drawing/2010/main" w="9525">
                     <a:solidFill>
                       <a:srgbClr val="000000"/>
                     </a:solidFill>
@@ -13182,7 +13182,7 @@
               </a:ln>
               <a:extLst>
                 <a:ext uri="{91240B29-F687-4f45-9708-019B960494DF}">
-                  <a14:hiddenLine xmlns:a14="http://schemas.microsoft.com/office/drawing/2010/main" xmlns="" w="9525">
+                  <a14:hiddenLine xmlns="" xmlns:a14="http://schemas.microsoft.com/office/drawing/2010/main" w="9525">
                     <a:solidFill>
                       <a:srgbClr val="000000"/>
                     </a:solidFill>
@@ -13244,7 +13244,7 @@
               </a:ln>
               <a:extLst>
                 <a:ext uri="{91240B29-F687-4f45-9708-019B960494DF}">
-                  <a14:hiddenLine xmlns:a14="http://schemas.microsoft.com/office/drawing/2010/main" xmlns="" w="9525">
+                  <a14:hiddenLine xmlns="" xmlns:a14="http://schemas.microsoft.com/office/drawing/2010/main" w="9525">
                     <a:solidFill>
                       <a:srgbClr val="000000"/>
                     </a:solidFill>
@@ -13354,7 +13354,7 @@
               </a:ln>
               <a:extLst>
                 <a:ext uri="{91240B29-F687-4f45-9708-019B960494DF}">
-                  <a14:hiddenLine xmlns:a14="http://schemas.microsoft.com/office/drawing/2010/main" xmlns="" w="9525">
+                  <a14:hiddenLine xmlns="" xmlns:a14="http://schemas.microsoft.com/office/drawing/2010/main" w="9525">
                     <a:solidFill>
                       <a:srgbClr val="000000"/>
                     </a:solidFill>
@@ -13438,7 +13438,7 @@
               </a:ln>
               <a:extLst>
                 <a:ext uri="{91240B29-F687-4f45-9708-019B960494DF}">
-                  <a14:hiddenLine xmlns:a14="http://schemas.microsoft.com/office/drawing/2010/main" xmlns="" w="9525">
+                  <a14:hiddenLine xmlns="" xmlns:a14="http://schemas.microsoft.com/office/drawing/2010/main" w="9525">
                     <a:solidFill>
                       <a:srgbClr val="000000"/>
                     </a:solidFill>
@@ -13500,7 +13500,7 @@
               </a:ln>
               <a:extLst>
                 <a:ext uri="{91240B29-F687-4f45-9708-019B960494DF}">
-                  <a14:hiddenLine xmlns:a14="http://schemas.microsoft.com/office/drawing/2010/main" xmlns="" w="9525">
+                  <a14:hiddenLine xmlns="" xmlns:a14="http://schemas.microsoft.com/office/drawing/2010/main" w="9525">
                     <a:solidFill>
                       <a:srgbClr val="000000"/>
                     </a:solidFill>
@@ -13562,7 +13562,7 @@
               </a:ln>
               <a:extLst>
                 <a:ext uri="{91240B29-F687-4f45-9708-019B960494DF}">
-                  <a14:hiddenLine xmlns:a14="http://schemas.microsoft.com/office/drawing/2010/main" xmlns="" w="9525">
+                  <a14:hiddenLine xmlns="" xmlns:a14="http://schemas.microsoft.com/office/drawing/2010/main" w="9525">
                     <a:solidFill>
                       <a:srgbClr val="000000"/>
                     </a:solidFill>
@@ -13652,7 +13652,7 @@
               </a:ln>
               <a:extLst>
                 <a:ext uri="{91240B29-F687-4f45-9708-019B960494DF}">
-                  <a14:hiddenLine xmlns:a14="http://schemas.microsoft.com/office/drawing/2010/main" xmlns="" w="9525">
+                  <a14:hiddenLine xmlns="" xmlns:a14="http://schemas.microsoft.com/office/drawing/2010/main" w="9525">
                     <a:solidFill>
                       <a:srgbClr val="000000"/>
                     </a:solidFill>
@@ -13686,7 +13686,7 @@
               </a:ln>
               <a:extLst>
                 <a:ext uri="{91240B29-F687-4f45-9708-019B960494DF}">
-                  <a14:hiddenLine xmlns:a14="http://schemas.microsoft.com/office/drawing/2010/main" xmlns="" w="9525">
+                  <a14:hiddenLine xmlns="" xmlns:a14="http://schemas.microsoft.com/office/drawing/2010/main" w="9525">
                     <a:solidFill>
                       <a:srgbClr val="000000"/>
                     </a:solidFill>
@@ -13751,7 +13751,7 @@
               </a:ln>
               <a:extLst>
                 <a:ext uri="{91240B29-F687-4f45-9708-019B960494DF}">
-                  <a14:hiddenLine xmlns:a14="http://schemas.microsoft.com/office/drawing/2010/main" xmlns="" w="9525">
+                  <a14:hiddenLine xmlns="" xmlns:a14="http://schemas.microsoft.com/office/drawing/2010/main" w="9525">
                     <a:solidFill>
                       <a:srgbClr val="000000"/>
                     </a:solidFill>
@@ -13841,7 +13841,7 @@
               </a:ln>
               <a:extLst>
                 <a:ext uri="{91240B29-F687-4f45-9708-019B960494DF}">
-                  <a14:hiddenLine xmlns:a14="http://schemas.microsoft.com/office/drawing/2010/main" xmlns="" w="9525">
+                  <a14:hiddenLine xmlns="" xmlns:a14="http://schemas.microsoft.com/office/drawing/2010/main" w="9525">
                     <a:solidFill>
                       <a:srgbClr val="000000"/>
                     </a:solidFill>
@@ -13903,7 +13903,7 @@
               </a:ln>
               <a:extLst>
                 <a:ext uri="{91240B29-F687-4f45-9708-019B960494DF}">
-                  <a14:hiddenLine xmlns:a14="http://schemas.microsoft.com/office/drawing/2010/main" xmlns="" w="9525">
+                  <a14:hiddenLine xmlns="" xmlns:a14="http://schemas.microsoft.com/office/drawing/2010/main" w="9525">
                     <a:solidFill>
                       <a:srgbClr val="000000"/>
                     </a:solidFill>
@@ -13993,7 +13993,7 @@
               </a:ln>
               <a:extLst>
                 <a:ext uri="{91240B29-F687-4f45-9708-019B960494DF}">
-                  <a14:hiddenLine xmlns:a14="http://schemas.microsoft.com/office/drawing/2010/main" xmlns="" w="9525">
+                  <a14:hiddenLine xmlns="" xmlns:a14="http://schemas.microsoft.com/office/drawing/2010/main" w="9525">
                     <a:solidFill>
                       <a:srgbClr val="000000"/>
                     </a:solidFill>
@@ -14058,7 +14058,7 @@
               </a:ln>
               <a:extLst>
                 <a:ext uri="{91240B29-F687-4f45-9708-019B960494DF}">
-                  <a14:hiddenLine xmlns:a14="http://schemas.microsoft.com/office/drawing/2010/main" xmlns="" w="9525">
+                  <a14:hiddenLine xmlns="" xmlns:a14="http://schemas.microsoft.com/office/drawing/2010/main" w="9525">
                     <a:solidFill>
                       <a:srgbClr val="000000"/>
                     </a:solidFill>
@@ -14120,7 +14120,7 @@
               </a:ln>
               <a:extLst>
                 <a:ext uri="{91240B29-F687-4f45-9708-019B960494DF}">
-                  <a14:hiddenLine xmlns:a14="http://schemas.microsoft.com/office/drawing/2010/main" xmlns="" w="9525">
+                  <a14:hiddenLine xmlns="" xmlns:a14="http://schemas.microsoft.com/office/drawing/2010/main" w="9525">
                     <a:solidFill>
                       <a:srgbClr val="000000"/>
                     </a:solidFill>
@@ -14210,7 +14210,7 @@
               </a:ln>
               <a:extLst>
                 <a:ext uri="{91240B29-F687-4f45-9708-019B960494DF}">
-                  <a14:hiddenLine xmlns:a14="http://schemas.microsoft.com/office/drawing/2010/main" xmlns="" w="9525">
+                  <a14:hiddenLine xmlns="" xmlns:a14="http://schemas.microsoft.com/office/drawing/2010/main" w="9525">
                     <a:solidFill>
                       <a:srgbClr val="000000"/>
                     </a:solidFill>
@@ -14300,7 +14300,7 @@
               </a:ln>
               <a:extLst>
                 <a:ext uri="{91240B29-F687-4f45-9708-019B960494DF}">
-                  <a14:hiddenLine xmlns:a14="http://schemas.microsoft.com/office/drawing/2010/main" xmlns="" w="9525">
+                  <a14:hiddenLine xmlns="" xmlns:a14="http://schemas.microsoft.com/office/drawing/2010/main" w="9525">
                     <a:solidFill>
                       <a:srgbClr val="000000"/>
                     </a:solidFill>
@@ -14365,7 +14365,7 @@
               </a:ln>
               <a:extLst>
                 <a:ext uri="{91240B29-F687-4f45-9708-019B960494DF}">
-                  <a14:hiddenLine xmlns:a14="http://schemas.microsoft.com/office/drawing/2010/main" xmlns="" w="9525">
+                  <a14:hiddenLine xmlns="" xmlns:a14="http://schemas.microsoft.com/office/drawing/2010/main" w="9525">
                     <a:solidFill>
                       <a:srgbClr val="000000"/>
                     </a:solidFill>
@@ -14485,7 +14485,7 @@
               </a:ln>
               <a:extLst>
                 <a:ext uri="{91240B29-F687-4f45-9708-019B960494DF}">
-                  <a14:hiddenLine xmlns:a14="http://schemas.microsoft.com/office/drawing/2010/main" xmlns="" w="9525">
+                  <a14:hiddenLine xmlns="" xmlns:a14="http://schemas.microsoft.com/office/drawing/2010/main" w="9525">
                     <a:solidFill>
                       <a:srgbClr val="000000"/>
                     </a:solidFill>
@@ -14566,7 +14566,7 @@
               </a:ln>
               <a:extLst>
                 <a:ext uri="{91240B29-F687-4f45-9708-019B960494DF}">
-                  <a14:hiddenLine xmlns:a14="http://schemas.microsoft.com/office/drawing/2010/main" xmlns="" w="9525">
+                  <a14:hiddenLine xmlns="" xmlns:a14="http://schemas.microsoft.com/office/drawing/2010/main" w="9525">
                     <a:solidFill>
                       <a:srgbClr val="000000"/>
                     </a:solidFill>
@@ -14681,7 +14681,7 @@
               </a:ln>
               <a:extLst>
                 <a:ext uri="{91240B29-F687-4f45-9708-019B960494DF}">
-                  <a14:hiddenLine xmlns:a14="http://schemas.microsoft.com/office/drawing/2010/main" xmlns="" w="9525">
+                  <a14:hiddenLine xmlns="" xmlns:a14="http://schemas.microsoft.com/office/drawing/2010/main" w="9525">
                     <a:solidFill>
                       <a:srgbClr val="000000"/>
                     </a:solidFill>
@@ -14771,7 +14771,7 @@
               </a:ln>
               <a:extLst>
                 <a:ext uri="{91240B29-F687-4f45-9708-019B960494DF}">
-                  <a14:hiddenLine xmlns:a14="http://schemas.microsoft.com/office/drawing/2010/main" xmlns="" w="9525">
+                  <a14:hiddenLine xmlns="" xmlns:a14="http://schemas.microsoft.com/office/drawing/2010/main" w="9525">
                     <a:solidFill>
                       <a:srgbClr val="000000"/>
                     </a:solidFill>
@@ -14836,7 +14836,7 @@
               </a:ln>
               <a:extLst>
                 <a:ext uri="{91240B29-F687-4f45-9708-019B960494DF}">
-                  <a14:hiddenLine xmlns:a14="http://schemas.microsoft.com/office/drawing/2010/main" xmlns="" w="9525">
+                  <a14:hiddenLine xmlns="" xmlns:a14="http://schemas.microsoft.com/office/drawing/2010/main" w="9525">
                     <a:solidFill>
                       <a:srgbClr val="000000"/>
                     </a:solidFill>
@@ -14926,7 +14926,7 @@
               </a:ln>
               <a:extLst>
                 <a:ext uri="{91240B29-F687-4f45-9708-019B960494DF}">
-                  <a14:hiddenLine xmlns:a14="http://schemas.microsoft.com/office/drawing/2010/main" xmlns="" w="9525">
+                  <a14:hiddenLine xmlns="" xmlns:a14="http://schemas.microsoft.com/office/drawing/2010/main" w="9525">
                     <a:solidFill>
                       <a:srgbClr val="000000"/>
                     </a:solidFill>
@@ -14994,7 +14994,7 @@
               </a:ln>
               <a:extLst>
                 <a:ext uri="{91240B29-F687-4f45-9708-019B960494DF}">
-                  <a14:hiddenLine xmlns:a14="http://schemas.microsoft.com/office/drawing/2010/main" xmlns="" w="9525">
+                  <a14:hiddenLine xmlns="" xmlns:a14="http://schemas.microsoft.com/office/drawing/2010/main" w="9525">
                     <a:solidFill>
                       <a:srgbClr val="000000"/>
                     </a:solidFill>
@@ -15084,7 +15084,7 @@
               </a:ln>
               <a:extLst>
                 <a:ext uri="{91240B29-F687-4f45-9708-019B960494DF}">
-                  <a14:hiddenLine xmlns:a14="http://schemas.microsoft.com/office/drawing/2010/main" xmlns="" w="9525">
+                  <a14:hiddenLine xmlns="" xmlns:a14="http://schemas.microsoft.com/office/drawing/2010/main" w="9525">
                     <a:solidFill>
                       <a:srgbClr val="000000"/>
                     </a:solidFill>
@@ -15152,7 +15152,7 @@
               </a:ln>
               <a:extLst>
                 <a:ext uri="{91240B29-F687-4f45-9708-019B960494DF}">
-                  <a14:hiddenLine xmlns:a14="http://schemas.microsoft.com/office/drawing/2010/main" xmlns="" w="9525">
+                  <a14:hiddenLine xmlns="" xmlns:a14="http://schemas.microsoft.com/office/drawing/2010/main" w="9525">
                     <a:solidFill>
                       <a:srgbClr val="000000"/>
                     </a:solidFill>
@@ -15242,7 +15242,7 @@
               </a:ln>
               <a:extLst>
                 <a:ext uri="{91240B29-F687-4f45-9708-019B960494DF}">
-                  <a14:hiddenLine xmlns:a14="http://schemas.microsoft.com/office/drawing/2010/main" xmlns="" w="9525">
+                  <a14:hiddenLine xmlns="" xmlns:a14="http://schemas.microsoft.com/office/drawing/2010/main" w="9525">
                     <a:solidFill>
                       <a:srgbClr val="000000"/>
                     </a:solidFill>
@@ -15276,7 +15276,7 @@
               </a:ln>
               <a:extLst>
                 <a:ext uri="{91240B29-F687-4f45-9708-019B960494DF}">
-                  <a14:hiddenLine xmlns:a14="http://schemas.microsoft.com/office/drawing/2010/main" xmlns="" w="9525">
+                  <a14:hiddenLine xmlns="" xmlns:a14="http://schemas.microsoft.com/office/drawing/2010/main" w="9525">
                     <a:solidFill>
                       <a:srgbClr val="000000"/>
                     </a:solidFill>
@@ -15878,10 +15878,14 @@
           <a:lstStyle/>
           <a:p>
             <a:r>
-              <a:rPr lang="de-CH" sz="2800" dirty="0" smtClean="0"/>
-              <a:t>Einführung in das maschinelle Lernen</a:t>
-            </a:r>
-            <a:endParaRPr lang="de-CH" sz="2800" dirty="0"/>
+              <a:rPr lang="en-US" dirty="0"/>
+              <a:t>The information age is over, welcome to the machine learning </a:t>
+            </a:r>
+            <a:r>
+              <a:rPr lang="en-US" dirty="0" smtClean="0"/>
+              <a:t>age</a:t>
+            </a:r>
+            <a:endParaRPr lang="en-US" dirty="0"/>
           </a:p>
         </p:txBody>
       </p:sp>
@@ -20983,10 +20987,18 @@
           <a:lstStyle/>
           <a:p>
             <a:r>
-              <a:rPr lang="de-CH" dirty="0" smtClean="0"/>
+              <a:rPr lang="de-CH" dirty="0" smtClean="0">
+                <a:solidFill>
+                  <a:schemeClr val="tx2"/>
+                </a:solidFill>
+              </a:rPr>
               <a:t>Die statistische Programmiersprache R und deren Integration in Visual Studio</a:t>
             </a:r>
-            <a:endParaRPr lang="de-CH" dirty="0"/>
+            <a:endParaRPr lang="de-CH" dirty="0">
+              <a:solidFill>
+                <a:schemeClr val="tx2"/>
+              </a:solidFill>
+            </a:endParaRPr>
           </a:p>
         </p:txBody>
       </p:sp>
@@ -21759,11 +21771,7 @@
             <a:pPr lvl="1"/>
             <a:r>
               <a:rPr lang="de-CH" dirty="0" smtClean="0"/>
-              <a:t>Statistik </a:t>
-            </a:r>
-            <a:r>
-              <a:rPr lang="de-CH" dirty="0" smtClean="0"/>
-              <a:t>ist ein Teilgebiet der Mathematik</a:t>
+              <a:t>Statistik ist ein Teilgebiet der Mathematik</a:t>
             </a:r>
           </a:p>
           <a:p>
@@ -22771,10 +22779,18 @@
           <a:lstStyle/>
           <a:p>
             <a:r>
-              <a:rPr lang="de-CH" dirty="0" smtClean="0"/>
+              <a:rPr lang="de-CH" dirty="0" smtClean="0">
+                <a:solidFill>
+                  <a:schemeClr val="tx2"/>
+                </a:solidFill>
+              </a:rPr>
               <a:t>Die drei Hauptzweige von maschinellem Lernen und deren Anwendung</a:t>
             </a:r>
-            <a:endParaRPr lang="de-CH" dirty="0"/>
+            <a:endParaRPr lang="de-CH" dirty="0">
+              <a:solidFill>
+                <a:schemeClr val="tx2"/>
+              </a:solidFill>
+            </a:endParaRPr>
           </a:p>
         </p:txBody>
       </p:sp>
@@ -23525,14 +23541,26 @@
           <a:lstStyle/>
           <a:p>
             <a:r>
-              <a:rPr lang="de-CH" dirty="0" err="1" smtClean="0"/>
+              <a:rPr lang="de-CH" dirty="0" err="1" smtClean="0">
+                <a:solidFill>
+                  <a:schemeClr val="tx2"/>
+                </a:solidFill>
+              </a:rPr>
               <a:t>Walkthrough</a:t>
             </a:r>
             <a:r>
-              <a:rPr lang="de-CH" dirty="0" smtClean="0"/>
+              <a:rPr lang="de-CH" dirty="0" smtClean="0">
+                <a:solidFill>
+                  <a:schemeClr val="tx2"/>
+                </a:solidFill>
+              </a:rPr>
               <a:t> durch ein praktisches Beispiel an einem konkreten Datensatz</a:t>
             </a:r>
-            <a:endParaRPr lang="de-CH" dirty="0"/>
+            <a:endParaRPr lang="de-CH" dirty="0">
+              <a:solidFill>
+                <a:schemeClr val="tx2"/>
+              </a:solidFill>
+            </a:endParaRPr>
           </a:p>
         </p:txBody>
       </p:sp>
@@ -23716,10 +23744,18 @@
           <a:lstStyle/>
           <a:p>
             <a:r>
-              <a:rPr lang="de-CH" dirty="0" smtClean="0"/>
+              <a:rPr lang="de-CH" dirty="0" smtClean="0">
+                <a:solidFill>
+                  <a:schemeClr val="tx2"/>
+                </a:solidFill>
+              </a:rPr>
               <a:t>Begriffliche Aufräumaktion und die Fragen die ML beantworten kann</a:t>
             </a:r>
-            <a:endParaRPr lang="de-CH" dirty="0"/>
+            <a:endParaRPr lang="de-CH" dirty="0">
+              <a:solidFill>
+                <a:schemeClr val="tx2"/>
+              </a:solidFill>
+            </a:endParaRPr>
           </a:p>
         </p:txBody>
       </p:sp>
@@ -23799,10 +23835,18 @@
           <a:lstStyle/>
           <a:p>
             <a:r>
-              <a:rPr lang="de-CH" dirty="0" smtClean="0"/>
+              <a:rPr lang="de-CH" dirty="0" smtClean="0">
+                <a:solidFill>
+                  <a:schemeClr val="tx2"/>
+                </a:solidFill>
+              </a:rPr>
               <a:t>Repetition und Verbindung der Praxis mit den Fragen von maschinellem Lernen</a:t>
             </a:r>
-            <a:endParaRPr lang="de-CH" dirty="0"/>
+            <a:endParaRPr lang="de-CH" dirty="0">
+              <a:solidFill>
+                <a:schemeClr val="tx2"/>
+              </a:solidFill>
+            </a:endParaRPr>
           </a:p>
         </p:txBody>
       </p:sp>

--- a/presentation.pptx
+++ b/presentation.pptx
@@ -5,7 +5,7 @@
     <p:sldMasterId id="2147483648" r:id="rId1"/>
   </p:sldMasterIdLst>
   <p:notesMasterIdLst>
-    <p:notesMasterId r:id="rId33"/>
+    <p:notesMasterId r:id="rId34"/>
   </p:notesMasterIdLst>
   <p:sldIdLst>
     <p:sldId id="256" r:id="rId2"/>
@@ -38,7 +38,8 @@
     <p:sldId id="279" r:id="rId29"/>
     <p:sldId id="280" r:id="rId30"/>
     <p:sldId id="282" r:id="rId31"/>
-    <p:sldId id="274" r:id="rId32"/>
+    <p:sldId id="288" r:id="rId32"/>
+    <p:sldId id="274" r:id="rId33"/>
   </p:sldIdLst>
   <p:sldSz cx="12192000" cy="6858000"/>
   <p:notesSz cx="6858000" cy="9144000"/>
@@ -227,7 +228,7 @@
           <a:p>
             <a:fld id="{7C9032C8-5182-4818-BB2B-C6DBA1F28B4F}" type="datetimeFigureOut">
               <a:rPr lang="de-CH" smtClean="0"/>
-              <a:t>11.10.2017</a:t>
+              <a:t>12.10.2017</a:t>
             </a:fld>
             <a:endParaRPr lang="de-CH"/>
           </a:p>
@@ -2514,6 +2515,34 @@
           <a:bodyPr/>
           <a:lstStyle/>
           <a:p>
+            <a:r>
+              <a:rPr lang="de-CH" dirty="0" smtClean="0"/>
+              <a:t>Ensemble </a:t>
+            </a:r>
+            <a:r>
+              <a:rPr lang="de-CH" dirty="0" err="1" smtClean="0"/>
+              <a:t>learning</a:t>
+            </a:r>
+            <a:r>
+              <a:rPr lang="de-CH" dirty="0" smtClean="0"/>
+              <a:t> (e.g. Random </a:t>
+            </a:r>
+            <a:r>
+              <a:rPr lang="de-CH" dirty="0" err="1" smtClean="0"/>
+              <a:t>Forests</a:t>
+            </a:r>
+            <a:r>
+              <a:rPr lang="de-CH" dirty="0" smtClean="0"/>
+              <a:t>), </a:t>
+            </a:r>
+            <a:r>
+              <a:rPr lang="de-CH" dirty="0" err="1" smtClean="0"/>
+              <a:t>Neural</a:t>
+            </a:r>
+            <a:r>
+              <a:rPr lang="de-CH" smtClean="0"/>
+              <a:t> Networks</a:t>
+            </a:r>
             <a:endParaRPr lang="de-CH" dirty="0"/>
           </a:p>
         </p:txBody>
@@ -2536,6 +2565,90 @@
             <a:fld id="{DA58BC1F-B303-41BB-B1E5-E3EE1F495441}" type="slidenum">
               <a:rPr lang="de-CH" smtClean="0"/>
               <a:t>31</a:t>
+            </a:fld>
+            <a:endParaRPr lang="de-CH"/>
+          </a:p>
+        </p:txBody>
+      </p:sp>
+    </p:spTree>
+    <p:extLst>
+      <p:ext uri="{BB962C8B-B14F-4D97-AF65-F5344CB8AC3E}">
+        <p14:creationId xmlns:p14="http://schemas.microsoft.com/office/powerpoint/2010/main" val="2774138433"/>
+      </p:ext>
+    </p:extLst>
+  </p:cSld>
+  <p:clrMapOvr>
+    <a:masterClrMapping/>
+  </p:clrMapOvr>
+</p:notes>
+</file>
+
+<file path=ppt/notesSlides/notesSlide28.xml><?xml version="1.0" encoding="utf-8"?>
+<p:notes xmlns:a="http://schemas.openxmlformats.org/drawingml/2006/main" xmlns:r="http://schemas.openxmlformats.org/officeDocument/2006/relationships" xmlns:p="http://schemas.openxmlformats.org/presentationml/2006/main">
+  <p:cSld>
+    <p:spTree>
+      <p:nvGrpSpPr>
+        <p:cNvPr id="1" name=""/>
+        <p:cNvGrpSpPr/>
+        <p:nvPr/>
+      </p:nvGrpSpPr>
+      <p:grpSpPr>
+        <a:xfrm>
+          <a:off x="0" y="0"/>
+          <a:ext cx="0" cy="0"/>
+          <a:chOff x="0" y="0"/>
+          <a:chExt cx="0" cy="0"/>
+        </a:xfrm>
+      </p:grpSpPr>
+      <p:sp>
+        <p:nvSpPr>
+          <p:cNvPr id="2" name="Slide Image Placeholder 1"/>
+          <p:cNvSpPr>
+            <a:spLocks noGrp="1" noRot="1" noChangeAspect="1"/>
+          </p:cNvSpPr>
+          <p:nvPr>
+            <p:ph type="sldImg"/>
+          </p:nvPr>
+        </p:nvSpPr>
+        <p:spPr/>
+      </p:sp>
+      <p:sp>
+        <p:nvSpPr>
+          <p:cNvPr id="3" name="Notes Placeholder 2"/>
+          <p:cNvSpPr>
+            <a:spLocks noGrp="1"/>
+          </p:cNvSpPr>
+          <p:nvPr>
+            <p:ph type="body" idx="1"/>
+          </p:nvPr>
+        </p:nvSpPr>
+        <p:spPr/>
+        <p:txBody>
+          <a:bodyPr/>
+          <a:lstStyle/>
+          <a:p>
+            <a:endParaRPr lang="de-CH" dirty="0"/>
+          </a:p>
+        </p:txBody>
+      </p:sp>
+      <p:sp>
+        <p:nvSpPr>
+          <p:cNvPr id="4" name="Slide Number Placeholder 3"/>
+          <p:cNvSpPr>
+            <a:spLocks noGrp="1"/>
+          </p:cNvSpPr>
+          <p:nvPr>
+            <p:ph type="sldNum" sz="quarter" idx="10"/>
+          </p:nvPr>
+        </p:nvSpPr>
+        <p:spPr/>
+        <p:txBody>
+          <a:bodyPr/>
+          <a:lstStyle/>
+          <a:p>
+            <a:fld id="{DA58BC1F-B303-41BB-B1E5-E3EE1F495441}" type="slidenum">
+              <a:rPr lang="de-CH" smtClean="0"/>
+              <a:t>32</a:t>
             </a:fld>
             <a:endParaRPr lang="de-CH"/>
           </a:p>
@@ -3658,7 +3771,7 @@
           <a:noFill/>
           <a:extLst>
             <a:ext uri="{909E8E84-426E-40dd-AFC4-6F175D3DCCD1}">
-              <a14:hiddenFill xmlns="" xmlns:a14="http://schemas.microsoft.com/office/drawing/2010/main">
+              <a14:hiddenFill xmlns:a14="http://schemas.microsoft.com/office/drawing/2010/main" xmlns="">
                 <a:solidFill>
                   <a:srgbClr val="FFFFFF"/>
                 </a:solidFill>
@@ -3717,7 +3830,7 @@
             </a:ln>
             <a:extLst>
               <a:ext uri="{91240B29-F687-4f45-9708-019B960494DF}">
-                <a14:hiddenLine xmlns="" xmlns:a14="http://schemas.microsoft.com/office/drawing/2010/main" w="9525">
+                <a14:hiddenLine xmlns:a14="http://schemas.microsoft.com/office/drawing/2010/main" xmlns="" w="9525">
                   <a:solidFill>
                     <a:srgbClr val="000000"/>
                   </a:solidFill>
@@ -3807,7 +3920,7 @@
             </a:ln>
             <a:extLst>
               <a:ext uri="{91240B29-F687-4f45-9708-019B960494DF}">
-                <a14:hiddenLine xmlns="" xmlns:a14="http://schemas.microsoft.com/office/drawing/2010/main" w="9525">
+                <a14:hiddenLine xmlns:a14="http://schemas.microsoft.com/office/drawing/2010/main" xmlns="" w="9525">
                   <a:solidFill>
                     <a:srgbClr val="000000"/>
                   </a:solidFill>
@@ -3897,7 +4010,7 @@
             </a:ln>
             <a:extLst>
               <a:ext uri="{91240B29-F687-4f45-9708-019B960494DF}">
-                <a14:hiddenLine xmlns="" xmlns:a14="http://schemas.microsoft.com/office/drawing/2010/main" w="9525">
+                <a14:hiddenLine xmlns:a14="http://schemas.microsoft.com/office/drawing/2010/main" xmlns="" w="9525">
                   <a:solidFill>
                     <a:srgbClr val="000000"/>
                   </a:solidFill>
@@ -3931,7 +4044,7 @@
             </a:ln>
             <a:extLst>
               <a:ext uri="{91240B29-F687-4f45-9708-019B960494DF}">
-                <a14:hiddenLine xmlns="" xmlns:a14="http://schemas.microsoft.com/office/drawing/2010/main" w="9525">
+                <a14:hiddenLine xmlns:a14="http://schemas.microsoft.com/office/drawing/2010/main" xmlns="" w="9525">
                   <a:solidFill>
                     <a:srgbClr val="000000"/>
                   </a:solidFill>
@@ -4021,7 +4134,7 @@
             </a:ln>
             <a:extLst>
               <a:ext uri="{91240B29-F687-4f45-9708-019B960494DF}">
-                <a14:hiddenLine xmlns="" xmlns:a14="http://schemas.microsoft.com/office/drawing/2010/main" w="9525">
+                <a14:hiddenLine xmlns:a14="http://schemas.microsoft.com/office/drawing/2010/main" xmlns="" w="9525">
                   <a:solidFill>
                     <a:srgbClr val="000000"/>
                   </a:solidFill>
@@ -4083,7 +4196,7 @@
             </a:ln>
             <a:extLst>
               <a:ext uri="{91240B29-F687-4f45-9708-019B960494DF}">
-                <a14:hiddenLine xmlns="" xmlns:a14="http://schemas.microsoft.com/office/drawing/2010/main" w="9525">
+                <a14:hiddenLine xmlns:a14="http://schemas.microsoft.com/office/drawing/2010/main" xmlns="" w="9525">
                   <a:solidFill>
                     <a:srgbClr val="000000"/>
                   </a:solidFill>
@@ -4145,7 +4258,7 @@
             </a:ln>
             <a:extLst>
               <a:ext uri="{91240B29-F687-4f45-9708-019B960494DF}">
-                <a14:hiddenLine xmlns="" xmlns:a14="http://schemas.microsoft.com/office/drawing/2010/main" w="9525">
+                <a14:hiddenLine xmlns:a14="http://schemas.microsoft.com/office/drawing/2010/main" xmlns="" w="9525">
                   <a:solidFill>
                     <a:srgbClr val="000000"/>
                   </a:solidFill>
@@ -4235,7 +4348,7 @@
             </a:ln>
             <a:extLst>
               <a:ext uri="{91240B29-F687-4f45-9708-019B960494DF}">
-                <a14:hiddenLine xmlns="" xmlns:a14="http://schemas.microsoft.com/office/drawing/2010/main" w="9525">
+                <a14:hiddenLine xmlns:a14="http://schemas.microsoft.com/office/drawing/2010/main" xmlns="" w="9525">
                   <a:solidFill>
                     <a:srgbClr val="000000"/>
                   </a:solidFill>
@@ -4297,7 +4410,7 @@
             </a:ln>
             <a:extLst>
               <a:ext uri="{91240B29-F687-4f45-9708-019B960494DF}">
-                <a14:hiddenLine xmlns="" xmlns:a14="http://schemas.microsoft.com/office/drawing/2010/main" w="9525">
+                <a14:hiddenLine xmlns:a14="http://schemas.microsoft.com/office/drawing/2010/main" xmlns="" w="9525">
                   <a:solidFill>
                     <a:srgbClr val="000000"/>
                   </a:solidFill>
@@ -4359,7 +4472,7 @@
             </a:ln>
             <a:extLst>
               <a:ext uri="{91240B29-F687-4f45-9708-019B960494DF}">
-                <a14:hiddenLine xmlns="" xmlns:a14="http://schemas.microsoft.com/office/drawing/2010/main" w="9525">
+                <a14:hiddenLine xmlns:a14="http://schemas.microsoft.com/office/drawing/2010/main" xmlns="" w="9525">
                   <a:solidFill>
                     <a:srgbClr val="000000"/>
                   </a:solidFill>
@@ -4449,7 +4562,7 @@
             </a:ln>
             <a:extLst>
               <a:ext uri="{91240B29-F687-4f45-9708-019B960494DF}">
-                <a14:hiddenLine xmlns="" xmlns:a14="http://schemas.microsoft.com/office/drawing/2010/main" w="9525">
+                <a14:hiddenLine xmlns:a14="http://schemas.microsoft.com/office/drawing/2010/main" xmlns="" w="9525">
                   <a:solidFill>
                     <a:srgbClr val="000000"/>
                   </a:solidFill>
@@ -4539,7 +4652,7 @@
             </a:ln>
             <a:extLst>
               <a:ext uri="{91240B29-F687-4f45-9708-019B960494DF}">
-                <a14:hiddenLine xmlns="" xmlns:a14="http://schemas.microsoft.com/office/drawing/2010/main" w="9525">
+                <a14:hiddenLine xmlns:a14="http://schemas.microsoft.com/office/drawing/2010/main" xmlns="" w="9525">
                   <a:solidFill>
                     <a:srgbClr val="000000"/>
                   </a:solidFill>
@@ -4601,7 +4714,7 @@
             </a:ln>
             <a:extLst>
               <a:ext uri="{91240B29-F687-4f45-9708-019B960494DF}">
-                <a14:hiddenLine xmlns="" xmlns:a14="http://schemas.microsoft.com/office/drawing/2010/main" w="9525">
+                <a14:hiddenLine xmlns:a14="http://schemas.microsoft.com/office/drawing/2010/main" xmlns="" w="9525">
                   <a:solidFill>
                     <a:srgbClr val="000000"/>
                   </a:solidFill>
@@ -4711,7 +4824,7 @@
             </a:ln>
             <a:extLst>
               <a:ext uri="{91240B29-F687-4f45-9708-019B960494DF}">
-                <a14:hiddenLine xmlns="" xmlns:a14="http://schemas.microsoft.com/office/drawing/2010/main" w="9525">
+                <a14:hiddenLine xmlns:a14="http://schemas.microsoft.com/office/drawing/2010/main" xmlns="" w="9525">
                   <a:solidFill>
                     <a:srgbClr val="000000"/>
                   </a:solidFill>
@@ -4773,7 +4886,7 @@
             </a:ln>
             <a:extLst>
               <a:ext uri="{91240B29-F687-4f45-9708-019B960494DF}">
-                <a14:hiddenLine xmlns="" xmlns:a14="http://schemas.microsoft.com/office/drawing/2010/main" w="9525">
+                <a14:hiddenLine xmlns:a14="http://schemas.microsoft.com/office/drawing/2010/main" xmlns="" w="9525">
                   <a:solidFill>
                     <a:srgbClr val="000000"/>
                   </a:solidFill>
@@ -4863,7 +4976,7 @@
             </a:ln>
             <a:extLst>
               <a:ext uri="{91240B29-F687-4f45-9708-019B960494DF}">
-                <a14:hiddenLine xmlns="" xmlns:a14="http://schemas.microsoft.com/office/drawing/2010/main" w="9525">
+                <a14:hiddenLine xmlns:a14="http://schemas.microsoft.com/office/drawing/2010/main" xmlns="" w="9525">
                   <a:solidFill>
                     <a:srgbClr val="000000"/>
                   </a:solidFill>
@@ -4953,7 +5066,7 @@
             </a:ln>
             <a:extLst>
               <a:ext uri="{91240B29-F687-4f45-9708-019B960494DF}">
-                <a14:hiddenLine xmlns="" xmlns:a14="http://schemas.microsoft.com/office/drawing/2010/main" w="9525">
+                <a14:hiddenLine xmlns:a14="http://schemas.microsoft.com/office/drawing/2010/main" xmlns="" w="9525">
                   <a:solidFill>
                     <a:srgbClr val="000000"/>
                   </a:solidFill>
@@ -5015,7 +5128,7 @@
             </a:ln>
             <a:extLst>
               <a:ext uri="{91240B29-F687-4f45-9708-019B960494DF}">
-                <a14:hiddenLine xmlns="" xmlns:a14="http://schemas.microsoft.com/office/drawing/2010/main" w="9525">
+                <a14:hiddenLine xmlns:a14="http://schemas.microsoft.com/office/drawing/2010/main" xmlns="" w="9525">
                   <a:solidFill>
                     <a:srgbClr val="000000"/>
                   </a:solidFill>
@@ -5105,7 +5218,7 @@
             </a:ln>
             <a:extLst>
               <a:ext uri="{91240B29-F687-4f45-9708-019B960494DF}">
-                <a14:hiddenLine xmlns="" xmlns:a14="http://schemas.microsoft.com/office/drawing/2010/main" w="9525">
+                <a14:hiddenLine xmlns:a14="http://schemas.microsoft.com/office/drawing/2010/main" xmlns="" w="9525">
                   <a:solidFill>
                     <a:srgbClr val="000000"/>
                   </a:solidFill>
@@ -5195,7 +5308,7 @@
             </a:ln>
             <a:extLst>
               <a:ext uri="{91240B29-F687-4f45-9708-019B960494DF}">
-                <a14:hiddenLine xmlns="" xmlns:a14="http://schemas.microsoft.com/office/drawing/2010/main" w="9525">
+                <a14:hiddenLine xmlns:a14="http://schemas.microsoft.com/office/drawing/2010/main" xmlns="" w="9525">
                   <a:solidFill>
                     <a:srgbClr val="000000"/>
                   </a:solidFill>
@@ -5251,7 +5364,7 @@
             </a:ln>
             <a:extLst>
               <a:ext uri="{91240B29-F687-4f45-9708-019B960494DF}">
-                <a14:hiddenLine xmlns="" xmlns:a14="http://schemas.microsoft.com/office/drawing/2010/main" w="9525">
+                <a14:hiddenLine xmlns:a14="http://schemas.microsoft.com/office/drawing/2010/main" xmlns="" w="9525">
                   <a:solidFill>
                     <a:srgbClr val="000000"/>
                   </a:solidFill>
@@ -5341,7 +5454,7 @@
             </a:ln>
             <a:extLst>
               <a:ext uri="{91240B29-F687-4f45-9708-019B960494DF}">
-                <a14:hiddenLine xmlns="" xmlns:a14="http://schemas.microsoft.com/office/drawing/2010/main" w="9525">
+                <a14:hiddenLine xmlns:a14="http://schemas.microsoft.com/office/drawing/2010/main" xmlns="" w="9525">
                   <a:solidFill>
                     <a:srgbClr val="000000"/>
                   </a:solidFill>
@@ -5397,7 +5510,7 @@
             </a:ln>
             <a:extLst>
               <a:ext uri="{91240B29-F687-4f45-9708-019B960494DF}">
-                <a14:hiddenLine xmlns="" xmlns:a14="http://schemas.microsoft.com/office/drawing/2010/main" w="9525">
+                <a14:hiddenLine xmlns:a14="http://schemas.microsoft.com/office/drawing/2010/main" xmlns="" w="9525">
                   <a:solidFill>
                     <a:srgbClr val="000000"/>
                   </a:solidFill>
@@ -5487,7 +5600,7 @@
             </a:ln>
             <a:extLst>
               <a:ext uri="{91240B29-F687-4f45-9708-019B960494DF}">
-                <a14:hiddenLine xmlns="" xmlns:a14="http://schemas.microsoft.com/office/drawing/2010/main" w="9525">
+                <a14:hiddenLine xmlns:a14="http://schemas.microsoft.com/office/drawing/2010/main" xmlns="" w="9525">
                   <a:solidFill>
                     <a:srgbClr val="000000"/>
                   </a:solidFill>
@@ -5555,7 +5668,7 @@
             </a:ln>
             <a:extLst>
               <a:ext uri="{91240B29-F687-4f45-9708-019B960494DF}">
-                <a14:hiddenLine xmlns="" xmlns:a14="http://schemas.microsoft.com/office/drawing/2010/main" w="9525">
+                <a14:hiddenLine xmlns:a14="http://schemas.microsoft.com/office/drawing/2010/main" xmlns="" w="9525">
                   <a:solidFill>
                     <a:srgbClr val="000000"/>
                   </a:solidFill>
@@ -5645,7 +5758,7 @@
             </a:ln>
             <a:extLst>
               <a:ext uri="{91240B29-F687-4f45-9708-019B960494DF}">
-                <a14:hiddenLine xmlns="" xmlns:a14="http://schemas.microsoft.com/office/drawing/2010/main" w="9525">
+                <a14:hiddenLine xmlns:a14="http://schemas.microsoft.com/office/drawing/2010/main" xmlns="" w="9525">
                   <a:solidFill>
                     <a:srgbClr val="000000"/>
                   </a:solidFill>
@@ -5713,7 +5826,7 @@
             </a:ln>
             <a:extLst>
               <a:ext uri="{91240B29-F687-4f45-9708-019B960494DF}">
-                <a14:hiddenLine xmlns="" xmlns:a14="http://schemas.microsoft.com/office/drawing/2010/main" w="9525">
+                <a14:hiddenLine xmlns:a14="http://schemas.microsoft.com/office/drawing/2010/main" xmlns="" w="9525">
                   <a:solidFill>
                     <a:srgbClr val="000000"/>
                   </a:solidFill>
@@ -5803,7 +5916,7 @@
             </a:ln>
             <a:extLst>
               <a:ext uri="{91240B29-F687-4f45-9708-019B960494DF}">
-                <a14:hiddenLine xmlns="" xmlns:a14="http://schemas.microsoft.com/office/drawing/2010/main" w="9525">
+                <a14:hiddenLine xmlns:a14="http://schemas.microsoft.com/office/drawing/2010/main" xmlns="" w="9525">
                   <a:solidFill>
                     <a:srgbClr val="000000"/>
                   </a:solidFill>
@@ -5837,7 +5950,7 @@
             </a:ln>
             <a:extLst>
               <a:ext uri="{91240B29-F687-4f45-9708-019B960494DF}">
-                <a14:hiddenLine xmlns="" xmlns:a14="http://schemas.microsoft.com/office/drawing/2010/main" w="9525">
+                <a14:hiddenLine xmlns:a14="http://schemas.microsoft.com/office/drawing/2010/main" xmlns="" w="9525">
                   <a:solidFill>
                     <a:srgbClr val="000000"/>
                   </a:solidFill>
@@ -5927,7 +6040,7 @@
             </a:ln>
             <a:extLst>
               <a:ext uri="{91240B29-F687-4f45-9708-019B960494DF}">
-                <a14:hiddenLine xmlns="" xmlns:a14="http://schemas.microsoft.com/office/drawing/2010/main" w="9525">
+                <a14:hiddenLine xmlns:a14="http://schemas.microsoft.com/office/drawing/2010/main" xmlns="" w="9525">
                   <a:solidFill>
                     <a:srgbClr val="000000"/>
                   </a:solidFill>
@@ -5989,7 +6102,7 @@
             </a:ln>
             <a:extLst>
               <a:ext uri="{91240B29-F687-4f45-9708-019B960494DF}">
-                <a14:hiddenLine xmlns="" xmlns:a14="http://schemas.microsoft.com/office/drawing/2010/main" w="9525">
+                <a14:hiddenLine xmlns:a14="http://schemas.microsoft.com/office/drawing/2010/main" xmlns="" w="9525">
                   <a:solidFill>
                     <a:srgbClr val="000000"/>
                   </a:solidFill>
@@ -6051,7 +6164,7 @@
             </a:ln>
             <a:extLst>
               <a:ext uri="{91240B29-F687-4f45-9708-019B960494DF}">
-                <a14:hiddenLine xmlns="" xmlns:a14="http://schemas.microsoft.com/office/drawing/2010/main" w="9525">
+                <a14:hiddenLine xmlns:a14="http://schemas.microsoft.com/office/drawing/2010/main" xmlns="" w="9525">
                   <a:solidFill>
                     <a:srgbClr val="000000"/>
                   </a:solidFill>
@@ -6141,7 +6254,7 @@
             </a:ln>
             <a:extLst>
               <a:ext uri="{91240B29-F687-4f45-9708-019B960494DF}">
-                <a14:hiddenLine xmlns="" xmlns:a14="http://schemas.microsoft.com/office/drawing/2010/main" w="9525">
+                <a14:hiddenLine xmlns:a14="http://schemas.microsoft.com/office/drawing/2010/main" xmlns="" w="9525">
                   <a:solidFill>
                     <a:srgbClr val="000000"/>
                   </a:solidFill>
@@ -6209,7 +6322,7 @@
             </a:ln>
             <a:extLst>
               <a:ext uri="{91240B29-F687-4f45-9708-019B960494DF}">
-                <a14:hiddenLine xmlns="" xmlns:a14="http://schemas.microsoft.com/office/drawing/2010/main" w="9525">
+                <a14:hiddenLine xmlns:a14="http://schemas.microsoft.com/office/drawing/2010/main" xmlns="" w="9525">
                   <a:solidFill>
                     <a:srgbClr val="000000"/>
                   </a:solidFill>
@@ -6271,7 +6384,7 @@
             </a:ln>
             <a:extLst>
               <a:ext uri="{91240B29-F687-4f45-9708-019B960494DF}">
-                <a14:hiddenLine xmlns="" xmlns:a14="http://schemas.microsoft.com/office/drawing/2010/main" w="9525">
+                <a14:hiddenLine xmlns:a14="http://schemas.microsoft.com/office/drawing/2010/main" xmlns="" w="9525">
                   <a:solidFill>
                     <a:srgbClr val="000000"/>
                   </a:solidFill>
@@ -6361,7 +6474,7 @@
             </a:ln>
             <a:extLst>
               <a:ext uri="{91240B29-F687-4f45-9708-019B960494DF}">
-                <a14:hiddenLine xmlns="" xmlns:a14="http://schemas.microsoft.com/office/drawing/2010/main" w="9525">
+                <a14:hiddenLine xmlns:a14="http://schemas.microsoft.com/office/drawing/2010/main" xmlns="" w="9525">
                   <a:solidFill>
                     <a:srgbClr val="000000"/>
                   </a:solidFill>
@@ -6423,7 +6536,7 @@
             </a:ln>
             <a:extLst>
               <a:ext uri="{91240B29-F687-4f45-9708-019B960494DF}">
-                <a14:hiddenLine xmlns="" xmlns:a14="http://schemas.microsoft.com/office/drawing/2010/main" w="9525">
+                <a14:hiddenLine xmlns:a14="http://schemas.microsoft.com/office/drawing/2010/main" xmlns="" w="9525">
                   <a:solidFill>
                     <a:srgbClr val="000000"/>
                   </a:solidFill>
@@ -6513,7 +6626,7 @@
             </a:ln>
             <a:extLst>
               <a:ext uri="{91240B29-F687-4f45-9708-019B960494DF}">
-                <a14:hiddenLine xmlns="" xmlns:a14="http://schemas.microsoft.com/office/drawing/2010/main" w="9525">
+                <a14:hiddenLine xmlns:a14="http://schemas.microsoft.com/office/drawing/2010/main" xmlns="" w="9525">
                   <a:solidFill>
                     <a:srgbClr val="000000"/>
                   </a:solidFill>
@@ -6575,7 +6688,7 @@
             </a:ln>
             <a:extLst>
               <a:ext uri="{91240B29-F687-4f45-9708-019B960494DF}">
-                <a14:hiddenLine xmlns="" xmlns:a14="http://schemas.microsoft.com/office/drawing/2010/main" w="9525">
+                <a14:hiddenLine xmlns:a14="http://schemas.microsoft.com/office/drawing/2010/main" xmlns="" w="9525">
                   <a:solidFill>
                     <a:srgbClr val="000000"/>
                   </a:solidFill>
@@ -6665,7 +6778,7 @@
             </a:ln>
             <a:extLst>
               <a:ext uri="{91240B29-F687-4f45-9708-019B960494DF}">
-                <a14:hiddenLine xmlns="" xmlns:a14="http://schemas.microsoft.com/office/drawing/2010/main" w="9525">
+                <a14:hiddenLine xmlns:a14="http://schemas.microsoft.com/office/drawing/2010/main" xmlns="" w="9525">
                   <a:solidFill>
                     <a:srgbClr val="000000"/>
                   </a:solidFill>
@@ -6699,7 +6812,7 @@
             </a:ln>
             <a:extLst>
               <a:ext uri="{91240B29-F687-4f45-9708-019B960494DF}">
-                <a14:hiddenLine xmlns="" xmlns:a14="http://schemas.microsoft.com/office/drawing/2010/main" w="9525">
+                <a14:hiddenLine xmlns:a14="http://schemas.microsoft.com/office/drawing/2010/main" xmlns="" w="9525">
                   <a:solidFill>
                     <a:srgbClr val="000000"/>
                   </a:solidFill>
@@ -6764,7 +6877,7 @@
             </a:ln>
             <a:extLst>
               <a:ext uri="{91240B29-F687-4f45-9708-019B960494DF}">
-                <a14:hiddenLine xmlns="" xmlns:a14="http://schemas.microsoft.com/office/drawing/2010/main" w="9525">
+                <a14:hiddenLine xmlns:a14="http://schemas.microsoft.com/office/drawing/2010/main" xmlns="" w="9525">
                   <a:solidFill>
                     <a:srgbClr val="000000"/>
                   </a:solidFill>
@@ -6854,7 +6967,7 @@
             </a:ln>
             <a:extLst>
               <a:ext uri="{91240B29-F687-4f45-9708-019B960494DF}">
-                <a14:hiddenLine xmlns="" xmlns:a14="http://schemas.microsoft.com/office/drawing/2010/main" w="9525">
+                <a14:hiddenLine xmlns:a14="http://schemas.microsoft.com/office/drawing/2010/main" xmlns="" w="9525">
                   <a:solidFill>
                     <a:srgbClr val="000000"/>
                   </a:solidFill>
@@ -6916,7 +7029,7 @@
             </a:ln>
             <a:extLst>
               <a:ext uri="{91240B29-F687-4f45-9708-019B960494DF}">
-                <a14:hiddenLine xmlns="" xmlns:a14="http://schemas.microsoft.com/office/drawing/2010/main" w="9525">
+                <a14:hiddenLine xmlns:a14="http://schemas.microsoft.com/office/drawing/2010/main" xmlns="" w="9525">
                   <a:solidFill>
                     <a:srgbClr val="000000"/>
                   </a:solidFill>
@@ -7006,7 +7119,7 @@
             </a:ln>
             <a:extLst>
               <a:ext uri="{91240B29-F687-4f45-9708-019B960494DF}">
-                <a14:hiddenLine xmlns="" xmlns:a14="http://schemas.microsoft.com/office/drawing/2010/main" w="9525">
+                <a14:hiddenLine xmlns:a14="http://schemas.microsoft.com/office/drawing/2010/main" xmlns="" w="9525">
                   <a:solidFill>
                     <a:srgbClr val="000000"/>
                   </a:solidFill>
@@ -7096,7 +7209,7 @@
             </a:ln>
             <a:extLst>
               <a:ext uri="{91240B29-F687-4f45-9708-019B960494DF}">
-                <a14:hiddenLine xmlns="" xmlns:a14="http://schemas.microsoft.com/office/drawing/2010/main" w="9525">
+                <a14:hiddenLine xmlns:a14="http://schemas.microsoft.com/office/drawing/2010/main" xmlns="" w="9525">
                   <a:solidFill>
                     <a:srgbClr val="000000"/>
                   </a:solidFill>
@@ -7161,7 +7274,7 @@
             </a:ln>
             <a:extLst>
               <a:ext uri="{91240B29-F687-4f45-9708-019B960494DF}">
-                <a14:hiddenLine xmlns="" xmlns:a14="http://schemas.microsoft.com/office/drawing/2010/main" w="9525">
+                <a14:hiddenLine xmlns:a14="http://schemas.microsoft.com/office/drawing/2010/main" xmlns="" w="9525">
                   <a:solidFill>
                     <a:srgbClr val="000000"/>
                   </a:solidFill>
@@ -7223,7 +7336,7 @@
             </a:ln>
             <a:extLst>
               <a:ext uri="{91240B29-F687-4f45-9708-019B960494DF}">
-                <a14:hiddenLine xmlns="" xmlns:a14="http://schemas.microsoft.com/office/drawing/2010/main" w="9525">
+                <a14:hiddenLine xmlns:a14="http://schemas.microsoft.com/office/drawing/2010/main" xmlns="" w="9525">
                   <a:solidFill>
                     <a:srgbClr val="000000"/>
                   </a:solidFill>
@@ -7313,7 +7426,7 @@
             </a:ln>
             <a:extLst>
               <a:ext uri="{91240B29-F687-4f45-9708-019B960494DF}">
-                <a14:hiddenLine xmlns="" xmlns:a14="http://schemas.microsoft.com/office/drawing/2010/main" w="9525">
+                <a14:hiddenLine xmlns:a14="http://schemas.microsoft.com/office/drawing/2010/main" xmlns="" w="9525">
                   <a:solidFill>
                     <a:srgbClr val="000000"/>
                   </a:solidFill>
@@ -7403,7 +7516,7 @@
             </a:ln>
             <a:extLst>
               <a:ext uri="{91240B29-F687-4f45-9708-019B960494DF}">
-                <a14:hiddenLine xmlns="" xmlns:a14="http://schemas.microsoft.com/office/drawing/2010/main" w="9525">
+                <a14:hiddenLine xmlns:a14="http://schemas.microsoft.com/office/drawing/2010/main" xmlns="" w="9525">
                   <a:solidFill>
                     <a:srgbClr val="000000"/>
                   </a:solidFill>
@@ -7465,7 +7578,7 @@
             </a:ln>
             <a:extLst>
               <a:ext uri="{91240B29-F687-4f45-9708-019B960494DF}">
-                <a14:hiddenLine xmlns="" xmlns:a14="http://schemas.microsoft.com/office/drawing/2010/main" w="9525">
+                <a14:hiddenLine xmlns:a14="http://schemas.microsoft.com/office/drawing/2010/main" xmlns="" w="9525">
                   <a:solidFill>
                     <a:srgbClr val="000000"/>
                   </a:solidFill>
@@ -7585,7 +7698,7 @@
             </a:ln>
             <a:extLst>
               <a:ext uri="{91240B29-F687-4f45-9708-019B960494DF}">
-                <a14:hiddenLine xmlns="" xmlns:a14="http://schemas.microsoft.com/office/drawing/2010/main" w="9525">
+                <a14:hiddenLine xmlns:a14="http://schemas.microsoft.com/office/drawing/2010/main" xmlns="" w="9525">
                   <a:solidFill>
                     <a:srgbClr val="000000"/>
                   </a:solidFill>
@@ -7653,7 +7766,7 @@
             </a:ln>
             <a:extLst>
               <a:ext uri="{91240B29-F687-4f45-9708-019B960494DF}">
-                <a14:hiddenLine xmlns="" xmlns:a14="http://schemas.microsoft.com/office/drawing/2010/main" w="9525">
+                <a14:hiddenLine xmlns:a14="http://schemas.microsoft.com/office/drawing/2010/main" xmlns="" w="9525">
                   <a:solidFill>
                     <a:srgbClr val="000000"/>
                   </a:solidFill>
@@ -7743,7 +7856,7 @@
             </a:ln>
             <a:extLst>
               <a:ext uri="{91240B29-F687-4f45-9708-019B960494DF}">
-                <a14:hiddenLine xmlns="" xmlns:a14="http://schemas.microsoft.com/office/drawing/2010/main" w="9525">
+                <a14:hiddenLine xmlns:a14="http://schemas.microsoft.com/office/drawing/2010/main" xmlns="" w="9525">
                   <a:solidFill>
                     <a:srgbClr val="000000"/>
                   </a:solidFill>
@@ -7883,7 +7996,7 @@
           <a:p>
             <a:fld id="{48A87A34-81AB-432B-8DAE-1953F412C126}" type="datetimeFigureOut">
               <a:rPr lang="en-US" dirty="0"/>
-              <a:t>10/11/2017</a:t>
+              <a:t>10/12/2017</a:t>
             </a:fld>
             <a:endParaRPr lang="en-US" dirty="0"/>
           </a:p>
@@ -8145,7 +8258,7 @@
           <a:p>
             <a:fld id="{48A87A34-81AB-432B-8DAE-1953F412C126}" type="datetimeFigureOut">
               <a:rPr lang="en-US" dirty="0"/>
-              <a:t>10/11/2017</a:t>
+              <a:t>10/12/2017</a:t>
             </a:fld>
             <a:endParaRPr lang="en-US" dirty="0"/>
           </a:p>
@@ -8336,7 +8449,7 @@
           <a:p>
             <a:fld id="{48A87A34-81AB-432B-8DAE-1953F412C126}" type="datetimeFigureOut">
               <a:rPr lang="en-US" dirty="0"/>
-              <a:t>10/11/2017</a:t>
+              <a:t>10/12/2017</a:t>
             </a:fld>
             <a:endParaRPr lang="en-US" dirty="0"/>
           </a:p>
@@ -8594,7 +8707,7 @@
           <a:p>
             <a:fld id="{48A87A34-81AB-432B-8DAE-1953F412C126}" type="datetimeFigureOut">
               <a:rPr lang="en-US" dirty="0"/>
-              <a:t>10/11/2017</a:t>
+              <a:t>10/12/2017</a:t>
             </a:fld>
             <a:endParaRPr lang="en-US" dirty="0"/>
           </a:p>
@@ -9023,7 +9136,7 @@
           <a:p>
             <a:fld id="{48A87A34-81AB-432B-8DAE-1953F412C126}" type="datetimeFigureOut">
               <a:rPr lang="en-US" dirty="0"/>
-              <a:t>10/11/2017</a:t>
+              <a:t>10/12/2017</a:t>
             </a:fld>
             <a:endParaRPr lang="en-US" dirty="0"/>
           </a:p>
@@ -9564,7 +9677,7 @@
           <a:p>
             <a:fld id="{48A87A34-81AB-432B-8DAE-1953F412C126}" type="datetimeFigureOut">
               <a:rPr lang="en-US" dirty="0"/>
-              <a:t>10/11/2017</a:t>
+              <a:t>10/12/2017</a:t>
             </a:fld>
             <a:endParaRPr lang="en-US" dirty="0"/>
           </a:p>
@@ -10279,7 +10392,7 @@
           <a:p>
             <a:fld id="{48A87A34-81AB-432B-8DAE-1953F412C126}" type="datetimeFigureOut">
               <a:rPr lang="en-US" dirty="0"/>
-              <a:t>10/11/2017</a:t>
+              <a:t>10/12/2017</a:t>
             </a:fld>
             <a:endParaRPr lang="en-US" dirty="0"/>
           </a:p>
@@ -10444,7 +10557,7 @@
           <a:p>
             <a:fld id="{48A87A34-81AB-432B-8DAE-1953F412C126}" type="datetimeFigureOut">
               <a:rPr lang="en-US" dirty="0"/>
-              <a:t>10/11/2017</a:t>
+              <a:t>10/12/2017</a:t>
             </a:fld>
             <a:endParaRPr lang="en-US" dirty="0"/>
           </a:p>
@@ -10619,7 +10732,7 @@
           <a:p>
             <a:fld id="{48A87A34-81AB-432B-8DAE-1953F412C126}" type="datetimeFigureOut">
               <a:rPr lang="en-US" dirty="0"/>
-              <a:t>10/11/2017</a:t>
+              <a:t>10/12/2017</a:t>
             </a:fld>
             <a:endParaRPr lang="en-US" dirty="0"/>
           </a:p>
@@ -10784,7 +10897,7 @@
           <a:p>
             <a:fld id="{48A87A34-81AB-432B-8DAE-1953F412C126}" type="datetimeFigureOut">
               <a:rPr lang="en-US" dirty="0"/>
-              <a:t>10/11/2017</a:t>
+              <a:t>10/12/2017</a:t>
             </a:fld>
             <a:endParaRPr lang="en-US" dirty="0"/>
           </a:p>
@@ -11029,7 +11142,7 @@
           <a:p>
             <a:fld id="{48A87A34-81AB-432B-8DAE-1953F412C126}" type="datetimeFigureOut">
               <a:rPr lang="en-US" dirty="0"/>
-              <a:t>10/11/2017</a:t>
+              <a:t>10/12/2017</a:t>
             </a:fld>
             <a:endParaRPr lang="en-US" dirty="0"/>
           </a:p>
@@ -11256,7 +11369,7 @@
           <a:p>
             <a:fld id="{48A87A34-81AB-432B-8DAE-1953F412C126}" type="datetimeFigureOut">
               <a:rPr lang="en-US" dirty="0"/>
-              <a:t>10/11/2017</a:t>
+              <a:t>10/12/2017</a:t>
             </a:fld>
             <a:endParaRPr lang="en-US" dirty="0"/>
           </a:p>
@@ -11632,7 +11745,7 @@
           <a:p>
             <a:fld id="{48A87A34-81AB-432B-8DAE-1953F412C126}" type="datetimeFigureOut">
               <a:rPr lang="en-US" dirty="0"/>
-              <a:t>10/11/2017</a:t>
+              <a:t>10/12/2017</a:t>
             </a:fld>
             <a:endParaRPr lang="en-US" dirty="0"/>
           </a:p>
@@ -11745,7 +11858,7 @@
           <a:p>
             <a:fld id="{48A87A34-81AB-432B-8DAE-1953F412C126}" type="datetimeFigureOut">
               <a:rPr lang="en-US" dirty="0"/>
-              <a:t>10/11/2017</a:t>
+              <a:t>10/12/2017</a:t>
             </a:fld>
             <a:endParaRPr lang="en-US" dirty="0"/>
           </a:p>
@@ -11835,7 +11948,7 @@
           <a:p>
             <a:fld id="{48A87A34-81AB-432B-8DAE-1953F412C126}" type="datetimeFigureOut">
               <a:rPr lang="en-US" dirty="0"/>
-              <a:t>10/11/2017</a:t>
+              <a:t>10/12/2017</a:t>
             </a:fld>
             <a:endParaRPr lang="en-US" dirty="0"/>
           </a:p>
@@ -12079,7 +12192,7 @@
           <a:p>
             <a:fld id="{48A87A34-81AB-432B-8DAE-1953F412C126}" type="datetimeFigureOut">
               <a:rPr lang="en-US" dirty="0"/>
-              <a:t>10/11/2017</a:t>
+              <a:t>10/12/2017</a:t>
             </a:fld>
             <a:endParaRPr lang="en-US" dirty="0"/>
           </a:p>
@@ -12354,7 +12467,7 @@
           <a:p>
             <a:fld id="{48A87A34-81AB-432B-8DAE-1953F412C126}" type="datetimeFigureOut">
               <a:rPr lang="en-US" dirty="0"/>
-              <a:t>10/11/2017</a:t>
+              <a:t>10/12/2017</a:t>
             </a:fld>
             <a:endParaRPr lang="en-US" dirty="0"/>
           </a:p>
@@ -12472,7 +12585,7 @@
           <a:noFill/>
           <a:extLst>
             <a:ext uri="{909E8E84-426E-40dd-AFC4-6F175D3DCCD1}">
-              <a14:hiddenFill xmlns="" xmlns:a14="http://schemas.microsoft.com/office/drawing/2010/main">
+              <a14:hiddenFill xmlns:a14="http://schemas.microsoft.com/office/drawing/2010/main" xmlns="">
                 <a:solidFill>
                   <a:srgbClr val="FFFFFF"/>
                 </a:solidFill>
@@ -12546,7 +12659,7 @@
               </a:ln>
               <a:extLst>
                 <a:ext uri="{91240B29-F687-4f45-9708-019B960494DF}">
-                  <a14:hiddenLine xmlns="" xmlns:a14="http://schemas.microsoft.com/office/drawing/2010/main" w="9525">
+                  <a14:hiddenLine xmlns:a14="http://schemas.microsoft.com/office/drawing/2010/main" xmlns="" w="9525">
                     <a:solidFill>
                       <a:srgbClr val="000000"/>
                     </a:solidFill>
@@ -12636,7 +12749,7 @@
               </a:ln>
               <a:extLst>
                 <a:ext uri="{91240B29-F687-4f45-9708-019B960494DF}">
-                  <a14:hiddenLine xmlns="" xmlns:a14="http://schemas.microsoft.com/office/drawing/2010/main" w="9525">
+                  <a14:hiddenLine xmlns:a14="http://schemas.microsoft.com/office/drawing/2010/main" xmlns="" w="9525">
                     <a:solidFill>
                       <a:srgbClr val="000000"/>
                     </a:solidFill>
@@ -12726,7 +12839,7 @@
               </a:ln>
               <a:extLst>
                 <a:ext uri="{91240B29-F687-4f45-9708-019B960494DF}">
-                  <a14:hiddenLine xmlns="" xmlns:a14="http://schemas.microsoft.com/office/drawing/2010/main" w="9525">
+                  <a14:hiddenLine xmlns:a14="http://schemas.microsoft.com/office/drawing/2010/main" xmlns="" w="9525">
                     <a:solidFill>
                       <a:srgbClr val="000000"/>
                     </a:solidFill>
@@ -12788,7 +12901,7 @@
               </a:ln>
               <a:extLst>
                 <a:ext uri="{91240B29-F687-4f45-9708-019B960494DF}">
-                  <a14:hiddenLine xmlns="" xmlns:a14="http://schemas.microsoft.com/office/drawing/2010/main" w="9525">
+                  <a14:hiddenLine xmlns:a14="http://schemas.microsoft.com/office/drawing/2010/main" xmlns="" w="9525">
                     <a:solidFill>
                       <a:srgbClr val="000000"/>
                     </a:solidFill>
@@ -12878,7 +12991,7 @@
               </a:ln>
               <a:extLst>
                 <a:ext uri="{91240B29-F687-4f45-9708-019B960494DF}">
-                  <a14:hiddenLine xmlns="" xmlns:a14="http://schemas.microsoft.com/office/drawing/2010/main" w="9525">
+                  <a14:hiddenLine xmlns:a14="http://schemas.microsoft.com/office/drawing/2010/main" xmlns="" w="9525">
                     <a:solidFill>
                       <a:srgbClr val="000000"/>
                     </a:solidFill>
@@ -12940,7 +13053,7 @@
               </a:ln>
               <a:extLst>
                 <a:ext uri="{91240B29-F687-4f45-9708-019B960494DF}">
-                  <a14:hiddenLine xmlns="" xmlns:a14="http://schemas.microsoft.com/office/drawing/2010/main" w="9525">
+                  <a14:hiddenLine xmlns:a14="http://schemas.microsoft.com/office/drawing/2010/main" xmlns="" w="9525">
                     <a:solidFill>
                       <a:srgbClr val="000000"/>
                     </a:solidFill>
@@ -13002,7 +13115,7 @@
               </a:ln>
               <a:extLst>
                 <a:ext uri="{91240B29-F687-4f45-9708-019B960494DF}">
-                  <a14:hiddenLine xmlns="" xmlns:a14="http://schemas.microsoft.com/office/drawing/2010/main" w="9525">
+                  <a14:hiddenLine xmlns:a14="http://schemas.microsoft.com/office/drawing/2010/main" xmlns="" w="9525">
                     <a:solidFill>
                       <a:srgbClr val="000000"/>
                     </a:solidFill>
@@ -13092,7 +13205,7 @@
               </a:ln>
               <a:extLst>
                 <a:ext uri="{91240B29-F687-4f45-9708-019B960494DF}">
-                  <a14:hiddenLine xmlns="" xmlns:a14="http://schemas.microsoft.com/office/drawing/2010/main" w="9525">
+                  <a14:hiddenLine xmlns:a14="http://schemas.microsoft.com/office/drawing/2010/main" xmlns="" w="9525">
                     <a:solidFill>
                       <a:srgbClr val="000000"/>
                     </a:solidFill>
@@ -13182,7 +13295,7 @@
               </a:ln>
               <a:extLst>
                 <a:ext uri="{91240B29-F687-4f45-9708-019B960494DF}">
-                  <a14:hiddenLine xmlns="" xmlns:a14="http://schemas.microsoft.com/office/drawing/2010/main" w="9525">
+                  <a14:hiddenLine xmlns:a14="http://schemas.microsoft.com/office/drawing/2010/main" xmlns="" w="9525">
                     <a:solidFill>
                       <a:srgbClr val="000000"/>
                     </a:solidFill>
@@ -13244,7 +13357,7 @@
               </a:ln>
               <a:extLst>
                 <a:ext uri="{91240B29-F687-4f45-9708-019B960494DF}">
-                  <a14:hiddenLine xmlns="" xmlns:a14="http://schemas.microsoft.com/office/drawing/2010/main" w="9525">
+                  <a14:hiddenLine xmlns:a14="http://schemas.microsoft.com/office/drawing/2010/main" xmlns="" w="9525">
                     <a:solidFill>
                       <a:srgbClr val="000000"/>
                     </a:solidFill>
@@ -13354,7 +13467,7 @@
               </a:ln>
               <a:extLst>
                 <a:ext uri="{91240B29-F687-4f45-9708-019B960494DF}">
-                  <a14:hiddenLine xmlns="" xmlns:a14="http://schemas.microsoft.com/office/drawing/2010/main" w="9525">
+                  <a14:hiddenLine xmlns:a14="http://schemas.microsoft.com/office/drawing/2010/main" xmlns="" w="9525">
                     <a:solidFill>
                       <a:srgbClr val="000000"/>
                     </a:solidFill>
@@ -13438,7 +13551,7 @@
               </a:ln>
               <a:extLst>
                 <a:ext uri="{91240B29-F687-4f45-9708-019B960494DF}">
-                  <a14:hiddenLine xmlns="" xmlns:a14="http://schemas.microsoft.com/office/drawing/2010/main" w="9525">
+                  <a14:hiddenLine xmlns:a14="http://schemas.microsoft.com/office/drawing/2010/main" xmlns="" w="9525">
                     <a:solidFill>
                       <a:srgbClr val="000000"/>
                     </a:solidFill>
@@ -13500,7 +13613,7 @@
               </a:ln>
               <a:extLst>
                 <a:ext uri="{91240B29-F687-4f45-9708-019B960494DF}">
-                  <a14:hiddenLine xmlns="" xmlns:a14="http://schemas.microsoft.com/office/drawing/2010/main" w="9525">
+                  <a14:hiddenLine xmlns:a14="http://schemas.microsoft.com/office/drawing/2010/main" xmlns="" w="9525">
                     <a:solidFill>
                       <a:srgbClr val="000000"/>
                     </a:solidFill>
@@ -13562,7 +13675,7 @@
               </a:ln>
               <a:extLst>
                 <a:ext uri="{91240B29-F687-4f45-9708-019B960494DF}">
-                  <a14:hiddenLine xmlns="" xmlns:a14="http://schemas.microsoft.com/office/drawing/2010/main" w="9525">
+                  <a14:hiddenLine xmlns:a14="http://schemas.microsoft.com/office/drawing/2010/main" xmlns="" w="9525">
                     <a:solidFill>
                       <a:srgbClr val="000000"/>
                     </a:solidFill>
@@ -13652,7 +13765,7 @@
               </a:ln>
               <a:extLst>
                 <a:ext uri="{91240B29-F687-4f45-9708-019B960494DF}">
-                  <a14:hiddenLine xmlns="" xmlns:a14="http://schemas.microsoft.com/office/drawing/2010/main" w="9525">
+                  <a14:hiddenLine xmlns:a14="http://schemas.microsoft.com/office/drawing/2010/main" xmlns="" w="9525">
                     <a:solidFill>
                       <a:srgbClr val="000000"/>
                     </a:solidFill>
@@ -13686,7 +13799,7 @@
               </a:ln>
               <a:extLst>
                 <a:ext uri="{91240B29-F687-4f45-9708-019B960494DF}">
-                  <a14:hiddenLine xmlns="" xmlns:a14="http://schemas.microsoft.com/office/drawing/2010/main" w="9525">
+                  <a14:hiddenLine xmlns:a14="http://schemas.microsoft.com/office/drawing/2010/main" xmlns="" w="9525">
                     <a:solidFill>
                       <a:srgbClr val="000000"/>
                     </a:solidFill>
@@ -13751,7 +13864,7 @@
               </a:ln>
               <a:extLst>
                 <a:ext uri="{91240B29-F687-4f45-9708-019B960494DF}">
-                  <a14:hiddenLine xmlns="" xmlns:a14="http://schemas.microsoft.com/office/drawing/2010/main" w="9525">
+                  <a14:hiddenLine xmlns:a14="http://schemas.microsoft.com/office/drawing/2010/main" xmlns="" w="9525">
                     <a:solidFill>
                       <a:srgbClr val="000000"/>
                     </a:solidFill>
@@ -13841,7 +13954,7 @@
               </a:ln>
               <a:extLst>
                 <a:ext uri="{91240B29-F687-4f45-9708-019B960494DF}">
-                  <a14:hiddenLine xmlns="" xmlns:a14="http://schemas.microsoft.com/office/drawing/2010/main" w="9525">
+                  <a14:hiddenLine xmlns:a14="http://schemas.microsoft.com/office/drawing/2010/main" xmlns="" w="9525">
                     <a:solidFill>
                       <a:srgbClr val="000000"/>
                     </a:solidFill>
@@ -13903,7 +14016,7 @@
               </a:ln>
               <a:extLst>
                 <a:ext uri="{91240B29-F687-4f45-9708-019B960494DF}">
-                  <a14:hiddenLine xmlns="" xmlns:a14="http://schemas.microsoft.com/office/drawing/2010/main" w="9525">
+                  <a14:hiddenLine xmlns:a14="http://schemas.microsoft.com/office/drawing/2010/main" xmlns="" w="9525">
                     <a:solidFill>
                       <a:srgbClr val="000000"/>
                     </a:solidFill>
@@ -13993,7 +14106,7 @@
               </a:ln>
               <a:extLst>
                 <a:ext uri="{91240B29-F687-4f45-9708-019B960494DF}">
-                  <a14:hiddenLine xmlns="" xmlns:a14="http://schemas.microsoft.com/office/drawing/2010/main" w="9525">
+                  <a14:hiddenLine xmlns:a14="http://schemas.microsoft.com/office/drawing/2010/main" xmlns="" w="9525">
                     <a:solidFill>
                       <a:srgbClr val="000000"/>
                     </a:solidFill>
@@ -14058,7 +14171,7 @@
               </a:ln>
               <a:extLst>
                 <a:ext uri="{91240B29-F687-4f45-9708-019B960494DF}">
-                  <a14:hiddenLine xmlns="" xmlns:a14="http://schemas.microsoft.com/office/drawing/2010/main" w="9525">
+                  <a14:hiddenLine xmlns:a14="http://schemas.microsoft.com/office/drawing/2010/main" xmlns="" w="9525">
                     <a:solidFill>
                       <a:srgbClr val="000000"/>
                     </a:solidFill>
@@ -14120,7 +14233,7 @@
               </a:ln>
               <a:extLst>
                 <a:ext uri="{91240B29-F687-4f45-9708-019B960494DF}">
-                  <a14:hiddenLine xmlns="" xmlns:a14="http://schemas.microsoft.com/office/drawing/2010/main" w="9525">
+                  <a14:hiddenLine xmlns:a14="http://schemas.microsoft.com/office/drawing/2010/main" xmlns="" w="9525">
                     <a:solidFill>
                       <a:srgbClr val="000000"/>
                     </a:solidFill>
@@ -14210,7 +14323,7 @@
               </a:ln>
               <a:extLst>
                 <a:ext uri="{91240B29-F687-4f45-9708-019B960494DF}">
-                  <a14:hiddenLine xmlns="" xmlns:a14="http://schemas.microsoft.com/office/drawing/2010/main" w="9525">
+                  <a14:hiddenLine xmlns:a14="http://schemas.microsoft.com/office/drawing/2010/main" xmlns="" w="9525">
                     <a:solidFill>
                       <a:srgbClr val="000000"/>
                     </a:solidFill>
@@ -14300,7 +14413,7 @@
               </a:ln>
               <a:extLst>
                 <a:ext uri="{91240B29-F687-4f45-9708-019B960494DF}">
-                  <a14:hiddenLine xmlns="" xmlns:a14="http://schemas.microsoft.com/office/drawing/2010/main" w="9525">
+                  <a14:hiddenLine xmlns:a14="http://schemas.microsoft.com/office/drawing/2010/main" xmlns="" w="9525">
                     <a:solidFill>
                       <a:srgbClr val="000000"/>
                     </a:solidFill>
@@ -14365,7 +14478,7 @@
               </a:ln>
               <a:extLst>
                 <a:ext uri="{91240B29-F687-4f45-9708-019B960494DF}">
-                  <a14:hiddenLine xmlns="" xmlns:a14="http://schemas.microsoft.com/office/drawing/2010/main" w="9525">
+                  <a14:hiddenLine xmlns:a14="http://schemas.microsoft.com/office/drawing/2010/main" xmlns="" w="9525">
                     <a:solidFill>
                       <a:srgbClr val="000000"/>
                     </a:solidFill>
@@ -14485,7 +14598,7 @@
               </a:ln>
               <a:extLst>
                 <a:ext uri="{91240B29-F687-4f45-9708-019B960494DF}">
-                  <a14:hiddenLine xmlns="" xmlns:a14="http://schemas.microsoft.com/office/drawing/2010/main" w="9525">
+                  <a14:hiddenLine xmlns:a14="http://schemas.microsoft.com/office/drawing/2010/main" xmlns="" w="9525">
                     <a:solidFill>
                       <a:srgbClr val="000000"/>
                     </a:solidFill>
@@ -14566,7 +14679,7 @@
               </a:ln>
               <a:extLst>
                 <a:ext uri="{91240B29-F687-4f45-9708-019B960494DF}">
-                  <a14:hiddenLine xmlns="" xmlns:a14="http://schemas.microsoft.com/office/drawing/2010/main" w="9525">
+                  <a14:hiddenLine xmlns:a14="http://schemas.microsoft.com/office/drawing/2010/main" xmlns="" w="9525">
                     <a:solidFill>
                       <a:srgbClr val="000000"/>
                     </a:solidFill>
@@ -14681,7 +14794,7 @@
               </a:ln>
               <a:extLst>
                 <a:ext uri="{91240B29-F687-4f45-9708-019B960494DF}">
-                  <a14:hiddenLine xmlns="" xmlns:a14="http://schemas.microsoft.com/office/drawing/2010/main" w="9525">
+                  <a14:hiddenLine xmlns:a14="http://schemas.microsoft.com/office/drawing/2010/main" xmlns="" w="9525">
                     <a:solidFill>
                       <a:srgbClr val="000000"/>
                     </a:solidFill>
@@ -14771,7 +14884,7 @@
               </a:ln>
               <a:extLst>
                 <a:ext uri="{91240B29-F687-4f45-9708-019B960494DF}">
-                  <a14:hiddenLine xmlns="" xmlns:a14="http://schemas.microsoft.com/office/drawing/2010/main" w="9525">
+                  <a14:hiddenLine xmlns:a14="http://schemas.microsoft.com/office/drawing/2010/main" xmlns="" w="9525">
                     <a:solidFill>
                       <a:srgbClr val="000000"/>
                     </a:solidFill>
@@ -14836,7 +14949,7 @@
               </a:ln>
               <a:extLst>
                 <a:ext uri="{91240B29-F687-4f45-9708-019B960494DF}">
-                  <a14:hiddenLine xmlns="" xmlns:a14="http://schemas.microsoft.com/office/drawing/2010/main" w="9525">
+                  <a14:hiddenLine xmlns:a14="http://schemas.microsoft.com/office/drawing/2010/main" xmlns="" w="9525">
                     <a:solidFill>
                       <a:srgbClr val="000000"/>
                     </a:solidFill>
@@ -14926,7 +15039,7 @@
               </a:ln>
               <a:extLst>
                 <a:ext uri="{91240B29-F687-4f45-9708-019B960494DF}">
-                  <a14:hiddenLine xmlns="" xmlns:a14="http://schemas.microsoft.com/office/drawing/2010/main" w="9525">
+                  <a14:hiddenLine xmlns:a14="http://schemas.microsoft.com/office/drawing/2010/main" xmlns="" w="9525">
                     <a:solidFill>
                       <a:srgbClr val="000000"/>
                     </a:solidFill>
@@ -14994,7 +15107,7 @@
               </a:ln>
               <a:extLst>
                 <a:ext uri="{91240B29-F687-4f45-9708-019B960494DF}">
-                  <a14:hiddenLine xmlns="" xmlns:a14="http://schemas.microsoft.com/office/drawing/2010/main" w="9525">
+                  <a14:hiddenLine xmlns:a14="http://schemas.microsoft.com/office/drawing/2010/main" xmlns="" w="9525">
                     <a:solidFill>
                       <a:srgbClr val="000000"/>
                     </a:solidFill>
@@ -15084,7 +15197,7 @@
               </a:ln>
               <a:extLst>
                 <a:ext uri="{91240B29-F687-4f45-9708-019B960494DF}">
-                  <a14:hiddenLine xmlns="" xmlns:a14="http://schemas.microsoft.com/office/drawing/2010/main" w="9525">
+                  <a14:hiddenLine xmlns:a14="http://schemas.microsoft.com/office/drawing/2010/main" xmlns="" w="9525">
                     <a:solidFill>
                       <a:srgbClr val="000000"/>
                     </a:solidFill>
@@ -15152,7 +15265,7 @@
               </a:ln>
               <a:extLst>
                 <a:ext uri="{91240B29-F687-4f45-9708-019B960494DF}">
-                  <a14:hiddenLine xmlns="" xmlns:a14="http://schemas.microsoft.com/office/drawing/2010/main" w="9525">
+                  <a14:hiddenLine xmlns:a14="http://schemas.microsoft.com/office/drawing/2010/main" xmlns="" w="9525">
                     <a:solidFill>
                       <a:srgbClr val="000000"/>
                     </a:solidFill>
@@ -15242,7 +15355,7 @@
               </a:ln>
               <a:extLst>
                 <a:ext uri="{91240B29-F687-4f45-9708-019B960494DF}">
-                  <a14:hiddenLine xmlns="" xmlns:a14="http://schemas.microsoft.com/office/drawing/2010/main" w="9525">
+                  <a14:hiddenLine xmlns:a14="http://schemas.microsoft.com/office/drawing/2010/main" xmlns="" w="9525">
                     <a:solidFill>
                       <a:srgbClr val="000000"/>
                     </a:solidFill>
@@ -15276,7 +15389,7 @@
               </a:ln>
               <a:extLst>
                 <a:ext uri="{91240B29-F687-4f45-9708-019B960494DF}">
-                  <a14:hiddenLine xmlns="" xmlns:a14="http://schemas.microsoft.com/office/drawing/2010/main" w="9525">
+                  <a14:hiddenLine xmlns:a14="http://schemas.microsoft.com/office/drawing/2010/main" xmlns="" w="9525">
                     <a:solidFill>
                       <a:srgbClr val="000000"/>
                     </a:solidFill>
@@ -15417,7 +15530,7 @@
             <a:fld id="{48A87A34-81AB-432B-8DAE-1953F412C126}" type="datetimeFigureOut">
               <a:rPr lang="en-US" dirty="0"/>
               <a:pPr/>
-              <a:t>10/11/2017</a:t>
+              <a:t>10/12/2017</a:t>
             </a:fld>
             <a:endParaRPr lang="en-US" dirty="0"/>
           </a:p>
@@ -23871,6 +23984,120 @@
 </file>
 
 <file path=ppt/slides/slide31.xml><?xml version="1.0" encoding="utf-8"?>
+<p:sld xmlns:a="http://schemas.openxmlformats.org/drawingml/2006/main" xmlns:r="http://schemas.openxmlformats.org/officeDocument/2006/relationships" xmlns:p="http://schemas.openxmlformats.org/presentationml/2006/main">
+  <p:cSld>
+    <p:spTree>
+      <p:nvGrpSpPr>
+        <p:cNvPr id="1" name=""/>
+        <p:cNvGrpSpPr/>
+        <p:nvPr/>
+      </p:nvGrpSpPr>
+      <p:grpSpPr>
+        <a:xfrm>
+          <a:off x="0" y="0"/>
+          <a:ext cx="0" cy="0"/>
+          <a:chOff x="0" y="0"/>
+          <a:chExt cx="0" cy="0"/>
+        </a:xfrm>
+      </p:grpSpPr>
+      <p:sp>
+        <p:nvSpPr>
+          <p:cNvPr id="2" name="Title 1"/>
+          <p:cNvSpPr>
+            <a:spLocks noGrp="1"/>
+          </p:cNvSpPr>
+          <p:nvPr>
+            <p:ph type="title"/>
+          </p:nvPr>
+        </p:nvSpPr>
+        <p:spPr/>
+        <p:txBody>
+          <a:bodyPr/>
+          <a:lstStyle/>
+          <a:p>
+            <a:r>
+              <a:rPr lang="de-CH" dirty="0" smtClean="0"/>
+              <a:t>Weiterführende Konzepte</a:t>
+            </a:r>
+            <a:endParaRPr lang="de-CH" dirty="0"/>
+          </a:p>
+        </p:txBody>
+      </p:sp>
+      <p:sp>
+        <p:nvSpPr>
+          <p:cNvPr id="4" name="Text Placeholder 3"/>
+          <p:cNvSpPr>
+            <a:spLocks noGrp="1"/>
+          </p:cNvSpPr>
+          <p:nvPr>
+            <p:ph type="body" idx="1"/>
+          </p:nvPr>
+        </p:nvSpPr>
+        <p:spPr/>
+        <p:txBody>
+          <a:bodyPr/>
+          <a:lstStyle/>
+          <a:p>
+            <a:r>
+              <a:rPr lang="en-US" dirty="0">
+                <a:solidFill>
+                  <a:schemeClr val="tx2"/>
+                </a:solidFill>
+              </a:rPr>
+              <a:t>“By far, the greatest danger of Artificial Intelligence is that people conclude too early that they understand it.” </a:t>
+            </a:r>
+            <a:endParaRPr lang="en-US" dirty="0" smtClean="0">
+              <a:solidFill>
+                <a:schemeClr val="tx2"/>
+              </a:solidFill>
+            </a:endParaRPr>
+          </a:p>
+          <a:p>
+            <a:r>
+              <a:rPr lang="en-US" sz="1100" dirty="0" smtClean="0">
+                <a:solidFill>
+                  <a:schemeClr val="tx2"/>
+                </a:solidFill>
+              </a:rPr>
+              <a:t>— Eliezer </a:t>
+            </a:r>
+            <a:r>
+              <a:rPr lang="en-US" sz="1100" dirty="0" err="1">
+                <a:solidFill>
+                  <a:schemeClr val="tx2"/>
+                </a:solidFill>
+              </a:rPr>
+              <a:t>Yudkowsky</a:t>
+            </a:r>
+            <a:endParaRPr lang="de-CH" sz="900" dirty="0">
+              <a:solidFill>
+                <a:schemeClr val="tx2"/>
+              </a:solidFill>
+            </a:endParaRPr>
+          </a:p>
+        </p:txBody>
+      </p:sp>
+    </p:spTree>
+    <p:extLst>
+      <p:ext uri="{BB962C8B-B14F-4D97-AF65-F5344CB8AC3E}">
+        <p14:creationId xmlns:p14="http://schemas.microsoft.com/office/powerpoint/2010/main" val="2289690871"/>
+      </p:ext>
+    </p:extLst>
+  </p:cSld>
+  <p:clrMapOvr>
+    <a:masterClrMapping/>
+  </p:clrMapOvr>
+  <p:timing>
+    <p:tnLst>
+      <p:par>
+        <p:cTn id="1" dur="indefinite" restart="never" nodeType="tmRoot"/>
+      </p:par>
+    </p:tnLst>
+  </p:timing>
+</p:sld>
+</file>
+
+<file path=ppt/slides/slide32.xml><?xml version="1.0" encoding="utf-8"?>
 <p:sld xmlns:a="http://schemas.openxmlformats.org/drawingml/2006/main" xmlns:r="http://schemas.openxmlformats.org/officeDocument/2006/relationships" xmlns:p="http://schemas.openxmlformats.org/presentationml/2006/main" show="0">
   <p:cSld>
     <p:spTree>

--- a/presentation.pptx
+++ b/presentation.pptx
@@ -5,7 +5,7 @@
     <p:sldMasterId id="2147483648" r:id="rId1"/>
   </p:sldMasterIdLst>
   <p:notesMasterIdLst>
-    <p:notesMasterId r:id="rId34"/>
+    <p:notesMasterId r:id="rId38"/>
   </p:notesMasterIdLst>
   <p:sldIdLst>
     <p:sldId id="256" r:id="rId2"/>
@@ -38,8 +38,12 @@
     <p:sldId id="279" r:id="rId29"/>
     <p:sldId id="280" r:id="rId30"/>
     <p:sldId id="282" r:id="rId31"/>
-    <p:sldId id="288" r:id="rId32"/>
-    <p:sldId id="274" r:id="rId33"/>
+    <p:sldId id="289" r:id="rId32"/>
+    <p:sldId id="291" r:id="rId33"/>
+    <p:sldId id="290" r:id="rId34"/>
+    <p:sldId id="292" r:id="rId35"/>
+    <p:sldId id="293" r:id="rId36"/>
+    <p:sldId id="288" r:id="rId37"/>
   </p:sldIdLst>
   <p:sldSz cx="12192000" cy="6858000"/>
   <p:notesSz cx="6858000" cy="9144000"/>
@@ -2540,8 +2544,16 @@
               <a:t>Neural</a:t>
             </a:r>
             <a:r>
-              <a:rPr lang="de-CH" smtClean="0"/>
-              <a:t> Networks</a:t>
+              <a:rPr lang="de-CH" dirty="0" smtClean="0"/>
+              <a:t> </a:t>
+            </a:r>
+            <a:r>
+              <a:rPr lang="de-CH" dirty="0" smtClean="0"/>
+              <a:t>Networks, </a:t>
+            </a:r>
+            <a:r>
+              <a:rPr lang="de-CH" dirty="0" err="1" smtClean="0"/>
+              <a:t>Recommenders</a:t>
             </a:r>
             <a:endParaRPr lang="de-CH" dirty="0"/>
           </a:p>
@@ -2564,7 +2576,7 @@
           <a:p>
             <a:fld id="{DA58BC1F-B303-41BB-B1E5-E3EE1F495441}" type="slidenum">
               <a:rPr lang="de-CH" smtClean="0"/>
-              <a:t>31</a:t>
+              <a:t>36</a:t>
             </a:fld>
             <a:endParaRPr lang="de-CH"/>
           </a:p>
@@ -2574,90 +2586,6 @@
     <p:extLst>
       <p:ext uri="{BB962C8B-B14F-4D97-AF65-F5344CB8AC3E}">
         <p14:creationId xmlns:p14="http://schemas.microsoft.com/office/powerpoint/2010/main" val="2774138433"/>
-      </p:ext>
-    </p:extLst>
-  </p:cSld>
-  <p:clrMapOvr>
-    <a:masterClrMapping/>
-  </p:clrMapOvr>
-</p:notes>
-</file>
-
-<file path=ppt/notesSlides/notesSlide28.xml><?xml version="1.0" encoding="utf-8"?>
-<p:notes xmlns:a="http://schemas.openxmlformats.org/drawingml/2006/main" xmlns:r="http://schemas.openxmlformats.org/officeDocument/2006/relationships" xmlns:p="http://schemas.openxmlformats.org/presentationml/2006/main">
-  <p:cSld>
-    <p:spTree>
-      <p:nvGrpSpPr>
-        <p:cNvPr id="1" name=""/>
-        <p:cNvGrpSpPr/>
-        <p:nvPr/>
-      </p:nvGrpSpPr>
-      <p:grpSpPr>
-        <a:xfrm>
-          <a:off x="0" y="0"/>
-          <a:ext cx="0" cy="0"/>
-          <a:chOff x="0" y="0"/>
-          <a:chExt cx="0" cy="0"/>
-        </a:xfrm>
-      </p:grpSpPr>
-      <p:sp>
-        <p:nvSpPr>
-          <p:cNvPr id="2" name="Slide Image Placeholder 1"/>
-          <p:cNvSpPr>
-            <a:spLocks noGrp="1" noRot="1" noChangeAspect="1"/>
-          </p:cNvSpPr>
-          <p:nvPr>
-            <p:ph type="sldImg"/>
-          </p:nvPr>
-        </p:nvSpPr>
-        <p:spPr/>
-      </p:sp>
-      <p:sp>
-        <p:nvSpPr>
-          <p:cNvPr id="3" name="Notes Placeholder 2"/>
-          <p:cNvSpPr>
-            <a:spLocks noGrp="1"/>
-          </p:cNvSpPr>
-          <p:nvPr>
-            <p:ph type="body" idx="1"/>
-          </p:nvPr>
-        </p:nvSpPr>
-        <p:spPr/>
-        <p:txBody>
-          <a:bodyPr/>
-          <a:lstStyle/>
-          <a:p>
-            <a:endParaRPr lang="de-CH" dirty="0"/>
-          </a:p>
-        </p:txBody>
-      </p:sp>
-      <p:sp>
-        <p:nvSpPr>
-          <p:cNvPr id="4" name="Slide Number Placeholder 3"/>
-          <p:cNvSpPr>
-            <a:spLocks noGrp="1"/>
-          </p:cNvSpPr>
-          <p:nvPr>
-            <p:ph type="sldNum" sz="quarter" idx="10"/>
-          </p:nvPr>
-        </p:nvSpPr>
-        <p:spPr/>
-        <p:txBody>
-          <a:bodyPr/>
-          <a:lstStyle/>
-          <a:p>
-            <a:fld id="{DA58BC1F-B303-41BB-B1E5-E3EE1F495441}" type="slidenum">
-              <a:rPr lang="de-CH" smtClean="0"/>
-              <a:t>32</a:t>
-            </a:fld>
-            <a:endParaRPr lang="de-CH"/>
-          </a:p>
-        </p:txBody>
-      </p:sp>
-    </p:spTree>
-    <p:extLst>
-      <p:ext uri="{BB962C8B-B14F-4D97-AF65-F5344CB8AC3E}">
-        <p14:creationId xmlns:p14="http://schemas.microsoft.com/office/powerpoint/2010/main" val="2488689134"/>
       </p:ext>
     </p:extLst>
   </p:cSld>
@@ -3771,7 +3699,7 @@
           <a:noFill/>
           <a:extLst>
             <a:ext uri="{909E8E84-426E-40dd-AFC4-6F175D3DCCD1}">
-              <a14:hiddenFill xmlns:a14="http://schemas.microsoft.com/office/drawing/2010/main" xmlns="">
+              <a14:hiddenFill xmlns="" xmlns:a14="http://schemas.microsoft.com/office/drawing/2010/main">
                 <a:solidFill>
                   <a:srgbClr val="FFFFFF"/>
                 </a:solidFill>
@@ -3830,7 +3758,7 @@
             </a:ln>
             <a:extLst>
               <a:ext uri="{91240B29-F687-4f45-9708-019B960494DF}">
-                <a14:hiddenLine xmlns:a14="http://schemas.microsoft.com/office/drawing/2010/main" xmlns="" w="9525">
+                <a14:hiddenLine xmlns="" xmlns:a14="http://schemas.microsoft.com/office/drawing/2010/main" w="9525">
                   <a:solidFill>
                     <a:srgbClr val="000000"/>
                   </a:solidFill>
@@ -3920,7 +3848,7 @@
             </a:ln>
             <a:extLst>
               <a:ext uri="{91240B29-F687-4f45-9708-019B960494DF}">
-                <a14:hiddenLine xmlns:a14="http://schemas.microsoft.com/office/drawing/2010/main" xmlns="" w="9525">
+                <a14:hiddenLine xmlns="" xmlns:a14="http://schemas.microsoft.com/office/drawing/2010/main" w="9525">
                   <a:solidFill>
                     <a:srgbClr val="000000"/>
                   </a:solidFill>
@@ -4010,7 +3938,7 @@
             </a:ln>
             <a:extLst>
               <a:ext uri="{91240B29-F687-4f45-9708-019B960494DF}">
-                <a14:hiddenLine xmlns:a14="http://schemas.microsoft.com/office/drawing/2010/main" xmlns="" w="9525">
+                <a14:hiddenLine xmlns="" xmlns:a14="http://schemas.microsoft.com/office/drawing/2010/main" w="9525">
                   <a:solidFill>
                     <a:srgbClr val="000000"/>
                   </a:solidFill>
@@ -4044,7 +3972,7 @@
             </a:ln>
             <a:extLst>
               <a:ext uri="{91240B29-F687-4f45-9708-019B960494DF}">
-                <a14:hiddenLine xmlns:a14="http://schemas.microsoft.com/office/drawing/2010/main" xmlns="" w="9525">
+                <a14:hiddenLine xmlns="" xmlns:a14="http://schemas.microsoft.com/office/drawing/2010/main" w="9525">
                   <a:solidFill>
                     <a:srgbClr val="000000"/>
                   </a:solidFill>
@@ -4134,7 +4062,7 @@
             </a:ln>
             <a:extLst>
               <a:ext uri="{91240B29-F687-4f45-9708-019B960494DF}">
-                <a14:hiddenLine xmlns:a14="http://schemas.microsoft.com/office/drawing/2010/main" xmlns="" w="9525">
+                <a14:hiddenLine xmlns="" xmlns:a14="http://schemas.microsoft.com/office/drawing/2010/main" w="9525">
                   <a:solidFill>
                     <a:srgbClr val="000000"/>
                   </a:solidFill>
@@ -4196,7 +4124,7 @@
             </a:ln>
             <a:extLst>
               <a:ext uri="{91240B29-F687-4f45-9708-019B960494DF}">
-                <a14:hiddenLine xmlns:a14="http://schemas.microsoft.com/office/drawing/2010/main" xmlns="" w="9525">
+                <a14:hiddenLine xmlns="" xmlns:a14="http://schemas.microsoft.com/office/drawing/2010/main" w="9525">
                   <a:solidFill>
                     <a:srgbClr val="000000"/>
                   </a:solidFill>
@@ -4258,7 +4186,7 @@
             </a:ln>
             <a:extLst>
               <a:ext uri="{91240B29-F687-4f45-9708-019B960494DF}">
-                <a14:hiddenLine xmlns:a14="http://schemas.microsoft.com/office/drawing/2010/main" xmlns="" w="9525">
+                <a14:hiddenLine xmlns="" xmlns:a14="http://schemas.microsoft.com/office/drawing/2010/main" w="9525">
                   <a:solidFill>
                     <a:srgbClr val="000000"/>
                   </a:solidFill>
@@ -4348,7 +4276,7 @@
             </a:ln>
             <a:extLst>
               <a:ext uri="{91240B29-F687-4f45-9708-019B960494DF}">
-                <a14:hiddenLine xmlns:a14="http://schemas.microsoft.com/office/drawing/2010/main" xmlns="" w="9525">
+                <a14:hiddenLine xmlns="" xmlns:a14="http://schemas.microsoft.com/office/drawing/2010/main" w="9525">
                   <a:solidFill>
                     <a:srgbClr val="000000"/>
                   </a:solidFill>
@@ -4410,7 +4338,7 @@
             </a:ln>
             <a:extLst>
               <a:ext uri="{91240B29-F687-4f45-9708-019B960494DF}">
-                <a14:hiddenLine xmlns:a14="http://schemas.microsoft.com/office/drawing/2010/main" xmlns="" w="9525">
+                <a14:hiddenLine xmlns="" xmlns:a14="http://schemas.microsoft.com/office/drawing/2010/main" w="9525">
                   <a:solidFill>
                     <a:srgbClr val="000000"/>
                   </a:solidFill>
@@ -4472,7 +4400,7 @@
             </a:ln>
             <a:extLst>
               <a:ext uri="{91240B29-F687-4f45-9708-019B960494DF}">
-                <a14:hiddenLine xmlns:a14="http://schemas.microsoft.com/office/drawing/2010/main" xmlns="" w="9525">
+                <a14:hiddenLine xmlns="" xmlns:a14="http://schemas.microsoft.com/office/drawing/2010/main" w="9525">
                   <a:solidFill>
                     <a:srgbClr val="000000"/>
                   </a:solidFill>
@@ -4562,7 +4490,7 @@
             </a:ln>
             <a:extLst>
               <a:ext uri="{91240B29-F687-4f45-9708-019B960494DF}">
-                <a14:hiddenLine xmlns:a14="http://schemas.microsoft.com/office/drawing/2010/main" xmlns="" w="9525">
+                <a14:hiddenLine xmlns="" xmlns:a14="http://schemas.microsoft.com/office/drawing/2010/main" w="9525">
                   <a:solidFill>
                     <a:srgbClr val="000000"/>
                   </a:solidFill>
@@ -4652,7 +4580,7 @@
             </a:ln>
             <a:extLst>
               <a:ext uri="{91240B29-F687-4f45-9708-019B960494DF}">
-                <a14:hiddenLine xmlns:a14="http://schemas.microsoft.com/office/drawing/2010/main" xmlns="" w="9525">
+                <a14:hiddenLine xmlns="" xmlns:a14="http://schemas.microsoft.com/office/drawing/2010/main" w="9525">
                   <a:solidFill>
                     <a:srgbClr val="000000"/>
                   </a:solidFill>
@@ -4714,7 +4642,7 @@
             </a:ln>
             <a:extLst>
               <a:ext uri="{91240B29-F687-4f45-9708-019B960494DF}">
-                <a14:hiddenLine xmlns:a14="http://schemas.microsoft.com/office/drawing/2010/main" xmlns="" w="9525">
+                <a14:hiddenLine xmlns="" xmlns:a14="http://schemas.microsoft.com/office/drawing/2010/main" w="9525">
                   <a:solidFill>
                     <a:srgbClr val="000000"/>
                   </a:solidFill>
@@ -4824,7 +4752,7 @@
             </a:ln>
             <a:extLst>
               <a:ext uri="{91240B29-F687-4f45-9708-019B960494DF}">
-                <a14:hiddenLine xmlns:a14="http://schemas.microsoft.com/office/drawing/2010/main" xmlns="" w="9525">
+                <a14:hiddenLine xmlns="" xmlns:a14="http://schemas.microsoft.com/office/drawing/2010/main" w="9525">
                   <a:solidFill>
                     <a:srgbClr val="000000"/>
                   </a:solidFill>
@@ -4886,7 +4814,7 @@
             </a:ln>
             <a:extLst>
               <a:ext uri="{91240B29-F687-4f45-9708-019B960494DF}">
-                <a14:hiddenLine xmlns:a14="http://schemas.microsoft.com/office/drawing/2010/main" xmlns="" w="9525">
+                <a14:hiddenLine xmlns="" xmlns:a14="http://schemas.microsoft.com/office/drawing/2010/main" w="9525">
                   <a:solidFill>
                     <a:srgbClr val="000000"/>
                   </a:solidFill>
@@ -4976,7 +4904,7 @@
             </a:ln>
             <a:extLst>
               <a:ext uri="{91240B29-F687-4f45-9708-019B960494DF}">
-                <a14:hiddenLine xmlns:a14="http://schemas.microsoft.com/office/drawing/2010/main" xmlns="" w="9525">
+                <a14:hiddenLine xmlns="" xmlns:a14="http://schemas.microsoft.com/office/drawing/2010/main" w="9525">
                   <a:solidFill>
                     <a:srgbClr val="000000"/>
                   </a:solidFill>
@@ -5066,7 +4994,7 @@
             </a:ln>
             <a:extLst>
               <a:ext uri="{91240B29-F687-4f45-9708-019B960494DF}">
-                <a14:hiddenLine xmlns:a14="http://schemas.microsoft.com/office/drawing/2010/main" xmlns="" w="9525">
+                <a14:hiddenLine xmlns="" xmlns:a14="http://schemas.microsoft.com/office/drawing/2010/main" w="9525">
                   <a:solidFill>
                     <a:srgbClr val="000000"/>
                   </a:solidFill>
@@ -5128,7 +5056,7 @@
             </a:ln>
             <a:extLst>
               <a:ext uri="{91240B29-F687-4f45-9708-019B960494DF}">
-                <a14:hiddenLine xmlns:a14="http://schemas.microsoft.com/office/drawing/2010/main" xmlns="" w="9525">
+                <a14:hiddenLine xmlns="" xmlns:a14="http://schemas.microsoft.com/office/drawing/2010/main" w="9525">
                   <a:solidFill>
                     <a:srgbClr val="000000"/>
                   </a:solidFill>
@@ -5218,7 +5146,7 @@
             </a:ln>
             <a:extLst>
               <a:ext uri="{91240B29-F687-4f45-9708-019B960494DF}">
-                <a14:hiddenLine xmlns:a14="http://schemas.microsoft.com/office/drawing/2010/main" xmlns="" w="9525">
+                <a14:hiddenLine xmlns="" xmlns:a14="http://schemas.microsoft.com/office/drawing/2010/main" w="9525">
                   <a:solidFill>
                     <a:srgbClr val="000000"/>
                   </a:solidFill>
@@ -5308,7 +5236,7 @@
             </a:ln>
             <a:extLst>
               <a:ext uri="{91240B29-F687-4f45-9708-019B960494DF}">
-                <a14:hiddenLine xmlns:a14="http://schemas.microsoft.com/office/drawing/2010/main" xmlns="" w="9525">
+                <a14:hiddenLine xmlns="" xmlns:a14="http://schemas.microsoft.com/office/drawing/2010/main" w="9525">
                   <a:solidFill>
                     <a:srgbClr val="000000"/>
                   </a:solidFill>
@@ -5364,7 +5292,7 @@
             </a:ln>
             <a:extLst>
               <a:ext uri="{91240B29-F687-4f45-9708-019B960494DF}">
-                <a14:hiddenLine xmlns:a14="http://schemas.microsoft.com/office/drawing/2010/main" xmlns="" w="9525">
+                <a14:hiddenLine xmlns="" xmlns:a14="http://schemas.microsoft.com/office/drawing/2010/main" w="9525">
                   <a:solidFill>
                     <a:srgbClr val="000000"/>
                   </a:solidFill>
@@ -5454,7 +5382,7 @@
             </a:ln>
             <a:extLst>
               <a:ext uri="{91240B29-F687-4f45-9708-019B960494DF}">
-                <a14:hiddenLine xmlns:a14="http://schemas.microsoft.com/office/drawing/2010/main" xmlns="" w="9525">
+                <a14:hiddenLine xmlns="" xmlns:a14="http://schemas.microsoft.com/office/drawing/2010/main" w="9525">
                   <a:solidFill>
                     <a:srgbClr val="000000"/>
                   </a:solidFill>
@@ -5510,7 +5438,7 @@
             </a:ln>
             <a:extLst>
               <a:ext uri="{91240B29-F687-4f45-9708-019B960494DF}">
-                <a14:hiddenLine xmlns:a14="http://schemas.microsoft.com/office/drawing/2010/main" xmlns="" w="9525">
+                <a14:hiddenLine xmlns="" xmlns:a14="http://schemas.microsoft.com/office/drawing/2010/main" w="9525">
                   <a:solidFill>
                     <a:srgbClr val="000000"/>
                   </a:solidFill>
@@ -5600,7 +5528,7 @@
             </a:ln>
             <a:extLst>
               <a:ext uri="{91240B29-F687-4f45-9708-019B960494DF}">
-                <a14:hiddenLine xmlns:a14="http://schemas.microsoft.com/office/drawing/2010/main" xmlns="" w="9525">
+                <a14:hiddenLine xmlns="" xmlns:a14="http://schemas.microsoft.com/office/drawing/2010/main" w="9525">
                   <a:solidFill>
                     <a:srgbClr val="000000"/>
                   </a:solidFill>
@@ -5668,7 +5596,7 @@
             </a:ln>
             <a:extLst>
               <a:ext uri="{91240B29-F687-4f45-9708-019B960494DF}">
-                <a14:hiddenLine xmlns:a14="http://schemas.microsoft.com/office/drawing/2010/main" xmlns="" w="9525">
+                <a14:hiddenLine xmlns="" xmlns:a14="http://schemas.microsoft.com/office/drawing/2010/main" w="9525">
                   <a:solidFill>
                     <a:srgbClr val="000000"/>
                   </a:solidFill>
@@ -5758,7 +5686,7 @@
             </a:ln>
             <a:extLst>
               <a:ext uri="{91240B29-F687-4f45-9708-019B960494DF}">
-                <a14:hiddenLine xmlns:a14="http://schemas.microsoft.com/office/drawing/2010/main" xmlns="" w="9525">
+                <a14:hiddenLine xmlns="" xmlns:a14="http://schemas.microsoft.com/office/drawing/2010/main" w="9525">
                   <a:solidFill>
                     <a:srgbClr val="000000"/>
                   </a:solidFill>
@@ -5826,7 +5754,7 @@
             </a:ln>
             <a:extLst>
               <a:ext uri="{91240B29-F687-4f45-9708-019B960494DF}">
-                <a14:hiddenLine xmlns:a14="http://schemas.microsoft.com/office/drawing/2010/main" xmlns="" w="9525">
+                <a14:hiddenLine xmlns="" xmlns:a14="http://schemas.microsoft.com/office/drawing/2010/main" w="9525">
                   <a:solidFill>
                     <a:srgbClr val="000000"/>
                   </a:solidFill>
@@ -5916,7 +5844,7 @@
             </a:ln>
             <a:extLst>
               <a:ext uri="{91240B29-F687-4f45-9708-019B960494DF}">
-                <a14:hiddenLine xmlns:a14="http://schemas.microsoft.com/office/drawing/2010/main" xmlns="" w="9525">
+                <a14:hiddenLine xmlns="" xmlns:a14="http://schemas.microsoft.com/office/drawing/2010/main" w="9525">
                   <a:solidFill>
                     <a:srgbClr val="000000"/>
                   </a:solidFill>
@@ -5950,7 +5878,7 @@
             </a:ln>
             <a:extLst>
               <a:ext uri="{91240B29-F687-4f45-9708-019B960494DF}">
-                <a14:hiddenLine xmlns:a14="http://schemas.microsoft.com/office/drawing/2010/main" xmlns="" w="9525">
+                <a14:hiddenLine xmlns="" xmlns:a14="http://schemas.microsoft.com/office/drawing/2010/main" w="9525">
                   <a:solidFill>
                     <a:srgbClr val="000000"/>
                   </a:solidFill>
@@ -6040,7 +5968,7 @@
             </a:ln>
             <a:extLst>
               <a:ext uri="{91240B29-F687-4f45-9708-019B960494DF}">
-                <a14:hiddenLine xmlns:a14="http://schemas.microsoft.com/office/drawing/2010/main" xmlns="" w="9525">
+                <a14:hiddenLine xmlns="" xmlns:a14="http://schemas.microsoft.com/office/drawing/2010/main" w="9525">
                   <a:solidFill>
                     <a:srgbClr val="000000"/>
                   </a:solidFill>
@@ -6102,7 +6030,7 @@
             </a:ln>
             <a:extLst>
               <a:ext uri="{91240B29-F687-4f45-9708-019B960494DF}">
-                <a14:hiddenLine xmlns:a14="http://schemas.microsoft.com/office/drawing/2010/main" xmlns="" w="9525">
+                <a14:hiddenLine xmlns="" xmlns:a14="http://schemas.microsoft.com/office/drawing/2010/main" w="9525">
                   <a:solidFill>
                     <a:srgbClr val="000000"/>
                   </a:solidFill>
@@ -6164,7 +6092,7 @@
             </a:ln>
             <a:extLst>
               <a:ext uri="{91240B29-F687-4f45-9708-019B960494DF}">
-                <a14:hiddenLine xmlns:a14="http://schemas.microsoft.com/office/drawing/2010/main" xmlns="" w="9525">
+                <a14:hiddenLine xmlns="" xmlns:a14="http://schemas.microsoft.com/office/drawing/2010/main" w="9525">
                   <a:solidFill>
                     <a:srgbClr val="000000"/>
                   </a:solidFill>
@@ -6254,7 +6182,7 @@
             </a:ln>
             <a:extLst>
               <a:ext uri="{91240B29-F687-4f45-9708-019B960494DF}">
-                <a14:hiddenLine xmlns:a14="http://schemas.microsoft.com/office/drawing/2010/main" xmlns="" w="9525">
+                <a14:hiddenLine xmlns="" xmlns:a14="http://schemas.microsoft.com/office/drawing/2010/main" w="9525">
                   <a:solidFill>
                     <a:srgbClr val="000000"/>
                   </a:solidFill>
@@ -6322,7 +6250,7 @@
             </a:ln>
             <a:extLst>
               <a:ext uri="{91240B29-F687-4f45-9708-019B960494DF}">
-                <a14:hiddenLine xmlns:a14="http://schemas.microsoft.com/office/drawing/2010/main" xmlns="" w="9525">
+                <a14:hiddenLine xmlns="" xmlns:a14="http://schemas.microsoft.com/office/drawing/2010/main" w="9525">
                   <a:solidFill>
                     <a:srgbClr val="000000"/>
                   </a:solidFill>
@@ -6384,7 +6312,7 @@
             </a:ln>
             <a:extLst>
               <a:ext uri="{91240B29-F687-4f45-9708-019B960494DF}">
-                <a14:hiddenLine xmlns:a14="http://schemas.microsoft.com/office/drawing/2010/main" xmlns="" w="9525">
+                <a14:hiddenLine xmlns="" xmlns:a14="http://schemas.microsoft.com/office/drawing/2010/main" w="9525">
                   <a:solidFill>
                     <a:srgbClr val="000000"/>
                   </a:solidFill>
@@ -6474,7 +6402,7 @@
             </a:ln>
             <a:extLst>
               <a:ext uri="{91240B29-F687-4f45-9708-019B960494DF}">
-                <a14:hiddenLine xmlns:a14="http://schemas.microsoft.com/office/drawing/2010/main" xmlns="" w="9525">
+                <a14:hiddenLine xmlns="" xmlns:a14="http://schemas.microsoft.com/office/drawing/2010/main" w="9525">
                   <a:solidFill>
                     <a:srgbClr val="000000"/>
                   </a:solidFill>
@@ -6536,7 +6464,7 @@
             </a:ln>
             <a:extLst>
               <a:ext uri="{91240B29-F687-4f45-9708-019B960494DF}">
-                <a14:hiddenLine xmlns:a14="http://schemas.microsoft.com/office/drawing/2010/main" xmlns="" w="9525">
+                <a14:hiddenLine xmlns="" xmlns:a14="http://schemas.microsoft.com/office/drawing/2010/main" w="9525">
                   <a:solidFill>
                     <a:srgbClr val="000000"/>
                   </a:solidFill>
@@ -6626,7 +6554,7 @@
             </a:ln>
             <a:extLst>
               <a:ext uri="{91240B29-F687-4f45-9708-019B960494DF}">
-                <a14:hiddenLine xmlns:a14="http://schemas.microsoft.com/office/drawing/2010/main" xmlns="" w="9525">
+                <a14:hiddenLine xmlns="" xmlns:a14="http://schemas.microsoft.com/office/drawing/2010/main" w="9525">
                   <a:solidFill>
                     <a:srgbClr val="000000"/>
                   </a:solidFill>
@@ -6688,7 +6616,7 @@
             </a:ln>
             <a:extLst>
               <a:ext uri="{91240B29-F687-4f45-9708-019B960494DF}">
-                <a14:hiddenLine xmlns:a14="http://schemas.microsoft.com/office/drawing/2010/main" xmlns="" w="9525">
+                <a14:hiddenLine xmlns="" xmlns:a14="http://schemas.microsoft.com/office/drawing/2010/main" w="9525">
                   <a:solidFill>
                     <a:srgbClr val="000000"/>
                   </a:solidFill>
@@ -6778,7 +6706,7 @@
             </a:ln>
             <a:extLst>
               <a:ext uri="{91240B29-F687-4f45-9708-019B960494DF}">
-                <a14:hiddenLine xmlns:a14="http://schemas.microsoft.com/office/drawing/2010/main" xmlns="" w="9525">
+                <a14:hiddenLine xmlns="" xmlns:a14="http://schemas.microsoft.com/office/drawing/2010/main" w="9525">
                   <a:solidFill>
                     <a:srgbClr val="000000"/>
                   </a:solidFill>
@@ -6812,7 +6740,7 @@
             </a:ln>
             <a:extLst>
               <a:ext uri="{91240B29-F687-4f45-9708-019B960494DF}">
-                <a14:hiddenLine xmlns:a14="http://schemas.microsoft.com/office/drawing/2010/main" xmlns="" w="9525">
+                <a14:hiddenLine xmlns="" xmlns:a14="http://schemas.microsoft.com/office/drawing/2010/main" w="9525">
                   <a:solidFill>
                     <a:srgbClr val="000000"/>
                   </a:solidFill>
@@ -6877,7 +6805,7 @@
             </a:ln>
             <a:extLst>
               <a:ext uri="{91240B29-F687-4f45-9708-019B960494DF}">
-                <a14:hiddenLine xmlns:a14="http://schemas.microsoft.com/office/drawing/2010/main" xmlns="" w="9525">
+                <a14:hiddenLine xmlns="" xmlns:a14="http://schemas.microsoft.com/office/drawing/2010/main" w="9525">
                   <a:solidFill>
                     <a:srgbClr val="000000"/>
                   </a:solidFill>
@@ -6967,7 +6895,7 @@
             </a:ln>
             <a:extLst>
               <a:ext uri="{91240B29-F687-4f45-9708-019B960494DF}">
-                <a14:hiddenLine xmlns:a14="http://schemas.microsoft.com/office/drawing/2010/main" xmlns="" w="9525">
+                <a14:hiddenLine xmlns="" xmlns:a14="http://schemas.microsoft.com/office/drawing/2010/main" w="9525">
                   <a:solidFill>
                     <a:srgbClr val="000000"/>
                   </a:solidFill>
@@ -7029,7 +6957,7 @@
             </a:ln>
             <a:extLst>
               <a:ext uri="{91240B29-F687-4f45-9708-019B960494DF}">
-                <a14:hiddenLine xmlns:a14="http://schemas.microsoft.com/office/drawing/2010/main" xmlns="" w="9525">
+                <a14:hiddenLine xmlns="" xmlns:a14="http://schemas.microsoft.com/office/drawing/2010/main" w="9525">
                   <a:solidFill>
                     <a:srgbClr val="000000"/>
                   </a:solidFill>
@@ -7119,7 +7047,7 @@
             </a:ln>
             <a:extLst>
               <a:ext uri="{91240B29-F687-4f45-9708-019B960494DF}">
-                <a14:hiddenLine xmlns:a14="http://schemas.microsoft.com/office/drawing/2010/main" xmlns="" w="9525">
+                <a14:hiddenLine xmlns="" xmlns:a14="http://schemas.microsoft.com/office/drawing/2010/main" w="9525">
                   <a:solidFill>
                     <a:srgbClr val="000000"/>
                   </a:solidFill>
@@ -7209,7 +7137,7 @@
             </a:ln>
             <a:extLst>
               <a:ext uri="{91240B29-F687-4f45-9708-019B960494DF}">
-                <a14:hiddenLine xmlns:a14="http://schemas.microsoft.com/office/drawing/2010/main" xmlns="" w="9525">
+                <a14:hiddenLine xmlns="" xmlns:a14="http://schemas.microsoft.com/office/drawing/2010/main" w="9525">
                   <a:solidFill>
                     <a:srgbClr val="000000"/>
                   </a:solidFill>
@@ -7274,7 +7202,7 @@
             </a:ln>
             <a:extLst>
               <a:ext uri="{91240B29-F687-4f45-9708-019B960494DF}">
-                <a14:hiddenLine xmlns:a14="http://schemas.microsoft.com/office/drawing/2010/main" xmlns="" w="9525">
+                <a14:hiddenLine xmlns="" xmlns:a14="http://schemas.microsoft.com/office/drawing/2010/main" w="9525">
                   <a:solidFill>
                     <a:srgbClr val="000000"/>
                   </a:solidFill>
@@ -7336,7 +7264,7 @@
             </a:ln>
             <a:extLst>
               <a:ext uri="{91240B29-F687-4f45-9708-019B960494DF}">
-                <a14:hiddenLine xmlns:a14="http://schemas.microsoft.com/office/drawing/2010/main" xmlns="" w="9525">
+                <a14:hiddenLine xmlns="" xmlns:a14="http://schemas.microsoft.com/office/drawing/2010/main" w="9525">
                   <a:solidFill>
                     <a:srgbClr val="000000"/>
                   </a:solidFill>
@@ -7426,7 +7354,7 @@
             </a:ln>
             <a:extLst>
               <a:ext uri="{91240B29-F687-4f45-9708-019B960494DF}">
-                <a14:hiddenLine xmlns:a14="http://schemas.microsoft.com/office/drawing/2010/main" xmlns="" w="9525">
+                <a14:hiddenLine xmlns="" xmlns:a14="http://schemas.microsoft.com/office/drawing/2010/main" w="9525">
                   <a:solidFill>
                     <a:srgbClr val="000000"/>
                   </a:solidFill>
@@ -7516,7 +7444,7 @@
             </a:ln>
             <a:extLst>
               <a:ext uri="{91240B29-F687-4f45-9708-019B960494DF}">
-                <a14:hiddenLine xmlns:a14="http://schemas.microsoft.com/office/drawing/2010/main" xmlns="" w="9525">
+                <a14:hiddenLine xmlns="" xmlns:a14="http://schemas.microsoft.com/office/drawing/2010/main" w="9525">
                   <a:solidFill>
                     <a:srgbClr val="000000"/>
                   </a:solidFill>
@@ -7578,7 +7506,7 @@
             </a:ln>
             <a:extLst>
               <a:ext uri="{91240B29-F687-4f45-9708-019B960494DF}">
-                <a14:hiddenLine xmlns:a14="http://schemas.microsoft.com/office/drawing/2010/main" xmlns="" w="9525">
+                <a14:hiddenLine xmlns="" xmlns:a14="http://schemas.microsoft.com/office/drawing/2010/main" w="9525">
                   <a:solidFill>
                     <a:srgbClr val="000000"/>
                   </a:solidFill>
@@ -7698,7 +7626,7 @@
             </a:ln>
             <a:extLst>
               <a:ext uri="{91240B29-F687-4f45-9708-019B960494DF}">
-                <a14:hiddenLine xmlns:a14="http://schemas.microsoft.com/office/drawing/2010/main" xmlns="" w="9525">
+                <a14:hiddenLine xmlns="" xmlns:a14="http://schemas.microsoft.com/office/drawing/2010/main" w="9525">
                   <a:solidFill>
                     <a:srgbClr val="000000"/>
                   </a:solidFill>
@@ -7766,7 +7694,7 @@
             </a:ln>
             <a:extLst>
               <a:ext uri="{91240B29-F687-4f45-9708-019B960494DF}">
-                <a14:hiddenLine xmlns:a14="http://schemas.microsoft.com/office/drawing/2010/main" xmlns="" w="9525">
+                <a14:hiddenLine xmlns="" xmlns:a14="http://schemas.microsoft.com/office/drawing/2010/main" w="9525">
                   <a:solidFill>
                     <a:srgbClr val="000000"/>
                   </a:solidFill>
@@ -7856,7 +7784,7 @@
             </a:ln>
             <a:extLst>
               <a:ext uri="{91240B29-F687-4f45-9708-019B960494DF}">
-                <a14:hiddenLine xmlns:a14="http://schemas.microsoft.com/office/drawing/2010/main" xmlns="" w="9525">
+                <a14:hiddenLine xmlns="" xmlns:a14="http://schemas.microsoft.com/office/drawing/2010/main" w="9525">
                   <a:solidFill>
                     <a:srgbClr val="000000"/>
                   </a:solidFill>
@@ -12585,7 +12513,7 @@
           <a:noFill/>
           <a:extLst>
             <a:ext uri="{909E8E84-426E-40dd-AFC4-6F175D3DCCD1}">
-              <a14:hiddenFill xmlns:a14="http://schemas.microsoft.com/office/drawing/2010/main" xmlns="">
+              <a14:hiddenFill xmlns="" xmlns:a14="http://schemas.microsoft.com/office/drawing/2010/main">
                 <a:solidFill>
                   <a:srgbClr val="FFFFFF"/>
                 </a:solidFill>
@@ -12659,7 +12587,7 @@
               </a:ln>
               <a:extLst>
                 <a:ext uri="{91240B29-F687-4f45-9708-019B960494DF}">
-                  <a14:hiddenLine xmlns:a14="http://schemas.microsoft.com/office/drawing/2010/main" xmlns="" w="9525">
+                  <a14:hiddenLine xmlns="" xmlns:a14="http://schemas.microsoft.com/office/drawing/2010/main" w="9525">
                     <a:solidFill>
                       <a:srgbClr val="000000"/>
                     </a:solidFill>
@@ -12749,7 +12677,7 @@
               </a:ln>
               <a:extLst>
                 <a:ext uri="{91240B29-F687-4f45-9708-019B960494DF}">
-                  <a14:hiddenLine xmlns:a14="http://schemas.microsoft.com/office/drawing/2010/main" xmlns="" w="9525">
+                  <a14:hiddenLine xmlns="" xmlns:a14="http://schemas.microsoft.com/office/drawing/2010/main" w="9525">
                     <a:solidFill>
                       <a:srgbClr val="000000"/>
                     </a:solidFill>
@@ -12839,7 +12767,7 @@
               </a:ln>
               <a:extLst>
                 <a:ext uri="{91240B29-F687-4f45-9708-019B960494DF}">
-                  <a14:hiddenLine xmlns:a14="http://schemas.microsoft.com/office/drawing/2010/main" xmlns="" w="9525">
+                  <a14:hiddenLine xmlns="" xmlns:a14="http://schemas.microsoft.com/office/drawing/2010/main" w="9525">
                     <a:solidFill>
                       <a:srgbClr val="000000"/>
                     </a:solidFill>
@@ -12901,7 +12829,7 @@
               </a:ln>
               <a:extLst>
                 <a:ext uri="{91240B29-F687-4f45-9708-019B960494DF}">
-                  <a14:hiddenLine xmlns:a14="http://schemas.microsoft.com/office/drawing/2010/main" xmlns="" w="9525">
+                  <a14:hiddenLine xmlns="" xmlns:a14="http://schemas.microsoft.com/office/drawing/2010/main" w="9525">
                     <a:solidFill>
                       <a:srgbClr val="000000"/>
                     </a:solidFill>
@@ -12991,7 +12919,7 @@
               </a:ln>
               <a:extLst>
                 <a:ext uri="{91240B29-F687-4f45-9708-019B960494DF}">
-                  <a14:hiddenLine xmlns:a14="http://schemas.microsoft.com/office/drawing/2010/main" xmlns="" w="9525">
+                  <a14:hiddenLine xmlns="" xmlns:a14="http://schemas.microsoft.com/office/drawing/2010/main" w="9525">
                     <a:solidFill>
                       <a:srgbClr val="000000"/>
                     </a:solidFill>
@@ -13053,7 +12981,7 @@
               </a:ln>
               <a:extLst>
                 <a:ext uri="{91240B29-F687-4f45-9708-019B960494DF}">
-                  <a14:hiddenLine xmlns:a14="http://schemas.microsoft.com/office/drawing/2010/main" xmlns="" w="9525">
+                  <a14:hiddenLine xmlns="" xmlns:a14="http://schemas.microsoft.com/office/drawing/2010/main" w="9525">
                     <a:solidFill>
                       <a:srgbClr val="000000"/>
                     </a:solidFill>
@@ -13115,7 +13043,7 @@
               </a:ln>
               <a:extLst>
                 <a:ext uri="{91240B29-F687-4f45-9708-019B960494DF}">
-                  <a14:hiddenLine xmlns:a14="http://schemas.microsoft.com/office/drawing/2010/main" xmlns="" w="9525">
+                  <a14:hiddenLine xmlns="" xmlns:a14="http://schemas.microsoft.com/office/drawing/2010/main" w="9525">
                     <a:solidFill>
                       <a:srgbClr val="000000"/>
                     </a:solidFill>
@@ -13205,7 +13133,7 @@
               </a:ln>
               <a:extLst>
                 <a:ext uri="{91240B29-F687-4f45-9708-019B960494DF}">
-                  <a14:hiddenLine xmlns:a14="http://schemas.microsoft.com/office/drawing/2010/main" xmlns="" w="9525">
+                  <a14:hiddenLine xmlns="" xmlns:a14="http://schemas.microsoft.com/office/drawing/2010/main" w="9525">
                     <a:solidFill>
                       <a:srgbClr val="000000"/>
                     </a:solidFill>
@@ -13295,7 +13223,7 @@
               </a:ln>
               <a:extLst>
                 <a:ext uri="{91240B29-F687-4f45-9708-019B960494DF}">
-                  <a14:hiddenLine xmlns:a14="http://schemas.microsoft.com/office/drawing/2010/main" xmlns="" w="9525">
+                  <a14:hiddenLine xmlns="" xmlns:a14="http://schemas.microsoft.com/office/drawing/2010/main" w="9525">
                     <a:solidFill>
                       <a:srgbClr val="000000"/>
                     </a:solidFill>
@@ -13357,7 +13285,7 @@
               </a:ln>
               <a:extLst>
                 <a:ext uri="{91240B29-F687-4f45-9708-019B960494DF}">
-                  <a14:hiddenLine xmlns:a14="http://schemas.microsoft.com/office/drawing/2010/main" xmlns="" w="9525">
+                  <a14:hiddenLine xmlns="" xmlns:a14="http://schemas.microsoft.com/office/drawing/2010/main" w="9525">
                     <a:solidFill>
                       <a:srgbClr val="000000"/>
                     </a:solidFill>
@@ -13467,7 +13395,7 @@
               </a:ln>
               <a:extLst>
                 <a:ext uri="{91240B29-F687-4f45-9708-019B960494DF}">
-                  <a14:hiddenLine xmlns:a14="http://schemas.microsoft.com/office/drawing/2010/main" xmlns="" w="9525">
+                  <a14:hiddenLine xmlns="" xmlns:a14="http://schemas.microsoft.com/office/drawing/2010/main" w="9525">
                     <a:solidFill>
                       <a:srgbClr val="000000"/>
                     </a:solidFill>
@@ -13551,7 +13479,7 @@
               </a:ln>
               <a:extLst>
                 <a:ext uri="{91240B29-F687-4f45-9708-019B960494DF}">
-                  <a14:hiddenLine xmlns:a14="http://schemas.microsoft.com/office/drawing/2010/main" xmlns="" w="9525">
+                  <a14:hiddenLine xmlns="" xmlns:a14="http://schemas.microsoft.com/office/drawing/2010/main" w="9525">
                     <a:solidFill>
                       <a:srgbClr val="000000"/>
                     </a:solidFill>
@@ -13613,7 +13541,7 @@
               </a:ln>
               <a:extLst>
                 <a:ext uri="{91240B29-F687-4f45-9708-019B960494DF}">
-                  <a14:hiddenLine xmlns:a14="http://schemas.microsoft.com/office/drawing/2010/main" xmlns="" w="9525">
+                  <a14:hiddenLine xmlns="" xmlns:a14="http://schemas.microsoft.com/office/drawing/2010/main" w="9525">
                     <a:solidFill>
                       <a:srgbClr val="000000"/>
                     </a:solidFill>
@@ -13675,7 +13603,7 @@
               </a:ln>
               <a:extLst>
                 <a:ext uri="{91240B29-F687-4f45-9708-019B960494DF}">
-                  <a14:hiddenLine xmlns:a14="http://schemas.microsoft.com/office/drawing/2010/main" xmlns="" w="9525">
+                  <a14:hiddenLine xmlns="" xmlns:a14="http://schemas.microsoft.com/office/drawing/2010/main" w="9525">
                     <a:solidFill>
                       <a:srgbClr val="000000"/>
                     </a:solidFill>
@@ -13765,7 +13693,7 @@
               </a:ln>
               <a:extLst>
                 <a:ext uri="{91240B29-F687-4f45-9708-019B960494DF}">
-                  <a14:hiddenLine xmlns:a14="http://schemas.microsoft.com/office/drawing/2010/main" xmlns="" w="9525">
+                  <a14:hiddenLine xmlns="" xmlns:a14="http://schemas.microsoft.com/office/drawing/2010/main" w="9525">
                     <a:solidFill>
                       <a:srgbClr val="000000"/>
                     </a:solidFill>
@@ -13799,7 +13727,7 @@
               </a:ln>
               <a:extLst>
                 <a:ext uri="{91240B29-F687-4f45-9708-019B960494DF}">
-                  <a14:hiddenLine xmlns:a14="http://schemas.microsoft.com/office/drawing/2010/main" xmlns="" w="9525">
+                  <a14:hiddenLine xmlns="" xmlns:a14="http://schemas.microsoft.com/office/drawing/2010/main" w="9525">
                     <a:solidFill>
                       <a:srgbClr val="000000"/>
                     </a:solidFill>
@@ -13864,7 +13792,7 @@
               </a:ln>
               <a:extLst>
                 <a:ext uri="{91240B29-F687-4f45-9708-019B960494DF}">
-                  <a14:hiddenLine xmlns:a14="http://schemas.microsoft.com/office/drawing/2010/main" xmlns="" w="9525">
+                  <a14:hiddenLine xmlns="" xmlns:a14="http://schemas.microsoft.com/office/drawing/2010/main" w="9525">
                     <a:solidFill>
                       <a:srgbClr val="000000"/>
                     </a:solidFill>
@@ -13954,7 +13882,7 @@
               </a:ln>
               <a:extLst>
                 <a:ext uri="{91240B29-F687-4f45-9708-019B960494DF}">
-                  <a14:hiddenLine xmlns:a14="http://schemas.microsoft.com/office/drawing/2010/main" xmlns="" w="9525">
+                  <a14:hiddenLine xmlns="" xmlns:a14="http://schemas.microsoft.com/office/drawing/2010/main" w="9525">
                     <a:solidFill>
                       <a:srgbClr val="000000"/>
                     </a:solidFill>
@@ -14016,7 +13944,7 @@
               </a:ln>
               <a:extLst>
                 <a:ext uri="{91240B29-F687-4f45-9708-019B960494DF}">
-                  <a14:hiddenLine xmlns:a14="http://schemas.microsoft.com/office/drawing/2010/main" xmlns="" w="9525">
+                  <a14:hiddenLine xmlns="" xmlns:a14="http://schemas.microsoft.com/office/drawing/2010/main" w="9525">
                     <a:solidFill>
                       <a:srgbClr val="000000"/>
                     </a:solidFill>
@@ -14106,7 +14034,7 @@
               </a:ln>
               <a:extLst>
                 <a:ext uri="{91240B29-F687-4f45-9708-019B960494DF}">
-                  <a14:hiddenLine xmlns:a14="http://schemas.microsoft.com/office/drawing/2010/main" xmlns="" w="9525">
+                  <a14:hiddenLine xmlns="" xmlns:a14="http://schemas.microsoft.com/office/drawing/2010/main" w="9525">
                     <a:solidFill>
                       <a:srgbClr val="000000"/>
                     </a:solidFill>
@@ -14171,7 +14099,7 @@
               </a:ln>
               <a:extLst>
                 <a:ext uri="{91240B29-F687-4f45-9708-019B960494DF}">
-                  <a14:hiddenLine xmlns:a14="http://schemas.microsoft.com/office/drawing/2010/main" xmlns="" w="9525">
+                  <a14:hiddenLine xmlns="" xmlns:a14="http://schemas.microsoft.com/office/drawing/2010/main" w="9525">
                     <a:solidFill>
                       <a:srgbClr val="000000"/>
                     </a:solidFill>
@@ -14233,7 +14161,7 @@
               </a:ln>
               <a:extLst>
                 <a:ext uri="{91240B29-F687-4f45-9708-019B960494DF}">
-                  <a14:hiddenLine xmlns:a14="http://schemas.microsoft.com/office/drawing/2010/main" xmlns="" w="9525">
+                  <a14:hiddenLine xmlns="" xmlns:a14="http://schemas.microsoft.com/office/drawing/2010/main" w="9525">
                     <a:solidFill>
                       <a:srgbClr val="000000"/>
                     </a:solidFill>
@@ -14323,7 +14251,7 @@
               </a:ln>
               <a:extLst>
                 <a:ext uri="{91240B29-F687-4f45-9708-019B960494DF}">
-                  <a14:hiddenLine xmlns:a14="http://schemas.microsoft.com/office/drawing/2010/main" xmlns="" w="9525">
+                  <a14:hiddenLine xmlns="" xmlns:a14="http://schemas.microsoft.com/office/drawing/2010/main" w="9525">
                     <a:solidFill>
                       <a:srgbClr val="000000"/>
                     </a:solidFill>
@@ -14413,7 +14341,7 @@
               </a:ln>
               <a:extLst>
                 <a:ext uri="{91240B29-F687-4f45-9708-019B960494DF}">
-                  <a14:hiddenLine xmlns:a14="http://schemas.microsoft.com/office/drawing/2010/main" xmlns="" w="9525">
+                  <a14:hiddenLine xmlns="" xmlns:a14="http://schemas.microsoft.com/office/drawing/2010/main" w="9525">
                     <a:solidFill>
                       <a:srgbClr val="000000"/>
                     </a:solidFill>
@@ -14478,7 +14406,7 @@
               </a:ln>
               <a:extLst>
                 <a:ext uri="{91240B29-F687-4f45-9708-019B960494DF}">
-                  <a14:hiddenLine xmlns:a14="http://schemas.microsoft.com/office/drawing/2010/main" xmlns="" w="9525">
+                  <a14:hiddenLine xmlns="" xmlns:a14="http://schemas.microsoft.com/office/drawing/2010/main" w="9525">
                     <a:solidFill>
                       <a:srgbClr val="000000"/>
                     </a:solidFill>
@@ -14598,7 +14526,7 @@
               </a:ln>
               <a:extLst>
                 <a:ext uri="{91240B29-F687-4f45-9708-019B960494DF}">
-                  <a14:hiddenLine xmlns:a14="http://schemas.microsoft.com/office/drawing/2010/main" xmlns="" w="9525">
+                  <a14:hiddenLine xmlns="" xmlns:a14="http://schemas.microsoft.com/office/drawing/2010/main" w="9525">
                     <a:solidFill>
                       <a:srgbClr val="000000"/>
                     </a:solidFill>
@@ -14679,7 +14607,7 @@
               </a:ln>
               <a:extLst>
                 <a:ext uri="{91240B29-F687-4f45-9708-019B960494DF}">
-                  <a14:hiddenLine xmlns:a14="http://schemas.microsoft.com/office/drawing/2010/main" xmlns="" w="9525">
+                  <a14:hiddenLine xmlns="" xmlns:a14="http://schemas.microsoft.com/office/drawing/2010/main" w="9525">
                     <a:solidFill>
                       <a:srgbClr val="000000"/>
                     </a:solidFill>
@@ -14794,7 +14722,7 @@
               </a:ln>
               <a:extLst>
                 <a:ext uri="{91240B29-F687-4f45-9708-019B960494DF}">
-                  <a14:hiddenLine xmlns:a14="http://schemas.microsoft.com/office/drawing/2010/main" xmlns="" w="9525">
+                  <a14:hiddenLine xmlns="" xmlns:a14="http://schemas.microsoft.com/office/drawing/2010/main" w="9525">
                     <a:solidFill>
                       <a:srgbClr val="000000"/>
                     </a:solidFill>
@@ -14884,7 +14812,7 @@
               </a:ln>
               <a:extLst>
                 <a:ext uri="{91240B29-F687-4f45-9708-019B960494DF}">
-                  <a14:hiddenLine xmlns:a14="http://schemas.microsoft.com/office/drawing/2010/main" xmlns="" w="9525">
+                  <a14:hiddenLine xmlns="" xmlns:a14="http://schemas.microsoft.com/office/drawing/2010/main" w="9525">
                     <a:solidFill>
                       <a:srgbClr val="000000"/>
                     </a:solidFill>
@@ -14949,7 +14877,7 @@
               </a:ln>
               <a:extLst>
                 <a:ext uri="{91240B29-F687-4f45-9708-019B960494DF}">
-                  <a14:hiddenLine xmlns:a14="http://schemas.microsoft.com/office/drawing/2010/main" xmlns="" w="9525">
+                  <a14:hiddenLine xmlns="" xmlns:a14="http://schemas.microsoft.com/office/drawing/2010/main" w="9525">
                     <a:solidFill>
                       <a:srgbClr val="000000"/>
                     </a:solidFill>
@@ -15039,7 +14967,7 @@
               </a:ln>
               <a:extLst>
                 <a:ext uri="{91240B29-F687-4f45-9708-019B960494DF}">
-                  <a14:hiddenLine xmlns:a14="http://schemas.microsoft.com/office/drawing/2010/main" xmlns="" w="9525">
+                  <a14:hiddenLine xmlns="" xmlns:a14="http://schemas.microsoft.com/office/drawing/2010/main" w="9525">
                     <a:solidFill>
                       <a:srgbClr val="000000"/>
                     </a:solidFill>
@@ -15107,7 +15035,7 @@
               </a:ln>
               <a:extLst>
                 <a:ext uri="{91240B29-F687-4f45-9708-019B960494DF}">
-                  <a14:hiddenLine xmlns:a14="http://schemas.microsoft.com/office/drawing/2010/main" xmlns="" w="9525">
+                  <a14:hiddenLine xmlns="" xmlns:a14="http://schemas.microsoft.com/office/drawing/2010/main" w="9525">
                     <a:solidFill>
                       <a:srgbClr val="000000"/>
                     </a:solidFill>
@@ -15197,7 +15125,7 @@
               </a:ln>
               <a:extLst>
                 <a:ext uri="{91240B29-F687-4f45-9708-019B960494DF}">
-                  <a14:hiddenLine xmlns:a14="http://schemas.microsoft.com/office/drawing/2010/main" xmlns="" w="9525">
+                  <a14:hiddenLine xmlns="" xmlns:a14="http://schemas.microsoft.com/office/drawing/2010/main" w="9525">
                     <a:solidFill>
                       <a:srgbClr val="000000"/>
                     </a:solidFill>
@@ -15265,7 +15193,7 @@
               </a:ln>
               <a:extLst>
                 <a:ext uri="{91240B29-F687-4f45-9708-019B960494DF}">
-                  <a14:hiddenLine xmlns:a14="http://schemas.microsoft.com/office/drawing/2010/main" xmlns="" w="9525">
+                  <a14:hiddenLine xmlns="" xmlns:a14="http://schemas.microsoft.com/office/drawing/2010/main" w="9525">
                     <a:solidFill>
                       <a:srgbClr val="000000"/>
                     </a:solidFill>
@@ -15355,7 +15283,7 @@
               </a:ln>
               <a:extLst>
                 <a:ext uri="{91240B29-F687-4f45-9708-019B960494DF}">
-                  <a14:hiddenLine xmlns:a14="http://schemas.microsoft.com/office/drawing/2010/main" xmlns="" w="9525">
+                  <a14:hiddenLine xmlns="" xmlns:a14="http://schemas.microsoft.com/office/drawing/2010/main" w="9525">
                     <a:solidFill>
                       <a:srgbClr val="000000"/>
                     </a:solidFill>
@@ -15389,7 +15317,7 @@
               </a:ln>
               <a:extLst>
                 <a:ext uri="{91240B29-F687-4f45-9708-019B960494DF}">
-                  <a14:hiddenLine xmlns:a14="http://schemas.microsoft.com/office/drawing/2010/main" xmlns="" w="9525">
+                  <a14:hiddenLine xmlns="" xmlns:a14="http://schemas.microsoft.com/office/drawing/2010/main" w="9525">
                     <a:solidFill>
                       <a:srgbClr val="000000"/>
                     </a:solidFill>
@@ -23385,7 +23313,7 @@
         </p:blipFill>
         <p:spPr>
           <a:xfrm>
-            <a:off x="6565393" y="2097088"/>
+            <a:off x="6565393" y="1986256"/>
             <a:ext cx="4183220" cy="3497676"/>
           </a:xfrm>
           <a:prstGeom prst="rect">
@@ -23406,83 +23334,7 @@
   <p:timing>
     <p:tnLst>
       <p:par>
-        <p:cTn id="1" dur="indefinite" restart="never" nodeType="tmRoot">
-          <p:childTnLst>
-            <p:seq concurrent="1" nextAc="seek">
-              <p:cTn id="2" dur="indefinite" nodeType="mainSeq">
-                <p:childTnLst>
-                  <p:par>
-                    <p:cTn id="3" fill="hold">
-                      <p:stCondLst>
-                        <p:cond delay="indefinite"/>
-                      </p:stCondLst>
-                      <p:childTnLst>
-                        <p:par>
-                          <p:cTn id="4" fill="hold">
-                            <p:stCondLst>
-                              <p:cond delay="0"/>
-                            </p:stCondLst>
-                            <p:childTnLst>
-                              <p:par>
-                                <p:cTn id="5" presetID="10" presetClass="entr" presetSubtype="0" fill="hold" nodeType="clickEffect">
-                                  <p:stCondLst>
-                                    <p:cond delay="0"/>
-                                  </p:stCondLst>
-                                  <p:childTnLst>
-                                    <p:set>
-                                      <p:cBhvr>
-                                        <p:cTn id="6" dur="1" fill="hold">
-                                          <p:stCondLst>
-                                            <p:cond delay="0"/>
-                                          </p:stCondLst>
-                                        </p:cTn>
-                                        <p:tgtEl>
-                                          <p:spTgt spid="7"/>
-                                        </p:tgtEl>
-                                        <p:attrNameLst>
-                                          <p:attrName>style.visibility</p:attrName>
-                                        </p:attrNameLst>
-                                      </p:cBhvr>
-                                      <p:to>
-                                        <p:strVal val="visible"/>
-                                      </p:to>
-                                    </p:set>
-                                    <p:animEffect transition="in" filter="fade">
-                                      <p:cBhvr>
-                                        <p:cTn id="7" dur="500"/>
-                                        <p:tgtEl>
-                                          <p:spTgt spid="7"/>
-                                        </p:tgtEl>
-                                      </p:cBhvr>
-                                    </p:animEffect>
-                                  </p:childTnLst>
-                                </p:cTn>
-                              </p:par>
-                            </p:childTnLst>
-                          </p:cTn>
-                        </p:par>
-                      </p:childTnLst>
-                    </p:cTn>
-                  </p:par>
-                </p:childTnLst>
-              </p:cTn>
-              <p:prevCondLst>
-                <p:cond evt="onPrev" delay="0">
-                  <p:tgtEl>
-                    <p:sldTgt/>
-                  </p:tgtEl>
-                </p:cond>
-              </p:prevCondLst>
-              <p:nextCondLst>
-                <p:cond evt="onNext" delay="0">
-                  <p:tgtEl>
-                    <p:sldTgt/>
-                  </p:tgtEl>
-                </p:cond>
-              </p:nextCondLst>
-            </p:seq>
-          </p:childTnLst>
-        </p:cTn>
+        <p:cTn id="1" dur="indefinite" restart="never" nodeType="tmRoot"/>
       </p:par>
     </p:tnLst>
   </p:timing>
@@ -23552,7 +23404,26 @@
             </a:pPr>
             <a:r>
               <a:rPr lang="de-CH" dirty="0" smtClean="0"/>
-              <a:t>Keine geordneten (labeled) Daten</a:t>
+              <a:t>Keine geordneten </a:t>
+            </a:r>
+            <a:r>
+              <a:rPr lang="de-CH" dirty="0" smtClean="0"/>
+              <a:t/>
+            </a:r>
+            <a:br>
+              <a:rPr lang="de-CH" dirty="0" smtClean="0"/>
+            </a:br>
+            <a:r>
+              <a:rPr lang="de-CH" dirty="0" smtClean="0"/>
+              <a:t>(</a:t>
+            </a:r>
+            <a:r>
+              <a:rPr lang="de-CH" dirty="0" smtClean="0"/>
+              <a:t>labeled) </a:t>
+            </a:r>
+            <a:r>
+              <a:rPr lang="de-CH" dirty="0" smtClean="0"/>
+              <a:t>Daten</a:t>
             </a:r>
           </a:p>
           <a:p>
@@ -23564,6 +23435,7 @@
               <a:rPr lang="de-CH" dirty="0" smtClean="0"/>
               <a:t>Schlüsse werden gezogen</a:t>
             </a:r>
+            <a:endParaRPr lang="de-CH" dirty="0" smtClean="0"/>
           </a:p>
           <a:p>
             <a:pPr marL="457200" indent="-457200">
@@ -23572,12 +23444,68 @@
             </a:pPr>
             <a:r>
               <a:rPr lang="de-CH" dirty="0" smtClean="0"/>
-              <a:t>Neue Strukturen/Muster werden erkannt </a:t>
+              <a:t>Neue Strukturen/Muster </a:t>
+            </a:r>
+            <a:r>
+              <a:rPr lang="de-CH" dirty="0" smtClean="0"/>
+              <a:t/>
+            </a:r>
+            <a:br>
+              <a:rPr lang="de-CH" dirty="0" smtClean="0"/>
+            </a:br>
+            <a:r>
+              <a:rPr lang="de-CH" dirty="0" smtClean="0"/>
+              <a:t>werden </a:t>
+            </a:r>
+            <a:r>
+              <a:rPr lang="de-CH" dirty="0" smtClean="0"/>
+              <a:t>erkannt </a:t>
             </a:r>
             <a:endParaRPr lang="de-CH" dirty="0"/>
           </a:p>
         </p:txBody>
       </p:sp>
+      <p:pic>
+        <p:nvPicPr>
+          <p:cNvPr id="1034" name="Picture 10" descr="Bildergebnis für unsupervised learning"/>
+          <p:cNvPicPr>
+            <a:picLocks noChangeAspect="1" noChangeArrowheads="1"/>
+          </p:cNvPicPr>
+          <p:nvPr/>
+        </p:nvPicPr>
+        <p:blipFill>
+          <a:blip r:embed="rId3">
+            <a:extLst>
+              <a:ext uri="{28A0092B-C50C-407E-A947-70E740481C1C}">
+                <a14:useLocalDpi xmlns:a14="http://schemas.microsoft.com/office/drawing/2010/main" val="0"/>
+              </a:ext>
+            </a:extLst>
+          </a:blip>
+          <a:srcRect/>
+          <a:stretch>
+            <a:fillRect/>
+          </a:stretch>
+        </p:blipFill>
+        <p:spPr bwMode="auto">
+          <a:xfrm>
+            <a:off x="5716297" y="1630541"/>
+            <a:ext cx="6227570" cy="4110196"/>
+          </a:xfrm>
+          <a:prstGeom prst="rect">
+            <a:avLst/>
+          </a:prstGeom>
+          <a:noFill/>
+          <a:extLst>
+            <a:ext uri="{909E8E84-426E-40DD-AFC4-6F175D3DCCD1}">
+              <a14:hiddenFill xmlns:a14="http://schemas.microsoft.com/office/drawing/2010/main">
+                <a:solidFill>
+                  <a:srgbClr val="FFFFFF"/>
+                </a:solidFill>
+              </a14:hiddenFill>
+            </a:ext>
+          </a:extLst>
+        </p:spPr>
+      </p:pic>
     </p:spTree>
     <p:extLst>
       <p:ext uri="{BB962C8B-B14F-4D97-AF65-F5344CB8AC3E}">
@@ -24002,7 +23930,7 @@
       </p:grpSpPr>
       <p:sp>
         <p:nvSpPr>
-          <p:cNvPr id="2" name="Title 1"/>
+          <p:cNvPr id="4" name="Title 3"/>
           <p:cNvSpPr>
             <a:spLocks noGrp="1"/>
           </p:cNvSpPr>
@@ -24017,7 +23945,14 @@
           <a:p>
             <a:r>
               <a:rPr lang="de-CH" dirty="0" smtClean="0"/>
-              <a:t>Weiterführende Konzepte</a:t>
+              <a:t>Ist das A </a:t>
+            </a:r>
+            <a:br>
+              <a:rPr lang="de-CH" dirty="0" smtClean="0"/>
+            </a:br>
+            <a:r>
+              <a:rPr lang="de-CH" dirty="0" smtClean="0"/>
+              <a:t>oder B?</a:t>
             </a:r>
             <a:endParaRPr lang="de-CH" dirty="0"/>
           </a:p>
@@ -24025,12 +23960,12 @@
       </p:sp>
       <p:sp>
         <p:nvSpPr>
-          <p:cNvPr id="4" name="Text Placeholder 3"/>
+          <p:cNvPr id="6" name="Text Placeholder 5"/>
           <p:cNvSpPr>
             <a:spLocks noGrp="1"/>
           </p:cNvSpPr>
           <p:nvPr>
-            <p:ph type="body" idx="1"/>
+            <p:ph type="body" sz="half" idx="2"/>
           </p:nvPr>
         </p:nvSpPr>
         <p:spPr/>
@@ -24039,48 +23974,68 @@
           <a:lstStyle/>
           <a:p>
             <a:r>
-              <a:rPr lang="en-US" dirty="0">
-                <a:solidFill>
-                  <a:schemeClr val="tx2"/>
-                </a:solidFill>
-              </a:rPr>
-              <a:t>“By far, the greatest danger of Artificial Intelligence is that people conclude too early that they understand it.” </a:t>
-            </a:r>
-            <a:endParaRPr lang="en-US" dirty="0" smtClean="0">
-              <a:solidFill>
-                <a:schemeClr val="tx2"/>
-              </a:solidFill>
-            </a:endParaRPr>
-          </a:p>
-          <a:p>
-            <a:r>
-              <a:rPr lang="en-US" sz="1100" dirty="0" smtClean="0">
-                <a:solidFill>
-                  <a:schemeClr val="tx2"/>
-                </a:solidFill>
-              </a:rPr>
-              <a:t>— Eliezer </a:t>
-            </a:r>
-            <a:r>
-              <a:rPr lang="en-US" sz="1100" dirty="0" err="1">
-                <a:solidFill>
-                  <a:schemeClr val="tx2"/>
-                </a:solidFill>
-              </a:rPr>
-              <a:t>Yudkowsky</a:t>
-            </a:r>
-            <a:endParaRPr lang="de-CH" sz="900" dirty="0">
-              <a:solidFill>
-                <a:schemeClr val="tx2"/>
-              </a:solidFill>
-            </a:endParaRPr>
-          </a:p>
-        </p:txBody>
-      </p:sp>
+              <a:rPr lang="de-CH" dirty="0" err="1" smtClean="0"/>
+              <a:t>Classification</a:t>
+            </a:r>
+            <a:r>
+              <a:rPr lang="de-CH" dirty="0" smtClean="0"/>
+              <a:t> </a:t>
+            </a:r>
+            <a:r>
+              <a:rPr lang="de-CH" dirty="0" err="1" smtClean="0"/>
+              <a:t>algorithms</a:t>
+            </a:r>
+            <a:endParaRPr lang="de-CH" dirty="0"/>
+          </a:p>
+        </p:txBody>
+      </p:sp>
+      <p:sp>
+        <p:nvSpPr>
+          <p:cNvPr id="8" name="Content Placeholder 7"/>
+          <p:cNvSpPr>
+            <a:spLocks noGrp="1"/>
+          </p:cNvSpPr>
+          <p:nvPr>
+            <p:ph idx="1"/>
+          </p:nvPr>
+        </p:nvSpPr>
+        <p:spPr/>
+        <p:txBody>
+          <a:bodyPr/>
+          <a:lstStyle/>
+          <a:p>
+            <a:endParaRPr lang="de-CH"/>
+          </a:p>
+        </p:txBody>
+      </p:sp>
+      <p:pic>
+        <p:nvPicPr>
+          <p:cNvPr id="9" name="Picture 8"/>
+          <p:cNvPicPr>
+            <a:picLocks noChangeAspect="1"/>
+          </p:cNvPicPr>
+          <p:nvPr/>
+        </p:nvPicPr>
+        <p:blipFill>
+          <a:blip r:embed="rId2"/>
+          <a:stretch>
+            <a:fillRect/>
+          </a:stretch>
+        </p:blipFill>
+        <p:spPr>
+          <a:xfrm>
+            <a:off x="4638611" y="1360498"/>
+            <a:ext cx="6273367" cy="4362072"/>
+          </a:xfrm>
+          <a:prstGeom prst="rect">
+            <a:avLst/>
+          </a:prstGeom>
+        </p:spPr>
+      </p:pic>
     </p:spTree>
     <p:extLst>
       <p:ext uri="{BB962C8B-B14F-4D97-AF65-F5344CB8AC3E}">
-        <p14:creationId xmlns:p14="http://schemas.microsoft.com/office/powerpoint/2010/main" val="2289690871"/>
+        <p14:creationId xmlns:p14="http://schemas.microsoft.com/office/powerpoint/2010/main" val="257119039"/>
       </p:ext>
     </p:extLst>
   </p:cSld>
@@ -24098,7 +24053,7 @@
 </file>
 
 <file path=ppt/slides/slide32.xml><?xml version="1.0" encoding="utf-8"?>
-<p:sld xmlns:a="http://schemas.openxmlformats.org/drawingml/2006/main" xmlns:r="http://schemas.openxmlformats.org/officeDocument/2006/relationships" xmlns:p="http://schemas.openxmlformats.org/presentationml/2006/main" show="0">
+<p:sld xmlns:a="http://schemas.openxmlformats.org/drawingml/2006/main" xmlns:r="http://schemas.openxmlformats.org/officeDocument/2006/relationships" xmlns:p="http://schemas.openxmlformats.org/presentationml/2006/main">
   <p:cSld>
     <p:spTree>
       <p:nvGrpSpPr>
@@ -24116,6 +24071,499 @@
       </p:grpSpPr>
       <p:sp>
         <p:nvSpPr>
+          <p:cNvPr id="4" name="Title 3"/>
+          <p:cNvSpPr>
+            <a:spLocks noGrp="1"/>
+          </p:cNvSpPr>
+          <p:nvPr>
+            <p:ph type="title"/>
+          </p:nvPr>
+        </p:nvSpPr>
+        <p:spPr/>
+        <p:txBody>
+          <a:bodyPr/>
+          <a:lstStyle/>
+          <a:p>
+            <a:r>
+              <a:rPr lang="de-CH" dirty="0" smtClean="0"/>
+              <a:t>Wieviel /</a:t>
+            </a:r>
+            <a:br>
+              <a:rPr lang="de-CH" dirty="0" smtClean="0"/>
+            </a:br>
+            <a:r>
+              <a:rPr lang="de-CH" dirty="0" err="1" smtClean="0"/>
+              <a:t>wieviele</a:t>
+            </a:r>
+            <a:r>
+              <a:rPr lang="de-CH" dirty="0" smtClean="0"/>
+              <a:t>?</a:t>
+            </a:r>
+            <a:endParaRPr lang="de-CH" dirty="0"/>
+          </a:p>
+        </p:txBody>
+      </p:sp>
+      <p:sp>
+        <p:nvSpPr>
+          <p:cNvPr id="6" name="Text Placeholder 5"/>
+          <p:cNvSpPr>
+            <a:spLocks noGrp="1"/>
+          </p:cNvSpPr>
+          <p:nvPr>
+            <p:ph type="body" sz="half" idx="2"/>
+          </p:nvPr>
+        </p:nvSpPr>
+        <p:spPr/>
+        <p:txBody>
+          <a:bodyPr/>
+          <a:lstStyle/>
+          <a:p>
+            <a:r>
+              <a:rPr lang="de-CH" dirty="0" smtClean="0"/>
+              <a:t>Regression </a:t>
+            </a:r>
+            <a:r>
+              <a:rPr lang="de-CH" dirty="0" err="1" smtClean="0"/>
+              <a:t>algorithms</a:t>
+            </a:r>
+            <a:endParaRPr lang="de-CH" dirty="0"/>
+          </a:p>
+        </p:txBody>
+      </p:sp>
+      <p:sp>
+        <p:nvSpPr>
+          <p:cNvPr id="8" name="Content Placeholder 7"/>
+          <p:cNvSpPr>
+            <a:spLocks noGrp="1"/>
+          </p:cNvSpPr>
+          <p:nvPr>
+            <p:ph idx="1"/>
+          </p:nvPr>
+        </p:nvSpPr>
+        <p:spPr/>
+        <p:txBody>
+          <a:bodyPr/>
+          <a:lstStyle/>
+          <a:p>
+            <a:endParaRPr lang="de-CH"/>
+          </a:p>
+        </p:txBody>
+      </p:sp>
+      <p:pic>
+        <p:nvPicPr>
+          <p:cNvPr id="2" name="Picture 1"/>
+          <p:cNvPicPr>
+            <a:picLocks noChangeAspect="1"/>
+          </p:cNvPicPr>
+          <p:nvPr/>
+        </p:nvPicPr>
+        <p:blipFill>
+          <a:blip r:embed="rId2"/>
+          <a:stretch>
+            <a:fillRect/>
+          </a:stretch>
+        </p:blipFill>
+        <p:spPr>
+          <a:xfrm>
+            <a:off x="4381813" y="1162680"/>
+            <a:ext cx="6566764" cy="4566080"/>
+          </a:xfrm>
+          <a:prstGeom prst="rect">
+            <a:avLst/>
+          </a:prstGeom>
+        </p:spPr>
+      </p:pic>
+    </p:spTree>
+    <p:extLst>
+      <p:ext uri="{BB962C8B-B14F-4D97-AF65-F5344CB8AC3E}">
+        <p14:creationId xmlns:p14="http://schemas.microsoft.com/office/powerpoint/2010/main" val="1206109434"/>
+      </p:ext>
+    </p:extLst>
+  </p:cSld>
+  <p:clrMapOvr>
+    <a:masterClrMapping/>
+  </p:clrMapOvr>
+  <p:timing>
+    <p:tnLst>
+      <p:par>
+        <p:cTn id="1" dur="indefinite" restart="never" nodeType="tmRoot"/>
+      </p:par>
+    </p:tnLst>
+  </p:timing>
+</p:sld>
+</file>
+
+<file path=ppt/slides/slide33.xml><?xml version="1.0" encoding="utf-8"?>
+<p:sld xmlns:a="http://schemas.openxmlformats.org/drawingml/2006/main" xmlns:r="http://schemas.openxmlformats.org/officeDocument/2006/relationships" xmlns:p="http://schemas.openxmlformats.org/presentationml/2006/main">
+  <p:cSld>
+    <p:spTree>
+      <p:nvGrpSpPr>
+        <p:cNvPr id="1" name=""/>
+        <p:cNvGrpSpPr/>
+        <p:nvPr/>
+      </p:nvGrpSpPr>
+      <p:grpSpPr>
+        <a:xfrm>
+          <a:off x="0" y="0"/>
+          <a:ext cx="0" cy="0"/>
+          <a:chOff x="0" y="0"/>
+          <a:chExt cx="0" cy="0"/>
+        </a:xfrm>
+      </p:grpSpPr>
+      <p:sp>
+        <p:nvSpPr>
+          <p:cNvPr id="4" name="Title 3"/>
+          <p:cNvSpPr>
+            <a:spLocks noGrp="1"/>
+          </p:cNvSpPr>
+          <p:nvPr>
+            <p:ph type="title"/>
+          </p:nvPr>
+        </p:nvSpPr>
+        <p:spPr/>
+        <p:txBody>
+          <a:bodyPr/>
+          <a:lstStyle/>
+          <a:p>
+            <a:r>
+              <a:rPr lang="de-CH" dirty="0" smtClean="0"/>
+              <a:t>Wie ist das organisiert?</a:t>
+            </a:r>
+            <a:endParaRPr lang="de-CH" dirty="0"/>
+          </a:p>
+        </p:txBody>
+      </p:sp>
+      <p:pic>
+        <p:nvPicPr>
+          <p:cNvPr id="7" name="Content Placeholder 6"/>
+          <p:cNvPicPr>
+            <a:picLocks noGrp="1" noChangeAspect="1"/>
+          </p:cNvPicPr>
+          <p:nvPr>
+            <p:ph idx="1"/>
+          </p:nvPr>
+        </p:nvPicPr>
+        <p:blipFill>
+          <a:blip r:embed="rId2"/>
+          <a:stretch>
+            <a:fillRect/>
+          </a:stretch>
+        </p:blipFill>
+        <p:spPr>
+          <a:xfrm>
+            <a:off x="4518292" y="1130305"/>
+            <a:ext cx="6430286" cy="4721138"/>
+          </a:xfrm>
+          <a:prstGeom prst="rect">
+            <a:avLst/>
+          </a:prstGeom>
+        </p:spPr>
+      </p:pic>
+      <p:sp>
+        <p:nvSpPr>
+          <p:cNvPr id="6" name="Text Placeholder 5"/>
+          <p:cNvSpPr>
+            <a:spLocks noGrp="1"/>
+          </p:cNvSpPr>
+          <p:nvPr>
+            <p:ph type="body" sz="half" idx="2"/>
+          </p:nvPr>
+        </p:nvSpPr>
+        <p:spPr/>
+        <p:txBody>
+          <a:bodyPr/>
+          <a:lstStyle/>
+          <a:p>
+            <a:r>
+              <a:rPr lang="de-CH" dirty="0" smtClean="0"/>
+              <a:t>Clustering </a:t>
+            </a:r>
+            <a:r>
+              <a:rPr lang="de-CH" dirty="0" err="1" smtClean="0"/>
+              <a:t>algorithms</a:t>
+            </a:r>
+            <a:endParaRPr lang="de-CH" dirty="0"/>
+          </a:p>
+        </p:txBody>
+      </p:sp>
+    </p:spTree>
+    <p:extLst>
+      <p:ext uri="{BB962C8B-B14F-4D97-AF65-F5344CB8AC3E}">
+        <p14:creationId xmlns:p14="http://schemas.microsoft.com/office/powerpoint/2010/main" val="3379649275"/>
+      </p:ext>
+    </p:extLst>
+  </p:cSld>
+  <p:clrMapOvr>
+    <a:masterClrMapping/>
+  </p:clrMapOvr>
+  <p:timing>
+    <p:tnLst>
+      <p:par>
+        <p:cTn id="1" dur="indefinite" restart="never" nodeType="tmRoot"/>
+      </p:par>
+    </p:tnLst>
+  </p:timing>
+</p:sld>
+</file>
+
+<file path=ppt/slides/slide34.xml><?xml version="1.0" encoding="utf-8"?>
+<p:sld xmlns:a="http://schemas.openxmlformats.org/drawingml/2006/main" xmlns:r="http://schemas.openxmlformats.org/officeDocument/2006/relationships" xmlns:p="http://schemas.openxmlformats.org/presentationml/2006/main">
+  <p:cSld>
+    <p:spTree>
+      <p:nvGrpSpPr>
+        <p:cNvPr id="1" name=""/>
+        <p:cNvGrpSpPr/>
+        <p:nvPr/>
+      </p:nvGrpSpPr>
+      <p:grpSpPr>
+        <a:xfrm>
+          <a:off x="0" y="0"/>
+          <a:ext cx="0" cy="0"/>
+          <a:chOff x="0" y="0"/>
+          <a:chExt cx="0" cy="0"/>
+        </a:xfrm>
+      </p:grpSpPr>
+      <p:sp>
+        <p:nvSpPr>
+          <p:cNvPr id="4" name="Title 3"/>
+          <p:cNvSpPr>
+            <a:spLocks noGrp="1"/>
+          </p:cNvSpPr>
+          <p:nvPr>
+            <p:ph type="title"/>
+          </p:nvPr>
+        </p:nvSpPr>
+        <p:spPr/>
+        <p:txBody>
+          <a:bodyPr/>
+          <a:lstStyle/>
+          <a:p>
+            <a:r>
+              <a:rPr lang="de-CH" dirty="0" smtClean="0"/>
+              <a:t>Ist das </a:t>
+            </a:r>
+            <a:br>
+              <a:rPr lang="de-CH" dirty="0" smtClean="0"/>
+            </a:br>
+            <a:r>
+              <a:rPr lang="de-CH" dirty="0" smtClean="0"/>
+              <a:t>seltsam?</a:t>
+            </a:r>
+            <a:endParaRPr lang="de-CH" dirty="0"/>
+          </a:p>
+        </p:txBody>
+      </p:sp>
+      <p:sp>
+        <p:nvSpPr>
+          <p:cNvPr id="6" name="Text Placeholder 5"/>
+          <p:cNvSpPr>
+            <a:spLocks noGrp="1"/>
+          </p:cNvSpPr>
+          <p:nvPr>
+            <p:ph type="body" sz="half" idx="2"/>
+          </p:nvPr>
+        </p:nvSpPr>
+        <p:spPr/>
+        <p:txBody>
+          <a:bodyPr/>
+          <a:lstStyle/>
+          <a:p>
+            <a:r>
+              <a:rPr lang="de-CH" dirty="0" err="1" smtClean="0"/>
+              <a:t>Anomaly</a:t>
+            </a:r>
+            <a:r>
+              <a:rPr lang="de-CH" dirty="0" smtClean="0"/>
+              <a:t> </a:t>
+            </a:r>
+            <a:r>
+              <a:rPr lang="de-CH" dirty="0" err="1" smtClean="0"/>
+              <a:t>detection</a:t>
+            </a:r>
+            <a:r>
+              <a:rPr lang="de-CH" dirty="0" smtClean="0"/>
+              <a:t> </a:t>
+            </a:r>
+            <a:r>
+              <a:rPr lang="de-CH" dirty="0" err="1" smtClean="0"/>
+              <a:t>algorithms</a:t>
+            </a:r>
+            <a:endParaRPr lang="de-CH" dirty="0"/>
+          </a:p>
+        </p:txBody>
+      </p:sp>
+      <p:sp>
+        <p:nvSpPr>
+          <p:cNvPr id="2" name="Content Placeholder 1"/>
+          <p:cNvSpPr>
+            <a:spLocks noGrp="1"/>
+          </p:cNvSpPr>
+          <p:nvPr>
+            <p:ph idx="1"/>
+          </p:nvPr>
+        </p:nvSpPr>
+        <p:spPr/>
+        <p:txBody>
+          <a:bodyPr/>
+          <a:lstStyle/>
+          <a:p>
+            <a:endParaRPr lang="de-CH"/>
+          </a:p>
+        </p:txBody>
+      </p:sp>
+    </p:spTree>
+    <p:extLst>
+      <p:ext uri="{BB962C8B-B14F-4D97-AF65-F5344CB8AC3E}">
+        <p14:creationId xmlns:p14="http://schemas.microsoft.com/office/powerpoint/2010/main" val="3727954938"/>
+      </p:ext>
+    </p:extLst>
+  </p:cSld>
+  <p:clrMapOvr>
+    <a:masterClrMapping/>
+  </p:clrMapOvr>
+  <p:timing>
+    <p:tnLst>
+      <p:par>
+        <p:cTn id="1" dur="indefinite" restart="never" nodeType="tmRoot"/>
+      </p:par>
+    </p:tnLst>
+  </p:timing>
+</p:sld>
+</file>
+
+<file path=ppt/slides/slide35.xml><?xml version="1.0" encoding="utf-8"?>
+<p:sld xmlns:a="http://schemas.openxmlformats.org/drawingml/2006/main" xmlns:r="http://schemas.openxmlformats.org/officeDocument/2006/relationships" xmlns:p="http://schemas.openxmlformats.org/presentationml/2006/main">
+  <p:cSld>
+    <p:spTree>
+      <p:nvGrpSpPr>
+        <p:cNvPr id="1" name=""/>
+        <p:cNvGrpSpPr/>
+        <p:nvPr/>
+      </p:nvGrpSpPr>
+      <p:grpSpPr>
+        <a:xfrm>
+          <a:off x="0" y="0"/>
+          <a:ext cx="0" cy="0"/>
+          <a:chOff x="0" y="0"/>
+          <a:chExt cx="0" cy="0"/>
+        </a:xfrm>
+      </p:grpSpPr>
+      <p:sp>
+        <p:nvSpPr>
+          <p:cNvPr id="4" name="Title 3"/>
+          <p:cNvSpPr>
+            <a:spLocks noGrp="1"/>
+          </p:cNvSpPr>
+          <p:nvPr>
+            <p:ph type="title"/>
+          </p:nvPr>
+        </p:nvSpPr>
+        <p:spPr/>
+        <p:txBody>
+          <a:bodyPr/>
+          <a:lstStyle/>
+          <a:p>
+            <a:r>
+              <a:rPr lang="de-CH" dirty="0" smtClean="0"/>
+              <a:t>Was soll ich als nächste tun?</a:t>
+            </a:r>
+            <a:endParaRPr lang="de-CH" dirty="0"/>
+          </a:p>
+        </p:txBody>
+      </p:sp>
+      <p:sp>
+        <p:nvSpPr>
+          <p:cNvPr id="6" name="Text Placeholder 5"/>
+          <p:cNvSpPr>
+            <a:spLocks noGrp="1"/>
+          </p:cNvSpPr>
+          <p:nvPr>
+            <p:ph type="body" sz="half" idx="2"/>
+          </p:nvPr>
+        </p:nvSpPr>
+        <p:spPr/>
+        <p:txBody>
+          <a:bodyPr/>
+          <a:lstStyle/>
+          <a:p>
+            <a:r>
+              <a:rPr lang="de-CH" dirty="0" smtClean="0"/>
+              <a:t>Reinforcement </a:t>
+            </a:r>
+            <a:r>
+              <a:rPr lang="de-CH" dirty="0" err="1" smtClean="0"/>
+              <a:t>learning</a:t>
+            </a:r>
+            <a:r>
+              <a:rPr lang="de-CH" dirty="0" smtClean="0"/>
+              <a:t> </a:t>
+            </a:r>
+            <a:r>
+              <a:rPr lang="de-CH" dirty="0" err="1" smtClean="0"/>
+              <a:t>algorithms</a:t>
+            </a:r>
+            <a:endParaRPr lang="de-CH" dirty="0"/>
+          </a:p>
+        </p:txBody>
+      </p:sp>
+      <p:sp>
+        <p:nvSpPr>
+          <p:cNvPr id="2" name="Content Placeholder 1"/>
+          <p:cNvSpPr>
+            <a:spLocks noGrp="1"/>
+          </p:cNvSpPr>
+          <p:nvPr>
+            <p:ph idx="1"/>
+          </p:nvPr>
+        </p:nvSpPr>
+        <p:spPr/>
+        <p:txBody>
+          <a:bodyPr/>
+          <a:lstStyle/>
+          <a:p>
+            <a:endParaRPr lang="de-CH"/>
+          </a:p>
+        </p:txBody>
+      </p:sp>
+    </p:spTree>
+    <p:extLst>
+      <p:ext uri="{BB962C8B-B14F-4D97-AF65-F5344CB8AC3E}">
+        <p14:creationId xmlns:p14="http://schemas.microsoft.com/office/powerpoint/2010/main" val="2087689458"/>
+      </p:ext>
+    </p:extLst>
+  </p:cSld>
+  <p:clrMapOvr>
+    <a:masterClrMapping/>
+  </p:clrMapOvr>
+  <p:timing>
+    <p:tnLst>
+      <p:par>
+        <p:cTn id="1" dur="indefinite" restart="never" nodeType="tmRoot"/>
+      </p:par>
+    </p:tnLst>
+  </p:timing>
+</p:sld>
+</file>
+
+<file path=ppt/slides/slide36.xml><?xml version="1.0" encoding="utf-8"?>
+<p:sld xmlns:a="http://schemas.openxmlformats.org/drawingml/2006/main" xmlns:r="http://schemas.openxmlformats.org/officeDocument/2006/relationships" xmlns:p="http://schemas.openxmlformats.org/presentationml/2006/main">
+  <p:cSld>
+    <p:spTree>
+      <p:nvGrpSpPr>
+        <p:cNvPr id="1" name=""/>
+        <p:cNvGrpSpPr/>
+        <p:nvPr/>
+      </p:nvGrpSpPr>
+      <p:grpSpPr>
+        <a:xfrm>
+          <a:off x="0" y="0"/>
+          <a:ext cx="0" cy="0"/>
+          <a:chOff x="0" y="0"/>
+          <a:chExt cx="0" cy="0"/>
+        </a:xfrm>
+      </p:grpSpPr>
+      <p:sp>
+        <p:nvSpPr>
           <p:cNvPr id="2" name="Title 1"/>
           <p:cNvSpPr>
             <a:spLocks noGrp="1"/>
@@ -24131,15 +24579,7 @@
           <a:p>
             <a:r>
               <a:rPr lang="de-CH" dirty="0" smtClean="0"/>
-              <a:t>Die </a:t>
-            </a:r>
-            <a:r>
-              <a:rPr lang="de-CH" sz="6600" dirty="0" smtClean="0"/>
-              <a:t>5</a:t>
-            </a:r>
-            <a:r>
-              <a:rPr lang="de-CH" dirty="0" smtClean="0"/>
-              <a:t> Fragen die ML beantworten kann</a:t>
+              <a:t>Weiterführende Konzepte</a:t>
             </a:r>
             <a:endParaRPr lang="de-CH" dirty="0"/>
           </a:p>
@@ -24147,87 +24587,68 @@
       </p:sp>
       <p:sp>
         <p:nvSpPr>
-          <p:cNvPr id="3" name="Content Placeholder 2"/>
+          <p:cNvPr id="4" name="Text Placeholder 3"/>
           <p:cNvSpPr>
             <a:spLocks noGrp="1"/>
           </p:cNvSpPr>
           <p:nvPr>
-            <p:ph idx="1"/>
+            <p:ph type="body" idx="1"/>
           </p:nvPr>
         </p:nvSpPr>
-        <p:spPr>
-          <a:xfrm>
-            <a:off x="2578448" y="1892870"/>
-            <a:ext cx="8825579" cy="4142169"/>
-          </a:xfrm>
-        </p:spPr>
-        <p:txBody>
-          <a:bodyPr>
-            <a:normAutofit/>
-          </a:bodyPr>
-          <a:lstStyle/>
-          <a:p>
-            <a:pPr marL="0" indent="0">
-              <a:buNone/>
-            </a:pPr>
-            <a:endParaRPr lang="de-CH" sz="2800" dirty="0" smtClean="0"/>
-          </a:p>
-          <a:p>
-            <a:pPr lvl="1"/>
-            <a:r>
-              <a:rPr lang="de-CH" sz="2400" dirty="0" smtClean="0"/>
-              <a:t>Ist das A oder B?</a:t>
-            </a:r>
-          </a:p>
-          <a:p>
-            <a:pPr lvl="1"/>
-            <a:r>
-              <a:rPr lang="de-CH" sz="2400" dirty="0" smtClean="0"/>
-              <a:t>Wieviel/wieviele?</a:t>
-            </a:r>
-          </a:p>
-          <a:p>
-            <a:pPr lvl="1"/>
-            <a:r>
-              <a:rPr lang="de-CH" sz="2400" dirty="0" smtClean="0"/>
-              <a:t>Ist das sonderbar?</a:t>
-            </a:r>
-          </a:p>
-          <a:p>
-            <a:pPr lvl="1"/>
-            <a:r>
-              <a:rPr lang="de-CH" sz="2400" dirty="0" smtClean="0"/>
-              <a:t>Wie ist das organisiert?</a:t>
-            </a:r>
-          </a:p>
-          <a:p>
-            <a:pPr lvl="1"/>
-            <a:r>
-              <a:rPr lang="de-CH" sz="2400" dirty="0" smtClean="0"/>
-              <a:t>Was soll ich als nächstes tun?</a:t>
-            </a:r>
-            <a:endParaRPr lang="de-CH" sz="2400" dirty="0"/>
+        <p:spPr/>
+        <p:txBody>
+          <a:bodyPr/>
+          <a:lstStyle/>
+          <a:p>
+            <a:r>
+              <a:rPr lang="en-US" dirty="0">
+                <a:solidFill>
+                  <a:schemeClr val="tx2"/>
+                </a:solidFill>
+              </a:rPr>
+              <a:t>“By far, the greatest danger of Artificial Intelligence is that people conclude too early that they understand it.” </a:t>
+            </a:r>
+            <a:endParaRPr lang="en-US" dirty="0" smtClean="0">
+              <a:solidFill>
+                <a:schemeClr val="tx2"/>
+              </a:solidFill>
+            </a:endParaRPr>
+          </a:p>
+          <a:p>
+            <a:r>
+              <a:rPr lang="en-US" sz="1100" dirty="0" smtClean="0">
+                <a:solidFill>
+                  <a:schemeClr val="tx2"/>
+                </a:solidFill>
+              </a:rPr>
+              <a:t>— Eliezer </a:t>
+            </a:r>
+            <a:r>
+              <a:rPr lang="en-US" sz="1100" dirty="0" err="1">
+                <a:solidFill>
+                  <a:schemeClr val="tx2"/>
+                </a:solidFill>
+              </a:rPr>
+              <a:t>Yudkowsky</a:t>
+            </a:r>
+            <a:endParaRPr lang="de-CH" sz="900" dirty="0">
+              <a:solidFill>
+                <a:schemeClr val="tx2"/>
+              </a:solidFill>
+            </a:endParaRPr>
           </a:p>
         </p:txBody>
       </p:sp>
     </p:spTree>
     <p:extLst>
       <p:ext uri="{BB962C8B-B14F-4D97-AF65-F5344CB8AC3E}">
-        <p14:creationId xmlns:p14="http://schemas.microsoft.com/office/powerpoint/2010/main" val="3379965065"/>
+        <p14:creationId xmlns:p14="http://schemas.microsoft.com/office/powerpoint/2010/main" val="2289690871"/>
       </p:ext>
     </p:extLst>
   </p:cSld>
   <p:clrMapOvr>
     <a:masterClrMapping/>
   </p:clrMapOvr>
-  <mc:AlternateContent xmlns:mc="http://schemas.openxmlformats.org/markup-compatibility/2006" xmlns:p14="http://schemas.microsoft.com/office/powerpoint/2010/main">
-    <mc:Choice Requires="p14">
-      <p:transition spd="slow" p14:dur="2000"/>
-    </mc:Choice>
-    <mc:Fallback xmlns="">
-      <p:transition spd="slow"/>
-    </mc:Fallback>
-  </mc:AlternateContent>
   <p:timing>
     <p:tnLst>
       <p:par>

--- a/presentation.pptx
+++ b/presentation.pptx
@@ -5,7 +5,7 @@
     <p:sldMasterId id="2147483648" r:id="rId1"/>
   </p:sldMasterIdLst>
   <p:notesMasterIdLst>
-    <p:notesMasterId r:id="rId38"/>
+    <p:notesMasterId r:id="rId39"/>
   </p:notesMasterIdLst>
   <p:sldIdLst>
     <p:sldId id="256" r:id="rId2"/>
@@ -43,7 +43,8 @@
     <p:sldId id="290" r:id="rId34"/>
     <p:sldId id="292" r:id="rId35"/>
     <p:sldId id="293" r:id="rId36"/>
-    <p:sldId id="288" r:id="rId37"/>
+    <p:sldId id="294" r:id="rId37"/>
+    <p:sldId id="288" r:id="rId38"/>
   </p:sldIdLst>
   <p:sldSz cx="12192000" cy="6858000"/>
   <p:notesSz cx="6858000" cy="9144000"/>
@@ -2545,11 +2546,7 @@
             </a:r>
             <a:r>
               <a:rPr lang="de-CH" dirty="0" smtClean="0"/>
-              <a:t> </a:t>
-            </a:r>
-            <a:r>
-              <a:rPr lang="de-CH" dirty="0" smtClean="0"/>
-              <a:t>Networks, </a:t>
+              <a:t> Networks, </a:t>
             </a:r>
             <a:r>
               <a:rPr lang="de-CH" dirty="0" err="1" smtClean="0"/>
@@ -2576,7 +2573,7 @@
           <a:p>
             <a:fld id="{DA58BC1F-B303-41BB-B1E5-E3EE1F495441}" type="slidenum">
               <a:rPr lang="de-CH" smtClean="0"/>
-              <a:t>36</a:t>
+              <a:t>37</a:t>
             </a:fld>
             <a:endParaRPr lang="de-CH"/>
           </a:p>
@@ -3699,7 +3696,7 @@
           <a:noFill/>
           <a:extLst>
             <a:ext uri="{909E8E84-426E-40dd-AFC4-6F175D3DCCD1}">
-              <a14:hiddenFill xmlns="" xmlns:a14="http://schemas.microsoft.com/office/drawing/2010/main">
+              <a14:hiddenFill xmlns:a14="http://schemas.microsoft.com/office/drawing/2010/main" xmlns="">
                 <a:solidFill>
                   <a:srgbClr val="FFFFFF"/>
                 </a:solidFill>
@@ -3758,7 +3755,7 @@
             </a:ln>
             <a:extLst>
               <a:ext uri="{91240B29-F687-4f45-9708-019B960494DF}">
-                <a14:hiddenLine xmlns="" xmlns:a14="http://schemas.microsoft.com/office/drawing/2010/main" w="9525">
+                <a14:hiddenLine xmlns:a14="http://schemas.microsoft.com/office/drawing/2010/main" xmlns="" w="9525">
                   <a:solidFill>
                     <a:srgbClr val="000000"/>
                   </a:solidFill>
@@ -3848,7 +3845,7 @@
             </a:ln>
             <a:extLst>
               <a:ext uri="{91240B29-F687-4f45-9708-019B960494DF}">
-                <a14:hiddenLine xmlns="" xmlns:a14="http://schemas.microsoft.com/office/drawing/2010/main" w="9525">
+                <a14:hiddenLine xmlns:a14="http://schemas.microsoft.com/office/drawing/2010/main" xmlns="" w="9525">
                   <a:solidFill>
                     <a:srgbClr val="000000"/>
                   </a:solidFill>
@@ -3938,7 +3935,7 @@
             </a:ln>
             <a:extLst>
               <a:ext uri="{91240B29-F687-4f45-9708-019B960494DF}">
-                <a14:hiddenLine xmlns="" xmlns:a14="http://schemas.microsoft.com/office/drawing/2010/main" w="9525">
+                <a14:hiddenLine xmlns:a14="http://schemas.microsoft.com/office/drawing/2010/main" xmlns="" w="9525">
                   <a:solidFill>
                     <a:srgbClr val="000000"/>
                   </a:solidFill>
@@ -3972,7 +3969,7 @@
             </a:ln>
             <a:extLst>
               <a:ext uri="{91240B29-F687-4f45-9708-019B960494DF}">
-                <a14:hiddenLine xmlns="" xmlns:a14="http://schemas.microsoft.com/office/drawing/2010/main" w="9525">
+                <a14:hiddenLine xmlns:a14="http://schemas.microsoft.com/office/drawing/2010/main" xmlns="" w="9525">
                   <a:solidFill>
                     <a:srgbClr val="000000"/>
                   </a:solidFill>
@@ -4062,7 +4059,7 @@
             </a:ln>
             <a:extLst>
               <a:ext uri="{91240B29-F687-4f45-9708-019B960494DF}">
-                <a14:hiddenLine xmlns="" xmlns:a14="http://schemas.microsoft.com/office/drawing/2010/main" w="9525">
+                <a14:hiddenLine xmlns:a14="http://schemas.microsoft.com/office/drawing/2010/main" xmlns="" w="9525">
                   <a:solidFill>
                     <a:srgbClr val="000000"/>
                   </a:solidFill>
@@ -4124,7 +4121,7 @@
             </a:ln>
             <a:extLst>
               <a:ext uri="{91240B29-F687-4f45-9708-019B960494DF}">
-                <a14:hiddenLine xmlns="" xmlns:a14="http://schemas.microsoft.com/office/drawing/2010/main" w="9525">
+                <a14:hiddenLine xmlns:a14="http://schemas.microsoft.com/office/drawing/2010/main" xmlns="" w="9525">
                   <a:solidFill>
                     <a:srgbClr val="000000"/>
                   </a:solidFill>
@@ -4186,7 +4183,7 @@
             </a:ln>
             <a:extLst>
               <a:ext uri="{91240B29-F687-4f45-9708-019B960494DF}">
-                <a14:hiddenLine xmlns="" xmlns:a14="http://schemas.microsoft.com/office/drawing/2010/main" w="9525">
+                <a14:hiddenLine xmlns:a14="http://schemas.microsoft.com/office/drawing/2010/main" xmlns="" w="9525">
                   <a:solidFill>
                     <a:srgbClr val="000000"/>
                   </a:solidFill>
@@ -4276,7 +4273,7 @@
             </a:ln>
             <a:extLst>
               <a:ext uri="{91240B29-F687-4f45-9708-019B960494DF}">
-                <a14:hiddenLine xmlns="" xmlns:a14="http://schemas.microsoft.com/office/drawing/2010/main" w="9525">
+                <a14:hiddenLine xmlns:a14="http://schemas.microsoft.com/office/drawing/2010/main" xmlns="" w="9525">
                   <a:solidFill>
                     <a:srgbClr val="000000"/>
                   </a:solidFill>
@@ -4338,7 +4335,7 @@
             </a:ln>
             <a:extLst>
               <a:ext uri="{91240B29-F687-4f45-9708-019B960494DF}">
-                <a14:hiddenLine xmlns="" xmlns:a14="http://schemas.microsoft.com/office/drawing/2010/main" w="9525">
+                <a14:hiddenLine xmlns:a14="http://schemas.microsoft.com/office/drawing/2010/main" xmlns="" w="9525">
                   <a:solidFill>
                     <a:srgbClr val="000000"/>
                   </a:solidFill>
@@ -4400,7 +4397,7 @@
             </a:ln>
             <a:extLst>
               <a:ext uri="{91240B29-F687-4f45-9708-019B960494DF}">
-                <a14:hiddenLine xmlns="" xmlns:a14="http://schemas.microsoft.com/office/drawing/2010/main" w="9525">
+                <a14:hiddenLine xmlns:a14="http://schemas.microsoft.com/office/drawing/2010/main" xmlns="" w="9525">
                   <a:solidFill>
                     <a:srgbClr val="000000"/>
                   </a:solidFill>
@@ -4490,7 +4487,7 @@
             </a:ln>
             <a:extLst>
               <a:ext uri="{91240B29-F687-4f45-9708-019B960494DF}">
-                <a14:hiddenLine xmlns="" xmlns:a14="http://schemas.microsoft.com/office/drawing/2010/main" w="9525">
+                <a14:hiddenLine xmlns:a14="http://schemas.microsoft.com/office/drawing/2010/main" xmlns="" w="9525">
                   <a:solidFill>
                     <a:srgbClr val="000000"/>
                   </a:solidFill>
@@ -4580,7 +4577,7 @@
             </a:ln>
             <a:extLst>
               <a:ext uri="{91240B29-F687-4f45-9708-019B960494DF}">
-                <a14:hiddenLine xmlns="" xmlns:a14="http://schemas.microsoft.com/office/drawing/2010/main" w="9525">
+                <a14:hiddenLine xmlns:a14="http://schemas.microsoft.com/office/drawing/2010/main" xmlns="" w="9525">
                   <a:solidFill>
                     <a:srgbClr val="000000"/>
                   </a:solidFill>
@@ -4642,7 +4639,7 @@
             </a:ln>
             <a:extLst>
               <a:ext uri="{91240B29-F687-4f45-9708-019B960494DF}">
-                <a14:hiddenLine xmlns="" xmlns:a14="http://schemas.microsoft.com/office/drawing/2010/main" w="9525">
+                <a14:hiddenLine xmlns:a14="http://schemas.microsoft.com/office/drawing/2010/main" xmlns="" w="9525">
                   <a:solidFill>
                     <a:srgbClr val="000000"/>
                   </a:solidFill>
@@ -4752,7 +4749,7 @@
             </a:ln>
             <a:extLst>
               <a:ext uri="{91240B29-F687-4f45-9708-019B960494DF}">
-                <a14:hiddenLine xmlns="" xmlns:a14="http://schemas.microsoft.com/office/drawing/2010/main" w="9525">
+                <a14:hiddenLine xmlns:a14="http://schemas.microsoft.com/office/drawing/2010/main" xmlns="" w="9525">
                   <a:solidFill>
                     <a:srgbClr val="000000"/>
                   </a:solidFill>
@@ -4814,7 +4811,7 @@
             </a:ln>
             <a:extLst>
               <a:ext uri="{91240B29-F687-4f45-9708-019B960494DF}">
-                <a14:hiddenLine xmlns="" xmlns:a14="http://schemas.microsoft.com/office/drawing/2010/main" w="9525">
+                <a14:hiddenLine xmlns:a14="http://schemas.microsoft.com/office/drawing/2010/main" xmlns="" w="9525">
                   <a:solidFill>
                     <a:srgbClr val="000000"/>
                   </a:solidFill>
@@ -4904,7 +4901,7 @@
             </a:ln>
             <a:extLst>
               <a:ext uri="{91240B29-F687-4f45-9708-019B960494DF}">
-                <a14:hiddenLine xmlns="" xmlns:a14="http://schemas.microsoft.com/office/drawing/2010/main" w="9525">
+                <a14:hiddenLine xmlns:a14="http://schemas.microsoft.com/office/drawing/2010/main" xmlns="" w="9525">
                   <a:solidFill>
                     <a:srgbClr val="000000"/>
                   </a:solidFill>
@@ -4994,7 +4991,7 @@
             </a:ln>
             <a:extLst>
               <a:ext uri="{91240B29-F687-4f45-9708-019B960494DF}">
-                <a14:hiddenLine xmlns="" xmlns:a14="http://schemas.microsoft.com/office/drawing/2010/main" w="9525">
+                <a14:hiddenLine xmlns:a14="http://schemas.microsoft.com/office/drawing/2010/main" xmlns="" w="9525">
                   <a:solidFill>
                     <a:srgbClr val="000000"/>
                   </a:solidFill>
@@ -5056,7 +5053,7 @@
             </a:ln>
             <a:extLst>
               <a:ext uri="{91240B29-F687-4f45-9708-019B960494DF}">
-                <a14:hiddenLine xmlns="" xmlns:a14="http://schemas.microsoft.com/office/drawing/2010/main" w="9525">
+                <a14:hiddenLine xmlns:a14="http://schemas.microsoft.com/office/drawing/2010/main" xmlns="" w="9525">
                   <a:solidFill>
                     <a:srgbClr val="000000"/>
                   </a:solidFill>
@@ -5146,7 +5143,7 @@
             </a:ln>
             <a:extLst>
               <a:ext uri="{91240B29-F687-4f45-9708-019B960494DF}">
-                <a14:hiddenLine xmlns="" xmlns:a14="http://schemas.microsoft.com/office/drawing/2010/main" w="9525">
+                <a14:hiddenLine xmlns:a14="http://schemas.microsoft.com/office/drawing/2010/main" xmlns="" w="9525">
                   <a:solidFill>
                     <a:srgbClr val="000000"/>
                   </a:solidFill>
@@ -5236,7 +5233,7 @@
             </a:ln>
             <a:extLst>
               <a:ext uri="{91240B29-F687-4f45-9708-019B960494DF}">
-                <a14:hiddenLine xmlns="" xmlns:a14="http://schemas.microsoft.com/office/drawing/2010/main" w="9525">
+                <a14:hiddenLine xmlns:a14="http://schemas.microsoft.com/office/drawing/2010/main" xmlns="" w="9525">
                   <a:solidFill>
                     <a:srgbClr val="000000"/>
                   </a:solidFill>
@@ -5292,7 +5289,7 @@
             </a:ln>
             <a:extLst>
               <a:ext uri="{91240B29-F687-4f45-9708-019B960494DF}">
-                <a14:hiddenLine xmlns="" xmlns:a14="http://schemas.microsoft.com/office/drawing/2010/main" w="9525">
+                <a14:hiddenLine xmlns:a14="http://schemas.microsoft.com/office/drawing/2010/main" xmlns="" w="9525">
                   <a:solidFill>
                     <a:srgbClr val="000000"/>
                   </a:solidFill>
@@ -5382,7 +5379,7 @@
             </a:ln>
             <a:extLst>
               <a:ext uri="{91240B29-F687-4f45-9708-019B960494DF}">
-                <a14:hiddenLine xmlns="" xmlns:a14="http://schemas.microsoft.com/office/drawing/2010/main" w="9525">
+                <a14:hiddenLine xmlns:a14="http://schemas.microsoft.com/office/drawing/2010/main" xmlns="" w="9525">
                   <a:solidFill>
                     <a:srgbClr val="000000"/>
                   </a:solidFill>
@@ -5438,7 +5435,7 @@
             </a:ln>
             <a:extLst>
               <a:ext uri="{91240B29-F687-4f45-9708-019B960494DF}">
-                <a14:hiddenLine xmlns="" xmlns:a14="http://schemas.microsoft.com/office/drawing/2010/main" w="9525">
+                <a14:hiddenLine xmlns:a14="http://schemas.microsoft.com/office/drawing/2010/main" xmlns="" w="9525">
                   <a:solidFill>
                     <a:srgbClr val="000000"/>
                   </a:solidFill>
@@ -5528,7 +5525,7 @@
             </a:ln>
             <a:extLst>
               <a:ext uri="{91240B29-F687-4f45-9708-019B960494DF}">
-                <a14:hiddenLine xmlns="" xmlns:a14="http://schemas.microsoft.com/office/drawing/2010/main" w="9525">
+                <a14:hiddenLine xmlns:a14="http://schemas.microsoft.com/office/drawing/2010/main" xmlns="" w="9525">
                   <a:solidFill>
                     <a:srgbClr val="000000"/>
                   </a:solidFill>
@@ -5596,7 +5593,7 @@
             </a:ln>
             <a:extLst>
               <a:ext uri="{91240B29-F687-4f45-9708-019B960494DF}">
-                <a14:hiddenLine xmlns="" xmlns:a14="http://schemas.microsoft.com/office/drawing/2010/main" w="9525">
+                <a14:hiddenLine xmlns:a14="http://schemas.microsoft.com/office/drawing/2010/main" xmlns="" w="9525">
                   <a:solidFill>
                     <a:srgbClr val="000000"/>
                   </a:solidFill>
@@ -5686,7 +5683,7 @@
             </a:ln>
             <a:extLst>
               <a:ext uri="{91240B29-F687-4f45-9708-019B960494DF}">
-                <a14:hiddenLine xmlns="" xmlns:a14="http://schemas.microsoft.com/office/drawing/2010/main" w="9525">
+                <a14:hiddenLine xmlns:a14="http://schemas.microsoft.com/office/drawing/2010/main" xmlns="" w="9525">
                   <a:solidFill>
                     <a:srgbClr val="000000"/>
                   </a:solidFill>
@@ -5754,7 +5751,7 @@
             </a:ln>
             <a:extLst>
               <a:ext uri="{91240B29-F687-4f45-9708-019B960494DF}">
-                <a14:hiddenLine xmlns="" xmlns:a14="http://schemas.microsoft.com/office/drawing/2010/main" w="9525">
+                <a14:hiddenLine xmlns:a14="http://schemas.microsoft.com/office/drawing/2010/main" xmlns="" w="9525">
                   <a:solidFill>
                     <a:srgbClr val="000000"/>
                   </a:solidFill>
@@ -5844,7 +5841,7 @@
             </a:ln>
             <a:extLst>
               <a:ext uri="{91240B29-F687-4f45-9708-019B960494DF}">
-                <a14:hiddenLine xmlns="" xmlns:a14="http://schemas.microsoft.com/office/drawing/2010/main" w="9525">
+                <a14:hiddenLine xmlns:a14="http://schemas.microsoft.com/office/drawing/2010/main" xmlns="" w="9525">
                   <a:solidFill>
                     <a:srgbClr val="000000"/>
                   </a:solidFill>
@@ -5878,7 +5875,7 @@
             </a:ln>
             <a:extLst>
               <a:ext uri="{91240B29-F687-4f45-9708-019B960494DF}">
-                <a14:hiddenLine xmlns="" xmlns:a14="http://schemas.microsoft.com/office/drawing/2010/main" w="9525">
+                <a14:hiddenLine xmlns:a14="http://schemas.microsoft.com/office/drawing/2010/main" xmlns="" w="9525">
                   <a:solidFill>
                     <a:srgbClr val="000000"/>
                   </a:solidFill>
@@ -5968,7 +5965,7 @@
             </a:ln>
             <a:extLst>
               <a:ext uri="{91240B29-F687-4f45-9708-019B960494DF}">
-                <a14:hiddenLine xmlns="" xmlns:a14="http://schemas.microsoft.com/office/drawing/2010/main" w="9525">
+                <a14:hiddenLine xmlns:a14="http://schemas.microsoft.com/office/drawing/2010/main" xmlns="" w="9525">
                   <a:solidFill>
                     <a:srgbClr val="000000"/>
                   </a:solidFill>
@@ -6030,7 +6027,7 @@
             </a:ln>
             <a:extLst>
               <a:ext uri="{91240B29-F687-4f45-9708-019B960494DF}">
-                <a14:hiddenLine xmlns="" xmlns:a14="http://schemas.microsoft.com/office/drawing/2010/main" w="9525">
+                <a14:hiddenLine xmlns:a14="http://schemas.microsoft.com/office/drawing/2010/main" xmlns="" w="9525">
                   <a:solidFill>
                     <a:srgbClr val="000000"/>
                   </a:solidFill>
@@ -6092,7 +6089,7 @@
             </a:ln>
             <a:extLst>
               <a:ext uri="{91240B29-F687-4f45-9708-019B960494DF}">
-                <a14:hiddenLine xmlns="" xmlns:a14="http://schemas.microsoft.com/office/drawing/2010/main" w="9525">
+                <a14:hiddenLine xmlns:a14="http://schemas.microsoft.com/office/drawing/2010/main" xmlns="" w="9525">
                   <a:solidFill>
                     <a:srgbClr val="000000"/>
                   </a:solidFill>
@@ -6182,7 +6179,7 @@
             </a:ln>
             <a:extLst>
               <a:ext uri="{91240B29-F687-4f45-9708-019B960494DF}">
-                <a14:hiddenLine xmlns="" xmlns:a14="http://schemas.microsoft.com/office/drawing/2010/main" w="9525">
+                <a14:hiddenLine xmlns:a14="http://schemas.microsoft.com/office/drawing/2010/main" xmlns="" w="9525">
                   <a:solidFill>
                     <a:srgbClr val="000000"/>
                   </a:solidFill>
@@ -6250,7 +6247,7 @@
             </a:ln>
             <a:extLst>
               <a:ext uri="{91240B29-F687-4f45-9708-019B960494DF}">
-                <a14:hiddenLine xmlns="" xmlns:a14="http://schemas.microsoft.com/office/drawing/2010/main" w="9525">
+                <a14:hiddenLine xmlns:a14="http://schemas.microsoft.com/office/drawing/2010/main" xmlns="" w="9525">
                   <a:solidFill>
                     <a:srgbClr val="000000"/>
                   </a:solidFill>
@@ -6312,7 +6309,7 @@
             </a:ln>
             <a:extLst>
               <a:ext uri="{91240B29-F687-4f45-9708-019B960494DF}">
-                <a14:hiddenLine xmlns="" xmlns:a14="http://schemas.microsoft.com/office/drawing/2010/main" w="9525">
+                <a14:hiddenLine xmlns:a14="http://schemas.microsoft.com/office/drawing/2010/main" xmlns="" w="9525">
                   <a:solidFill>
                     <a:srgbClr val="000000"/>
                   </a:solidFill>
@@ -6402,7 +6399,7 @@
             </a:ln>
             <a:extLst>
               <a:ext uri="{91240B29-F687-4f45-9708-019B960494DF}">
-                <a14:hiddenLine xmlns="" xmlns:a14="http://schemas.microsoft.com/office/drawing/2010/main" w="9525">
+                <a14:hiddenLine xmlns:a14="http://schemas.microsoft.com/office/drawing/2010/main" xmlns="" w="9525">
                   <a:solidFill>
                     <a:srgbClr val="000000"/>
                   </a:solidFill>
@@ -6464,7 +6461,7 @@
             </a:ln>
             <a:extLst>
               <a:ext uri="{91240B29-F687-4f45-9708-019B960494DF}">
-                <a14:hiddenLine xmlns="" xmlns:a14="http://schemas.microsoft.com/office/drawing/2010/main" w="9525">
+                <a14:hiddenLine xmlns:a14="http://schemas.microsoft.com/office/drawing/2010/main" xmlns="" w="9525">
                   <a:solidFill>
                     <a:srgbClr val="000000"/>
                   </a:solidFill>
@@ -6554,7 +6551,7 @@
             </a:ln>
             <a:extLst>
               <a:ext uri="{91240B29-F687-4f45-9708-019B960494DF}">
-                <a14:hiddenLine xmlns="" xmlns:a14="http://schemas.microsoft.com/office/drawing/2010/main" w="9525">
+                <a14:hiddenLine xmlns:a14="http://schemas.microsoft.com/office/drawing/2010/main" xmlns="" w="9525">
                   <a:solidFill>
                     <a:srgbClr val="000000"/>
                   </a:solidFill>
@@ -6616,7 +6613,7 @@
             </a:ln>
             <a:extLst>
               <a:ext uri="{91240B29-F687-4f45-9708-019B960494DF}">
-                <a14:hiddenLine xmlns="" xmlns:a14="http://schemas.microsoft.com/office/drawing/2010/main" w="9525">
+                <a14:hiddenLine xmlns:a14="http://schemas.microsoft.com/office/drawing/2010/main" xmlns="" w="9525">
                   <a:solidFill>
                     <a:srgbClr val="000000"/>
                   </a:solidFill>
@@ -6706,7 +6703,7 @@
             </a:ln>
             <a:extLst>
               <a:ext uri="{91240B29-F687-4f45-9708-019B960494DF}">
-                <a14:hiddenLine xmlns="" xmlns:a14="http://schemas.microsoft.com/office/drawing/2010/main" w="9525">
+                <a14:hiddenLine xmlns:a14="http://schemas.microsoft.com/office/drawing/2010/main" xmlns="" w="9525">
                   <a:solidFill>
                     <a:srgbClr val="000000"/>
                   </a:solidFill>
@@ -6740,7 +6737,7 @@
             </a:ln>
             <a:extLst>
               <a:ext uri="{91240B29-F687-4f45-9708-019B960494DF}">
-                <a14:hiddenLine xmlns="" xmlns:a14="http://schemas.microsoft.com/office/drawing/2010/main" w="9525">
+                <a14:hiddenLine xmlns:a14="http://schemas.microsoft.com/office/drawing/2010/main" xmlns="" w="9525">
                   <a:solidFill>
                     <a:srgbClr val="000000"/>
                   </a:solidFill>
@@ -6805,7 +6802,7 @@
             </a:ln>
             <a:extLst>
               <a:ext uri="{91240B29-F687-4f45-9708-019B960494DF}">
-                <a14:hiddenLine xmlns="" xmlns:a14="http://schemas.microsoft.com/office/drawing/2010/main" w="9525">
+                <a14:hiddenLine xmlns:a14="http://schemas.microsoft.com/office/drawing/2010/main" xmlns="" w="9525">
                   <a:solidFill>
                     <a:srgbClr val="000000"/>
                   </a:solidFill>
@@ -6895,7 +6892,7 @@
             </a:ln>
             <a:extLst>
               <a:ext uri="{91240B29-F687-4f45-9708-019B960494DF}">
-                <a14:hiddenLine xmlns="" xmlns:a14="http://schemas.microsoft.com/office/drawing/2010/main" w="9525">
+                <a14:hiddenLine xmlns:a14="http://schemas.microsoft.com/office/drawing/2010/main" xmlns="" w="9525">
                   <a:solidFill>
                     <a:srgbClr val="000000"/>
                   </a:solidFill>
@@ -6957,7 +6954,7 @@
             </a:ln>
             <a:extLst>
               <a:ext uri="{91240B29-F687-4f45-9708-019B960494DF}">
-                <a14:hiddenLine xmlns="" xmlns:a14="http://schemas.microsoft.com/office/drawing/2010/main" w="9525">
+                <a14:hiddenLine xmlns:a14="http://schemas.microsoft.com/office/drawing/2010/main" xmlns="" w="9525">
                   <a:solidFill>
                     <a:srgbClr val="000000"/>
                   </a:solidFill>
@@ -7047,7 +7044,7 @@
             </a:ln>
             <a:extLst>
               <a:ext uri="{91240B29-F687-4f45-9708-019B960494DF}">
-                <a14:hiddenLine xmlns="" xmlns:a14="http://schemas.microsoft.com/office/drawing/2010/main" w="9525">
+                <a14:hiddenLine xmlns:a14="http://schemas.microsoft.com/office/drawing/2010/main" xmlns="" w="9525">
                   <a:solidFill>
                     <a:srgbClr val="000000"/>
                   </a:solidFill>
@@ -7137,7 +7134,7 @@
             </a:ln>
             <a:extLst>
               <a:ext uri="{91240B29-F687-4f45-9708-019B960494DF}">
-                <a14:hiddenLine xmlns="" xmlns:a14="http://schemas.microsoft.com/office/drawing/2010/main" w="9525">
+                <a14:hiddenLine xmlns:a14="http://schemas.microsoft.com/office/drawing/2010/main" xmlns="" w="9525">
                   <a:solidFill>
                     <a:srgbClr val="000000"/>
                   </a:solidFill>
@@ -7202,7 +7199,7 @@
             </a:ln>
             <a:extLst>
               <a:ext uri="{91240B29-F687-4f45-9708-019B960494DF}">
-                <a14:hiddenLine xmlns="" xmlns:a14="http://schemas.microsoft.com/office/drawing/2010/main" w="9525">
+                <a14:hiddenLine xmlns:a14="http://schemas.microsoft.com/office/drawing/2010/main" xmlns="" w="9525">
                   <a:solidFill>
                     <a:srgbClr val="000000"/>
                   </a:solidFill>
@@ -7264,7 +7261,7 @@
             </a:ln>
             <a:extLst>
               <a:ext uri="{91240B29-F687-4f45-9708-019B960494DF}">
-                <a14:hiddenLine xmlns="" xmlns:a14="http://schemas.microsoft.com/office/drawing/2010/main" w="9525">
+                <a14:hiddenLine xmlns:a14="http://schemas.microsoft.com/office/drawing/2010/main" xmlns="" w="9525">
                   <a:solidFill>
                     <a:srgbClr val="000000"/>
                   </a:solidFill>
@@ -7354,7 +7351,7 @@
             </a:ln>
             <a:extLst>
               <a:ext uri="{91240B29-F687-4f45-9708-019B960494DF}">
-                <a14:hiddenLine xmlns="" xmlns:a14="http://schemas.microsoft.com/office/drawing/2010/main" w="9525">
+                <a14:hiddenLine xmlns:a14="http://schemas.microsoft.com/office/drawing/2010/main" xmlns="" w="9525">
                   <a:solidFill>
                     <a:srgbClr val="000000"/>
                   </a:solidFill>
@@ -7444,7 +7441,7 @@
             </a:ln>
             <a:extLst>
               <a:ext uri="{91240B29-F687-4f45-9708-019B960494DF}">
-                <a14:hiddenLine xmlns="" xmlns:a14="http://schemas.microsoft.com/office/drawing/2010/main" w="9525">
+                <a14:hiddenLine xmlns:a14="http://schemas.microsoft.com/office/drawing/2010/main" xmlns="" w="9525">
                   <a:solidFill>
                     <a:srgbClr val="000000"/>
                   </a:solidFill>
@@ -7506,7 +7503,7 @@
             </a:ln>
             <a:extLst>
               <a:ext uri="{91240B29-F687-4f45-9708-019B960494DF}">
-                <a14:hiddenLine xmlns="" xmlns:a14="http://schemas.microsoft.com/office/drawing/2010/main" w="9525">
+                <a14:hiddenLine xmlns:a14="http://schemas.microsoft.com/office/drawing/2010/main" xmlns="" w="9525">
                   <a:solidFill>
                     <a:srgbClr val="000000"/>
                   </a:solidFill>
@@ -7626,7 +7623,7 @@
             </a:ln>
             <a:extLst>
               <a:ext uri="{91240B29-F687-4f45-9708-019B960494DF}">
-                <a14:hiddenLine xmlns="" xmlns:a14="http://schemas.microsoft.com/office/drawing/2010/main" w="9525">
+                <a14:hiddenLine xmlns:a14="http://schemas.microsoft.com/office/drawing/2010/main" xmlns="" w="9525">
                   <a:solidFill>
                     <a:srgbClr val="000000"/>
                   </a:solidFill>
@@ -7694,7 +7691,7 @@
             </a:ln>
             <a:extLst>
               <a:ext uri="{91240B29-F687-4f45-9708-019B960494DF}">
-                <a14:hiddenLine xmlns="" xmlns:a14="http://schemas.microsoft.com/office/drawing/2010/main" w="9525">
+                <a14:hiddenLine xmlns:a14="http://schemas.microsoft.com/office/drawing/2010/main" xmlns="" w="9525">
                   <a:solidFill>
                     <a:srgbClr val="000000"/>
                   </a:solidFill>
@@ -7784,7 +7781,7 @@
             </a:ln>
             <a:extLst>
               <a:ext uri="{91240B29-F687-4f45-9708-019B960494DF}">
-                <a14:hiddenLine xmlns="" xmlns:a14="http://schemas.microsoft.com/office/drawing/2010/main" w="9525">
+                <a14:hiddenLine xmlns:a14="http://schemas.microsoft.com/office/drawing/2010/main" xmlns="" w="9525">
                   <a:solidFill>
                     <a:srgbClr val="000000"/>
                   </a:solidFill>
@@ -12513,7 +12510,7 @@
           <a:noFill/>
           <a:extLst>
             <a:ext uri="{909E8E84-426E-40dd-AFC4-6F175D3DCCD1}">
-              <a14:hiddenFill xmlns="" xmlns:a14="http://schemas.microsoft.com/office/drawing/2010/main">
+              <a14:hiddenFill xmlns:a14="http://schemas.microsoft.com/office/drawing/2010/main" xmlns="">
                 <a:solidFill>
                   <a:srgbClr val="FFFFFF"/>
                 </a:solidFill>
@@ -12587,7 +12584,7 @@
               </a:ln>
               <a:extLst>
                 <a:ext uri="{91240B29-F687-4f45-9708-019B960494DF}">
-                  <a14:hiddenLine xmlns="" xmlns:a14="http://schemas.microsoft.com/office/drawing/2010/main" w="9525">
+                  <a14:hiddenLine xmlns:a14="http://schemas.microsoft.com/office/drawing/2010/main" xmlns="" w="9525">
                     <a:solidFill>
                       <a:srgbClr val="000000"/>
                     </a:solidFill>
@@ -12677,7 +12674,7 @@
               </a:ln>
               <a:extLst>
                 <a:ext uri="{91240B29-F687-4f45-9708-019B960494DF}">
-                  <a14:hiddenLine xmlns="" xmlns:a14="http://schemas.microsoft.com/office/drawing/2010/main" w="9525">
+                  <a14:hiddenLine xmlns:a14="http://schemas.microsoft.com/office/drawing/2010/main" xmlns="" w="9525">
                     <a:solidFill>
                       <a:srgbClr val="000000"/>
                     </a:solidFill>
@@ -12767,7 +12764,7 @@
               </a:ln>
               <a:extLst>
                 <a:ext uri="{91240B29-F687-4f45-9708-019B960494DF}">
-                  <a14:hiddenLine xmlns="" xmlns:a14="http://schemas.microsoft.com/office/drawing/2010/main" w="9525">
+                  <a14:hiddenLine xmlns:a14="http://schemas.microsoft.com/office/drawing/2010/main" xmlns="" w="9525">
                     <a:solidFill>
                       <a:srgbClr val="000000"/>
                     </a:solidFill>
@@ -12829,7 +12826,7 @@
               </a:ln>
               <a:extLst>
                 <a:ext uri="{91240B29-F687-4f45-9708-019B960494DF}">
-                  <a14:hiddenLine xmlns="" xmlns:a14="http://schemas.microsoft.com/office/drawing/2010/main" w="9525">
+                  <a14:hiddenLine xmlns:a14="http://schemas.microsoft.com/office/drawing/2010/main" xmlns="" w="9525">
                     <a:solidFill>
                       <a:srgbClr val="000000"/>
                     </a:solidFill>
@@ -12919,7 +12916,7 @@
               </a:ln>
               <a:extLst>
                 <a:ext uri="{91240B29-F687-4f45-9708-019B960494DF}">
-                  <a14:hiddenLine xmlns="" xmlns:a14="http://schemas.microsoft.com/office/drawing/2010/main" w="9525">
+                  <a14:hiddenLine xmlns:a14="http://schemas.microsoft.com/office/drawing/2010/main" xmlns="" w="9525">
                     <a:solidFill>
                       <a:srgbClr val="000000"/>
                     </a:solidFill>
@@ -12981,7 +12978,7 @@
               </a:ln>
               <a:extLst>
                 <a:ext uri="{91240B29-F687-4f45-9708-019B960494DF}">
-                  <a14:hiddenLine xmlns="" xmlns:a14="http://schemas.microsoft.com/office/drawing/2010/main" w="9525">
+                  <a14:hiddenLine xmlns:a14="http://schemas.microsoft.com/office/drawing/2010/main" xmlns="" w="9525">
                     <a:solidFill>
                       <a:srgbClr val="000000"/>
                     </a:solidFill>
@@ -13043,7 +13040,7 @@
               </a:ln>
               <a:extLst>
                 <a:ext uri="{91240B29-F687-4f45-9708-019B960494DF}">
-                  <a14:hiddenLine xmlns="" xmlns:a14="http://schemas.microsoft.com/office/drawing/2010/main" w="9525">
+                  <a14:hiddenLine xmlns:a14="http://schemas.microsoft.com/office/drawing/2010/main" xmlns="" w="9525">
                     <a:solidFill>
                       <a:srgbClr val="000000"/>
                     </a:solidFill>
@@ -13133,7 +13130,7 @@
               </a:ln>
               <a:extLst>
                 <a:ext uri="{91240B29-F687-4f45-9708-019B960494DF}">
-                  <a14:hiddenLine xmlns="" xmlns:a14="http://schemas.microsoft.com/office/drawing/2010/main" w="9525">
+                  <a14:hiddenLine xmlns:a14="http://schemas.microsoft.com/office/drawing/2010/main" xmlns="" w="9525">
                     <a:solidFill>
                       <a:srgbClr val="000000"/>
                     </a:solidFill>
@@ -13223,7 +13220,7 @@
               </a:ln>
               <a:extLst>
                 <a:ext uri="{91240B29-F687-4f45-9708-019B960494DF}">
-                  <a14:hiddenLine xmlns="" xmlns:a14="http://schemas.microsoft.com/office/drawing/2010/main" w="9525">
+                  <a14:hiddenLine xmlns:a14="http://schemas.microsoft.com/office/drawing/2010/main" xmlns="" w="9525">
                     <a:solidFill>
                       <a:srgbClr val="000000"/>
                     </a:solidFill>
@@ -13285,7 +13282,7 @@
               </a:ln>
               <a:extLst>
                 <a:ext uri="{91240B29-F687-4f45-9708-019B960494DF}">
-                  <a14:hiddenLine xmlns="" xmlns:a14="http://schemas.microsoft.com/office/drawing/2010/main" w="9525">
+                  <a14:hiddenLine xmlns:a14="http://schemas.microsoft.com/office/drawing/2010/main" xmlns="" w="9525">
                     <a:solidFill>
                       <a:srgbClr val="000000"/>
                     </a:solidFill>
@@ -13395,7 +13392,7 @@
               </a:ln>
               <a:extLst>
                 <a:ext uri="{91240B29-F687-4f45-9708-019B960494DF}">
-                  <a14:hiddenLine xmlns="" xmlns:a14="http://schemas.microsoft.com/office/drawing/2010/main" w="9525">
+                  <a14:hiddenLine xmlns:a14="http://schemas.microsoft.com/office/drawing/2010/main" xmlns="" w="9525">
                     <a:solidFill>
                       <a:srgbClr val="000000"/>
                     </a:solidFill>
@@ -13479,7 +13476,7 @@
               </a:ln>
               <a:extLst>
                 <a:ext uri="{91240B29-F687-4f45-9708-019B960494DF}">
-                  <a14:hiddenLine xmlns="" xmlns:a14="http://schemas.microsoft.com/office/drawing/2010/main" w="9525">
+                  <a14:hiddenLine xmlns:a14="http://schemas.microsoft.com/office/drawing/2010/main" xmlns="" w="9525">
                     <a:solidFill>
                       <a:srgbClr val="000000"/>
                     </a:solidFill>
@@ -13541,7 +13538,7 @@
               </a:ln>
               <a:extLst>
                 <a:ext uri="{91240B29-F687-4f45-9708-019B960494DF}">
-                  <a14:hiddenLine xmlns="" xmlns:a14="http://schemas.microsoft.com/office/drawing/2010/main" w="9525">
+                  <a14:hiddenLine xmlns:a14="http://schemas.microsoft.com/office/drawing/2010/main" xmlns="" w="9525">
                     <a:solidFill>
                       <a:srgbClr val="000000"/>
                     </a:solidFill>
@@ -13603,7 +13600,7 @@
               </a:ln>
               <a:extLst>
                 <a:ext uri="{91240B29-F687-4f45-9708-019B960494DF}">
-                  <a14:hiddenLine xmlns="" xmlns:a14="http://schemas.microsoft.com/office/drawing/2010/main" w="9525">
+                  <a14:hiddenLine xmlns:a14="http://schemas.microsoft.com/office/drawing/2010/main" xmlns="" w="9525">
                     <a:solidFill>
                       <a:srgbClr val="000000"/>
                     </a:solidFill>
@@ -13693,7 +13690,7 @@
               </a:ln>
               <a:extLst>
                 <a:ext uri="{91240B29-F687-4f45-9708-019B960494DF}">
-                  <a14:hiddenLine xmlns="" xmlns:a14="http://schemas.microsoft.com/office/drawing/2010/main" w="9525">
+                  <a14:hiddenLine xmlns:a14="http://schemas.microsoft.com/office/drawing/2010/main" xmlns="" w="9525">
                     <a:solidFill>
                       <a:srgbClr val="000000"/>
                     </a:solidFill>
@@ -13727,7 +13724,7 @@
               </a:ln>
               <a:extLst>
                 <a:ext uri="{91240B29-F687-4f45-9708-019B960494DF}">
-                  <a14:hiddenLine xmlns="" xmlns:a14="http://schemas.microsoft.com/office/drawing/2010/main" w="9525">
+                  <a14:hiddenLine xmlns:a14="http://schemas.microsoft.com/office/drawing/2010/main" xmlns="" w="9525">
                     <a:solidFill>
                       <a:srgbClr val="000000"/>
                     </a:solidFill>
@@ -13792,7 +13789,7 @@
               </a:ln>
               <a:extLst>
                 <a:ext uri="{91240B29-F687-4f45-9708-019B960494DF}">
-                  <a14:hiddenLine xmlns="" xmlns:a14="http://schemas.microsoft.com/office/drawing/2010/main" w="9525">
+                  <a14:hiddenLine xmlns:a14="http://schemas.microsoft.com/office/drawing/2010/main" xmlns="" w="9525">
                     <a:solidFill>
                       <a:srgbClr val="000000"/>
                     </a:solidFill>
@@ -13882,7 +13879,7 @@
               </a:ln>
               <a:extLst>
                 <a:ext uri="{91240B29-F687-4f45-9708-019B960494DF}">
-                  <a14:hiddenLine xmlns="" xmlns:a14="http://schemas.microsoft.com/office/drawing/2010/main" w="9525">
+                  <a14:hiddenLine xmlns:a14="http://schemas.microsoft.com/office/drawing/2010/main" xmlns="" w="9525">
                     <a:solidFill>
                       <a:srgbClr val="000000"/>
                     </a:solidFill>
@@ -13944,7 +13941,7 @@
               </a:ln>
               <a:extLst>
                 <a:ext uri="{91240B29-F687-4f45-9708-019B960494DF}">
-                  <a14:hiddenLine xmlns="" xmlns:a14="http://schemas.microsoft.com/office/drawing/2010/main" w="9525">
+                  <a14:hiddenLine xmlns:a14="http://schemas.microsoft.com/office/drawing/2010/main" xmlns="" w="9525">
                     <a:solidFill>
                       <a:srgbClr val="000000"/>
                     </a:solidFill>
@@ -14034,7 +14031,7 @@
               </a:ln>
               <a:extLst>
                 <a:ext uri="{91240B29-F687-4f45-9708-019B960494DF}">
-                  <a14:hiddenLine xmlns="" xmlns:a14="http://schemas.microsoft.com/office/drawing/2010/main" w="9525">
+                  <a14:hiddenLine xmlns:a14="http://schemas.microsoft.com/office/drawing/2010/main" xmlns="" w="9525">
                     <a:solidFill>
                       <a:srgbClr val="000000"/>
                     </a:solidFill>
@@ -14099,7 +14096,7 @@
               </a:ln>
               <a:extLst>
                 <a:ext uri="{91240B29-F687-4f45-9708-019B960494DF}">
-                  <a14:hiddenLine xmlns="" xmlns:a14="http://schemas.microsoft.com/office/drawing/2010/main" w="9525">
+                  <a14:hiddenLine xmlns:a14="http://schemas.microsoft.com/office/drawing/2010/main" xmlns="" w="9525">
                     <a:solidFill>
                       <a:srgbClr val="000000"/>
                     </a:solidFill>
@@ -14161,7 +14158,7 @@
               </a:ln>
               <a:extLst>
                 <a:ext uri="{91240B29-F687-4f45-9708-019B960494DF}">
-                  <a14:hiddenLine xmlns="" xmlns:a14="http://schemas.microsoft.com/office/drawing/2010/main" w="9525">
+                  <a14:hiddenLine xmlns:a14="http://schemas.microsoft.com/office/drawing/2010/main" xmlns="" w="9525">
                     <a:solidFill>
                       <a:srgbClr val="000000"/>
                     </a:solidFill>
@@ -14251,7 +14248,7 @@
               </a:ln>
               <a:extLst>
                 <a:ext uri="{91240B29-F687-4f45-9708-019B960494DF}">
-                  <a14:hiddenLine xmlns="" xmlns:a14="http://schemas.microsoft.com/office/drawing/2010/main" w="9525">
+                  <a14:hiddenLine xmlns:a14="http://schemas.microsoft.com/office/drawing/2010/main" xmlns="" w="9525">
                     <a:solidFill>
                       <a:srgbClr val="000000"/>
                     </a:solidFill>
@@ -14341,7 +14338,7 @@
               </a:ln>
               <a:extLst>
                 <a:ext uri="{91240B29-F687-4f45-9708-019B960494DF}">
-                  <a14:hiddenLine xmlns="" xmlns:a14="http://schemas.microsoft.com/office/drawing/2010/main" w="9525">
+                  <a14:hiddenLine xmlns:a14="http://schemas.microsoft.com/office/drawing/2010/main" xmlns="" w="9525">
                     <a:solidFill>
                       <a:srgbClr val="000000"/>
                     </a:solidFill>
@@ -14406,7 +14403,7 @@
               </a:ln>
               <a:extLst>
                 <a:ext uri="{91240B29-F687-4f45-9708-019B960494DF}">
-                  <a14:hiddenLine xmlns="" xmlns:a14="http://schemas.microsoft.com/office/drawing/2010/main" w="9525">
+                  <a14:hiddenLine xmlns:a14="http://schemas.microsoft.com/office/drawing/2010/main" xmlns="" w="9525">
                     <a:solidFill>
                       <a:srgbClr val="000000"/>
                     </a:solidFill>
@@ -14526,7 +14523,7 @@
               </a:ln>
               <a:extLst>
                 <a:ext uri="{91240B29-F687-4f45-9708-019B960494DF}">
-                  <a14:hiddenLine xmlns="" xmlns:a14="http://schemas.microsoft.com/office/drawing/2010/main" w="9525">
+                  <a14:hiddenLine xmlns:a14="http://schemas.microsoft.com/office/drawing/2010/main" xmlns="" w="9525">
                     <a:solidFill>
                       <a:srgbClr val="000000"/>
                     </a:solidFill>
@@ -14607,7 +14604,7 @@
               </a:ln>
               <a:extLst>
                 <a:ext uri="{91240B29-F687-4f45-9708-019B960494DF}">
-                  <a14:hiddenLine xmlns="" xmlns:a14="http://schemas.microsoft.com/office/drawing/2010/main" w="9525">
+                  <a14:hiddenLine xmlns:a14="http://schemas.microsoft.com/office/drawing/2010/main" xmlns="" w="9525">
                     <a:solidFill>
                       <a:srgbClr val="000000"/>
                     </a:solidFill>
@@ -14722,7 +14719,7 @@
               </a:ln>
               <a:extLst>
                 <a:ext uri="{91240B29-F687-4f45-9708-019B960494DF}">
-                  <a14:hiddenLine xmlns="" xmlns:a14="http://schemas.microsoft.com/office/drawing/2010/main" w="9525">
+                  <a14:hiddenLine xmlns:a14="http://schemas.microsoft.com/office/drawing/2010/main" xmlns="" w="9525">
                     <a:solidFill>
                       <a:srgbClr val="000000"/>
                     </a:solidFill>
@@ -14812,7 +14809,7 @@
               </a:ln>
               <a:extLst>
                 <a:ext uri="{91240B29-F687-4f45-9708-019B960494DF}">
-                  <a14:hiddenLine xmlns="" xmlns:a14="http://schemas.microsoft.com/office/drawing/2010/main" w="9525">
+                  <a14:hiddenLine xmlns:a14="http://schemas.microsoft.com/office/drawing/2010/main" xmlns="" w="9525">
                     <a:solidFill>
                       <a:srgbClr val="000000"/>
                     </a:solidFill>
@@ -14877,7 +14874,7 @@
               </a:ln>
               <a:extLst>
                 <a:ext uri="{91240B29-F687-4f45-9708-019B960494DF}">
-                  <a14:hiddenLine xmlns="" xmlns:a14="http://schemas.microsoft.com/office/drawing/2010/main" w="9525">
+                  <a14:hiddenLine xmlns:a14="http://schemas.microsoft.com/office/drawing/2010/main" xmlns="" w="9525">
                     <a:solidFill>
                       <a:srgbClr val="000000"/>
                     </a:solidFill>
@@ -14967,7 +14964,7 @@
               </a:ln>
               <a:extLst>
                 <a:ext uri="{91240B29-F687-4f45-9708-019B960494DF}">
-                  <a14:hiddenLine xmlns="" xmlns:a14="http://schemas.microsoft.com/office/drawing/2010/main" w="9525">
+                  <a14:hiddenLine xmlns:a14="http://schemas.microsoft.com/office/drawing/2010/main" xmlns="" w="9525">
                     <a:solidFill>
                       <a:srgbClr val="000000"/>
                     </a:solidFill>
@@ -15035,7 +15032,7 @@
               </a:ln>
               <a:extLst>
                 <a:ext uri="{91240B29-F687-4f45-9708-019B960494DF}">
-                  <a14:hiddenLine xmlns="" xmlns:a14="http://schemas.microsoft.com/office/drawing/2010/main" w="9525">
+                  <a14:hiddenLine xmlns:a14="http://schemas.microsoft.com/office/drawing/2010/main" xmlns="" w="9525">
                     <a:solidFill>
                       <a:srgbClr val="000000"/>
                     </a:solidFill>
@@ -15125,7 +15122,7 @@
               </a:ln>
               <a:extLst>
                 <a:ext uri="{91240B29-F687-4f45-9708-019B960494DF}">
-                  <a14:hiddenLine xmlns="" xmlns:a14="http://schemas.microsoft.com/office/drawing/2010/main" w="9525">
+                  <a14:hiddenLine xmlns:a14="http://schemas.microsoft.com/office/drawing/2010/main" xmlns="" w="9525">
                     <a:solidFill>
                       <a:srgbClr val="000000"/>
                     </a:solidFill>
@@ -15193,7 +15190,7 @@
               </a:ln>
               <a:extLst>
                 <a:ext uri="{91240B29-F687-4f45-9708-019B960494DF}">
-                  <a14:hiddenLine xmlns="" xmlns:a14="http://schemas.microsoft.com/office/drawing/2010/main" w="9525">
+                  <a14:hiddenLine xmlns:a14="http://schemas.microsoft.com/office/drawing/2010/main" xmlns="" w="9525">
                     <a:solidFill>
                       <a:srgbClr val="000000"/>
                     </a:solidFill>
@@ -15283,7 +15280,7 @@
               </a:ln>
               <a:extLst>
                 <a:ext uri="{91240B29-F687-4f45-9708-019B960494DF}">
-                  <a14:hiddenLine xmlns="" xmlns:a14="http://schemas.microsoft.com/office/drawing/2010/main" w="9525">
+                  <a14:hiddenLine xmlns:a14="http://schemas.microsoft.com/office/drawing/2010/main" xmlns="" w="9525">
                     <a:solidFill>
                       <a:srgbClr val="000000"/>
                     </a:solidFill>
@@ -15317,7 +15314,7 @@
               </a:ln>
               <a:extLst>
                 <a:ext uri="{91240B29-F687-4f45-9708-019B960494DF}">
-                  <a14:hiddenLine xmlns="" xmlns:a14="http://schemas.microsoft.com/office/drawing/2010/main" w="9525">
+                  <a14:hiddenLine xmlns:a14="http://schemas.microsoft.com/office/drawing/2010/main" xmlns="" w="9525">
                     <a:solidFill>
                       <a:srgbClr val="000000"/>
                     </a:solidFill>
@@ -23406,24 +23403,12 @@
               <a:rPr lang="de-CH" dirty="0" smtClean="0"/>
               <a:t>Keine geordneten </a:t>
             </a:r>
-            <a:r>
-              <a:rPr lang="de-CH" dirty="0" smtClean="0"/>
-              <a:t/>
-            </a:r>
             <a:br>
               <a:rPr lang="de-CH" dirty="0" smtClean="0"/>
             </a:br>
             <a:r>
               <a:rPr lang="de-CH" dirty="0" smtClean="0"/>
-              <a:t>(</a:t>
-            </a:r>
-            <a:r>
-              <a:rPr lang="de-CH" dirty="0" smtClean="0"/>
-              <a:t>labeled) </a:t>
-            </a:r>
-            <a:r>
-              <a:rPr lang="de-CH" dirty="0" smtClean="0"/>
-              <a:t>Daten</a:t>
+              <a:t>(labeled) Daten</a:t>
             </a:r>
           </a:p>
           <a:p>
@@ -23435,7 +23420,6 @@
               <a:rPr lang="de-CH" dirty="0" smtClean="0"/>
               <a:t>Schlüsse werden gezogen</a:t>
             </a:r>
-            <a:endParaRPr lang="de-CH" dirty="0" smtClean="0"/>
           </a:p>
           <a:p>
             <a:pPr marL="457200" indent="-457200">
@@ -23446,20 +23430,12 @@
               <a:rPr lang="de-CH" dirty="0" smtClean="0"/>
               <a:t>Neue Strukturen/Muster </a:t>
             </a:r>
-            <a:r>
-              <a:rPr lang="de-CH" dirty="0" smtClean="0"/>
-              <a:t/>
-            </a:r>
             <a:br>
               <a:rPr lang="de-CH" dirty="0" smtClean="0"/>
             </a:br>
             <a:r>
               <a:rPr lang="de-CH" dirty="0" smtClean="0"/>
-              <a:t>werden </a:t>
-            </a:r>
-            <a:r>
-              <a:rPr lang="de-CH" dirty="0" smtClean="0"/>
-              <a:t>erkannt </a:t>
+              <a:t>werden erkannt </a:t>
             </a:r>
             <a:endParaRPr lang="de-CH" dirty="0"/>
           </a:p>
@@ -24546,6 +24522,160 @@
 </file>
 
 <file path=ppt/slides/slide36.xml><?xml version="1.0" encoding="utf-8"?>
+<p:sld xmlns:a="http://schemas.openxmlformats.org/drawingml/2006/main" xmlns:r="http://schemas.openxmlformats.org/officeDocument/2006/relationships" xmlns:p="http://schemas.openxmlformats.org/presentationml/2006/main">
+  <p:cSld>
+    <p:spTree>
+      <p:nvGrpSpPr>
+        <p:cNvPr id="1" name=""/>
+        <p:cNvGrpSpPr/>
+        <p:nvPr/>
+      </p:nvGrpSpPr>
+      <p:grpSpPr>
+        <a:xfrm>
+          <a:off x="0" y="0"/>
+          <a:ext cx="0" cy="0"/>
+          <a:chOff x="0" y="0"/>
+          <a:chExt cx="0" cy="0"/>
+        </a:xfrm>
+      </p:grpSpPr>
+      <p:sp>
+        <p:nvSpPr>
+          <p:cNvPr id="2" name="Title 1"/>
+          <p:cNvSpPr>
+            <a:spLocks noGrp="1"/>
+          </p:cNvSpPr>
+          <p:nvPr>
+            <p:ph type="title"/>
+          </p:nvPr>
+        </p:nvSpPr>
+        <p:spPr/>
+        <p:txBody>
+          <a:bodyPr/>
+          <a:lstStyle/>
+          <a:p>
+            <a:r>
+              <a:rPr lang="de-CH" dirty="0" smtClean="0"/>
+              <a:t>Ideen</a:t>
+            </a:r>
+            <a:endParaRPr lang="de-CH" dirty="0"/>
+          </a:p>
+        </p:txBody>
+      </p:sp>
+      <p:sp>
+        <p:nvSpPr>
+          <p:cNvPr id="3" name="Content Placeholder 2"/>
+          <p:cNvSpPr>
+            <a:spLocks noGrp="1"/>
+          </p:cNvSpPr>
+          <p:nvPr>
+            <p:ph idx="1"/>
+          </p:nvPr>
+        </p:nvSpPr>
+        <p:spPr/>
+        <p:txBody>
+          <a:bodyPr/>
+          <a:lstStyle/>
+          <a:p>
+            <a:r>
+              <a:rPr lang="de-CH" dirty="0" smtClean="0"/>
+              <a:t>Übersicht über Algorithmen</a:t>
+            </a:r>
+          </a:p>
+          <a:p>
+            <a:r>
+              <a:rPr lang="de-CH" dirty="0" smtClean="0"/>
+              <a:t>Zitate</a:t>
+            </a:r>
+          </a:p>
+          <a:p>
+            <a:r>
+              <a:rPr lang="de-CH" dirty="0" err="1" smtClean="0"/>
+              <a:t>No</a:t>
+            </a:r>
+            <a:r>
+              <a:rPr lang="de-CH" dirty="0" smtClean="0"/>
+              <a:t> </a:t>
+            </a:r>
+            <a:r>
+              <a:rPr lang="de-CH" dirty="0" err="1" smtClean="0"/>
+              <a:t>you’re</a:t>
+            </a:r>
+            <a:r>
+              <a:rPr lang="de-CH" dirty="0" smtClean="0"/>
+              <a:t> </a:t>
+            </a:r>
+            <a:r>
+              <a:rPr lang="de-CH" dirty="0" err="1" smtClean="0"/>
+              <a:t>ready</a:t>
+            </a:r>
+            <a:r>
+              <a:rPr lang="de-CH" dirty="0" smtClean="0"/>
+              <a:t> </a:t>
+            </a:r>
+            <a:r>
+              <a:rPr lang="de-CH" dirty="0" err="1" smtClean="0"/>
+              <a:t>to</a:t>
+            </a:r>
+            <a:r>
+              <a:rPr lang="de-CH" dirty="0" smtClean="0"/>
+              <a:t> </a:t>
+            </a:r>
+            <a:r>
+              <a:rPr lang="de-CH" dirty="0" err="1" smtClean="0"/>
+              <a:t>explore</a:t>
+            </a:r>
+            <a:r>
+              <a:rPr lang="de-CH" dirty="0" smtClean="0"/>
+              <a:t> </a:t>
+            </a:r>
+            <a:r>
+              <a:rPr lang="de-CH" dirty="0" err="1" smtClean="0"/>
+              <a:t>yourself</a:t>
+            </a:r>
+            <a:endParaRPr lang="de-CH" dirty="0" smtClean="0"/>
+          </a:p>
+          <a:p>
+            <a:r>
+              <a:rPr lang="de-CH" smtClean="0"/>
+              <a:t>links</a:t>
+            </a:r>
+            <a:endParaRPr lang="de-CH"/>
+          </a:p>
+        </p:txBody>
+      </p:sp>
+      <p:sp>
+        <p:nvSpPr>
+          <p:cNvPr id="4" name="Text Placeholder 3"/>
+          <p:cNvSpPr>
+            <a:spLocks noGrp="1"/>
+          </p:cNvSpPr>
+          <p:nvPr>
+            <p:ph type="body" sz="half" idx="2"/>
+          </p:nvPr>
+        </p:nvSpPr>
+        <p:spPr/>
+        <p:txBody>
+          <a:bodyPr/>
+          <a:lstStyle/>
+          <a:p>
+            <a:endParaRPr lang="de-CH"/>
+          </a:p>
+        </p:txBody>
+      </p:sp>
+    </p:spTree>
+    <p:extLst>
+      <p:ext uri="{BB962C8B-B14F-4D97-AF65-F5344CB8AC3E}">
+        <p14:creationId xmlns:p14="http://schemas.microsoft.com/office/powerpoint/2010/main" val="3513540891"/>
+      </p:ext>
+    </p:extLst>
+  </p:cSld>
+  <p:clrMapOvr>
+    <a:masterClrMapping/>
+  </p:clrMapOvr>
+</p:sld>
+</file>
+
+<file path=ppt/slides/slide37.xml><?xml version="1.0" encoding="utf-8"?>
 <p:sld xmlns:a="http://schemas.openxmlformats.org/drawingml/2006/main" xmlns:r="http://schemas.openxmlformats.org/officeDocument/2006/relationships" xmlns:p="http://schemas.openxmlformats.org/presentationml/2006/main">
   <p:cSld>
     <p:spTree>

--- a/presentation.pptx
+++ b/presentation.pptx
@@ -5,46 +5,50 @@
     <p:sldMasterId id="2147483648" r:id="rId1"/>
   </p:sldMasterIdLst>
   <p:notesMasterIdLst>
-    <p:notesMasterId r:id="rId39"/>
+    <p:notesMasterId r:id="rId43"/>
   </p:notesMasterIdLst>
   <p:sldIdLst>
     <p:sldId id="256" r:id="rId2"/>
     <p:sldId id="257" r:id="rId3"/>
     <p:sldId id="258" r:id="rId4"/>
-    <p:sldId id="259" r:id="rId5"/>
-    <p:sldId id="261" r:id="rId6"/>
-    <p:sldId id="262" r:id="rId7"/>
-    <p:sldId id="263" r:id="rId8"/>
-    <p:sldId id="264" r:id="rId9"/>
-    <p:sldId id="267" r:id="rId10"/>
-    <p:sldId id="268" r:id="rId11"/>
-    <p:sldId id="265" r:id="rId12"/>
-    <p:sldId id="266" r:id="rId13"/>
-    <p:sldId id="269" r:id="rId14"/>
-    <p:sldId id="270" r:id="rId15"/>
-    <p:sldId id="272" r:id="rId16"/>
-    <p:sldId id="271" r:id="rId17"/>
-    <p:sldId id="273" r:id="rId18"/>
-    <p:sldId id="277" r:id="rId19"/>
-    <p:sldId id="276" r:id="rId20"/>
-    <p:sldId id="275" r:id="rId21"/>
-    <p:sldId id="278" r:id="rId22"/>
-    <p:sldId id="287" r:id="rId23"/>
-    <p:sldId id="286" r:id="rId24"/>
-    <p:sldId id="281" r:id="rId25"/>
-    <p:sldId id="283" r:id="rId26"/>
-    <p:sldId id="284" r:id="rId27"/>
-    <p:sldId id="285" r:id="rId28"/>
-    <p:sldId id="279" r:id="rId29"/>
-    <p:sldId id="280" r:id="rId30"/>
-    <p:sldId id="282" r:id="rId31"/>
-    <p:sldId id="289" r:id="rId32"/>
-    <p:sldId id="291" r:id="rId33"/>
-    <p:sldId id="290" r:id="rId34"/>
-    <p:sldId id="292" r:id="rId35"/>
-    <p:sldId id="293" r:id="rId36"/>
-    <p:sldId id="294" r:id="rId37"/>
-    <p:sldId id="288" r:id="rId38"/>
+    <p:sldId id="296" r:id="rId5"/>
+    <p:sldId id="298" r:id="rId6"/>
+    <p:sldId id="297" r:id="rId7"/>
+    <p:sldId id="295" r:id="rId8"/>
+    <p:sldId id="259" r:id="rId9"/>
+    <p:sldId id="261" r:id="rId10"/>
+    <p:sldId id="262" r:id="rId11"/>
+    <p:sldId id="263" r:id="rId12"/>
+    <p:sldId id="264" r:id="rId13"/>
+    <p:sldId id="267" r:id="rId14"/>
+    <p:sldId id="268" r:id="rId15"/>
+    <p:sldId id="265" r:id="rId16"/>
+    <p:sldId id="266" r:id="rId17"/>
+    <p:sldId id="269" r:id="rId18"/>
+    <p:sldId id="270" r:id="rId19"/>
+    <p:sldId id="272" r:id="rId20"/>
+    <p:sldId id="271" r:id="rId21"/>
+    <p:sldId id="273" r:id="rId22"/>
+    <p:sldId id="277" r:id="rId23"/>
+    <p:sldId id="276" r:id="rId24"/>
+    <p:sldId id="275" r:id="rId25"/>
+    <p:sldId id="278" r:id="rId26"/>
+    <p:sldId id="287" r:id="rId27"/>
+    <p:sldId id="286" r:id="rId28"/>
+    <p:sldId id="281" r:id="rId29"/>
+    <p:sldId id="283" r:id="rId30"/>
+    <p:sldId id="284" r:id="rId31"/>
+    <p:sldId id="285" r:id="rId32"/>
+    <p:sldId id="279" r:id="rId33"/>
+    <p:sldId id="280" r:id="rId34"/>
+    <p:sldId id="282" r:id="rId35"/>
+    <p:sldId id="289" r:id="rId36"/>
+    <p:sldId id="291" r:id="rId37"/>
+    <p:sldId id="290" r:id="rId38"/>
+    <p:sldId id="292" r:id="rId39"/>
+    <p:sldId id="293" r:id="rId40"/>
+    <p:sldId id="294" r:id="rId41"/>
+    <p:sldId id="288" r:id="rId42"/>
   </p:sldIdLst>
   <p:sldSz cx="12192000" cy="6858000"/>
   <p:notesSz cx="6858000" cy="9144000"/>
@@ -233,7 +237,7 @@
           <a:p>
             <a:fld id="{7C9032C8-5182-4818-BB2B-C6DBA1F28B4F}" type="datetimeFigureOut">
               <a:rPr lang="de-CH" smtClean="0"/>
-              <a:t>12.10.2017</a:t>
+              <a:t>15.10.2017</a:t>
             </a:fld>
             <a:endParaRPr lang="de-CH"/>
           </a:p>
@@ -647,37 +651,176 @@
               <a:rPr lang="en-US" dirty="0" smtClean="0">
                 <a:effectLst/>
               </a:rPr>
-              <a:t>Was </a:t>
-            </a:r>
-            <a:r>
-              <a:rPr lang="en-US" dirty="0" err="1" smtClean="0">
-                <a:effectLst/>
-              </a:rPr>
-              <a:t>noch</a:t>
-            </a:r>
-            <a:r>
-              <a:rPr lang="en-US" dirty="0" smtClean="0">
-                <a:effectLst/>
-              </a:rPr>
-              <a:t> </a:t>
-            </a:r>
-            <a:r>
-              <a:rPr lang="en-US" dirty="0" err="1" smtClean="0">
-                <a:effectLst/>
-              </a:rPr>
-              <a:t>fehlt</a:t>
-            </a:r>
-            <a:r>
-              <a:rPr lang="en-US" dirty="0" smtClean="0">
-                <a:effectLst/>
-              </a:rPr>
-              <a:t>.</a:t>
+              <a:t/>
             </a:r>
             <a:br>
               <a:rPr lang="en-US" dirty="0" smtClean="0">
                 <a:effectLst/>
               </a:rPr>
             </a:br>
+            <a:r>
+              <a:rPr lang="en-US" dirty="0" smtClean="0">
+                <a:effectLst/>
+              </a:rPr>
+              <a:t>Beware: </a:t>
+            </a:r>
+            <a:r>
+              <a:rPr lang="en-US" dirty="0" err="1" smtClean="0">
+                <a:effectLst/>
+              </a:rPr>
+              <a:t>Englisch</a:t>
+            </a:r>
+            <a:r>
+              <a:rPr lang="en-US" dirty="0" smtClean="0">
+                <a:effectLst/>
+              </a:rPr>
+              <a:t> und Deutsch </a:t>
+            </a:r>
+            <a:r>
+              <a:rPr lang="en-US" dirty="0" err="1" smtClean="0">
+                <a:effectLst/>
+              </a:rPr>
+              <a:t>ist</a:t>
+            </a:r>
+            <a:r>
+              <a:rPr lang="en-US" dirty="0" smtClean="0">
+                <a:effectLst/>
+              </a:rPr>
+              <a:t> </a:t>
+            </a:r>
+            <a:r>
+              <a:rPr lang="en-US" dirty="0" err="1" smtClean="0">
+                <a:effectLst/>
+              </a:rPr>
+              <a:t>hier</a:t>
+            </a:r>
+            <a:r>
+              <a:rPr lang="en-US" dirty="0" smtClean="0">
+                <a:effectLst/>
+              </a:rPr>
+              <a:t> </a:t>
+            </a:r>
+            <a:r>
+              <a:rPr lang="en-US" dirty="0" err="1" smtClean="0">
+                <a:effectLst/>
+              </a:rPr>
+              <a:t>sehr</a:t>
+            </a:r>
+            <a:r>
+              <a:rPr lang="en-US" dirty="0" smtClean="0">
+                <a:effectLst/>
+              </a:rPr>
+              <a:t> </a:t>
+            </a:r>
+            <a:r>
+              <a:rPr lang="en-US" dirty="0" err="1" smtClean="0">
+                <a:effectLst/>
+              </a:rPr>
+              <a:t>mit</a:t>
+            </a:r>
+            <a:r>
+              <a:rPr lang="en-US" dirty="0" smtClean="0">
+                <a:effectLst/>
+              </a:rPr>
+              <a:t> </a:t>
+            </a:r>
+            <a:r>
+              <a:rPr lang="en-US" dirty="0" err="1" smtClean="0">
+                <a:effectLst/>
+              </a:rPr>
+              <a:t>bedacht</a:t>
+            </a:r>
+            <a:r>
+              <a:rPr lang="en-US" dirty="0" smtClean="0">
+                <a:effectLst/>
+              </a:rPr>
+              <a:t> </a:t>
+            </a:r>
+            <a:r>
+              <a:rPr lang="en-US" dirty="0" err="1" smtClean="0">
+                <a:effectLst/>
+              </a:rPr>
+              <a:t>gewählt</a:t>
+            </a:r>
+            <a:r>
+              <a:rPr lang="en-US" dirty="0" smtClean="0">
+                <a:effectLst/>
+              </a:rPr>
+              <a:t> </a:t>
+            </a:r>
+            <a:r>
+              <a:rPr lang="en-US" dirty="0" err="1" smtClean="0">
+                <a:effectLst/>
+              </a:rPr>
+              <a:t>bei</a:t>
+            </a:r>
+            <a:r>
+              <a:rPr lang="en-US" dirty="0" smtClean="0">
+                <a:effectLst/>
+              </a:rPr>
+              <a:t> </a:t>
+            </a:r>
+            <a:r>
+              <a:rPr lang="en-US" dirty="0" err="1" smtClean="0">
+                <a:effectLst/>
+              </a:rPr>
+              <a:t>diesen</a:t>
+            </a:r>
+            <a:r>
+              <a:rPr lang="en-US" dirty="0" smtClean="0">
+                <a:effectLst/>
+              </a:rPr>
+              <a:t> </a:t>
+            </a:r>
+            <a:r>
+              <a:rPr lang="en-US" dirty="0" err="1" smtClean="0">
+                <a:effectLst/>
+              </a:rPr>
+              <a:t>Folien</a:t>
+            </a:r>
+            <a:r>
+              <a:rPr lang="en-US" dirty="0" smtClean="0">
+                <a:effectLst/>
+              </a:rPr>
+              <a:t>! </a:t>
+            </a:r>
+          </a:p>
+          <a:p>
+            <a:endParaRPr lang="en-US" dirty="0" smtClean="0">
+              <a:effectLst/>
+            </a:endParaRPr>
+          </a:p>
+          <a:p>
+            <a:r>
+              <a:rPr lang="en-US" dirty="0" err="1" smtClean="0">
+                <a:effectLst/>
+              </a:rPr>
+              <a:t>Künstliche</a:t>
+            </a:r>
+            <a:r>
+              <a:rPr lang="en-US" dirty="0" smtClean="0">
+                <a:effectLst/>
+              </a:rPr>
+              <a:t> </a:t>
+            </a:r>
+            <a:r>
+              <a:rPr lang="en-US" dirty="0" err="1" smtClean="0">
+                <a:effectLst/>
+              </a:rPr>
+              <a:t>neuronale</a:t>
+            </a:r>
+            <a:r>
+              <a:rPr lang="en-US" dirty="0" smtClean="0">
+                <a:effectLst/>
+              </a:rPr>
+              <a:t> </a:t>
+            </a:r>
+            <a:r>
+              <a:rPr lang="en-US" dirty="0" err="1" smtClean="0">
+                <a:effectLst/>
+              </a:rPr>
+              <a:t>Netze</a:t>
+            </a:r>
             <a:endParaRPr lang="en-US" dirty="0" smtClean="0">
               <a:effectLst/>
             </a:endParaRPr>
@@ -704,7 +847,7 @@
           <a:p>
             <a:fld id="{DA58BC1F-B303-41BB-B1E5-E3EE1F495441}" type="slidenum">
               <a:rPr lang="de-CH" smtClean="0"/>
-              <a:t>12</a:t>
+              <a:t>13</a:t>
             </a:fld>
             <a:endParaRPr lang="de-CH"/>
           </a:p>
@@ -713,7 +856,7 @@
     </p:spTree>
     <p:extLst>
       <p:ext uri="{BB962C8B-B14F-4D97-AF65-F5344CB8AC3E}">
-        <p14:creationId xmlns:p14="http://schemas.microsoft.com/office/powerpoint/2010/main" val="3344351000"/>
+        <p14:creationId xmlns:p14="http://schemas.microsoft.com/office/powerpoint/2010/main" val="970443988"/>
       </p:ext>
     </p:extLst>
   </p:cSld>
@@ -768,42 +911,6 @@
           <a:lstStyle/>
           <a:p>
             <a:r>
-              <a:rPr lang="en-US" dirty="0" err="1" smtClean="0">
-                <a:effectLst/>
-              </a:rPr>
-              <a:t>Sehr</a:t>
-            </a:r>
-            <a:r>
-              <a:rPr lang="en-US" baseline="0" dirty="0" smtClean="0">
-                <a:effectLst/>
-              </a:rPr>
-              <a:t> </a:t>
-            </a:r>
-            <a:r>
-              <a:rPr lang="en-US" baseline="0" dirty="0" err="1" smtClean="0">
-                <a:effectLst/>
-              </a:rPr>
-              <a:t>angesagt</a:t>
-            </a:r>
-            <a:r>
-              <a:rPr lang="en-US" baseline="0" dirty="0" smtClean="0">
-                <a:effectLst/>
-              </a:rPr>
-              <a:t> </a:t>
-            </a:r>
-            <a:r>
-              <a:rPr lang="en-US" baseline="0" dirty="0" err="1" smtClean="0">
-                <a:effectLst/>
-              </a:rPr>
-              <a:t>im</a:t>
-            </a:r>
-            <a:r>
-              <a:rPr lang="en-US" baseline="0" dirty="0" smtClean="0">
-                <a:effectLst/>
-              </a:rPr>
-              <a:t> Moment.</a:t>
-            </a:r>
-            <a:r>
               <a:rPr lang="en-US" dirty="0" smtClean="0">
                 <a:effectLst/>
               </a:rPr>
@@ -814,9 +921,80 @@
                 <a:effectLst/>
               </a:rPr>
             </a:br>
-            <a:endParaRPr lang="en-US" dirty="0" smtClean="0">
-              <a:effectLst/>
-            </a:endParaRPr>
+            <a:r>
+              <a:rPr lang="en-US" dirty="0" smtClean="0">
+                <a:effectLst/>
+              </a:rPr>
+              <a:t>Anyhow? </a:t>
+            </a:r>
+            <a:r>
+              <a:rPr lang="en-US" dirty="0" err="1" smtClean="0">
+                <a:effectLst/>
+              </a:rPr>
+              <a:t>Diskussionen</a:t>
+            </a:r>
+            <a:r>
+              <a:rPr lang="en-US" dirty="0" smtClean="0">
+                <a:effectLst/>
+              </a:rPr>
+              <a:t> on Yammer - Hat </a:t>
+            </a:r>
+            <a:r>
+              <a:rPr lang="en-US" dirty="0" err="1" smtClean="0">
+                <a:effectLst/>
+              </a:rPr>
+              <a:t>jemand</a:t>
+            </a:r>
+            <a:r>
+              <a:rPr lang="en-US" dirty="0" smtClean="0">
+                <a:effectLst/>
+              </a:rPr>
+              <a:t> </a:t>
+            </a:r>
+            <a:r>
+              <a:rPr lang="en-US" dirty="0" err="1" smtClean="0">
+                <a:effectLst/>
+              </a:rPr>
+              <a:t>eine</a:t>
+            </a:r>
+            <a:r>
+              <a:rPr lang="en-US" dirty="0" smtClean="0">
+                <a:effectLst/>
+              </a:rPr>
+              <a:t> </a:t>
+            </a:r>
+            <a:r>
+              <a:rPr lang="en-US" dirty="0" err="1" smtClean="0">
+                <a:effectLst/>
+              </a:rPr>
+              <a:t>gute</a:t>
+            </a:r>
+            <a:r>
+              <a:rPr lang="en-US" dirty="0" smtClean="0">
+                <a:effectLst/>
+              </a:rPr>
+              <a:t> Definition </a:t>
+            </a:r>
+            <a:r>
+              <a:rPr lang="en-US" dirty="0" err="1" smtClean="0">
+                <a:effectLst/>
+              </a:rPr>
+              <a:t>für</a:t>
+            </a:r>
+            <a:r>
+              <a:rPr lang="en-US" dirty="0" smtClean="0">
+                <a:effectLst/>
+              </a:rPr>
+              <a:t> das?</a:t>
+            </a:r>
+          </a:p>
+          <a:p>
+            <a:r>
+              <a:rPr lang="en-US" dirty="0" smtClean="0">
+                <a:effectLst/>
+              </a:rPr>
+              <a:t>Und/Oder?</a:t>
+            </a:r>
           </a:p>
           <a:p>
             <a:endParaRPr lang="de-CH" dirty="0"/>
@@ -840,7 +1018,7 @@
           <a:p>
             <a:fld id="{DA58BC1F-B303-41BB-B1E5-E3EE1F495441}" type="slidenum">
               <a:rPr lang="de-CH" smtClean="0"/>
-              <a:t>13</a:t>
+              <a:t>14</a:t>
             </a:fld>
             <a:endParaRPr lang="de-CH"/>
           </a:p>
@@ -849,7 +1027,7 @@
     </p:spTree>
     <p:extLst>
       <p:ext uri="{BB962C8B-B14F-4D97-AF65-F5344CB8AC3E}">
-        <p14:creationId xmlns:p14="http://schemas.microsoft.com/office/powerpoint/2010/main" val="2212649584"/>
+        <p14:creationId xmlns:p14="http://schemas.microsoft.com/office/powerpoint/2010/main" val="2063801729"/>
       </p:ext>
     </p:extLst>
   </p:cSld>
@@ -914,12 +1092,21 @@
                 <a:effectLst/>
               </a:rPr>
             </a:br>
+            <a:r>
+              <a:rPr lang="de-CH" dirty="0" smtClean="0">
+                <a:effectLst/>
+              </a:rPr>
+              <a:t>Wa</a:t>
+            </a:r>
+            <a:r>
+              <a:rPr lang="de-CH" baseline="0" dirty="0" smtClean="0">
+                <a:effectLst/>
+              </a:rPr>
+              <a:t>s wir bis jetzt haben.</a:t>
+            </a:r>
             <a:endParaRPr lang="en-US" dirty="0" smtClean="0">
               <a:effectLst/>
             </a:endParaRPr>
-          </a:p>
-          <a:p>
-            <a:endParaRPr lang="de-CH" dirty="0"/>
           </a:p>
         </p:txBody>
       </p:sp>
@@ -940,7 +1127,7 @@
           <a:p>
             <a:fld id="{DA58BC1F-B303-41BB-B1E5-E3EE1F495441}" type="slidenum">
               <a:rPr lang="de-CH" smtClean="0"/>
-              <a:t>14</a:t>
+              <a:t>15</a:t>
             </a:fld>
             <a:endParaRPr lang="de-CH"/>
           </a:p>
@@ -949,7 +1136,7 @@
     </p:spTree>
     <p:extLst>
       <p:ext uri="{BB962C8B-B14F-4D97-AF65-F5344CB8AC3E}">
-        <p14:creationId xmlns:p14="http://schemas.microsoft.com/office/powerpoint/2010/main" val="3465185793"/>
+        <p14:creationId xmlns:p14="http://schemas.microsoft.com/office/powerpoint/2010/main" val="177082054"/>
       </p:ext>
     </p:extLst>
   </p:cSld>
@@ -1007,7 +1194,31 @@
               <a:rPr lang="en-US" dirty="0" smtClean="0">
                 <a:effectLst/>
               </a:rPr>
-              <a:t/>
+              <a:t>Was </a:t>
+            </a:r>
+            <a:r>
+              <a:rPr lang="en-US" dirty="0" err="1" smtClean="0">
+                <a:effectLst/>
+              </a:rPr>
+              <a:t>noch</a:t>
+            </a:r>
+            <a:r>
+              <a:rPr lang="en-US" dirty="0" smtClean="0">
+                <a:effectLst/>
+              </a:rPr>
+              <a:t> </a:t>
+            </a:r>
+            <a:r>
+              <a:rPr lang="en-US" dirty="0" err="1" smtClean="0">
+                <a:effectLst/>
+              </a:rPr>
+              <a:t>fehlt</a:t>
+            </a:r>
+            <a:r>
+              <a:rPr lang="en-US" dirty="0" smtClean="0">
+                <a:effectLst/>
+              </a:rPr>
+              <a:t>.</a:t>
             </a:r>
             <a:br>
               <a:rPr lang="en-US" dirty="0" smtClean="0">
@@ -1040,7 +1251,7 @@
           <a:p>
             <a:fld id="{DA58BC1F-B303-41BB-B1E5-E3EE1F495441}" type="slidenum">
               <a:rPr lang="de-CH" smtClean="0"/>
-              <a:t>15</a:t>
+              <a:t>16</a:t>
             </a:fld>
             <a:endParaRPr lang="de-CH"/>
           </a:p>
@@ -1049,7 +1260,7 @@
     </p:spTree>
     <p:extLst>
       <p:ext uri="{BB962C8B-B14F-4D97-AF65-F5344CB8AC3E}">
-        <p14:creationId xmlns:p14="http://schemas.microsoft.com/office/powerpoint/2010/main" val="3867933291"/>
+        <p14:creationId xmlns:p14="http://schemas.microsoft.com/office/powerpoint/2010/main" val="3344351000"/>
       </p:ext>
     </p:extLst>
   </p:cSld>
@@ -1104,6 +1315,42 @@
           <a:lstStyle/>
           <a:p>
             <a:r>
+              <a:rPr lang="en-US" dirty="0" err="1" smtClean="0">
+                <a:effectLst/>
+              </a:rPr>
+              <a:t>Sehr</a:t>
+            </a:r>
+            <a:r>
+              <a:rPr lang="en-US" baseline="0" dirty="0" smtClean="0">
+                <a:effectLst/>
+              </a:rPr>
+              <a:t> </a:t>
+            </a:r>
+            <a:r>
+              <a:rPr lang="en-US" baseline="0" dirty="0" err="1" smtClean="0">
+                <a:effectLst/>
+              </a:rPr>
+              <a:t>angesagt</a:t>
+            </a:r>
+            <a:r>
+              <a:rPr lang="en-US" baseline="0" dirty="0" smtClean="0">
+                <a:effectLst/>
+              </a:rPr>
+              <a:t> </a:t>
+            </a:r>
+            <a:r>
+              <a:rPr lang="en-US" baseline="0" dirty="0" err="1" smtClean="0">
+                <a:effectLst/>
+              </a:rPr>
+              <a:t>im</a:t>
+            </a:r>
+            <a:r>
+              <a:rPr lang="en-US" baseline="0" dirty="0" smtClean="0">
+                <a:effectLst/>
+              </a:rPr>
+              <a:t> Moment.</a:t>
+            </a:r>
+            <a:r>
               <a:rPr lang="en-US" dirty="0" smtClean="0">
                 <a:effectLst/>
               </a:rPr>
@@ -1140,7 +1387,7 @@
           <a:p>
             <a:fld id="{DA58BC1F-B303-41BB-B1E5-E3EE1F495441}" type="slidenum">
               <a:rPr lang="de-CH" smtClean="0"/>
-              <a:t>16</a:t>
+              <a:t>17</a:t>
             </a:fld>
             <a:endParaRPr lang="de-CH"/>
           </a:p>
@@ -1149,7 +1396,7 @@
     </p:spTree>
     <p:extLst>
       <p:ext uri="{BB962C8B-B14F-4D97-AF65-F5344CB8AC3E}">
-        <p14:creationId xmlns:p14="http://schemas.microsoft.com/office/powerpoint/2010/main" val="608833155"/>
+        <p14:creationId xmlns:p14="http://schemas.microsoft.com/office/powerpoint/2010/main" val="2212649584"/>
       </p:ext>
     </p:extLst>
   </p:cSld>
@@ -1240,7 +1487,7 @@
           <a:p>
             <a:fld id="{DA58BC1F-B303-41BB-B1E5-E3EE1F495441}" type="slidenum">
               <a:rPr lang="de-CH" smtClean="0"/>
-              <a:t>17</a:t>
+              <a:t>18</a:t>
             </a:fld>
             <a:endParaRPr lang="de-CH"/>
           </a:p>
@@ -1249,7 +1496,7 @@
     </p:spTree>
     <p:extLst>
       <p:ext uri="{BB962C8B-B14F-4D97-AF65-F5344CB8AC3E}">
-        <p14:creationId xmlns:p14="http://schemas.microsoft.com/office/powerpoint/2010/main" val="2359302890"/>
+        <p14:creationId xmlns:p14="http://schemas.microsoft.com/office/powerpoint/2010/main" val="3465185793"/>
       </p:ext>
     </p:extLst>
   </p:cSld>
@@ -1304,9 +1551,21 @@
           <a:lstStyle/>
           <a:p>
             <a:r>
-              <a:rPr lang="de-CH" dirty="0" smtClean="0"/>
-              <a:t>Wir wissen was es ist, wirklich interessant ist aber, was man damit tun kann. Das werden wir später sehen, aber dies hier vorab.</a:t>
-            </a:r>
+              <a:rPr lang="en-US" dirty="0" smtClean="0">
+                <a:effectLst/>
+              </a:rPr>
+              <a:t/>
+            </a:r>
+            <a:br>
+              <a:rPr lang="en-US" dirty="0" smtClean="0">
+                <a:effectLst/>
+              </a:rPr>
+            </a:br>
+            <a:endParaRPr lang="en-US" dirty="0" smtClean="0">
+              <a:effectLst/>
+            </a:endParaRPr>
+          </a:p>
+          <a:p>
             <a:endParaRPr lang="de-CH" dirty="0"/>
           </a:p>
         </p:txBody>
@@ -1328,7 +1587,7 @@
           <a:p>
             <a:fld id="{DA58BC1F-B303-41BB-B1E5-E3EE1F495441}" type="slidenum">
               <a:rPr lang="de-CH" smtClean="0"/>
-              <a:t>18</a:t>
+              <a:t>19</a:t>
             </a:fld>
             <a:endParaRPr lang="de-CH"/>
           </a:p>
@@ -1337,7 +1596,7 @@
     </p:spTree>
     <p:extLst>
       <p:ext uri="{BB962C8B-B14F-4D97-AF65-F5344CB8AC3E}">
-        <p14:creationId xmlns:p14="http://schemas.microsoft.com/office/powerpoint/2010/main" val="1626842335"/>
+        <p14:creationId xmlns:p14="http://schemas.microsoft.com/office/powerpoint/2010/main" val="3867933291"/>
       </p:ext>
     </p:extLst>
   </p:cSld>
@@ -1392,17 +1651,21 @@
           <a:lstStyle/>
           <a:p>
             <a:r>
-              <a:rPr lang="de-CH" dirty="0" smtClean="0"/>
-              <a:t>Rtools</a:t>
-            </a:r>
-            <a:r>
-              <a:rPr lang="de-CH" baseline="0" dirty="0" smtClean="0"/>
-              <a:t> b</a:t>
-            </a:r>
-            <a:r>
-              <a:rPr lang="de-CH" dirty="0" smtClean="0"/>
-              <a:t>ereits in 2015 einsetzbar</a:t>
-            </a:r>
+              <a:rPr lang="en-US" dirty="0" smtClean="0">
+                <a:effectLst/>
+              </a:rPr>
+              <a:t/>
+            </a:r>
+            <a:br>
+              <a:rPr lang="en-US" dirty="0" smtClean="0">
+                <a:effectLst/>
+              </a:rPr>
+            </a:br>
+            <a:endParaRPr lang="en-US" dirty="0" smtClean="0">
+              <a:effectLst/>
+            </a:endParaRPr>
+          </a:p>
+          <a:p>
             <a:endParaRPr lang="de-CH" dirty="0"/>
           </a:p>
         </p:txBody>
@@ -1424,7 +1687,7 @@
           <a:p>
             <a:fld id="{DA58BC1F-B303-41BB-B1E5-E3EE1F495441}" type="slidenum">
               <a:rPr lang="de-CH" smtClean="0"/>
-              <a:t>19</a:t>
+              <a:t>20</a:t>
             </a:fld>
             <a:endParaRPr lang="de-CH"/>
           </a:p>
@@ -1433,7 +1696,7 @@
     </p:spTree>
     <p:extLst>
       <p:ext uri="{BB962C8B-B14F-4D97-AF65-F5344CB8AC3E}">
-        <p14:creationId xmlns:p14="http://schemas.microsoft.com/office/powerpoint/2010/main" val="2454586652"/>
+        <p14:creationId xmlns:p14="http://schemas.microsoft.com/office/powerpoint/2010/main" val="608833155"/>
       </p:ext>
     </p:extLst>
   </p:cSld>
@@ -1488,60 +1751,19 @@
           <a:lstStyle/>
           <a:p>
             <a:r>
-              <a:rPr lang="de-CH" dirty="0" smtClean="0"/>
-              <a:t>Todo: Unterschied schwach und dynamisch sattelfest</a:t>
-            </a:r>
-            <a:r>
-              <a:rPr lang="de-CH" baseline="0" dirty="0" smtClean="0"/>
-              <a:t> haben</a:t>
-            </a:r>
-          </a:p>
-          <a:p>
-            <a:r>
-              <a:rPr lang="de-CH" dirty="0" smtClean="0"/>
-              <a:t>Ob R oder Python spielt eigentlich</a:t>
-            </a:r>
-            <a:r>
-              <a:rPr lang="de-CH" baseline="0" dirty="0" smtClean="0"/>
-              <a:t> keine Rolle (Einfachere Visualisierungen)</a:t>
-            </a:r>
-            <a:endParaRPr lang="de-CH" dirty="0" smtClean="0"/>
-          </a:p>
-          <a:p>
-            <a:r>
-              <a:rPr lang="de-CH" dirty="0" smtClean="0"/>
-              <a:t>Python ist auch in Visual Studio integriert</a:t>
-            </a:r>
-          </a:p>
-          <a:p>
-            <a:r>
-              <a:rPr lang="de-CH" dirty="0" smtClean="0"/>
-              <a:t>Funktional/Objektorientiert</a:t>
-            </a:r>
-          </a:p>
-          <a:p>
-            <a:r>
-              <a:rPr lang="de-CH" dirty="0" smtClean="0"/>
-              <a:t>Open Source (Riesen Community, Fast für</a:t>
-            </a:r>
-            <a:r>
-              <a:rPr lang="de-CH" baseline="0" dirty="0" smtClean="0"/>
-              <a:t> alles ein Package)</a:t>
-            </a:r>
-            <a:endParaRPr lang="de-CH" dirty="0" smtClean="0"/>
-          </a:p>
-          <a:p>
-            <a:r>
-              <a:rPr lang="de-CH" dirty="0" smtClean="0"/>
-              <a:t>Interpretiert -&gt; (Jit-Kompiler,</a:t>
-            </a:r>
-            <a:r>
-              <a:rPr lang="de-CH" baseline="0" dirty="0" smtClean="0"/>
-              <a:t> Vorkompilierte Funktionen)</a:t>
-            </a:r>
-          </a:p>
-          <a:p>
-            <a:endParaRPr lang="de-CH" dirty="0" smtClean="0"/>
+              <a:rPr lang="en-US" dirty="0" smtClean="0">
+                <a:effectLst/>
+              </a:rPr>
+              <a:t/>
+            </a:r>
+            <a:br>
+              <a:rPr lang="en-US" dirty="0" smtClean="0">
+                <a:effectLst/>
+              </a:rPr>
+            </a:br>
+            <a:endParaRPr lang="en-US" dirty="0" smtClean="0">
+              <a:effectLst/>
+            </a:endParaRPr>
           </a:p>
           <a:p>
             <a:endParaRPr lang="de-CH" dirty="0"/>
@@ -1565,7 +1787,7 @@
           <a:p>
             <a:fld id="{DA58BC1F-B303-41BB-B1E5-E3EE1F495441}" type="slidenum">
               <a:rPr lang="de-CH" smtClean="0"/>
-              <a:t>20</a:t>
+              <a:t>21</a:t>
             </a:fld>
             <a:endParaRPr lang="de-CH"/>
           </a:p>
@@ -1574,7 +1796,7 @@
     </p:spTree>
     <p:extLst>
       <p:ext uri="{BB962C8B-B14F-4D97-AF65-F5344CB8AC3E}">
-        <p14:creationId xmlns:p14="http://schemas.microsoft.com/office/powerpoint/2010/main" val="743457412"/>
+        <p14:creationId xmlns:p14="http://schemas.microsoft.com/office/powerpoint/2010/main" val="2359302890"/>
       </p:ext>
     </p:extLst>
   </p:cSld>
@@ -1628,6 +1850,10 @@
           <a:bodyPr/>
           <a:lstStyle/>
           <a:p>
+            <a:r>
+              <a:rPr lang="de-CH" dirty="0" smtClean="0"/>
+              <a:t>Wir wissen was es ist, wirklich interessant ist aber, was man damit tun kann. Das werden wir später sehen, aber dies hier vorab.</a:t>
+            </a:r>
             <a:endParaRPr lang="de-CH" dirty="0"/>
           </a:p>
         </p:txBody>
@@ -1649,7 +1875,7 @@
           <a:p>
             <a:fld id="{DA58BC1F-B303-41BB-B1E5-E3EE1F495441}" type="slidenum">
               <a:rPr lang="de-CH" smtClean="0"/>
-              <a:t>21</a:t>
+              <a:t>22</a:t>
             </a:fld>
             <a:endParaRPr lang="de-CH"/>
           </a:p>
@@ -1658,7 +1884,7 @@
     </p:spTree>
     <p:extLst>
       <p:ext uri="{BB962C8B-B14F-4D97-AF65-F5344CB8AC3E}">
-        <p14:creationId xmlns:p14="http://schemas.microsoft.com/office/powerpoint/2010/main" val="2403547180"/>
+        <p14:creationId xmlns:p14="http://schemas.microsoft.com/office/powerpoint/2010/main" val="1626842335"/>
       </p:ext>
     </p:extLst>
   </p:cSld>
@@ -1713,21 +1939,33 @@
           <a:lstStyle/>
           <a:p>
             <a:r>
-              <a:rPr lang="en-US" dirty="0" smtClean="0">
-                <a:effectLst/>
-              </a:rPr>
-              <a:t/>
-            </a:r>
-            <a:br>
-              <a:rPr lang="en-US" dirty="0" smtClean="0">
-                <a:effectLst/>
-              </a:rPr>
-            </a:br>
-            <a:endParaRPr lang="en-US" dirty="0" smtClean="0">
-              <a:effectLst/>
-            </a:endParaRPr>
-          </a:p>
-          <a:p>
+              <a:rPr lang="de-CH" dirty="0" err="1" smtClean="0"/>
+              <a:t>Machine</a:t>
+            </a:r>
+            <a:r>
+              <a:rPr lang="de-CH" dirty="0" smtClean="0"/>
+              <a:t> </a:t>
+            </a:r>
+            <a:r>
+              <a:rPr lang="de-CH" dirty="0" err="1" smtClean="0"/>
+              <a:t>Intelligence</a:t>
+            </a:r>
+            <a:r>
+              <a:rPr lang="de-CH" dirty="0" smtClean="0"/>
+              <a:t> = </a:t>
+            </a:r>
+            <a:r>
+              <a:rPr lang="de-CH" dirty="0" err="1" smtClean="0"/>
+              <a:t>Artifical</a:t>
+            </a:r>
+            <a:r>
+              <a:rPr lang="de-CH" dirty="0" smtClean="0"/>
+              <a:t> </a:t>
+            </a:r>
+            <a:r>
+              <a:rPr lang="de-CH" dirty="0" err="1" smtClean="0"/>
+              <a:t>Intelligence</a:t>
+            </a:r>
             <a:endParaRPr lang="de-CH" dirty="0"/>
           </a:p>
         </p:txBody>
@@ -1758,7 +1996,7 @@
     </p:spTree>
     <p:extLst>
       <p:ext uri="{BB962C8B-B14F-4D97-AF65-F5344CB8AC3E}">
-        <p14:creationId xmlns:p14="http://schemas.microsoft.com/office/powerpoint/2010/main" val="3484418300"/>
+        <p14:creationId xmlns:p14="http://schemas.microsoft.com/office/powerpoint/2010/main" val="3790509216"/>
       </p:ext>
     </p:extLst>
   </p:cSld>
@@ -1812,6 +2050,18 @@
           <a:bodyPr/>
           <a:lstStyle/>
           <a:p>
+            <a:r>
+              <a:rPr lang="de-CH" dirty="0" smtClean="0"/>
+              <a:t>Rtools</a:t>
+            </a:r>
+            <a:r>
+              <a:rPr lang="de-CH" baseline="0" dirty="0" smtClean="0"/>
+              <a:t> b</a:t>
+            </a:r>
+            <a:r>
+              <a:rPr lang="de-CH" dirty="0" smtClean="0"/>
+              <a:t>ereits in 2015 einsetzbar</a:t>
+            </a:r>
             <a:endParaRPr lang="de-CH" dirty="0"/>
           </a:p>
         </p:txBody>
@@ -1833,7 +2083,7 @@
           <a:p>
             <a:fld id="{DA58BC1F-B303-41BB-B1E5-E3EE1F495441}" type="slidenum">
               <a:rPr lang="de-CH" smtClean="0"/>
-              <a:t>22</a:t>
+              <a:t>23</a:t>
             </a:fld>
             <a:endParaRPr lang="de-CH"/>
           </a:p>
@@ -1842,7 +2092,7 @@
     </p:spTree>
     <p:extLst>
       <p:ext uri="{BB962C8B-B14F-4D97-AF65-F5344CB8AC3E}">
-        <p14:creationId xmlns:p14="http://schemas.microsoft.com/office/powerpoint/2010/main" val="409478653"/>
+        <p14:creationId xmlns:p14="http://schemas.microsoft.com/office/powerpoint/2010/main" val="2454586652"/>
       </p:ext>
     </p:extLst>
   </p:cSld>
@@ -1897,45 +2147,62 @@
           <a:lstStyle/>
           <a:p>
             <a:r>
-              <a:rPr lang="de-CH" smtClean="0"/>
-              <a:t>HelloR</a:t>
-            </a:r>
-            <a:r>
-              <a:rPr lang="de-CH" baseline="0" smtClean="0"/>
-              <a:t> zeigen über Remote-Desktop-Verbindung</a:t>
-            </a:r>
-            <a:endParaRPr lang="de-CH" smtClean="0"/>
-          </a:p>
-          <a:p>
+              <a:rPr lang="de-CH" dirty="0" smtClean="0"/>
+              <a:t>Todo: Unterschied schwach und dynamisch sattelfest</a:t>
+            </a:r>
+            <a:r>
+              <a:rPr lang="de-CH" baseline="0" dirty="0" smtClean="0"/>
+              <a:t> haben</a:t>
+            </a:r>
+          </a:p>
+          <a:p>
+            <a:r>
+              <a:rPr lang="de-CH" dirty="0" smtClean="0"/>
+              <a:t>Ob R oder Python spielt eigentlich</a:t>
+            </a:r>
+            <a:r>
+              <a:rPr lang="de-CH" baseline="0" dirty="0" smtClean="0"/>
+              <a:t> keine Rolle (Einfachere Visualisierungen)</a:t>
+            </a:r>
             <a:endParaRPr lang="de-CH" dirty="0" smtClean="0"/>
           </a:p>
           <a:p>
             <a:r>
               <a:rPr lang="de-CH" dirty="0" smtClean="0"/>
-              <a:t>Pakete</a:t>
+              <a:t>Python ist auch in Visual Studio integriert</a:t>
+            </a:r>
+          </a:p>
+          <a:p>
+            <a:r>
+              <a:rPr lang="de-CH" dirty="0" smtClean="0"/>
+              <a:t>Funktional/Objektorientiert</a:t>
+            </a:r>
+          </a:p>
+          <a:p>
+            <a:r>
+              <a:rPr lang="de-CH" dirty="0" smtClean="0"/>
+              <a:t>Open Source (Riesen Community, Fast für</a:t>
             </a:r>
             <a:r>
               <a:rPr lang="de-CH" baseline="0" dirty="0" smtClean="0"/>
-              <a:t> installieren</a:t>
-            </a:r>
-          </a:p>
-          <a:p>
+              <a:t> alles ein Package)</a:t>
+            </a:r>
+            <a:endParaRPr lang="de-CH" dirty="0" smtClean="0"/>
+          </a:p>
+          <a:p>
+            <a:r>
+              <a:rPr lang="de-CH" dirty="0" smtClean="0"/>
+              <a:t>Interpretiert -&gt; (Jit-Kompiler,</a:t>
+            </a:r>
             <a:r>
               <a:rPr lang="de-CH" baseline="0" dirty="0" smtClean="0"/>
-              <a:t>Pakete includieren</a:t>
-            </a:r>
-          </a:p>
-          <a:p>
-            <a:r>
-              <a:rPr lang="de-CH" baseline="0" dirty="0" smtClean="0"/>
-              <a:t>Variable assgnement</a:t>
-            </a:r>
-          </a:p>
-          <a:p>
-            <a:r>
-              <a:rPr lang="de-CH" baseline="0" dirty="0" smtClean="0"/>
-              <a:t>Datenbank connection</a:t>
-            </a:r>
+              <a:t> Vorkompilierte Funktionen)</a:t>
+            </a:r>
+          </a:p>
+          <a:p>
+            <a:endParaRPr lang="de-CH" dirty="0" smtClean="0"/>
+          </a:p>
+          <a:p>
             <a:endParaRPr lang="de-CH" dirty="0"/>
           </a:p>
         </p:txBody>
@@ -1957,7 +2224,7 @@
           <a:p>
             <a:fld id="{DA58BC1F-B303-41BB-B1E5-E3EE1F495441}" type="slidenum">
               <a:rPr lang="de-CH" smtClean="0"/>
-              <a:t>23</a:t>
+              <a:t>24</a:t>
             </a:fld>
             <a:endParaRPr lang="de-CH"/>
           </a:p>
@@ -1966,7 +2233,7 @@
     </p:spTree>
     <p:extLst>
       <p:ext uri="{BB962C8B-B14F-4D97-AF65-F5344CB8AC3E}">
-        <p14:creationId xmlns:p14="http://schemas.microsoft.com/office/powerpoint/2010/main" val="1946402774"/>
+        <p14:creationId xmlns:p14="http://schemas.microsoft.com/office/powerpoint/2010/main" val="743457412"/>
       </p:ext>
     </p:extLst>
   </p:cSld>
@@ -2020,14 +2287,6 @@
           <a:bodyPr/>
           <a:lstStyle/>
           <a:p>
-            <a:r>
-              <a:rPr lang="de-CH" dirty="0" smtClean="0"/>
-              <a:t>Und</a:t>
-            </a:r>
-            <a:r>
-              <a:rPr lang="de-CH" baseline="0" dirty="0" smtClean="0"/>
-              <a:t> semi-supervised learning und semi-reinforced learning.</a:t>
-            </a:r>
             <a:endParaRPr lang="de-CH" dirty="0"/>
           </a:p>
         </p:txBody>
@@ -2058,7 +2317,7 @@
     </p:spTree>
     <p:extLst>
       <p:ext uri="{BB962C8B-B14F-4D97-AF65-F5344CB8AC3E}">
-        <p14:creationId xmlns:p14="http://schemas.microsoft.com/office/powerpoint/2010/main" val="3482313808"/>
+        <p14:creationId xmlns:p14="http://schemas.microsoft.com/office/powerpoint/2010/main" val="2403547180"/>
       </p:ext>
     </p:extLst>
   </p:cSld>
@@ -2112,20 +2371,6 @@
           <a:bodyPr/>
           <a:lstStyle/>
           <a:p>
-            <a:r>
-              <a:rPr lang="de-CH" dirty="0" smtClean="0"/>
-              <a:t>Labeled</a:t>
-            </a:r>
-          </a:p>
-          <a:p>
-            <a:r>
-              <a:rPr lang="de-CH" dirty="0" smtClean="0"/>
-              <a:t>Weiss jemand wo</a:t>
-            </a:r>
-            <a:r>
-              <a:rPr lang="de-CH" baseline="0" dirty="0" smtClean="0"/>
-              <a:t> man das bereits macht?</a:t>
-            </a:r>
             <a:endParaRPr lang="de-CH" dirty="0"/>
           </a:p>
         </p:txBody>
@@ -2156,7 +2401,7 @@
     </p:spTree>
     <p:extLst>
       <p:ext uri="{BB962C8B-B14F-4D97-AF65-F5344CB8AC3E}">
-        <p14:creationId xmlns:p14="http://schemas.microsoft.com/office/powerpoint/2010/main" val="3681622079"/>
+        <p14:creationId xmlns:p14="http://schemas.microsoft.com/office/powerpoint/2010/main" val="409478653"/>
       </p:ext>
     </p:extLst>
   </p:cSld>
@@ -2211,18 +2456,44 @@
           <a:lstStyle/>
           <a:p>
             <a:r>
+              <a:rPr lang="de-CH" smtClean="0"/>
+              <a:t>HelloR</a:t>
+            </a:r>
+            <a:r>
+              <a:rPr lang="de-CH" baseline="0" smtClean="0"/>
+              <a:t> zeigen über Remote-Desktop-Verbindung</a:t>
+            </a:r>
+            <a:endParaRPr lang="de-CH" smtClean="0"/>
+          </a:p>
+          <a:p>
+            <a:endParaRPr lang="de-CH" dirty="0" smtClean="0"/>
+          </a:p>
+          <a:p>
+            <a:r>
               <a:rPr lang="de-CH" dirty="0" smtClean="0"/>
-              <a:t>Labeled</a:t>
-            </a:r>
-          </a:p>
-          <a:p>
-            <a:r>
-              <a:rPr lang="de-CH" dirty="0" smtClean="0"/>
-              <a:t>Weiss jemand wo</a:t>
+              <a:t>Pakete</a:t>
             </a:r>
             <a:r>
               <a:rPr lang="de-CH" baseline="0" dirty="0" smtClean="0"/>
-              <a:t> man das bereits macht?</a:t>
+              <a:t> installieren</a:t>
+            </a:r>
+          </a:p>
+          <a:p>
+            <a:r>
+              <a:rPr lang="de-CH" baseline="0" dirty="0" smtClean="0"/>
+              <a:t>Pakete includieren</a:t>
+            </a:r>
+          </a:p>
+          <a:p>
+            <a:r>
+              <a:rPr lang="de-CH" baseline="0" dirty="0" smtClean="0"/>
+              <a:t>Variable assgnement</a:t>
+            </a:r>
+          </a:p>
+          <a:p>
+            <a:r>
+              <a:rPr lang="de-CH" baseline="0" dirty="0" smtClean="0"/>
+              <a:t>Datenbank connection</a:t>
             </a:r>
             <a:endParaRPr lang="de-CH" dirty="0"/>
           </a:p>
@@ -2254,7 +2525,7 @@
     </p:spTree>
     <p:extLst>
       <p:ext uri="{BB962C8B-B14F-4D97-AF65-F5344CB8AC3E}">
-        <p14:creationId xmlns:p14="http://schemas.microsoft.com/office/powerpoint/2010/main" val="3614108088"/>
+        <p14:creationId xmlns:p14="http://schemas.microsoft.com/office/powerpoint/2010/main" val="1946402774"/>
       </p:ext>
     </p:extLst>
   </p:cSld>
@@ -2309,44 +2580,12 @@
           <a:lstStyle/>
           <a:p>
             <a:r>
-              <a:rPr lang="de-CH" smtClean="0"/>
-              <a:t>HelloR</a:t>
-            </a:r>
-            <a:r>
-              <a:rPr lang="de-CH" baseline="0" smtClean="0"/>
-              <a:t> zeigen über Remote-Desktop-Verbindung</a:t>
-            </a:r>
-            <a:endParaRPr lang="de-CH" smtClean="0"/>
-          </a:p>
-          <a:p>
-            <a:endParaRPr lang="de-CH" dirty="0" smtClean="0"/>
-          </a:p>
-          <a:p>
-            <a:r>
               <a:rPr lang="de-CH" dirty="0" smtClean="0"/>
-              <a:t>Pakete</a:t>
+              <a:t>Und</a:t>
             </a:r>
             <a:r>
               <a:rPr lang="de-CH" baseline="0" dirty="0" smtClean="0"/>
-              <a:t> installieren</a:t>
-            </a:r>
-          </a:p>
-          <a:p>
-            <a:r>
-              <a:rPr lang="de-CH" baseline="0" dirty="0" smtClean="0"/>
-              <a:t>Pakete includieren</a:t>
-            </a:r>
-          </a:p>
-          <a:p>
-            <a:r>
-              <a:rPr lang="de-CH" baseline="0" dirty="0" smtClean="0"/>
-              <a:t>Variable assgnement</a:t>
-            </a:r>
-          </a:p>
-          <a:p>
-            <a:r>
-              <a:rPr lang="de-CH" baseline="0" dirty="0" smtClean="0"/>
-              <a:t>Datenbank connection</a:t>
+              <a:t> semi-supervised learning und semi-reinforced learning.</a:t>
             </a:r>
             <a:endParaRPr lang="de-CH" dirty="0"/>
           </a:p>
@@ -2378,7 +2617,7 @@
     </p:spTree>
     <p:extLst>
       <p:ext uri="{BB962C8B-B14F-4D97-AF65-F5344CB8AC3E}">
-        <p14:creationId xmlns:p14="http://schemas.microsoft.com/office/powerpoint/2010/main" val="3516317793"/>
+        <p14:creationId xmlns:p14="http://schemas.microsoft.com/office/powerpoint/2010/main" val="3482313808"/>
       </p:ext>
     </p:extLst>
   </p:cSld>
@@ -2434,7 +2673,17 @@
           <a:p>
             <a:r>
               <a:rPr lang="de-CH" dirty="0" smtClean="0"/>
-              <a:t>Screenshots von Walkthrough</a:t>
+              <a:t>Labeled</a:t>
+            </a:r>
+          </a:p>
+          <a:p>
+            <a:r>
+              <a:rPr lang="de-CH" dirty="0" smtClean="0"/>
+              <a:t>Weiss jemand wo</a:t>
+            </a:r>
+            <a:r>
+              <a:rPr lang="de-CH" baseline="0" dirty="0" smtClean="0"/>
+              <a:t> man das bereits macht?</a:t>
             </a:r>
             <a:endParaRPr lang="de-CH" dirty="0"/>
           </a:p>
@@ -2466,7 +2715,7 @@
     </p:spTree>
     <p:extLst>
       <p:ext uri="{BB962C8B-B14F-4D97-AF65-F5344CB8AC3E}">
-        <p14:creationId xmlns:p14="http://schemas.microsoft.com/office/powerpoint/2010/main" val="2842412450"/>
+        <p14:creationId xmlns:p14="http://schemas.microsoft.com/office/powerpoint/2010/main" val="3681622079"/>
       </p:ext>
     </p:extLst>
   </p:cSld>
@@ -2522,35 +2771,17 @@
           <a:p>
             <a:r>
               <a:rPr lang="de-CH" dirty="0" smtClean="0"/>
-              <a:t>Ensemble </a:t>
-            </a:r>
-            <a:r>
-              <a:rPr lang="de-CH" dirty="0" err="1" smtClean="0"/>
-              <a:t>learning</a:t>
-            </a:r>
+              <a:t>Labeled</a:t>
+            </a:r>
+          </a:p>
+          <a:p>
             <a:r>
               <a:rPr lang="de-CH" dirty="0" smtClean="0"/>
-              <a:t> (e.g. Random </a:t>
-            </a:r>
-            <a:r>
-              <a:rPr lang="de-CH" dirty="0" err="1" smtClean="0"/>
-              <a:t>Forests</a:t>
-            </a:r>
-            <a:r>
-              <a:rPr lang="de-CH" dirty="0" smtClean="0"/>
-              <a:t>), </a:t>
-            </a:r>
-            <a:r>
-              <a:rPr lang="de-CH" dirty="0" err="1" smtClean="0"/>
-              <a:t>Neural</a:t>
-            </a:r>
-            <a:r>
-              <a:rPr lang="de-CH" dirty="0" smtClean="0"/>
-              <a:t> Networks, </a:t>
-            </a:r>
-            <a:r>
-              <a:rPr lang="de-CH" dirty="0" err="1" smtClean="0"/>
-              <a:t>Recommenders</a:t>
+              <a:t>Weiss jemand wo</a:t>
+            </a:r>
+            <a:r>
+              <a:rPr lang="de-CH" baseline="0" dirty="0" smtClean="0"/>
+              <a:t> man das bereits macht?</a:t>
             </a:r>
             <a:endParaRPr lang="de-CH" dirty="0"/>
           </a:p>
@@ -2573,7 +2804,7 @@
           <a:p>
             <a:fld id="{DA58BC1F-B303-41BB-B1E5-E3EE1F495441}" type="slidenum">
               <a:rPr lang="de-CH" smtClean="0"/>
-              <a:t>37</a:t>
+              <a:t>31</a:t>
             </a:fld>
             <a:endParaRPr lang="de-CH"/>
           </a:p>
@@ -2582,7 +2813,219 @@
     </p:spTree>
     <p:extLst>
       <p:ext uri="{BB962C8B-B14F-4D97-AF65-F5344CB8AC3E}">
-        <p14:creationId xmlns:p14="http://schemas.microsoft.com/office/powerpoint/2010/main" val="2774138433"/>
+        <p14:creationId xmlns:p14="http://schemas.microsoft.com/office/powerpoint/2010/main" val="3614108088"/>
+      </p:ext>
+    </p:extLst>
+  </p:cSld>
+  <p:clrMapOvr>
+    <a:masterClrMapping/>
+  </p:clrMapOvr>
+</p:notes>
+</file>
+
+<file path=ppt/notesSlides/notesSlide28.xml><?xml version="1.0" encoding="utf-8"?>
+<p:notes xmlns:a="http://schemas.openxmlformats.org/drawingml/2006/main" xmlns:r="http://schemas.openxmlformats.org/officeDocument/2006/relationships" xmlns:p="http://schemas.openxmlformats.org/presentationml/2006/main">
+  <p:cSld>
+    <p:spTree>
+      <p:nvGrpSpPr>
+        <p:cNvPr id="1" name=""/>
+        <p:cNvGrpSpPr/>
+        <p:nvPr/>
+      </p:nvGrpSpPr>
+      <p:grpSpPr>
+        <a:xfrm>
+          <a:off x="0" y="0"/>
+          <a:ext cx="0" cy="0"/>
+          <a:chOff x="0" y="0"/>
+          <a:chExt cx="0" cy="0"/>
+        </a:xfrm>
+      </p:grpSpPr>
+      <p:sp>
+        <p:nvSpPr>
+          <p:cNvPr id="2" name="Slide Image Placeholder 1"/>
+          <p:cNvSpPr>
+            <a:spLocks noGrp="1" noRot="1" noChangeAspect="1"/>
+          </p:cNvSpPr>
+          <p:nvPr>
+            <p:ph type="sldImg"/>
+          </p:nvPr>
+        </p:nvSpPr>
+        <p:spPr/>
+      </p:sp>
+      <p:sp>
+        <p:nvSpPr>
+          <p:cNvPr id="3" name="Notes Placeholder 2"/>
+          <p:cNvSpPr>
+            <a:spLocks noGrp="1"/>
+          </p:cNvSpPr>
+          <p:nvPr>
+            <p:ph type="body" idx="1"/>
+          </p:nvPr>
+        </p:nvSpPr>
+        <p:spPr/>
+        <p:txBody>
+          <a:bodyPr/>
+          <a:lstStyle/>
+          <a:p>
+            <a:r>
+              <a:rPr lang="de-CH" smtClean="0"/>
+              <a:t>HelloR</a:t>
+            </a:r>
+            <a:r>
+              <a:rPr lang="de-CH" baseline="0" smtClean="0"/>
+              <a:t> zeigen über Remote-Desktop-Verbindung</a:t>
+            </a:r>
+            <a:endParaRPr lang="de-CH" smtClean="0"/>
+          </a:p>
+          <a:p>
+            <a:endParaRPr lang="de-CH" dirty="0" smtClean="0"/>
+          </a:p>
+          <a:p>
+            <a:r>
+              <a:rPr lang="de-CH" dirty="0" smtClean="0"/>
+              <a:t>Pakete</a:t>
+            </a:r>
+            <a:r>
+              <a:rPr lang="de-CH" baseline="0" dirty="0" smtClean="0"/>
+              <a:t> installieren</a:t>
+            </a:r>
+          </a:p>
+          <a:p>
+            <a:r>
+              <a:rPr lang="de-CH" baseline="0" dirty="0" smtClean="0"/>
+              <a:t>Pakete includieren</a:t>
+            </a:r>
+          </a:p>
+          <a:p>
+            <a:r>
+              <a:rPr lang="de-CH" baseline="0" dirty="0" smtClean="0"/>
+              <a:t>Variable assgnement</a:t>
+            </a:r>
+          </a:p>
+          <a:p>
+            <a:r>
+              <a:rPr lang="de-CH" baseline="0" dirty="0" smtClean="0"/>
+              <a:t>Datenbank connection</a:t>
+            </a:r>
+            <a:endParaRPr lang="de-CH" dirty="0"/>
+          </a:p>
+        </p:txBody>
+      </p:sp>
+      <p:sp>
+        <p:nvSpPr>
+          <p:cNvPr id="4" name="Slide Number Placeholder 3"/>
+          <p:cNvSpPr>
+            <a:spLocks noGrp="1"/>
+          </p:cNvSpPr>
+          <p:nvPr>
+            <p:ph type="sldNum" sz="quarter" idx="10"/>
+          </p:nvPr>
+        </p:nvSpPr>
+        <p:spPr/>
+        <p:txBody>
+          <a:bodyPr/>
+          <a:lstStyle/>
+          <a:p>
+            <a:fld id="{DA58BC1F-B303-41BB-B1E5-E3EE1F495441}" type="slidenum">
+              <a:rPr lang="de-CH" smtClean="0"/>
+              <a:t>33</a:t>
+            </a:fld>
+            <a:endParaRPr lang="de-CH"/>
+          </a:p>
+        </p:txBody>
+      </p:sp>
+    </p:spTree>
+    <p:extLst>
+      <p:ext uri="{BB962C8B-B14F-4D97-AF65-F5344CB8AC3E}">
+        <p14:creationId xmlns:p14="http://schemas.microsoft.com/office/powerpoint/2010/main" val="3516317793"/>
+      </p:ext>
+    </p:extLst>
+  </p:cSld>
+  <p:clrMapOvr>
+    <a:masterClrMapping/>
+  </p:clrMapOvr>
+</p:notes>
+</file>
+
+<file path=ppt/notesSlides/notesSlide29.xml><?xml version="1.0" encoding="utf-8"?>
+<p:notes xmlns:a="http://schemas.openxmlformats.org/drawingml/2006/main" xmlns:r="http://schemas.openxmlformats.org/officeDocument/2006/relationships" xmlns:p="http://schemas.openxmlformats.org/presentationml/2006/main">
+  <p:cSld>
+    <p:spTree>
+      <p:nvGrpSpPr>
+        <p:cNvPr id="1" name=""/>
+        <p:cNvGrpSpPr/>
+        <p:nvPr/>
+      </p:nvGrpSpPr>
+      <p:grpSpPr>
+        <a:xfrm>
+          <a:off x="0" y="0"/>
+          <a:ext cx="0" cy="0"/>
+          <a:chOff x="0" y="0"/>
+          <a:chExt cx="0" cy="0"/>
+        </a:xfrm>
+      </p:grpSpPr>
+      <p:sp>
+        <p:nvSpPr>
+          <p:cNvPr id="2" name="Slide Image Placeholder 1"/>
+          <p:cNvSpPr>
+            <a:spLocks noGrp="1" noRot="1" noChangeAspect="1"/>
+          </p:cNvSpPr>
+          <p:nvPr>
+            <p:ph type="sldImg"/>
+          </p:nvPr>
+        </p:nvSpPr>
+        <p:spPr/>
+      </p:sp>
+      <p:sp>
+        <p:nvSpPr>
+          <p:cNvPr id="3" name="Notes Placeholder 2"/>
+          <p:cNvSpPr>
+            <a:spLocks noGrp="1"/>
+          </p:cNvSpPr>
+          <p:nvPr>
+            <p:ph type="body" idx="1"/>
+          </p:nvPr>
+        </p:nvSpPr>
+        <p:spPr/>
+        <p:txBody>
+          <a:bodyPr/>
+          <a:lstStyle/>
+          <a:p>
+            <a:r>
+              <a:rPr lang="de-CH" dirty="0" smtClean="0"/>
+              <a:t>Screenshots von Walkthrough</a:t>
+            </a:r>
+            <a:endParaRPr lang="de-CH" dirty="0"/>
+          </a:p>
+        </p:txBody>
+      </p:sp>
+      <p:sp>
+        <p:nvSpPr>
+          <p:cNvPr id="4" name="Slide Number Placeholder 3"/>
+          <p:cNvSpPr>
+            <a:spLocks noGrp="1"/>
+          </p:cNvSpPr>
+          <p:nvPr>
+            <p:ph type="sldNum" sz="quarter" idx="10"/>
+          </p:nvPr>
+        </p:nvSpPr>
+        <p:spPr/>
+        <p:txBody>
+          <a:bodyPr/>
+          <a:lstStyle/>
+          <a:p>
+            <a:fld id="{DA58BC1F-B303-41BB-B1E5-E3EE1F495441}" type="slidenum">
+              <a:rPr lang="de-CH" smtClean="0"/>
+              <a:t>34</a:t>
+            </a:fld>
+            <a:endParaRPr lang="de-CH"/>
+          </a:p>
+        </p:txBody>
+      </p:sp>
+    </p:spTree>
+    <p:extLst>
+      <p:ext uri="{BB962C8B-B14F-4D97-AF65-F5344CB8AC3E}">
+        <p14:creationId xmlns:p14="http://schemas.microsoft.com/office/powerpoint/2010/main" val="2842412450"/>
       </p:ext>
     </p:extLst>
   </p:cSld>
@@ -2637,21 +3080,33 @@
           <a:lstStyle/>
           <a:p>
             <a:r>
-              <a:rPr lang="en-US" dirty="0" smtClean="0">
-                <a:effectLst/>
-              </a:rPr>
-              <a:t/>
-            </a:r>
-            <a:br>
-              <a:rPr lang="en-US" dirty="0" smtClean="0">
-                <a:effectLst/>
-              </a:rPr>
-            </a:br>
-            <a:endParaRPr lang="en-US" dirty="0" smtClean="0">
-              <a:effectLst/>
-            </a:endParaRPr>
-          </a:p>
-          <a:p>
+              <a:rPr lang="de-CH" dirty="0" err="1" smtClean="0"/>
+              <a:t>Machine</a:t>
+            </a:r>
+            <a:r>
+              <a:rPr lang="de-CH" dirty="0" smtClean="0"/>
+              <a:t> </a:t>
+            </a:r>
+            <a:r>
+              <a:rPr lang="de-CH" dirty="0" err="1" smtClean="0"/>
+              <a:t>Intelligence</a:t>
+            </a:r>
+            <a:r>
+              <a:rPr lang="de-CH" dirty="0" smtClean="0"/>
+              <a:t> = </a:t>
+            </a:r>
+            <a:r>
+              <a:rPr lang="de-CH" dirty="0" err="1" smtClean="0"/>
+              <a:t>Artifical</a:t>
+            </a:r>
+            <a:r>
+              <a:rPr lang="de-CH" dirty="0" smtClean="0"/>
+              <a:t> </a:t>
+            </a:r>
+            <a:r>
+              <a:rPr lang="de-CH" dirty="0" err="1" smtClean="0"/>
+              <a:t>Intelligence</a:t>
+            </a:r>
             <a:endParaRPr lang="de-CH" dirty="0"/>
           </a:p>
         </p:txBody>
@@ -2682,7 +3137,135 @@
     </p:spTree>
     <p:extLst>
       <p:ext uri="{BB962C8B-B14F-4D97-AF65-F5344CB8AC3E}">
-        <p14:creationId xmlns:p14="http://schemas.microsoft.com/office/powerpoint/2010/main" val="2938822595"/>
+        <p14:creationId xmlns:p14="http://schemas.microsoft.com/office/powerpoint/2010/main" val="191318619"/>
+      </p:ext>
+    </p:extLst>
+  </p:cSld>
+  <p:clrMapOvr>
+    <a:masterClrMapping/>
+  </p:clrMapOvr>
+</p:notes>
+</file>
+
+<file path=ppt/notesSlides/notesSlide30.xml><?xml version="1.0" encoding="utf-8"?>
+<p:notes xmlns:a="http://schemas.openxmlformats.org/drawingml/2006/main" xmlns:r="http://schemas.openxmlformats.org/officeDocument/2006/relationships" xmlns:p="http://schemas.openxmlformats.org/presentationml/2006/main">
+  <p:cSld>
+    <p:spTree>
+      <p:nvGrpSpPr>
+        <p:cNvPr id="1" name=""/>
+        <p:cNvGrpSpPr/>
+        <p:nvPr/>
+      </p:nvGrpSpPr>
+      <p:grpSpPr>
+        <a:xfrm>
+          <a:off x="0" y="0"/>
+          <a:ext cx="0" cy="0"/>
+          <a:chOff x="0" y="0"/>
+          <a:chExt cx="0" cy="0"/>
+        </a:xfrm>
+      </p:grpSpPr>
+      <p:sp>
+        <p:nvSpPr>
+          <p:cNvPr id="2" name="Slide Image Placeholder 1"/>
+          <p:cNvSpPr>
+            <a:spLocks noGrp="1" noRot="1" noChangeAspect="1"/>
+          </p:cNvSpPr>
+          <p:nvPr>
+            <p:ph type="sldImg"/>
+          </p:nvPr>
+        </p:nvSpPr>
+        <p:spPr/>
+      </p:sp>
+      <p:sp>
+        <p:nvSpPr>
+          <p:cNvPr id="3" name="Notes Placeholder 2"/>
+          <p:cNvSpPr>
+            <a:spLocks noGrp="1"/>
+          </p:cNvSpPr>
+          <p:nvPr>
+            <p:ph type="body" idx="1"/>
+          </p:nvPr>
+        </p:nvSpPr>
+        <p:spPr/>
+        <p:txBody>
+          <a:bodyPr/>
+          <a:lstStyle/>
+          <a:p>
+            <a:r>
+              <a:rPr lang="de-CH" dirty="0" smtClean="0"/>
+              <a:t>Ensemble </a:t>
+            </a:r>
+            <a:r>
+              <a:rPr lang="de-CH" dirty="0" err="1" smtClean="0"/>
+              <a:t>learning</a:t>
+            </a:r>
+            <a:r>
+              <a:rPr lang="de-CH" dirty="0" smtClean="0"/>
+              <a:t> (e.g. Random </a:t>
+            </a:r>
+            <a:r>
+              <a:rPr lang="de-CH" dirty="0" err="1" smtClean="0"/>
+              <a:t>Forests</a:t>
+            </a:r>
+            <a:r>
+              <a:rPr lang="de-CH" dirty="0" smtClean="0"/>
+              <a:t>), </a:t>
+            </a:r>
+            <a:r>
+              <a:rPr lang="de-CH" dirty="0" err="1" smtClean="0"/>
+              <a:t>Neural</a:t>
+            </a:r>
+            <a:r>
+              <a:rPr lang="de-CH" dirty="0" smtClean="0"/>
+              <a:t> Networks, </a:t>
+            </a:r>
+            <a:r>
+              <a:rPr lang="de-CH" dirty="0" err="1" smtClean="0"/>
+              <a:t>Recommenders</a:t>
+            </a:r>
+            <a:r>
+              <a:rPr lang="de-CH" dirty="0" smtClean="0"/>
+              <a:t>, Dimension </a:t>
+            </a:r>
+            <a:r>
+              <a:rPr lang="de-CH" dirty="0" err="1" smtClean="0"/>
+              <a:t>Reduction</a:t>
+            </a:r>
+            <a:r>
+              <a:rPr lang="de-CH" dirty="0" smtClean="0"/>
+              <a:t>, Feature Engineering</a:t>
+            </a:r>
+            <a:endParaRPr lang="de-CH" dirty="0"/>
+          </a:p>
+        </p:txBody>
+      </p:sp>
+      <p:sp>
+        <p:nvSpPr>
+          <p:cNvPr id="4" name="Slide Number Placeholder 3"/>
+          <p:cNvSpPr>
+            <a:spLocks noGrp="1"/>
+          </p:cNvSpPr>
+          <p:nvPr>
+            <p:ph type="sldNum" sz="quarter" idx="10"/>
+          </p:nvPr>
+        </p:nvSpPr>
+        <p:spPr/>
+        <p:txBody>
+          <a:bodyPr/>
+          <a:lstStyle/>
+          <a:p>
+            <a:fld id="{DA58BC1F-B303-41BB-B1E5-E3EE1F495441}" type="slidenum">
+              <a:rPr lang="de-CH" smtClean="0"/>
+              <a:t>41</a:t>
+            </a:fld>
+            <a:endParaRPr lang="de-CH"/>
+          </a:p>
+        </p:txBody>
+      </p:sp>
+    </p:spTree>
+    <p:extLst>
+      <p:ext uri="{BB962C8B-B14F-4D97-AF65-F5344CB8AC3E}">
+        <p14:creationId xmlns:p14="http://schemas.microsoft.com/office/powerpoint/2010/main" val="2774138433"/>
       </p:ext>
     </p:extLst>
   </p:cSld>
@@ -2737,21 +3320,23 @@
           <a:lstStyle/>
           <a:p>
             <a:r>
-              <a:rPr lang="en-US" dirty="0" smtClean="0">
-                <a:effectLst/>
-              </a:rPr>
-              <a:t/>
-            </a:r>
-            <a:br>
-              <a:rPr lang="en-US" dirty="0" smtClean="0">
-                <a:effectLst/>
-              </a:rPr>
-            </a:br>
-            <a:endParaRPr lang="en-US" dirty="0" smtClean="0">
-              <a:effectLst/>
-            </a:endParaRPr>
-          </a:p>
-          <a:p>
+              <a:rPr lang="de-CH" dirty="0" err="1" smtClean="0"/>
+              <a:t>Mindset</a:t>
+            </a:r>
+            <a:r>
+              <a:rPr lang="de-CH" dirty="0" smtClean="0"/>
+              <a:t> für die nächsten 75min</a:t>
+            </a:r>
+          </a:p>
+          <a:p>
+            <a:r>
+              <a:rPr lang="de-CH" dirty="0" smtClean="0"/>
+              <a:t>Was wir können und</a:t>
+            </a:r>
+            <a:r>
+              <a:rPr lang="de-CH" baseline="0" dirty="0" smtClean="0"/>
+              <a:t> was nicht in 75min?</a:t>
+            </a:r>
             <a:endParaRPr lang="de-CH" dirty="0"/>
           </a:p>
         </p:txBody>
@@ -2782,7 +3367,7 @@
     </p:spTree>
     <p:extLst>
       <p:ext uri="{BB962C8B-B14F-4D97-AF65-F5344CB8AC3E}">
-        <p14:creationId xmlns:p14="http://schemas.microsoft.com/office/powerpoint/2010/main" val="2476789394"/>
+        <p14:creationId xmlns:p14="http://schemas.microsoft.com/office/powerpoint/2010/main" val="4135341233"/>
       </p:ext>
     </p:extLst>
   </p:cSld>
@@ -2847,72 +3432,11 @@
                 <a:effectLst/>
               </a:rPr>
             </a:br>
-            <a:r>
-              <a:rPr lang="de-CH" sz="1200" i="1" kern="1200" dirty="0" smtClean="0">
-                <a:solidFill>
-                  <a:schemeClr val="tx1"/>
-                </a:solidFill>
-                <a:effectLst/>
-                <a:latin typeface="+mn-lt"/>
-                <a:ea typeface="+mn-ea"/>
-                <a:cs typeface="+mn-cs"/>
-              </a:rPr>
-              <a:t> Das Thema ist eng verwandt mit „</a:t>
-            </a:r>
-            <a:r>
-              <a:rPr lang="de-CH" sz="1200" i="1" kern="1200" dirty="0" smtClean="0">
-                <a:solidFill>
-                  <a:schemeClr val="tx1"/>
-                </a:solidFill>
-                <a:effectLst/>
-                <a:latin typeface="+mn-lt"/>
-                <a:ea typeface="+mn-ea"/>
-                <a:cs typeface="+mn-cs"/>
-                <a:hlinkClick r:id="rId3" tooltip="Knowledge Discovery in Databases"/>
-              </a:rPr>
-              <a:t>Knowledge Discovery in Databases</a:t>
-            </a:r>
-            <a:r>
-              <a:rPr lang="de-CH" sz="1200" i="1" kern="1200" dirty="0" smtClean="0">
-                <a:solidFill>
-                  <a:schemeClr val="tx1"/>
-                </a:solidFill>
-                <a:effectLst/>
-                <a:latin typeface="+mn-lt"/>
-                <a:ea typeface="+mn-ea"/>
-                <a:cs typeface="+mn-cs"/>
-              </a:rPr>
-              <a:t>“ und „</a:t>
-            </a:r>
-            <a:r>
-              <a:rPr lang="de-CH" sz="1200" i="1" kern="1200" dirty="0" smtClean="0">
-                <a:solidFill>
-                  <a:schemeClr val="tx1"/>
-                </a:solidFill>
-                <a:effectLst/>
-                <a:latin typeface="+mn-lt"/>
-                <a:ea typeface="+mn-ea"/>
-                <a:cs typeface="+mn-cs"/>
-                <a:hlinkClick r:id="rId4" tooltip="Data-Mining"/>
-              </a:rPr>
-              <a:t>Data-Mining</a:t>
-            </a:r>
-            <a:r>
-              <a:rPr lang="de-CH" sz="1200" i="1" kern="1200" dirty="0" smtClean="0">
-                <a:solidFill>
-                  <a:schemeClr val="tx1"/>
-                </a:solidFill>
-                <a:effectLst/>
-                <a:latin typeface="+mn-lt"/>
-                <a:ea typeface="+mn-ea"/>
-                <a:cs typeface="+mn-cs"/>
-              </a:rPr>
-              <a:t>“, bei dem es jedoch vorwiegend um das Finden von neuen Mustern und Gesetzmäßigkeiten geht. </a:t>
-            </a:r>
-            <a:r>
-              <a:rPr lang="de-CH" dirty="0" smtClean="0"/>
-              <a:t> </a:t>
-            </a:r>
+            <a:endParaRPr lang="en-US" dirty="0" smtClean="0">
+              <a:effectLst/>
+            </a:endParaRPr>
+          </a:p>
+          <a:p>
             <a:endParaRPr lang="de-CH" dirty="0"/>
           </a:p>
         </p:txBody>
@@ -2934,7 +3458,7 @@
           <a:p>
             <a:fld id="{DA58BC1F-B303-41BB-B1E5-E3EE1F495441}" type="slidenum">
               <a:rPr lang="de-CH" smtClean="0"/>
-              <a:t>7</a:t>
+              <a:t>8</a:t>
             </a:fld>
             <a:endParaRPr lang="de-CH"/>
           </a:p>
@@ -2943,7 +3467,7 @@
     </p:spTree>
     <p:extLst>
       <p:ext uri="{BB962C8B-B14F-4D97-AF65-F5344CB8AC3E}">
-        <p14:creationId xmlns:p14="http://schemas.microsoft.com/office/powerpoint/2010/main" val="4269087800"/>
+        <p14:creationId xmlns:p14="http://schemas.microsoft.com/office/powerpoint/2010/main" val="3484418300"/>
       </p:ext>
     </p:extLst>
   </p:cSld>
@@ -2997,60 +3521,17 @@
           <a:bodyPr/>
           <a:lstStyle/>
           <a:p>
-            <a:endParaRPr lang="en-US" dirty="0" smtClean="0">
-              <a:effectLst/>
-            </a:endParaRPr>
-          </a:p>
-          <a:p>
-            <a:pPr rtl="0" latinLnBrk="0"/>
-            <a:r>
-              <a:rPr lang="en-US" sz="1200" i="1" kern="1200" dirty="0" smtClean="0">
-                <a:solidFill>
-                  <a:schemeClr val="tx1"/>
-                </a:solidFill>
-                <a:effectLst/>
-                <a:latin typeface="+mn-lt"/>
-                <a:ea typeface="+mn-ea"/>
-                <a:cs typeface="+mn-cs"/>
-              </a:rPr>
-              <a:t>NLP allows developers to organize and structure knowledge and perform various tasks, including translation, speech recognition, and topic</a:t>
-            </a:r>
             <a:r>
               <a:rPr lang="en-US" dirty="0" smtClean="0">
                 <a:effectLst/>
               </a:rPr>
-              <a:t> </a:t>
-            </a:r>
-            <a:r>
-              <a:rPr lang="en-US" sz="1200" i="1" kern="1200" dirty="0" smtClean="0">
-                <a:solidFill>
-                  <a:schemeClr val="tx1"/>
-                </a:solidFill>
+              <a:t/>
+            </a:r>
+            <a:br>
+              <a:rPr lang="en-US" dirty="0" smtClean="0">
                 <a:effectLst/>
-                <a:latin typeface="+mn-lt"/>
-                <a:ea typeface="+mn-ea"/>
-                <a:cs typeface="+mn-cs"/>
               </a:rPr>
-              <a:t>    </a:t>
-            </a:r>
-            <a:endParaRPr lang="en-US" dirty="0" smtClean="0">
-              <a:effectLst/>
-            </a:endParaRPr>
-          </a:p>
-          <a:p>
-            <a:pPr rtl="0" latinLnBrk="0"/>
-            <a:r>
-              <a:rPr lang="en-US" sz="1200" i="1" kern="1200" dirty="0" smtClean="0">
-                <a:solidFill>
-                  <a:schemeClr val="tx1"/>
-                </a:solidFill>
-                <a:effectLst/>
-                <a:latin typeface="+mn-lt"/>
-                <a:ea typeface="+mn-ea"/>
-                <a:cs typeface="+mn-cs"/>
-              </a:rPr>
-              <a:t>    segmentation, named entity recognition, automatic summarization, and sentiment analysis and relationship extraction.</a:t>
-            </a:r>
+            </a:br>
             <a:endParaRPr lang="en-US" dirty="0" smtClean="0">
               <a:effectLst/>
             </a:endParaRPr>
@@ -3077,7 +3558,7 @@
           <a:p>
             <a:fld id="{DA58BC1F-B303-41BB-B1E5-E3EE1F495441}" type="slidenum">
               <a:rPr lang="de-CH" smtClean="0"/>
-              <a:t>8</a:t>
+              <a:t>9</a:t>
             </a:fld>
             <a:endParaRPr lang="de-CH"/>
           </a:p>
@@ -3086,7 +3567,7 @@
     </p:spTree>
     <p:extLst>
       <p:ext uri="{BB962C8B-B14F-4D97-AF65-F5344CB8AC3E}">
-        <p14:creationId xmlns:p14="http://schemas.microsoft.com/office/powerpoint/2010/main" val="590151831"/>
+        <p14:creationId xmlns:p14="http://schemas.microsoft.com/office/powerpoint/2010/main" val="2938822595"/>
       </p:ext>
     </p:extLst>
   </p:cSld>
@@ -3151,169 +3632,6 @@
                 <a:effectLst/>
               </a:rPr>
             </a:br>
-            <a:r>
-              <a:rPr lang="en-US" dirty="0" smtClean="0">
-                <a:effectLst/>
-              </a:rPr>
-              <a:t>Beware: </a:t>
-            </a:r>
-            <a:r>
-              <a:rPr lang="en-US" dirty="0" err="1" smtClean="0">
-                <a:effectLst/>
-              </a:rPr>
-              <a:t>Englisch</a:t>
-            </a:r>
-            <a:r>
-              <a:rPr lang="en-US" dirty="0" smtClean="0">
-                <a:effectLst/>
-              </a:rPr>
-              <a:t> und Deutsch </a:t>
-            </a:r>
-            <a:r>
-              <a:rPr lang="en-US" dirty="0" err="1" smtClean="0">
-                <a:effectLst/>
-              </a:rPr>
-              <a:t>ist</a:t>
-            </a:r>
-            <a:r>
-              <a:rPr lang="en-US" dirty="0" smtClean="0">
-                <a:effectLst/>
-              </a:rPr>
-              <a:t> </a:t>
-            </a:r>
-            <a:r>
-              <a:rPr lang="en-US" dirty="0" err="1" smtClean="0">
-                <a:effectLst/>
-              </a:rPr>
-              <a:t>hier</a:t>
-            </a:r>
-            <a:r>
-              <a:rPr lang="en-US" dirty="0" smtClean="0">
-                <a:effectLst/>
-              </a:rPr>
-              <a:t> </a:t>
-            </a:r>
-            <a:r>
-              <a:rPr lang="en-US" dirty="0" err="1" smtClean="0">
-                <a:effectLst/>
-              </a:rPr>
-              <a:t>sehr</a:t>
-            </a:r>
-            <a:r>
-              <a:rPr lang="en-US" dirty="0" smtClean="0">
-                <a:effectLst/>
-              </a:rPr>
-              <a:t> </a:t>
-            </a:r>
-            <a:r>
-              <a:rPr lang="en-US" dirty="0" err="1" smtClean="0">
-                <a:effectLst/>
-              </a:rPr>
-              <a:t>mit</a:t>
-            </a:r>
-            <a:r>
-              <a:rPr lang="en-US" dirty="0" smtClean="0">
-                <a:effectLst/>
-              </a:rPr>
-              <a:t> </a:t>
-            </a:r>
-            <a:r>
-              <a:rPr lang="en-US" dirty="0" err="1" smtClean="0">
-                <a:effectLst/>
-              </a:rPr>
-              <a:t>bedacht</a:t>
-            </a:r>
-            <a:r>
-              <a:rPr lang="en-US" dirty="0" smtClean="0">
-                <a:effectLst/>
-              </a:rPr>
-              <a:t> </a:t>
-            </a:r>
-            <a:r>
-              <a:rPr lang="en-US" dirty="0" err="1" smtClean="0">
-                <a:effectLst/>
-              </a:rPr>
-              <a:t>gewählt</a:t>
-            </a:r>
-            <a:r>
-              <a:rPr lang="en-US" dirty="0" smtClean="0">
-                <a:effectLst/>
-              </a:rPr>
-              <a:t> </a:t>
-            </a:r>
-            <a:r>
-              <a:rPr lang="en-US" dirty="0" err="1" smtClean="0">
-                <a:effectLst/>
-              </a:rPr>
-              <a:t>bei</a:t>
-            </a:r>
-            <a:r>
-              <a:rPr lang="en-US" dirty="0" smtClean="0">
-                <a:effectLst/>
-              </a:rPr>
-              <a:t> </a:t>
-            </a:r>
-            <a:r>
-              <a:rPr lang="en-US" dirty="0" err="1" smtClean="0">
-                <a:effectLst/>
-              </a:rPr>
-              <a:t>diesen</a:t>
-            </a:r>
-            <a:r>
-              <a:rPr lang="en-US" dirty="0" smtClean="0">
-                <a:effectLst/>
-              </a:rPr>
-              <a:t> </a:t>
-            </a:r>
-            <a:r>
-              <a:rPr lang="en-US" dirty="0" err="1" smtClean="0">
-                <a:effectLst/>
-              </a:rPr>
-              <a:t>Folien</a:t>
-            </a:r>
-            <a:r>
-              <a:rPr lang="en-US" dirty="0" smtClean="0">
-                <a:effectLst/>
-              </a:rPr>
-              <a:t>! </a:t>
-            </a:r>
-          </a:p>
-          <a:p>
-            <a:endParaRPr lang="en-US" dirty="0" smtClean="0">
-              <a:effectLst/>
-            </a:endParaRPr>
-          </a:p>
-          <a:p>
-            <a:r>
-              <a:rPr lang="en-US" dirty="0" err="1" smtClean="0">
-                <a:effectLst/>
-              </a:rPr>
-              <a:t>Künstliche</a:t>
-            </a:r>
-            <a:r>
-              <a:rPr lang="en-US" dirty="0" smtClean="0">
-                <a:effectLst/>
-              </a:rPr>
-              <a:t> </a:t>
-            </a:r>
-            <a:r>
-              <a:rPr lang="en-US" dirty="0" err="1" smtClean="0">
-                <a:effectLst/>
-              </a:rPr>
-              <a:t>neuronale</a:t>
-            </a:r>
-            <a:r>
-              <a:rPr lang="en-US" dirty="0" smtClean="0">
-                <a:effectLst/>
-              </a:rPr>
-              <a:t> </a:t>
-            </a:r>
-            <a:r>
-              <a:rPr lang="en-US" dirty="0" err="1" smtClean="0">
-                <a:effectLst/>
-              </a:rPr>
-              <a:t>Netze</a:t>
-            </a:r>
             <a:endParaRPr lang="en-US" dirty="0" smtClean="0">
               <a:effectLst/>
             </a:endParaRPr>
@@ -3340,7 +3658,7 @@
           <a:p>
             <a:fld id="{DA58BC1F-B303-41BB-B1E5-E3EE1F495441}" type="slidenum">
               <a:rPr lang="de-CH" smtClean="0"/>
-              <a:t>9</a:t>
+              <a:t>10</a:t>
             </a:fld>
             <a:endParaRPr lang="de-CH"/>
           </a:p>
@@ -3349,7 +3667,7 @@
     </p:spTree>
     <p:extLst>
       <p:ext uri="{BB962C8B-B14F-4D97-AF65-F5344CB8AC3E}">
-        <p14:creationId xmlns:p14="http://schemas.microsoft.com/office/powerpoint/2010/main" val="970443988"/>
+        <p14:creationId xmlns:p14="http://schemas.microsoft.com/office/powerpoint/2010/main" val="2476789394"/>
       </p:ext>
     </p:extLst>
   </p:cSld>
@@ -3415,81 +3733,71 @@
               </a:rPr>
             </a:br>
             <a:r>
-              <a:rPr lang="en-US" dirty="0" smtClean="0">
+              <a:rPr lang="de-CH" sz="1200" i="1" kern="1200" dirty="0" smtClean="0">
+                <a:solidFill>
+                  <a:schemeClr val="tx1"/>
+                </a:solidFill>
                 <a:effectLst/>
+                <a:latin typeface="+mn-lt"/>
+                <a:ea typeface="+mn-ea"/>
+                <a:cs typeface="+mn-cs"/>
               </a:rPr>
-              <a:t>Anyhow? </a:t>
-            </a:r>
-            <a:r>
-              <a:rPr lang="en-US" dirty="0" err="1" smtClean="0">
+              <a:t> Das Thema ist eng verwandt mit „</a:t>
+            </a:r>
+            <a:r>
+              <a:rPr lang="de-CH" sz="1200" i="1" kern="1200" dirty="0" smtClean="0">
+                <a:solidFill>
+                  <a:schemeClr val="tx1"/>
+                </a:solidFill>
                 <a:effectLst/>
+                <a:latin typeface="+mn-lt"/>
+                <a:ea typeface="+mn-ea"/>
+                <a:cs typeface="+mn-cs"/>
+                <a:hlinkClick r:id="rId3" tooltip="Knowledge Discovery in Databases"/>
               </a:rPr>
-              <a:t>Diskussionen</a:t>
-            </a:r>
-            <a:r>
-              <a:rPr lang="en-US" dirty="0" smtClean="0">
+              <a:t>Knowledge Discovery in Databases</a:t>
+            </a:r>
+            <a:r>
+              <a:rPr lang="de-CH" sz="1200" i="1" kern="1200" dirty="0" smtClean="0">
+                <a:solidFill>
+                  <a:schemeClr val="tx1"/>
+                </a:solidFill>
                 <a:effectLst/>
+                <a:latin typeface="+mn-lt"/>
+                <a:ea typeface="+mn-ea"/>
+                <a:cs typeface="+mn-cs"/>
               </a:rPr>
-              <a:t> on Yammer - Hat </a:t>
-            </a:r>
-            <a:r>
-              <a:rPr lang="en-US" dirty="0" err="1" smtClean="0">
+              <a:t>“ und „</a:t>
+            </a:r>
+            <a:r>
+              <a:rPr lang="de-CH" sz="1200" i="1" kern="1200" dirty="0" smtClean="0">
+                <a:solidFill>
+                  <a:schemeClr val="tx1"/>
+                </a:solidFill>
                 <a:effectLst/>
+                <a:latin typeface="+mn-lt"/>
+                <a:ea typeface="+mn-ea"/>
+                <a:cs typeface="+mn-cs"/>
+                <a:hlinkClick r:id="rId4" tooltip="Data-Mining"/>
               </a:rPr>
-              <a:t>jemand</a:t>
-            </a:r>
-            <a:r>
-              <a:rPr lang="en-US" dirty="0" smtClean="0">
+              <a:t>Data-Mining</a:t>
+            </a:r>
+            <a:r>
+              <a:rPr lang="de-CH" sz="1200" i="1" kern="1200" dirty="0" smtClean="0">
+                <a:solidFill>
+                  <a:schemeClr val="tx1"/>
+                </a:solidFill>
                 <a:effectLst/>
+                <a:latin typeface="+mn-lt"/>
+                <a:ea typeface="+mn-ea"/>
+                <a:cs typeface="+mn-cs"/>
               </a:rPr>
+              <a:t>“, bei dem es jedoch vorwiegend um das Finden von neuen Mustern und Gesetzmäßigkeiten geht. </a:t>
+            </a:r>
+            <a:r>
+              <a:rPr lang="de-CH" dirty="0" smtClean="0"/>
               <a:t> </a:t>
             </a:r>
-            <a:r>
-              <a:rPr lang="en-US" dirty="0" err="1" smtClean="0">
-                <a:effectLst/>
-              </a:rPr>
-              <a:t>eine</a:t>
-            </a:r>
-            <a:r>
-              <a:rPr lang="en-US" dirty="0" smtClean="0">
-                <a:effectLst/>
-              </a:rPr>
-              <a:t> </a:t>
-            </a:r>
-            <a:r>
-              <a:rPr lang="en-US" dirty="0" err="1" smtClean="0">
-                <a:effectLst/>
-              </a:rPr>
-              <a:t>gute</a:t>
-            </a:r>
-            <a:r>
-              <a:rPr lang="en-US" dirty="0" smtClean="0">
-                <a:effectLst/>
-              </a:rPr>
-              <a:t> Definition </a:t>
-            </a:r>
-            <a:r>
-              <a:rPr lang="en-US" dirty="0" err="1" smtClean="0">
-                <a:effectLst/>
-              </a:rPr>
-              <a:t>für</a:t>
-            </a:r>
-            <a:r>
-              <a:rPr lang="en-US" dirty="0" smtClean="0">
-                <a:effectLst/>
-              </a:rPr>
-              <a:t> das?</a:t>
-            </a:r>
-          </a:p>
-          <a:p>
-            <a:r>
-              <a:rPr lang="en-US" dirty="0" smtClean="0">
-                <a:effectLst/>
-              </a:rPr>
-              <a:t>Und/Oder?</a:t>
-            </a:r>
-          </a:p>
-          <a:p>
             <a:endParaRPr lang="de-CH" dirty="0"/>
           </a:p>
         </p:txBody>
@@ -3511,7 +3819,7 @@
           <a:p>
             <a:fld id="{DA58BC1F-B303-41BB-B1E5-E3EE1F495441}" type="slidenum">
               <a:rPr lang="de-CH" smtClean="0"/>
-              <a:t>10</a:t>
+              <a:t>11</a:t>
             </a:fld>
             <a:endParaRPr lang="de-CH"/>
           </a:p>
@@ -3520,7 +3828,7 @@
     </p:spTree>
     <p:extLst>
       <p:ext uri="{BB962C8B-B14F-4D97-AF65-F5344CB8AC3E}">
-        <p14:creationId xmlns:p14="http://schemas.microsoft.com/office/powerpoint/2010/main" val="2063801729"/>
+        <p14:creationId xmlns:p14="http://schemas.microsoft.com/office/powerpoint/2010/main" val="4269087800"/>
       </p:ext>
     </p:extLst>
   </p:cSld>
@@ -3574,32 +3882,66 @@
           <a:bodyPr/>
           <a:lstStyle/>
           <a:p>
+            <a:endParaRPr lang="en-US" dirty="0" smtClean="0">
+              <a:effectLst/>
+            </a:endParaRPr>
+          </a:p>
+          <a:p>
+            <a:pPr rtl="0" latinLnBrk="0"/>
+            <a:r>
+              <a:rPr lang="en-US" sz="1200" i="1" kern="1200" dirty="0" smtClean="0">
+                <a:solidFill>
+                  <a:schemeClr val="tx1"/>
+                </a:solidFill>
+                <a:effectLst/>
+                <a:latin typeface="+mn-lt"/>
+                <a:ea typeface="+mn-ea"/>
+                <a:cs typeface="+mn-cs"/>
+              </a:rPr>
+              <a:t>NLP allows developers to organize and structure knowledge and perform various tasks, including translation, speech recognition, and topic</a:t>
+            </a:r>
             <a:r>
               <a:rPr lang="en-US" dirty="0" smtClean="0">
                 <a:effectLst/>
               </a:rPr>
-              <a:t/>
-            </a:r>
-            <a:br>
-              <a:rPr lang="en-US" dirty="0" smtClean="0">
+              <a:t> </a:t>
+            </a:r>
+            <a:r>
+              <a:rPr lang="en-US" sz="1200" i="1" kern="1200" dirty="0" smtClean="0">
+                <a:solidFill>
+                  <a:schemeClr val="tx1"/>
+                </a:solidFill>
                 <a:effectLst/>
+                <a:latin typeface="+mn-lt"/>
+                <a:ea typeface="+mn-ea"/>
+                <a:cs typeface="+mn-cs"/>
               </a:rPr>
-            </a:br>
-            <a:r>
-              <a:rPr lang="de-CH" dirty="0" smtClean="0">
-                <a:effectLst/>
-              </a:rPr>
-              <a:t>Wa</a:t>
-            </a:r>
-            <a:r>
-              <a:rPr lang="de-CH" baseline="0" dirty="0" smtClean="0">
-                <a:effectLst/>
-              </a:rPr>
-              <a:t>s wir bis jetzt haben.</a:t>
+              <a:t>    </a:t>
             </a:r>
             <a:endParaRPr lang="en-US" dirty="0" smtClean="0">
               <a:effectLst/>
             </a:endParaRPr>
+          </a:p>
+          <a:p>
+            <a:pPr rtl="0" latinLnBrk="0"/>
+            <a:r>
+              <a:rPr lang="en-US" sz="1200" i="1" kern="1200" dirty="0" smtClean="0">
+                <a:solidFill>
+                  <a:schemeClr val="tx1"/>
+                </a:solidFill>
+                <a:effectLst/>
+                <a:latin typeface="+mn-lt"/>
+                <a:ea typeface="+mn-ea"/>
+                <a:cs typeface="+mn-cs"/>
+              </a:rPr>
+              <a:t>    segmentation, named entity recognition, automatic summarization, and sentiment analysis and relationship extraction.</a:t>
+            </a:r>
+            <a:endParaRPr lang="en-US" dirty="0" smtClean="0">
+              <a:effectLst/>
+            </a:endParaRPr>
+          </a:p>
+          <a:p>
+            <a:endParaRPr lang="de-CH" dirty="0"/>
           </a:p>
         </p:txBody>
       </p:sp>
@@ -3620,7 +3962,7 @@
           <a:p>
             <a:fld id="{DA58BC1F-B303-41BB-B1E5-E3EE1F495441}" type="slidenum">
               <a:rPr lang="de-CH" smtClean="0"/>
-              <a:t>11</a:t>
+              <a:t>12</a:t>
             </a:fld>
             <a:endParaRPr lang="de-CH"/>
           </a:p>
@@ -3629,7 +3971,7 @@
     </p:spTree>
     <p:extLst>
       <p:ext uri="{BB962C8B-B14F-4D97-AF65-F5344CB8AC3E}">
-        <p14:creationId xmlns:p14="http://schemas.microsoft.com/office/powerpoint/2010/main" val="177082054"/>
+        <p14:creationId xmlns:p14="http://schemas.microsoft.com/office/powerpoint/2010/main" val="590151831"/>
       </p:ext>
     </p:extLst>
   </p:cSld>
@@ -7921,7 +8263,7 @@
           <a:p>
             <a:fld id="{48A87A34-81AB-432B-8DAE-1953F412C126}" type="datetimeFigureOut">
               <a:rPr lang="en-US" dirty="0"/>
-              <a:t>10/12/2017</a:t>
+              <a:t>10/15/2017</a:t>
             </a:fld>
             <a:endParaRPr lang="en-US" dirty="0"/>
           </a:p>
@@ -8183,7 +8525,7 @@
           <a:p>
             <a:fld id="{48A87A34-81AB-432B-8DAE-1953F412C126}" type="datetimeFigureOut">
               <a:rPr lang="en-US" dirty="0"/>
-              <a:t>10/12/2017</a:t>
+              <a:t>10/15/2017</a:t>
             </a:fld>
             <a:endParaRPr lang="en-US" dirty="0"/>
           </a:p>
@@ -8374,7 +8716,7 @@
           <a:p>
             <a:fld id="{48A87A34-81AB-432B-8DAE-1953F412C126}" type="datetimeFigureOut">
               <a:rPr lang="en-US" dirty="0"/>
-              <a:t>10/12/2017</a:t>
+              <a:t>10/15/2017</a:t>
             </a:fld>
             <a:endParaRPr lang="en-US" dirty="0"/>
           </a:p>
@@ -8632,7 +8974,7 @@
           <a:p>
             <a:fld id="{48A87A34-81AB-432B-8DAE-1953F412C126}" type="datetimeFigureOut">
               <a:rPr lang="en-US" dirty="0"/>
-              <a:t>10/12/2017</a:t>
+              <a:t>10/15/2017</a:t>
             </a:fld>
             <a:endParaRPr lang="en-US" dirty="0"/>
           </a:p>
@@ -9061,7 +9403,7 @@
           <a:p>
             <a:fld id="{48A87A34-81AB-432B-8DAE-1953F412C126}" type="datetimeFigureOut">
               <a:rPr lang="en-US" dirty="0"/>
-              <a:t>10/12/2017</a:t>
+              <a:t>10/15/2017</a:t>
             </a:fld>
             <a:endParaRPr lang="en-US" dirty="0"/>
           </a:p>
@@ -9602,7 +9944,7 @@
           <a:p>
             <a:fld id="{48A87A34-81AB-432B-8DAE-1953F412C126}" type="datetimeFigureOut">
               <a:rPr lang="en-US" dirty="0"/>
-              <a:t>10/12/2017</a:t>
+              <a:t>10/15/2017</a:t>
             </a:fld>
             <a:endParaRPr lang="en-US" dirty="0"/>
           </a:p>
@@ -10317,7 +10659,7 @@
           <a:p>
             <a:fld id="{48A87A34-81AB-432B-8DAE-1953F412C126}" type="datetimeFigureOut">
               <a:rPr lang="en-US" dirty="0"/>
-              <a:t>10/12/2017</a:t>
+              <a:t>10/15/2017</a:t>
             </a:fld>
             <a:endParaRPr lang="en-US" dirty="0"/>
           </a:p>
@@ -10482,7 +10824,7 @@
           <a:p>
             <a:fld id="{48A87A34-81AB-432B-8DAE-1953F412C126}" type="datetimeFigureOut">
               <a:rPr lang="en-US" dirty="0"/>
-              <a:t>10/12/2017</a:t>
+              <a:t>10/15/2017</a:t>
             </a:fld>
             <a:endParaRPr lang="en-US" dirty="0"/>
           </a:p>
@@ -10657,7 +10999,7 @@
           <a:p>
             <a:fld id="{48A87A34-81AB-432B-8DAE-1953F412C126}" type="datetimeFigureOut">
               <a:rPr lang="en-US" dirty="0"/>
-              <a:t>10/12/2017</a:t>
+              <a:t>10/15/2017</a:t>
             </a:fld>
             <a:endParaRPr lang="en-US" dirty="0"/>
           </a:p>
@@ -10822,7 +11164,7 @@
           <a:p>
             <a:fld id="{48A87A34-81AB-432B-8DAE-1953F412C126}" type="datetimeFigureOut">
               <a:rPr lang="en-US" dirty="0"/>
-              <a:t>10/12/2017</a:t>
+              <a:t>10/15/2017</a:t>
             </a:fld>
             <a:endParaRPr lang="en-US" dirty="0"/>
           </a:p>
@@ -11067,7 +11409,7 @@
           <a:p>
             <a:fld id="{48A87A34-81AB-432B-8DAE-1953F412C126}" type="datetimeFigureOut">
               <a:rPr lang="en-US" dirty="0"/>
-              <a:t>10/12/2017</a:t>
+              <a:t>10/15/2017</a:t>
             </a:fld>
             <a:endParaRPr lang="en-US" dirty="0"/>
           </a:p>
@@ -11294,7 +11636,7 @@
           <a:p>
             <a:fld id="{48A87A34-81AB-432B-8DAE-1953F412C126}" type="datetimeFigureOut">
               <a:rPr lang="en-US" dirty="0"/>
-              <a:t>10/12/2017</a:t>
+              <a:t>10/15/2017</a:t>
             </a:fld>
             <a:endParaRPr lang="en-US" dirty="0"/>
           </a:p>
@@ -11670,7 +12012,7 @@
           <a:p>
             <a:fld id="{48A87A34-81AB-432B-8DAE-1953F412C126}" type="datetimeFigureOut">
               <a:rPr lang="en-US" dirty="0"/>
-              <a:t>10/12/2017</a:t>
+              <a:t>10/15/2017</a:t>
             </a:fld>
             <a:endParaRPr lang="en-US" dirty="0"/>
           </a:p>
@@ -11783,7 +12125,7 @@
           <a:p>
             <a:fld id="{48A87A34-81AB-432B-8DAE-1953F412C126}" type="datetimeFigureOut">
               <a:rPr lang="en-US" dirty="0"/>
-              <a:t>10/12/2017</a:t>
+              <a:t>10/15/2017</a:t>
             </a:fld>
             <a:endParaRPr lang="en-US" dirty="0"/>
           </a:p>
@@ -11873,7 +12215,7 @@
           <a:p>
             <a:fld id="{48A87A34-81AB-432B-8DAE-1953F412C126}" type="datetimeFigureOut">
               <a:rPr lang="en-US" dirty="0"/>
-              <a:t>10/12/2017</a:t>
+              <a:t>10/15/2017</a:t>
             </a:fld>
             <a:endParaRPr lang="en-US" dirty="0"/>
           </a:p>
@@ -12117,7 +12459,7 @@
           <a:p>
             <a:fld id="{48A87A34-81AB-432B-8DAE-1953F412C126}" type="datetimeFigureOut">
               <a:rPr lang="en-US" dirty="0"/>
-              <a:t>10/12/2017</a:t>
+              <a:t>10/15/2017</a:t>
             </a:fld>
             <a:endParaRPr lang="en-US" dirty="0"/>
           </a:p>
@@ -12392,7 +12734,7 @@
           <a:p>
             <a:fld id="{48A87A34-81AB-432B-8DAE-1953F412C126}" type="datetimeFigureOut">
               <a:rPr lang="en-US" dirty="0"/>
-              <a:t>10/12/2017</a:t>
+              <a:t>10/15/2017</a:t>
             </a:fld>
             <a:endParaRPr lang="en-US" dirty="0"/>
           </a:p>
@@ -15455,7 +15797,7 @@
             <a:fld id="{48A87A34-81AB-432B-8DAE-1953F412C126}" type="datetimeFigureOut">
               <a:rPr lang="en-US" dirty="0"/>
               <a:pPr/>
-              <a:t>10/12/2017</a:t>
+              <a:t>10/15/2017</a:t>
             </a:fld>
             <a:endParaRPr lang="en-US" dirty="0"/>
           </a:p>
@@ -16149,6 +16491,2504 @@
           <a:lstStyle/>
           <a:p>
             <a:r>
+              <a:rPr lang="de-CH" dirty="0" smtClean="0"/>
+              <a:t>Data Mining</a:t>
+            </a:r>
+            <a:endParaRPr lang="de-CH" dirty="0"/>
+          </a:p>
+        </p:txBody>
+      </p:sp>
+      <p:sp>
+        <p:nvSpPr>
+          <p:cNvPr id="9" name="TextBox 8"/>
+          <p:cNvSpPr txBox="1"/>
+          <p:nvPr/>
+        </p:nvSpPr>
+        <p:spPr>
+          <a:xfrm>
+            <a:off x="6969083" y="3082819"/>
+            <a:ext cx="3477234" cy="369332"/>
+          </a:xfrm>
+          <a:prstGeom prst="rect">
+            <a:avLst/>
+          </a:prstGeom>
+          <a:noFill/>
+        </p:spPr>
+        <p:txBody>
+          <a:bodyPr wrap="none" rtlCol="0">
+            <a:spAutoFit/>
+          </a:bodyPr>
+          <a:lstStyle/>
+          <a:p>
+            <a:r>
+              <a:rPr lang="de-CH" dirty="0" smtClean="0">
+                <a:solidFill>
+                  <a:schemeClr val="tx2">
+                    <a:lumMod val="50000"/>
+                  </a:schemeClr>
+                </a:solidFill>
+              </a:rPr>
+              <a:t>Natural Language Processing</a:t>
+            </a:r>
+            <a:endParaRPr lang="de-CH" dirty="0">
+              <a:solidFill>
+                <a:schemeClr val="tx2">
+                  <a:lumMod val="50000"/>
+                </a:schemeClr>
+              </a:solidFill>
+            </a:endParaRPr>
+          </a:p>
+        </p:txBody>
+      </p:sp>
+      <p:sp>
+        <p:nvSpPr>
+          <p:cNvPr id="10" name="TextBox 9"/>
+          <p:cNvSpPr txBox="1"/>
+          <p:nvPr/>
+        </p:nvSpPr>
+        <p:spPr>
+          <a:xfrm>
+            <a:off x="1819928" y="4019426"/>
+            <a:ext cx="1846980" cy="369332"/>
+          </a:xfrm>
+          <a:prstGeom prst="rect">
+            <a:avLst/>
+          </a:prstGeom>
+          <a:noFill/>
+        </p:spPr>
+        <p:txBody>
+          <a:bodyPr wrap="none" rtlCol="0">
+            <a:spAutoFit/>
+          </a:bodyPr>
+          <a:lstStyle/>
+          <a:p>
+            <a:r>
+              <a:rPr lang="de-CH" dirty="0" smtClean="0">
+                <a:solidFill>
+                  <a:schemeClr val="tx2">
+                    <a:lumMod val="50000"/>
+                  </a:schemeClr>
+                </a:solidFill>
+              </a:rPr>
+              <a:t>Deep Learning</a:t>
+            </a:r>
+            <a:endParaRPr lang="de-CH" dirty="0">
+              <a:solidFill>
+                <a:schemeClr val="tx2">
+                  <a:lumMod val="50000"/>
+                </a:schemeClr>
+              </a:solidFill>
+            </a:endParaRPr>
+          </a:p>
+        </p:txBody>
+      </p:sp>
+      <p:sp>
+        <p:nvSpPr>
+          <p:cNvPr id="11" name="TextBox 10"/>
+          <p:cNvSpPr txBox="1"/>
+          <p:nvPr/>
+        </p:nvSpPr>
+        <p:spPr>
+          <a:xfrm>
+            <a:off x="6085180" y="4048907"/>
+            <a:ext cx="2214068" cy="369332"/>
+          </a:xfrm>
+          <a:prstGeom prst="rect">
+            <a:avLst/>
+          </a:prstGeom>
+          <a:noFill/>
+        </p:spPr>
+        <p:txBody>
+          <a:bodyPr wrap="none" rtlCol="0">
+            <a:spAutoFit/>
+          </a:bodyPr>
+          <a:lstStyle/>
+          <a:p>
+            <a:r>
+              <a:rPr lang="de-CH" dirty="0" smtClean="0">
+                <a:solidFill>
+                  <a:schemeClr val="tx2">
+                    <a:lumMod val="50000"/>
+                  </a:schemeClr>
+                </a:solidFill>
+              </a:rPr>
+              <a:t>Machine Learning</a:t>
+            </a:r>
+            <a:endParaRPr lang="de-CH" dirty="0">
+              <a:solidFill>
+                <a:schemeClr val="tx2">
+                  <a:lumMod val="50000"/>
+                </a:schemeClr>
+              </a:solidFill>
+            </a:endParaRPr>
+          </a:p>
+        </p:txBody>
+      </p:sp>
+      <p:sp>
+        <p:nvSpPr>
+          <p:cNvPr id="12" name="TextBox 11"/>
+          <p:cNvSpPr txBox="1"/>
+          <p:nvPr/>
+        </p:nvSpPr>
+        <p:spPr>
+          <a:xfrm>
+            <a:off x="4285133" y="4785936"/>
+            <a:ext cx="1148071" cy="369332"/>
+          </a:xfrm>
+          <a:prstGeom prst="rect">
+            <a:avLst/>
+          </a:prstGeom>
+          <a:noFill/>
+        </p:spPr>
+        <p:txBody>
+          <a:bodyPr wrap="none" rtlCol="0">
+            <a:spAutoFit/>
+          </a:bodyPr>
+          <a:lstStyle/>
+          <a:p>
+            <a:r>
+              <a:rPr lang="de-CH" dirty="0" smtClean="0">
+                <a:solidFill>
+                  <a:schemeClr val="tx2">
+                    <a:lumMod val="50000"/>
+                  </a:schemeClr>
+                </a:solidFill>
+              </a:rPr>
+              <a:t>Big Data</a:t>
+            </a:r>
+            <a:endParaRPr lang="de-CH" dirty="0">
+              <a:solidFill>
+                <a:schemeClr val="tx2">
+                  <a:lumMod val="50000"/>
+                </a:schemeClr>
+              </a:solidFill>
+            </a:endParaRPr>
+          </a:p>
+        </p:txBody>
+      </p:sp>
+      <p:sp>
+        <p:nvSpPr>
+          <p:cNvPr id="13" name="TextBox 12"/>
+          <p:cNvSpPr txBox="1"/>
+          <p:nvPr/>
+        </p:nvSpPr>
+        <p:spPr>
+          <a:xfrm>
+            <a:off x="3793958" y="2416845"/>
+            <a:ext cx="2608406" cy="369332"/>
+          </a:xfrm>
+          <a:prstGeom prst="rect">
+            <a:avLst/>
+          </a:prstGeom>
+          <a:noFill/>
+        </p:spPr>
+        <p:txBody>
+          <a:bodyPr wrap="none" rtlCol="0">
+            <a:spAutoFit/>
+          </a:bodyPr>
+          <a:lstStyle/>
+          <a:p>
+            <a:r>
+              <a:rPr lang="de-CH" dirty="0" smtClean="0">
+                <a:solidFill>
+                  <a:schemeClr val="tx2">
+                    <a:lumMod val="50000"/>
+                  </a:schemeClr>
+                </a:solidFill>
+              </a:rPr>
+              <a:t>Cognitive Computing</a:t>
+            </a:r>
+            <a:endParaRPr lang="de-CH" dirty="0">
+              <a:solidFill>
+                <a:schemeClr val="tx2">
+                  <a:lumMod val="50000"/>
+                </a:schemeClr>
+              </a:solidFill>
+            </a:endParaRPr>
+          </a:p>
+        </p:txBody>
+      </p:sp>
+      <p:sp>
+        <p:nvSpPr>
+          <p:cNvPr id="14" name="TextBox 13"/>
+          <p:cNvSpPr txBox="1"/>
+          <p:nvPr/>
+        </p:nvSpPr>
+        <p:spPr>
+          <a:xfrm>
+            <a:off x="1900989" y="5664554"/>
+            <a:ext cx="2813591" cy="369332"/>
+          </a:xfrm>
+          <a:prstGeom prst="rect">
+            <a:avLst/>
+          </a:prstGeom>
+          <a:noFill/>
+        </p:spPr>
+        <p:txBody>
+          <a:bodyPr wrap="none" rtlCol="0">
+            <a:spAutoFit/>
+          </a:bodyPr>
+          <a:lstStyle/>
+          <a:p>
+            <a:r>
+              <a:rPr lang="de-CH" dirty="0" smtClean="0">
+                <a:solidFill>
+                  <a:schemeClr val="tx2">
+                    <a:lumMod val="50000"/>
+                  </a:schemeClr>
+                </a:solidFill>
+              </a:rPr>
+              <a:t>Artifical Neural Network</a:t>
+            </a:r>
+            <a:endParaRPr lang="de-CH" dirty="0">
+              <a:solidFill>
+                <a:schemeClr val="tx2">
+                  <a:lumMod val="50000"/>
+                </a:schemeClr>
+              </a:solidFill>
+            </a:endParaRPr>
+          </a:p>
+        </p:txBody>
+      </p:sp>
+      <p:sp>
+        <p:nvSpPr>
+          <p:cNvPr id="15" name="TextBox 14"/>
+          <p:cNvSpPr txBox="1"/>
+          <p:nvPr/>
+        </p:nvSpPr>
+        <p:spPr>
+          <a:xfrm>
+            <a:off x="1755638" y="3452151"/>
+            <a:ext cx="8356775" cy="1200329"/>
+          </a:xfrm>
+          <a:prstGeom prst="rect">
+            <a:avLst/>
+          </a:prstGeom>
+          <a:noFill/>
+        </p:spPr>
+        <p:txBody>
+          <a:bodyPr wrap="none" rtlCol="0">
+            <a:spAutoFit/>
+          </a:bodyPr>
+          <a:lstStyle/>
+          <a:p>
+            <a:r>
+              <a:rPr lang="en-US" i="1" dirty="0"/>
+              <a:t>Data mining is the practice of </a:t>
+            </a:r>
+            <a:r>
+              <a:rPr lang="en-US" b="1" i="1" dirty="0"/>
+              <a:t>evaluating large databases </a:t>
+            </a:r>
+            <a:r>
+              <a:rPr lang="en-US" i="1" dirty="0"/>
+              <a:t>of information </a:t>
+            </a:r>
+            <a:endParaRPr lang="en-US" i="1" dirty="0" smtClean="0"/>
+          </a:p>
+          <a:p>
+            <a:r>
+              <a:rPr lang="en-US" b="1" i="1" dirty="0" smtClean="0"/>
+              <a:t>to </a:t>
+            </a:r>
+            <a:r>
+              <a:rPr lang="en-US" b="1" i="1" dirty="0"/>
+              <a:t>create new information </a:t>
+            </a:r>
+            <a:r>
+              <a:rPr lang="en-US" i="1" dirty="0"/>
+              <a:t>that can be useful for a certain function.</a:t>
+            </a:r>
+            <a:endParaRPr lang="en-US" dirty="0"/>
+          </a:p>
+          <a:p>
+            <a:r>
+              <a:rPr lang="en-US" i="1" dirty="0"/>
+              <a:t>        </a:t>
+            </a:r>
+          </a:p>
+          <a:p>
+            <a:r>
+              <a:rPr lang="en-US" i="1" dirty="0" smtClean="0"/>
+              <a:t>It </a:t>
+            </a:r>
+            <a:r>
+              <a:rPr lang="en-US" i="1" dirty="0"/>
+              <a:t>is also sometimes referred as “Knowledge Discovery in Data” (KDD).</a:t>
+            </a:r>
+            <a:endParaRPr lang="en-US" dirty="0">
+              <a:effectLst/>
+            </a:endParaRPr>
+          </a:p>
+        </p:txBody>
+      </p:sp>
+    </p:spTree>
+    <p:extLst>
+      <p:ext uri="{BB962C8B-B14F-4D97-AF65-F5344CB8AC3E}">
+        <p14:creationId xmlns:p14="http://schemas.microsoft.com/office/powerpoint/2010/main" val="1620044018"/>
+      </p:ext>
+    </p:extLst>
+  </p:cSld>
+  <p:clrMapOvr>
+    <a:masterClrMapping/>
+  </p:clrMapOvr>
+  <p:timing>
+    <p:tnLst>
+      <p:par>
+        <p:cTn id="1" dur="indefinite" restart="never" nodeType="tmRoot">
+          <p:childTnLst>
+            <p:seq concurrent="1" nextAc="seek">
+              <p:cTn id="2" dur="indefinite" nodeType="mainSeq">
+                <p:childTnLst>
+                  <p:par>
+                    <p:cTn id="3" fill="hold">
+                      <p:stCondLst>
+                        <p:cond delay="indefinite"/>
+                      </p:stCondLst>
+                      <p:childTnLst>
+                        <p:par>
+                          <p:cTn id="4" fill="hold">
+                            <p:stCondLst>
+                              <p:cond delay="0"/>
+                            </p:stCondLst>
+                            <p:childTnLst>
+                              <p:par>
+                                <p:cTn id="5" presetID="10" presetClass="entr" presetSubtype="0" fill="hold" grpId="0" nodeType="clickEffect">
+                                  <p:stCondLst>
+                                    <p:cond delay="0"/>
+                                  </p:stCondLst>
+                                  <p:childTnLst>
+                                    <p:set>
+                                      <p:cBhvr>
+                                        <p:cTn id="6" dur="1" fill="hold">
+                                          <p:stCondLst>
+                                            <p:cond delay="0"/>
+                                          </p:stCondLst>
+                                        </p:cTn>
+                                        <p:tgtEl>
+                                          <p:spTgt spid="15"/>
+                                        </p:tgtEl>
+                                        <p:attrNameLst>
+                                          <p:attrName>style.visibility</p:attrName>
+                                        </p:attrNameLst>
+                                      </p:cBhvr>
+                                      <p:to>
+                                        <p:strVal val="visible"/>
+                                      </p:to>
+                                    </p:set>
+                                    <p:animEffect transition="in" filter="fade">
+                                      <p:cBhvr>
+                                        <p:cTn id="7" dur="500"/>
+                                        <p:tgtEl>
+                                          <p:spTgt spid="15"/>
+                                        </p:tgtEl>
+                                      </p:cBhvr>
+                                    </p:animEffect>
+                                  </p:childTnLst>
+                                </p:cTn>
+                              </p:par>
+                            </p:childTnLst>
+                          </p:cTn>
+                        </p:par>
+                      </p:childTnLst>
+                    </p:cTn>
+                  </p:par>
+                </p:childTnLst>
+              </p:cTn>
+              <p:prevCondLst>
+                <p:cond evt="onPrev" delay="0">
+                  <p:tgtEl>
+                    <p:sldTgt/>
+                  </p:tgtEl>
+                </p:cond>
+              </p:prevCondLst>
+              <p:nextCondLst>
+                <p:cond evt="onNext" delay="0">
+                  <p:tgtEl>
+                    <p:sldTgt/>
+                  </p:tgtEl>
+                </p:cond>
+              </p:nextCondLst>
+            </p:seq>
+          </p:childTnLst>
+        </p:cTn>
+      </p:par>
+    </p:tnLst>
+    <p:bldLst>
+      <p:bldP spid="15" grpId="0"/>
+    </p:bldLst>
+  </p:timing>
+</p:sld>
+</file>
+
+<file path=ppt/slides/slide11.xml><?xml version="1.0" encoding="utf-8"?>
+<p:sld xmlns:a="http://schemas.openxmlformats.org/drawingml/2006/main" xmlns:r="http://schemas.openxmlformats.org/officeDocument/2006/relationships" xmlns:p="http://schemas.openxmlformats.org/presentationml/2006/main">
+  <p:cSld>
+    <p:spTree>
+      <p:nvGrpSpPr>
+        <p:cNvPr id="1" name=""/>
+        <p:cNvGrpSpPr/>
+        <p:nvPr/>
+      </p:nvGrpSpPr>
+      <p:grpSpPr>
+        <a:xfrm>
+          <a:off x="0" y="0"/>
+          <a:ext cx="0" cy="0"/>
+          <a:chOff x="0" y="0"/>
+          <a:chExt cx="0" cy="0"/>
+        </a:xfrm>
+      </p:grpSpPr>
+      <p:sp>
+        <p:nvSpPr>
+          <p:cNvPr id="4" name="Title 3"/>
+          <p:cNvSpPr>
+            <a:spLocks noGrp="1"/>
+          </p:cNvSpPr>
+          <p:nvPr>
+            <p:ph type="title"/>
+          </p:nvPr>
+        </p:nvSpPr>
+        <p:spPr/>
+        <p:txBody>
+          <a:bodyPr/>
+          <a:lstStyle/>
+          <a:p>
+            <a:r>
+              <a:rPr lang="de-CH" dirty="0" err="1"/>
+              <a:t>Demystifying</a:t>
+            </a:r>
+            <a:r>
+              <a:rPr lang="de-CH" dirty="0"/>
+              <a:t> </a:t>
+            </a:r>
+            <a:r>
+              <a:rPr lang="de-CH" dirty="0" err="1"/>
+              <a:t>Buzzwords</a:t>
+            </a:r>
+            <a:endParaRPr lang="de-CH" dirty="0"/>
+          </a:p>
+        </p:txBody>
+      </p:sp>
+      <p:sp>
+        <p:nvSpPr>
+          <p:cNvPr id="5" name="Content Placeholder 4"/>
+          <p:cNvSpPr>
+            <a:spLocks noGrp="1"/>
+          </p:cNvSpPr>
+          <p:nvPr>
+            <p:ph idx="1"/>
+          </p:nvPr>
+        </p:nvSpPr>
+        <p:spPr>
+          <a:xfrm>
+            <a:off x="4059864" y="3286539"/>
+            <a:ext cx="2516188" cy="429545"/>
+          </a:xfrm>
+        </p:spPr>
+        <p:txBody>
+          <a:bodyPr>
+            <a:normAutofit fontScale="92500" lnSpcReduction="20000"/>
+          </a:bodyPr>
+          <a:lstStyle/>
+          <a:p>
+            <a:pPr marL="0" indent="0">
+              <a:buNone/>
+            </a:pPr>
+            <a:r>
+              <a:rPr lang="de-CH" dirty="0" smtClean="0">
+                <a:solidFill>
+                  <a:schemeClr val="tx2">
+                    <a:lumMod val="50000"/>
+                  </a:schemeClr>
+                </a:solidFill>
+              </a:rPr>
+              <a:t>Data Science</a:t>
+            </a:r>
+            <a:endParaRPr lang="de-CH" dirty="0">
+              <a:solidFill>
+                <a:schemeClr val="tx2">
+                  <a:lumMod val="50000"/>
+                </a:schemeClr>
+              </a:solidFill>
+            </a:endParaRPr>
+          </a:p>
+        </p:txBody>
+      </p:sp>
+      <p:sp>
+        <p:nvSpPr>
+          <p:cNvPr id="7" name="TextBox 6"/>
+          <p:cNvSpPr txBox="1"/>
+          <p:nvPr/>
+        </p:nvSpPr>
+        <p:spPr>
+          <a:xfrm>
+            <a:off x="7756356" y="4807214"/>
+            <a:ext cx="2582779" cy="369332"/>
+          </a:xfrm>
+          <a:prstGeom prst="rect">
+            <a:avLst/>
+          </a:prstGeom>
+          <a:noFill/>
+        </p:spPr>
+        <p:txBody>
+          <a:bodyPr wrap="square" rtlCol="0">
+            <a:spAutoFit/>
+          </a:bodyPr>
+          <a:lstStyle/>
+          <a:p>
+            <a:r>
+              <a:rPr lang="de-CH" dirty="0" smtClean="0">
+                <a:solidFill>
+                  <a:schemeClr val="tx2">
+                    <a:lumMod val="50000"/>
+                  </a:schemeClr>
+                </a:solidFill>
+              </a:rPr>
+              <a:t>Artifical Intelligence</a:t>
+            </a:r>
+            <a:endParaRPr lang="de-CH" dirty="0">
+              <a:solidFill>
+                <a:schemeClr val="tx2">
+                  <a:lumMod val="50000"/>
+                </a:schemeClr>
+              </a:solidFill>
+            </a:endParaRPr>
+          </a:p>
+        </p:txBody>
+      </p:sp>
+      <p:sp>
+        <p:nvSpPr>
+          <p:cNvPr id="8" name="TextBox 7"/>
+          <p:cNvSpPr txBox="1"/>
+          <p:nvPr/>
+        </p:nvSpPr>
+        <p:spPr>
+          <a:xfrm>
+            <a:off x="1459832" y="2919897"/>
+            <a:ext cx="1555234" cy="369332"/>
+          </a:xfrm>
+          <a:prstGeom prst="rect">
+            <a:avLst/>
+          </a:prstGeom>
+          <a:noFill/>
+        </p:spPr>
+        <p:txBody>
+          <a:bodyPr wrap="none" rtlCol="0">
+            <a:spAutoFit/>
+          </a:bodyPr>
+          <a:lstStyle/>
+          <a:p>
+            <a:r>
+              <a:rPr lang="de-CH" dirty="0" smtClean="0">
+                <a:solidFill>
+                  <a:schemeClr val="tx2">
+                    <a:lumMod val="50000"/>
+                  </a:schemeClr>
+                </a:solidFill>
+              </a:rPr>
+              <a:t>Data Mining</a:t>
+            </a:r>
+            <a:endParaRPr lang="de-CH" dirty="0">
+              <a:solidFill>
+                <a:schemeClr val="tx2">
+                  <a:lumMod val="50000"/>
+                </a:schemeClr>
+              </a:solidFill>
+            </a:endParaRPr>
+          </a:p>
+        </p:txBody>
+      </p:sp>
+      <p:sp>
+        <p:nvSpPr>
+          <p:cNvPr id="9" name="TextBox 8"/>
+          <p:cNvSpPr txBox="1"/>
+          <p:nvPr/>
+        </p:nvSpPr>
+        <p:spPr>
+          <a:xfrm>
+            <a:off x="6969083" y="3082819"/>
+            <a:ext cx="3477234" cy="369332"/>
+          </a:xfrm>
+          <a:prstGeom prst="rect">
+            <a:avLst/>
+          </a:prstGeom>
+          <a:noFill/>
+        </p:spPr>
+        <p:txBody>
+          <a:bodyPr wrap="none" rtlCol="0">
+            <a:spAutoFit/>
+          </a:bodyPr>
+          <a:lstStyle/>
+          <a:p>
+            <a:r>
+              <a:rPr lang="de-CH" dirty="0" smtClean="0">
+                <a:solidFill>
+                  <a:schemeClr val="tx2">
+                    <a:lumMod val="50000"/>
+                  </a:schemeClr>
+                </a:solidFill>
+              </a:rPr>
+              <a:t>Natural Language Processing</a:t>
+            </a:r>
+            <a:endParaRPr lang="de-CH" dirty="0">
+              <a:solidFill>
+                <a:schemeClr val="tx2">
+                  <a:lumMod val="50000"/>
+                </a:schemeClr>
+              </a:solidFill>
+            </a:endParaRPr>
+          </a:p>
+        </p:txBody>
+      </p:sp>
+      <p:sp>
+        <p:nvSpPr>
+          <p:cNvPr id="10" name="TextBox 9"/>
+          <p:cNvSpPr txBox="1"/>
+          <p:nvPr/>
+        </p:nvSpPr>
+        <p:spPr>
+          <a:xfrm>
+            <a:off x="1819928" y="4019426"/>
+            <a:ext cx="1846980" cy="369332"/>
+          </a:xfrm>
+          <a:prstGeom prst="rect">
+            <a:avLst/>
+          </a:prstGeom>
+          <a:noFill/>
+        </p:spPr>
+        <p:txBody>
+          <a:bodyPr wrap="none" rtlCol="0">
+            <a:spAutoFit/>
+          </a:bodyPr>
+          <a:lstStyle/>
+          <a:p>
+            <a:r>
+              <a:rPr lang="de-CH" dirty="0" smtClean="0">
+                <a:solidFill>
+                  <a:schemeClr val="tx2">
+                    <a:lumMod val="50000"/>
+                  </a:schemeClr>
+                </a:solidFill>
+              </a:rPr>
+              <a:t>Deep Learning</a:t>
+            </a:r>
+            <a:endParaRPr lang="de-CH" dirty="0">
+              <a:solidFill>
+                <a:schemeClr val="tx2">
+                  <a:lumMod val="50000"/>
+                </a:schemeClr>
+              </a:solidFill>
+            </a:endParaRPr>
+          </a:p>
+        </p:txBody>
+      </p:sp>
+      <p:sp>
+        <p:nvSpPr>
+          <p:cNvPr id="11" name="TextBox 10"/>
+          <p:cNvSpPr txBox="1"/>
+          <p:nvPr/>
+        </p:nvSpPr>
+        <p:spPr>
+          <a:xfrm>
+            <a:off x="6085180" y="4048907"/>
+            <a:ext cx="2214068" cy="369332"/>
+          </a:xfrm>
+          <a:prstGeom prst="rect">
+            <a:avLst/>
+          </a:prstGeom>
+          <a:noFill/>
+        </p:spPr>
+        <p:txBody>
+          <a:bodyPr wrap="none" rtlCol="0">
+            <a:spAutoFit/>
+          </a:bodyPr>
+          <a:lstStyle/>
+          <a:p>
+            <a:r>
+              <a:rPr lang="de-CH" dirty="0" smtClean="0"/>
+              <a:t>Machine Learning</a:t>
+            </a:r>
+            <a:endParaRPr lang="de-CH" dirty="0"/>
+          </a:p>
+        </p:txBody>
+      </p:sp>
+      <p:sp>
+        <p:nvSpPr>
+          <p:cNvPr id="12" name="TextBox 11"/>
+          <p:cNvSpPr txBox="1"/>
+          <p:nvPr/>
+        </p:nvSpPr>
+        <p:spPr>
+          <a:xfrm>
+            <a:off x="4285133" y="4785936"/>
+            <a:ext cx="1148071" cy="369332"/>
+          </a:xfrm>
+          <a:prstGeom prst="rect">
+            <a:avLst/>
+          </a:prstGeom>
+          <a:noFill/>
+        </p:spPr>
+        <p:txBody>
+          <a:bodyPr wrap="none" rtlCol="0">
+            <a:spAutoFit/>
+          </a:bodyPr>
+          <a:lstStyle/>
+          <a:p>
+            <a:r>
+              <a:rPr lang="de-CH" dirty="0" smtClean="0">
+                <a:solidFill>
+                  <a:schemeClr val="tx2">
+                    <a:lumMod val="50000"/>
+                  </a:schemeClr>
+                </a:solidFill>
+              </a:rPr>
+              <a:t>Big Data</a:t>
+            </a:r>
+            <a:endParaRPr lang="de-CH" dirty="0">
+              <a:solidFill>
+                <a:schemeClr val="tx2">
+                  <a:lumMod val="50000"/>
+                </a:schemeClr>
+              </a:solidFill>
+            </a:endParaRPr>
+          </a:p>
+        </p:txBody>
+      </p:sp>
+      <p:sp>
+        <p:nvSpPr>
+          <p:cNvPr id="13" name="TextBox 12"/>
+          <p:cNvSpPr txBox="1"/>
+          <p:nvPr/>
+        </p:nvSpPr>
+        <p:spPr>
+          <a:xfrm>
+            <a:off x="3793958" y="2416845"/>
+            <a:ext cx="2608406" cy="369332"/>
+          </a:xfrm>
+          <a:prstGeom prst="rect">
+            <a:avLst/>
+          </a:prstGeom>
+          <a:noFill/>
+        </p:spPr>
+        <p:txBody>
+          <a:bodyPr wrap="none" rtlCol="0">
+            <a:spAutoFit/>
+          </a:bodyPr>
+          <a:lstStyle/>
+          <a:p>
+            <a:r>
+              <a:rPr lang="de-CH" dirty="0" smtClean="0">
+                <a:solidFill>
+                  <a:schemeClr val="tx2">
+                    <a:lumMod val="50000"/>
+                  </a:schemeClr>
+                </a:solidFill>
+              </a:rPr>
+              <a:t>Cognitive Computing</a:t>
+            </a:r>
+            <a:endParaRPr lang="de-CH" dirty="0">
+              <a:solidFill>
+                <a:schemeClr val="tx2">
+                  <a:lumMod val="50000"/>
+                </a:schemeClr>
+              </a:solidFill>
+            </a:endParaRPr>
+          </a:p>
+        </p:txBody>
+      </p:sp>
+      <p:sp>
+        <p:nvSpPr>
+          <p:cNvPr id="14" name="TextBox 13"/>
+          <p:cNvSpPr txBox="1"/>
+          <p:nvPr/>
+        </p:nvSpPr>
+        <p:spPr>
+          <a:xfrm>
+            <a:off x="1900989" y="5664554"/>
+            <a:ext cx="2813591" cy="369332"/>
+          </a:xfrm>
+          <a:prstGeom prst="rect">
+            <a:avLst/>
+          </a:prstGeom>
+          <a:noFill/>
+        </p:spPr>
+        <p:txBody>
+          <a:bodyPr wrap="none" rtlCol="0">
+            <a:spAutoFit/>
+          </a:bodyPr>
+          <a:lstStyle/>
+          <a:p>
+            <a:r>
+              <a:rPr lang="de-CH" dirty="0" smtClean="0">
+                <a:solidFill>
+                  <a:schemeClr val="tx2">
+                    <a:lumMod val="50000"/>
+                  </a:schemeClr>
+                </a:solidFill>
+              </a:rPr>
+              <a:t>Artifical Neural Network</a:t>
+            </a:r>
+            <a:endParaRPr lang="de-CH" dirty="0">
+              <a:solidFill>
+                <a:schemeClr val="tx2">
+                  <a:lumMod val="50000"/>
+                </a:schemeClr>
+              </a:solidFill>
+            </a:endParaRPr>
+          </a:p>
+        </p:txBody>
+      </p:sp>
+      <p:sp>
+        <p:nvSpPr>
+          <p:cNvPr id="15" name="TextBox 14"/>
+          <p:cNvSpPr txBox="1"/>
+          <p:nvPr/>
+        </p:nvSpPr>
+        <p:spPr>
+          <a:xfrm>
+            <a:off x="1819928" y="2564454"/>
+            <a:ext cx="9635971" cy="1200329"/>
+          </a:xfrm>
+          <a:prstGeom prst="rect">
+            <a:avLst/>
+          </a:prstGeom>
+          <a:noFill/>
+        </p:spPr>
+        <p:txBody>
+          <a:bodyPr wrap="none" rtlCol="0">
+            <a:spAutoFit/>
+          </a:bodyPr>
+          <a:lstStyle/>
+          <a:p>
+            <a:r>
+              <a:rPr lang="de-CH" i="1" dirty="0"/>
+              <a:t>Maschine learning umfasst die Entwicklung und Untersuchung von Algorithmen </a:t>
+            </a:r>
+            <a:endParaRPr lang="de-CH" i="1" dirty="0" smtClean="0"/>
+          </a:p>
+          <a:p>
+            <a:r>
+              <a:rPr lang="de-CH" i="1" dirty="0" smtClean="0"/>
+              <a:t>welche </a:t>
+            </a:r>
+            <a:r>
+              <a:rPr lang="de-CH" b="1" i="1" dirty="0"/>
+              <a:t>von Daten lernen und daraus Voraussagen</a:t>
+            </a:r>
+            <a:r>
+              <a:rPr lang="de-CH" i="1" dirty="0"/>
+              <a:t> machen kann. </a:t>
+            </a:r>
+            <a:endParaRPr lang="de-CH" i="1" dirty="0" smtClean="0"/>
+          </a:p>
+          <a:p>
+            <a:r>
+              <a:rPr lang="de-CH" i="1" dirty="0" smtClean="0"/>
+              <a:t>Es </a:t>
+            </a:r>
+            <a:r>
+              <a:rPr lang="de-CH" i="1" dirty="0"/>
+              <a:t>wird also </a:t>
+            </a:r>
+            <a:r>
+              <a:rPr lang="de-CH" b="1" i="1" dirty="0"/>
+              <a:t>auf der Basis von Daten ein Modell </a:t>
+            </a:r>
+            <a:r>
+              <a:rPr lang="de-CH" i="1" dirty="0"/>
+              <a:t>erstellt, damit Voraussagen gemacht </a:t>
+            </a:r>
+            <a:endParaRPr lang="de-CH" i="1" dirty="0" smtClean="0"/>
+          </a:p>
+          <a:p>
+            <a:r>
+              <a:rPr lang="de-CH" i="1" dirty="0" smtClean="0"/>
+              <a:t>und </a:t>
+            </a:r>
+            <a:r>
+              <a:rPr lang="de-CH" i="1" dirty="0"/>
+              <a:t>Entscheidungen getroffen werden </a:t>
+            </a:r>
+            <a:r>
+              <a:rPr lang="de-CH" i="1" dirty="0" smtClean="0"/>
+              <a:t>könnnen. </a:t>
+            </a:r>
+            <a:endParaRPr lang="en-US" dirty="0">
+              <a:effectLst/>
+            </a:endParaRPr>
+          </a:p>
+        </p:txBody>
+      </p:sp>
+      <p:sp>
+        <p:nvSpPr>
+          <p:cNvPr id="2" name="TextBox 1"/>
+          <p:cNvSpPr txBox="1"/>
+          <p:nvPr/>
+        </p:nvSpPr>
+        <p:spPr>
+          <a:xfrm>
+            <a:off x="1825348" y="2967072"/>
+            <a:ext cx="7999306" cy="646331"/>
+          </a:xfrm>
+          <a:prstGeom prst="rect">
+            <a:avLst/>
+          </a:prstGeom>
+          <a:noFill/>
+        </p:spPr>
+        <p:txBody>
+          <a:bodyPr wrap="none" rtlCol="0">
+            <a:spAutoFit/>
+          </a:bodyPr>
+          <a:lstStyle/>
+          <a:p>
+            <a:r>
+              <a:rPr lang="en-US" b="1" i="1" dirty="0"/>
+              <a:t>Machine learning</a:t>
+            </a:r>
+            <a:r>
+              <a:rPr lang="en-US" i="1" dirty="0"/>
+              <a:t> is a field of computer science that gives computers </a:t>
+            </a:r>
+            <a:endParaRPr lang="en-US" i="1" dirty="0" smtClean="0"/>
+          </a:p>
+          <a:p>
+            <a:r>
+              <a:rPr lang="en-US" i="1" dirty="0" smtClean="0"/>
+              <a:t>the </a:t>
+            </a:r>
+            <a:r>
+              <a:rPr lang="en-US" i="1" dirty="0"/>
+              <a:t>ability </a:t>
+            </a:r>
+            <a:r>
+              <a:rPr lang="en-US" i="1" dirty="0" smtClean="0"/>
+              <a:t>to </a:t>
+            </a:r>
+            <a:r>
+              <a:rPr lang="en-US" i="1" dirty="0"/>
+              <a:t>learn without being explicitly programmed</a:t>
+            </a:r>
+            <a:r>
+              <a:rPr lang="en-US" dirty="0"/>
+              <a:t> </a:t>
+            </a:r>
+            <a:endParaRPr lang="de-CH" dirty="0"/>
+          </a:p>
+        </p:txBody>
+      </p:sp>
+    </p:spTree>
+    <p:extLst>
+      <p:ext uri="{BB962C8B-B14F-4D97-AF65-F5344CB8AC3E}">
+        <p14:creationId xmlns:p14="http://schemas.microsoft.com/office/powerpoint/2010/main" val="625009373"/>
+      </p:ext>
+    </p:extLst>
+  </p:cSld>
+  <p:clrMapOvr>
+    <a:masterClrMapping/>
+  </p:clrMapOvr>
+  <p:timing>
+    <p:tnLst>
+      <p:par>
+        <p:cTn id="1" dur="indefinite" restart="never" nodeType="tmRoot">
+          <p:childTnLst>
+            <p:seq concurrent="1" nextAc="seek">
+              <p:cTn id="2" dur="indefinite" nodeType="mainSeq">
+                <p:childTnLst>
+                  <p:par>
+                    <p:cTn id="3" fill="hold">
+                      <p:stCondLst>
+                        <p:cond delay="indefinite"/>
+                      </p:stCondLst>
+                      <p:childTnLst>
+                        <p:par>
+                          <p:cTn id="4" fill="hold">
+                            <p:stCondLst>
+                              <p:cond delay="0"/>
+                            </p:stCondLst>
+                            <p:childTnLst>
+                              <p:par>
+                                <p:cTn id="5" presetID="10" presetClass="entr" presetSubtype="0" fill="hold" grpId="0" nodeType="clickEffect">
+                                  <p:stCondLst>
+                                    <p:cond delay="0"/>
+                                  </p:stCondLst>
+                                  <p:childTnLst>
+                                    <p:set>
+                                      <p:cBhvr>
+                                        <p:cTn id="6" dur="1" fill="hold">
+                                          <p:stCondLst>
+                                            <p:cond delay="0"/>
+                                          </p:stCondLst>
+                                        </p:cTn>
+                                        <p:tgtEl>
+                                          <p:spTgt spid="15"/>
+                                        </p:tgtEl>
+                                        <p:attrNameLst>
+                                          <p:attrName>style.visibility</p:attrName>
+                                        </p:attrNameLst>
+                                      </p:cBhvr>
+                                      <p:to>
+                                        <p:strVal val="visible"/>
+                                      </p:to>
+                                    </p:set>
+                                    <p:animEffect transition="in" filter="fade">
+                                      <p:cBhvr>
+                                        <p:cTn id="7" dur="500"/>
+                                        <p:tgtEl>
+                                          <p:spTgt spid="15"/>
+                                        </p:tgtEl>
+                                      </p:cBhvr>
+                                    </p:animEffect>
+                                  </p:childTnLst>
+                                </p:cTn>
+                              </p:par>
+                            </p:childTnLst>
+                          </p:cTn>
+                        </p:par>
+                      </p:childTnLst>
+                    </p:cTn>
+                  </p:par>
+                  <p:par>
+                    <p:cTn id="8" fill="hold">
+                      <p:stCondLst>
+                        <p:cond delay="indefinite"/>
+                      </p:stCondLst>
+                      <p:childTnLst>
+                        <p:par>
+                          <p:cTn id="9" fill="hold">
+                            <p:stCondLst>
+                              <p:cond delay="0"/>
+                            </p:stCondLst>
+                            <p:childTnLst>
+                              <p:par>
+                                <p:cTn id="10" presetID="10" presetClass="exit" presetSubtype="0" fill="hold" grpId="1" nodeType="clickEffect">
+                                  <p:stCondLst>
+                                    <p:cond delay="0"/>
+                                  </p:stCondLst>
+                                  <p:childTnLst>
+                                    <p:animEffect transition="out" filter="fade">
+                                      <p:cBhvr>
+                                        <p:cTn id="11" dur="500"/>
+                                        <p:tgtEl>
+                                          <p:spTgt spid="15"/>
+                                        </p:tgtEl>
+                                      </p:cBhvr>
+                                    </p:animEffect>
+                                    <p:set>
+                                      <p:cBhvr>
+                                        <p:cTn id="12" dur="1" fill="hold">
+                                          <p:stCondLst>
+                                            <p:cond delay="499"/>
+                                          </p:stCondLst>
+                                        </p:cTn>
+                                        <p:tgtEl>
+                                          <p:spTgt spid="15"/>
+                                        </p:tgtEl>
+                                        <p:attrNameLst>
+                                          <p:attrName>style.visibility</p:attrName>
+                                        </p:attrNameLst>
+                                      </p:cBhvr>
+                                      <p:to>
+                                        <p:strVal val="hidden"/>
+                                      </p:to>
+                                    </p:set>
+                                  </p:childTnLst>
+                                </p:cTn>
+                              </p:par>
+                              <p:par>
+                                <p:cTn id="13" presetID="10" presetClass="entr" presetSubtype="0" fill="hold" grpId="0" nodeType="withEffect">
+                                  <p:stCondLst>
+                                    <p:cond delay="0"/>
+                                  </p:stCondLst>
+                                  <p:childTnLst>
+                                    <p:set>
+                                      <p:cBhvr>
+                                        <p:cTn id="14" dur="1" fill="hold">
+                                          <p:stCondLst>
+                                            <p:cond delay="0"/>
+                                          </p:stCondLst>
+                                        </p:cTn>
+                                        <p:tgtEl>
+                                          <p:spTgt spid="2"/>
+                                        </p:tgtEl>
+                                        <p:attrNameLst>
+                                          <p:attrName>style.visibility</p:attrName>
+                                        </p:attrNameLst>
+                                      </p:cBhvr>
+                                      <p:to>
+                                        <p:strVal val="visible"/>
+                                      </p:to>
+                                    </p:set>
+                                    <p:animEffect transition="in" filter="fade">
+                                      <p:cBhvr>
+                                        <p:cTn id="15" dur="500"/>
+                                        <p:tgtEl>
+                                          <p:spTgt spid="2"/>
+                                        </p:tgtEl>
+                                      </p:cBhvr>
+                                    </p:animEffect>
+                                  </p:childTnLst>
+                                </p:cTn>
+                              </p:par>
+                            </p:childTnLst>
+                          </p:cTn>
+                        </p:par>
+                      </p:childTnLst>
+                    </p:cTn>
+                  </p:par>
+                </p:childTnLst>
+              </p:cTn>
+              <p:prevCondLst>
+                <p:cond evt="onPrev" delay="0">
+                  <p:tgtEl>
+                    <p:sldTgt/>
+                  </p:tgtEl>
+                </p:cond>
+              </p:prevCondLst>
+              <p:nextCondLst>
+                <p:cond evt="onNext" delay="0">
+                  <p:tgtEl>
+                    <p:sldTgt/>
+                  </p:tgtEl>
+                </p:cond>
+              </p:nextCondLst>
+            </p:seq>
+          </p:childTnLst>
+        </p:cTn>
+      </p:par>
+    </p:tnLst>
+    <p:bldLst>
+      <p:bldP spid="15" grpId="0"/>
+      <p:bldP spid="15" grpId="1"/>
+      <p:bldP spid="2" grpId="0"/>
+    </p:bldLst>
+  </p:timing>
+</p:sld>
+</file>
+
+<file path=ppt/slides/slide12.xml><?xml version="1.0" encoding="utf-8"?>
+<p:sld xmlns:a="http://schemas.openxmlformats.org/drawingml/2006/main" xmlns:r="http://schemas.openxmlformats.org/officeDocument/2006/relationships" xmlns:p="http://schemas.openxmlformats.org/presentationml/2006/main">
+  <p:cSld>
+    <p:spTree>
+      <p:nvGrpSpPr>
+        <p:cNvPr id="1" name=""/>
+        <p:cNvGrpSpPr/>
+        <p:nvPr/>
+      </p:nvGrpSpPr>
+      <p:grpSpPr>
+        <a:xfrm>
+          <a:off x="0" y="0"/>
+          <a:ext cx="0" cy="0"/>
+          <a:chOff x="0" y="0"/>
+          <a:chExt cx="0" cy="0"/>
+        </a:xfrm>
+      </p:grpSpPr>
+      <p:sp>
+        <p:nvSpPr>
+          <p:cNvPr id="4" name="Title 3"/>
+          <p:cNvSpPr>
+            <a:spLocks noGrp="1"/>
+          </p:cNvSpPr>
+          <p:nvPr>
+            <p:ph type="title"/>
+          </p:nvPr>
+        </p:nvSpPr>
+        <p:spPr/>
+        <p:txBody>
+          <a:bodyPr/>
+          <a:lstStyle/>
+          <a:p>
+            <a:r>
+              <a:rPr lang="de-CH" dirty="0" err="1"/>
+              <a:t>Demystifying</a:t>
+            </a:r>
+            <a:r>
+              <a:rPr lang="de-CH" dirty="0"/>
+              <a:t> </a:t>
+            </a:r>
+            <a:r>
+              <a:rPr lang="de-CH" dirty="0" err="1"/>
+              <a:t>Buzzwords</a:t>
+            </a:r>
+            <a:endParaRPr lang="de-CH" dirty="0"/>
+          </a:p>
+        </p:txBody>
+      </p:sp>
+      <p:sp>
+        <p:nvSpPr>
+          <p:cNvPr id="5" name="Content Placeholder 4"/>
+          <p:cNvSpPr>
+            <a:spLocks noGrp="1"/>
+          </p:cNvSpPr>
+          <p:nvPr>
+            <p:ph idx="1"/>
+          </p:nvPr>
+        </p:nvSpPr>
+        <p:spPr>
+          <a:xfrm>
+            <a:off x="4059864" y="3286539"/>
+            <a:ext cx="2516188" cy="429545"/>
+          </a:xfrm>
+        </p:spPr>
+        <p:txBody>
+          <a:bodyPr>
+            <a:normAutofit fontScale="92500" lnSpcReduction="20000"/>
+          </a:bodyPr>
+          <a:lstStyle/>
+          <a:p>
+            <a:pPr marL="0" indent="0">
+              <a:buNone/>
+            </a:pPr>
+            <a:r>
+              <a:rPr lang="de-CH" dirty="0" smtClean="0">
+                <a:solidFill>
+                  <a:schemeClr val="tx2">
+                    <a:lumMod val="50000"/>
+                  </a:schemeClr>
+                </a:solidFill>
+              </a:rPr>
+              <a:t>Data Science</a:t>
+            </a:r>
+            <a:endParaRPr lang="de-CH" dirty="0">
+              <a:solidFill>
+                <a:schemeClr val="tx2">
+                  <a:lumMod val="50000"/>
+                </a:schemeClr>
+              </a:solidFill>
+            </a:endParaRPr>
+          </a:p>
+        </p:txBody>
+      </p:sp>
+      <p:sp>
+        <p:nvSpPr>
+          <p:cNvPr id="7" name="TextBox 6"/>
+          <p:cNvSpPr txBox="1"/>
+          <p:nvPr/>
+        </p:nvSpPr>
+        <p:spPr>
+          <a:xfrm>
+            <a:off x="7756356" y="4807214"/>
+            <a:ext cx="2582779" cy="369332"/>
+          </a:xfrm>
+          <a:prstGeom prst="rect">
+            <a:avLst/>
+          </a:prstGeom>
+          <a:noFill/>
+        </p:spPr>
+        <p:txBody>
+          <a:bodyPr wrap="square" rtlCol="0">
+            <a:spAutoFit/>
+          </a:bodyPr>
+          <a:lstStyle/>
+          <a:p>
+            <a:r>
+              <a:rPr lang="de-CH" dirty="0" smtClean="0">
+                <a:solidFill>
+                  <a:schemeClr val="tx2">
+                    <a:lumMod val="50000"/>
+                  </a:schemeClr>
+                </a:solidFill>
+              </a:rPr>
+              <a:t>Artifical Intelligence</a:t>
+            </a:r>
+            <a:endParaRPr lang="de-CH" dirty="0">
+              <a:solidFill>
+                <a:schemeClr val="tx2">
+                  <a:lumMod val="50000"/>
+                </a:schemeClr>
+              </a:solidFill>
+            </a:endParaRPr>
+          </a:p>
+        </p:txBody>
+      </p:sp>
+      <p:sp>
+        <p:nvSpPr>
+          <p:cNvPr id="8" name="TextBox 7"/>
+          <p:cNvSpPr txBox="1"/>
+          <p:nvPr/>
+        </p:nvSpPr>
+        <p:spPr>
+          <a:xfrm>
+            <a:off x="1459832" y="2919897"/>
+            <a:ext cx="1555234" cy="369332"/>
+          </a:xfrm>
+          <a:prstGeom prst="rect">
+            <a:avLst/>
+          </a:prstGeom>
+          <a:noFill/>
+        </p:spPr>
+        <p:txBody>
+          <a:bodyPr wrap="none" rtlCol="0">
+            <a:spAutoFit/>
+          </a:bodyPr>
+          <a:lstStyle/>
+          <a:p>
+            <a:r>
+              <a:rPr lang="de-CH" dirty="0" smtClean="0">
+                <a:solidFill>
+                  <a:schemeClr val="tx2">
+                    <a:lumMod val="50000"/>
+                  </a:schemeClr>
+                </a:solidFill>
+              </a:rPr>
+              <a:t>Data Mining</a:t>
+            </a:r>
+            <a:endParaRPr lang="de-CH" dirty="0">
+              <a:solidFill>
+                <a:schemeClr val="tx2">
+                  <a:lumMod val="50000"/>
+                </a:schemeClr>
+              </a:solidFill>
+            </a:endParaRPr>
+          </a:p>
+        </p:txBody>
+      </p:sp>
+      <p:sp>
+        <p:nvSpPr>
+          <p:cNvPr id="9" name="TextBox 8"/>
+          <p:cNvSpPr txBox="1"/>
+          <p:nvPr/>
+        </p:nvSpPr>
+        <p:spPr>
+          <a:xfrm>
+            <a:off x="6969083" y="3082819"/>
+            <a:ext cx="3477234" cy="369332"/>
+          </a:xfrm>
+          <a:prstGeom prst="rect">
+            <a:avLst/>
+          </a:prstGeom>
+          <a:noFill/>
+        </p:spPr>
+        <p:txBody>
+          <a:bodyPr wrap="none" rtlCol="0">
+            <a:spAutoFit/>
+          </a:bodyPr>
+          <a:lstStyle/>
+          <a:p>
+            <a:r>
+              <a:rPr lang="de-CH" dirty="0" smtClean="0"/>
+              <a:t>Natural Language Processing</a:t>
+            </a:r>
+            <a:endParaRPr lang="de-CH" dirty="0"/>
+          </a:p>
+        </p:txBody>
+      </p:sp>
+      <p:sp>
+        <p:nvSpPr>
+          <p:cNvPr id="10" name="TextBox 9"/>
+          <p:cNvSpPr txBox="1"/>
+          <p:nvPr/>
+        </p:nvSpPr>
+        <p:spPr>
+          <a:xfrm>
+            <a:off x="1819928" y="4019426"/>
+            <a:ext cx="1846980" cy="369332"/>
+          </a:xfrm>
+          <a:prstGeom prst="rect">
+            <a:avLst/>
+          </a:prstGeom>
+          <a:noFill/>
+        </p:spPr>
+        <p:txBody>
+          <a:bodyPr wrap="none" rtlCol="0">
+            <a:spAutoFit/>
+          </a:bodyPr>
+          <a:lstStyle/>
+          <a:p>
+            <a:r>
+              <a:rPr lang="de-CH" dirty="0" smtClean="0">
+                <a:solidFill>
+                  <a:schemeClr val="tx2">
+                    <a:lumMod val="50000"/>
+                  </a:schemeClr>
+                </a:solidFill>
+              </a:rPr>
+              <a:t>Deep Learning</a:t>
+            </a:r>
+            <a:endParaRPr lang="de-CH" dirty="0">
+              <a:solidFill>
+                <a:schemeClr val="tx2">
+                  <a:lumMod val="50000"/>
+                </a:schemeClr>
+              </a:solidFill>
+            </a:endParaRPr>
+          </a:p>
+        </p:txBody>
+      </p:sp>
+      <p:sp>
+        <p:nvSpPr>
+          <p:cNvPr id="11" name="TextBox 10"/>
+          <p:cNvSpPr txBox="1"/>
+          <p:nvPr/>
+        </p:nvSpPr>
+        <p:spPr>
+          <a:xfrm>
+            <a:off x="6085180" y="4048907"/>
+            <a:ext cx="2214068" cy="369332"/>
+          </a:xfrm>
+          <a:prstGeom prst="rect">
+            <a:avLst/>
+          </a:prstGeom>
+          <a:noFill/>
+        </p:spPr>
+        <p:txBody>
+          <a:bodyPr wrap="none" rtlCol="0">
+            <a:spAutoFit/>
+          </a:bodyPr>
+          <a:lstStyle/>
+          <a:p>
+            <a:r>
+              <a:rPr lang="de-CH" dirty="0" smtClean="0">
+                <a:solidFill>
+                  <a:schemeClr val="tx2">
+                    <a:lumMod val="50000"/>
+                  </a:schemeClr>
+                </a:solidFill>
+              </a:rPr>
+              <a:t>Machine Learning</a:t>
+            </a:r>
+            <a:endParaRPr lang="de-CH" dirty="0">
+              <a:solidFill>
+                <a:schemeClr val="tx2">
+                  <a:lumMod val="50000"/>
+                </a:schemeClr>
+              </a:solidFill>
+            </a:endParaRPr>
+          </a:p>
+        </p:txBody>
+      </p:sp>
+      <p:sp>
+        <p:nvSpPr>
+          <p:cNvPr id="12" name="TextBox 11"/>
+          <p:cNvSpPr txBox="1"/>
+          <p:nvPr/>
+        </p:nvSpPr>
+        <p:spPr>
+          <a:xfrm>
+            <a:off x="4285133" y="4785936"/>
+            <a:ext cx="1148071" cy="369332"/>
+          </a:xfrm>
+          <a:prstGeom prst="rect">
+            <a:avLst/>
+          </a:prstGeom>
+          <a:noFill/>
+        </p:spPr>
+        <p:txBody>
+          <a:bodyPr wrap="none" rtlCol="0">
+            <a:spAutoFit/>
+          </a:bodyPr>
+          <a:lstStyle/>
+          <a:p>
+            <a:r>
+              <a:rPr lang="de-CH" dirty="0" smtClean="0">
+                <a:solidFill>
+                  <a:schemeClr val="tx2">
+                    <a:lumMod val="50000"/>
+                  </a:schemeClr>
+                </a:solidFill>
+              </a:rPr>
+              <a:t>Big Data</a:t>
+            </a:r>
+            <a:endParaRPr lang="de-CH" dirty="0">
+              <a:solidFill>
+                <a:schemeClr val="tx2">
+                  <a:lumMod val="50000"/>
+                </a:schemeClr>
+              </a:solidFill>
+            </a:endParaRPr>
+          </a:p>
+        </p:txBody>
+      </p:sp>
+      <p:sp>
+        <p:nvSpPr>
+          <p:cNvPr id="13" name="TextBox 12"/>
+          <p:cNvSpPr txBox="1"/>
+          <p:nvPr/>
+        </p:nvSpPr>
+        <p:spPr>
+          <a:xfrm>
+            <a:off x="3793958" y="2416845"/>
+            <a:ext cx="2608406" cy="369332"/>
+          </a:xfrm>
+          <a:prstGeom prst="rect">
+            <a:avLst/>
+          </a:prstGeom>
+          <a:noFill/>
+        </p:spPr>
+        <p:txBody>
+          <a:bodyPr wrap="none" rtlCol="0">
+            <a:spAutoFit/>
+          </a:bodyPr>
+          <a:lstStyle/>
+          <a:p>
+            <a:r>
+              <a:rPr lang="de-CH" dirty="0" smtClean="0">
+                <a:solidFill>
+                  <a:schemeClr val="tx2">
+                    <a:lumMod val="50000"/>
+                  </a:schemeClr>
+                </a:solidFill>
+              </a:rPr>
+              <a:t>Cognitive Computing</a:t>
+            </a:r>
+            <a:endParaRPr lang="de-CH" dirty="0">
+              <a:solidFill>
+                <a:schemeClr val="tx2">
+                  <a:lumMod val="50000"/>
+                </a:schemeClr>
+              </a:solidFill>
+            </a:endParaRPr>
+          </a:p>
+        </p:txBody>
+      </p:sp>
+      <p:sp>
+        <p:nvSpPr>
+          <p:cNvPr id="14" name="TextBox 13"/>
+          <p:cNvSpPr txBox="1"/>
+          <p:nvPr/>
+        </p:nvSpPr>
+        <p:spPr>
+          <a:xfrm>
+            <a:off x="1900989" y="5664554"/>
+            <a:ext cx="2813591" cy="369332"/>
+          </a:xfrm>
+          <a:prstGeom prst="rect">
+            <a:avLst/>
+          </a:prstGeom>
+          <a:noFill/>
+        </p:spPr>
+        <p:txBody>
+          <a:bodyPr wrap="none" rtlCol="0">
+            <a:spAutoFit/>
+          </a:bodyPr>
+          <a:lstStyle/>
+          <a:p>
+            <a:r>
+              <a:rPr lang="de-CH" dirty="0" smtClean="0">
+                <a:solidFill>
+                  <a:schemeClr val="tx2">
+                    <a:lumMod val="50000"/>
+                  </a:schemeClr>
+                </a:solidFill>
+              </a:rPr>
+              <a:t>Artifical Neural Network</a:t>
+            </a:r>
+            <a:endParaRPr lang="de-CH" dirty="0">
+              <a:solidFill>
+                <a:schemeClr val="tx2">
+                  <a:lumMod val="50000"/>
+                </a:schemeClr>
+              </a:solidFill>
+            </a:endParaRPr>
+          </a:p>
+        </p:txBody>
+      </p:sp>
+      <p:sp>
+        <p:nvSpPr>
+          <p:cNvPr id="15" name="TextBox 14"/>
+          <p:cNvSpPr txBox="1"/>
+          <p:nvPr/>
+        </p:nvSpPr>
+        <p:spPr>
+          <a:xfrm>
+            <a:off x="1737350" y="3776771"/>
+            <a:ext cx="6843540" cy="646331"/>
+          </a:xfrm>
+          <a:prstGeom prst="rect">
+            <a:avLst/>
+          </a:prstGeom>
+          <a:noFill/>
+        </p:spPr>
+        <p:txBody>
+          <a:bodyPr wrap="none" rtlCol="0">
+            <a:spAutoFit/>
+          </a:bodyPr>
+          <a:lstStyle/>
+          <a:p>
+            <a:r>
+              <a:rPr lang="en-US" i="1" dirty="0"/>
+              <a:t>A computer science, computational linguistics, and AI field </a:t>
+            </a:r>
+            <a:endParaRPr lang="en-US" i="1" dirty="0" smtClean="0"/>
+          </a:p>
+          <a:p>
+            <a:r>
+              <a:rPr lang="en-US" i="1" dirty="0" smtClean="0"/>
+              <a:t>that </a:t>
+            </a:r>
+            <a:r>
+              <a:rPr lang="en-US" i="1" dirty="0"/>
+              <a:t>is concerned with </a:t>
+            </a:r>
+            <a:r>
+              <a:rPr lang="en-US" b="1" i="1" dirty="0"/>
+              <a:t>human and computer interaction</a:t>
+            </a:r>
+            <a:r>
+              <a:rPr lang="en-US" i="1" dirty="0"/>
+              <a:t>.</a:t>
+            </a:r>
+            <a:r>
+              <a:rPr lang="en-US" dirty="0"/>
+              <a:t> </a:t>
+            </a:r>
+            <a:endParaRPr lang="en-US" dirty="0">
+              <a:effectLst/>
+            </a:endParaRPr>
+          </a:p>
+        </p:txBody>
+      </p:sp>
+    </p:spTree>
+    <p:extLst>
+      <p:ext uri="{BB962C8B-B14F-4D97-AF65-F5344CB8AC3E}">
+        <p14:creationId xmlns:p14="http://schemas.microsoft.com/office/powerpoint/2010/main" val="460428559"/>
+      </p:ext>
+    </p:extLst>
+  </p:cSld>
+  <p:clrMapOvr>
+    <a:masterClrMapping/>
+  </p:clrMapOvr>
+  <p:timing>
+    <p:tnLst>
+      <p:par>
+        <p:cTn id="1" dur="indefinite" restart="never" nodeType="tmRoot">
+          <p:childTnLst>
+            <p:seq concurrent="1" nextAc="seek">
+              <p:cTn id="2" dur="indefinite" nodeType="mainSeq">
+                <p:childTnLst>
+                  <p:par>
+                    <p:cTn id="3" fill="hold">
+                      <p:stCondLst>
+                        <p:cond delay="indefinite"/>
+                      </p:stCondLst>
+                      <p:childTnLst>
+                        <p:par>
+                          <p:cTn id="4" fill="hold">
+                            <p:stCondLst>
+                              <p:cond delay="0"/>
+                            </p:stCondLst>
+                            <p:childTnLst>
+                              <p:par>
+                                <p:cTn id="5" presetID="10" presetClass="entr" presetSubtype="0" fill="hold" grpId="0" nodeType="clickEffect">
+                                  <p:stCondLst>
+                                    <p:cond delay="0"/>
+                                  </p:stCondLst>
+                                  <p:childTnLst>
+                                    <p:set>
+                                      <p:cBhvr>
+                                        <p:cTn id="6" dur="1" fill="hold">
+                                          <p:stCondLst>
+                                            <p:cond delay="0"/>
+                                          </p:stCondLst>
+                                        </p:cTn>
+                                        <p:tgtEl>
+                                          <p:spTgt spid="15"/>
+                                        </p:tgtEl>
+                                        <p:attrNameLst>
+                                          <p:attrName>style.visibility</p:attrName>
+                                        </p:attrNameLst>
+                                      </p:cBhvr>
+                                      <p:to>
+                                        <p:strVal val="visible"/>
+                                      </p:to>
+                                    </p:set>
+                                    <p:animEffect transition="in" filter="fade">
+                                      <p:cBhvr>
+                                        <p:cTn id="7" dur="500"/>
+                                        <p:tgtEl>
+                                          <p:spTgt spid="15"/>
+                                        </p:tgtEl>
+                                      </p:cBhvr>
+                                    </p:animEffect>
+                                  </p:childTnLst>
+                                </p:cTn>
+                              </p:par>
+                            </p:childTnLst>
+                          </p:cTn>
+                        </p:par>
+                      </p:childTnLst>
+                    </p:cTn>
+                  </p:par>
+                </p:childTnLst>
+              </p:cTn>
+              <p:prevCondLst>
+                <p:cond evt="onPrev" delay="0">
+                  <p:tgtEl>
+                    <p:sldTgt/>
+                  </p:tgtEl>
+                </p:cond>
+              </p:prevCondLst>
+              <p:nextCondLst>
+                <p:cond evt="onNext" delay="0">
+                  <p:tgtEl>
+                    <p:sldTgt/>
+                  </p:tgtEl>
+                </p:cond>
+              </p:nextCondLst>
+            </p:seq>
+          </p:childTnLst>
+        </p:cTn>
+      </p:par>
+    </p:tnLst>
+    <p:bldLst>
+      <p:bldP spid="15" grpId="0"/>
+    </p:bldLst>
+  </p:timing>
+</p:sld>
+</file>
+
+<file path=ppt/slides/slide13.xml><?xml version="1.0" encoding="utf-8"?>
+<p:sld xmlns:a="http://schemas.openxmlformats.org/drawingml/2006/main" xmlns:r="http://schemas.openxmlformats.org/officeDocument/2006/relationships" xmlns:p="http://schemas.openxmlformats.org/presentationml/2006/main">
+  <p:cSld>
+    <p:spTree>
+      <p:nvGrpSpPr>
+        <p:cNvPr id="1" name=""/>
+        <p:cNvGrpSpPr/>
+        <p:nvPr/>
+      </p:nvGrpSpPr>
+      <p:grpSpPr>
+        <a:xfrm>
+          <a:off x="0" y="0"/>
+          <a:ext cx="0" cy="0"/>
+          <a:chOff x="0" y="0"/>
+          <a:chExt cx="0" cy="0"/>
+        </a:xfrm>
+      </p:grpSpPr>
+      <p:sp>
+        <p:nvSpPr>
+          <p:cNvPr id="4" name="Title 3"/>
+          <p:cNvSpPr>
+            <a:spLocks noGrp="1"/>
+          </p:cNvSpPr>
+          <p:nvPr>
+            <p:ph type="title"/>
+          </p:nvPr>
+        </p:nvSpPr>
+        <p:spPr/>
+        <p:txBody>
+          <a:bodyPr/>
+          <a:lstStyle/>
+          <a:p>
+            <a:r>
+              <a:rPr lang="de-CH" dirty="0" err="1"/>
+              <a:t>Demystifying</a:t>
+            </a:r>
+            <a:r>
+              <a:rPr lang="de-CH" dirty="0"/>
+              <a:t> </a:t>
+            </a:r>
+            <a:r>
+              <a:rPr lang="de-CH" dirty="0" err="1"/>
+              <a:t>Buzzwords</a:t>
+            </a:r>
+            <a:endParaRPr lang="de-CH" dirty="0"/>
+          </a:p>
+        </p:txBody>
+      </p:sp>
+      <p:sp>
+        <p:nvSpPr>
+          <p:cNvPr id="5" name="Content Placeholder 4"/>
+          <p:cNvSpPr>
+            <a:spLocks noGrp="1"/>
+          </p:cNvSpPr>
+          <p:nvPr>
+            <p:ph idx="1"/>
+          </p:nvPr>
+        </p:nvSpPr>
+        <p:spPr>
+          <a:xfrm>
+            <a:off x="4059864" y="3286539"/>
+            <a:ext cx="2516188" cy="429545"/>
+          </a:xfrm>
+        </p:spPr>
+        <p:txBody>
+          <a:bodyPr>
+            <a:normAutofit fontScale="92500" lnSpcReduction="20000"/>
+          </a:bodyPr>
+          <a:lstStyle/>
+          <a:p>
+            <a:pPr marL="0" indent="0">
+              <a:buNone/>
+            </a:pPr>
+            <a:r>
+              <a:rPr lang="de-CH" dirty="0" smtClean="0">
+                <a:solidFill>
+                  <a:schemeClr val="tx2">
+                    <a:lumMod val="50000"/>
+                  </a:schemeClr>
+                </a:solidFill>
+              </a:rPr>
+              <a:t>Data Science</a:t>
+            </a:r>
+            <a:endParaRPr lang="de-CH" dirty="0">
+              <a:solidFill>
+                <a:schemeClr val="tx2">
+                  <a:lumMod val="50000"/>
+                </a:schemeClr>
+              </a:solidFill>
+            </a:endParaRPr>
+          </a:p>
+        </p:txBody>
+      </p:sp>
+      <p:sp>
+        <p:nvSpPr>
+          <p:cNvPr id="7" name="TextBox 6"/>
+          <p:cNvSpPr txBox="1"/>
+          <p:nvPr/>
+        </p:nvSpPr>
+        <p:spPr>
+          <a:xfrm>
+            <a:off x="7756356" y="4807214"/>
+            <a:ext cx="2582779" cy="369332"/>
+          </a:xfrm>
+          <a:prstGeom prst="rect">
+            <a:avLst/>
+          </a:prstGeom>
+          <a:noFill/>
+        </p:spPr>
+        <p:txBody>
+          <a:bodyPr wrap="square" rtlCol="0">
+            <a:spAutoFit/>
+          </a:bodyPr>
+          <a:lstStyle/>
+          <a:p>
+            <a:r>
+              <a:rPr lang="de-CH" dirty="0" smtClean="0">
+                <a:solidFill>
+                  <a:schemeClr val="tx2">
+                    <a:lumMod val="50000"/>
+                  </a:schemeClr>
+                </a:solidFill>
+              </a:rPr>
+              <a:t>Artifical Intelligence</a:t>
+            </a:r>
+            <a:endParaRPr lang="de-CH" dirty="0">
+              <a:solidFill>
+                <a:schemeClr val="tx2">
+                  <a:lumMod val="50000"/>
+                </a:schemeClr>
+              </a:solidFill>
+            </a:endParaRPr>
+          </a:p>
+        </p:txBody>
+      </p:sp>
+      <p:sp>
+        <p:nvSpPr>
+          <p:cNvPr id="8" name="TextBox 7"/>
+          <p:cNvSpPr txBox="1"/>
+          <p:nvPr/>
+        </p:nvSpPr>
+        <p:spPr>
+          <a:xfrm>
+            <a:off x="1459832" y="2919897"/>
+            <a:ext cx="1555234" cy="369332"/>
+          </a:xfrm>
+          <a:prstGeom prst="rect">
+            <a:avLst/>
+          </a:prstGeom>
+          <a:noFill/>
+        </p:spPr>
+        <p:txBody>
+          <a:bodyPr wrap="none" rtlCol="0">
+            <a:spAutoFit/>
+          </a:bodyPr>
+          <a:lstStyle/>
+          <a:p>
+            <a:r>
+              <a:rPr lang="de-CH" dirty="0" smtClean="0">
+                <a:solidFill>
+                  <a:schemeClr val="tx2">
+                    <a:lumMod val="50000"/>
+                  </a:schemeClr>
+                </a:solidFill>
+              </a:rPr>
+              <a:t>Data Mining</a:t>
+            </a:r>
+            <a:endParaRPr lang="de-CH" dirty="0">
+              <a:solidFill>
+                <a:schemeClr val="tx2">
+                  <a:lumMod val="50000"/>
+                </a:schemeClr>
+              </a:solidFill>
+            </a:endParaRPr>
+          </a:p>
+        </p:txBody>
+      </p:sp>
+      <p:sp>
+        <p:nvSpPr>
+          <p:cNvPr id="9" name="TextBox 8"/>
+          <p:cNvSpPr txBox="1"/>
+          <p:nvPr/>
+        </p:nvSpPr>
+        <p:spPr>
+          <a:xfrm>
+            <a:off x="6969083" y="3082819"/>
+            <a:ext cx="3477234" cy="369332"/>
+          </a:xfrm>
+          <a:prstGeom prst="rect">
+            <a:avLst/>
+          </a:prstGeom>
+          <a:noFill/>
+        </p:spPr>
+        <p:txBody>
+          <a:bodyPr wrap="none" rtlCol="0">
+            <a:spAutoFit/>
+          </a:bodyPr>
+          <a:lstStyle/>
+          <a:p>
+            <a:r>
+              <a:rPr lang="de-CH" dirty="0" smtClean="0">
+                <a:solidFill>
+                  <a:schemeClr val="tx2">
+                    <a:lumMod val="50000"/>
+                  </a:schemeClr>
+                </a:solidFill>
+              </a:rPr>
+              <a:t>Natural Language Processing</a:t>
+            </a:r>
+            <a:endParaRPr lang="de-CH" dirty="0">
+              <a:solidFill>
+                <a:schemeClr val="tx2">
+                  <a:lumMod val="50000"/>
+                </a:schemeClr>
+              </a:solidFill>
+            </a:endParaRPr>
+          </a:p>
+        </p:txBody>
+      </p:sp>
+      <p:sp>
+        <p:nvSpPr>
+          <p:cNvPr id="10" name="TextBox 9"/>
+          <p:cNvSpPr txBox="1"/>
+          <p:nvPr/>
+        </p:nvSpPr>
+        <p:spPr>
+          <a:xfrm>
+            <a:off x="1819928" y="4019426"/>
+            <a:ext cx="1846980" cy="369332"/>
+          </a:xfrm>
+          <a:prstGeom prst="rect">
+            <a:avLst/>
+          </a:prstGeom>
+          <a:noFill/>
+        </p:spPr>
+        <p:txBody>
+          <a:bodyPr wrap="none" rtlCol="0">
+            <a:spAutoFit/>
+          </a:bodyPr>
+          <a:lstStyle/>
+          <a:p>
+            <a:r>
+              <a:rPr lang="de-CH" dirty="0" smtClean="0">
+                <a:solidFill>
+                  <a:schemeClr val="tx2">
+                    <a:lumMod val="50000"/>
+                  </a:schemeClr>
+                </a:solidFill>
+              </a:rPr>
+              <a:t>Deep Learning</a:t>
+            </a:r>
+            <a:endParaRPr lang="de-CH" dirty="0">
+              <a:solidFill>
+                <a:schemeClr val="tx2">
+                  <a:lumMod val="50000"/>
+                </a:schemeClr>
+              </a:solidFill>
+            </a:endParaRPr>
+          </a:p>
+        </p:txBody>
+      </p:sp>
+      <p:sp>
+        <p:nvSpPr>
+          <p:cNvPr id="11" name="TextBox 10"/>
+          <p:cNvSpPr txBox="1"/>
+          <p:nvPr/>
+        </p:nvSpPr>
+        <p:spPr>
+          <a:xfrm>
+            <a:off x="6085180" y="4048907"/>
+            <a:ext cx="2214068" cy="369332"/>
+          </a:xfrm>
+          <a:prstGeom prst="rect">
+            <a:avLst/>
+          </a:prstGeom>
+          <a:noFill/>
+        </p:spPr>
+        <p:txBody>
+          <a:bodyPr wrap="none" rtlCol="0">
+            <a:spAutoFit/>
+          </a:bodyPr>
+          <a:lstStyle/>
+          <a:p>
+            <a:r>
+              <a:rPr lang="de-CH" dirty="0" smtClean="0">
+                <a:solidFill>
+                  <a:schemeClr val="tx2">
+                    <a:lumMod val="50000"/>
+                  </a:schemeClr>
+                </a:solidFill>
+              </a:rPr>
+              <a:t>Machine Learning</a:t>
+            </a:r>
+            <a:endParaRPr lang="de-CH" dirty="0">
+              <a:solidFill>
+                <a:schemeClr val="tx2">
+                  <a:lumMod val="50000"/>
+                </a:schemeClr>
+              </a:solidFill>
+            </a:endParaRPr>
+          </a:p>
+        </p:txBody>
+      </p:sp>
+      <p:sp>
+        <p:nvSpPr>
+          <p:cNvPr id="12" name="TextBox 11"/>
+          <p:cNvSpPr txBox="1"/>
+          <p:nvPr/>
+        </p:nvSpPr>
+        <p:spPr>
+          <a:xfrm>
+            <a:off x="4285133" y="4785936"/>
+            <a:ext cx="1148071" cy="369332"/>
+          </a:xfrm>
+          <a:prstGeom prst="rect">
+            <a:avLst/>
+          </a:prstGeom>
+          <a:noFill/>
+        </p:spPr>
+        <p:txBody>
+          <a:bodyPr wrap="none" rtlCol="0">
+            <a:spAutoFit/>
+          </a:bodyPr>
+          <a:lstStyle/>
+          <a:p>
+            <a:r>
+              <a:rPr lang="de-CH" dirty="0" smtClean="0">
+                <a:solidFill>
+                  <a:schemeClr val="tx2">
+                    <a:lumMod val="50000"/>
+                  </a:schemeClr>
+                </a:solidFill>
+              </a:rPr>
+              <a:t>Big Data</a:t>
+            </a:r>
+            <a:endParaRPr lang="de-CH" dirty="0">
+              <a:solidFill>
+                <a:schemeClr val="tx2">
+                  <a:lumMod val="50000"/>
+                </a:schemeClr>
+              </a:solidFill>
+            </a:endParaRPr>
+          </a:p>
+        </p:txBody>
+      </p:sp>
+      <p:sp>
+        <p:nvSpPr>
+          <p:cNvPr id="13" name="TextBox 12"/>
+          <p:cNvSpPr txBox="1"/>
+          <p:nvPr/>
+        </p:nvSpPr>
+        <p:spPr>
+          <a:xfrm>
+            <a:off x="3793958" y="2416845"/>
+            <a:ext cx="2608406" cy="369332"/>
+          </a:xfrm>
+          <a:prstGeom prst="rect">
+            <a:avLst/>
+          </a:prstGeom>
+          <a:noFill/>
+        </p:spPr>
+        <p:txBody>
+          <a:bodyPr wrap="none" rtlCol="0">
+            <a:spAutoFit/>
+          </a:bodyPr>
+          <a:lstStyle/>
+          <a:p>
+            <a:r>
+              <a:rPr lang="de-CH" dirty="0" smtClean="0">
+                <a:solidFill>
+                  <a:schemeClr val="tx2">
+                    <a:lumMod val="50000"/>
+                  </a:schemeClr>
+                </a:solidFill>
+              </a:rPr>
+              <a:t>Cognitive Computing</a:t>
+            </a:r>
+            <a:endParaRPr lang="de-CH" dirty="0">
+              <a:solidFill>
+                <a:schemeClr val="tx2">
+                  <a:lumMod val="50000"/>
+                </a:schemeClr>
+              </a:solidFill>
+            </a:endParaRPr>
+          </a:p>
+        </p:txBody>
+      </p:sp>
+      <p:sp>
+        <p:nvSpPr>
+          <p:cNvPr id="14" name="TextBox 13"/>
+          <p:cNvSpPr txBox="1"/>
+          <p:nvPr/>
+        </p:nvSpPr>
+        <p:spPr>
+          <a:xfrm>
+            <a:off x="1900989" y="5664554"/>
+            <a:ext cx="2813591" cy="369332"/>
+          </a:xfrm>
+          <a:prstGeom prst="rect">
+            <a:avLst/>
+          </a:prstGeom>
+          <a:noFill/>
+        </p:spPr>
+        <p:txBody>
+          <a:bodyPr wrap="none" rtlCol="0">
+            <a:spAutoFit/>
+          </a:bodyPr>
+          <a:lstStyle/>
+          <a:p>
+            <a:r>
+              <a:rPr lang="de-CH" dirty="0" smtClean="0"/>
+              <a:t>Artifical Neural Network</a:t>
+            </a:r>
+            <a:endParaRPr lang="de-CH" dirty="0"/>
+          </a:p>
+        </p:txBody>
+      </p:sp>
+      <p:sp>
+        <p:nvSpPr>
+          <p:cNvPr id="15" name="TextBox 14"/>
+          <p:cNvSpPr txBox="1"/>
+          <p:nvPr/>
+        </p:nvSpPr>
+        <p:spPr>
+          <a:xfrm>
+            <a:off x="1293458" y="3419485"/>
+            <a:ext cx="9374682" cy="646331"/>
+          </a:xfrm>
+          <a:prstGeom prst="rect">
+            <a:avLst/>
+          </a:prstGeom>
+          <a:noFill/>
+        </p:spPr>
+        <p:txBody>
+          <a:bodyPr wrap="none" rtlCol="0">
+            <a:spAutoFit/>
+          </a:bodyPr>
+          <a:lstStyle/>
+          <a:p>
+            <a:r>
+              <a:rPr lang="en-US" b="1" i="1" dirty="0"/>
+              <a:t>Artificial neural networks</a:t>
+            </a:r>
+            <a:r>
+              <a:rPr lang="en-US" i="1" dirty="0"/>
+              <a:t> (</a:t>
+            </a:r>
+            <a:r>
+              <a:rPr lang="en-US" b="1" i="1" dirty="0"/>
+              <a:t>ANNs</a:t>
+            </a:r>
+            <a:r>
+              <a:rPr lang="en-US" i="1" dirty="0"/>
+              <a:t>), a form of </a:t>
+            </a:r>
+            <a:r>
+              <a:rPr lang="en-US" b="1" i="1" dirty="0" smtClean="0"/>
+              <a:t>connectionism</a:t>
+            </a:r>
+            <a:r>
+              <a:rPr lang="en-US" i="1" dirty="0" smtClean="0"/>
+              <a:t>,</a:t>
+            </a:r>
+            <a:r>
+              <a:rPr lang="en-US" i="1" baseline="30000" dirty="0"/>
+              <a:t> </a:t>
+            </a:r>
+            <a:r>
+              <a:rPr lang="en-US" i="1" dirty="0" smtClean="0"/>
+              <a:t>are </a:t>
+            </a:r>
+            <a:r>
+              <a:rPr lang="en-US" i="1" dirty="0"/>
+              <a:t>computing systems </a:t>
+            </a:r>
+            <a:endParaRPr lang="en-US" i="1" dirty="0" smtClean="0"/>
+          </a:p>
+          <a:p>
+            <a:r>
+              <a:rPr lang="en-US" i="1" dirty="0" smtClean="0"/>
+              <a:t>inspired </a:t>
+            </a:r>
+            <a:r>
+              <a:rPr lang="en-US" i="1" dirty="0"/>
+              <a:t>by the biological neural networks that constitute animal </a:t>
+            </a:r>
+            <a:r>
+              <a:rPr lang="en-US" i="1" dirty="0" smtClean="0"/>
+              <a:t>brains.</a:t>
+            </a:r>
+            <a:endParaRPr lang="en-US" i="1" dirty="0">
+              <a:effectLst/>
+            </a:endParaRPr>
+          </a:p>
+        </p:txBody>
+      </p:sp>
+    </p:spTree>
+    <p:extLst>
+      <p:ext uri="{BB962C8B-B14F-4D97-AF65-F5344CB8AC3E}">
+        <p14:creationId xmlns:p14="http://schemas.microsoft.com/office/powerpoint/2010/main" val="3503676884"/>
+      </p:ext>
+    </p:extLst>
+  </p:cSld>
+  <p:clrMapOvr>
+    <a:masterClrMapping/>
+  </p:clrMapOvr>
+  <p:timing>
+    <p:tnLst>
+      <p:par>
+        <p:cTn id="1" dur="indefinite" restart="never" nodeType="tmRoot">
+          <p:childTnLst>
+            <p:seq concurrent="1" nextAc="seek">
+              <p:cTn id="2" dur="indefinite" nodeType="mainSeq">
+                <p:childTnLst>
+                  <p:par>
+                    <p:cTn id="3" fill="hold">
+                      <p:stCondLst>
+                        <p:cond delay="indefinite"/>
+                      </p:stCondLst>
+                      <p:childTnLst>
+                        <p:par>
+                          <p:cTn id="4" fill="hold">
+                            <p:stCondLst>
+                              <p:cond delay="0"/>
+                            </p:stCondLst>
+                            <p:childTnLst>
+                              <p:par>
+                                <p:cTn id="5" presetID="10" presetClass="entr" presetSubtype="0" fill="hold" grpId="0" nodeType="clickEffect">
+                                  <p:stCondLst>
+                                    <p:cond delay="0"/>
+                                  </p:stCondLst>
+                                  <p:childTnLst>
+                                    <p:set>
+                                      <p:cBhvr>
+                                        <p:cTn id="6" dur="1" fill="hold">
+                                          <p:stCondLst>
+                                            <p:cond delay="0"/>
+                                          </p:stCondLst>
+                                        </p:cTn>
+                                        <p:tgtEl>
+                                          <p:spTgt spid="15"/>
+                                        </p:tgtEl>
+                                        <p:attrNameLst>
+                                          <p:attrName>style.visibility</p:attrName>
+                                        </p:attrNameLst>
+                                      </p:cBhvr>
+                                      <p:to>
+                                        <p:strVal val="visible"/>
+                                      </p:to>
+                                    </p:set>
+                                    <p:animEffect transition="in" filter="fade">
+                                      <p:cBhvr>
+                                        <p:cTn id="7" dur="500"/>
+                                        <p:tgtEl>
+                                          <p:spTgt spid="15"/>
+                                        </p:tgtEl>
+                                      </p:cBhvr>
+                                    </p:animEffect>
+                                  </p:childTnLst>
+                                </p:cTn>
+                              </p:par>
+                            </p:childTnLst>
+                          </p:cTn>
+                        </p:par>
+                      </p:childTnLst>
+                    </p:cTn>
+                  </p:par>
+                </p:childTnLst>
+              </p:cTn>
+              <p:prevCondLst>
+                <p:cond evt="onPrev" delay="0">
+                  <p:tgtEl>
+                    <p:sldTgt/>
+                  </p:tgtEl>
+                </p:cond>
+              </p:prevCondLst>
+              <p:nextCondLst>
+                <p:cond evt="onNext" delay="0">
+                  <p:tgtEl>
+                    <p:sldTgt/>
+                  </p:tgtEl>
+                </p:cond>
+              </p:nextCondLst>
+            </p:seq>
+          </p:childTnLst>
+        </p:cTn>
+      </p:par>
+    </p:tnLst>
+    <p:bldLst>
+      <p:bldP spid="15" grpId="0"/>
+    </p:bldLst>
+  </p:timing>
+</p:sld>
+</file>
+
+<file path=ppt/slides/slide14.xml><?xml version="1.0" encoding="utf-8"?>
+<p:sld xmlns:a="http://schemas.openxmlformats.org/drawingml/2006/main" xmlns:r="http://schemas.openxmlformats.org/officeDocument/2006/relationships" xmlns:p="http://schemas.openxmlformats.org/presentationml/2006/main">
+  <p:cSld>
+    <p:spTree>
+      <p:nvGrpSpPr>
+        <p:cNvPr id="1" name=""/>
+        <p:cNvGrpSpPr/>
+        <p:nvPr/>
+      </p:nvGrpSpPr>
+      <p:grpSpPr>
+        <a:xfrm>
+          <a:off x="0" y="0"/>
+          <a:ext cx="0" cy="0"/>
+          <a:chOff x="0" y="0"/>
+          <a:chExt cx="0" cy="0"/>
+        </a:xfrm>
+      </p:grpSpPr>
+      <p:sp>
+        <p:nvSpPr>
+          <p:cNvPr id="4" name="Title 3"/>
+          <p:cNvSpPr>
+            <a:spLocks noGrp="1"/>
+          </p:cNvSpPr>
+          <p:nvPr>
+            <p:ph type="title"/>
+          </p:nvPr>
+        </p:nvSpPr>
+        <p:spPr/>
+        <p:txBody>
+          <a:bodyPr/>
+          <a:lstStyle/>
+          <a:p>
+            <a:r>
+              <a:rPr lang="de-CH" dirty="0" err="1"/>
+              <a:t>Demystifying</a:t>
+            </a:r>
+            <a:r>
+              <a:rPr lang="de-CH" dirty="0"/>
+              <a:t> </a:t>
+            </a:r>
+            <a:r>
+              <a:rPr lang="de-CH" dirty="0" err="1"/>
+              <a:t>Buzzwords</a:t>
+            </a:r>
+            <a:endParaRPr lang="de-CH" dirty="0"/>
+          </a:p>
+        </p:txBody>
+      </p:sp>
+      <p:sp>
+        <p:nvSpPr>
+          <p:cNvPr id="5" name="Content Placeholder 4"/>
+          <p:cNvSpPr>
+            <a:spLocks noGrp="1"/>
+          </p:cNvSpPr>
+          <p:nvPr>
+            <p:ph idx="1"/>
+          </p:nvPr>
+        </p:nvSpPr>
+        <p:spPr>
+          <a:xfrm>
+            <a:off x="4059864" y="3286539"/>
+            <a:ext cx="2516188" cy="429545"/>
+          </a:xfrm>
+        </p:spPr>
+        <p:txBody>
+          <a:bodyPr>
+            <a:normAutofit fontScale="92500" lnSpcReduction="20000"/>
+          </a:bodyPr>
+          <a:lstStyle/>
+          <a:p>
+            <a:pPr marL="0" indent="0">
+              <a:buNone/>
+            </a:pPr>
+            <a:r>
+              <a:rPr lang="de-CH" dirty="0" smtClean="0">
+                <a:solidFill>
+                  <a:schemeClr val="tx2">
+                    <a:lumMod val="50000"/>
+                  </a:schemeClr>
+                </a:solidFill>
+              </a:rPr>
+              <a:t>Data Science</a:t>
+            </a:r>
+            <a:endParaRPr lang="de-CH" dirty="0">
+              <a:solidFill>
+                <a:schemeClr val="tx2">
+                  <a:lumMod val="50000"/>
+                </a:schemeClr>
+              </a:solidFill>
+            </a:endParaRPr>
+          </a:p>
+        </p:txBody>
+      </p:sp>
+      <p:sp>
+        <p:nvSpPr>
+          <p:cNvPr id="7" name="TextBox 6"/>
+          <p:cNvSpPr txBox="1"/>
+          <p:nvPr/>
+        </p:nvSpPr>
+        <p:spPr>
+          <a:xfrm>
+            <a:off x="7756356" y="4807214"/>
+            <a:ext cx="2582779" cy="369332"/>
+          </a:xfrm>
+          <a:prstGeom prst="rect">
+            <a:avLst/>
+          </a:prstGeom>
+          <a:noFill/>
+        </p:spPr>
+        <p:txBody>
+          <a:bodyPr wrap="square" rtlCol="0">
+            <a:spAutoFit/>
+          </a:bodyPr>
+          <a:lstStyle/>
+          <a:p>
+            <a:r>
+              <a:rPr lang="de-CH" dirty="0" smtClean="0">
+                <a:solidFill>
+                  <a:schemeClr val="tx2">
+                    <a:lumMod val="50000"/>
+                  </a:schemeClr>
+                </a:solidFill>
+              </a:rPr>
+              <a:t>Artifical Intelligence</a:t>
+            </a:r>
+            <a:endParaRPr lang="de-CH" dirty="0">
+              <a:solidFill>
+                <a:schemeClr val="tx2">
+                  <a:lumMod val="50000"/>
+                </a:schemeClr>
+              </a:solidFill>
+            </a:endParaRPr>
+          </a:p>
+        </p:txBody>
+      </p:sp>
+      <p:sp>
+        <p:nvSpPr>
+          <p:cNvPr id="8" name="TextBox 7"/>
+          <p:cNvSpPr txBox="1"/>
+          <p:nvPr/>
+        </p:nvSpPr>
+        <p:spPr>
+          <a:xfrm>
+            <a:off x="1459832" y="2919897"/>
+            <a:ext cx="1555234" cy="369332"/>
+          </a:xfrm>
+          <a:prstGeom prst="rect">
+            <a:avLst/>
+          </a:prstGeom>
+          <a:noFill/>
+        </p:spPr>
+        <p:txBody>
+          <a:bodyPr wrap="none" rtlCol="0">
+            <a:spAutoFit/>
+          </a:bodyPr>
+          <a:lstStyle/>
+          <a:p>
+            <a:r>
               <a:rPr lang="de-CH" dirty="0" smtClean="0">
                 <a:solidFill>
                   <a:schemeClr val="tx2">
@@ -16627,7 +19467,7 @@
 </p:sld>
 </file>
 
-<file path=ppt/slides/slide11.xml><?xml version="1.0" encoding="utf-8"?>
+<file path=ppt/slides/slide15.xml><?xml version="1.0" encoding="utf-8"?>
 <p:sld xmlns:a="http://schemas.openxmlformats.org/drawingml/2006/main" xmlns:r="http://schemas.openxmlformats.org/officeDocument/2006/relationships" xmlns:p="http://schemas.openxmlformats.org/presentationml/2006/main">
   <p:cSld>
     <p:spTree>
@@ -17004,7 +19844,7 @@
 </p:sld>
 </file>
 
-<file path=ppt/slides/slide12.xml><?xml version="1.0" encoding="utf-8"?>
+<file path=ppt/slides/slide16.xml><?xml version="1.0" encoding="utf-8"?>
 <p:sld xmlns:a="http://schemas.openxmlformats.org/drawingml/2006/main" xmlns:r="http://schemas.openxmlformats.org/officeDocument/2006/relationships" xmlns:p="http://schemas.openxmlformats.org/presentationml/2006/main">
   <p:cSld>
     <p:spTree>
@@ -17417,7 +20257,7 @@
 </p:sld>
 </file>
 
-<file path=ppt/slides/slide13.xml><?xml version="1.0" encoding="utf-8"?>
+<file path=ppt/slides/slide17.xml><?xml version="1.0" encoding="utf-8"?>
 <p:sld xmlns:a="http://schemas.openxmlformats.org/drawingml/2006/main" xmlns:r="http://schemas.openxmlformats.org/officeDocument/2006/relationships" xmlns:p="http://schemas.openxmlformats.org/presentationml/2006/main">
   <p:cSld>
     <p:spTree>
@@ -17985,7 +20825,7 @@
 </p:sld>
 </file>
 
-<file path=ppt/slides/slide14.xml><?xml version="1.0" encoding="utf-8"?>
+<file path=ppt/slides/slide18.xml><?xml version="1.0" encoding="utf-8"?>
 <p:sld xmlns:a="http://schemas.openxmlformats.org/drawingml/2006/main" xmlns:r="http://schemas.openxmlformats.org/officeDocument/2006/relationships" xmlns:p="http://schemas.openxmlformats.org/presentationml/2006/main">
   <p:cSld>
     <p:spTree>
@@ -18557,7 +21397,7 @@
 </p:sld>
 </file>
 
-<file path=ppt/slides/slide15.xml><?xml version="1.0" encoding="utf-8"?>
+<file path=ppt/slides/slide19.xml><?xml version="1.0" encoding="utf-8"?>
 <p:sld xmlns:a="http://schemas.openxmlformats.org/drawingml/2006/main" xmlns:r="http://schemas.openxmlformats.org/officeDocument/2006/relationships" xmlns:p="http://schemas.openxmlformats.org/presentationml/2006/main">
   <p:cSld>
     <p:spTree>
@@ -19121,7 +21961,128 @@
 </p:sld>
 </file>
 
-<file path=ppt/slides/slide16.xml><?xml version="1.0" encoding="utf-8"?>
+<file path=ppt/slides/slide2.xml><?xml version="1.0" encoding="utf-8"?>
+<p:sld xmlns:a="http://schemas.openxmlformats.org/drawingml/2006/main" xmlns:r="http://schemas.openxmlformats.org/officeDocument/2006/relationships" xmlns:p="http://schemas.openxmlformats.org/presentationml/2006/main">
+  <p:cSld>
+    <p:spTree>
+      <p:nvGrpSpPr>
+        <p:cNvPr id="1" name=""/>
+        <p:cNvGrpSpPr/>
+        <p:nvPr/>
+      </p:nvGrpSpPr>
+      <p:grpSpPr>
+        <a:xfrm>
+          <a:off x="0" y="0"/>
+          <a:ext cx="0" cy="0"/>
+          <a:chOff x="0" y="0"/>
+          <a:chExt cx="0" cy="0"/>
+        </a:xfrm>
+      </p:grpSpPr>
+      <p:sp>
+        <p:nvSpPr>
+          <p:cNvPr id="2" name="Title 1"/>
+          <p:cNvSpPr>
+            <a:spLocks noGrp="1"/>
+          </p:cNvSpPr>
+          <p:nvPr>
+            <p:ph type="title"/>
+          </p:nvPr>
+        </p:nvSpPr>
+        <p:spPr/>
+        <p:txBody>
+          <a:bodyPr/>
+          <a:lstStyle/>
+          <a:p>
+            <a:r>
+              <a:rPr lang="de-CH" dirty="0" smtClean="0"/>
+              <a:t>Agenda</a:t>
+            </a:r>
+            <a:endParaRPr lang="de-CH" dirty="0"/>
+          </a:p>
+        </p:txBody>
+      </p:sp>
+      <p:sp>
+        <p:nvSpPr>
+          <p:cNvPr id="3" name="Content Placeholder 2"/>
+          <p:cNvSpPr>
+            <a:spLocks noGrp="1"/>
+          </p:cNvSpPr>
+          <p:nvPr>
+            <p:ph idx="1"/>
+          </p:nvPr>
+        </p:nvSpPr>
+        <p:spPr/>
+        <p:txBody>
+          <a:bodyPr>
+            <a:normAutofit fontScale="92500" lnSpcReduction="10000"/>
+          </a:bodyPr>
+          <a:lstStyle/>
+          <a:p>
+            <a:r>
+              <a:rPr lang="de-CH" dirty="0" smtClean="0"/>
+              <a:t>Ziel der Präsentation</a:t>
+            </a:r>
+          </a:p>
+          <a:p>
+            <a:r>
+              <a:rPr lang="de-CH" dirty="0" smtClean="0"/>
+              <a:t>Was ist maschinelles Lernen?</a:t>
+            </a:r>
+          </a:p>
+          <a:p>
+            <a:r>
+              <a:rPr lang="de-CH" dirty="0" smtClean="0"/>
+              <a:t>R und Visual Studio</a:t>
+            </a:r>
+          </a:p>
+          <a:p>
+            <a:r>
+              <a:rPr lang="de-CH" dirty="0" smtClean="0"/>
+              <a:t>Machine Learning by Example</a:t>
+            </a:r>
+            <a:endParaRPr lang="de-CH" dirty="0"/>
+          </a:p>
+          <a:p>
+            <a:r>
+              <a:rPr lang="de-CH" dirty="0" smtClean="0"/>
+              <a:t>Arten von maschinellem Lernen</a:t>
+            </a:r>
+          </a:p>
+          <a:p>
+            <a:r>
+              <a:rPr lang="de-CH" dirty="0" smtClean="0"/>
+              <a:t>Die 5 Fragen die ML beantworten kann</a:t>
+            </a:r>
+          </a:p>
+          <a:p>
+            <a:r>
+              <a:rPr lang="de-CH" dirty="0" smtClean="0"/>
+              <a:t>Weiterführende Konzepte</a:t>
+            </a:r>
+          </a:p>
+        </p:txBody>
+      </p:sp>
+    </p:spTree>
+    <p:extLst>
+      <p:ext uri="{BB962C8B-B14F-4D97-AF65-F5344CB8AC3E}">
+        <p14:creationId xmlns:p14="http://schemas.microsoft.com/office/powerpoint/2010/main" val="3758681409"/>
+      </p:ext>
+    </p:extLst>
+  </p:cSld>
+  <p:clrMapOvr>
+    <a:masterClrMapping/>
+  </p:clrMapOvr>
+  <p:timing>
+    <p:tnLst>
+      <p:par>
+        <p:cTn id="1" dur="indefinite" restart="never" nodeType="tmRoot"/>
+      </p:par>
+    </p:tnLst>
+  </p:timing>
+</p:sld>
+</file>
+
+<file path=ppt/slides/slide20.xml><?xml version="1.0" encoding="utf-8"?>
 <p:sld xmlns:a="http://schemas.openxmlformats.org/drawingml/2006/main" xmlns:r="http://schemas.openxmlformats.org/officeDocument/2006/relationships" xmlns:p="http://schemas.openxmlformats.org/presentationml/2006/main">
   <p:cSld>
     <p:spTree>
@@ -19462,7 +22423,7 @@
 </p:sld>
 </file>
 
-<file path=ppt/slides/slide17.xml><?xml version="1.0" encoding="utf-8"?>
+<file path=ppt/slides/slide21.xml><?xml version="1.0" encoding="utf-8"?>
 <p:sld xmlns:a="http://schemas.openxmlformats.org/drawingml/2006/main" xmlns:r="http://schemas.openxmlformats.org/officeDocument/2006/relationships" xmlns:p="http://schemas.openxmlformats.org/presentationml/2006/main">
   <p:cSld>
     <p:spTree>
@@ -20102,7 +23063,7 @@
 </p:sld>
 </file>
 
-<file path=ppt/slides/slide18.xml><?xml version="1.0" encoding="utf-8"?>
+<file path=ppt/slides/slide22.xml><?xml version="1.0" encoding="utf-8"?>
 <p:sld xmlns:a="http://schemas.openxmlformats.org/drawingml/2006/main" xmlns:r="http://schemas.openxmlformats.org/officeDocument/2006/relationships" xmlns:p="http://schemas.openxmlformats.org/presentationml/2006/main">
   <p:cSld>
     <p:spTree>
@@ -20965,7 +23926,7 @@
 </p:sld>
 </file>
 
-<file path=ppt/slides/slide19.xml><?xml version="1.0" encoding="utf-8"?>
+<file path=ppt/slides/slide23.xml><?xml version="1.0" encoding="utf-8"?>
 <p:sld xmlns:a="http://schemas.openxmlformats.org/drawingml/2006/main" xmlns:r="http://schemas.openxmlformats.org/officeDocument/2006/relationships" xmlns:p="http://schemas.openxmlformats.org/presentationml/2006/main">
   <p:cSld>
     <p:spTree>
@@ -21060,122 +24021,7 @@
 </p:sld>
 </file>
 
-<file path=ppt/slides/slide2.xml><?xml version="1.0" encoding="utf-8"?>
-<p:sld xmlns:a="http://schemas.openxmlformats.org/drawingml/2006/main" xmlns:r="http://schemas.openxmlformats.org/officeDocument/2006/relationships" xmlns:p="http://schemas.openxmlformats.org/presentationml/2006/main">
-  <p:cSld>
-    <p:spTree>
-      <p:nvGrpSpPr>
-        <p:cNvPr id="1" name=""/>
-        <p:cNvGrpSpPr/>
-        <p:nvPr/>
-      </p:nvGrpSpPr>
-      <p:grpSpPr>
-        <a:xfrm>
-          <a:off x="0" y="0"/>
-          <a:ext cx="0" cy="0"/>
-          <a:chOff x="0" y="0"/>
-          <a:chExt cx="0" cy="0"/>
-        </a:xfrm>
-      </p:grpSpPr>
-      <p:sp>
-        <p:nvSpPr>
-          <p:cNvPr id="2" name="Title 1"/>
-          <p:cNvSpPr>
-            <a:spLocks noGrp="1"/>
-          </p:cNvSpPr>
-          <p:nvPr>
-            <p:ph type="title"/>
-          </p:nvPr>
-        </p:nvSpPr>
-        <p:spPr/>
-        <p:txBody>
-          <a:bodyPr/>
-          <a:lstStyle/>
-          <a:p>
-            <a:r>
-              <a:rPr lang="de-CH" dirty="0" smtClean="0"/>
-              <a:t>Agenda</a:t>
-            </a:r>
-            <a:endParaRPr lang="de-CH" dirty="0"/>
-          </a:p>
-        </p:txBody>
-      </p:sp>
-      <p:sp>
-        <p:nvSpPr>
-          <p:cNvPr id="3" name="Content Placeholder 2"/>
-          <p:cNvSpPr>
-            <a:spLocks noGrp="1"/>
-          </p:cNvSpPr>
-          <p:nvPr>
-            <p:ph idx="1"/>
-          </p:nvPr>
-        </p:nvSpPr>
-        <p:spPr/>
-        <p:txBody>
-          <a:bodyPr>
-            <a:normAutofit/>
-          </a:bodyPr>
-          <a:lstStyle/>
-          <a:p>
-            <a:r>
-              <a:rPr lang="de-CH" dirty="0" smtClean="0"/>
-              <a:t>Was ist maschinelles Lernen?</a:t>
-            </a:r>
-          </a:p>
-          <a:p>
-            <a:r>
-              <a:rPr lang="de-CH" dirty="0" smtClean="0"/>
-              <a:t>R und Visual Studio</a:t>
-            </a:r>
-          </a:p>
-          <a:p>
-            <a:r>
-              <a:rPr lang="de-CH" dirty="0" smtClean="0"/>
-              <a:t>Machine Learning by Example</a:t>
-            </a:r>
-            <a:endParaRPr lang="de-CH" dirty="0"/>
-          </a:p>
-          <a:p>
-            <a:r>
-              <a:rPr lang="de-CH" dirty="0" smtClean="0"/>
-              <a:t>Arten von maschinellem Lernen</a:t>
-            </a:r>
-          </a:p>
-          <a:p>
-            <a:r>
-              <a:rPr lang="de-CH" dirty="0" smtClean="0"/>
-              <a:t>Die 5 Fragen die ML beantworten kann</a:t>
-            </a:r>
-          </a:p>
-          <a:p>
-            <a:r>
-              <a:rPr lang="de-CH" dirty="0" smtClean="0"/>
-              <a:t>Weiterführende Konzepte</a:t>
-            </a:r>
-          </a:p>
-        </p:txBody>
-      </p:sp>
-    </p:spTree>
-    <p:extLst>
-      <p:ext uri="{BB962C8B-B14F-4D97-AF65-F5344CB8AC3E}">
-        <p14:creationId xmlns:p14="http://schemas.microsoft.com/office/powerpoint/2010/main" val="3758681409"/>
-      </p:ext>
-    </p:extLst>
-  </p:cSld>
-  <p:clrMapOvr>
-    <a:masterClrMapping/>
-  </p:clrMapOvr>
-  <p:timing>
-    <p:tnLst>
-      <p:par>
-        <p:cTn id="1" dur="indefinite" restart="never" nodeType="tmRoot"/>
-      </p:par>
-    </p:tnLst>
-  </p:timing>
-</p:sld>
-</file>
-
-<file path=ppt/slides/slide20.xml><?xml version="1.0" encoding="utf-8"?>
+<file path=ppt/slides/slide24.xml><?xml version="1.0" encoding="utf-8"?>
 <p:sld xmlns:a="http://schemas.openxmlformats.org/drawingml/2006/main" xmlns:r="http://schemas.openxmlformats.org/officeDocument/2006/relationships" xmlns:p="http://schemas.openxmlformats.org/presentationml/2006/main">
   <p:cSld>
     <p:spTree>
@@ -21692,7 +24538,7 @@
 </p:sld>
 </file>
 
-<file path=ppt/slides/slide21.xml><?xml version="1.0" encoding="utf-8"?>
+<file path=ppt/slides/slide25.xml><?xml version="1.0" encoding="utf-8"?>
 <p:sld xmlns:a="http://schemas.openxmlformats.org/drawingml/2006/main" xmlns:r="http://schemas.openxmlformats.org/officeDocument/2006/relationships" xmlns:p="http://schemas.openxmlformats.org/presentationml/2006/main">
   <p:cSld>
     <p:spTree>
@@ -22294,7 +25140,7 @@
 </p:sld>
 </file>
 
-<file path=ppt/slides/slide22.xml><?xml version="1.0" encoding="utf-8"?>
+<file path=ppt/slides/slide26.xml><?xml version="1.0" encoding="utf-8"?>
 <p:sld xmlns:a="http://schemas.openxmlformats.org/drawingml/2006/main" xmlns:r="http://schemas.openxmlformats.org/officeDocument/2006/relationships" xmlns:p="http://schemas.openxmlformats.org/presentationml/2006/main">
   <p:cSld>
     <p:spTree>
@@ -22657,7 +25503,7 @@
 </p:sld>
 </file>
 
-<file path=ppt/slides/slide23.xml><?xml version="1.0" encoding="utf-8"?>
+<file path=ppt/slides/slide27.xml><?xml version="1.0" encoding="utf-8"?>
 <p:sld xmlns:a="http://schemas.openxmlformats.org/drawingml/2006/main" xmlns:r="http://schemas.openxmlformats.org/officeDocument/2006/relationships" xmlns:p="http://schemas.openxmlformats.org/presentationml/2006/main">
   <p:cSld>
     <p:spTree>
@@ -22761,7 +25607,7 @@
 </p:sld>
 </file>
 
-<file path=ppt/slides/slide24.xml><?xml version="1.0" encoding="utf-8"?>
+<file path=ppt/slides/slide28.xml><?xml version="1.0" encoding="utf-8"?>
 <p:sld xmlns:a="http://schemas.openxmlformats.org/drawingml/2006/main" xmlns:r="http://schemas.openxmlformats.org/officeDocument/2006/relationships" xmlns:p="http://schemas.openxmlformats.org/presentationml/2006/main">
   <p:cSld>
     <p:spTree>
@@ -22852,7 +25698,7 @@
 </p:sld>
 </file>
 
-<file path=ppt/slides/slide25.xml><?xml version="1.0" encoding="utf-8"?>
+<file path=ppt/slides/slide29.xml><?xml version="1.0" encoding="utf-8"?>
 <p:sld xmlns:a="http://schemas.openxmlformats.org/drawingml/2006/main" xmlns:r="http://schemas.openxmlformats.org/officeDocument/2006/relationships" xmlns:p="http://schemas.openxmlformats.org/presentationml/2006/main">
   <p:cSld>
     <p:spTree>
@@ -23192,7 +26038,98 @@
 </p:sld>
 </file>
 
-<file path=ppt/slides/slide26.xml><?xml version="1.0" encoding="utf-8"?>
+<file path=ppt/slides/slide3.xml><?xml version="1.0" encoding="utf-8"?>
+<p:sld xmlns:a="http://schemas.openxmlformats.org/drawingml/2006/main" xmlns:r="http://schemas.openxmlformats.org/officeDocument/2006/relationships" xmlns:p="http://schemas.openxmlformats.org/presentationml/2006/main">
+  <p:cSld>
+    <p:spTree>
+      <p:nvGrpSpPr>
+        <p:cNvPr id="1" name=""/>
+        <p:cNvGrpSpPr/>
+        <p:nvPr/>
+      </p:nvGrpSpPr>
+      <p:grpSpPr>
+        <a:xfrm>
+          <a:off x="0" y="0"/>
+          <a:ext cx="0" cy="0"/>
+          <a:chOff x="0" y="0"/>
+          <a:chExt cx="0" cy="0"/>
+        </a:xfrm>
+      </p:grpSpPr>
+      <p:sp>
+        <p:nvSpPr>
+          <p:cNvPr id="2" name="Title 1"/>
+          <p:cNvSpPr>
+            <a:spLocks noGrp="1"/>
+          </p:cNvSpPr>
+          <p:nvPr>
+            <p:ph type="title"/>
+          </p:nvPr>
+        </p:nvSpPr>
+        <p:spPr/>
+        <p:txBody>
+          <a:bodyPr/>
+          <a:lstStyle/>
+          <a:p>
+            <a:r>
+              <a:rPr lang="de-CH" dirty="0" smtClean="0"/>
+              <a:t>Ziel der Präsentation</a:t>
+            </a:r>
+            <a:endParaRPr lang="de-CH" dirty="0"/>
+          </a:p>
+        </p:txBody>
+      </p:sp>
+      <p:sp>
+        <p:nvSpPr>
+          <p:cNvPr id="4" name="Text Placeholder 3"/>
+          <p:cNvSpPr>
+            <a:spLocks noGrp="1"/>
+          </p:cNvSpPr>
+          <p:nvPr>
+            <p:ph type="body" idx="1"/>
+          </p:nvPr>
+        </p:nvSpPr>
+        <p:spPr/>
+        <p:txBody>
+          <a:bodyPr/>
+          <a:lstStyle/>
+          <a:p>
+            <a:r>
+              <a:rPr lang="de-CH" dirty="0" smtClean="0">
+                <a:solidFill>
+                  <a:schemeClr val="tx2"/>
+                </a:solidFill>
+              </a:rPr>
+              <a:t>Warum schauen wir uns ML überhaupt an und was können wir von der Präsentation erwarten</a:t>
+            </a:r>
+            <a:endParaRPr lang="de-CH" dirty="0">
+              <a:solidFill>
+                <a:schemeClr val="tx2"/>
+              </a:solidFill>
+            </a:endParaRPr>
+          </a:p>
+        </p:txBody>
+      </p:sp>
+    </p:spTree>
+    <p:extLst>
+      <p:ext uri="{BB962C8B-B14F-4D97-AF65-F5344CB8AC3E}">
+        <p14:creationId xmlns:p14="http://schemas.microsoft.com/office/powerpoint/2010/main" val="3194009361"/>
+      </p:ext>
+    </p:extLst>
+  </p:cSld>
+  <p:clrMapOvr>
+    <a:masterClrMapping/>
+  </p:clrMapOvr>
+  <p:timing>
+    <p:tnLst>
+      <p:par>
+        <p:cTn id="1" dur="indefinite" restart="never" nodeType="tmRoot"/>
+      </p:par>
+    </p:tnLst>
+  </p:timing>
+</p:sld>
+</file>
+
+<file path=ppt/slides/slide30.xml><?xml version="1.0" encoding="utf-8"?>
 <p:sld xmlns:a="http://schemas.openxmlformats.org/drawingml/2006/main" xmlns:r="http://schemas.openxmlformats.org/officeDocument/2006/relationships" xmlns:p="http://schemas.openxmlformats.org/presentationml/2006/main">
   <p:cSld>
     <p:spTree>
@@ -23338,7 +26275,7 @@
 </p:sld>
 </file>
 
-<file path=ppt/slides/slide27.xml><?xml version="1.0" encoding="utf-8"?>
+<file path=ppt/slides/slide31.xml><?xml version="1.0" encoding="utf-8"?>
 <p:sld xmlns:a="http://schemas.openxmlformats.org/drawingml/2006/main" xmlns:r="http://schemas.openxmlformats.org/officeDocument/2006/relationships" xmlns:p="http://schemas.openxmlformats.org/presentationml/2006/main">
   <p:cSld>
     <p:spTree>
@@ -23502,7 +26439,7 @@
 </p:sld>
 </file>
 
-<file path=ppt/slides/slide28.xml><?xml version="1.0" encoding="utf-8"?>
+<file path=ppt/slides/slide32.xml><?xml version="1.0" encoding="utf-8"?>
 <p:sld xmlns:a="http://schemas.openxmlformats.org/drawingml/2006/main" xmlns:r="http://schemas.openxmlformats.org/officeDocument/2006/relationships" xmlns:p="http://schemas.openxmlformats.org/presentationml/2006/main">
   <p:cSld>
     <p:spTree>
@@ -23601,7 +26538,7 @@
 </p:sld>
 </file>
 
-<file path=ppt/slides/slide29.xml><?xml version="1.0" encoding="utf-8"?>
+<file path=ppt/slides/slide33.xml><?xml version="1.0" encoding="utf-8"?>
 <p:sld xmlns:a="http://schemas.openxmlformats.org/drawingml/2006/main" xmlns:r="http://schemas.openxmlformats.org/officeDocument/2006/relationships" xmlns:p="http://schemas.openxmlformats.org/presentationml/2006/main">
   <p:cSld>
     <p:spTree>
@@ -23705,98 +26642,7 @@
 </p:sld>
 </file>
 
-<file path=ppt/slides/slide3.xml><?xml version="1.0" encoding="utf-8"?>
-<p:sld xmlns:a="http://schemas.openxmlformats.org/drawingml/2006/main" xmlns:r="http://schemas.openxmlformats.org/officeDocument/2006/relationships" xmlns:p="http://schemas.openxmlformats.org/presentationml/2006/main">
-  <p:cSld>
-    <p:spTree>
-      <p:nvGrpSpPr>
-        <p:cNvPr id="1" name=""/>
-        <p:cNvGrpSpPr/>
-        <p:nvPr/>
-      </p:nvGrpSpPr>
-      <p:grpSpPr>
-        <a:xfrm>
-          <a:off x="0" y="0"/>
-          <a:ext cx="0" cy="0"/>
-          <a:chOff x="0" y="0"/>
-          <a:chExt cx="0" cy="0"/>
-        </a:xfrm>
-      </p:grpSpPr>
-      <p:sp>
-        <p:nvSpPr>
-          <p:cNvPr id="2" name="Title 1"/>
-          <p:cNvSpPr>
-            <a:spLocks noGrp="1"/>
-          </p:cNvSpPr>
-          <p:nvPr>
-            <p:ph type="title"/>
-          </p:nvPr>
-        </p:nvSpPr>
-        <p:spPr/>
-        <p:txBody>
-          <a:bodyPr/>
-          <a:lstStyle/>
-          <a:p>
-            <a:r>
-              <a:rPr lang="de-CH" dirty="0" smtClean="0"/>
-              <a:t>Was ist maschinelles Lernen?</a:t>
-            </a:r>
-            <a:endParaRPr lang="de-CH" dirty="0"/>
-          </a:p>
-        </p:txBody>
-      </p:sp>
-      <p:sp>
-        <p:nvSpPr>
-          <p:cNvPr id="4" name="Text Placeholder 3"/>
-          <p:cNvSpPr>
-            <a:spLocks noGrp="1"/>
-          </p:cNvSpPr>
-          <p:nvPr>
-            <p:ph type="body" idx="1"/>
-          </p:nvPr>
-        </p:nvSpPr>
-        <p:spPr/>
-        <p:txBody>
-          <a:bodyPr/>
-          <a:lstStyle/>
-          <a:p>
-            <a:r>
-              <a:rPr lang="de-CH" dirty="0" smtClean="0">
-                <a:solidFill>
-                  <a:schemeClr val="tx2"/>
-                </a:solidFill>
-              </a:rPr>
-              <a:t>Begriffliche Aufräumaktion und die Fragen die ML beantworten kann</a:t>
-            </a:r>
-            <a:endParaRPr lang="de-CH" dirty="0">
-              <a:solidFill>
-                <a:schemeClr val="tx2"/>
-              </a:solidFill>
-            </a:endParaRPr>
-          </a:p>
-        </p:txBody>
-      </p:sp>
-    </p:spTree>
-    <p:extLst>
-      <p:ext uri="{BB962C8B-B14F-4D97-AF65-F5344CB8AC3E}">
-        <p14:creationId xmlns:p14="http://schemas.microsoft.com/office/powerpoint/2010/main" val="3194009361"/>
-      </p:ext>
-    </p:extLst>
-  </p:cSld>
-  <p:clrMapOvr>
-    <a:masterClrMapping/>
-  </p:clrMapOvr>
-  <p:timing>
-    <p:tnLst>
-      <p:par>
-        <p:cTn id="1" dur="indefinite" restart="never" nodeType="tmRoot"/>
-      </p:par>
-    </p:tnLst>
-  </p:timing>
-</p:sld>
-</file>
-
-<file path=ppt/slides/slide30.xml><?xml version="1.0" encoding="utf-8"?>
+<file path=ppt/slides/slide34.xml><?xml version="1.0" encoding="utf-8"?>
 <p:sld xmlns:a="http://schemas.openxmlformats.org/drawingml/2006/main" xmlns:r="http://schemas.openxmlformats.org/officeDocument/2006/relationships" xmlns:p="http://schemas.openxmlformats.org/presentationml/2006/main">
   <p:cSld>
     <p:spTree>
@@ -23887,7 +26733,7 @@
 </p:sld>
 </file>
 
-<file path=ppt/slides/slide31.xml><?xml version="1.0" encoding="utf-8"?>
+<file path=ppt/slides/slide35.xml><?xml version="1.0" encoding="utf-8"?>
 <p:sld xmlns:a="http://schemas.openxmlformats.org/drawingml/2006/main" xmlns:r="http://schemas.openxmlformats.org/officeDocument/2006/relationships" xmlns:p="http://schemas.openxmlformats.org/presentationml/2006/main">
   <p:cSld>
     <p:spTree>
@@ -24028,7 +26874,7 @@
 </p:sld>
 </file>
 
-<file path=ppt/slides/slide32.xml><?xml version="1.0" encoding="utf-8"?>
+<file path=ppt/slides/slide36.xml><?xml version="1.0" encoding="utf-8"?>
 <p:sld xmlns:a="http://schemas.openxmlformats.org/drawingml/2006/main" xmlns:r="http://schemas.openxmlformats.org/officeDocument/2006/relationships" xmlns:p="http://schemas.openxmlformats.org/presentationml/2006/main">
   <p:cSld>
     <p:spTree>
@@ -24169,7 +27015,7 @@
 </p:sld>
 </file>
 
-<file path=ppt/slides/slide33.xml><?xml version="1.0" encoding="utf-8"?>
+<file path=ppt/slides/slide37.xml><?xml version="1.0" encoding="utf-8"?>
 <p:sld xmlns:a="http://schemas.openxmlformats.org/drawingml/2006/main" xmlns:r="http://schemas.openxmlformats.org/officeDocument/2006/relationships" xmlns:p="http://schemas.openxmlformats.org/presentationml/2006/main">
   <p:cSld>
     <p:spTree>
@@ -24282,7 +27128,7 @@
 </p:sld>
 </file>
 
-<file path=ppt/slides/slide34.xml><?xml version="1.0" encoding="utf-8"?>
+<file path=ppt/slides/slide38.xml><?xml version="1.0" encoding="utf-8"?>
 <p:sld xmlns:a="http://schemas.openxmlformats.org/drawingml/2006/main" xmlns:r="http://schemas.openxmlformats.org/officeDocument/2006/relationships" xmlns:p="http://schemas.openxmlformats.org/presentationml/2006/main">
   <p:cSld>
     <p:spTree>
@@ -24387,6 +27233,30 @@
           </a:p>
         </p:txBody>
       </p:sp>
+      <p:pic>
+        <p:nvPicPr>
+          <p:cNvPr id="3" name="Picture 2"/>
+          <p:cNvPicPr>
+            <a:picLocks noChangeAspect="1"/>
+          </p:cNvPicPr>
+          <p:nvPr/>
+        </p:nvPicPr>
+        <p:blipFill>
+          <a:blip r:embed="rId2"/>
+          <a:stretch>
+            <a:fillRect/>
+          </a:stretch>
+        </p:blipFill>
+        <p:spPr>
+          <a:xfrm>
+            <a:off x="5224174" y="754081"/>
+            <a:ext cx="5510253" cy="5119725"/>
+          </a:xfrm>
+          <a:prstGeom prst="rect">
+            <a:avLst/>
+          </a:prstGeom>
+        </p:spPr>
+      </p:pic>
     </p:spTree>
     <p:extLst>
       <p:ext uri="{BB962C8B-B14F-4D97-AF65-F5344CB8AC3E}">
@@ -24407,7 +27277,7 @@
 </p:sld>
 </file>
 
-<file path=ppt/slides/slide35.xml><?xml version="1.0" encoding="utf-8"?>
+<file path=ppt/slides/slide39.xml><?xml version="1.0" encoding="utf-8"?>
 <p:sld xmlns:a="http://schemas.openxmlformats.org/drawingml/2006/main" xmlns:r="http://schemas.openxmlformats.org/officeDocument/2006/relationships" xmlns:p="http://schemas.openxmlformats.org/presentationml/2006/main">
   <p:cSld>
     <p:spTree>
@@ -24505,274 +27375,6 @@
     <p:extLst>
       <p:ext uri="{BB962C8B-B14F-4D97-AF65-F5344CB8AC3E}">
         <p14:creationId xmlns:p14="http://schemas.microsoft.com/office/powerpoint/2010/main" val="2087689458"/>
-      </p:ext>
-    </p:extLst>
-  </p:cSld>
-  <p:clrMapOvr>
-    <a:masterClrMapping/>
-  </p:clrMapOvr>
-  <p:timing>
-    <p:tnLst>
-      <p:par>
-        <p:cTn id="1" dur="indefinite" restart="never" nodeType="tmRoot"/>
-      </p:par>
-    </p:tnLst>
-  </p:timing>
-</p:sld>
-</file>
-
-<file path=ppt/slides/slide36.xml><?xml version="1.0" encoding="utf-8"?>
-<p:sld xmlns:a="http://schemas.openxmlformats.org/drawingml/2006/main" xmlns:r="http://schemas.openxmlformats.org/officeDocument/2006/relationships" xmlns:p="http://schemas.openxmlformats.org/presentationml/2006/main">
-  <p:cSld>
-    <p:spTree>
-      <p:nvGrpSpPr>
-        <p:cNvPr id="1" name=""/>
-        <p:cNvGrpSpPr/>
-        <p:nvPr/>
-      </p:nvGrpSpPr>
-      <p:grpSpPr>
-        <a:xfrm>
-          <a:off x="0" y="0"/>
-          <a:ext cx="0" cy="0"/>
-          <a:chOff x="0" y="0"/>
-          <a:chExt cx="0" cy="0"/>
-        </a:xfrm>
-      </p:grpSpPr>
-      <p:sp>
-        <p:nvSpPr>
-          <p:cNvPr id="2" name="Title 1"/>
-          <p:cNvSpPr>
-            <a:spLocks noGrp="1"/>
-          </p:cNvSpPr>
-          <p:nvPr>
-            <p:ph type="title"/>
-          </p:nvPr>
-        </p:nvSpPr>
-        <p:spPr/>
-        <p:txBody>
-          <a:bodyPr/>
-          <a:lstStyle/>
-          <a:p>
-            <a:r>
-              <a:rPr lang="de-CH" dirty="0" smtClean="0"/>
-              <a:t>Ideen</a:t>
-            </a:r>
-            <a:endParaRPr lang="de-CH" dirty="0"/>
-          </a:p>
-        </p:txBody>
-      </p:sp>
-      <p:sp>
-        <p:nvSpPr>
-          <p:cNvPr id="3" name="Content Placeholder 2"/>
-          <p:cNvSpPr>
-            <a:spLocks noGrp="1"/>
-          </p:cNvSpPr>
-          <p:nvPr>
-            <p:ph idx="1"/>
-          </p:nvPr>
-        </p:nvSpPr>
-        <p:spPr/>
-        <p:txBody>
-          <a:bodyPr/>
-          <a:lstStyle/>
-          <a:p>
-            <a:r>
-              <a:rPr lang="de-CH" dirty="0" smtClean="0"/>
-              <a:t>Übersicht über Algorithmen</a:t>
-            </a:r>
-          </a:p>
-          <a:p>
-            <a:r>
-              <a:rPr lang="de-CH" dirty="0" smtClean="0"/>
-              <a:t>Zitate</a:t>
-            </a:r>
-          </a:p>
-          <a:p>
-            <a:r>
-              <a:rPr lang="de-CH" dirty="0" err="1" smtClean="0"/>
-              <a:t>No</a:t>
-            </a:r>
-            <a:r>
-              <a:rPr lang="de-CH" dirty="0" smtClean="0"/>
-              <a:t> </a:t>
-            </a:r>
-            <a:r>
-              <a:rPr lang="de-CH" dirty="0" err="1" smtClean="0"/>
-              <a:t>you’re</a:t>
-            </a:r>
-            <a:r>
-              <a:rPr lang="de-CH" dirty="0" smtClean="0"/>
-              <a:t> </a:t>
-            </a:r>
-            <a:r>
-              <a:rPr lang="de-CH" dirty="0" err="1" smtClean="0"/>
-              <a:t>ready</a:t>
-            </a:r>
-            <a:r>
-              <a:rPr lang="de-CH" dirty="0" smtClean="0"/>
-              <a:t> </a:t>
-            </a:r>
-            <a:r>
-              <a:rPr lang="de-CH" dirty="0" err="1" smtClean="0"/>
-              <a:t>to</a:t>
-            </a:r>
-            <a:r>
-              <a:rPr lang="de-CH" dirty="0" smtClean="0"/>
-              <a:t> </a:t>
-            </a:r>
-            <a:r>
-              <a:rPr lang="de-CH" dirty="0" err="1" smtClean="0"/>
-              <a:t>explore</a:t>
-            </a:r>
-            <a:r>
-              <a:rPr lang="de-CH" dirty="0" smtClean="0"/>
-              <a:t> </a:t>
-            </a:r>
-            <a:r>
-              <a:rPr lang="de-CH" dirty="0" err="1" smtClean="0"/>
-              <a:t>yourself</a:t>
-            </a:r>
-            <a:endParaRPr lang="de-CH" dirty="0" smtClean="0"/>
-          </a:p>
-          <a:p>
-            <a:r>
-              <a:rPr lang="de-CH" smtClean="0"/>
-              <a:t>links</a:t>
-            </a:r>
-            <a:endParaRPr lang="de-CH"/>
-          </a:p>
-        </p:txBody>
-      </p:sp>
-      <p:sp>
-        <p:nvSpPr>
-          <p:cNvPr id="4" name="Text Placeholder 3"/>
-          <p:cNvSpPr>
-            <a:spLocks noGrp="1"/>
-          </p:cNvSpPr>
-          <p:nvPr>
-            <p:ph type="body" sz="half" idx="2"/>
-          </p:nvPr>
-        </p:nvSpPr>
-        <p:spPr/>
-        <p:txBody>
-          <a:bodyPr/>
-          <a:lstStyle/>
-          <a:p>
-            <a:endParaRPr lang="de-CH"/>
-          </a:p>
-        </p:txBody>
-      </p:sp>
-    </p:spTree>
-    <p:extLst>
-      <p:ext uri="{BB962C8B-B14F-4D97-AF65-F5344CB8AC3E}">
-        <p14:creationId xmlns:p14="http://schemas.microsoft.com/office/powerpoint/2010/main" val="3513540891"/>
-      </p:ext>
-    </p:extLst>
-  </p:cSld>
-  <p:clrMapOvr>
-    <a:masterClrMapping/>
-  </p:clrMapOvr>
-</p:sld>
-</file>
-
-<file path=ppt/slides/slide37.xml><?xml version="1.0" encoding="utf-8"?>
-<p:sld xmlns:a="http://schemas.openxmlformats.org/drawingml/2006/main" xmlns:r="http://schemas.openxmlformats.org/officeDocument/2006/relationships" xmlns:p="http://schemas.openxmlformats.org/presentationml/2006/main">
-  <p:cSld>
-    <p:spTree>
-      <p:nvGrpSpPr>
-        <p:cNvPr id="1" name=""/>
-        <p:cNvGrpSpPr/>
-        <p:nvPr/>
-      </p:nvGrpSpPr>
-      <p:grpSpPr>
-        <a:xfrm>
-          <a:off x="0" y="0"/>
-          <a:ext cx="0" cy="0"/>
-          <a:chOff x="0" y="0"/>
-          <a:chExt cx="0" cy="0"/>
-        </a:xfrm>
-      </p:grpSpPr>
-      <p:sp>
-        <p:nvSpPr>
-          <p:cNvPr id="2" name="Title 1"/>
-          <p:cNvSpPr>
-            <a:spLocks noGrp="1"/>
-          </p:cNvSpPr>
-          <p:nvPr>
-            <p:ph type="title"/>
-          </p:nvPr>
-        </p:nvSpPr>
-        <p:spPr/>
-        <p:txBody>
-          <a:bodyPr/>
-          <a:lstStyle/>
-          <a:p>
-            <a:r>
-              <a:rPr lang="de-CH" dirty="0" smtClean="0"/>
-              <a:t>Weiterführende Konzepte</a:t>
-            </a:r>
-            <a:endParaRPr lang="de-CH" dirty="0"/>
-          </a:p>
-        </p:txBody>
-      </p:sp>
-      <p:sp>
-        <p:nvSpPr>
-          <p:cNvPr id="4" name="Text Placeholder 3"/>
-          <p:cNvSpPr>
-            <a:spLocks noGrp="1"/>
-          </p:cNvSpPr>
-          <p:nvPr>
-            <p:ph type="body" idx="1"/>
-          </p:nvPr>
-        </p:nvSpPr>
-        <p:spPr/>
-        <p:txBody>
-          <a:bodyPr/>
-          <a:lstStyle/>
-          <a:p>
-            <a:r>
-              <a:rPr lang="en-US" dirty="0">
-                <a:solidFill>
-                  <a:schemeClr val="tx2"/>
-                </a:solidFill>
-              </a:rPr>
-              <a:t>“By far, the greatest danger of Artificial Intelligence is that people conclude too early that they understand it.” </a:t>
-            </a:r>
-            <a:endParaRPr lang="en-US" dirty="0" smtClean="0">
-              <a:solidFill>
-                <a:schemeClr val="tx2"/>
-              </a:solidFill>
-            </a:endParaRPr>
-          </a:p>
-          <a:p>
-            <a:r>
-              <a:rPr lang="en-US" sz="1100" dirty="0" smtClean="0">
-                <a:solidFill>
-                  <a:schemeClr val="tx2"/>
-                </a:solidFill>
-              </a:rPr>
-              <a:t>— Eliezer </a:t>
-            </a:r>
-            <a:r>
-              <a:rPr lang="en-US" sz="1100" dirty="0" err="1">
-                <a:solidFill>
-                  <a:schemeClr val="tx2"/>
-                </a:solidFill>
-              </a:rPr>
-              <a:t>Yudkowsky</a:t>
-            </a:r>
-            <a:endParaRPr lang="de-CH" sz="900" dirty="0">
-              <a:solidFill>
-                <a:schemeClr val="tx2"/>
-              </a:solidFill>
-            </a:endParaRPr>
-          </a:p>
-        </p:txBody>
-      </p:sp>
-    </p:spTree>
-    <p:extLst>
-      <p:ext uri="{BB962C8B-B14F-4D97-AF65-F5344CB8AC3E}">
-        <p14:creationId xmlns:p14="http://schemas.microsoft.com/office/powerpoint/2010/main" val="2289690871"/>
       </p:ext>
     </p:extLst>
   </p:cSld>
@@ -24808,6 +27410,821 @@
       </p:grpSpPr>
       <p:sp>
         <p:nvSpPr>
+          <p:cNvPr id="3" name="Title 2"/>
+          <p:cNvSpPr>
+            <a:spLocks noGrp="1"/>
+          </p:cNvSpPr>
+          <p:nvPr>
+            <p:ph type="title"/>
+          </p:nvPr>
+        </p:nvSpPr>
+        <p:spPr/>
+        <p:txBody>
+          <a:bodyPr/>
+          <a:lstStyle/>
+          <a:p>
+            <a:endParaRPr lang="de-CH"/>
+          </a:p>
+        </p:txBody>
+      </p:sp>
+      <p:sp>
+        <p:nvSpPr>
+          <p:cNvPr id="5" name="Text Placeholder 4"/>
+          <p:cNvSpPr>
+            <a:spLocks noGrp="1"/>
+          </p:cNvSpPr>
+          <p:nvPr>
+            <p:ph type="body" idx="1"/>
+          </p:nvPr>
+        </p:nvSpPr>
+        <p:spPr/>
+        <p:txBody>
+          <a:bodyPr/>
+          <a:lstStyle/>
+          <a:p>
+            <a:endParaRPr lang="de-CH"/>
+          </a:p>
+        </p:txBody>
+      </p:sp>
+      <p:pic>
+        <p:nvPicPr>
+          <p:cNvPr id="1026" name="Picture 2" descr="https://i1.wp.com/analyticsweek.com/wp-content/uploads/2017/01/4e1d80ad-c007-4baa-99a9-915c936a5ef6-original.png?ssl=1"/>
+          <p:cNvPicPr>
+            <a:picLocks noChangeAspect="1" noChangeArrowheads="1"/>
+          </p:cNvPicPr>
+          <p:nvPr/>
+        </p:nvPicPr>
+        <p:blipFill>
+          <a:blip r:embed="rId3">
+            <a:extLst>
+              <a:ext uri="{28A0092B-C50C-407E-A947-70E740481C1C}">
+                <a14:useLocalDpi xmlns:a14="http://schemas.microsoft.com/office/drawing/2010/main" val="0"/>
+              </a:ext>
+            </a:extLst>
+          </a:blip>
+          <a:srcRect/>
+          <a:stretch>
+            <a:fillRect/>
+          </a:stretch>
+        </p:blipFill>
+        <p:spPr bwMode="auto">
+          <a:xfrm>
+            <a:off x="1750077" y="192265"/>
+            <a:ext cx="8540455" cy="6405342"/>
+          </a:xfrm>
+          <a:prstGeom prst="rect">
+            <a:avLst/>
+          </a:prstGeom>
+          <a:noFill/>
+          <a:extLst>
+            <a:ext uri="{909E8E84-426E-40DD-AFC4-6F175D3DCCD1}">
+              <a14:hiddenFill xmlns:a14="http://schemas.microsoft.com/office/drawing/2010/main">
+                <a:solidFill>
+                  <a:srgbClr val="FFFFFF"/>
+                </a:solidFill>
+              </a14:hiddenFill>
+            </a:ext>
+          </a:extLst>
+        </p:spPr>
+      </p:pic>
+    </p:spTree>
+    <p:extLst>
+      <p:ext uri="{BB962C8B-B14F-4D97-AF65-F5344CB8AC3E}">
+        <p14:creationId xmlns:p14="http://schemas.microsoft.com/office/powerpoint/2010/main" val="2371230821"/>
+      </p:ext>
+    </p:extLst>
+  </p:cSld>
+  <p:clrMapOvr>
+    <a:masterClrMapping/>
+  </p:clrMapOvr>
+  <p:timing>
+    <p:tnLst>
+      <p:par>
+        <p:cTn id="1" dur="indefinite" restart="never" nodeType="tmRoot"/>
+      </p:par>
+    </p:tnLst>
+  </p:timing>
+</p:sld>
+</file>
+
+<file path=ppt/slides/slide40.xml><?xml version="1.0" encoding="utf-8"?>
+<p:sld xmlns:a="http://schemas.openxmlformats.org/drawingml/2006/main" xmlns:r="http://schemas.openxmlformats.org/officeDocument/2006/relationships" xmlns:p="http://schemas.openxmlformats.org/presentationml/2006/main">
+  <p:cSld>
+    <p:spTree>
+      <p:nvGrpSpPr>
+        <p:cNvPr id="1" name=""/>
+        <p:cNvGrpSpPr/>
+        <p:nvPr/>
+      </p:nvGrpSpPr>
+      <p:grpSpPr>
+        <a:xfrm>
+          <a:off x="0" y="0"/>
+          <a:ext cx="0" cy="0"/>
+          <a:chOff x="0" y="0"/>
+          <a:chExt cx="0" cy="0"/>
+        </a:xfrm>
+      </p:grpSpPr>
+      <p:sp>
+        <p:nvSpPr>
+          <p:cNvPr id="2" name="Title 1"/>
+          <p:cNvSpPr>
+            <a:spLocks noGrp="1"/>
+          </p:cNvSpPr>
+          <p:nvPr>
+            <p:ph type="title"/>
+          </p:nvPr>
+        </p:nvSpPr>
+        <p:spPr/>
+        <p:txBody>
+          <a:bodyPr/>
+          <a:lstStyle/>
+          <a:p>
+            <a:r>
+              <a:rPr lang="de-CH" dirty="0" smtClean="0"/>
+              <a:t>Ideen</a:t>
+            </a:r>
+            <a:endParaRPr lang="de-CH" dirty="0"/>
+          </a:p>
+        </p:txBody>
+      </p:sp>
+      <p:sp>
+        <p:nvSpPr>
+          <p:cNvPr id="3" name="Content Placeholder 2"/>
+          <p:cNvSpPr>
+            <a:spLocks noGrp="1"/>
+          </p:cNvSpPr>
+          <p:nvPr>
+            <p:ph idx="1"/>
+          </p:nvPr>
+        </p:nvSpPr>
+        <p:spPr/>
+        <p:txBody>
+          <a:bodyPr/>
+          <a:lstStyle/>
+          <a:p>
+            <a:r>
+              <a:rPr lang="de-CH" dirty="0" smtClean="0"/>
+              <a:t>Übersicht über Algorithmen</a:t>
+            </a:r>
+          </a:p>
+          <a:p>
+            <a:r>
+              <a:rPr lang="de-CH" dirty="0" smtClean="0"/>
+              <a:t>Zitate</a:t>
+            </a:r>
+          </a:p>
+          <a:p>
+            <a:r>
+              <a:rPr lang="de-CH" dirty="0" err="1" smtClean="0"/>
+              <a:t>No</a:t>
+            </a:r>
+            <a:r>
+              <a:rPr lang="de-CH" dirty="0" smtClean="0"/>
+              <a:t> </a:t>
+            </a:r>
+            <a:r>
+              <a:rPr lang="de-CH" dirty="0" err="1" smtClean="0"/>
+              <a:t>you’re</a:t>
+            </a:r>
+            <a:r>
+              <a:rPr lang="de-CH" dirty="0" smtClean="0"/>
+              <a:t> </a:t>
+            </a:r>
+            <a:r>
+              <a:rPr lang="de-CH" dirty="0" err="1" smtClean="0"/>
+              <a:t>ready</a:t>
+            </a:r>
+            <a:r>
+              <a:rPr lang="de-CH" dirty="0" smtClean="0"/>
+              <a:t> </a:t>
+            </a:r>
+            <a:r>
+              <a:rPr lang="de-CH" dirty="0" err="1" smtClean="0"/>
+              <a:t>to</a:t>
+            </a:r>
+            <a:r>
+              <a:rPr lang="de-CH" dirty="0" smtClean="0"/>
+              <a:t> </a:t>
+            </a:r>
+            <a:r>
+              <a:rPr lang="de-CH" dirty="0" err="1" smtClean="0"/>
+              <a:t>explore</a:t>
+            </a:r>
+            <a:r>
+              <a:rPr lang="de-CH" dirty="0" smtClean="0"/>
+              <a:t> </a:t>
+            </a:r>
+            <a:r>
+              <a:rPr lang="de-CH" dirty="0" err="1" smtClean="0"/>
+              <a:t>yourself</a:t>
+            </a:r>
+            <a:endParaRPr lang="de-CH" dirty="0" smtClean="0"/>
+          </a:p>
+          <a:p>
+            <a:r>
+              <a:rPr lang="de-CH" smtClean="0"/>
+              <a:t>links</a:t>
+            </a:r>
+            <a:endParaRPr lang="de-CH"/>
+          </a:p>
+        </p:txBody>
+      </p:sp>
+      <p:sp>
+        <p:nvSpPr>
+          <p:cNvPr id="4" name="Text Placeholder 3"/>
+          <p:cNvSpPr>
+            <a:spLocks noGrp="1"/>
+          </p:cNvSpPr>
+          <p:nvPr>
+            <p:ph type="body" sz="half" idx="2"/>
+          </p:nvPr>
+        </p:nvSpPr>
+        <p:spPr/>
+        <p:txBody>
+          <a:bodyPr/>
+          <a:lstStyle/>
+          <a:p>
+            <a:endParaRPr lang="de-CH"/>
+          </a:p>
+        </p:txBody>
+      </p:sp>
+    </p:spTree>
+    <p:extLst>
+      <p:ext uri="{BB962C8B-B14F-4D97-AF65-F5344CB8AC3E}">
+        <p14:creationId xmlns:p14="http://schemas.microsoft.com/office/powerpoint/2010/main" val="3513540891"/>
+      </p:ext>
+    </p:extLst>
+  </p:cSld>
+  <p:clrMapOvr>
+    <a:masterClrMapping/>
+  </p:clrMapOvr>
+  <p:timing>
+    <p:tnLst>
+      <p:par>
+        <p:cTn id="1" dur="indefinite" restart="never" nodeType="tmRoot"/>
+      </p:par>
+    </p:tnLst>
+  </p:timing>
+</p:sld>
+</file>
+
+<file path=ppt/slides/slide41.xml><?xml version="1.0" encoding="utf-8"?>
+<p:sld xmlns:a="http://schemas.openxmlformats.org/drawingml/2006/main" xmlns:r="http://schemas.openxmlformats.org/officeDocument/2006/relationships" xmlns:p="http://schemas.openxmlformats.org/presentationml/2006/main">
+  <p:cSld>
+    <p:spTree>
+      <p:nvGrpSpPr>
+        <p:cNvPr id="1" name=""/>
+        <p:cNvGrpSpPr/>
+        <p:nvPr/>
+      </p:nvGrpSpPr>
+      <p:grpSpPr>
+        <a:xfrm>
+          <a:off x="0" y="0"/>
+          <a:ext cx="0" cy="0"/>
+          <a:chOff x="0" y="0"/>
+          <a:chExt cx="0" cy="0"/>
+        </a:xfrm>
+      </p:grpSpPr>
+      <p:sp>
+        <p:nvSpPr>
+          <p:cNvPr id="2" name="Title 1"/>
+          <p:cNvSpPr>
+            <a:spLocks noGrp="1"/>
+          </p:cNvSpPr>
+          <p:nvPr>
+            <p:ph type="title"/>
+          </p:nvPr>
+        </p:nvSpPr>
+        <p:spPr/>
+        <p:txBody>
+          <a:bodyPr/>
+          <a:lstStyle/>
+          <a:p>
+            <a:r>
+              <a:rPr lang="de-CH" dirty="0" smtClean="0"/>
+              <a:t>Weiterführende Konzepte</a:t>
+            </a:r>
+            <a:endParaRPr lang="de-CH" dirty="0"/>
+          </a:p>
+        </p:txBody>
+      </p:sp>
+      <p:sp>
+        <p:nvSpPr>
+          <p:cNvPr id="4" name="Text Placeholder 3"/>
+          <p:cNvSpPr>
+            <a:spLocks noGrp="1"/>
+          </p:cNvSpPr>
+          <p:nvPr>
+            <p:ph type="body" idx="1"/>
+          </p:nvPr>
+        </p:nvSpPr>
+        <p:spPr/>
+        <p:txBody>
+          <a:bodyPr/>
+          <a:lstStyle/>
+          <a:p>
+            <a:r>
+              <a:rPr lang="en-US" dirty="0">
+                <a:solidFill>
+                  <a:schemeClr val="tx2"/>
+                </a:solidFill>
+              </a:rPr>
+              <a:t>“By far, the greatest danger of Artificial Intelligence is that people conclude too early that they understand it.” </a:t>
+            </a:r>
+            <a:endParaRPr lang="en-US" dirty="0" smtClean="0">
+              <a:solidFill>
+                <a:schemeClr val="tx2"/>
+              </a:solidFill>
+            </a:endParaRPr>
+          </a:p>
+          <a:p>
+            <a:r>
+              <a:rPr lang="en-US" sz="1100" dirty="0" smtClean="0">
+                <a:solidFill>
+                  <a:schemeClr val="tx2"/>
+                </a:solidFill>
+              </a:rPr>
+              <a:t>— Eliezer </a:t>
+            </a:r>
+            <a:r>
+              <a:rPr lang="en-US" sz="1100" dirty="0" err="1">
+                <a:solidFill>
+                  <a:schemeClr val="tx2"/>
+                </a:solidFill>
+              </a:rPr>
+              <a:t>Yudkowsky</a:t>
+            </a:r>
+            <a:endParaRPr lang="de-CH" sz="900" dirty="0">
+              <a:solidFill>
+                <a:schemeClr val="tx2"/>
+              </a:solidFill>
+            </a:endParaRPr>
+          </a:p>
+        </p:txBody>
+      </p:sp>
+    </p:spTree>
+    <p:extLst>
+      <p:ext uri="{BB962C8B-B14F-4D97-AF65-F5344CB8AC3E}">
+        <p14:creationId xmlns:p14="http://schemas.microsoft.com/office/powerpoint/2010/main" val="2289690871"/>
+      </p:ext>
+    </p:extLst>
+  </p:cSld>
+  <p:clrMapOvr>
+    <a:masterClrMapping/>
+  </p:clrMapOvr>
+  <p:timing>
+    <p:tnLst>
+      <p:par>
+        <p:cTn id="1" dur="indefinite" restart="never" nodeType="tmRoot"/>
+      </p:par>
+    </p:tnLst>
+  </p:timing>
+</p:sld>
+</file>
+
+<file path=ppt/slides/slide5.xml><?xml version="1.0" encoding="utf-8"?>
+<p:sld xmlns:a="http://schemas.openxmlformats.org/drawingml/2006/main" xmlns:r="http://schemas.openxmlformats.org/officeDocument/2006/relationships" xmlns:p="http://schemas.openxmlformats.org/presentationml/2006/main">
+  <p:cSld>
+    <p:spTree>
+      <p:nvGrpSpPr>
+        <p:cNvPr id="1" name=""/>
+        <p:cNvGrpSpPr/>
+        <p:nvPr/>
+      </p:nvGrpSpPr>
+      <p:grpSpPr>
+        <a:xfrm>
+          <a:off x="0" y="0"/>
+          <a:ext cx="0" cy="0"/>
+          <a:chOff x="0" y="0"/>
+          <a:chExt cx="0" cy="0"/>
+        </a:xfrm>
+      </p:grpSpPr>
+      <p:sp>
+        <p:nvSpPr>
+          <p:cNvPr id="3" name="Title 2"/>
+          <p:cNvSpPr>
+            <a:spLocks noGrp="1"/>
+          </p:cNvSpPr>
+          <p:nvPr>
+            <p:ph type="title"/>
+          </p:nvPr>
+        </p:nvSpPr>
+        <p:spPr/>
+        <p:txBody>
+          <a:bodyPr/>
+          <a:lstStyle/>
+          <a:p>
+            <a:endParaRPr lang="de-CH"/>
+          </a:p>
+        </p:txBody>
+      </p:sp>
+      <p:sp>
+        <p:nvSpPr>
+          <p:cNvPr id="5" name="Text Placeholder 4"/>
+          <p:cNvSpPr>
+            <a:spLocks noGrp="1"/>
+          </p:cNvSpPr>
+          <p:nvPr>
+            <p:ph type="body" idx="1"/>
+          </p:nvPr>
+        </p:nvSpPr>
+        <p:spPr/>
+        <p:txBody>
+          <a:bodyPr/>
+          <a:lstStyle/>
+          <a:p>
+            <a:endParaRPr lang="de-CH"/>
+          </a:p>
+        </p:txBody>
+      </p:sp>
+      <p:pic>
+        <p:nvPicPr>
+          <p:cNvPr id="2050" name="Picture 2" descr="Bildergebnis für mind map machine learning"/>
+          <p:cNvPicPr>
+            <a:picLocks noChangeAspect="1" noChangeArrowheads="1"/>
+          </p:cNvPicPr>
+          <p:nvPr/>
+        </p:nvPicPr>
+        <p:blipFill>
+          <a:blip r:embed="rId3">
+            <a:extLst>
+              <a:ext uri="{28A0092B-C50C-407E-A947-70E740481C1C}">
+                <a14:useLocalDpi xmlns:a14="http://schemas.microsoft.com/office/drawing/2010/main" val="0"/>
+              </a:ext>
+            </a:extLst>
+          </a:blip>
+          <a:srcRect/>
+          <a:stretch>
+            <a:fillRect/>
+          </a:stretch>
+        </p:blipFill>
+        <p:spPr bwMode="auto">
+          <a:xfrm>
+            <a:off x="1705026" y="655502"/>
+            <a:ext cx="8778770" cy="5609078"/>
+          </a:xfrm>
+          <a:prstGeom prst="rect">
+            <a:avLst/>
+          </a:prstGeom>
+          <a:noFill/>
+          <a:extLst>
+            <a:ext uri="{909E8E84-426E-40DD-AFC4-6F175D3DCCD1}">
+              <a14:hiddenFill xmlns:a14="http://schemas.microsoft.com/office/drawing/2010/main">
+                <a:solidFill>
+                  <a:srgbClr val="FFFFFF"/>
+                </a:solidFill>
+              </a14:hiddenFill>
+            </a:ext>
+          </a:extLst>
+        </p:spPr>
+      </p:pic>
+    </p:spTree>
+    <p:extLst>
+      <p:ext uri="{BB962C8B-B14F-4D97-AF65-F5344CB8AC3E}">
+        <p14:creationId xmlns:p14="http://schemas.microsoft.com/office/powerpoint/2010/main" val="1922818507"/>
+      </p:ext>
+    </p:extLst>
+  </p:cSld>
+  <p:clrMapOvr>
+    <a:masterClrMapping/>
+  </p:clrMapOvr>
+  <p:timing>
+    <p:tnLst>
+      <p:par>
+        <p:cTn id="1" dur="indefinite" restart="never" nodeType="tmRoot"/>
+      </p:par>
+    </p:tnLst>
+  </p:timing>
+</p:sld>
+</file>
+
+<file path=ppt/slides/slide6.xml><?xml version="1.0" encoding="utf-8"?>
+<p:sld xmlns:a="http://schemas.openxmlformats.org/drawingml/2006/main" xmlns:r="http://schemas.openxmlformats.org/officeDocument/2006/relationships" xmlns:p="http://schemas.openxmlformats.org/presentationml/2006/main">
+  <p:cSld>
+    <p:spTree>
+      <p:nvGrpSpPr>
+        <p:cNvPr id="1" name=""/>
+        <p:cNvGrpSpPr/>
+        <p:nvPr/>
+      </p:nvGrpSpPr>
+      <p:grpSpPr>
+        <a:xfrm>
+          <a:off x="0" y="0"/>
+          <a:ext cx="0" cy="0"/>
+          <a:chOff x="0" y="0"/>
+          <a:chExt cx="0" cy="0"/>
+        </a:xfrm>
+      </p:grpSpPr>
+      <p:sp>
+        <p:nvSpPr>
+          <p:cNvPr id="4" name="Title 3"/>
+          <p:cNvSpPr>
+            <a:spLocks noGrp="1"/>
+          </p:cNvSpPr>
+          <p:nvPr>
+            <p:ph type="title"/>
+          </p:nvPr>
+        </p:nvSpPr>
+        <p:spPr/>
+        <p:txBody>
+          <a:bodyPr/>
+          <a:lstStyle/>
+          <a:p>
+            <a:r>
+              <a:rPr lang="de-CH" dirty="0" smtClean="0"/>
+              <a:t>Disclaimer</a:t>
+            </a:r>
+            <a:br>
+              <a:rPr lang="de-CH" dirty="0" smtClean="0"/>
+            </a:br>
+            <a:endParaRPr lang="de-CH" dirty="0"/>
+          </a:p>
+        </p:txBody>
+      </p:sp>
+      <p:sp>
+        <p:nvSpPr>
+          <p:cNvPr id="5" name="Text Placeholder 4"/>
+          <p:cNvSpPr>
+            <a:spLocks noGrp="1"/>
+          </p:cNvSpPr>
+          <p:nvPr>
+            <p:ph type="body" idx="1"/>
+          </p:nvPr>
+        </p:nvSpPr>
+        <p:spPr>
+          <a:xfrm>
+            <a:off x="6245229" y="1656025"/>
+            <a:ext cx="4649783" cy="823912"/>
+          </a:xfrm>
+        </p:spPr>
+        <p:txBody>
+          <a:bodyPr/>
+          <a:lstStyle/>
+          <a:p>
+            <a:r>
+              <a:rPr lang="de-CH" dirty="0" smtClean="0"/>
+              <a:t>EHER NEIN</a:t>
+            </a:r>
+            <a:endParaRPr lang="de-CH" dirty="0"/>
+          </a:p>
+        </p:txBody>
+      </p:sp>
+      <p:sp>
+        <p:nvSpPr>
+          <p:cNvPr id="6" name="Content Placeholder 5"/>
+          <p:cNvSpPr>
+            <a:spLocks noGrp="1"/>
+          </p:cNvSpPr>
+          <p:nvPr>
+            <p:ph sz="half" idx="2"/>
+          </p:nvPr>
+        </p:nvSpPr>
+        <p:spPr>
+          <a:xfrm>
+            <a:off x="6016620" y="2601056"/>
+            <a:ext cx="4878391" cy="3515129"/>
+          </a:xfrm>
+        </p:spPr>
+        <p:txBody>
+          <a:bodyPr>
+            <a:normAutofit/>
+          </a:bodyPr>
+          <a:lstStyle/>
+          <a:p>
+            <a:r>
+              <a:rPr lang="de-CH" sz="2000" dirty="0" smtClean="0"/>
+              <a:t>ML Algorithmen im Detail verstehen</a:t>
+            </a:r>
+          </a:p>
+          <a:p>
+            <a:endParaRPr lang="de-CH" sz="2000" dirty="0" smtClean="0"/>
+          </a:p>
+          <a:p>
+            <a:r>
+              <a:rPr lang="de-CH" sz="2000" dirty="0" smtClean="0"/>
+              <a:t>Neue Programmiersprache lernen</a:t>
+            </a:r>
+          </a:p>
+          <a:p>
+            <a:endParaRPr lang="de-CH" sz="2000" dirty="0" smtClean="0"/>
+          </a:p>
+          <a:p>
+            <a:r>
+              <a:rPr lang="de-CH" sz="2000" dirty="0" smtClean="0"/>
+              <a:t>Tiefes Verständnis von ML erwerben</a:t>
+            </a:r>
+          </a:p>
+          <a:p>
+            <a:endParaRPr lang="de-CH" sz="2000" dirty="0"/>
+          </a:p>
+        </p:txBody>
+      </p:sp>
+      <p:sp>
+        <p:nvSpPr>
+          <p:cNvPr id="7" name="Text Placeholder 6"/>
+          <p:cNvSpPr>
+            <a:spLocks noGrp="1"/>
+          </p:cNvSpPr>
+          <p:nvPr>
+            <p:ph type="body" sz="quarter" idx="3"/>
+          </p:nvPr>
+        </p:nvSpPr>
+        <p:spPr>
+          <a:xfrm>
+            <a:off x="1370019" y="1656024"/>
+            <a:ext cx="4646602" cy="823912"/>
+          </a:xfrm>
+        </p:spPr>
+        <p:txBody>
+          <a:bodyPr/>
+          <a:lstStyle/>
+          <a:p>
+            <a:r>
+              <a:rPr lang="de-CH" dirty="0" smtClean="0"/>
+              <a:t>EHER Ja</a:t>
+            </a:r>
+            <a:endParaRPr lang="de-CH" dirty="0"/>
+          </a:p>
+        </p:txBody>
+      </p:sp>
+      <p:sp>
+        <p:nvSpPr>
+          <p:cNvPr id="8" name="Content Placeholder 7"/>
+          <p:cNvSpPr>
+            <a:spLocks noGrp="1"/>
+          </p:cNvSpPr>
+          <p:nvPr>
+            <p:ph sz="quarter" idx="4"/>
+          </p:nvPr>
+        </p:nvSpPr>
+        <p:spPr>
+          <a:xfrm>
+            <a:off x="1141411" y="2601056"/>
+            <a:ext cx="4875210" cy="3515129"/>
+          </a:xfrm>
+        </p:spPr>
+        <p:txBody>
+          <a:bodyPr>
+            <a:normAutofit fontScale="92500" lnSpcReduction="10000"/>
+          </a:bodyPr>
+          <a:lstStyle/>
+          <a:p>
+            <a:r>
+              <a:rPr lang="de-CH" sz="2000" dirty="0" smtClean="0"/>
+              <a:t>Einige konkrete Anwendung von ML sehen</a:t>
+            </a:r>
+          </a:p>
+          <a:p>
+            <a:endParaRPr lang="de-CH" sz="2000" dirty="0" smtClean="0"/>
+          </a:p>
+          <a:p>
+            <a:r>
+              <a:rPr lang="de-CH" sz="2000" dirty="0" smtClean="0"/>
+              <a:t>Die Code-Beispiele konzeptionell verstehen (und Beispiele zu Hause nachvollziehen können)</a:t>
+            </a:r>
+          </a:p>
+          <a:p>
+            <a:endParaRPr lang="de-CH" sz="2000" dirty="0" smtClean="0"/>
+          </a:p>
+          <a:p>
+            <a:r>
+              <a:rPr lang="de-CH" sz="2000" dirty="0" smtClean="0"/>
+              <a:t>Erste Übersicht über maschinelles Lernen bekommen</a:t>
+            </a:r>
+            <a:endParaRPr lang="de-CH" sz="2000" dirty="0"/>
+          </a:p>
+        </p:txBody>
+      </p:sp>
+    </p:spTree>
+    <p:extLst>
+      <p:ext uri="{BB962C8B-B14F-4D97-AF65-F5344CB8AC3E}">
+        <p14:creationId xmlns:p14="http://schemas.microsoft.com/office/powerpoint/2010/main" val="1512934880"/>
+      </p:ext>
+    </p:extLst>
+  </p:cSld>
+  <p:clrMapOvr>
+    <a:masterClrMapping/>
+  </p:clrMapOvr>
+  <p:timing>
+    <p:tnLst>
+      <p:par>
+        <p:cTn id="1" dur="indefinite" restart="never" nodeType="tmRoot"/>
+      </p:par>
+    </p:tnLst>
+  </p:timing>
+</p:sld>
+</file>
+
+<file path=ppt/slides/slide7.xml><?xml version="1.0" encoding="utf-8"?>
+<p:sld xmlns:a="http://schemas.openxmlformats.org/drawingml/2006/main" xmlns:r="http://schemas.openxmlformats.org/officeDocument/2006/relationships" xmlns:p="http://schemas.openxmlformats.org/presentationml/2006/main">
+  <p:cSld>
+    <p:spTree>
+      <p:nvGrpSpPr>
+        <p:cNvPr id="1" name=""/>
+        <p:cNvGrpSpPr/>
+        <p:nvPr/>
+      </p:nvGrpSpPr>
+      <p:grpSpPr>
+        <a:xfrm>
+          <a:off x="0" y="0"/>
+          <a:ext cx="0" cy="0"/>
+          <a:chOff x="0" y="0"/>
+          <a:chExt cx="0" cy="0"/>
+        </a:xfrm>
+      </p:grpSpPr>
+      <p:sp>
+        <p:nvSpPr>
+          <p:cNvPr id="2" name="Title 1"/>
+          <p:cNvSpPr>
+            <a:spLocks noGrp="1"/>
+          </p:cNvSpPr>
+          <p:nvPr>
+            <p:ph type="title"/>
+          </p:nvPr>
+        </p:nvSpPr>
+        <p:spPr/>
+        <p:txBody>
+          <a:bodyPr/>
+          <a:lstStyle/>
+          <a:p>
+            <a:r>
+              <a:rPr lang="de-CH" dirty="0" smtClean="0"/>
+              <a:t>Was ist maschinelles Lernen?</a:t>
+            </a:r>
+            <a:endParaRPr lang="de-CH" dirty="0"/>
+          </a:p>
+        </p:txBody>
+      </p:sp>
+      <p:sp>
+        <p:nvSpPr>
+          <p:cNvPr id="4" name="Text Placeholder 3"/>
+          <p:cNvSpPr>
+            <a:spLocks noGrp="1"/>
+          </p:cNvSpPr>
+          <p:nvPr>
+            <p:ph type="body" idx="1"/>
+          </p:nvPr>
+        </p:nvSpPr>
+        <p:spPr/>
+        <p:txBody>
+          <a:bodyPr/>
+          <a:lstStyle/>
+          <a:p>
+            <a:r>
+              <a:rPr lang="de-CH" dirty="0" smtClean="0">
+                <a:solidFill>
+                  <a:schemeClr val="tx2"/>
+                </a:solidFill>
+              </a:rPr>
+              <a:t>Begriffliche Aufräumaktion und die Fragen die ML beantworten kann</a:t>
+            </a:r>
+            <a:endParaRPr lang="de-CH" dirty="0">
+              <a:solidFill>
+                <a:schemeClr val="tx2"/>
+              </a:solidFill>
+            </a:endParaRPr>
+          </a:p>
+        </p:txBody>
+      </p:sp>
+    </p:spTree>
+    <p:extLst>
+      <p:ext uri="{BB962C8B-B14F-4D97-AF65-F5344CB8AC3E}">
+        <p14:creationId xmlns:p14="http://schemas.microsoft.com/office/powerpoint/2010/main" val="2060705623"/>
+      </p:ext>
+    </p:extLst>
+  </p:cSld>
+  <p:clrMapOvr>
+    <a:masterClrMapping/>
+  </p:clrMapOvr>
+  <p:timing>
+    <p:tnLst>
+      <p:par>
+        <p:cTn id="1" dur="indefinite" restart="never" nodeType="tmRoot"/>
+      </p:par>
+    </p:tnLst>
+  </p:timing>
+</p:sld>
+</file>
+
+<file path=ppt/slides/slide8.xml><?xml version="1.0" encoding="utf-8"?>
+<p:sld xmlns:a="http://schemas.openxmlformats.org/drawingml/2006/main" xmlns:r="http://schemas.openxmlformats.org/officeDocument/2006/relationships" xmlns:p="http://schemas.openxmlformats.org/presentationml/2006/main">
+  <p:cSld>
+    <p:spTree>
+      <p:nvGrpSpPr>
+        <p:cNvPr id="1" name=""/>
+        <p:cNvGrpSpPr/>
+        <p:nvPr/>
+      </p:nvGrpSpPr>
+      <p:grpSpPr>
+        <a:xfrm>
+          <a:off x="0" y="0"/>
+          <a:ext cx="0" cy="0"/>
+          <a:chOff x="0" y="0"/>
+          <a:chExt cx="0" cy="0"/>
+        </a:xfrm>
+      </p:grpSpPr>
+      <p:sp>
+        <p:nvSpPr>
           <p:cNvPr id="4" name="Title 3"/>
           <p:cNvSpPr>
             <a:spLocks noGrp="1"/>
@@ -25130,7 +28547,7 @@
 </p:sld>
 </file>
 
-<file path=ppt/slides/slide5.xml><?xml version="1.0" encoding="utf-8"?>
+<file path=ppt/slides/slide9.xml><?xml version="1.0" encoding="utf-8"?>
 <p:sld xmlns:a="http://schemas.openxmlformats.org/drawingml/2006/main" xmlns:r="http://schemas.openxmlformats.org/officeDocument/2006/relationships" xmlns:p="http://schemas.openxmlformats.org/presentationml/2006/main">
   <p:cSld>
     <p:spTree>
@@ -25906,2504 +29323,6 @@
       <p:bldP spid="6" grpId="0"/>
       <p:bldP spid="3" grpId="0"/>
       <p:bldP spid="3" grpId="1"/>
-    </p:bldLst>
-  </p:timing>
-</p:sld>
-</file>
-
-<file path=ppt/slides/slide6.xml><?xml version="1.0" encoding="utf-8"?>
-<p:sld xmlns:a="http://schemas.openxmlformats.org/drawingml/2006/main" xmlns:r="http://schemas.openxmlformats.org/officeDocument/2006/relationships" xmlns:p="http://schemas.openxmlformats.org/presentationml/2006/main">
-  <p:cSld>
-    <p:spTree>
-      <p:nvGrpSpPr>
-        <p:cNvPr id="1" name=""/>
-        <p:cNvGrpSpPr/>
-        <p:nvPr/>
-      </p:nvGrpSpPr>
-      <p:grpSpPr>
-        <a:xfrm>
-          <a:off x="0" y="0"/>
-          <a:ext cx="0" cy="0"/>
-          <a:chOff x="0" y="0"/>
-          <a:chExt cx="0" cy="0"/>
-        </a:xfrm>
-      </p:grpSpPr>
-      <p:sp>
-        <p:nvSpPr>
-          <p:cNvPr id="4" name="Title 3"/>
-          <p:cNvSpPr>
-            <a:spLocks noGrp="1"/>
-          </p:cNvSpPr>
-          <p:nvPr>
-            <p:ph type="title"/>
-          </p:nvPr>
-        </p:nvSpPr>
-        <p:spPr/>
-        <p:txBody>
-          <a:bodyPr/>
-          <a:lstStyle/>
-          <a:p>
-            <a:r>
-              <a:rPr lang="de-CH" dirty="0" err="1"/>
-              <a:t>Demystifying</a:t>
-            </a:r>
-            <a:r>
-              <a:rPr lang="de-CH" dirty="0"/>
-              <a:t> </a:t>
-            </a:r>
-            <a:r>
-              <a:rPr lang="de-CH" dirty="0" err="1"/>
-              <a:t>Buzzwords</a:t>
-            </a:r>
-            <a:endParaRPr lang="de-CH" dirty="0"/>
-          </a:p>
-        </p:txBody>
-      </p:sp>
-      <p:sp>
-        <p:nvSpPr>
-          <p:cNvPr id="5" name="Content Placeholder 4"/>
-          <p:cNvSpPr>
-            <a:spLocks noGrp="1"/>
-          </p:cNvSpPr>
-          <p:nvPr>
-            <p:ph idx="1"/>
-          </p:nvPr>
-        </p:nvSpPr>
-        <p:spPr>
-          <a:xfrm>
-            <a:off x="4059864" y="3286539"/>
-            <a:ext cx="2516188" cy="429545"/>
-          </a:xfrm>
-        </p:spPr>
-        <p:txBody>
-          <a:bodyPr>
-            <a:normAutofit fontScale="92500" lnSpcReduction="20000"/>
-          </a:bodyPr>
-          <a:lstStyle/>
-          <a:p>
-            <a:pPr marL="0" indent="0">
-              <a:buNone/>
-            </a:pPr>
-            <a:r>
-              <a:rPr lang="de-CH" dirty="0" smtClean="0">
-                <a:solidFill>
-                  <a:schemeClr val="tx2">
-                    <a:lumMod val="50000"/>
-                  </a:schemeClr>
-                </a:solidFill>
-              </a:rPr>
-              <a:t>Data Science</a:t>
-            </a:r>
-            <a:endParaRPr lang="de-CH" dirty="0">
-              <a:solidFill>
-                <a:schemeClr val="tx2">
-                  <a:lumMod val="50000"/>
-                </a:schemeClr>
-              </a:solidFill>
-            </a:endParaRPr>
-          </a:p>
-        </p:txBody>
-      </p:sp>
-      <p:sp>
-        <p:nvSpPr>
-          <p:cNvPr id="7" name="TextBox 6"/>
-          <p:cNvSpPr txBox="1"/>
-          <p:nvPr/>
-        </p:nvSpPr>
-        <p:spPr>
-          <a:xfrm>
-            <a:off x="7756356" y="4807214"/>
-            <a:ext cx="2582779" cy="369332"/>
-          </a:xfrm>
-          <a:prstGeom prst="rect">
-            <a:avLst/>
-          </a:prstGeom>
-          <a:noFill/>
-        </p:spPr>
-        <p:txBody>
-          <a:bodyPr wrap="square" rtlCol="0">
-            <a:spAutoFit/>
-          </a:bodyPr>
-          <a:lstStyle/>
-          <a:p>
-            <a:r>
-              <a:rPr lang="de-CH" dirty="0" smtClean="0">
-                <a:solidFill>
-                  <a:schemeClr val="tx2">
-                    <a:lumMod val="50000"/>
-                  </a:schemeClr>
-                </a:solidFill>
-              </a:rPr>
-              <a:t>Artifical Intelligence</a:t>
-            </a:r>
-            <a:endParaRPr lang="de-CH" dirty="0">
-              <a:solidFill>
-                <a:schemeClr val="tx2">
-                  <a:lumMod val="50000"/>
-                </a:schemeClr>
-              </a:solidFill>
-            </a:endParaRPr>
-          </a:p>
-        </p:txBody>
-      </p:sp>
-      <p:sp>
-        <p:nvSpPr>
-          <p:cNvPr id="8" name="TextBox 7"/>
-          <p:cNvSpPr txBox="1"/>
-          <p:nvPr/>
-        </p:nvSpPr>
-        <p:spPr>
-          <a:xfrm>
-            <a:off x="1459832" y="2919897"/>
-            <a:ext cx="1555234" cy="369332"/>
-          </a:xfrm>
-          <a:prstGeom prst="rect">
-            <a:avLst/>
-          </a:prstGeom>
-          <a:noFill/>
-        </p:spPr>
-        <p:txBody>
-          <a:bodyPr wrap="none" rtlCol="0">
-            <a:spAutoFit/>
-          </a:bodyPr>
-          <a:lstStyle/>
-          <a:p>
-            <a:r>
-              <a:rPr lang="de-CH" dirty="0" smtClean="0"/>
-              <a:t>Data Mining</a:t>
-            </a:r>
-            <a:endParaRPr lang="de-CH" dirty="0"/>
-          </a:p>
-        </p:txBody>
-      </p:sp>
-      <p:sp>
-        <p:nvSpPr>
-          <p:cNvPr id="9" name="TextBox 8"/>
-          <p:cNvSpPr txBox="1"/>
-          <p:nvPr/>
-        </p:nvSpPr>
-        <p:spPr>
-          <a:xfrm>
-            <a:off x="6969083" y="3082819"/>
-            <a:ext cx="3477234" cy="369332"/>
-          </a:xfrm>
-          <a:prstGeom prst="rect">
-            <a:avLst/>
-          </a:prstGeom>
-          <a:noFill/>
-        </p:spPr>
-        <p:txBody>
-          <a:bodyPr wrap="none" rtlCol="0">
-            <a:spAutoFit/>
-          </a:bodyPr>
-          <a:lstStyle/>
-          <a:p>
-            <a:r>
-              <a:rPr lang="de-CH" dirty="0" smtClean="0">
-                <a:solidFill>
-                  <a:schemeClr val="tx2">
-                    <a:lumMod val="50000"/>
-                  </a:schemeClr>
-                </a:solidFill>
-              </a:rPr>
-              <a:t>Natural Language Processing</a:t>
-            </a:r>
-            <a:endParaRPr lang="de-CH" dirty="0">
-              <a:solidFill>
-                <a:schemeClr val="tx2">
-                  <a:lumMod val="50000"/>
-                </a:schemeClr>
-              </a:solidFill>
-            </a:endParaRPr>
-          </a:p>
-        </p:txBody>
-      </p:sp>
-      <p:sp>
-        <p:nvSpPr>
-          <p:cNvPr id="10" name="TextBox 9"/>
-          <p:cNvSpPr txBox="1"/>
-          <p:nvPr/>
-        </p:nvSpPr>
-        <p:spPr>
-          <a:xfrm>
-            <a:off x="1819928" y="4019426"/>
-            <a:ext cx="1846980" cy="369332"/>
-          </a:xfrm>
-          <a:prstGeom prst="rect">
-            <a:avLst/>
-          </a:prstGeom>
-          <a:noFill/>
-        </p:spPr>
-        <p:txBody>
-          <a:bodyPr wrap="none" rtlCol="0">
-            <a:spAutoFit/>
-          </a:bodyPr>
-          <a:lstStyle/>
-          <a:p>
-            <a:r>
-              <a:rPr lang="de-CH" dirty="0" smtClean="0">
-                <a:solidFill>
-                  <a:schemeClr val="tx2">
-                    <a:lumMod val="50000"/>
-                  </a:schemeClr>
-                </a:solidFill>
-              </a:rPr>
-              <a:t>Deep Learning</a:t>
-            </a:r>
-            <a:endParaRPr lang="de-CH" dirty="0">
-              <a:solidFill>
-                <a:schemeClr val="tx2">
-                  <a:lumMod val="50000"/>
-                </a:schemeClr>
-              </a:solidFill>
-            </a:endParaRPr>
-          </a:p>
-        </p:txBody>
-      </p:sp>
-      <p:sp>
-        <p:nvSpPr>
-          <p:cNvPr id="11" name="TextBox 10"/>
-          <p:cNvSpPr txBox="1"/>
-          <p:nvPr/>
-        </p:nvSpPr>
-        <p:spPr>
-          <a:xfrm>
-            <a:off x="6085180" y="4048907"/>
-            <a:ext cx="2214068" cy="369332"/>
-          </a:xfrm>
-          <a:prstGeom prst="rect">
-            <a:avLst/>
-          </a:prstGeom>
-          <a:noFill/>
-        </p:spPr>
-        <p:txBody>
-          <a:bodyPr wrap="none" rtlCol="0">
-            <a:spAutoFit/>
-          </a:bodyPr>
-          <a:lstStyle/>
-          <a:p>
-            <a:r>
-              <a:rPr lang="de-CH" dirty="0" smtClean="0">
-                <a:solidFill>
-                  <a:schemeClr val="tx2">
-                    <a:lumMod val="50000"/>
-                  </a:schemeClr>
-                </a:solidFill>
-              </a:rPr>
-              <a:t>Machine Learning</a:t>
-            </a:r>
-            <a:endParaRPr lang="de-CH" dirty="0">
-              <a:solidFill>
-                <a:schemeClr val="tx2">
-                  <a:lumMod val="50000"/>
-                </a:schemeClr>
-              </a:solidFill>
-            </a:endParaRPr>
-          </a:p>
-        </p:txBody>
-      </p:sp>
-      <p:sp>
-        <p:nvSpPr>
-          <p:cNvPr id="12" name="TextBox 11"/>
-          <p:cNvSpPr txBox="1"/>
-          <p:nvPr/>
-        </p:nvSpPr>
-        <p:spPr>
-          <a:xfrm>
-            <a:off x="4285133" y="4785936"/>
-            <a:ext cx="1148071" cy="369332"/>
-          </a:xfrm>
-          <a:prstGeom prst="rect">
-            <a:avLst/>
-          </a:prstGeom>
-          <a:noFill/>
-        </p:spPr>
-        <p:txBody>
-          <a:bodyPr wrap="none" rtlCol="0">
-            <a:spAutoFit/>
-          </a:bodyPr>
-          <a:lstStyle/>
-          <a:p>
-            <a:r>
-              <a:rPr lang="de-CH" dirty="0" smtClean="0">
-                <a:solidFill>
-                  <a:schemeClr val="tx2">
-                    <a:lumMod val="50000"/>
-                  </a:schemeClr>
-                </a:solidFill>
-              </a:rPr>
-              <a:t>Big Data</a:t>
-            </a:r>
-            <a:endParaRPr lang="de-CH" dirty="0">
-              <a:solidFill>
-                <a:schemeClr val="tx2">
-                  <a:lumMod val="50000"/>
-                </a:schemeClr>
-              </a:solidFill>
-            </a:endParaRPr>
-          </a:p>
-        </p:txBody>
-      </p:sp>
-      <p:sp>
-        <p:nvSpPr>
-          <p:cNvPr id="13" name="TextBox 12"/>
-          <p:cNvSpPr txBox="1"/>
-          <p:nvPr/>
-        </p:nvSpPr>
-        <p:spPr>
-          <a:xfrm>
-            <a:off x="3793958" y="2416845"/>
-            <a:ext cx="2608406" cy="369332"/>
-          </a:xfrm>
-          <a:prstGeom prst="rect">
-            <a:avLst/>
-          </a:prstGeom>
-          <a:noFill/>
-        </p:spPr>
-        <p:txBody>
-          <a:bodyPr wrap="none" rtlCol="0">
-            <a:spAutoFit/>
-          </a:bodyPr>
-          <a:lstStyle/>
-          <a:p>
-            <a:r>
-              <a:rPr lang="de-CH" dirty="0" smtClean="0">
-                <a:solidFill>
-                  <a:schemeClr val="tx2">
-                    <a:lumMod val="50000"/>
-                  </a:schemeClr>
-                </a:solidFill>
-              </a:rPr>
-              <a:t>Cognitive Computing</a:t>
-            </a:r>
-            <a:endParaRPr lang="de-CH" dirty="0">
-              <a:solidFill>
-                <a:schemeClr val="tx2">
-                  <a:lumMod val="50000"/>
-                </a:schemeClr>
-              </a:solidFill>
-            </a:endParaRPr>
-          </a:p>
-        </p:txBody>
-      </p:sp>
-      <p:sp>
-        <p:nvSpPr>
-          <p:cNvPr id="14" name="TextBox 13"/>
-          <p:cNvSpPr txBox="1"/>
-          <p:nvPr/>
-        </p:nvSpPr>
-        <p:spPr>
-          <a:xfrm>
-            <a:off x="1900989" y="5664554"/>
-            <a:ext cx="2813591" cy="369332"/>
-          </a:xfrm>
-          <a:prstGeom prst="rect">
-            <a:avLst/>
-          </a:prstGeom>
-          <a:noFill/>
-        </p:spPr>
-        <p:txBody>
-          <a:bodyPr wrap="none" rtlCol="0">
-            <a:spAutoFit/>
-          </a:bodyPr>
-          <a:lstStyle/>
-          <a:p>
-            <a:r>
-              <a:rPr lang="de-CH" dirty="0" smtClean="0">
-                <a:solidFill>
-                  <a:schemeClr val="tx2">
-                    <a:lumMod val="50000"/>
-                  </a:schemeClr>
-                </a:solidFill>
-              </a:rPr>
-              <a:t>Artifical Neural Network</a:t>
-            </a:r>
-            <a:endParaRPr lang="de-CH" dirty="0">
-              <a:solidFill>
-                <a:schemeClr val="tx2">
-                  <a:lumMod val="50000"/>
-                </a:schemeClr>
-              </a:solidFill>
-            </a:endParaRPr>
-          </a:p>
-        </p:txBody>
-      </p:sp>
-      <p:sp>
-        <p:nvSpPr>
-          <p:cNvPr id="15" name="TextBox 14"/>
-          <p:cNvSpPr txBox="1"/>
-          <p:nvPr/>
-        </p:nvSpPr>
-        <p:spPr>
-          <a:xfrm>
-            <a:off x="1755638" y="3452151"/>
-            <a:ext cx="8356775" cy="1200329"/>
-          </a:xfrm>
-          <a:prstGeom prst="rect">
-            <a:avLst/>
-          </a:prstGeom>
-          <a:noFill/>
-        </p:spPr>
-        <p:txBody>
-          <a:bodyPr wrap="none" rtlCol="0">
-            <a:spAutoFit/>
-          </a:bodyPr>
-          <a:lstStyle/>
-          <a:p>
-            <a:r>
-              <a:rPr lang="en-US" i="1" dirty="0"/>
-              <a:t>Data mining is the practice of </a:t>
-            </a:r>
-            <a:r>
-              <a:rPr lang="en-US" b="1" i="1" dirty="0"/>
-              <a:t>evaluating large databases </a:t>
-            </a:r>
-            <a:r>
-              <a:rPr lang="en-US" i="1" dirty="0"/>
-              <a:t>of information </a:t>
-            </a:r>
-            <a:endParaRPr lang="en-US" i="1" dirty="0" smtClean="0"/>
-          </a:p>
-          <a:p>
-            <a:r>
-              <a:rPr lang="en-US" b="1" i="1" dirty="0" smtClean="0"/>
-              <a:t>to </a:t>
-            </a:r>
-            <a:r>
-              <a:rPr lang="en-US" b="1" i="1" dirty="0"/>
-              <a:t>create new information </a:t>
-            </a:r>
-            <a:r>
-              <a:rPr lang="en-US" i="1" dirty="0"/>
-              <a:t>that can be useful for a certain function.</a:t>
-            </a:r>
-            <a:endParaRPr lang="en-US" dirty="0"/>
-          </a:p>
-          <a:p>
-            <a:r>
-              <a:rPr lang="en-US" i="1" dirty="0"/>
-              <a:t>        </a:t>
-            </a:r>
-          </a:p>
-          <a:p>
-            <a:r>
-              <a:rPr lang="en-US" i="1" dirty="0" smtClean="0"/>
-              <a:t>It </a:t>
-            </a:r>
-            <a:r>
-              <a:rPr lang="en-US" i="1" dirty="0"/>
-              <a:t>is also sometimes referred as “Knowledge Discovery in Data” (KDD).</a:t>
-            </a:r>
-            <a:endParaRPr lang="en-US" dirty="0">
-              <a:effectLst/>
-            </a:endParaRPr>
-          </a:p>
-        </p:txBody>
-      </p:sp>
-    </p:spTree>
-    <p:extLst>
-      <p:ext uri="{BB962C8B-B14F-4D97-AF65-F5344CB8AC3E}">
-        <p14:creationId xmlns:p14="http://schemas.microsoft.com/office/powerpoint/2010/main" val="1620044018"/>
-      </p:ext>
-    </p:extLst>
-  </p:cSld>
-  <p:clrMapOvr>
-    <a:masterClrMapping/>
-  </p:clrMapOvr>
-  <p:timing>
-    <p:tnLst>
-      <p:par>
-        <p:cTn id="1" dur="indefinite" restart="never" nodeType="tmRoot">
-          <p:childTnLst>
-            <p:seq concurrent="1" nextAc="seek">
-              <p:cTn id="2" dur="indefinite" nodeType="mainSeq">
-                <p:childTnLst>
-                  <p:par>
-                    <p:cTn id="3" fill="hold">
-                      <p:stCondLst>
-                        <p:cond delay="indefinite"/>
-                      </p:stCondLst>
-                      <p:childTnLst>
-                        <p:par>
-                          <p:cTn id="4" fill="hold">
-                            <p:stCondLst>
-                              <p:cond delay="0"/>
-                            </p:stCondLst>
-                            <p:childTnLst>
-                              <p:par>
-                                <p:cTn id="5" presetID="10" presetClass="entr" presetSubtype="0" fill="hold" grpId="0" nodeType="clickEffect">
-                                  <p:stCondLst>
-                                    <p:cond delay="0"/>
-                                  </p:stCondLst>
-                                  <p:childTnLst>
-                                    <p:set>
-                                      <p:cBhvr>
-                                        <p:cTn id="6" dur="1" fill="hold">
-                                          <p:stCondLst>
-                                            <p:cond delay="0"/>
-                                          </p:stCondLst>
-                                        </p:cTn>
-                                        <p:tgtEl>
-                                          <p:spTgt spid="15"/>
-                                        </p:tgtEl>
-                                        <p:attrNameLst>
-                                          <p:attrName>style.visibility</p:attrName>
-                                        </p:attrNameLst>
-                                      </p:cBhvr>
-                                      <p:to>
-                                        <p:strVal val="visible"/>
-                                      </p:to>
-                                    </p:set>
-                                    <p:animEffect transition="in" filter="fade">
-                                      <p:cBhvr>
-                                        <p:cTn id="7" dur="500"/>
-                                        <p:tgtEl>
-                                          <p:spTgt spid="15"/>
-                                        </p:tgtEl>
-                                      </p:cBhvr>
-                                    </p:animEffect>
-                                  </p:childTnLst>
-                                </p:cTn>
-                              </p:par>
-                            </p:childTnLst>
-                          </p:cTn>
-                        </p:par>
-                      </p:childTnLst>
-                    </p:cTn>
-                  </p:par>
-                </p:childTnLst>
-              </p:cTn>
-              <p:prevCondLst>
-                <p:cond evt="onPrev" delay="0">
-                  <p:tgtEl>
-                    <p:sldTgt/>
-                  </p:tgtEl>
-                </p:cond>
-              </p:prevCondLst>
-              <p:nextCondLst>
-                <p:cond evt="onNext" delay="0">
-                  <p:tgtEl>
-                    <p:sldTgt/>
-                  </p:tgtEl>
-                </p:cond>
-              </p:nextCondLst>
-            </p:seq>
-          </p:childTnLst>
-        </p:cTn>
-      </p:par>
-    </p:tnLst>
-    <p:bldLst>
-      <p:bldP spid="15" grpId="0"/>
-    </p:bldLst>
-  </p:timing>
-</p:sld>
-</file>
-
-<file path=ppt/slides/slide7.xml><?xml version="1.0" encoding="utf-8"?>
-<p:sld xmlns:a="http://schemas.openxmlformats.org/drawingml/2006/main" xmlns:r="http://schemas.openxmlformats.org/officeDocument/2006/relationships" xmlns:p="http://schemas.openxmlformats.org/presentationml/2006/main">
-  <p:cSld>
-    <p:spTree>
-      <p:nvGrpSpPr>
-        <p:cNvPr id="1" name=""/>
-        <p:cNvGrpSpPr/>
-        <p:nvPr/>
-      </p:nvGrpSpPr>
-      <p:grpSpPr>
-        <a:xfrm>
-          <a:off x="0" y="0"/>
-          <a:ext cx="0" cy="0"/>
-          <a:chOff x="0" y="0"/>
-          <a:chExt cx="0" cy="0"/>
-        </a:xfrm>
-      </p:grpSpPr>
-      <p:sp>
-        <p:nvSpPr>
-          <p:cNvPr id="4" name="Title 3"/>
-          <p:cNvSpPr>
-            <a:spLocks noGrp="1"/>
-          </p:cNvSpPr>
-          <p:nvPr>
-            <p:ph type="title"/>
-          </p:nvPr>
-        </p:nvSpPr>
-        <p:spPr/>
-        <p:txBody>
-          <a:bodyPr/>
-          <a:lstStyle/>
-          <a:p>
-            <a:r>
-              <a:rPr lang="de-CH" dirty="0" err="1"/>
-              <a:t>Demystifying</a:t>
-            </a:r>
-            <a:r>
-              <a:rPr lang="de-CH" dirty="0"/>
-              <a:t> </a:t>
-            </a:r>
-            <a:r>
-              <a:rPr lang="de-CH" dirty="0" err="1"/>
-              <a:t>Buzzwords</a:t>
-            </a:r>
-            <a:endParaRPr lang="de-CH" dirty="0"/>
-          </a:p>
-        </p:txBody>
-      </p:sp>
-      <p:sp>
-        <p:nvSpPr>
-          <p:cNvPr id="5" name="Content Placeholder 4"/>
-          <p:cNvSpPr>
-            <a:spLocks noGrp="1"/>
-          </p:cNvSpPr>
-          <p:nvPr>
-            <p:ph idx="1"/>
-          </p:nvPr>
-        </p:nvSpPr>
-        <p:spPr>
-          <a:xfrm>
-            <a:off x="4059864" y="3286539"/>
-            <a:ext cx="2516188" cy="429545"/>
-          </a:xfrm>
-        </p:spPr>
-        <p:txBody>
-          <a:bodyPr>
-            <a:normAutofit fontScale="92500" lnSpcReduction="20000"/>
-          </a:bodyPr>
-          <a:lstStyle/>
-          <a:p>
-            <a:pPr marL="0" indent="0">
-              <a:buNone/>
-            </a:pPr>
-            <a:r>
-              <a:rPr lang="de-CH" dirty="0" smtClean="0">
-                <a:solidFill>
-                  <a:schemeClr val="tx2">
-                    <a:lumMod val="50000"/>
-                  </a:schemeClr>
-                </a:solidFill>
-              </a:rPr>
-              <a:t>Data Science</a:t>
-            </a:r>
-            <a:endParaRPr lang="de-CH" dirty="0">
-              <a:solidFill>
-                <a:schemeClr val="tx2">
-                  <a:lumMod val="50000"/>
-                </a:schemeClr>
-              </a:solidFill>
-            </a:endParaRPr>
-          </a:p>
-        </p:txBody>
-      </p:sp>
-      <p:sp>
-        <p:nvSpPr>
-          <p:cNvPr id="7" name="TextBox 6"/>
-          <p:cNvSpPr txBox="1"/>
-          <p:nvPr/>
-        </p:nvSpPr>
-        <p:spPr>
-          <a:xfrm>
-            <a:off x="7756356" y="4807214"/>
-            <a:ext cx="2582779" cy="369332"/>
-          </a:xfrm>
-          <a:prstGeom prst="rect">
-            <a:avLst/>
-          </a:prstGeom>
-          <a:noFill/>
-        </p:spPr>
-        <p:txBody>
-          <a:bodyPr wrap="square" rtlCol="0">
-            <a:spAutoFit/>
-          </a:bodyPr>
-          <a:lstStyle/>
-          <a:p>
-            <a:r>
-              <a:rPr lang="de-CH" dirty="0" smtClean="0">
-                <a:solidFill>
-                  <a:schemeClr val="tx2">
-                    <a:lumMod val="50000"/>
-                  </a:schemeClr>
-                </a:solidFill>
-              </a:rPr>
-              <a:t>Artifical Intelligence</a:t>
-            </a:r>
-            <a:endParaRPr lang="de-CH" dirty="0">
-              <a:solidFill>
-                <a:schemeClr val="tx2">
-                  <a:lumMod val="50000"/>
-                </a:schemeClr>
-              </a:solidFill>
-            </a:endParaRPr>
-          </a:p>
-        </p:txBody>
-      </p:sp>
-      <p:sp>
-        <p:nvSpPr>
-          <p:cNvPr id="8" name="TextBox 7"/>
-          <p:cNvSpPr txBox="1"/>
-          <p:nvPr/>
-        </p:nvSpPr>
-        <p:spPr>
-          <a:xfrm>
-            <a:off x="1459832" y="2919897"/>
-            <a:ext cx="1555234" cy="369332"/>
-          </a:xfrm>
-          <a:prstGeom prst="rect">
-            <a:avLst/>
-          </a:prstGeom>
-          <a:noFill/>
-        </p:spPr>
-        <p:txBody>
-          <a:bodyPr wrap="none" rtlCol="0">
-            <a:spAutoFit/>
-          </a:bodyPr>
-          <a:lstStyle/>
-          <a:p>
-            <a:r>
-              <a:rPr lang="de-CH" dirty="0" smtClean="0">
-                <a:solidFill>
-                  <a:schemeClr val="tx2">
-                    <a:lumMod val="50000"/>
-                  </a:schemeClr>
-                </a:solidFill>
-              </a:rPr>
-              <a:t>Data Mining</a:t>
-            </a:r>
-            <a:endParaRPr lang="de-CH" dirty="0">
-              <a:solidFill>
-                <a:schemeClr val="tx2">
-                  <a:lumMod val="50000"/>
-                </a:schemeClr>
-              </a:solidFill>
-            </a:endParaRPr>
-          </a:p>
-        </p:txBody>
-      </p:sp>
-      <p:sp>
-        <p:nvSpPr>
-          <p:cNvPr id="9" name="TextBox 8"/>
-          <p:cNvSpPr txBox="1"/>
-          <p:nvPr/>
-        </p:nvSpPr>
-        <p:spPr>
-          <a:xfrm>
-            <a:off x="6969083" y="3082819"/>
-            <a:ext cx="3477234" cy="369332"/>
-          </a:xfrm>
-          <a:prstGeom prst="rect">
-            <a:avLst/>
-          </a:prstGeom>
-          <a:noFill/>
-        </p:spPr>
-        <p:txBody>
-          <a:bodyPr wrap="none" rtlCol="0">
-            <a:spAutoFit/>
-          </a:bodyPr>
-          <a:lstStyle/>
-          <a:p>
-            <a:r>
-              <a:rPr lang="de-CH" dirty="0" smtClean="0">
-                <a:solidFill>
-                  <a:schemeClr val="tx2">
-                    <a:lumMod val="50000"/>
-                  </a:schemeClr>
-                </a:solidFill>
-              </a:rPr>
-              <a:t>Natural Language Processing</a:t>
-            </a:r>
-            <a:endParaRPr lang="de-CH" dirty="0">
-              <a:solidFill>
-                <a:schemeClr val="tx2">
-                  <a:lumMod val="50000"/>
-                </a:schemeClr>
-              </a:solidFill>
-            </a:endParaRPr>
-          </a:p>
-        </p:txBody>
-      </p:sp>
-      <p:sp>
-        <p:nvSpPr>
-          <p:cNvPr id="10" name="TextBox 9"/>
-          <p:cNvSpPr txBox="1"/>
-          <p:nvPr/>
-        </p:nvSpPr>
-        <p:spPr>
-          <a:xfrm>
-            <a:off x="1819928" y="4019426"/>
-            <a:ext cx="1846980" cy="369332"/>
-          </a:xfrm>
-          <a:prstGeom prst="rect">
-            <a:avLst/>
-          </a:prstGeom>
-          <a:noFill/>
-        </p:spPr>
-        <p:txBody>
-          <a:bodyPr wrap="none" rtlCol="0">
-            <a:spAutoFit/>
-          </a:bodyPr>
-          <a:lstStyle/>
-          <a:p>
-            <a:r>
-              <a:rPr lang="de-CH" dirty="0" smtClean="0">
-                <a:solidFill>
-                  <a:schemeClr val="tx2">
-                    <a:lumMod val="50000"/>
-                  </a:schemeClr>
-                </a:solidFill>
-              </a:rPr>
-              <a:t>Deep Learning</a:t>
-            </a:r>
-            <a:endParaRPr lang="de-CH" dirty="0">
-              <a:solidFill>
-                <a:schemeClr val="tx2">
-                  <a:lumMod val="50000"/>
-                </a:schemeClr>
-              </a:solidFill>
-            </a:endParaRPr>
-          </a:p>
-        </p:txBody>
-      </p:sp>
-      <p:sp>
-        <p:nvSpPr>
-          <p:cNvPr id="11" name="TextBox 10"/>
-          <p:cNvSpPr txBox="1"/>
-          <p:nvPr/>
-        </p:nvSpPr>
-        <p:spPr>
-          <a:xfrm>
-            <a:off x="6085180" y="4048907"/>
-            <a:ext cx="2214068" cy="369332"/>
-          </a:xfrm>
-          <a:prstGeom prst="rect">
-            <a:avLst/>
-          </a:prstGeom>
-          <a:noFill/>
-        </p:spPr>
-        <p:txBody>
-          <a:bodyPr wrap="none" rtlCol="0">
-            <a:spAutoFit/>
-          </a:bodyPr>
-          <a:lstStyle/>
-          <a:p>
-            <a:r>
-              <a:rPr lang="de-CH" dirty="0" smtClean="0"/>
-              <a:t>Machine Learning</a:t>
-            </a:r>
-            <a:endParaRPr lang="de-CH" dirty="0"/>
-          </a:p>
-        </p:txBody>
-      </p:sp>
-      <p:sp>
-        <p:nvSpPr>
-          <p:cNvPr id="12" name="TextBox 11"/>
-          <p:cNvSpPr txBox="1"/>
-          <p:nvPr/>
-        </p:nvSpPr>
-        <p:spPr>
-          <a:xfrm>
-            <a:off x="4285133" y="4785936"/>
-            <a:ext cx="1148071" cy="369332"/>
-          </a:xfrm>
-          <a:prstGeom prst="rect">
-            <a:avLst/>
-          </a:prstGeom>
-          <a:noFill/>
-        </p:spPr>
-        <p:txBody>
-          <a:bodyPr wrap="none" rtlCol="0">
-            <a:spAutoFit/>
-          </a:bodyPr>
-          <a:lstStyle/>
-          <a:p>
-            <a:r>
-              <a:rPr lang="de-CH" dirty="0" smtClean="0">
-                <a:solidFill>
-                  <a:schemeClr val="tx2">
-                    <a:lumMod val="50000"/>
-                  </a:schemeClr>
-                </a:solidFill>
-              </a:rPr>
-              <a:t>Big Data</a:t>
-            </a:r>
-            <a:endParaRPr lang="de-CH" dirty="0">
-              <a:solidFill>
-                <a:schemeClr val="tx2">
-                  <a:lumMod val="50000"/>
-                </a:schemeClr>
-              </a:solidFill>
-            </a:endParaRPr>
-          </a:p>
-        </p:txBody>
-      </p:sp>
-      <p:sp>
-        <p:nvSpPr>
-          <p:cNvPr id="13" name="TextBox 12"/>
-          <p:cNvSpPr txBox="1"/>
-          <p:nvPr/>
-        </p:nvSpPr>
-        <p:spPr>
-          <a:xfrm>
-            <a:off x="3793958" y="2416845"/>
-            <a:ext cx="2608406" cy="369332"/>
-          </a:xfrm>
-          <a:prstGeom prst="rect">
-            <a:avLst/>
-          </a:prstGeom>
-          <a:noFill/>
-        </p:spPr>
-        <p:txBody>
-          <a:bodyPr wrap="none" rtlCol="0">
-            <a:spAutoFit/>
-          </a:bodyPr>
-          <a:lstStyle/>
-          <a:p>
-            <a:r>
-              <a:rPr lang="de-CH" dirty="0" smtClean="0">
-                <a:solidFill>
-                  <a:schemeClr val="tx2">
-                    <a:lumMod val="50000"/>
-                  </a:schemeClr>
-                </a:solidFill>
-              </a:rPr>
-              <a:t>Cognitive Computing</a:t>
-            </a:r>
-            <a:endParaRPr lang="de-CH" dirty="0">
-              <a:solidFill>
-                <a:schemeClr val="tx2">
-                  <a:lumMod val="50000"/>
-                </a:schemeClr>
-              </a:solidFill>
-            </a:endParaRPr>
-          </a:p>
-        </p:txBody>
-      </p:sp>
-      <p:sp>
-        <p:nvSpPr>
-          <p:cNvPr id="14" name="TextBox 13"/>
-          <p:cNvSpPr txBox="1"/>
-          <p:nvPr/>
-        </p:nvSpPr>
-        <p:spPr>
-          <a:xfrm>
-            <a:off x="1900989" y="5664554"/>
-            <a:ext cx="2813591" cy="369332"/>
-          </a:xfrm>
-          <a:prstGeom prst="rect">
-            <a:avLst/>
-          </a:prstGeom>
-          <a:noFill/>
-        </p:spPr>
-        <p:txBody>
-          <a:bodyPr wrap="none" rtlCol="0">
-            <a:spAutoFit/>
-          </a:bodyPr>
-          <a:lstStyle/>
-          <a:p>
-            <a:r>
-              <a:rPr lang="de-CH" dirty="0" smtClean="0">
-                <a:solidFill>
-                  <a:schemeClr val="tx2">
-                    <a:lumMod val="50000"/>
-                  </a:schemeClr>
-                </a:solidFill>
-              </a:rPr>
-              <a:t>Artifical Neural Network</a:t>
-            </a:r>
-            <a:endParaRPr lang="de-CH" dirty="0">
-              <a:solidFill>
-                <a:schemeClr val="tx2">
-                  <a:lumMod val="50000"/>
-                </a:schemeClr>
-              </a:solidFill>
-            </a:endParaRPr>
-          </a:p>
-        </p:txBody>
-      </p:sp>
-      <p:sp>
-        <p:nvSpPr>
-          <p:cNvPr id="15" name="TextBox 14"/>
-          <p:cNvSpPr txBox="1"/>
-          <p:nvPr/>
-        </p:nvSpPr>
-        <p:spPr>
-          <a:xfrm>
-            <a:off x="1819928" y="2564454"/>
-            <a:ext cx="9635971" cy="1200329"/>
-          </a:xfrm>
-          <a:prstGeom prst="rect">
-            <a:avLst/>
-          </a:prstGeom>
-          <a:noFill/>
-        </p:spPr>
-        <p:txBody>
-          <a:bodyPr wrap="none" rtlCol="0">
-            <a:spAutoFit/>
-          </a:bodyPr>
-          <a:lstStyle/>
-          <a:p>
-            <a:r>
-              <a:rPr lang="de-CH" i="1" dirty="0"/>
-              <a:t>Maschine learning umfasst die Entwicklung und Untersuchung von Algorithmen </a:t>
-            </a:r>
-            <a:endParaRPr lang="de-CH" i="1" dirty="0" smtClean="0"/>
-          </a:p>
-          <a:p>
-            <a:r>
-              <a:rPr lang="de-CH" i="1" dirty="0" smtClean="0"/>
-              <a:t>welche </a:t>
-            </a:r>
-            <a:r>
-              <a:rPr lang="de-CH" b="1" i="1" dirty="0"/>
-              <a:t>von Daten lernen und daraus Voraussagen</a:t>
-            </a:r>
-            <a:r>
-              <a:rPr lang="de-CH" i="1" dirty="0"/>
-              <a:t> machen kann. </a:t>
-            </a:r>
-            <a:endParaRPr lang="de-CH" i="1" dirty="0" smtClean="0"/>
-          </a:p>
-          <a:p>
-            <a:r>
-              <a:rPr lang="de-CH" i="1" dirty="0" smtClean="0"/>
-              <a:t>Es </a:t>
-            </a:r>
-            <a:r>
-              <a:rPr lang="de-CH" i="1" dirty="0"/>
-              <a:t>wird also </a:t>
-            </a:r>
-            <a:r>
-              <a:rPr lang="de-CH" b="1" i="1" dirty="0"/>
-              <a:t>auf der Basis von Daten ein Modell </a:t>
-            </a:r>
-            <a:r>
-              <a:rPr lang="de-CH" i="1" dirty="0"/>
-              <a:t>erstellt, damit Voraussagen gemacht </a:t>
-            </a:r>
-            <a:endParaRPr lang="de-CH" i="1" dirty="0" smtClean="0"/>
-          </a:p>
-          <a:p>
-            <a:r>
-              <a:rPr lang="de-CH" i="1" dirty="0" smtClean="0"/>
-              <a:t>und </a:t>
-            </a:r>
-            <a:r>
-              <a:rPr lang="de-CH" i="1" dirty="0"/>
-              <a:t>Entscheidungen getroffen werden </a:t>
-            </a:r>
-            <a:r>
-              <a:rPr lang="de-CH" i="1" dirty="0" smtClean="0"/>
-              <a:t>könnnen. </a:t>
-            </a:r>
-            <a:endParaRPr lang="en-US" dirty="0">
-              <a:effectLst/>
-            </a:endParaRPr>
-          </a:p>
-        </p:txBody>
-      </p:sp>
-      <p:sp>
-        <p:nvSpPr>
-          <p:cNvPr id="2" name="TextBox 1"/>
-          <p:cNvSpPr txBox="1"/>
-          <p:nvPr/>
-        </p:nvSpPr>
-        <p:spPr>
-          <a:xfrm>
-            <a:off x="1825348" y="2967072"/>
-            <a:ext cx="7999306" cy="646331"/>
-          </a:xfrm>
-          <a:prstGeom prst="rect">
-            <a:avLst/>
-          </a:prstGeom>
-          <a:noFill/>
-        </p:spPr>
-        <p:txBody>
-          <a:bodyPr wrap="none" rtlCol="0">
-            <a:spAutoFit/>
-          </a:bodyPr>
-          <a:lstStyle/>
-          <a:p>
-            <a:r>
-              <a:rPr lang="en-US" b="1" i="1" dirty="0"/>
-              <a:t>Machine learning</a:t>
-            </a:r>
-            <a:r>
-              <a:rPr lang="en-US" i="1" dirty="0"/>
-              <a:t> is a field of computer science that gives computers </a:t>
-            </a:r>
-            <a:endParaRPr lang="en-US" i="1" dirty="0" smtClean="0"/>
-          </a:p>
-          <a:p>
-            <a:r>
-              <a:rPr lang="en-US" i="1" dirty="0" smtClean="0"/>
-              <a:t>the </a:t>
-            </a:r>
-            <a:r>
-              <a:rPr lang="en-US" i="1" dirty="0"/>
-              <a:t>ability </a:t>
-            </a:r>
-            <a:r>
-              <a:rPr lang="en-US" i="1" dirty="0" smtClean="0"/>
-              <a:t>to </a:t>
-            </a:r>
-            <a:r>
-              <a:rPr lang="en-US" i="1" dirty="0"/>
-              <a:t>learn without being explicitly programmed</a:t>
-            </a:r>
-            <a:r>
-              <a:rPr lang="en-US" dirty="0"/>
-              <a:t> </a:t>
-            </a:r>
-            <a:endParaRPr lang="de-CH" dirty="0"/>
-          </a:p>
-        </p:txBody>
-      </p:sp>
-    </p:spTree>
-    <p:extLst>
-      <p:ext uri="{BB962C8B-B14F-4D97-AF65-F5344CB8AC3E}">
-        <p14:creationId xmlns:p14="http://schemas.microsoft.com/office/powerpoint/2010/main" val="625009373"/>
-      </p:ext>
-    </p:extLst>
-  </p:cSld>
-  <p:clrMapOvr>
-    <a:masterClrMapping/>
-  </p:clrMapOvr>
-  <p:timing>
-    <p:tnLst>
-      <p:par>
-        <p:cTn id="1" dur="indefinite" restart="never" nodeType="tmRoot">
-          <p:childTnLst>
-            <p:seq concurrent="1" nextAc="seek">
-              <p:cTn id="2" dur="indefinite" nodeType="mainSeq">
-                <p:childTnLst>
-                  <p:par>
-                    <p:cTn id="3" fill="hold">
-                      <p:stCondLst>
-                        <p:cond delay="indefinite"/>
-                      </p:stCondLst>
-                      <p:childTnLst>
-                        <p:par>
-                          <p:cTn id="4" fill="hold">
-                            <p:stCondLst>
-                              <p:cond delay="0"/>
-                            </p:stCondLst>
-                            <p:childTnLst>
-                              <p:par>
-                                <p:cTn id="5" presetID="10" presetClass="entr" presetSubtype="0" fill="hold" grpId="0" nodeType="clickEffect">
-                                  <p:stCondLst>
-                                    <p:cond delay="0"/>
-                                  </p:stCondLst>
-                                  <p:childTnLst>
-                                    <p:set>
-                                      <p:cBhvr>
-                                        <p:cTn id="6" dur="1" fill="hold">
-                                          <p:stCondLst>
-                                            <p:cond delay="0"/>
-                                          </p:stCondLst>
-                                        </p:cTn>
-                                        <p:tgtEl>
-                                          <p:spTgt spid="15"/>
-                                        </p:tgtEl>
-                                        <p:attrNameLst>
-                                          <p:attrName>style.visibility</p:attrName>
-                                        </p:attrNameLst>
-                                      </p:cBhvr>
-                                      <p:to>
-                                        <p:strVal val="visible"/>
-                                      </p:to>
-                                    </p:set>
-                                    <p:animEffect transition="in" filter="fade">
-                                      <p:cBhvr>
-                                        <p:cTn id="7" dur="500"/>
-                                        <p:tgtEl>
-                                          <p:spTgt spid="15"/>
-                                        </p:tgtEl>
-                                      </p:cBhvr>
-                                    </p:animEffect>
-                                  </p:childTnLst>
-                                </p:cTn>
-                              </p:par>
-                            </p:childTnLst>
-                          </p:cTn>
-                        </p:par>
-                      </p:childTnLst>
-                    </p:cTn>
-                  </p:par>
-                  <p:par>
-                    <p:cTn id="8" fill="hold">
-                      <p:stCondLst>
-                        <p:cond delay="indefinite"/>
-                      </p:stCondLst>
-                      <p:childTnLst>
-                        <p:par>
-                          <p:cTn id="9" fill="hold">
-                            <p:stCondLst>
-                              <p:cond delay="0"/>
-                            </p:stCondLst>
-                            <p:childTnLst>
-                              <p:par>
-                                <p:cTn id="10" presetID="10" presetClass="exit" presetSubtype="0" fill="hold" grpId="1" nodeType="clickEffect">
-                                  <p:stCondLst>
-                                    <p:cond delay="0"/>
-                                  </p:stCondLst>
-                                  <p:childTnLst>
-                                    <p:animEffect transition="out" filter="fade">
-                                      <p:cBhvr>
-                                        <p:cTn id="11" dur="500"/>
-                                        <p:tgtEl>
-                                          <p:spTgt spid="15"/>
-                                        </p:tgtEl>
-                                      </p:cBhvr>
-                                    </p:animEffect>
-                                    <p:set>
-                                      <p:cBhvr>
-                                        <p:cTn id="12" dur="1" fill="hold">
-                                          <p:stCondLst>
-                                            <p:cond delay="499"/>
-                                          </p:stCondLst>
-                                        </p:cTn>
-                                        <p:tgtEl>
-                                          <p:spTgt spid="15"/>
-                                        </p:tgtEl>
-                                        <p:attrNameLst>
-                                          <p:attrName>style.visibility</p:attrName>
-                                        </p:attrNameLst>
-                                      </p:cBhvr>
-                                      <p:to>
-                                        <p:strVal val="hidden"/>
-                                      </p:to>
-                                    </p:set>
-                                  </p:childTnLst>
-                                </p:cTn>
-                              </p:par>
-                              <p:par>
-                                <p:cTn id="13" presetID="10" presetClass="entr" presetSubtype="0" fill="hold" grpId="0" nodeType="withEffect">
-                                  <p:stCondLst>
-                                    <p:cond delay="0"/>
-                                  </p:stCondLst>
-                                  <p:childTnLst>
-                                    <p:set>
-                                      <p:cBhvr>
-                                        <p:cTn id="14" dur="1" fill="hold">
-                                          <p:stCondLst>
-                                            <p:cond delay="0"/>
-                                          </p:stCondLst>
-                                        </p:cTn>
-                                        <p:tgtEl>
-                                          <p:spTgt spid="2"/>
-                                        </p:tgtEl>
-                                        <p:attrNameLst>
-                                          <p:attrName>style.visibility</p:attrName>
-                                        </p:attrNameLst>
-                                      </p:cBhvr>
-                                      <p:to>
-                                        <p:strVal val="visible"/>
-                                      </p:to>
-                                    </p:set>
-                                    <p:animEffect transition="in" filter="fade">
-                                      <p:cBhvr>
-                                        <p:cTn id="15" dur="500"/>
-                                        <p:tgtEl>
-                                          <p:spTgt spid="2"/>
-                                        </p:tgtEl>
-                                      </p:cBhvr>
-                                    </p:animEffect>
-                                  </p:childTnLst>
-                                </p:cTn>
-                              </p:par>
-                            </p:childTnLst>
-                          </p:cTn>
-                        </p:par>
-                      </p:childTnLst>
-                    </p:cTn>
-                  </p:par>
-                </p:childTnLst>
-              </p:cTn>
-              <p:prevCondLst>
-                <p:cond evt="onPrev" delay="0">
-                  <p:tgtEl>
-                    <p:sldTgt/>
-                  </p:tgtEl>
-                </p:cond>
-              </p:prevCondLst>
-              <p:nextCondLst>
-                <p:cond evt="onNext" delay="0">
-                  <p:tgtEl>
-                    <p:sldTgt/>
-                  </p:tgtEl>
-                </p:cond>
-              </p:nextCondLst>
-            </p:seq>
-          </p:childTnLst>
-        </p:cTn>
-      </p:par>
-    </p:tnLst>
-    <p:bldLst>
-      <p:bldP spid="15" grpId="0"/>
-      <p:bldP spid="15" grpId="1"/>
-      <p:bldP spid="2" grpId="0"/>
-    </p:bldLst>
-  </p:timing>
-</p:sld>
-</file>
-
-<file path=ppt/slides/slide8.xml><?xml version="1.0" encoding="utf-8"?>
-<p:sld xmlns:a="http://schemas.openxmlformats.org/drawingml/2006/main" xmlns:r="http://schemas.openxmlformats.org/officeDocument/2006/relationships" xmlns:p="http://schemas.openxmlformats.org/presentationml/2006/main">
-  <p:cSld>
-    <p:spTree>
-      <p:nvGrpSpPr>
-        <p:cNvPr id="1" name=""/>
-        <p:cNvGrpSpPr/>
-        <p:nvPr/>
-      </p:nvGrpSpPr>
-      <p:grpSpPr>
-        <a:xfrm>
-          <a:off x="0" y="0"/>
-          <a:ext cx="0" cy="0"/>
-          <a:chOff x="0" y="0"/>
-          <a:chExt cx="0" cy="0"/>
-        </a:xfrm>
-      </p:grpSpPr>
-      <p:sp>
-        <p:nvSpPr>
-          <p:cNvPr id="4" name="Title 3"/>
-          <p:cNvSpPr>
-            <a:spLocks noGrp="1"/>
-          </p:cNvSpPr>
-          <p:nvPr>
-            <p:ph type="title"/>
-          </p:nvPr>
-        </p:nvSpPr>
-        <p:spPr/>
-        <p:txBody>
-          <a:bodyPr/>
-          <a:lstStyle/>
-          <a:p>
-            <a:r>
-              <a:rPr lang="de-CH" dirty="0" err="1"/>
-              <a:t>Demystifying</a:t>
-            </a:r>
-            <a:r>
-              <a:rPr lang="de-CH" dirty="0"/>
-              <a:t> </a:t>
-            </a:r>
-            <a:r>
-              <a:rPr lang="de-CH" dirty="0" err="1"/>
-              <a:t>Buzzwords</a:t>
-            </a:r>
-            <a:endParaRPr lang="de-CH" dirty="0"/>
-          </a:p>
-        </p:txBody>
-      </p:sp>
-      <p:sp>
-        <p:nvSpPr>
-          <p:cNvPr id="5" name="Content Placeholder 4"/>
-          <p:cNvSpPr>
-            <a:spLocks noGrp="1"/>
-          </p:cNvSpPr>
-          <p:nvPr>
-            <p:ph idx="1"/>
-          </p:nvPr>
-        </p:nvSpPr>
-        <p:spPr>
-          <a:xfrm>
-            <a:off x="4059864" y="3286539"/>
-            <a:ext cx="2516188" cy="429545"/>
-          </a:xfrm>
-        </p:spPr>
-        <p:txBody>
-          <a:bodyPr>
-            <a:normAutofit fontScale="92500" lnSpcReduction="20000"/>
-          </a:bodyPr>
-          <a:lstStyle/>
-          <a:p>
-            <a:pPr marL="0" indent="0">
-              <a:buNone/>
-            </a:pPr>
-            <a:r>
-              <a:rPr lang="de-CH" dirty="0" smtClean="0">
-                <a:solidFill>
-                  <a:schemeClr val="tx2">
-                    <a:lumMod val="50000"/>
-                  </a:schemeClr>
-                </a:solidFill>
-              </a:rPr>
-              <a:t>Data Science</a:t>
-            </a:r>
-            <a:endParaRPr lang="de-CH" dirty="0">
-              <a:solidFill>
-                <a:schemeClr val="tx2">
-                  <a:lumMod val="50000"/>
-                </a:schemeClr>
-              </a:solidFill>
-            </a:endParaRPr>
-          </a:p>
-        </p:txBody>
-      </p:sp>
-      <p:sp>
-        <p:nvSpPr>
-          <p:cNvPr id="7" name="TextBox 6"/>
-          <p:cNvSpPr txBox="1"/>
-          <p:nvPr/>
-        </p:nvSpPr>
-        <p:spPr>
-          <a:xfrm>
-            <a:off x="7756356" y="4807214"/>
-            <a:ext cx="2582779" cy="369332"/>
-          </a:xfrm>
-          <a:prstGeom prst="rect">
-            <a:avLst/>
-          </a:prstGeom>
-          <a:noFill/>
-        </p:spPr>
-        <p:txBody>
-          <a:bodyPr wrap="square" rtlCol="0">
-            <a:spAutoFit/>
-          </a:bodyPr>
-          <a:lstStyle/>
-          <a:p>
-            <a:r>
-              <a:rPr lang="de-CH" dirty="0" smtClean="0">
-                <a:solidFill>
-                  <a:schemeClr val="tx2">
-                    <a:lumMod val="50000"/>
-                  </a:schemeClr>
-                </a:solidFill>
-              </a:rPr>
-              <a:t>Artifical Intelligence</a:t>
-            </a:r>
-            <a:endParaRPr lang="de-CH" dirty="0">
-              <a:solidFill>
-                <a:schemeClr val="tx2">
-                  <a:lumMod val="50000"/>
-                </a:schemeClr>
-              </a:solidFill>
-            </a:endParaRPr>
-          </a:p>
-        </p:txBody>
-      </p:sp>
-      <p:sp>
-        <p:nvSpPr>
-          <p:cNvPr id="8" name="TextBox 7"/>
-          <p:cNvSpPr txBox="1"/>
-          <p:nvPr/>
-        </p:nvSpPr>
-        <p:spPr>
-          <a:xfrm>
-            <a:off x="1459832" y="2919897"/>
-            <a:ext cx="1555234" cy="369332"/>
-          </a:xfrm>
-          <a:prstGeom prst="rect">
-            <a:avLst/>
-          </a:prstGeom>
-          <a:noFill/>
-        </p:spPr>
-        <p:txBody>
-          <a:bodyPr wrap="none" rtlCol="0">
-            <a:spAutoFit/>
-          </a:bodyPr>
-          <a:lstStyle/>
-          <a:p>
-            <a:r>
-              <a:rPr lang="de-CH" dirty="0" smtClean="0">
-                <a:solidFill>
-                  <a:schemeClr val="tx2">
-                    <a:lumMod val="50000"/>
-                  </a:schemeClr>
-                </a:solidFill>
-              </a:rPr>
-              <a:t>Data Mining</a:t>
-            </a:r>
-            <a:endParaRPr lang="de-CH" dirty="0">
-              <a:solidFill>
-                <a:schemeClr val="tx2">
-                  <a:lumMod val="50000"/>
-                </a:schemeClr>
-              </a:solidFill>
-            </a:endParaRPr>
-          </a:p>
-        </p:txBody>
-      </p:sp>
-      <p:sp>
-        <p:nvSpPr>
-          <p:cNvPr id="9" name="TextBox 8"/>
-          <p:cNvSpPr txBox="1"/>
-          <p:nvPr/>
-        </p:nvSpPr>
-        <p:spPr>
-          <a:xfrm>
-            <a:off x="6969083" y="3082819"/>
-            <a:ext cx="3477234" cy="369332"/>
-          </a:xfrm>
-          <a:prstGeom prst="rect">
-            <a:avLst/>
-          </a:prstGeom>
-          <a:noFill/>
-        </p:spPr>
-        <p:txBody>
-          <a:bodyPr wrap="none" rtlCol="0">
-            <a:spAutoFit/>
-          </a:bodyPr>
-          <a:lstStyle/>
-          <a:p>
-            <a:r>
-              <a:rPr lang="de-CH" dirty="0" smtClean="0"/>
-              <a:t>Natural Language Processing</a:t>
-            </a:r>
-            <a:endParaRPr lang="de-CH" dirty="0"/>
-          </a:p>
-        </p:txBody>
-      </p:sp>
-      <p:sp>
-        <p:nvSpPr>
-          <p:cNvPr id="10" name="TextBox 9"/>
-          <p:cNvSpPr txBox="1"/>
-          <p:nvPr/>
-        </p:nvSpPr>
-        <p:spPr>
-          <a:xfrm>
-            <a:off x="1819928" y="4019426"/>
-            <a:ext cx="1846980" cy="369332"/>
-          </a:xfrm>
-          <a:prstGeom prst="rect">
-            <a:avLst/>
-          </a:prstGeom>
-          <a:noFill/>
-        </p:spPr>
-        <p:txBody>
-          <a:bodyPr wrap="none" rtlCol="0">
-            <a:spAutoFit/>
-          </a:bodyPr>
-          <a:lstStyle/>
-          <a:p>
-            <a:r>
-              <a:rPr lang="de-CH" dirty="0" smtClean="0">
-                <a:solidFill>
-                  <a:schemeClr val="tx2">
-                    <a:lumMod val="50000"/>
-                  </a:schemeClr>
-                </a:solidFill>
-              </a:rPr>
-              <a:t>Deep Learning</a:t>
-            </a:r>
-            <a:endParaRPr lang="de-CH" dirty="0">
-              <a:solidFill>
-                <a:schemeClr val="tx2">
-                  <a:lumMod val="50000"/>
-                </a:schemeClr>
-              </a:solidFill>
-            </a:endParaRPr>
-          </a:p>
-        </p:txBody>
-      </p:sp>
-      <p:sp>
-        <p:nvSpPr>
-          <p:cNvPr id="11" name="TextBox 10"/>
-          <p:cNvSpPr txBox="1"/>
-          <p:nvPr/>
-        </p:nvSpPr>
-        <p:spPr>
-          <a:xfrm>
-            <a:off x="6085180" y="4048907"/>
-            <a:ext cx="2214068" cy="369332"/>
-          </a:xfrm>
-          <a:prstGeom prst="rect">
-            <a:avLst/>
-          </a:prstGeom>
-          <a:noFill/>
-        </p:spPr>
-        <p:txBody>
-          <a:bodyPr wrap="none" rtlCol="0">
-            <a:spAutoFit/>
-          </a:bodyPr>
-          <a:lstStyle/>
-          <a:p>
-            <a:r>
-              <a:rPr lang="de-CH" dirty="0" smtClean="0">
-                <a:solidFill>
-                  <a:schemeClr val="tx2">
-                    <a:lumMod val="50000"/>
-                  </a:schemeClr>
-                </a:solidFill>
-              </a:rPr>
-              <a:t>Machine Learning</a:t>
-            </a:r>
-            <a:endParaRPr lang="de-CH" dirty="0">
-              <a:solidFill>
-                <a:schemeClr val="tx2">
-                  <a:lumMod val="50000"/>
-                </a:schemeClr>
-              </a:solidFill>
-            </a:endParaRPr>
-          </a:p>
-        </p:txBody>
-      </p:sp>
-      <p:sp>
-        <p:nvSpPr>
-          <p:cNvPr id="12" name="TextBox 11"/>
-          <p:cNvSpPr txBox="1"/>
-          <p:nvPr/>
-        </p:nvSpPr>
-        <p:spPr>
-          <a:xfrm>
-            <a:off x="4285133" y="4785936"/>
-            <a:ext cx="1148071" cy="369332"/>
-          </a:xfrm>
-          <a:prstGeom prst="rect">
-            <a:avLst/>
-          </a:prstGeom>
-          <a:noFill/>
-        </p:spPr>
-        <p:txBody>
-          <a:bodyPr wrap="none" rtlCol="0">
-            <a:spAutoFit/>
-          </a:bodyPr>
-          <a:lstStyle/>
-          <a:p>
-            <a:r>
-              <a:rPr lang="de-CH" dirty="0" smtClean="0">
-                <a:solidFill>
-                  <a:schemeClr val="tx2">
-                    <a:lumMod val="50000"/>
-                  </a:schemeClr>
-                </a:solidFill>
-              </a:rPr>
-              <a:t>Big Data</a:t>
-            </a:r>
-            <a:endParaRPr lang="de-CH" dirty="0">
-              <a:solidFill>
-                <a:schemeClr val="tx2">
-                  <a:lumMod val="50000"/>
-                </a:schemeClr>
-              </a:solidFill>
-            </a:endParaRPr>
-          </a:p>
-        </p:txBody>
-      </p:sp>
-      <p:sp>
-        <p:nvSpPr>
-          <p:cNvPr id="13" name="TextBox 12"/>
-          <p:cNvSpPr txBox="1"/>
-          <p:nvPr/>
-        </p:nvSpPr>
-        <p:spPr>
-          <a:xfrm>
-            <a:off x="3793958" y="2416845"/>
-            <a:ext cx="2608406" cy="369332"/>
-          </a:xfrm>
-          <a:prstGeom prst="rect">
-            <a:avLst/>
-          </a:prstGeom>
-          <a:noFill/>
-        </p:spPr>
-        <p:txBody>
-          <a:bodyPr wrap="none" rtlCol="0">
-            <a:spAutoFit/>
-          </a:bodyPr>
-          <a:lstStyle/>
-          <a:p>
-            <a:r>
-              <a:rPr lang="de-CH" dirty="0" smtClean="0">
-                <a:solidFill>
-                  <a:schemeClr val="tx2">
-                    <a:lumMod val="50000"/>
-                  </a:schemeClr>
-                </a:solidFill>
-              </a:rPr>
-              <a:t>Cognitive Computing</a:t>
-            </a:r>
-            <a:endParaRPr lang="de-CH" dirty="0">
-              <a:solidFill>
-                <a:schemeClr val="tx2">
-                  <a:lumMod val="50000"/>
-                </a:schemeClr>
-              </a:solidFill>
-            </a:endParaRPr>
-          </a:p>
-        </p:txBody>
-      </p:sp>
-      <p:sp>
-        <p:nvSpPr>
-          <p:cNvPr id="14" name="TextBox 13"/>
-          <p:cNvSpPr txBox="1"/>
-          <p:nvPr/>
-        </p:nvSpPr>
-        <p:spPr>
-          <a:xfrm>
-            <a:off x="1900989" y="5664554"/>
-            <a:ext cx="2813591" cy="369332"/>
-          </a:xfrm>
-          <a:prstGeom prst="rect">
-            <a:avLst/>
-          </a:prstGeom>
-          <a:noFill/>
-        </p:spPr>
-        <p:txBody>
-          <a:bodyPr wrap="none" rtlCol="0">
-            <a:spAutoFit/>
-          </a:bodyPr>
-          <a:lstStyle/>
-          <a:p>
-            <a:r>
-              <a:rPr lang="de-CH" dirty="0" smtClean="0">
-                <a:solidFill>
-                  <a:schemeClr val="tx2">
-                    <a:lumMod val="50000"/>
-                  </a:schemeClr>
-                </a:solidFill>
-              </a:rPr>
-              <a:t>Artifical Neural Network</a:t>
-            </a:r>
-            <a:endParaRPr lang="de-CH" dirty="0">
-              <a:solidFill>
-                <a:schemeClr val="tx2">
-                  <a:lumMod val="50000"/>
-                </a:schemeClr>
-              </a:solidFill>
-            </a:endParaRPr>
-          </a:p>
-        </p:txBody>
-      </p:sp>
-      <p:sp>
-        <p:nvSpPr>
-          <p:cNvPr id="15" name="TextBox 14"/>
-          <p:cNvSpPr txBox="1"/>
-          <p:nvPr/>
-        </p:nvSpPr>
-        <p:spPr>
-          <a:xfrm>
-            <a:off x="1737350" y="3776771"/>
-            <a:ext cx="6843540" cy="646331"/>
-          </a:xfrm>
-          <a:prstGeom prst="rect">
-            <a:avLst/>
-          </a:prstGeom>
-          <a:noFill/>
-        </p:spPr>
-        <p:txBody>
-          <a:bodyPr wrap="none" rtlCol="0">
-            <a:spAutoFit/>
-          </a:bodyPr>
-          <a:lstStyle/>
-          <a:p>
-            <a:r>
-              <a:rPr lang="en-US" i="1" dirty="0"/>
-              <a:t>A computer science, computational linguistics, and AI field </a:t>
-            </a:r>
-            <a:endParaRPr lang="en-US" i="1" dirty="0" smtClean="0"/>
-          </a:p>
-          <a:p>
-            <a:r>
-              <a:rPr lang="en-US" i="1" dirty="0" smtClean="0"/>
-              <a:t>that </a:t>
-            </a:r>
-            <a:r>
-              <a:rPr lang="en-US" i="1" dirty="0"/>
-              <a:t>is concerned with </a:t>
-            </a:r>
-            <a:r>
-              <a:rPr lang="en-US" b="1" i="1" dirty="0"/>
-              <a:t>human and computer interaction</a:t>
-            </a:r>
-            <a:r>
-              <a:rPr lang="en-US" i="1" dirty="0"/>
-              <a:t>.</a:t>
-            </a:r>
-            <a:r>
-              <a:rPr lang="en-US" dirty="0"/>
-              <a:t> </a:t>
-            </a:r>
-            <a:endParaRPr lang="en-US" dirty="0">
-              <a:effectLst/>
-            </a:endParaRPr>
-          </a:p>
-        </p:txBody>
-      </p:sp>
-    </p:spTree>
-    <p:extLst>
-      <p:ext uri="{BB962C8B-B14F-4D97-AF65-F5344CB8AC3E}">
-        <p14:creationId xmlns:p14="http://schemas.microsoft.com/office/powerpoint/2010/main" val="460428559"/>
-      </p:ext>
-    </p:extLst>
-  </p:cSld>
-  <p:clrMapOvr>
-    <a:masterClrMapping/>
-  </p:clrMapOvr>
-  <p:timing>
-    <p:tnLst>
-      <p:par>
-        <p:cTn id="1" dur="indefinite" restart="never" nodeType="tmRoot">
-          <p:childTnLst>
-            <p:seq concurrent="1" nextAc="seek">
-              <p:cTn id="2" dur="indefinite" nodeType="mainSeq">
-                <p:childTnLst>
-                  <p:par>
-                    <p:cTn id="3" fill="hold">
-                      <p:stCondLst>
-                        <p:cond delay="indefinite"/>
-                      </p:stCondLst>
-                      <p:childTnLst>
-                        <p:par>
-                          <p:cTn id="4" fill="hold">
-                            <p:stCondLst>
-                              <p:cond delay="0"/>
-                            </p:stCondLst>
-                            <p:childTnLst>
-                              <p:par>
-                                <p:cTn id="5" presetID="10" presetClass="entr" presetSubtype="0" fill="hold" grpId="0" nodeType="clickEffect">
-                                  <p:stCondLst>
-                                    <p:cond delay="0"/>
-                                  </p:stCondLst>
-                                  <p:childTnLst>
-                                    <p:set>
-                                      <p:cBhvr>
-                                        <p:cTn id="6" dur="1" fill="hold">
-                                          <p:stCondLst>
-                                            <p:cond delay="0"/>
-                                          </p:stCondLst>
-                                        </p:cTn>
-                                        <p:tgtEl>
-                                          <p:spTgt spid="15"/>
-                                        </p:tgtEl>
-                                        <p:attrNameLst>
-                                          <p:attrName>style.visibility</p:attrName>
-                                        </p:attrNameLst>
-                                      </p:cBhvr>
-                                      <p:to>
-                                        <p:strVal val="visible"/>
-                                      </p:to>
-                                    </p:set>
-                                    <p:animEffect transition="in" filter="fade">
-                                      <p:cBhvr>
-                                        <p:cTn id="7" dur="500"/>
-                                        <p:tgtEl>
-                                          <p:spTgt spid="15"/>
-                                        </p:tgtEl>
-                                      </p:cBhvr>
-                                    </p:animEffect>
-                                  </p:childTnLst>
-                                </p:cTn>
-                              </p:par>
-                            </p:childTnLst>
-                          </p:cTn>
-                        </p:par>
-                      </p:childTnLst>
-                    </p:cTn>
-                  </p:par>
-                </p:childTnLst>
-              </p:cTn>
-              <p:prevCondLst>
-                <p:cond evt="onPrev" delay="0">
-                  <p:tgtEl>
-                    <p:sldTgt/>
-                  </p:tgtEl>
-                </p:cond>
-              </p:prevCondLst>
-              <p:nextCondLst>
-                <p:cond evt="onNext" delay="0">
-                  <p:tgtEl>
-                    <p:sldTgt/>
-                  </p:tgtEl>
-                </p:cond>
-              </p:nextCondLst>
-            </p:seq>
-          </p:childTnLst>
-        </p:cTn>
-      </p:par>
-    </p:tnLst>
-    <p:bldLst>
-      <p:bldP spid="15" grpId="0"/>
-    </p:bldLst>
-  </p:timing>
-</p:sld>
-</file>
-
-<file path=ppt/slides/slide9.xml><?xml version="1.0" encoding="utf-8"?>
-<p:sld xmlns:a="http://schemas.openxmlformats.org/drawingml/2006/main" xmlns:r="http://schemas.openxmlformats.org/officeDocument/2006/relationships" xmlns:p="http://schemas.openxmlformats.org/presentationml/2006/main">
-  <p:cSld>
-    <p:spTree>
-      <p:nvGrpSpPr>
-        <p:cNvPr id="1" name=""/>
-        <p:cNvGrpSpPr/>
-        <p:nvPr/>
-      </p:nvGrpSpPr>
-      <p:grpSpPr>
-        <a:xfrm>
-          <a:off x="0" y="0"/>
-          <a:ext cx="0" cy="0"/>
-          <a:chOff x="0" y="0"/>
-          <a:chExt cx="0" cy="0"/>
-        </a:xfrm>
-      </p:grpSpPr>
-      <p:sp>
-        <p:nvSpPr>
-          <p:cNvPr id="4" name="Title 3"/>
-          <p:cNvSpPr>
-            <a:spLocks noGrp="1"/>
-          </p:cNvSpPr>
-          <p:nvPr>
-            <p:ph type="title"/>
-          </p:nvPr>
-        </p:nvSpPr>
-        <p:spPr/>
-        <p:txBody>
-          <a:bodyPr/>
-          <a:lstStyle/>
-          <a:p>
-            <a:r>
-              <a:rPr lang="de-CH" dirty="0" err="1"/>
-              <a:t>Demystifying</a:t>
-            </a:r>
-            <a:r>
-              <a:rPr lang="de-CH" dirty="0"/>
-              <a:t> </a:t>
-            </a:r>
-            <a:r>
-              <a:rPr lang="de-CH" dirty="0" err="1"/>
-              <a:t>Buzzwords</a:t>
-            </a:r>
-            <a:endParaRPr lang="de-CH" dirty="0"/>
-          </a:p>
-        </p:txBody>
-      </p:sp>
-      <p:sp>
-        <p:nvSpPr>
-          <p:cNvPr id="5" name="Content Placeholder 4"/>
-          <p:cNvSpPr>
-            <a:spLocks noGrp="1"/>
-          </p:cNvSpPr>
-          <p:nvPr>
-            <p:ph idx="1"/>
-          </p:nvPr>
-        </p:nvSpPr>
-        <p:spPr>
-          <a:xfrm>
-            <a:off x="4059864" y="3286539"/>
-            <a:ext cx="2516188" cy="429545"/>
-          </a:xfrm>
-        </p:spPr>
-        <p:txBody>
-          <a:bodyPr>
-            <a:normAutofit fontScale="92500" lnSpcReduction="20000"/>
-          </a:bodyPr>
-          <a:lstStyle/>
-          <a:p>
-            <a:pPr marL="0" indent="0">
-              <a:buNone/>
-            </a:pPr>
-            <a:r>
-              <a:rPr lang="de-CH" dirty="0" smtClean="0">
-                <a:solidFill>
-                  <a:schemeClr val="tx2">
-                    <a:lumMod val="50000"/>
-                  </a:schemeClr>
-                </a:solidFill>
-              </a:rPr>
-              <a:t>Data Science</a:t>
-            </a:r>
-            <a:endParaRPr lang="de-CH" dirty="0">
-              <a:solidFill>
-                <a:schemeClr val="tx2">
-                  <a:lumMod val="50000"/>
-                </a:schemeClr>
-              </a:solidFill>
-            </a:endParaRPr>
-          </a:p>
-        </p:txBody>
-      </p:sp>
-      <p:sp>
-        <p:nvSpPr>
-          <p:cNvPr id="7" name="TextBox 6"/>
-          <p:cNvSpPr txBox="1"/>
-          <p:nvPr/>
-        </p:nvSpPr>
-        <p:spPr>
-          <a:xfrm>
-            <a:off x="7756356" y="4807214"/>
-            <a:ext cx="2582779" cy="369332"/>
-          </a:xfrm>
-          <a:prstGeom prst="rect">
-            <a:avLst/>
-          </a:prstGeom>
-          <a:noFill/>
-        </p:spPr>
-        <p:txBody>
-          <a:bodyPr wrap="square" rtlCol="0">
-            <a:spAutoFit/>
-          </a:bodyPr>
-          <a:lstStyle/>
-          <a:p>
-            <a:r>
-              <a:rPr lang="de-CH" dirty="0" smtClean="0">
-                <a:solidFill>
-                  <a:schemeClr val="tx2">
-                    <a:lumMod val="50000"/>
-                  </a:schemeClr>
-                </a:solidFill>
-              </a:rPr>
-              <a:t>Artifical Intelligence</a:t>
-            </a:r>
-            <a:endParaRPr lang="de-CH" dirty="0">
-              <a:solidFill>
-                <a:schemeClr val="tx2">
-                  <a:lumMod val="50000"/>
-                </a:schemeClr>
-              </a:solidFill>
-            </a:endParaRPr>
-          </a:p>
-        </p:txBody>
-      </p:sp>
-      <p:sp>
-        <p:nvSpPr>
-          <p:cNvPr id="8" name="TextBox 7"/>
-          <p:cNvSpPr txBox="1"/>
-          <p:nvPr/>
-        </p:nvSpPr>
-        <p:spPr>
-          <a:xfrm>
-            <a:off x="1459832" y="2919897"/>
-            <a:ext cx="1555234" cy="369332"/>
-          </a:xfrm>
-          <a:prstGeom prst="rect">
-            <a:avLst/>
-          </a:prstGeom>
-          <a:noFill/>
-        </p:spPr>
-        <p:txBody>
-          <a:bodyPr wrap="none" rtlCol="0">
-            <a:spAutoFit/>
-          </a:bodyPr>
-          <a:lstStyle/>
-          <a:p>
-            <a:r>
-              <a:rPr lang="de-CH" dirty="0" smtClean="0">
-                <a:solidFill>
-                  <a:schemeClr val="tx2">
-                    <a:lumMod val="50000"/>
-                  </a:schemeClr>
-                </a:solidFill>
-              </a:rPr>
-              <a:t>Data Mining</a:t>
-            </a:r>
-            <a:endParaRPr lang="de-CH" dirty="0">
-              <a:solidFill>
-                <a:schemeClr val="tx2">
-                  <a:lumMod val="50000"/>
-                </a:schemeClr>
-              </a:solidFill>
-            </a:endParaRPr>
-          </a:p>
-        </p:txBody>
-      </p:sp>
-      <p:sp>
-        <p:nvSpPr>
-          <p:cNvPr id="9" name="TextBox 8"/>
-          <p:cNvSpPr txBox="1"/>
-          <p:nvPr/>
-        </p:nvSpPr>
-        <p:spPr>
-          <a:xfrm>
-            <a:off x="6969083" y="3082819"/>
-            <a:ext cx="3477234" cy="369332"/>
-          </a:xfrm>
-          <a:prstGeom prst="rect">
-            <a:avLst/>
-          </a:prstGeom>
-          <a:noFill/>
-        </p:spPr>
-        <p:txBody>
-          <a:bodyPr wrap="none" rtlCol="0">
-            <a:spAutoFit/>
-          </a:bodyPr>
-          <a:lstStyle/>
-          <a:p>
-            <a:r>
-              <a:rPr lang="de-CH" dirty="0" smtClean="0">
-                <a:solidFill>
-                  <a:schemeClr val="tx2">
-                    <a:lumMod val="50000"/>
-                  </a:schemeClr>
-                </a:solidFill>
-              </a:rPr>
-              <a:t>Natural Language Processing</a:t>
-            </a:r>
-            <a:endParaRPr lang="de-CH" dirty="0">
-              <a:solidFill>
-                <a:schemeClr val="tx2">
-                  <a:lumMod val="50000"/>
-                </a:schemeClr>
-              </a:solidFill>
-            </a:endParaRPr>
-          </a:p>
-        </p:txBody>
-      </p:sp>
-      <p:sp>
-        <p:nvSpPr>
-          <p:cNvPr id="10" name="TextBox 9"/>
-          <p:cNvSpPr txBox="1"/>
-          <p:nvPr/>
-        </p:nvSpPr>
-        <p:spPr>
-          <a:xfrm>
-            <a:off x="1819928" y="4019426"/>
-            <a:ext cx="1846980" cy="369332"/>
-          </a:xfrm>
-          <a:prstGeom prst="rect">
-            <a:avLst/>
-          </a:prstGeom>
-          <a:noFill/>
-        </p:spPr>
-        <p:txBody>
-          <a:bodyPr wrap="none" rtlCol="0">
-            <a:spAutoFit/>
-          </a:bodyPr>
-          <a:lstStyle/>
-          <a:p>
-            <a:r>
-              <a:rPr lang="de-CH" dirty="0" smtClean="0">
-                <a:solidFill>
-                  <a:schemeClr val="tx2">
-                    <a:lumMod val="50000"/>
-                  </a:schemeClr>
-                </a:solidFill>
-              </a:rPr>
-              <a:t>Deep Learning</a:t>
-            </a:r>
-            <a:endParaRPr lang="de-CH" dirty="0">
-              <a:solidFill>
-                <a:schemeClr val="tx2">
-                  <a:lumMod val="50000"/>
-                </a:schemeClr>
-              </a:solidFill>
-            </a:endParaRPr>
-          </a:p>
-        </p:txBody>
-      </p:sp>
-      <p:sp>
-        <p:nvSpPr>
-          <p:cNvPr id="11" name="TextBox 10"/>
-          <p:cNvSpPr txBox="1"/>
-          <p:nvPr/>
-        </p:nvSpPr>
-        <p:spPr>
-          <a:xfrm>
-            <a:off x="6085180" y="4048907"/>
-            <a:ext cx="2214068" cy="369332"/>
-          </a:xfrm>
-          <a:prstGeom prst="rect">
-            <a:avLst/>
-          </a:prstGeom>
-          <a:noFill/>
-        </p:spPr>
-        <p:txBody>
-          <a:bodyPr wrap="none" rtlCol="0">
-            <a:spAutoFit/>
-          </a:bodyPr>
-          <a:lstStyle/>
-          <a:p>
-            <a:r>
-              <a:rPr lang="de-CH" dirty="0" smtClean="0">
-                <a:solidFill>
-                  <a:schemeClr val="tx2">
-                    <a:lumMod val="50000"/>
-                  </a:schemeClr>
-                </a:solidFill>
-              </a:rPr>
-              <a:t>Machine Learning</a:t>
-            </a:r>
-            <a:endParaRPr lang="de-CH" dirty="0">
-              <a:solidFill>
-                <a:schemeClr val="tx2">
-                  <a:lumMod val="50000"/>
-                </a:schemeClr>
-              </a:solidFill>
-            </a:endParaRPr>
-          </a:p>
-        </p:txBody>
-      </p:sp>
-      <p:sp>
-        <p:nvSpPr>
-          <p:cNvPr id="12" name="TextBox 11"/>
-          <p:cNvSpPr txBox="1"/>
-          <p:nvPr/>
-        </p:nvSpPr>
-        <p:spPr>
-          <a:xfrm>
-            <a:off x="4285133" y="4785936"/>
-            <a:ext cx="1148071" cy="369332"/>
-          </a:xfrm>
-          <a:prstGeom prst="rect">
-            <a:avLst/>
-          </a:prstGeom>
-          <a:noFill/>
-        </p:spPr>
-        <p:txBody>
-          <a:bodyPr wrap="none" rtlCol="0">
-            <a:spAutoFit/>
-          </a:bodyPr>
-          <a:lstStyle/>
-          <a:p>
-            <a:r>
-              <a:rPr lang="de-CH" dirty="0" smtClean="0">
-                <a:solidFill>
-                  <a:schemeClr val="tx2">
-                    <a:lumMod val="50000"/>
-                  </a:schemeClr>
-                </a:solidFill>
-              </a:rPr>
-              <a:t>Big Data</a:t>
-            </a:r>
-            <a:endParaRPr lang="de-CH" dirty="0">
-              <a:solidFill>
-                <a:schemeClr val="tx2">
-                  <a:lumMod val="50000"/>
-                </a:schemeClr>
-              </a:solidFill>
-            </a:endParaRPr>
-          </a:p>
-        </p:txBody>
-      </p:sp>
-      <p:sp>
-        <p:nvSpPr>
-          <p:cNvPr id="13" name="TextBox 12"/>
-          <p:cNvSpPr txBox="1"/>
-          <p:nvPr/>
-        </p:nvSpPr>
-        <p:spPr>
-          <a:xfrm>
-            <a:off x="3793958" y="2416845"/>
-            <a:ext cx="2608406" cy="369332"/>
-          </a:xfrm>
-          <a:prstGeom prst="rect">
-            <a:avLst/>
-          </a:prstGeom>
-          <a:noFill/>
-        </p:spPr>
-        <p:txBody>
-          <a:bodyPr wrap="none" rtlCol="0">
-            <a:spAutoFit/>
-          </a:bodyPr>
-          <a:lstStyle/>
-          <a:p>
-            <a:r>
-              <a:rPr lang="de-CH" dirty="0" smtClean="0">
-                <a:solidFill>
-                  <a:schemeClr val="tx2">
-                    <a:lumMod val="50000"/>
-                  </a:schemeClr>
-                </a:solidFill>
-              </a:rPr>
-              <a:t>Cognitive Computing</a:t>
-            </a:r>
-            <a:endParaRPr lang="de-CH" dirty="0">
-              <a:solidFill>
-                <a:schemeClr val="tx2">
-                  <a:lumMod val="50000"/>
-                </a:schemeClr>
-              </a:solidFill>
-            </a:endParaRPr>
-          </a:p>
-        </p:txBody>
-      </p:sp>
-      <p:sp>
-        <p:nvSpPr>
-          <p:cNvPr id="14" name="TextBox 13"/>
-          <p:cNvSpPr txBox="1"/>
-          <p:nvPr/>
-        </p:nvSpPr>
-        <p:spPr>
-          <a:xfrm>
-            <a:off x="1900989" y="5664554"/>
-            <a:ext cx="2813591" cy="369332"/>
-          </a:xfrm>
-          <a:prstGeom prst="rect">
-            <a:avLst/>
-          </a:prstGeom>
-          <a:noFill/>
-        </p:spPr>
-        <p:txBody>
-          <a:bodyPr wrap="none" rtlCol="0">
-            <a:spAutoFit/>
-          </a:bodyPr>
-          <a:lstStyle/>
-          <a:p>
-            <a:r>
-              <a:rPr lang="de-CH" dirty="0" smtClean="0"/>
-              <a:t>Artifical Neural Network</a:t>
-            </a:r>
-            <a:endParaRPr lang="de-CH" dirty="0"/>
-          </a:p>
-        </p:txBody>
-      </p:sp>
-      <p:sp>
-        <p:nvSpPr>
-          <p:cNvPr id="15" name="TextBox 14"/>
-          <p:cNvSpPr txBox="1"/>
-          <p:nvPr/>
-        </p:nvSpPr>
-        <p:spPr>
-          <a:xfrm>
-            <a:off x="1293458" y="3419485"/>
-            <a:ext cx="9374682" cy="646331"/>
-          </a:xfrm>
-          <a:prstGeom prst="rect">
-            <a:avLst/>
-          </a:prstGeom>
-          <a:noFill/>
-        </p:spPr>
-        <p:txBody>
-          <a:bodyPr wrap="none" rtlCol="0">
-            <a:spAutoFit/>
-          </a:bodyPr>
-          <a:lstStyle/>
-          <a:p>
-            <a:r>
-              <a:rPr lang="en-US" b="1" i="1" dirty="0"/>
-              <a:t>Artificial neural networks</a:t>
-            </a:r>
-            <a:r>
-              <a:rPr lang="en-US" i="1" dirty="0"/>
-              <a:t> (</a:t>
-            </a:r>
-            <a:r>
-              <a:rPr lang="en-US" b="1" i="1" dirty="0"/>
-              <a:t>ANNs</a:t>
-            </a:r>
-            <a:r>
-              <a:rPr lang="en-US" i="1" dirty="0"/>
-              <a:t>), a form of </a:t>
-            </a:r>
-            <a:r>
-              <a:rPr lang="en-US" b="1" i="1" dirty="0" smtClean="0"/>
-              <a:t>connectionism</a:t>
-            </a:r>
-            <a:r>
-              <a:rPr lang="en-US" i="1" dirty="0" smtClean="0"/>
-              <a:t>,</a:t>
-            </a:r>
-            <a:r>
-              <a:rPr lang="en-US" i="1" baseline="30000" dirty="0"/>
-              <a:t> </a:t>
-            </a:r>
-            <a:r>
-              <a:rPr lang="en-US" i="1" dirty="0" smtClean="0"/>
-              <a:t>are </a:t>
-            </a:r>
-            <a:r>
-              <a:rPr lang="en-US" i="1" dirty="0"/>
-              <a:t>computing systems </a:t>
-            </a:r>
-            <a:endParaRPr lang="en-US" i="1" dirty="0" smtClean="0"/>
-          </a:p>
-          <a:p>
-            <a:r>
-              <a:rPr lang="en-US" i="1" dirty="0" smtClean="0"/>
-              <a:t>inspired </a:t>
-            </a:r>
-            <a:r>
-              <a:rPr lang="en-US" i="1" dirty="0"/>
-              <a:t>by the biological neural networks that constitute animal </a:t>
-            </a:r>
-            <a:r>
-              <a:rPr lang="en-US" i="1" dirty="0" smtClean="0"/>
-              <a:t>brains.</a:t>
-            </a:r>
-            <a:endParaRPr lang="en-US" i="1" dirty="0">
-              <a:effectLst/>
-            </a:endParaRPr>
-          </a:p>
-        </p:txBody>
-      </p:sp>
-    </p:spTree>
-    <p:extLst>
-      <p:ext uri="{BB962C8B-B14F-4D97-AF65-F5344CB8AC3E}">
-        <p14:creationId xmlns:p14="http://schemas.microsoft.com/office/powerpoint/2010/main" val="3503676884"/>
-      </p:ext>
-    </p:extLst>
-  </p:cSld>
-  <p:clrMapOvr>
-    <a:masterClrMapping/>
-  </p:clrMapOvr>
-  <p:timing>
-    <p:tnLst>
-      <p:par>
-        <p:cTn id="1" dur="indefinite" restart="never" nodeType="tmRoot">
-          <p:childTnLst>
-            <p:seq concurrent="1" nextAc="seek">
-              <p:cTn id="2" dur="indefinite" nodeType="mainSeq">
-                <p:childTnLst>
-                  <p:par>
-                    <p:cTn id="3" fill="hold">
-                      <p:stCondLst>
-                        <p:cond delay="indefinite"/>
-                      </p:stCondLst>
-                      <p:childTnLst>
-                        <p:par>
-                          <p:cTn id="4" fill="hold">
-                            <p:stCondLst>
-                              <p:cond delay="0"/>
-                            </p:stCondLst>
-                            <p:childTnLst>
-                              <p:par>
-                                <p:cTn id="5" presetID="10" presetClass="entr" presetSubtype="0" fill="hold" grpId="0" nodeType="clickEffect">
-                                  <p:stCondLst>
-                                    <p:cond delay="0"/>
-                                  </p:stCondLst>
-                                  <p:childTnLst>
-                                    <p:set>
-                                      <p:cBhvr>
-                                        <p:cTn id="6" dur="1" fill="hold">
-                                          <p:stCondLst>
-                                            <p:cond delay="0"/>
-                                          </p:stCondLst>
-                                        </p:cTn>
-                                        <p:tgtEl>
-                                          <p:spTgt spid="15"/>
-                                        </p:tgtEl>
-                                        <p:attrNameLst>
-                                          <p:attrName>style.visibility</p:attrName>
-                                        </p:attrNameLst>
-                                      </p:cBhvr>
-                                      <p:to>
-                                        <p:strVal val="visible"/>
-                                      </p:to>
-                                    </p:set>
-                                    <p:animEffect transition="in" filter="fade">
-                                      <p:cBhvr>
-                                        <p:cTn id="7" dur="500"/>
-                                        <p:tgtEl>
-                                          <p:spTgt spid="15"/>
-                                        </p:tgtEl>
-                                      </p:cBhvr>
-                                    </p:animEffect>
-                                  </p:childTnLst>
-                                </p:cTn>
-                              </p:par>
-                            </p:childTnLst>
-                          </p:cTn>
-                        </p:par>
-                      </p:childTnLst>
-                    </p:cTn>
-                  </p:par>
-                </p:childTnLst>
-              </p:cTn>
-              <p:prevCondLst>
-                <p:cond evt="onPrev" delay="0">
-                  <p:tgtEl>
-                    <p:sldTgt/>
-                  </p:tgtEl>
-                </p:cond>
-              </p:prevCondLst>
-              <p:nextCondLst>
-                <p:cond evt="onNext" delay="0">
-                  <p:tgtEl>
-                    <p:sldTgt/>
-                  </p:tgtEl>
-                </p:cond>
-              </p:nextCondLst>
-            </p:seq>
-          </p:childTnLst>
-        </p:cTn>
-      </p:par>
-    </p:tnLst>
-    <p:bldLst>
-      <p:bldP spid="15" grpId="0"/>
     </p:bldLst>
   </p:timing>
 </p:sld>

--- a/presentation.pptx
+++ b/presentation.pptx
@@ -5,7 +5,7 @@
     <p:sldMasterId id="2147483648" r:id="rId1"/>
   </p:sldMasterIdLst>
   <p:notesMasterIdLst>
-    <p:notesMasterId r:id="rId43"/>
+    <p:notesMasterId r:id="rId44"/>
   </p:notesMasterIdLst>
   <p:sldIdLst>
     <p:sldId id="256" r:id="rId2"/>
@@ -41,14 +41,15 @@
     <p:sldId id="285" r:id="rId32"/>
     <p:sldId id="279" r:id="rId33"/>
     <p:sldId id="280" r:id="rId34"/>
-    <p:sldId id="282" r:id="rId35"/>
-    <p:sldId id="289" r:id="rId36"/>
-    <p:sldId id="291" r:id="rId37"/>
-    <p:sldId id="290" r:id="rId38"/>
-    <p:sldId id="292" r:id="rId39"/>
-    <p:sldId id="293" r:id="rId40"/>
-    <p:sldId id="294" r:id="rId41"/>
-    <p:sldId id="288" r:id="rId42"/>
+    <p:sldId id="299" r:id="rId35"/>
+    <p:sldId id="282" r:id="rId36"/>
+    <p:sldId id="289" r:id="rId37"/>
+    <p:sldId id="291" r:id="rId38"/>
+    <p:sldId id="290" r:id="rId39"/>
+    <p:sldId id="292" r:id="rId40"/>
+    <p:sldId id="293" r:id="rId41"/>
+    <p:sldId id="294" r:id="rId42"/>
+    <p:sldId id="288" r:id="rId43"/>
   </p:sldIdLst>
   <p:sldSz cx="12192000" cy="6858000"/>
   <p:notesSz cx="6858000" cy="9144000"/>
@@ -2992,10 +2993,94 @@
           <a:lstStyle/>
           <a:p>
             <a:r>
+              <a:rPr lang="de-CH" dirty="0" err="1" smtClean="0"/>
+              <a:t>Tradeoff</a:t>
+            </a:r>
+            <a:r>
               <a:rPr lang="de-CH" dirty="0" smtClean="0"/>
-              <a:t>Screenshots von Walkthrough</a:t>
-            </a:r>
-            <a:endParaRPr lang="de-CH" dirty="0"/>
+              <a:t>: </a:t>
+            </a:r>
+            <a:r>
+              <a:rPr lang="de-CH" baseline="0" dirty="0" smtClean="0"/>
+              <a:t>DNA Untersuchung für Überführung Straftäter </a:t>
+            </a:r>
+          </a:p>
+          <a:p>
+            <a:r>
+              <a:rPr lang="de-CH" baseline="0" dirty="0" smtClean="0"/>
+              <a:t> -&gt; Precision -&gt; Unschuldige Leute im Knast</a:t>
+            </a:r>
+          </a:p>
+          <a:p>
+            <a:r>
+              <a:rPr lang="de-CH" baseline="0" dirty="0" smtClean="0"/>
+              <a:t> -&gt; Recall (</a:t>
+            </a:r>
+            <a:r>
+              <a:rPr lang="de-CH" baseline="0" dirty="0" err="1" smtClean="0"/>
+              <a:t>sensitivity</a:t>
+            </a:r>
+            <a:r>
+              <a:rPr lang="de-CH" baseline="0" dirty="0" smtClean="0"/>
+              <a:t>) – Straftäter frei </a:t>
+            </a:r>
+          </a:p>
+          <a:p>
+            <a:r>
+              <a:rPr lang="de-CH" baseline="0" dirty="0" smtClean="0"/>
+              <a:t>-&gt; Gäbe auch noch </a:t>
+            </a:r>
+            <a:r>
+              <a:rPr lang="de-CH" baseline="0" dirty="0" err="1" smtClean="0"/>
+              <a:t>specifity</a:t>
+            </a:r>
+            <a:r>
+              <a:rPr lang="de-CH" baseline="0" dirty="0" smtClean="0"/>
+              <a:t> (</a:t>
+            </a:r>
+            <a:r>
+              <a:rPr lang="de-CH" baseline="0" dirty="0" err="1" smtClean="0"/>
+              <a:t>tn</a:t>
+            </a:r>
+            <a:r>
+              <a:rPr lang="de-CH" baseline="0" dirty="0" smtClean="0"/>
+              <a:t>/n = </a:t>
+            </a:r>
+            <a:r>
+              <a:rPr lang="de-CH" baseline="0" dirty="0" err="1" smtClean="0"/>
+              <a:t>tn</a:t>
+            </a:r>
+            <a:r>
+              <a:rPr lang="de-CH" baseline="0" dirty="0" smtClean="0"/>
+              <a:t> / (</a:t>
+            </a:r>
+            <a:r>
+              <a:rPr lang="de-CH" baseline="0" dirty="0" err="1" smtClean="0"/>
+              <a:t>tn+fp</a:t>
+            </a:r>
+            <a:r>
+              <a:rPr lang="de-CH" baseline="0" dirty="0" smtClean="0"/>
+              <a:t>)) -&gt; Precision </a:t>
+            </a:r>
+            <a:r>
+              <a:rPr lang="de-CH" baseline="0" dirty="0" err="1" smtClean="0"/>
+              <a:t>for</a:t>
+            </a:r>
+            <a:r>
+              <a:rPr lang="de-CH" baseline="0" dirty="0" smtClean="0"/>
+              <a:t> </a:t>
+            </a:r>
+            <a:r>
+              <a:rPr lang="de-CH" baseline="0" smtClean="0"/>
+              <a:t>Negativity</a:t>
+            </a:r>
+            <a:endParaRPr lang="de-CH" baseline="0" dirty="0" smtClean="0"/>
+          </a:p>
+          <a:p>
+            <a:r>
+              <a:rPr lang="de-CH" baseline="0" dirty="0" smtClean="0"/>
+              <a:t>https://uberpython.wordpress.com/2012/01/01/precision-recall-sensitivity-and-specificity/</a:t>
+            </a:r>
           </a:p>
         </p:txBody>
       </p:sp>
@@ -3025,7 +3110,7 @@
     </p:spTree>
     <p:extLst>
       <p:ext uri="{BB962C8B-B14F-4D97-AF65-F5344CB8AC3E}">
-        <p14:creationId xmlns:p14="http://schemas.microsoft.com/office/powerpoint/2010/main" val="2842412450"/>
+        <p14:creationId xmlns:p14="http://schemas.microsoft.com/office/powerpoint/2010/main" val="3594156965"/>
       </p:ext>
     </p:extLst>
   </p:cSld>
@@ -3193,47 +3278,7 @@
           <a:p>
             <a:r>
               <a:rPr lang="de-CH" dirty="0" smtClean="0"/>
-              <a:t>Ensemble </a:t>
-            </a:r>
-            <a:r>
-              <a:rPr lang="de-CH" dirty="0" err="1" smtClean="0"/>
-              <a:t>learning</a:t>
-            </a:r>
-            <a:r>
-              <a:rPr lang="de-CH" dirty="0" smtClean="0"/>
-              <a:t> (e.g. Random </a:t>
-            </a:r>
-            <a:r>
-              <a:rPr lang="de-CH" dirty="0" err="1" smtClean="0"/>
-              <a:t>Forests</a:t>
-            </a:r>
-            <a:r>
-              <a:rPr lang="de-CH" dirty="0" smtClean="0"/>
-              <a:t>), </a:t>
-            </a:r>
-            <a:r>
-              <a:rPr lang="de-CH" dirty="0" err="1" smtClean="0"/>
-              <a:t>Neural</a:t>
-            </a:r>
-            <a:r>
-              <a:rPr lang="de-CH" dirty="0" smtClean="0"/>
-              <a:t> Networks, </a:t>
-            </a:r>
-            <a:r>
-              <a:rPr lang="de-CH" dirty="0" err="1" smtClean="0"/>
-              <a:t>Recommenders</a:t>
-            </a:r>
-            <a:r>
-              <a:rPr lang="de-CH" dirty="0" smtClean="0"/>
-              <a:t>, Dimension </a:t>
-            </a:r>
-            <a:r>
-              <a:rPr lang="de-CH" dirty="0" err="1" smtClean="0"/>
-              <a:t>Reduction</a:t>
-            </a:r>
-            <a:r>
-              <a:rPr lang="de-CH" dirty="0" smtClean="0"/>
-              <a:t>, Feature Engineering</a:t>
+              <a:t>Screenshots von Walkthrough</a:t>
             </a:r>
             <a:endParaRPr lang="de-CH" dirty="0"/>
           </a:p>
@@ -3256,7 +3301,135 @@
           <a:p>
             <a:fld id="{DA58BC1F-B303-41BB-B1E5-E3EE1F495441}" type="slidenum">
               <a:rPr lang="de-CH" smtClean="0"/>
-              <a:t>41</a:t>
+              <a:t>35</a:t>
+            </a:fld>
+            <a:endParaRPr lang="de-CH"/>
+          </a:p>
+        </p:txBody>
+      </p:sp>
+    </p:spTree>
+    <p:extLst>
+      <p:ext uri="{BB962C8B-B14F-4D97-AF65-F5344CB8AC3E}">
+        <p14:creationId xmlns:p14="http://schemas.microsoft.com/office/powerpoint/2010/main" val="2842412450"/>
+      </p:ext>
+    </p:extLst>
+  </p:cSld>
+  <p:clrMapOvr>
+    <a:masterClrMapping/>
+  </p:clrMapOvr>
+</p:notes>
+</file>
+
+<file path=ppt/notesSlides/notesSlide31.xml><?xml version="1.0" encoding="utf-8"?>
+<p:notes xmlns:a="http://schemas.openxmlformats.org/drawingml/2006/main" xmlns:r="http://schemas.openxmlformats.org/officeDocument/2006/relationships" xmlns:p="http://schemas.openxmlformats.org/presentationml/2006/main">
+  <p:cSld>
+    <p:spTree>
+      <p:nvGrpSpPr>
+        <p:cNvPr id="1" name=""/>
+        <p:cNvGrpSpPr/>
+        <p:nvPr/>
+      </p:nvGrpSpPr>
+      <p:grpSpPr>
+        <a:xfrm>
+          <a:off x="0" y="0"/>
+          <a:ext cx="0" cy="0"/>
+          <a:chOff x="0" y="0"/>
+          <a:chExt cx="0" cy="0"/>
+        </a:xfrm>
+      </p:grpSpPr>
+      <p:sp>
+        <p:nvSpPr>
+          <p:cNvPr id="2" name="Slide Image Placeholder 1"/>
+          <p:cNvSpPr>
+            <a:spLocks noGrp="1" noRot="1" noChangeAspect="1"/>
+          </p:cNvSpPr>
+          <p:nvPr>
+            <p:ph type="sldImg"/>
+          </p:nvPr>
+        </p:nvSpPr>
+        <p:spPr/>
+      </p:sp>
+      <p:sp>
+        <p:nvSpPr>
+          <p:cNvPr id="3" name="Notes Placeholder 2"/>
+          <p:cNvSpPr>
+            <a:spLocks noGrp="1"/>
+          </p:cNvSpPr>
+          <p:nvPr>
+            <p:ph type="body" idx="1"/>
+          </p:nvPr>
+        </p:nvSpPr>
+        <p:spPr/>
+        <p:txBody>
+          <a:bodyPr/>
+          <a:lstStyle/>
+          <a:p>
+            <a:r>
+              <a:rPr lang="de-CH" dirty="0" smtClean="0"/>
+              <a:t>Ensemble </a:t>
+            </a:r>
+            <a:r>
+              <a:rPr lang="de-CH" dirty="0" err="1" smtClean="0"/>
+              <a:t>learning</a:t>
+            </a:r>
+            <a:r>
+              <a:rPr lang="de-CH" dirty="0" smtClean="0"/>
+              <a:t> (e.g. Random </a:t>
+            </a:r>
+            <a:r>
+              <a:rPr lang="de-CH" dirty="0" err="1" smtClean="0"/>
+              <a:t>Forests</a:t>
+            </a:r>
+            <a:r>
+              <a:rPr lang="de-CH" dirty="0" smtClean="0"/>
+              <a:t>), </a:t>
+            </a:r>
+            <a:r>
+              <a:rPr lang="de-CH" dirty="0" err="1" smtClean="0"/>
+              <a:t>Neural</a:t>
+            </a:r>
+            <a:r>
+              <a:rPr lang="de-CH" dirty="0" smtClean="0"/>
+              <a:t> Networks, </a:t>
+            </a:r>
+            <a:r>
+              <a:rPr lang="de-CH" dirty="0" err="1" smtClean="0"/>
+              <a:t>Recommenders</a:t>
+            </a:r>
+            <a:r>
+              <a:rPr lang="de-CH" dirty="0" smtClean="0"/>
+              <a:t>, Dimension </a:t>
+            </a:r>
+            <a:r>
+              <a:rPr lang="de-CH" dirty="0" err="1" smtClean="0"/>
+              <a:t>Reduction</a:t>
+            </a:r>
+            <a:r>
+              <a:rPr lang="de-CH" dirty="0" smtClean="0"/>
+              <a:t>, Feature Engineering</a:t>
+            </a:r>
+            <a:endParaRPr lang="de-CH" dirty="0"/>
+          </a:p>
+        </p:txBody>
+      </p:sp>
+      <p:sp>
+        <p:nvSpPr>
+          <p:cNvPr id="4" name="Slide Number Placeholder 3"/>
+          <p:cNvSpPr>
+            <a:spLocks noGrp="1"/>
+          </p:cNvSpPr>
+          <p:nvPr>
+            <p:ph type="sldNum" sz="quarter" idx="10"/>
+          </p:nvPr>
+        </p:nvSpPr>
+        <p:spPr/>
+        <p:txBody>
+          <a:bodyPr/>
+          <a:lstStyle/>
+          <a:p>
+            <a:fld id="{DA58BC1F-B303-41BB-B1E5-E3EE1F495441}" type="slidenum">
+              <a:rPr lang="de-CH" smtClean="0"/>
+              <a:t>42</a:t>
             </a:fld>
             <a:endParaRPr lang="de-CH"/>
           </a:p>
@@ -4038,7 +4211,7 @@
           <a:noFill/>
           <a:extLst>
             <a:ext uri="{909E8E84-426E-40dd-AFC4-6F175D3DCCD1}">
-              <a14:hiddenFill xmlns:a14="http://schemas.microsoft.com/office/drawing/2010/main" xmlns="">
+              <a14:hiddenFill xmlns="" xmlns:a14="http://schemas.microsoft.com/office/drawing/2010/main">
                 <a:solidFill>
                   <a:srgbClr val="FFFFFF"/>
                 </a:solidFill>
@@ -4097,7 +4270,7 @@
             </a:ln>
             <a:extLst>
               <a:ext uri="{91240B29-F687-4f45-9708-019B960494DF}">
-                <a14:hiddenLine xmlns:a14="http://schemas.microsoft.com/office/drawing/2010/main" xmlns="" w="9525">
+                <a14:hiddenLine xmlns="" xmlns:a14="http://schemas.microsoft.com/office/drawing/2010/main" w="9525">
                   <a:solidFill>
                     <a:srgbClr val="000000"/>
                   </a:solidFill>
@@ -4187,7 +4360,7 @@
             </a:ln>
             <a:extLst>
               <a:ext uri="{91240B29-F687-4f45-9708-019B960494DF}">
-                <a14:hiddenLine xmlns:a14="http://schemas.microsoft.com/office/drawing/2010/main" xmlns="" w="9525">
+                <a14:hiddenLine xmlns="" xmlns:a14="http://schemas.microsoft.com/office/drawing/2010/main" w="9525">
                   <a:solidFill>
                     <a:srgbClr val="000000"/>
                   </a:solidFill>
@@ -4277,7 +4450,7 @@
             </a:ln>
             <a:extLst>
               <a:ext uri="{91240B29-F687-4f45-9708-019B960494DF}">
-                <a14:hiddenLine xmlns:a14="http://schemas.microsoft.com/office/drawing/2010/main" xmlns="" w="9525">
+                <a14:hiddenLine xmlns="" xmlns:a14="http://schemas.microsoft.com/office/drawing/2010/main" w="9525">
                   <a:solidFill>
                     <a:srgbClr val="000000"/>
                   </a:solidFill>
@@ -4311,7 +4484,7 @@
             </a:ln>
             <a:extLst>
               <a:ext uri="{91240B29-F687-4f45-9708-019B960494DF}">
-                <a14:hiddenLine xmlns:a14="http://schemas.microsoft.com/office/drawing/2010/main" xmlns="" w="9525">
+                <a14:hiddenLine xmlns="" xmlns:a14="http://schemas.microsoft.com/office/drawing/2010/main" w="9525">
                   <a:solidFill>
                     <a:srgbClr val="000000"/>
                   </a:solidFill>
@@ -4401,7 +4574,7 @@
             </a:ln>
             <a:extLst>
               <a:ext uri="{91240B29-F687-4f45-9708-019B960494DF}">
-                <a14:hiddenLine xmlns:a14="http://schemas.microsoft.com/office/drawing/2010/main" xmlns="" w="9525">
+                <a14:hiddenLine xmlns="" xmlns:a14="http://schemas.microsoft.com/office/drawing/2010/main" w="9525">
                   <a:solidFill>
                     <a:srgbClr val="000000"/>
                   </a:solidFill>
@@ -4463,7 +4636,7 @@
             </a:ln>
             <a:extLst>
               <a:ext uri="{91240B29-F687-4f45-9708-019B960494DF}">
-                <a14:hiddenLine xmlns:a14="http://schemas.microsoft.com/office/drawing/2010/main" xmlns="" w="9525">
+                <a14:hiddenLine xmlns="" xmlns:a14="http://schemas.microsoft.com/office/drawing/2010/main" w="9525">
                   <a:solidFill>
                     <a:srgbClr val="000000"/>
                   </a:solidFill>
@@ -4525,7 +4698,7 @@
             </a:ln>
             <a:extLst>
               <a:ext uri="{91240B29-F687-4f45-9708-019B960494DF}">
-                <a14:hiddenLine xmlns:a14="http://schemas.microsoft.com/office/drawing/2010/main" xmlns="" w="9525">
+                <a14:hiddenLine xmlns="" xmlns:a14="http://schemas.microsoft.com/office/drawing/2010/main" w="9525">
                   <a:solidFill>
                     <a:srgbClr val="000000"/>
                   </a:solidFill>
@@ -4615,7 +4788,7 @@
             </a:ln>
             <a:extLst>
               <a:ext uri="{91240B29-F687-4f45-9708-019B960494DF}">
-                <a14:hiddenLine xmlns:a14="http://schemas.microsoft.com/office/drawing/2010/main" xmlns="" w="9525">
+                <a14:hiddenLine xmlns="" xmlns:a14="http://schemas.microsoft.com/office/drawing/2010/main" w="9525">
                   <a:solidFill>
                     <a:srgbClr val="000000"/>
                   </a:solidFill>
@@ -4677,7 +4850,7 @@
             </a:ln>
             <a:extLst>
               <a:ext uri="{91240B29-F687-4f45-9708-019B960494DF}">
-                <a14:hiddenLine xmlns:a14="http://schemas.microsoft.com/office/drawing/2010/main" xmlns="" w="9525">
+                <a14:hiddenLine xmlns="" xmlns:a14="http://schemas.microsoft.com/office/drawing/2010/main" w="9525">
                   <a:solidFill>
                     <a:srgbClr val="000000"/>
                   </a:solidFill>
@@ -4739,7 +4912,7 @@
             </a:ln>
             <a:extLst>
               <a:ext uri="{91240B29-F687-4f45-9708-019B960494DF}">
-                <a14:hiddenLine xmlns:a14="http://schemas.microsoft.com/office/drawing/2010/main" xmlns="" w="9525">
+                <a14:hiddenLine xmlns="" xmlns:a14="http://schemas.microsoft.com/office/drawing/2010/main" w="9525">
                   <a:solidFill>
                     <a:srgbClr val="000000"/>
                   </a:solidFill>
@@ -4829,7 +5002,7 @@
             </a:ln>
             <a:extLst>
               <a:ext uri="{91240B29-F687-4f45-9708-019B960494DF}">
-                <a14:hiddenLine xmlns:a14="http://schemas.microsoft.com/office/drawing/2010/main" xmlns="" w="9525">
+                <a14:hiddenLine xmlns="" xmlns:a14="http://schemas.microsoft.com/office/drawing/2010/main" w="9525">
                   <a:solidFill>
                     <a:srgbClr val="000000"/>
                   </a:solidFill>
@@ -4919,7 +5092,7 @@
             </a:ln>
             <a:extLst>
               <a:ext uri="{91240B29-F687-4f45-9708-019B960494DF}">
-                <a14:hiddenLine xmlns:a14="http://schemas.microsoft.com/office/drawing/2010/main" xmlns="" w="9525">
+                <a14:hiddenLine xmlns="" xmlns:a14="http://schemas.microsoft.com/office/drawing/2010/main" w="9525">
                   <a:solidFill>
                     <a:srgbClr val="000000"/>
                   </a:solidFill>
@@ -4981,7 +5154,7 @@
             </a:ln>
             <a:extLst>
               <a:ext uri="{91240B29-F687-4f45-9708-019B960494DF}">
-                <a14:hiddenLine xmlns:a14="http://schemas.microsoft.com/office/drawing/2010/main" xmlns="" w="9525">
+                <a14:hiddenLine xmlns="" xmlns:a14="http://schemas.microsoft.com/office/drawing/2010/main" w="9525">
                   <a:solidFill>
                     <a:srgbClr val="000000"/>
                   </a:solidFill>
@@ -5091,7 +5264,7 @@
             </a:ln>
             <a:extLst>
               <a:ext uri="{91240B29-F687-4f45-9708-019B960494DF}">
-                <a14:hiddenLine xmlns:a14="http://schemas.microsoft.com/office/drawing/2010/main" xmlns="" w="9525">
+                <a14:hiddenLine xmlns="" xmlns:a14="http://schemas.microsoft.com/office/drawing/2010/main" w="9525">
                   <a:solidFill>
                     <a:srgbClr val="000000"/>
                   </a:solidFill>
@@ -5153,7 +5326,7 @@
             </a:ln>
             <a:extLst>
               <a:ext uri="{91240B29-F687-4f45-9708-019B960494DF}">
-                <a14:hiddenLine xmlns:a14="http://schemas.microsoft.com/office/drawing/2010/main" xmlns="" w="9525">
+                <a14:hiddenLine xmlns="" xmlns:a14="http://schemas.microsoft.com/office/drawing/2010/main" w="9525">
                   <a:solidFill>
                     <a:srgbClr val="000000"/>
                   </a:solidFill>
@@ -5243,7 +5416,7 @@
             </a:ln>
             <a:extLst>
               <a:ext uri="{91240B29-F687-4f45-9708-019B960494DF}">
-                <a14:hiddenLine xmlns:a14="http://schemas.microsoft.com/office/drawing/2010/main" xmlns="" w="9525">
+                <a14:hiddenLine xmlns="" xmlns:a14="http://schemas.microsoft.com/office/drawing/2010/main" w="9525">
                   <a:solidFill>
                     <a:srgbClr val="000000"/>
                   </a:solidFill>
@@ -5333,7 +5506,7 @@
             </a:ln>
             <a:extLst>
               <a:ext uri="{91240B29-F687-4f45-9708-019B960494DF}">
-                <a14:hiddenLine xmlns:a14="http://schemas.microsoft.com/office/drawing/2010/main" xmlns="" w="9525">
+                <a14:hiddenLine xmlns="" xmlns:a14="http://schemas.microsoft.com/office/drawing/2010/main" w="9525">
                   <a:solidFill>
                     <a:srgbClr val="000000"/>
                   </a:solidFill>
@@ -5395,7 +5568,7 @@
             </a:ln>
             <a:extLst>
               <a:ext uri="{91240B29-F687-4f45-9708-019B960494DF}">
-                <a14:hiddenLine xmlns:a14="http://schemas.microsoft.com/office/drawing/2010/main" xmlns="" w="9525">
+                <a14:hiddenLine xmlns="" xmlns:a14="http://schemas.microsoft.com/office/drawing/2010/main" w="9525">
                   <a:solidFill>
                     <a:srgbClr val="000000"/>
                   </a:solidFill>
@@ -5485,7 +5658,7 @@
             </a:ln>
             <a:extLst>
               <a:ext uri="{91240B29-F687-4f45-9708-019B960494DF}">
-                <a14:hiddenLine xmlns:a14="http://schemas.microsoft.com/office/drawing/2010/main" xmlns="" w="9525">
+                <a14:hiddenLine xmlns="" xmlns:a14="http://schemas.microsoft.com/office/drawing/2010/main" w="9525">
                   <a:solidFill>
                     <a:srgbClr val="000000"/>
                   </a:solidFill>
@@ -5575,7 +5748,7 @@
             </a:ln>
             <a:extLst>
               <a:ext uri="{91240B29-F687-4f45-9708-019B960494DF}">
-                <a14:hiddenLine xmlns:a14="http://schemas.microsoft.com/office/drawing/2010/main" xmlns="" w="9525">
+                <a14:hiddenLine xmlns="" xmlns:a14="http://schemas.microsoft.com/office/drawing/2010/main" w="9525">
                   <a:solidFill>
                     <a:srgbClr val="000000"/>
                   </a:solidFill>
@@ -5631,7 +5804,7 @@
             </a:ln>
             <a:extLst>
               <a:ext uri="{91240B29-F687-4f45-9708-019B960494DF}">
-                <a14:hiddenLine xmlns:a14="http://schemas.microsoft.com/office/drawing/2010/main" xmlns="" w="9525">
+                <a14:hiddenLine xmlns="" xmlns:a14="http://schemas.microsoft.com/office/drawing/2010/main" w="9525">
                   <a:solidFill>
                     <a:srgbClr val="000000"/>
                   </a:solidFill>
@@ -5721,7 +5894,7 @@
             </a:ln>
             <a:extLst>
               <a:ext uri="{91240B29-F687-4f45-9708-019B960494DF}">
-                <a14:hiddenLine xmlns:a14="http://schemas.microsoft.com/office/drawing/2010/main" xmlns="" w="9525">
+                <a14:hiddenLine xmlns="" xmlns:a14="http://schemas.microsoft.com/office/drawing/2010/main" w="9525">
                   <a:solidFill>
                     <a:srgbClr val="000000"/>
                   </a:solidFill>
@@ -5777,7 +5950,7 @@
             </a:ln>
             <a:extLst>
               <a:ext uri="{91240B29-F687-4f45-9708-019B960494DF}">
-                <a14:hiddenLine xmlns:a14="http://schemas.microsoft.com/office/drawing/2010/main" xmlns="" w="9525">
+                <a14:hiddenLine xmlns="" xmlns:a14="http://schemas.microsoft.com/office/drawing/2010/main" w="9525">
                   <a:solidFill>
                     <a:srgbClr val="000000"/>
                   </a:solidFill>
@@ -5867,7 +6040,7 @@
             </a:ln>
             <a:extLst>
               <a:ext uri="{91240B29-F687-4f45-9708-019B960494DF}">
-                <a14:hiddenLine xmlns:a14="http://schemas.microsoft.com/office/drawing/2010/main" xmlns="" w="9525">
+                <a14:hiddenLine xmlns="" xmlns:a14="http://schemas.microsoft.com/office/drawing/2010/main" w="9525">
                   <a:solidFill>
                     <a:srgbClr val="000000"/>
                   </a:solidFill>
@@ -5935,7 +6108,7 @@
             </a:ln>
             <a:extLst>
               <a:ext uri="{91240B29-F687-4f45-9708-019B960494DF}">
-                <a14:hiddenLine xmlns:a14="http://schemas.microsoft.com/office/drawing/2010/main" xmlns="" w="9525">
+                <a14:hiddenLine xmlns="" xmlns:a14="http://schemas.microsoft.com/office/drawing/2010/main" w="9525">
                   <a:solidFill>
                     <a:srgbClr val="000000"/>
                   </a:solidFill>
@@ -6025,7 +6198,7 @@
             </a:ln>
             <a:extLst>
               <a:ext uri="{91240B29-F687-4f45-9708-019B960494DF}">
-                <a14:hiddenLine xmlns:a14="http://schemas.microsoft.com/office/drawing/2010/main" xmlns="" w="9525">
+                <a14:hiddenLine xmlns="" xmlns:a14="http://schemas.microsoft.com/office/drawing/2010/main" w="9525">
                   <a:solidFill>
                     <a:srgbClr val="000000"/>
                   </a:solidFill>
@@ -6093,7 +6266,7 @@
             </a:ln>
             <a:extLst>
               <a:ext uri="{91240B29-F687-4f45-9708-019B960494DF}">
-                <a14:hiddenLine xmlns:a14="http://schemas.microsoft.com/office/drawing/2010/main" xmlns="" w="9525">
+                <a14:hiddenLine xmlns="" xmlns:a14="http://schemas.microsoft.com/office/drawing/2010/main" w="9525">
                   <a:solidFill>
                     <a:srgbClr val="000000"/>
                   </a:solidFill>
@@ -6183,7 +6356,7 @@
             </a:ln>
             <a:extLst>
               <a:ext uri="{91240B29-F687-4f45-9708-019B960494DF}">
-                <a14:hiddenLine xmlns:a14="http://schemas.microsoft.com/office/drawing/2010/main" xmlns="" w="9525">
+                <a14:hiddenLine xmlns="" xmlns:a14="http://schemas.microsoft.com/office/drawing/2010/main" w="9525">
                   <a:solidFill>
                     <a:srgbClr val="000000"/>
                   </a:solidFill>
@@ -6217,7 +6390,7 @@
             </a:ln>
             <a:extLst>
               <a:ext uri="{91240B29-F687-4f45-9708-019B960494DF}">
-                <a14:hiddenLine xmlns:a14="http://schemas.microsoft.com/office/drawing/2010/main" xmlns="" w="9525">
+                <a14:hiddenLine xmlns="" xmlns:a14="http://schemas.microsoft.com/office/drawing/2010/main" w="9525">
                   <a:solidFill>
                     <a:srgbClr val="000000"/>
                   </a:solidFill>
@@ -6307,7 +6480,7 @@
             </a:ln>
             <a:extLst>
               <a:ext uri="{91240B29-F687-4f45-9708-019B960494DF}">
-                <a14:hiddenLine xmlns:a14="http://schemas.microsoft.com/office/drawing/2010/main" xmlns="" w="9525">
+                <a14:hiddenLine xmlns="" xmlns:a14="http://schemas.microsoft.com/office/drawing/2010/main" w="9525">
                   <a:solidFill>
                     <a:srgbClr val="000000"/>
                   </a:solidFill>
@@ -6369,7 +6542,7 @@
             </a:ln>
             <a:extLst>
               <a:ext uri="{91240B29-F687-4f45-9708-019B960494DF}">
-                <a14:hiddenLine xmlns:a14="http://schemas.microsoft.com/office/drawing/2010/main" xmlns="" w="9525">
+                <a14:hiddenLine xmlns="" xmlns:a14="http://schemas.microsoft.com/office/drawing/2010/main" w="9525">
                   <a:solidFill>
                     <a:srgbClr val="000000"/>
                   </a:solidFill>
@@ -6431,7 +6604,7 @@
             </a:ln>
             <a:extLst>
               <a:ext uri="{91240B29-F687-4f45-9708-019B960494DF}">
-                <a14:hiddenLine xmlns:a14="http://schemas.microsoft.com/office/drawing/2010/main" xmlns="" w="9525">
+                <a14:hiddenLine xmlns="" xmlns:a14="http://schemas.microsoft.com/office/drawing/2010/main" w="9525">
                   <a:solidFill>
                     <a:srgbClr val="000000"/>
                   </a:solidFill>
@@ -6521,7 +6694,7 @@
             </a:ln>
             <a:extLst>
               <a:ext uri="{91240B29-F687-4f45-9708-019B960494DF}">
-                <a14:hiddenLine xmlns:a14="http://schemas.microsoft.com/office/drawing/2010/main" xmlns="" w="9525">
+                <a14:hiddenLine xmlns="" xmlns:a14="http://schemas.microsoft.com/office/drawing/2010/main" w="9525">
                   <a:solidFill>
                     <a:srgbClr val="000000"/>
                   </a:solidFill>
@@ -6589,7 +6762,7 @@
             </a:ln>
             <a:extLst>
               <a:ext uri="{91240B29-F687-4f45-9708-019B960494DF}">
-                <a14:hiddenLine xmlns:a14="http://schemas.microsoft.com/office/drawing/2010/main" xmlns="" w="9525">
+                <a14:hiddenLine xmlns="" xmlns:a14="http://schemas.microsoft.com/office/drawing/2010/main" w="9525">
                   <a:solidFill>
                     <a:srgbClr val="000000"/>
                   </a:solidFill>
@@ -6651,7 +6824,7 @@
             </a:ln>
             <a:extLst>
               <a:ext uri="{91240B29-F687-4f45-9708-019B960494DF}">
-                <a14:hiddenLine xmlns:a14="http://schemas.microsoft.com/office/drawing/2010/main" xmlns="" w="9525">
+                <a14:hiddenLine xmlns="" xmlns:a14="http://schemas.microsoft.com/office/drawing/2010/main" w="9525">
                   <a:solidFill>
                     <a:srgbClr val="000000"/>
                   </a:solidFill>
@@ -6741,7 +6914,7 @@
             </a:ln>
             <a:extLst>
               <a:ext uri="{91240B29-F687-4f45-9708-019B960494DF}">
-                <a14:hiddenLine xmlns:a14="http://schemas.microsoft.com/office/drawing/2010/main" xmlns="" w="9525">
+                <a14:hiddenLine xmlns="" xmlns:a14="http://schemas.microsoft.com/office/drawing/2010/main" w="9525">
                   <a:solidFill>
                     <a:srgbClr val="000000"/>
                   </a:solidFill>
@@ -6803,7 +6976,7 @@
             </a:ln>
             <a:extLst>
               <a:ext uri="{91240B29-F687-4f45-9708-019B960494DF}">
-                <a14:hiddenLine xmlns:a14="http://schemas.microsoft.com/office/drawing/2010/main" xmlns="" w="9525">
+                <a14:hiddenLine xmlns="" xmlns:a14="http://schemas.microsoft.com/office/drawing/2010/main" w="9525">
                   <a:solidFill>
                     <a:srgbClr val="000000"/>
                   </a:solidFill>
@@ -6893,7 +7066,7 @@
             </a:ln>
             <a:extLst>
               <a:ext uri="{91240B29-F687-4f45-9708-019B960494DF}">
-                <a14:hiddenLine xmlns:a14="http://schemas.microsoft.com/office/drawing/2010/main" xmlns="" w="9525">
+                <a14:hiddenLine xmlns="" xmlns:a14="http://schemas.microsoft.com/office/drawing/2010/main" w="9525">
                   <a:solidFill>
                     <a:srgbClr val="000000"/>
                   </a:solidFill>
@@ -6955,7 +7128,7 @@
             </a:ln>
             <a:extLst>
               <a:ext uri="{91240B29-F687-4f45-9708-019B960494DF}">
-                <a14:hiddenLine xmlns:a14="http://schemas.microsoft.com/office/drawing/2010/main" xmlns="" w="9525">
+                <a14:hiddenLine xmlns="" xmlns:a14="http://schemas.microsoft.com/office/drawing/2010/main" w="9525">
                   <a:solidFill>
                     <a:srgbClr val="000000"/>
                   </a:solidFill>
@@ -7045,7 +7218,7 @@
             </a:ln>
             <a:extLst>
               <a:ext uri="{91240B29-F687-4f45-9708-019B960494DF}">
-                <a14:hiddenLine xmlns:a14="http://schemas.microsoft.com/office/drawing/2010/main" xmlns="" w="9525">
+                <a14:hiddenLine xmlns="" xmlns:a14="http://schemas.microsoft.com/office/drawing/2010/main" w="9525">
                   <a:solidFill>
                     <a:srgbClr val="000000"/>
                   </a:solidFill>
@@ -7079,7 +7252,7 @@
             </a:ln>
             <a:extLst>
               <a:ext uri="{91240B29-F687-4f45-9708-019B960494DF}">
-                <a14:hiddenLine xmlns:a14="http://schemas.microsoft.com/office/drawing/2010/main" xmlns="" w="9525">
+                <a14:hiddenLine xmlns="" xmlns:a14="http://schemas.microsoft.com/office/drawing/2010/main" w="9525">
                   <a:solidFill>
                     <a:srgbClr val="000000"/>
                   </a:solidFill>
@@ -7144,7 +7317,7 @@
             </a:ln>
             <a:extLst>
               <a:ext uri="{91240B29-F687-4f45-9708-019B960494DF}">
-                <a14:hiddenLine xmlns:a14="http://schemas.microsoft.com/office/drawing/2010/main" xmlns="" w="9525">
+                <a14:hiddenLine xmlns="" xmlns:a14="http://schemas.microsoft.com/office/drawing/2010/main" w="9525">
                   <a:solidFill>
                     <a:srgbClr val="000000"/>
                   </a:solidFill>
@@ -7234,7 +7407,7 @@
             </a:ln>
             <a:extLst>
               <a:ext uri="{91240B29-F687-4f45-9708-019B960494DF}">
-                <a14:hiddenLine xmlns:a14="http://schemas.microsoft.com/office/drawing/2010/main" xmlns="" w="9525">
+                <a14:hiddenLine xmlns="" xmlns:a14="http://schemas.microsoft.com/office/drawing/2010/main" w="9525">
                   <a:solidFill>
                     <a:srgbClr val="000000"/>
                   </a:solidFill>
@@ -7296,7 +7469,7 @@
             </a:ln>
             <a:extLst>
               <a:ext uri="{91240B29-F687-4f45-9708-019B960494DF}">
-                <a14:hiddenLine xmlns:a14="http://schemas.microsoft.com/office/drawing/2010/main" xmlns="" w="9525">
+                <a14:hiddenLine xmlns="" xmlns:a14="http://schemas.microsoft.com/office/drawing/2010/main" w="9525">
                   <a:solidFill>
                     <a:srgbClr val="000000"/>
                   </a:solidFill>
@@ -7386,7 +7559,7 @@
             </a:ln>
             <a:extLst>
               <a:ext uri="{91240B29-F687-4f45-9708-019B960494DF}">
-                <a14:hiddenLine xmlns:a14="http://schemas.microsoft.com/office/drawing/2010/main" xmlns="" w="9525">
+                <a14:hiddenLine xmlns="" xmlns:a14="http://schemas.microsoft.com/office/drawing/2010/main" w="9525">
                   <a:solidFill>
                     <a:srgbClr val="000000"/>
                   </a:solidFill>
@@ -7476,7 +7649,7 @@
             </a:ln>
             <a:extLst>
               <a:ext uri="{91240B29-F687-4f45-9708-019B960494DF}">
-                <a14:hiddenLine xmlns:a14="http://schemas.microsoft.com/office/drawing/2010/main" xmlns="" w="9525">
+                <a14:hiddenLine xmlns="" xmlns:a14="http://schemas.microsoft.com/office/drawing/2010/main" w="9525">
                   <a:solidFill>
                     <a:srgbClr val="000000"/>
                   </a:solidFill>
@@ -7541,7 +7714,7 @@
             </a:ln>
             <a:extLst>
               <a:ext uri="{91240B29-F687-4f45-9708-019B960494DF}">
-                <a14:hiddenLine xmlns:a14="http://schemas.microsoft.com/office/drawing/2010/main" xmlns="" w="9525">
+                <a14:hiddenLine xmlns="" xmlns:a14="http://schemas.microsoft.com/office/drawing/2010/main" w="9525">
                   <a:solidFill>
                     <a:srgbClr val="000000"/>
                   </a:solidFill>
@@ -7603,7 +7776,7 @@
             </a:ln>
             <a:extLst>
               <a:ext uri="{91240B29-F687-4f45-9708-019B960494DF}">
-                <a14:hiddenLine xmlns:a14="http://schemas.microsoft.com/office/drawing/2010/main" xmlns="" w="9525">
+                <a14:hiddenLine xmlns="" xmlns:a14="http://schemas.microsoft.com/office/drawing/2010/main" w="9525">
                   <a:solidFill>
                     <a:srgbClr val="000000"/>
                   </a:solidFill>
@@ -7693,7 +7866,7 @@
             </a:ln>
             <a:extLst>
               <a:ext uri="{91240B29-F687-4f45-9708-019B960494DF}">
-                <a14:hiddenLine xmlns:a14="http://schemas.microsoft.com/office/drawing/2010/main" xmlns="" w="9525">
+                <a14:hiddenLine xmlns="" xmlns:a14="http://schemas.microsoft.com/office/drawing/2010/main" w="9525">
                   <a:solidFill>
                     <a:srgbClr val="000000"/>
                   </a:solidFill>
@@ -7783,7 +7956,7 @@
             </a:ln>
             <a:extLst>
               <a:ext uri="{91240B29-F687-4f45-9708-019B960494DF}">
-                <a14:hiddenLine xmlns:a14="http://schemas.microsoft.com/office/drawing/2010/main" xmlns="" w="9525">
+                <a14:hiddenLine xmlns="" xmlns:a14="http://schemas.microsoft.com/office/drawing/2010/main" w="9525">
                   <a:solidFill>
                     <a:srgbClr val="000000"/>
                   </a:solidFill>
@@ -7845,7 +8018,7 @@
             </a:ln>
             <a:extLst>
               <a:ext uri="{91240B29-F687-4f45-9708-019B960494DF}">
-                <a14:hiddenLine xmlns:a14="http://schemas.microsoft.com/office/drawing/2010/main" xmlns="" w="9525">
+                <a14:hiddenLine xmlns="" xmlns:a14="http://schemas.microsoft.com/office/drawing/2010/main" w="9525">
                   <a:solidFill>
                     <a:srgbClr val="000000"/>
                   </a:solidFill>
@@ -7965,7 +8138,7 @@
             </a:ln>
             <a:extLst>
               <a:ext uri="{91240B29-F687-4f45-9708-019B960494DF}">
-                <a14:hiddenLine xmlns:a14="http://schemas.microsoft.com/office/drawing/2010/main" xmlns="" w="9525">
+                <a14:hiddenLine xmlns="" xmlns:a14="http://schemas.microsoft.com/office/drawing/2010/main" w="9525">
                   <a:solidFill>
                     <a:srgbClr val="000000"/>
                   </a:solidFill>
@@ -8033,7 +8206,7 @@
             </a:ln>
             <a:extLst>
               <a:ext uri="{91240B29-F687-4f45-9708-019B960494DF}">
-                <a14:hiddenLine xmlns:a14="http://schemas.microsoft.com/office/drawing/2010/main" xmlns="" w="9525">
+                <a14:hiddenLine xmlns="" xmlns:a14="http://schemas.microsoft.com/office/drawing/2010/main" w="9525">
                   <a:solidFill>
                     <a:srgbClr val="000000"/>
                   </a:solidFill>
@@ -8123,7 +8296,7 @@
             </a:ln>
             <a:extLst>
               <a:ext uri="{91240B29-F687-4f45-9708-019B960494DF}">
-                <a14:hiddenLine xmlns:a14="http://schemas.microsoft.com/office/drawing/2010/main" xmlns="" w="9525">
+                <a14:hiddenLine xmlns="" xmlns:a14="http://schemas.microsoft.com/office/drawing/2010/main" w="9525">
                   <a:solidFill>
                     <a:srgbClr val="000000"/>
                   </a:solidFill>
@@ -12852,7 +13025,7 @@
           <a:noFill/>
           <a:extLst>
             <a:ext uri="{909E8E84-426E-40dd-AFC4-6F175D3DCCD1}">
-              <a14:hiddenFill xmlns:a14="http://schemas.microsoft.com/office/drawing/2010/main" xmlns="">
+              <a14:hiddenFill xmlns="" xmlns:a14="http://schemas.microsoft.com/office/drawing/2010/main">
                 <a:solidFill>
                   <a:srgbClr val="FFFFFF"/>
                 </a:solidFill>
@@ -12926,7 +13099,7 @@
               </a:ln>
               <a:extLst>
                 <a:ext uri="{91240B29-F687-4f45-9708-019B960494DF}">
-                  <a14:hiddenLine xmlns:a14="http://schemas.microsoft.com/office/drawing/2010/main" xmlns="" w="9525">
+                  <a14:hiddenLine xmlns="" xmlns:a14="http://schemas.microsoft.com/office/drawing/2010/main" w="9525">
                     <a:solidFill>
                       <a:srgbClr val="000000"/>
                     </a:solidFill>
@@ -13016,7 +13189,7 @@
               </a:ln>
               <a:extLst>
                 <a:ext uri="{91240B29-F687-4f45-9708-019B960494DF}">
-                  <a14:hiddenLine xmlns:a14="http://schemas.microsoft.com/office/drawing/2010/main" xmlns="" w="9525">
+                  <a14:hiddenLine xmlns="" xmlns:a14="http://schemas.microsoft.com/office/drawing/2010/main" w="9525">
                     <a:solidFill>
                       <a:srgbClr val="000000"/>
                     </a:solidFill>
@@ -13106,7 +13279,7 @@
               </a:ln>
               <a:extLst>
                 <a:ext uri="{91240B29-F687-4f45-9708-019B960494DF}">
-                  <a14:hiddenLine xmlns:a14="http://schemas.microsoft.com/office/drawing/2010/main" xmlns="" w="9525">
+                  <a14:hiddenLine xmlns="" xmlns:a14="http://schemas.microsoft.com/office/drawing/2010/main" w="9525">
                     <a:solidFill>
                       <a:srgbClr val="000000"/>
                     </a:solidFill>
@@ -13168,7 +13341,7 @@
               </a:ln>
               <a:extLst>
                 <a:ext uri="{91240B29-F687-4f45-9708-019B960494DF}">
-                  <a14:hiddenLine xmlns:a14="http://schemas.microsoft.com/office/drawing/2010/main" xmlns="" w="9525">
+                  <a14:hiddenLine xmlns="" xmlns:a14="http://schemas.microsoft.com/office/drawing/2010/main" w="9525">
                     <a:solidFill>
                       <a:srgbClr val="000000"/>
                     </a:solidFill>
@@ -13258,7 +13431,7 @@
               </a:ln>
               <a:extLst>
                 <a:ext uri="{91240B29-F687-4f45-9708-019B960494DF}">
-                  <a14:hiddenLine xmlns:a14="http://schemas.microsoft.com/office/drawing/2010/main" xmlns="" w="9525">
+                  <a14:hiddenLine xmlns="" xmlns:a14="http://schemas.microsoft.com/office/drawing/2010/main" w="9525">
                     <a:solidFill>
                       <a:srgbClr val="000000"/>
                     </a:solidFill>
@@ -13320,7 +13493,7 @@
               </a:ln>
               <a:extLst>
                 <a:ext uri="{91240B29-F687-4f45-9708-019B960494DF}">
-                  <a14:hiddenLine xmlns:a14="http://schemas.microsoft.com/office/drawing/2010/main" xmlns="" w="9525">
+                  <a14:hiddenLine xmlns="" xmlns:a14="http://schemas.microsoft.com/office/drawing/2010/main" w="9525">
                     <a:solidFill>
                       <a:srgbClr val="000000"/>
                     </a:solidFill>
@@ -13382,7 +13555,7 @@
               </a:ln>
               <a:extLst>
                 <a:ext uri="{91240B29-F687-4f45-9708-019B960494DF}">
-                  <a14:hiddenLine xmlns:a14="http://schemas.microsoft.com/office/drawing/2010/main" xmlns="" w="9525">
+                  <a14:hiddenLine xmlns="" xmlns:a14="http://schemas.microsoft.com/office/drawing/2010/main" w="9525">
                     <a:solidFill>
                       <a:srgbClr val="000000"/>
                     </a:solidFill>
@@ -13472,7 +13645,7 @@
               </a:ln>
               <a:extLst>
                 <a:ext uri="{91240B29-F687-4f45-9708-019B960494DF}">
-                  <a14:hiddenLine xmlns:a14="http://schemas.microsoft.com/office/drawing/2010/main" xmlns="" w="9525">
+                  <a14:hiddenLine xmlns="" xmlns:a14="http://schemas.microsoft.com/office/drawing/2010/main" w="9525">
                     <a:solidFill>
                       <a:srgbClr val="000000"/>
                     </a:solidFill>
@@ -13562,7 +13735,7 @@
               </a:ln>
               <a:extLst>
                 <a:ext uri="{91240B29-F687-4f45-9708-019B960494DF}">
-                  <a14:hiddenLine xmlns:a14="http://schemas.microsoft.com/office/drawing/2010/main" xmlns="" w="9525">
+                  <a14:hiddenLine xmlns="" xmlns:a14="http://schemas.microsoft.com/office/drawing/2010/main" w="9525">
                     <a:solidFill>
                       <a:srgbClr val="000000"/>
                     </a:solidFill>
@@ -13624,7 +13797,7 @@
               </a:ln>
               <a:extLst>
                 <a:ext uri="{91240B29-F687-4f45-9708-019B960494DF}">
-                  <a14:hiddenLine xmlns:a14="http://schemas.microsoft.com/office/drawing/2010/main" xmlns="" w="9525">
+                  <a14:hiddenLine xmlns="" xmlns:a14="http://schemas.microsoft.com/office/drawing/2010/main" w="9525">
                     <a:solidFill>
                       <a:srgbClr val="000000"/>
                     </a:solidFill>
@@ -13734,7 +13907,7 @@
               </a:ln>
               <a:extLst>
                 <a:ext uri="{91240B29-F687-4f45-9708-019B960494DF}">
-                  <a14:hiddenLine xmlns:a14="http://schemas.microsoft.com/office/drawing/2010/main" xmlns="" w="9525">
+                  <a14:hiddenLine xmlns="" xmlns:a14="http://schemas.microsoft.com/office/drawing/2010/main" w="9525">
                     <a:solidFill>
                       <a:srgbClr val="000000"/>
                     </a:solidFill>
@@ -13818,7 +13991,7 @@
               </a:ln>
               <a:extLst>
                 <a:ext uri="{91240B29-F687-4f45-9708-019B960494DF}">
-                  <a14:hiddenLine xmlns:a14="http://schemas.microsoft.com/office/drawing/2010/main" xmlns="" w="9525">
+                  <a14:hiddenLine xmlns="" xmlns:a14="http://schemas.microsoft.com/office/drawing/2010/main" w="9525">
                     <a:solidFill>
                       <a:srgbClr val="000000"/>
                     </a:solidFill>
@@ -13880,7 +14053,7 @@
               </a:ln>
               <a:extLst>
                 <a:ext uri="{91240B29-F687-4f45-9708-019B960494DF}">
-                  <a14:hiddenLine xmlns:a14="http://schemas.microsoft.com/office/drawing/2010/main" xmlns="" w="9525">
+                  <a14:hiddenLine xmlns="" xmlns:a14="http://schemas.microsoft.com/office/drawing/2010/main" w="9525">
                     <a:solidFill>
                       <a:srgbClr val="000000"/>
                     </a:solidFill>
@@ -13942,7 +14115,7 @@
               </a:ln>
               <a:extLst>
                 <a:ext uri="{91240B29-F687-4f45-9708-019B960494DF}">
-                  <a14:hiddenLine xmlns:a14="http://schemas.microsoft.com/office/drawing/2010/main" xmlns="" w="9525">
+                  <a14:hiddenLine xmlns="" xmlns:a14="http://schemas.microsoft.com/office/drawing/2010/main" w="9525">
                     <a:solidFill>
                       <a:srgbClr val="000000"/>
                     </a:solidFill>
@@ -14032,7 +14205,7 @@
               </a:ln>
               <a:extLst>
                 <a:ext uri="{91240B29-F687-4f45-9708-019B960494DF}">
-                  <a14:hiddenLine xmlns:a14="http://schemas.microsoft.com/office/drawing/2010/main" xmlns="" w="9525">
+                  <a14:hiddenLine xmlns="" xmlns:a14="http://schemas.microsoft.com/office/drawing/2010/main" w="9525">
                     <a:solidFill>
                       <a:srgbClr val="000000"/>
                     </a:solidFill>
@@ -14066,7 +14239,7 @@
               </a:ln>
               <a:extLst>
                 <a:ext uri="{91240B29-F687-4f45-9708-019B960494DF}">
-                  <a14:hiddenLine xmlns:a14="http://schemas.microsoft.com/office/drawing/2010/main" xmlns="" w="9525">
+                  <a14:hiddenLine xmlns="" xmlns:a14="http://schemas.microsoft.com/office/drawing/2010/main" w="9525">
                     <a:solidFill>
                       <a:srgbClr val="000000"/>
                     </a:solidFill>
@@ -14131,7 +14304,7 @@
               </a:ln>
               <a:extLst>
                 <a:ext uri="{91240B29-F687-4f45-9708-019B960494DF}">
-                  <a14:hiddenLine xmlns:a14="http://schemas.microsoft.com/office/drawing/2010/main" xmlns="" w="9525">
+                  <a14:hiddenLine xmlns="" xmlns:a14="http://schemas.microsoft.com/office/drawing/2010/main" w="9525">
                     <a:solidFill>
                       <a:srgbClr val="000000"/>
                     </a:solidFill>
@@ -14221,7 +14394,7 @@
               </a:ln>
               <a:extLst>
                 <a:ext uri="{91240B29-F687-4f45-9708-019B960494DF}">
-                  <a14:hiddenLine xmlns:a14="http://schemas.microsoft.com/office/drawing/2010/main" xmlns="" w="9525">
+                  <a14:hiddenLine xmlns="" xmlns:a14="http://schemas.microsoft.com/office/drawing/2010/main" w="9525">
                     <a:solidFill>
                       <a:srgbClr val="000000"/>
                     </a:solidFill>
@@ -14283,7 +14456,7 @@
               </a:ln>
               <a:extLst>
                 <a:ext uri="{91240B29-F687-4f45-9708-019B960494DF}">
-                  <a14:hiddenLine xmlns:a14="http://schemas.microsoft.com/office/drawing/2010/main" xmlns="" w="9525">
+                  <a14:hiddenLine xmlns="" xmlns:a14="http://schemas.microsoft.com/office/drawing/2010/main" w="9525">
                     <a:solidFill>
                       <a:srgbClr val="000000"/>
                     </a:solidFill>
@@ -14373,7 +14546,7 @@
               </a:ln>
               <a:extLst>
                 <a:ext uri="{91240B29-F687-4f45-9708-019B960494DF}">
-                  <a14:hiddenLine xmlns:a14="http://schemas.microsoft.com/office/drawing/2010/main" xmlns="" w="9525">
+                  <a14:hiddenLine xmlns="" xmlns:a14="http://schemas.microsoft.com/office/drawing/2010/main" w="9525">
                     <a:solidFill>
                       <a:srgbClr val="000000"/>
                     </a:solidFill>
@@ -14438,7 +14611,7 @@
               </a:ln>
               <a:extLst>
                 <a:ext uri="{91240B29-F687-4f45-9708-019B960494DF}">
-                  <a14:hiddenLine xmlns:a14="http://schemas.microsoft.com/office/drawing/2010/main" xmlns="" w="9525">
+                  <a14:hiddenLine xmlns="" xmlns:a14="http://schemas.microsoft.com/office/drawing/2010/main" w="9525">
                     <a:solidFill>
                       <a:srgbClr val="000000"/>
                     </a:solidFill>
@@ -14500,7 +14673,7 @@
               </a:ln>
               <a:extLst>
                 <a:ext uri="{91240B29-F687-4f45-9708-019B960494DF}">
-                  <a14:hiddenLine xmlns:a14="http://schemas.microsoft.com/office/drawing/2010/main" xmlns="" w="9525">
+                  <a14:hiddenLine xmlns="" xmlns:a14="http://schemas.microsoft.com/office/drawing/2010/main" w="9525">
                     <a:solidFill>
                       <a:srgbClr val="000000"/>
                     </a:solidFill>
@@ -14590,7 +14763,7 @@
               </a:ln>
               <a:extLst>
                 <a:ext uri="{91240B29-F687-4f45-9708-019B960494DF}">
-                  <a14:hiddenLine xmlns:a14="http://schemas.microsoft.com/office/drawing/2010/main" xmlns="" w="9525">
+                  <a14:hiddenLine xmlns="" xmlns:a14="http://schemas.microsoft.com/office/drawing/2010/main" w="9525">
                     <a:solidFill>
                       <a:srgbClr val="000000"/>
                     </a:solidFill>
@@ -14680,7 +14853,7 @@
               </a:ln>
               <a:extLst>
                 <a:ext uri="{91240B29-F687-4f45-9708-019B960494DF}">
-                  <a14:hiddenLine xmlns:a14="http://schemas.microsoft.com/office/drawing/2010/main" xmlns="" w="9525">
+                  <a14:hiddenLine xmlns="" xmlns:a14="http://schemas.microsoft.com/office/drawing/2010/main" w="9525">
                     <a:solidFill>
                       <a:srgbClr val="000000"/>
                     </a:solidFill>
@@ -14745,7 +14918,7 @@
               </a:ln>
               <a:extLst>
                 <a:ext uri="{91240B29-F687-4f45-9708-019B960494DF}">
-                  <a14:hiddenLine xmlns:a14="http://schemas.microsoft.com/office/drawing/2010/main" xmlns="" w="9525">
+                  <a14:hiddenLine xmlns="" xmlns:a14="http://schemas.microsoft.com/office/drawing/2010/main" w="9525">
                     <a:solidFill>
                       <a:srgbClr val="000000"/>
                     </a:solidFill>
@@ -14865,7 +15038,7 @@
               </a:ln>
               <a:extLst>
                 <a:ext uri="{91240B29-F687-4f45-9708-019B960494DF}">
-                  <a14:hiddenLine xmlns:a14="http://schemas.microsoft.com/office/drawing/2010/main" xmlns="" w="9525">
+                  <a14:hiddenLine xmlns="" xmlns:a14="http://schemas.microsoft.com/office/drawing/2010/main" w="9525">
                     <a:solidFill>
                       <a:srgbClr val="000000"/>
                     </a:solidFill>
@@ -14946,7 +15119,7 @@
               </a:ln>
               <a:extLst>
                 <a:ext uri="{91240B29-F687-4f45-9708-019B960494DF}">
-                  <a14:hiddenLine xmlns:a14="http://schemas.microsoft.com/office/drawing/2010/main" xmlns="" w="9525">
+                  <a14:hiddenLine xmlns="" xmlns:a14="http://schemas.microsoft.com/office/drawing/2010/main" w="9525">
                     <a:solidFill>
                       <a:srgbClr val="000000"/>
                     </a:solidFill>
@@ -15061,7 +15234,7 @@
               </a:ln>
               <a:extLst>
                 <a:ext uri="{91240B29-F687-4f45-9708-019B960494DF}">
-                  <a14:hiddenLine xmlns:a14="http://schemas.microsoft.com/office/drawing/2010/main" xmlns="" w="9525">
+                  <a14:hiddenLine xmlns="" xmlns:a14="http://schemas.microsoft.com/office/drawing/2010/main" w="9525">
                     <a:solidFill>
                       <a:srgbClr val="000000"/>
                     </a:solidFill>
@@ -15151,7 +15324,7 @@
               </a:ln>
               <a:extLst>
                 <a:ext uri="{91240B29-F687-4f45-9708-019B960494DF}">
-                  <a14:hiddenLine xmlns:a14="http://schemas.microsoft.com/office/drawing/2010/main" xmlns="" w="9525">
+                  <a14:hiddenLine xmlns="" xmlns:a14="http://schemas.microsoft.com/office/drawing/2010/main" w="9525">
                     <a:solidFill>
                       <a:srgbClr val="000000"/>
                     </a:solidFill>
@@ -15216,7 +15389,7 @@
               </a:ln>
               <a:extLst>
                 <a:ext uri="{91240B29-F687-4f45-9708-019B960494DF}">
-                  <a14:hiddenLine xmlns:a14="http://schemas.microsoft.com/office/drawing/2010/main" xmlns="" w="9525">
+                  <a14:hiddenLine xmlns="" xmlns:a14="http://schemas.microsoft.com/office/drawing/2010/main" w="9525">
                     <a:solidFill>
                       <a:srgbClr val="000000"/>
                     </a:solidFill>
@@ -15306,7 +15479,7 @@
               </a:ln>
               <a:extLst>
                 <a:ext uri="{91240B29-F687-4f45-9708-019B960494DF}">
-                  <a14:hiddenLine xmlns:a14="http://schemas.microsoft.com/office/drawing/2010/main" xmlns="" w="9525">
+                  <a14:hiddenLine xmlns="" xmlns:a14="http://schemas.microsoft.com/office/drawing/2010/main" w="9525">
                     <a:solidFill>
                       <a:srgbClr val="000000"/>
                     </a:solidFill>
@@ -15374,7 +15547,7 @@
               </a:ln>
               <a:extLst>
                 <a:ext uri="{91240B29-F687-4f45-9708-019B960494DF}">
-                  <a14:hiddenLine xmlns:a14="http://schemas.microsoft.com/office/drawing/2010/main" xmlns="" w="9525">
+                  <a14:hiddenLine xmlns="" xmlns:a14="http://schemas.microsoft.com/office/drawing/2010/main" w="9525">
                     <a:solidFill>
                       <a:srgbClr val="000000"/>
                     </a:solidFill>
@@ -15464,7 +15637,7 @@
               </a:ln>
               <a:extLst>
                 <a:ext uri="{91240B29-F687-4f45-9708-019B960494DF}">
-                  <a14:hiddenLine xmlns:a14="http://schemas.microsoft.com/office/drawing/2010/main" xmlns="" w="9525">
+                  <a14:hiddenLine xmlns="" xmlns:a14="http://schemas.microsoft.com/office/drawing/2010/main" w="9525">
                     <a:solidFill>
                       <a:srgbClr val="000000"/>
                     </a:solidFill>
@@ -15532,7 +15705,7 @@
               </a:ln>
               <a:extLst>
                 <a:ext uri="{91240B29-F687-4f45-9708-019B960494DF}">
-                  <a14:hiddenLine xmlns:a14="http://schemas.microsoft.com/office/drawing/2010/main" xmlns="" w="9525">
+                  <a14:hiddenLine xmlns="" xmlns:a14="http://schemas.microsoft.com/office/drawing/2010/main" w="9525">
                     <a:solidFill>
                       <a:srgbClr val="000000"/>
                     </a:solidFill>
@@ -15622,7 +15795,7 @@
               </a:ln>
               <a:extLst>
                 <a:ext uri="{91240B29-F687-4f45-9708-019B960494DF}">
-                  <a14:hiddenLine xmlns:a14="http://schemas.microsoft.com/office/drawing/2010/main" xmlns="" w="9525">
+                  <a14:hiddenLine xmlns="" xmlns:a14="http://schemas.microsoft.com/office/drawing/2010/main" w="9525">
                     <a:solidFill>
                       <a:srgbClr val="000000"/>
                     </a:solidFill>
@@ -15656,7 +15829,7 @@
               </a:ln>
               <a:extLst>
                 <a:ext uri="{91240B29-F687-4f45-9708-019B960494DF}">
-                  <a14:hiddenLine xmlns:a14="http://schemas.microsoft.com/office/drawing/2010/main" xmlns="" w="9525">
+                  <a14:hiddenLine xmlns="" xmlns:a14="http://schemas.microsoft.com/office/drawing/2010/main" w="9525">
                     <a:solidFill>
                       <a:srgbClr val="000000"/>
                     </a:solidFill>
@@ -26676,6 +26849,141 @@
           <a:p>
             <a:r>
               <a:rPr lang="de-CH" dirty="0" smtClean="0"/>
+              <a:t>Precision </a:t>
+            </a:r>
+            <a:r>
+              <a:rPr lang="de-CH" dirty="0" err="1" smtClean="0"/>
+              <a:t>and</a:t>
+            </a:r>
+            <a:r>
+              <a:rPr lang="de-CH" dirty="0" smtClean="0"/>
+              <a:t> Recall</a:t>
+            </a:r>
+            <a:endParaRPr lang="de-CH" dirty="0"/>
+          </a:p>
+        </p:txBody>
+      </p:sp>
+      <p:sp>
+        <p:nvSpPr>
+          <p:cNvPr id="3" name="Content Placeholder 2"/>
+          <p:cNvSpPr>
+            <a:spLocks noGrp="1"/>
+          </p:cNvSpPr>
+          <p:nvPr>
+            <p:ph idx="1"/>
+          </p:nvPr>
+        </p:nvSpPr>
+        <p:spPr/>
+        <p:txBody>
+          <a:bodyPr/>
+          <a:lstStyle/>
+          <a:p>
+            <a:endParaRPr lang="de-CH"/>
+          </a:p>
+        </p:txBody>
+      </p:sp>
+      <p:pic>
+        <p:nvPicPr>
+          <p:cNvPr id="4" name="Picture 3"/>
+          <p:cNvPicPr>
+            <a:picLocks noChangeAspect="1"/>
+          </p:cNvPicPr>
+          <p:nvPr/>
+        </p:nvPicPr>
+        <p:blipFill>
+          <a:blip r:embed="rId3"/>
+          <a:stretch>
+            <a:fillRect/>
+          </a:stretch>
+        </p:blipFill>
+        <p:spPr>
+          <a:xfrm>
+            <a:off x="1583867" y="1847067"/>
+            <a:ext cx="3247183" cy="4132778"/>
+          </a:xfrm>
+          <a:prstGeom prst="rect">
+            <a:avLst/>
+          </a:prstGeom>
+        </p:spPr>
+      </p:pic>
+      <p:pic>
+        <p:nvPicPr>
+          <p:cNvPr id="5" name="Picture 4"/>
+          <p:cNvPicPr>
+            <a:picLocks noChangeAspect="1"/>
+          </p:cNvPicPr>
+          <p:nvPr/>
+        </p:nvPicPr>
+        <p:blipFill>
+          <a:blip r:embed="rId4"/>
+          <a:stretch>
+            <a:fillRect/>
+          </a:stretch>
+        </p:blipFill>
+        <p:spPr>
+          <a:xfrm>
+            <a:off x="5704509" y="2346208"/>
+            <a:ext cx="4610134" cy="2904385"/>
+          </a:xfrm>
+          <a:prstGeom prst="rect">
+            <a:avLst/>
+          </a:prstGeom>
+        </p:spPr>
+      </p:pic>
+    </p:spTree>
+    <p:extLst>
+      <p:ext uri="{BB962C8B-B14F-4D97-AF65-F5344CB8AC3E}">
+        <p14:creationId xmlns:p14="http://schemas.microsoft.com/office/powerpoint/2010/main" val="1451013973"/>
+      </p:ext>
+    </p:extLst>
+  </p:cSld>
+  <p:clrMapOvr>
+    <a:masterClrMapping/>
+  </p:clrMapOvr>
+  <p:timing>
+    <p:tnLst>
+      <p:par>
+        <p:cTn id="1" dur="indefinite" restart="never" nodeType="tmRoot"/>
+      </p:par>
+    </p:tnLst>
+  </p:timing>
+</p:sld>
+</file>
+
+<file path=ppt/slides/slide35.xml><?xml version="1.0" encoding="utf-8"?>
+<p:sld xmlns:a="http://schemas.openxmlformats.org/drawingml/2006/main" xmlns:r="http://schemas.openxmlformats.org/officeDocument/2006/relationships" xmlns:p="http://schemas.openxmlformats.org/presentationml/2006/main">
+  <p:cSld>
+    <p:spTree>
+      <p:nvGrpSpPr>
+        <p:cNvPr id="1" name=""/>
+        <p:cNvGrpSpPr/>
+        <p:nvPr/>
+      </p:nvGrpSpPr>
+      <p:grpSpPr>
+        <a:xfrm>
+          <a:off x="0" y="0"/>
+          <a:ext cx="0" cy="0"/>
+          <a:chOff x="0" y="0"/>
+          <a:chExt cx="0" cy="0"/>
+        </a:xfrm>
+      </p:grpSpPr>
+      <p:sp>
+        <p:nvSpPr>
+          <p:cNvPr id="2" name="Title 1"/>
+          <p:cNvSpPr>
+            <a:spLocks noGrp="1"/>
+          </p:cNvSpPr>
+          <p:nvPr>
+            <p:ph type="title"/>
+          </p:nvPr>
+        </p:nvSpPr>
+        <p:spPr/>
+        <p:txBody>
+          <a:bodyPr/>
+          <a:lstStyle/>
+          <a:p>
+            <a:r>
+              <a:rPr lang="de-CH" dirty="0" smtClean="0"/>
               <a:t>Die 5 Fragen die ML beanworten kann </a:t>
             </a:r>
             <a:endParaRPr lang="de-CH" dirty="0"/>
@@ -26733,7 +27041,7 @@
 </p:sld>
 </file>
 
-<file path=ppt/slides/slide35.xml><?xml version="1.0" encoding="utf-8"?>
+<file path=ppt/slides/slide36.xml><?xml version="1.0" encoding="utf-8"?>
 <p:sld xmlns:a="http://schemas.openxmlformats.org/drawingml/2006/main" xmlns:r="http://schemas.openxmlformats.org/officeDocument/2006/relationships" xmlns:p="http://schemas.openxmlformats.org/presentationml/2006/main">
   <p:cSld>
     <p:spTree>
@@ -26874,7 +27182,7 @@
 </p:sld>
 </file>
 
-<file path=ppt/slides/slide36.xml><?xml version="1.0" encoding="utf-8"?>
+<file path=ppt/slides/slide37.xml><?xml version="1.0" encoding="utf-8"?>
 <p:sld xmlns:a="http://schemas.openxmlformats.org/drawingml/2006/main" xmlns:r="http://schemas.openxmlformats.org/officeDocument/2006/relationships" xmlns:p="http://schemas.openxmlformats.org/presentationml/2006/main">
   <p:cSld>
     <p:spTree>
@@ -27015,7 +27323,7 @@
 </p:sld>
 </file>
 
-<file path=ppt/slides/slide37.xml><?xml version="1.0" encoding="utf-8"?>
+<file path=ppt/slides/slide38.xml><?xml version="1.0" encoding="utf-8"?>
 <p:sld xmlns:a="http://schemas.openxmlformats.org/drawingml/2006/main" xmlns:r="http://schemas.openxmlformats.org/officeDocument/2006/relationships" xmlns:p="http://schemas.openxmlformats.org/presentationml/2006/main">
   <p:cSld>
     <p:spTree>
@@ -27112,155 +27420,6 @@
     <p:extLst>
       <p:ext uri="{BB962C8B-B14F-4D97-AF65-F5344CB8AC3E}">
         <p14:creationId xmlns:p14="http://schemas.microsoft.com/office/powerpoint/2010/main" val="3379649275"/>
-      </p:ext>
-    </p:extLst>
-  </p:cSld>
-  <p:clrMapOvr>
-    <a:masterClrMapping/>
-  </p:clrMapOvr>
-  <p:timing>
-    <p:tnLst>
-      <p:par>
-        <p:cTn id="1" dur="indefinite" restart="never" nodeType="tmRoot"/>
-      </p:par>
-    </p:tnLst>
-  </p:timing>
-</p:sld>
-</file>
-
-<file path=ppt/slides/slide38.xml><?xml version="1.0" encoding="utf-8"?>
-<p:sld xmlns:a="http://schemas.openxmlformats.org/drawingml/2006/main" xmlns:r="http://schemas.openxmlformats.org/officeDocument/2006/relationships" xmlns:p="http://schemas.openxmlformats.org/presentationml/2006/main">
-  <p:cSld>
-    <p:spTree>
-      <p:nvGrpSpPr>
-        <p:cNvPr id="1" name=""/>
-        <p:cNvGrpSpPr/>
-        <p:nvPr/>
-      </p:nvGrpSpPr>
-      <p:grpSpPr>
-        <a:xfrm>
-          <a:off x="0" y="0"/>
-          <a:ext cx="0" cy="0"/>
-          <a:chOff x="0" y="0"/>
-          <a:chExt cx="0" cy="0"/>
-        </a:xfrm>
-      </p:grpSpPr>
-      <p:sp>
-        <p:nvSpPr>
-          <p:cNvPr id="4" name="Title 3"/>
-          <p:cNvSpPr>
-            <a:spLocks noGrp="1"/>
-          </p:cNvSpPr>
-          <p:nvPr>
-            <p:ph type="title"/>
-          </p:nvPr>
-        </p:nvSpPr>
-        <p:spPr/>
-        <p:txBody>
-          <a:bodyPr/>
-          <a:lstStyle/>
-          <a:p>
-            <a:r>
-              <a:rPr lang="de-CH" dirty="0" smtClean="0"/>
-              <a:t>Ist das </a:t>
-            </a:r>
-            <a:br>
-              <a:rPr lang="de-CH" dirty="0" smtClean="0"/>
-            </a:br>
-            <a:r>
-              <a:rPr lang="de-CH" dirty="0" smtClean="0"/>
-              <a:t>seltsam?</a:t>
-            </a:r>
-            <a:endParaRPr lang="de-CH" dirty="0"/>
-          </a:p>
-        </p:txBody>
-      </p:sp>
-      <p:sp>
-        <p:nvSpPr>
-          <p:cNvPr id="6" name="Text Placeholder 5"/>
-          <p:cNvSpPr>
-            <a:spLocks noGrp="1"/>
-          </p:cNvSpPr>
-          <p:nvPr>
-            <p:ph type="body" sz="half" idx="2"/>
-          </p:nvPr>
-        </p:nvSpPr>
-        <p:spPr/>
-        <p:txBody>
-          <a:bodyPr/>
-          <a:lstStyle/>
-          <a:p>
-            <a:r>
-              <a:rPr lang="de-CH" dirty="0" err="1" smtClean="0"/>
-              <a:t>Anomaly</a:t>
-            </a:r>
-            <a:r>
-              <a:rPr lang="de-CH" dirty="0" smtClean="0"/>
-              <a:t> </a:t>
-            </a:r>
-            <a:r>
-              <a:rPr lang="de-CH" dirty="0" err="1" smtClean="0"/>
-              <a:t>detection</a:t>
-            </a:r>
-            <a:r>
-              <a:rPr lang="de-CH" dirty="0" smtClean="0"/>
-              <a:t> </a:t>
-            </a:r>
-            <a:r>
-              <a:rPr lang="de-CH" dirty="0" err="1" smtClean="0"/>
-              <a:t>algorithms</a:t>
-            </a:r>
-            <a:endParaRPr lang="de-CH" dirty="0"/>
-          </a:p>
-        </p:txBody>
-      </p:sp>
-      <p:sp>
-        <p:nvSpPr>
-          <p:cNvPr id="2" name="Content Placeholder 1"/>
-          <p:cNvSpPr>
-            <a:spLocks noGrp="1"/>
-          </p:cNvSpPr>
-          <p:nvPr>
-            <p:ph idx="1"/>
-          </p:nvPr>
-        </p:nvSpPr>
-        <p:spPr/>
-        <p:txBody>
-          <a:bodyPr/>
-          <a:lstStyle/>
-          <a:p>
-            <a:endParaRPr lang="de-CH"/>
-          </a:p>
-        </p:txBody>
-      </p:sp>
-      <p:pic>
-        <p:nvPicPr>
-          <p:cNvPr id="3" name="Picture 2"/>
-          <p:cNvPicPr>
-            <a:picLocks noChangeAspect="1"/>
-          </p:cNvPicPr>
-          <p:nvPr/>
-        </p:nvPicPr>
-        <p:blipFill>
-          <a:blip r:embed="rId2"/>
-          <a:stretch>
-            <a:fillRect/>
-          </a:stretch>
-        </p:blipFill>
-        <p:spPr>
-          <a:xfrm>
-            <a:off x="5224174" y="754081"/>
-            <a:ext cx="5510253" cy="5119725"/>
-          </a:xfrm>
-          <a:prstGeom prst="rect">
-            <a:avLst/>
-          </a:prstGeom>
-        </p:spPr>
-      </p:pic>
-    </p:spTree>
-    <p:extLst>
-      <p:ext uri="{BB962C8B-B14F-4D97-AF65-F5344CB8AC3E}">
-        <p14:creationId xmlns:p14="http://schemas.microsoft.com/office/powerpoint/2010/main" val="3727954938"/>
       </p:ext>
     </p:extLst>
   </p:cSld>
@@ -27311,7 +27470,14 @@
           <a:p>
             <a:r>
               <a:rPr lang="de-CH" dirty="0" smtClean="0"/>
-              <a:t>Was soll ich als nächste tun?</a:t>
+              <a:t>Ist das </a:t>
+            </a:r>
+            <a:br>
+              <a:rPr lang="de-CH" dirty="0" smtClean="0"/>
+            </a:br>
+            <a:r>
+              <a:rPr lang="de-CH" dirty="0" smtClean="0"/>
+              <a:t>seltsam?</a:t>
             </a:r>
             <a:endParaRPr lang="de-CH" dirty="0"/>
           </a:p>
@@ -27333,12 +27499,16 @@
           <a:lstStyle/>
           <a:p>
             <a:r>
+              <a:rPr lang="de-CH" dirty="0" err="1" smtClean="0"/>
+              <a:t>Anomaly</a:t>
+            </a:r>
+            <a:r>
               <a:rPr lang="de-CH" dirty="0" smtClean="0"/>
-              <a:t>Reinforcement </a:t>
+              <a:t> </a:t>
             </a:r>
             <a:r>
               <a:rPr lang="de-CH" dirty="0" err="1" smtClean="0"/>
-              <a:t>learning</a:t>
+              <a:t>detection</a:t>
             </a:r>
             <a:r>
               <a:rPr lang="de-CH" dirty="0" smtClean="0"/>
@@ -27371,10 +27541,34 @@
           </a:p>
         </p:txBody>
       </p:sp>
+      <p:pic>
+        <p:nvPicPr>
+          <p:cNvPr id="3" name="Picture 2"/>
+          <p:cNvPicPr>
+            <a:picLocks noChangeAspect="1"/>
+          </p:cNvPicPr>
+          <p:nvPr/>
+        </p:nvPicPr>
+        <p:blipFill>
+          <a:blip r:embed="rId2"/>
+          <a:stretch>
+            <a:fillRect/>
+          </a:stretch>
+        </p:blipFill>
+        <p:spPr>
+          <a:xfrm>
+            <a:off x="5224174" y="754081"/>
+            <a:ext cx="5510253" cy="5119725"/>
+          </a:xfrm>
+          <a:prstGeom prst="rect">
+            <a:avLst/>
+          </a:prstGeom>
+        </p:spPr>
+      </p:pic>
     </p:spTree>
     <p:extLst>
       <p:ext uri="{BB962C8B-B14F-4D97-AF65-F5344CB8AC3E}">
-        <p14:creationId xmlns:p14="http://schemas.microsoft.com/office/powerpoint/2010/main" val="2087689458"/>
+        <p14:creationId xmlns:p14="http://schemas.microsoft.com/office/powerpoint/2010/main" val="3727954938"/>
       </p:ext>
     </p:extLst>
   </p:cSld>
@@ -27526,6 +27720,120 @@
       </p:grpSpPr>
       <p:sp>
         <p:nvSpPr>
+          <p:cNvPr id="4" name="Title 3"/>
+          <p:cNvSpPr>
+            <a:spLocks noGrp="1"/>
+          </p:cNvSpPr>
+          <p:nvPr>
+            <p:ph type="title"/>
+          </p:nvPr>
+        </p:nvSpPr>
+        <p:spPr/>
+        <p:txBody>
+          <a:bodyPr/>
+          <a:lstStyle/>
+          <a:p>
+            <a:r>
+              <a:rPr lang="de-CH" dirty="0" smtClean="0"/>
+              <a:t>Was soll ich als nächste tun?</a:t>
+            </a:r>
+            <a:endParaRPr lang="de-CH" dirty="0"/>
+          </a:p>
+        </p:txBody>
+      </p:sp>
+      <p:sp>
+        <p:nvSpPr>
+          <p:cNvPr id="6" name="Text Placeholder 5"/>
+          <p:cNvSpPr>
+            <a:spLocks noGrp="1"/>
+          </p:cNvSpPr>
+          <p:nvPr>
+            <p:ph type="body" sz="half" idx="2"/>
+          </p:nvPr>
+        </p:nvSpPr>
+        <p:spPr/>
+        <p:txBody>
+          <a:bodyPr/>
+          <a:lstStyle/>
+          <a:p>
+            <a:r>
+              <a:rPr lang="de-CH" dirty="0" smtClean="0"/>
+              <a:t>Reinforcement </a:t>
+            </a:r>
+            <a:r>
+              <a:rPr lang="de-CH" dirty="0" err="1" smtClean="0"/>
+              <a:t>learning</a:t>
+            </a:r>
+            <a:r>
+              <a:rPr lang="de-CH" dirty="0" smtClean="0"/>
+              <a:t> </a:t>
+            </a:r>
+            <a:r>
+              <a:rPr lang="de-CH" dirty="0" err="1" smtClean="0"/>
+              <a:t>algorithms</a:t>
+            </a:r>
+            <a:endParaRPr lang="de-CH" dirty="0"/>
+          </a:p>
+        </p:txBody>
+      </p:sp>
+      <p:sp>
+        <p:nvSpPr>
+          <p:cNvPr id="2" name="Content Placeholder 1"/>
+          <p:cNvSpPr>
+            <a:spLocks noGrp="1"/>
+          </p:cNvSpPr>
+          <p:nvPr>
+            <p:ph idx="1"/>
+          </p:nvPr>
+        </p:nvSpPr>
+        <p:spPr/>
+        <p:txBody>
+          <a:bodyPr/>
+          <a:lstStyle/>
+          <a:p>
+            <a:endParaRPr lang="de-CH"/>
+          </a:p>
+        </p:txBody>
+      </p:sp>
+    </p:spTree>
+    <p:extLst>
+      <p:ext uri="{BB962C8B-B14F-4D97-AF65-F5344CB8AC3E}">
+        <p14:creationId xmlns:p14="http://schemas.microsoft.com/office/powerpoint/2010/main" val="2087689458"/>
+      </p:ext>
+    </p:extLst>
+  </p:cSld>
+  <p:clrMapOvr>
+    <a:masterClrMapping/>
+  </p:clrMapOvr>
+  <p:timing>
+    <p:tnLst>
+      <p:par>
+        <p:cTn id="1" dur="indefinite" restart="never" nodeType="tmRoot"/>
+      </p:par>
+    </p:tnLst>
+  </p:timing>
+</p:sld>
+</file>
+
+<file path=ppt/slides/slide41.xml><?xml version="1.0" encoding="utf-8"?>
+<p:sld xmlns:a="http://schemas.openxmlformats.org/drawingml/2006/main" xmlns:r="http://schemas.openxmlformats.org/officeDocument/2006/relationships" xmlns:p="http://schemas.openxmlformats.org/presentationml/2006/main">
+  <p:cSld>
+    <p:spTree>
+      <p:nvGrpSpPr>
+        <p:cNvPr id="1" name=""/>
+        <p:cNvGrpSpPr/>
+        <p:nvPr/>
+      </p:nvGrpSpPr>
+      <p:grpSpPr>
+        <a:xfrm>
+          <a:off x="0" y="0"/>
+          <a:ext cx="0" cy="0"/>
+          <a:chOff x="0" y="0"/>
+          <a:chExt cx="0" cy="0"/>
+        </a:xfrm>
+      </p:grpSpPr>
+      <p:sp>
+        <p:nvSpPr>
           <p:cNvPr id="2" name="Title 1"/>
           <p:cNvSpPr>
             <a:spLocks noGrp="1"/>
@@ -27668,7 +27976,7 @@
 </p:sld>
 </file>
 
-<file path=ppt/slides/slide41.xml><?xml version="1.0" encoding="utf-8"?>
+<file path=ppt/slides/slide42.xml><?xml version="1.0" encoding="utf-8"?>
 <p:sld xmlns:a="http://schemas.openxmlformats.org/drawingml/2006/main" xmlns:r="http://schemas.openxmlformats.org/officeDocument/2006/relationships" xmlns:p="http://schemas.openxmlformats.org/presentationml/2006/main">
   <p:cSld>
     <p:spTree>

--- a/presentation.pptx
+++ b/presentation.pptx
@@ -238,7 +238,7 @@
           <a:p>
             <a:fld id="{7C9032C8-5182-4818-BB2B-C6DBA1F28B4F}" type="datetimeFigureOut">
               <a:rPr lang="de-CH" smtClean="0"/>
-              <a:t>15.10.2017</a:t>
+              <a:t>16.10.2017</a:t>
             </a:fld>
             <a:endParaRPr lang="de-CH"/>
           </a:p>
@@ -3071,7 +3071,7 @@
               <a:t> </a:t>
             </a:r>
             <a:r>
-              <a:rPr lang="de-CH" baseline="0" smtClean="0"/>
+              <a:rPr lang="de-CH" baseline="0" dirty="0" err="1" smtClean="0"/>
               <a:t>Negativity</a:t>
             </a:r>
             <a:endParaRPr lang="de-CH" baseline="0" dirty="0" smtClean="0"/>
@@ -4211,7 +4211,7 @@
           <a:noFill/>
           <a:extLst>
             <a:ext uri="{909E8E84-426E-40dd-AFC4-6F175D3DCCD1}">
-              <a14:hiddenFill xmlns="" xmlns:a14="http://schemas.microsoft.com/office/drawing/2010/main">
+              <a14:hiddenFill xmlns:a14="http://schemas.microsoft.com/office/drawing/2010/main" xmlns="">
                 <a:solidFill>
                   <a:srgbClr val="FFFFFF"/>
                 </a:solidFill>
@@ -4270,7 +4270,7 @@
             </a:ln>
             <a:extLst>
               <a:ext uri="{91240B29-F687-4f45-9708-019B960494DF}">
-                <a14:hiddenLine xmlns="" xmlns:a14="http://schemas.microsoft.com/office/drawing/2010/main" w="9525">
+                <a14:hiddenLine xmlns:a14="http://schemas.microsoft.com/office/drawing/2010/main" xmlns="" w="9525">
                   <a:solidFill>
                     <a:srgbClr val="000000"/>
                   </a:solidFill>
@@ -4360,7 +4360,7 @@
             </a:ln>
             <a:extLst>
               <a:ext uri="{91240B29-F687-4f45-9708-019B960494DF}">
-                <a14:hiddenLine xmlns="" xmlns:a14="http://schemas.microsoft.com/office/drawing/2010/main" w="9525">
+                <a14:hiddenLine xmlns:a14="http://schemas.microsoft.com/office/drawing/2010/main" xmlns="" w="9525">
                   <a:solidFill>
                     <a:srgbClr val="000000"/>
                   </a:solidFill>
@@ -4450,7 +4450,7 @@
             </a:ln>
             <a:extLst>
               <a:ext uri="{91240B29-F687-4f45-9708-019B960494DF}">
-                <a14:hiddenLine xmlns="" xmlns:a14="http://schemas.microsoft.com/office/drawing/2010/main" w="9525">
+                <a14:hiddenLine xmlns:a14="http://schemas.microsoft.com/office/drawing/2010/main" xmlns="" w="9525">
                   <a:solidFill>
                     <a:srgbClr val="000000"/>
                   </a:solidFill>
@@ -4484,7 +4484,7 @@
             </a:ln>
             <a:extLst>
               <a:ext uri="{91240B29-F687-4f45-9708-019B960494DF}">
-                <a14:hiddenLine xmlns="" xmlns:a14="http://schemas.microsoft.com/office/drawing/2010/main" w="9525">
+                <a14:hiddenLine xmlns:a14="http://schemas.microsoft.com/office/drawing/2010/main" xmlns="" w="9525">
                   <a:solidFill>
                     <a:srgbClr val="000000"/>
                   </a:solidFill>
@@ -4574,7 +4574,7 @@
             </a:ln>
             <a:extLst>
               <a:ext uri="{91240B29-F687-4f45-9708-019B960494DF}">
-                <a14:hiddenLine xmlns="" xmlns:a14="http://schemas.microsoft.com/office/drawing/2010/main" w="9525">
+                <a14:hiddenLine xmlns:a14="http://schemas.microsoft.com/office/drawing/2010/main" xmlns="" w="9525">
                   <a:solidFill>
                     <a:srgbClr val="000000"/>
                   </a:solidFill>
@@ -4636,7 +4636,7 @@
             </a:ln>
             <a:extLst>
               <a:ext uri="{91240B29-F687-4f45-9708-019B960494DF}">
-                <a14:hiddenLine xmlns="" xmlns:a14="http://schemas.microsoft.com/office/drawing/2010/main" w="9525">
+                <a14:hiddenLine xmlns:a14="http://schemas.microsoft.com/office/drawing/2010/main" xmlns="" w="9525">
                   <a:solidFill>
                     <a:srgbClr val="000000"/>
                   </a:solidFill>
@@ -4698,7 +4698,7 @@
             </a:ln>
             <a:extLst>
               <a:ext uri="{91240B29-F687-4f45-9708-019B960494DF}">
-                <a14:hiddenLine xmlns="" xmlns:a14="http://schemas.microsoft.com/office/drawing/2010/main" w="9525">
+                <a14:hiddenLine xmlns:a14="http://schemas.microsoft.com/office/drawing/2010/main" xmlns="" w="9525">
                   <a:solidFill>
                     <a:srgbClr val="000000"/>
                   </a:solidFill>
@@ -4788,7 +4788,7 @@
             </a:ln>
             <a:extLst>
               <a:ext uri="{91240B29-F687-4f45-9708-019B960494DF}">
-                <a14:hiddenLine xmlns="" xmlns:a14="http://schemas.microsoft.com/office/drawing/2010/main" w="9525">
+                <a14:hiddenLine xmlns:a14="http://schemas.microsoft.com/office/drawing/2010/main" xmlns="" w="9525">
                   <a:solidFill>
                     <a:srgbClr val="000000"/>
                   </a:solidFill>
@@ -4850,7 +4850,7 @@
             </a:ln>
             <a:extLst>
               <a:ext uri="{91240B29-F687-4f45-9708-019B960494DF}">
-                <a14:hiddenLine xmlns="" xmlns:a14="http://schemas.microsoft.com/office/drawing/2010/main" w="9525">
+                <a14:hiddenLine xmlns:a14="http://schemas.microsoft.com/office/drawing/2010/main" xmlns="" w="9525">
                   <a:solidFill>
                     <a:srgbClr val="000000"/>
                   </a:solidFill>
@@ -4912,7 +4912,7 @@
             </a:ln>
             <a:extLst>
               <a:ext uri="{91240B29-F687-4f45-9708-019B960494DF}">
-                <a14:hiddenLine xmlns="" xmlns:a14="http://schemas.microsoft.com/office/drawing/2010/main" w="9525">
+                <a14:hiddenLine xmlns:a14="http://schemas.microsoft.com/office/drawing/2010/main" xmlns="" w="9525">
                   <a:solidFill>
                     <a:srgbClr val="000000"/>
                   </a:solidFill>
@@ -5002,7 +5002,7 @@
             </a:ln>
             <a:extLst>
               <a:ext uri="{91240B29-F687-4f45-9708-019B960494DF}">
-                <a14:hiddenLine xmlns="" xmlns:a14="http://schemas.microsoft.com/office/drawing/2010/main" w="9525">
+                <a14:hiddenLine xmlns:a14="http://schemas.microsoft.com/office/drawing/2010/main" xmlns="" w="9525">
                   <a:solidFill>
                     <a:srgbClr val="000000"/>
                   </a:solidFill>
@@ -5092,7 +5092,7 @@
             </a:ln>
             <a:extLst>
               <a:ext uri="{91240B29-F687-4f45-9708-019B960494DF}">
-                <a14:hiddenLine xmlns="" xmlns:a14="http://schemas.microsoft.com/office/drawing/2010/main" w="9525">
+                <a14:hiddenLine xmlns:a14="http://schemas.microsoft.com/office/drawing/2010/main" xmlns="" w="9525">
                   <a:solidFill>
                     <a:srgbClr val="000000"/>
                   </a:solidFill>
@@ -5154,7 +5154,7 @@
             </a:ln>
             <a:extLst>
               <a:ext uri="{91240B29-F687-4f45-9708-019B960494DF}">
-                <a14:hiddenLine xmlns="" xmlns:a14="http://schemas.microsoft.com/office/drawing/2010/main" w="9525">
+                <a14:hiddenLine xmlns:a14="http://schemas.microsoft.com/office/drawing/2010/main" xmlns="" w="9525">
                   <a:solidFill>
                     <a:srgbClr val="000000"/>
                   </a:solidFill>
@@ -5264,7 +5264,7 @@
             </a:ln>
             <a:extLst>
               <a:ext uri="{91240B29-F687-4f45-9708-019B960494DF}">
-                <a14:hiddenLine xmlns="" xmlns:a14="http://schemas.microsoft.com/office/drawing/2010/main" w="9525">
+                <a14:hiddenLine xmlns:a14="http://schemas.microsoft.com/office/drawing/2010/main" xmlns="" w="9525">
                   <a:solidFill>
                     <a:srgbClr val="000000"/>
                   </a:solidFill>
@@ -5326,7 +5326,7 @@
             </a:ln>
             <a:extLst>
               <a:ext uri="{91240B29-F687-4f45-9708-019B960494DF}">
-                <a14:hiddenLine xmlns="" xmlns:a14="http://schemas.microsoft.com/office/drawing/2010/main" w="9525">
+                <a14:hiddenLine xmlns:a14="http://schemas.microsoft.com/office/drawing/2010/main" xmlns="" w="9525">
                   <a:solidFill>
                     <a:srgbClr val="000000"/>
                   </a:solidFill>
@@ -5416,7 +5416,7 @@
             </a:ln>
             <a:extLst>
               <a:ext uri="{91240B29-F687-4f45-9708-019B960494DF}">
-                <a14:hiddenLine xmlns="" xmlns:a14="http://schemas.microsoft.com/office/drawing/2010/main" w="9525">
+                <a14:hiddenLine xmlns:a14="http://schemas.microsoft.com/office/drawing/2010/main" xmlns="" w="9525">
                   <a:solidFill>
                     <a:srgbClr val="000000"/>
                   </a:solidFill>
@@ -5506,7 +5506,7 @@
             </a:ln>
             <a:extLst>
               <a:ext uri="{91240B29-F687-4f45-9708-019B960494DF}">
-                <a14:hiddenLine xmlns="" xmlns:a14="http://schemas.microsoft.com/office/drawing/2010/main" w="9525">
+                <a14:hiddenLine xmlns:a14="http://schemas.microsoft.com/office/drawing/2010/main" xmlns="" w="9525">
                   <a:solidFill>
                     <a:srgbClr val="000000"/>
                   </a:solidFill>
@@ -5568,7 +5568,7 @@
             </a:ln>
             <a:extLst>
               <a:ext uri="{91240B29-F687-4f45-9708-019B960494DF}">
-                <a14:hiddenLine xmlns="" xmlns:a14="http://schemas.microsoft.com/office/drawing/2010/main" w="9525">
+                <a14:hiddenLine xmlns:a14="http://schemas.microsoft.com/office/drawing/2010/main" xmlns="" w="9525">
                   <a:solidFill>
                     <a:srgbClr val="000000"/>
                   </a:solidFill>
@@ -5658,7 +5658,7 @@
             </a:ln>
             <a:extLst>
               <a:ext uri="{91240B29-F687-4f45-9708-019B960494DF}">
-                <a14:hiddenLine xmlns="" xmlns:a14="http://schemas.microsoft.com/office/drawing/2010/main" w="9525">
+                <a14:hiddenLine xmlns:a14="http://schemas.microsoft.com/office/drawing/2010/main" xmlns="" w="9525">
                   <a:solidFill>
                     <a:srgbClr val="000000"/>
                   </a:solidFill>
@@ -5748,7 +5748,7 @@
             </a:ln>
             <a:extLst>
               <a:ext uri="{91240B29-F687-4f45-9708-019B960494DF}">
-                <a14:hiddenLine xmlns="" xmlns:a14="http://schemas.microsoft.com/office/drawing/2010/main" w="9525">
+                <a14:hiddenLine xmlns:a14="http://schemas.microsoft.com/office/drawing/2010/main" xmlns="" w="9525">
                   <a:solidFill>
                     <a:srgbClr val="000000"/>
                   </a:solidFill>
@@ -5804,7 +5804,7 @@
             </a:ln>
             <a:extLst>
               <a:ext uri="{91240B29-F687-4f45-9708-019B960494DF}">
-                <a14:hiddenLine xmlns="" xmlns:a14="http://schemas.microsoft.com/office/drawing/2010/main" w="9525">
+                <a14:hiddenLine xmlns:a14="http://schemas.microsoft.com/office/drawing/2010/main" xmlns="" w="9525">
                   <a:solidFill>
                     <a:srgbClr val="000000"/>
                   </a:solidFill>
@@ -5894,7 +5894,7 @@
             </a:ln>
             <a:extLst>
               <a:ext uri="{91240B29-F687-4f45-9708-019B960494DF}">
-                <a14:hiddenLine xmlns="" xmlns:a14="http://schemas.microsoft.com/office/drawing/2010/main" w="9525">
+                <a14:hiddenLine xmlns:a14="http://schemas.microsoft.com/office/drawing/2010/main" xmlns="" w="9525">
                   <a:solidFill>
                     <a:srgbClr val="000000"/>
                   </a:solidFill>
@@ -5950,7 +5950,7 @@
             </a:ln>
             <a:extLst>
               <a:ext uri="{91240B29-F687-4f45-9708-019B960494DF}">
-                <a14:hiddenLine xmlns="" xmlns:a14="http://schemas.microsoft.com/office/drawing/2010/main" w="9525">
+                <a14:hiddenLine xmlns:a14="http://schemas.microsoft.com/office/drawing/2010/main" xmlns="" w="9525">
                   <a:solidFill>
                     <a:srgbClr val="000000"/>
                   </a:solidFill>
@@ -6040,7 +6040,7 @@
             </a:ln>
             <a:extLst>
               <a:ext uri="{91240B29-F687-4f45-9708-019B960494DF}">
-                <a14:hiddenLine xmlns="" xmlns:a14="http://schemas.microsoft.com/office/drawing/2010/main" w="9525">
+                <a14:hiddenLine xmlns:a14="http://schemas.microsoft.com/office/drawing/2010/main" xmlns="" w="9525">
                   <a:solidFill>
                     <a:srgbClr val="000000"/>
                   </a:solidFill>
@@ -6108,7 +6108,7 @@
             </a:ln>
             <a:extLst>
               <a:ext uri="{91240B29-F687-4f45-9708-019B960494DF}">
-                <a14:hiddenLine xmlns="" xmlns:a14="http://schemas.microsoft.com/office/drawing/2010/main" w="9525">
+                <a14:hiddenLine xmlns:a14="http://schemas.microsoft.com/office/drawing/2010/main" xmlns="" w="9525">
                   <a:solidFill>
                     <a:srgbClr val="000000"/>
                   </a:solidFill>
@@ -6198,7 +6198,7 @@
             </a:ln>
             <a:extLst>
               <a:ext uri="{91240B29-F687-4f45-9708-019B960494DF}">
-                <a14:hiddenLine xmlns="" xmlns:a14="http://schemas.microsoft.com/office/drawing/2010/main" w="9525">
+                <a14:hiddenLine xmlns:a14="http://schemas.microsoft.com/office/drawing/2010/main" xmlns="" w="9525">
                   <a:solidFill>
                     <a:srgbClr val="000000"/>
                   </a:solidFill>
@@ -6266,7 +6266,7 @@
             </a:ln>
             <a:extLst>
               <a:ext uri="{91240B29-F687-4f45-9708-019B960494DF}">
-                <a14:hiddenLine xmlns="" xmlns:a14="http://schemas.microsoft.com/office/drawing/2010/main" w="9525">
+                <a14:hiddenLine xmlns:a14="http://schemas.microsoft.com/office/drawing/2010/main" xmlns="" w="9525">
                   <a:solidFill>
                     <a:srgbClr val="000000"/>
                   </a:solidFill>
@@ -6356,7 +6356,7 @@
             </a:ln>
             <a:extLst>
               <a:ext uri="{91240B29-F687-4f45-9708-019B960494DF}">
-                <a14:hiddenLine xmlns="" xmlns:a14="http://schemas.microsoft.com/office/drawing/2010/main" w="9525">
+                <a14:hiddenLine xmlns:a14="http://schemas.microsoft.com/office/drawing/2010/main" xmlns="" w="9525">
                   <a:solidFill>
                     <a:srgbClr val="000000"/>
                   </a:solidFill>
@@ -6390,7 +6390,7 @@
             </a:ln>
             <a:extLst>
               <a:ext uri="{91240B29-F687-4f45-9708-019B960494DF}">
-                <a14:hiddenLine xmlns="" xmlns:a14="http://schemas.microsoft.com/office/drawing/2010/main" w="9525">
+                <a14:hiddenLine xmlns:a14="http://schemas.microsoft.com/office/drawing/2010/main" xmlns="" w="9525">
                   <a:solidFill>
                     <a:srgbClr val="000000"/>
                   </a:solidFill>
@@ -6480,7 +6480,7 @@
             </a:ln>
             <a:extLst>
               <a:ext uri="{91240B29-F687-4f45-9708-019B960494DF}">
-                <a14:hiddenLine xmlns="" xmlns:a14="http://schemas.microsoft.com/office/drawing/2010/main" w="9525">
+                <a14:hiddenLine xmlns:a14="http://schemas.microsoft.com/office/drawing/2010/main" xmlns="" w="9525">
                   <a:solidFill>
                     <a:srgbClr val="000000"/>
                   </a:solidFill>
@@ -6542,7 +6542,7 @@
             </a:ln>
             <a:extLst>
               <a:ext uri="{91240B29-F687-4f45-9708-019B960494DF}">
-                <a14:hiddenLine xmlns="" xmlns:a14="http://schemas.microsoft.com/office/drawing/2010/main" w="9525">
+                <a14:hiddenLine xmlns:a14="http://schemas.microsoft.com/office/drawing/2010/main" xmlns="" w="9525">
                   <a:solidFill>
                     <a:srgbClr val="000000"/>
                   </a:solidFill>
@@ -6604,7 +6604,7 @@
             </a:ln>
             <a:extLst>
               <a:ext uri="{91240B29-F687-4f45-9708-019B960494DF}">
-                <a14:hiddenLine xmlns="" xmlns:a14="http://schemas.microsoft.com/office/drawing/2010/main" w="9525">
+                <a14:hiddenLine xmlns:a14="http://schemas.microsoft.com/office/drawing/2010/main" xmlns="" w="9525">
                   <a:solidFill>
                     <a:srgbClr val="000000"/>
                   </a:solidFill>
@@ -6694,7 +6694,7 @@
             </a:ln>
             <a:extLst>
               <a:ext uri="{91240B29-F687-4f45-9708-019B960494DF}">
-                <a14:hiddenLine xmlns="" xmlns:a14="http://schemas.microsoft.com/office/drawing/2010/main" w="9525">
+                <a14:hiddenLine xmlns:a14="http://schemas.microsoft.com/office/drawing/2010/main" xmlns="" w="9525">
                   <a:solidFill>
                     <a:srgbClr val="000000"/>
                   </a:solidFill>
@@ -6762,7 +6762,7 @@
             </a:ln>
             <a:extLst>
               <a:ext uri="{91240B29-F687-4f45-9708-019B960494DF}">
-                <a14:hiddenLine xmlns="" xmlns:a14="http://schemas.microsoft.com/office/drawing/2010/main" w="9525">
+                <a14:hiddenLine xmlns:a14="http://schemas.microsoft.com/office/drawing/2010/main" xmlns="" w="9525">
                   <a:solidFill>
                     <a:srgbClr val="000000"/>
                   </a:solidFill>
@@ -6824,7 +6824,7 @@
             </a:ln>
             <a:extLst>
               <a:ext uri="{91240B29-F687-4f45-9708-019B960494DF}">
-                <a14:hiddenLine xmlns="" xmlns:a14="http://schemas.microsoft.com/office/drawing/2010/main" w="9525">
+                <a14:hiddenLine xmlns:a14="http://schemas.microsoft.com/office/drawing/2010/main" xmlns="" w="9525">
                   <a:solidFill>
                     <a:srgbClr val="000000"/>
                   </a:solidFill>
@@ -6914,7 +6914,7 @@
             </a:ln>
             <a:extLst>
               <a:ext uri="{91240B29-F687-4f45-9708-019B960494DF}">
-                <a14:hiddenLine xmlns="" xmlns:a14="http://schemas.microsoft.com/office/drawing/2010/main" w="9525">
+                <a14:hiddenLine xmlns:a14="http://schemas.microsoft.com/office/drawing/2010/main" xmlns="" w="9525">
                   <a:solidFill>
                     <a:srgbClr val="000000"/>
                   </a:solidFill>
@@ -6976,7 +6976,7 @@
             </a:ln>
             <a:extLst>
               <a:ext uri="{91240B29-F687-4f45-9708-019B960494DF}">
-                <a14:hiddenLine xmlns="" xmlns:a14="http://schemas.microsoft.com/office/drawing/2010/main" w="9525">
+                <a14:hiddenLine xmlns:a14="http://schemas.microsoft.com/office/drawing/2010/main" xmlns="" w="9525">
                   <a:solidFill>
                     <a:srgbClr val="000000"/>
                   </a:solidFill>
@@ -7066,7 +7066,7 @@
             </a:ln>
             <a:extLst>
               <a:ext uri="{91240B29-F687-4f45-9708-019B960494DF}">
-                <a14:hiddenLine xmlns="" xmlns:a14="http://schemas.microsoft.com/office/drawing/2010/main" w="9525">
+                <a14:hiddenLine xmlns:a14="http://schemas.microsoft.com/office/drawing/2010/main" xmlns="" w="9525">
                   <a:solidFill>
                     <a:srgbClr val="000000"/>
                   </a:solidFill>
@@ -7128,7 +7128,7 @@
             </a:ln>
             <a:extLst>
               <a:ext uri="{91240B29-F687-4f45-9708-019B960494DF}">
-                <a14:hiddenLine xmlns="" xmlns:a14="http://schemas.microsoft.com/office/drawing/2010/main" w="9525">
+                <a14:hiddenLine xmlns:a14="http://schemas.microsoft.com/office/drawing/2010/main" xmlns="" w="9525">
                   <a:solidFill>
                     <a:srgbClr val="000000"/>
                   </a:solidFill>
@@ -7218,7 +7218,7 @@
             </a:ln>
             <a:extLst>
               <a:ext uri="{91240B29-F687-4f45-9708-019B960494DF}">
-                <a14:hiddenLine xmlns="" xmlns:a14="http://schemas.microsoft.com/office/drawing/2010/main" w="9525">
+                <a14:hiddenLine xmlns:a14="http://schemas.microsoft.com/office/drawing/2010/main" xmlns="" w="9525">
                   <a:solidFill>
                     <a:srgbClr val="000000"/>
                   </a:solidFill>
@@ -7252,7 +7252,7 @@
             </a:ln>
             <a:extLst>
               <a:ext uri="{91240B29-F687-4f45-9708-019B960494DF}">
-                <a14:hiddenLine xmlns="" xmlns:a14="http://schemas.microsoft.com/office/drawing/2010/main" w="9525">
+                <a14:hiddenLine xmlns:a14="http://schemas.microsoft.com/office/drawing/2010/main" xmlns="" w="9525">
                   <a:solidFill>
                     <a:srgbClr val="000000"/>
                   </a:solidFill>
@@ -7317,7 +7317,7 @@
             </a:ln>
             <a:extLst>
               <a:ext uri="{91240B29-F687-4f45-9708-019B960494DF}">
-                <a14:hiddenLine xmlns="" xmlns:a14="http://schemas.microsoft.com/office/drawing/2010/main" w="9525">
+                <a14:hiddenLine xmlns:a14="http://schemas.microsoft.com/office/drawing/2010/main" xmlns="" w="9525">
                   <a:solidFill>
                     <a:srgbClr val="000000"/>
                   </a:solidFill>
@@ -7407,7 +7407,7 @@
             </a:ln>
             <a:extLst>
               <a:ext uri="{91240B29-F687-4f45-9708-019B960494DF}">
-                <a14:hiddenLine xmlns="" xmlns:a14="http://schemas.microsoft.com/office/drawing/2010/main" w="9525">
+                <a14:hiddenLine xmlns:a14="http://schemas.microsoft.com/office/drawing/2010/main" xmlns="" w="9525">
                   <a:solidFill>
                     <a:srgbClr val="000000"/>
                   </a:solidFill>
@@ -7469,7 +7469,7 @@
             </a:ln>
             <a:extLst>
               <a:ext uri="{91240B29-F687-4f45-9708-019B960494DF}">
-                <a14:hiddenLine xmlns="" xmlns:a14="http://schemas.microsoft.com/office/drawing/2010/main" w="9525">
+                <a14:hiddenLine xmlns:a14="http://schemas.microsoft.com/office/drawing/2010/main" xmlns="" w="9525">
                   <a:solidFill>
                     <a:srgbClr val="000000"/>
                   </a:solidFill>
@@ -7559,7 +7559,7 @@
             </a:ln>
             <a:extLst>
               <a:ext uri="{91240B29-F687-4f45-9708-019B960494DF}">
-                <a14:hiddenLine xmlns="" xmlns:a14="http://schemas.microsoft.com/office/drawing/2010/main" w="9525">
+                <a14:hiddenLine xmlns:a14="http://schemas.microsoft.com/office/drawing/2010/main" xmlns="" w="9525">
                   <a:solidFill>
                     <a:srgbClr val="000000"/>
                   </a:solidFill>
@@ -7649,7 +7649,7 @@
             </a:ln>
             <a:extLst>
               <a:ext uri="{91240B29-F687-4f45-9708-019B960494DF}">
-                <a14:hiddenLine xmlns="" xmlns:a14="http://schemas.microsoft.com/office/drawing/2010/main" w="9525">
+                <a14:hiddenLine xmlns:a14="http://schemas.microsoft.com/office/drawing/2010/main" xmlns="" w="9525">
                   <a:solidFill>
                     <a:srgbClr val="000000"/>
                   </a:solidFill>
@@ -7714,7 +7714,7 @@
             </a:ln>
             <a:extLst>
               <a:ext uri="{91240B29-F687-4f45-9708-019B960494DF}">
-                <a14:hiddenLine xmlns="" xmlns:a14="http://schemas.microsoft.com/office/drawing/2010/main" w="9525">
+                <a14:hiddenLine xmlns:a14="http://schemas.microsoft.com/office/drawing/2010/main" xmlns="" w="9525">
                   <a:solidFill>
                     <a:srgbClr val="000000"/>
                   </a:solidFill>
@@ -7776,7 +7776,7 @@
             </a:ln>
             <a:extLst>
               <a:ext uri="{91240B29-F687-4f45-9708-019B960494DF}">
-                <a14:hiddenLine xmlns="" xmlns:a14="http://schemas.microsoft.com/office/drawing/2010/main" w="9525">
+                <a14:hiddenLine xmlns:a14="http://schemas.microsoft.com/office/drawing/2010/main" xmlns="" w="9525">
                   <a:solidFill>
                     <a:srgbClr val="000000"/>
                   </a:solidFill>
@@ -7866,7 +7866,7 @@
             </a:ln>
             <a:extLst>
               <a:ext uri="{91240B29-F687-4f45-9708-019B960494DF}">
-                <a14:hiddenLine xmlns="" xmlns:a14="http://schemas.microsoft.com/office/drawing/2010/main" w="9525">
+                <a14:hiddenLine xmlns:a14="http://schemas.microsoft.com/office/drawing/2010/main" xmlns="" w="9525">
                   <a:solidFill>
                     <a:srgbClr val="000000"/>
                   </a:solidFill>
@@ -7956,7 +7956,7 @@
             </a:ln>
             <a:extLst>
               <a:ext uri="{91240B29-F687-4f45-9708-019B960494DF}">
-                <a14:hiddenLine xmlns="" xmlns:a14="http://schemas.microsoft.com/office/drawing/2010/main" w="9525">
+                <a14:hiddenLine xmlns:a14="http://schemas.microsoft.com/office/drawing/2010/main" xmlns="" w="9525">
                   <a:solidFill>
                     <a:srgbClr val="000000"/>
                   </a:solidFill>
@@ -8018,7 +8018,7 @@
             </a:ln>
             <a:extLst>
               <a:ext uri="{91240B29-F687-4f45-9708-019B960494DF}">
-                <a14:hiddenLine xmlns="" xmlns:a14="http://schemas.microsoft.com/office/drawing/2010/main" w="9525">
+                <a14:hiddenLine xmlns:a14="http://schemas.microsoft.com/office/drawing/2010/main" xmlns="" w="9525">
                   <a:solidFill>
                     <a:srgbClr val="000000"/>
                   </a:solidFill>
@@ -8138,7 +8138,7 @@
             </a:ln>
             <a:extLst>
               <a:ext uri="{91240B29-F687-4f45-9708-019B960494DF}">
-                <a14:hiddenLine xmlns="" xmlns:a14="http://schemas.microsoft.com/office/drawing/2010/main" w="9525">
+                <a14:hiddenLine xmlns:a14="http://schemas.microsoft.com/office/drawing/2010/main" xmlns="" w="9525">
                   <a:solidFill>
                     <a:srgbClr val="000000"/>
                   </a:solidFill>
@@ -8206,7 +8206,7 @@
             </a:ln>
             <a:extLst>
               <a:ext uri="{91240B29-F687-4f45-9708-019B960494DF}">
-                <a14:hiddenLine xmlns="" xmlns:a14="http://schemas.microsoft.com/office/drawing/2010/main" w="9525">
+                <a14:hiddenLine xmlns:a14="http://schemas.microsoft.com/office/drawing/2010/main" xmlns="" w="9525">
                   <a:solidFill>
                     <a:srgbClr val="000000"/>
                   </a:solidFill>
@@ -8296,7 +8296,7 @@
             </a:ln>
             <a:extLst>
               <a:ext uri="{91240B29-F687-4f45-9708-019B960494DF}">
-                <a14:hiddenLine xmlns="" xmlns:a14="http://schemas.microsoft.com/office/drawing/2010/main" w="9525">
+                <a14:hiddenLine xmlns:a14="http://schemas.microsoft.com/office/drawing/2010/main" xmlns="" w="9525">
                   <a:solidFill>
                     <a:srgbClr val="000000"/>
                   </a:solidFill>
@@ -8436,7 +8436,7 @@
           <a:p>
             <a:fld id="{48A87A34-81AB-432B-8DAE-1953F412C126}" type="datetimeFigureOut">
               <a:rPr lang="en-US" dirty="0"/>
-              <a:t>10/15/2017</a:t>
+              <a:t>10/16/2017</a:t>
             </a:fld>
             <a:endParaRPr lang="en-US" dirty="0"/>
           </a:p>
@@ -8698,7 +8698,7 @@
           <a:p>
             <a:fld id="{48A87A34-81AB-432B-8DAE-1953F412C126}" type="datetimeFigureOut">
               <a:rPr lang="en-US" dirty="0"/>
-              <a:t>10/15/2017</a:t>
+              <a:t>10/16/2017</a:t>
             </a:fld>
             <a:endParaRPr lang="en-US" dirty="0"/>
           </a:p>
@@ -8889,7 +8889,7 @@
           <a:p>
             <a:fld id="{48A87A34-81AB-432B-8DAE-1953F412C126}" type="datetimeFigureOut">
               <a:rPr lang="en-US" dirty="0"/>
-              <a:t>10/15/2017</a:t>
+              <a:t>10/16/2017</a:t>
             </a:fld>
             <a:endParaRPr lang="en-US" dirty="0"/>
           </a:p>
@@ -9147,7 +9147,7 @@
           <a:p>
             <a:fld id="{48A87A34-81AB-432B-8DAE-1953F412C126}" type="datetimeFigureOut">
               <a:rPr lang="en-US" dirty="0"/>
-              <a:t>10/15/2017</a:t>
+              <a:t>10/16/2017</a:t>
             </a:fld>
             <a:endParaRPr lang="en-US" dirty="0"/>
           </a:p>
@@ -9576,7 +9576,7 @@
           <a:p>
             <a:fld id="{48A87A34-81AB-432B-8DAE-1953F412C126}" type="datetimeFigureOut">
               <a:rPr lang="en-US" dirty="0"/>
-              <a:t>10/15/2017</a:t>
+              <a:t>10/16/2017</a:t>
             </a:fld>
             <a:endParaRPr lang="en-US" dirty="0"/>
           </a:p>
@@ -10117,7 +10117,7 @@
           <a:p>
             <a:fld id="{48A87A34-81AB-432B-8DAE-1953F412C126}" type="datetimeFigureOut">
               <a:rPr lang="en-US" dirty="0"/>
-              <a:t>10/15/2017</a:t>
+              <a:t>10/16/2017</a:t>
             </a:fld>
             <a:endParaRPr lang="en-US" dirty="0"/>
           </a:p>
@@ -10832,7 +10832,7 @@
           <a:p>
             <a:fld id="{48A87A34-81AB-432B-8DAE-1953F412C126}" type="datetimeFigureOut">
               <a:rPr lang="en-US" dirty="0"/>
-              <a:t>10/15/2017</a:t>
+              <a:t>10/16/2017</a:t>
             </a:fld>
             <a:endParaRPr lang="en-US" dirty="0"/>
           </a:p>
@@ -10997,7 +10997,7 @@
           <a:p>
             <a:fld id="{48A87A34-81AB-432B-8DAE-1953F412C126}" type="datetimeFigureOut">
               <a:rPr lang="en-US" dirty="0"/>
-              <a:t>10/15/2017</a:t>
+              <a:t>10/16/2017</a:t>
             </a:fld>
             <a:endParaRPr lang="en-US" dirty="0"/>
           </a:p>
@@ -11172,7 +11172,7 @@
           <a:p>
             <a:fld id="{48A87A34-81AB-432B-8DAE-1953F412C126}" type="datetimeFigureOut">
               <a:rPr lang="en-US" dirty="0"/>
-              <a:t>10/15/2017</a:t>
+              <a:t>10/16/2017</a:t>
             </a:fld>
             <a:endParaRPr lang="en-US" dirty="0"/>
           </a:p>
@@ -11337,7 +11337,7 @@
           <a:p>
             <a:fld id="{48A87A34-81AB-432B-8DAE-1953F412C126}" type="datetimeFigureOut">
               <a:rPr lang="en-US" dirty="0"/>
-              <a:t>10/15/2017</a:t>
+              <a:t>10/16/2017</a:t>
             </a:fld>
             <a:endParaRPr lang="en-US" dirty="0"/>
           </a:p>
@@ -11582,7 +11582,7 @@
           <a:p>
             <a:fld id="{48A87A34-81AB-432B-8DAE-1953F412C126}" type="datetimeFigureOut">
               <a:rPr lang="en-US" dirty="0"/>
-              <a:t>10/15/2017</a:t>
+              <a:t>10/16/2017</a:t>
             </a:fld>
             <a:endParaRPr lang="en-US" dirty="0"/>
           </a:p>
@@ -11809,7 +11809,7 @@
           <a:p>
             <a:fld id="{48A87A34-81AB-432B-8DAE-1953F412C126}" type="datetimeFigureOut">
               <a:rPr lang="en-US" dirty="0"/>
-              <a:t>10/15/2017</a:t>
+              <a:t>10/16/2017</a:t>
             </a:fld>
             <a:endParaRPr lang="en-US" dirty="0"/>
           </a:p>
@@ -12185,7 +12185,7 @@
           <a:p>
             <a:fld id="{48A87A34-81AB-432B-8DAE-1953F412C126}" type="datetimeFigureOut">
               <a:rPr lang="en-US" dirty="0"/>
-              <a:t>10/15/2017</a:t>
+              <a:t>10/16/2017</a:t>
             </a:fld>
             <a:endParaRPr lang="en-US" dirty="0"/>
           </a:p>
@@ -12298,7 +12298,7 @@
           <a:p>
             <a:fld id="{48A87A34-81AB-432B-8DAE-1953F412C126}" type="datetimeFigureOut">
               <a:rPr lang="en-US" dirty="0"/>
-              <a:t>10/15/2017</a:t>
+              <a:t>10/16/2017</a:t>
             </a:fld>
             <a:endParaRPr lang="en-US" dirty="0"/>
           </a:p>
@@ -12388,7 +12388,7 @@
           <a:p>
             <a:fld id="{48A87A34-81AB-432B-8DAE-1953F412C126}" type="datetimeFigureOut">
               <a:rPr lang="en-US" dirty="0"/>
-              <a:t>10/15/2017</a:t>
+              <a:t>10/16/2017</a:t>
             </a:fld>
             <a:endParaRPr lang="en-US" dirty="0"/>
           </a:p>
@@ -12632,7 +12632,7 @@
           <a:p>
             <a:fld id="{48A87A34-81AB-432B-8DAE-1953F412C126}" type="datetimeFigureOut">
               <a:rPr lang="en-US" dirty="0"/>
-              <a:t>10/15/2017</a:t>
+              <a:t>10/16/2017</a:t>
             </a:fld>
             <a:endParaRPr lang="en-US" dirty="0"/>
           </a:p>
@@ -12907,7 +12907,7 @@
           <a:p>
             <a:fld id="{48A87A34-81AB-432B-8DAE-1953F412C126}" type="datetimeFigureOut">
               <a:rPr lang="en-US" dirty="0"/>
-              <a:t>10/15/2017</a:t>
+              <a:t>10/16/2017</a:t>
             </a:fld>
             <a:endParaRPr lang="en-US" dirty="0"/>
           </a:p>
@@ -13025,7 +13025,7 @@
           <a:noFill/>
           <a:extLst>
             <a:ext uri="{909E8E84-426E-40dd-AFC4-6F175D3DCCD1}">
-              <a14:hiddenFill xmlns="" xmlns:a14="http://schemas.microsoft.com/office/drawing/2010/main">
+              <a14:hiddenFill xmlns:a14="http://schemas.microsoft.com/office/drawing/2010/main" xmlns="">
                 <a:solidFill>
                   <a:srgbClr val="FFFFFF"/>
                 </a:solidFill>
@@ -13099,7 +13099,7 @@
               </a:ln>
               <a:extLst>
                 <a:ext uri="{91240B29-F687-4f45-9708-019B960494DF}">
-                  <a14:hiddenLine xmlns="" xmlns:a14="http://schemas.microsoft.com/office/drawing/2010/main" w="9525">
+                  <a14:hiddenLine xmlns:a14="http://schemas.microsoft.com/office/drawing/2010/main" xmlns="" w="9525">
                     <a:solidFill>
                       <a:srgbClr val="000000"/>
                     </a:solidFill>
@@ -13189,7 +13189,7 @@
               </a:ln>
               <a:extLst>
                 <a:ext uri="{91240B29-F687-4f45-9708-019B960494DF}">
-                  <a14:hiddenLine xmlns="" xmlns:a14="http://schemas.microsoft.com/office/drawing/2010/main" w="9525">
+                  <a14:hiddenLine xmlns:a14="http://schemas.microsoft.com/office/drawing/2010/main" xmlns="" w="9525">
                     <a:solidFill>
                       <a:srgbClr val="000000"/>
                     </a:solidFill>
@@ -13279,7 +13279,7 @@
               </a:ln>
               <a:extLst>
                 <a:ext uri="{91240B29-F687-4f45-9708-019B960494DF}">
-                  <a14:hiddenLine xmlns="" xmlns:a14="http://schemas.microsoft.com/office/drawing/2010/main" w="9525">
+                  <a14:hiddenLine xmlns:a14="http://schemas.microsoft.com/office/drawing/2010/main" xmlns="" w="9525">
                     <a:solidFill>
                       <a:srgbClr val="000000"/>
                     </a:solidFill>
@@ -13341,7 +13341,7 @@
               </a:ln>
               <a:extLst>
                 <a:ext uri="{91240B29-F687-4f45-9708-019B960494DF}">
-                  <a14:hiddenLine xmlns="" xmlns:a14="http://schemas.microsoft.com/office/drawing/2010/main" w="9525">
+                  <a14:hiddenLine xmlns:a14="http://schemas.microsoft.com/office/drawing/2010/main" xmlns="" w="9525">
                     <a:solidFill>
                       <a:srgbClr val="000000"/>
                     </a:solidFill>
@@ -13431,7 +13431,7 @@
               </a:ln>
               <a:extLst>
                 <a:ext uri="{91240B29-F687-4f45-9708-019B960494DF}">
-                  <a14:hiddenLine xmlns="" xmlns:a14="http://schemas.microsoft.com/office/drawing/2010/main" w="9525">
+                  <a14:hiddenLine xmlns:a14="http://schemas.microsoft.com/office/drawing/2010/main" xmlns="" w="9525">
                     <a:solidFill>
                       <a:srgbClr val="000000"/>
                     </a:solidFill>
@@ -13493,7 +13493,7 @@
               </a:ln>
               <a:extLst>
                 <a:ext uri="{91240B29-F687-4f45-9708-019B960494DF}">
-                  <a14:hiddenLine xmlns="" xmlns:a14="http://schemas.microsoft.com/office/drawing/2010/main" w="9525">
+                  <a14:hiddenLine xmlns:a14="http://schemas.microsoft.com/office/drawing/2010/main" xmlns="" w="9525">
                     <a:solidFill>
                       <a:srgbClr val="000000"/>
                     </a:solidFill>
@@ -13555,7 +13555,7 @@
               </a:ln>
               <a:extLst>
                 <a:ext uri="{91240B29-F687-4f45-9708-019B960494DF}">
-                  <a14:hiddenLine xmlns="" xmlns:a14="http://schemas.microsoft.com/office/drawing/2010/main" w="9525">
+                  <a14:hiddenLine xmlns:a14="http://schemas.microsoft.com/office/drawing/2010/main" xmlns="" w="9525">
                     <a:solidFill>
                       <a:srgbClr val="000000"/>
                     </a:solidFill>
@@ -13645,7 +13645,7 @@
               </a:ln>
               <a:extLst>
                 <a:ext uri="{91240B29-F687-4f45-9708-019B960494DF}">
-                  <a14:hiddenLine xmlns="" xmlns:a14="http://schemas.microsoft.com/office/drawing/2010/main" w="9525">
+                  <a14:hiddenLine xmlns:a14="http://schemas.microsoft.com/office/drawing/2010/main" xmlns="" w="9525">
                     <a:solidFill>
                       <a:srgbClr val="000000"/>
                     </a:solidFill>
@@ -13735,7 +13735,7 @@
               </a:ln>
               <a:extLst>
                 <a:ext uri="{91240B29-F687-4f45-9708-019B960494DF}">
-                  <a14:hiddenLine xmlns="" xmlns:a14="http://schemas.microsoft.com/office/drawing/2010/main" w="9525">
+                  <a14:hiddenLine xmlns:a14="http://schemas.microsoft.com/office/drawing/2010/main" xmlns="" w="9525">
                     <a:solidFill>
                       <a:srgbClr val="000000"/>
                     </a:solidFill>
@@ -13797,7 +13797,7 @@
               </a:ln>
               <a:extLst>
                 <a:ext uri="{91240B29-F687-4f45-9708-019B960494DF}">
-                  <a14:hiddenLine xmlns="" xmlns:a14="http://schemas.microsoft.com/office/drawing/2010/main" w="9525">
+                  <a14:hiddenLine xmlns:a14="http://schemas.microsoft.com/office/drawing/2010/main" xmlns="" w="9525">
                     <a:solidFill>
                       <a:srgbClr val="000000"/>
                     </a:solidFill>
@@ -13907,7 +13907,7 @@
               </a:ln>
               <a:extLst>
                 <a:ext uri="{91240B29-F687-4f45-9708-019B960494DF}">
-                  <a14:hiddenLine xmlns="" xmlns:a14="http://schemas.microsoft.com/office/drawing/2010/main" w="9525">
+                  <a14:hiddenLine xmlns:a14="http://schemas.microsoft.com/office/drawing/2010/main" xmlns="" w="9525">
                     <a:solidFill>
                       <a:srgbClr val="000000"/>
                     </a:solidFill>
@@ -13991,7 +13991,7 @@
               </a:ln>
               <a:extLst>
                 <a:ext uri="{91240B29-F687-4f45-9708-019B960494DF}">
-                  <a14:hiddenLine xmlns="" xmlns:a14="http://schemas.microsoft.com/office/drawing/2010/main" w="9525">
+                  <a14:hiddenLine xmlns:a14="http://schemas.microsoft.com/office/drawing/2010/main" xmlns="" w="9525">
                     <a:solidFill>
                       <a:srgbClr val="000000"/>
                     </a:solidFill>
@@ -14053,7 +14053,7 @@
               </a:ln>
               <a:extLst>
                 <a:ext uri="{91240B29-F687-4f45-9708-019B960494DF}">
-                  <a14:hiddenLine xmlns="" xmlns:a14="http://schemas.microsoft.com/office/drawing/2010/main" w="9525">
+                  <a14:hiddenLine xmlns:a14="http://schemas.microsoft.com/office/drawing/2010/main" xmlns="" w="9525">
                     <a:solidFill>
                       <a:srgbClr val="000000"/>
                     </a:solidFill>
@@ -14115,7 +14115,7 @@
               </a:ln>
               <a:extLst>
                 <a:ext uri="{91240B29-F687-4f45-9708-019B960494DF}">
-                  <a14:hiddenLine xmlns="" xmlns:a14="http://schemas.microsoft.com/office/drawing/2010/main" w="9525">
+                  <a14:hiddenLine xmlns:a14="http://schemas.microsoft.com/office/drawing/2010/main" xmlns="" w="9525">
                     <a:solidFill>
                       <a:srgbClr val="000000"/>
                     </a:solidFill>
@@ -14205,7 +14205,7 @@
               </a:ln>
               <a:extLst>
                 <a:ext uri="{91240B29-F687-4f45-9708-019B960494DF}">
-                  <a14:hiddenLine xmlns="" xmlns:a14="http://schemas.microsoft.com/office/drawing/2010/main" w="9525">
+                  <a14:hiddenLine xmlns:a14="http://schemas.microsoft.com/office/drawing/2010/main" xmlns="" w="9525">
                     <a:solidFill>
                       <a:srgbClr val="000000"/>
                     </a:solidFill>
@@ -14239,7 +14239,7 @@
               </a:ln>
               <a:extLst>
                 <a:ext uri="{91240B29-F687-4f45-9708-019B960494DF}">
-                  <a14:hiddenLine xmlns="" xmlns:a14="http://schemas.microsoft.com/office/drawing/2010/main" w="9525">
+                  <a14:hiddenLine xmlns:a14="http://schemas.microsoft.com/office/drawing/2010/main" xmlns="" w="9525">
                     <a:solidFill>
                       <a:srgbClr val="000000"/>
                     </a:solidFill>
@@ -14304,7 +14304,7 @@
               </a:ln>
               <a:extLst>
                 <a:ext uri="{91240B29-F687-4f45-9708-019B960494DF}">
-                  <a14:hiddenLine xmlns="" xmlns:a14="http://schemas.microsoft.com/office/drawing/2010/main" w="9525">
+                  <a14:hiddenLine xmlns:a14="http://schemas.microsoft.com/office/drawing/2010/main" xmlns="" w="9525">
                     <a:solidFill>
                       <a:srgbClr val="000000"/>
                     </a:solidFill>
@@ -14394,7 +14394,7 @@
               </a:ln>
               <a:extLst>
                 <a:ext uri="{91240B29-F687-4f45-9708-019B960494DF}">
-                  <a14:hiddenLine xmlns="" xmlns:a14="http://schemas.microsoft.com/office/drawing/2010/main" w="9525">
+                  <a14:hiddenLine xmlns:a14="http://schemas.microsoft.com/office/drawing/2010/main" xmlns="" w="9525">
                     <a:solidFill>
                       <a:srgbClr val="000000"/>
                     </a:solidFill>
@@ -14456,7 +14456,7 @@
               </a:ln>
               <a:extLst>
                 <a:ext uri="{91240B29-F687-4f45-9708-019B960494DF}">
-                  <a14:hiddenLine xmlns="" xmlns:a14="http://schemas.microsoft.com/office/drawing/2010/main" w="9525">
+                  <a14:hiddenLine xmlns:a14="http://schemas.microsoft.com/office/drawing/2010/main" xmlns="" w="9525">
                     <a:solidFill>
                       <a:srgbClr val="000000"/>
                     </a:solidFill>
@@ -14546,7 +14546,7 @@
               </a:ln>
               <a:extLst>
                 <a:ext uri="{91240B29-F687-4f45-9708-019B960494DF}">
-                  <a14:hiddenLine xmlns="" xmlns:a14="http://schemas.microsoft.com/office/drawing/2010/main" w="9525">
+                  <a14:hiddenLine xmlns:a14="http://schemas.microsoft.com/office/drawing/2010/main" xmlns="" w="9525">
                     <a:solidFill>
                       <a:srgbClr val="000000"/>
                     </a:solidFill>
@@ -14611,7 +14611,7 @@
               </a:ln>
               <a:extLst>
                 <a:ext uri="{91240B29-F687-4f45-9708-019B960494DF}">
-                  <a14:hiddenLine xmlns="" xmlns:a14="http://schemas.microsoft.com/office/drawing/2010/main" w="9525">
+                  <a14:hiddenLine xmlns:a14="http://schemas.microsoft.com/office/drawing/2010/main" xmlns="" w="9525">
                     <a:solidFill>
                       <a:srgbClr val="000000"/>
                     </a:solidFill>
@@ -14673,7 +14673,7 @@
               </a:ln>
               <a:extLst>
                 <a:ext uri="{91240B29-F687-4f45-9708-019B960494DF}">
-                  <a14:hiddenLine xmlns="" xmlns:a14="http://schemas.microsoft.com/office/drawing/2010/main" w="9525">
+                  <a14:hiddenLine xmlns:a14="http://schemas.microsoft.com/office/drawing/2010/main" xmlns="" w="9525">
                     <a:solidFill>
                       <a:srgbClr val="000000"/>
                     </a:solidFill>
@@ -14763,7 +14763,7 @@
               </a:ln>
               <a:extLst>
                 <a:ext uri="{91240B29-F687-4f45-9708-019B960494DF}">
-                  <a14:hiddenLine xmlns="" xmlns:a14="http://schemas.microsoft.com/office/drawing/2010/main" w="9525">
+                  <a14:hiddenLine xmlns:a14="http://schemas.microsoft.com/office/drawing/2010/main" xmlns="" w="9525">
                     <a:solidFill>
                       <a:srgbClr val="000000"/>
                     </a:solidFill>
@@ -14853,7 +14853,7 @@
               </a:ln>
               <a:extLst>
                 <a:ext uri="{91240B29-F687-4f45-9708-019B960494DF}">
-                  <a14:hiddenLine xmlns="" xmlns:a14="http://schemas.microsoft.com/office/drawing/2010/main" w="9525">
+                  <a14:hiddenLine xmlns:a14="http://schemas.microsoft.com/office/drawing/2010/main" xmlns="" w="9525">
                     <a:solidFill>
                       <a:srgbClr val="000000"/>
                     </a:solidFill>
@@ -14918,7 +14918,7 @@
               </a:ln>
               <a:extLst>
                 <a:ext uri="{91240B29-F687-4f45-9708-019B960494DF}">
-                  <a14:hiddenLine xmlns="" xmlns:a14="http://schemas.microsoft.com/office/drawing/2010/main" w="9525">
+                  <a14:hiddenLine xmlns:a14="http://schemas.microsoft.com/office/drawing/2010/main" xmlns="" w="9525">
                     <a:solidFill>
                       <a:srgbClr val="000000"/>
                     </a:solidFill>
@@ -15038,7 +15038,7 @@
               </a:ln>
               <a:extLst>
                 <a:ext uri="{91240B29-F687-4f45-9708-019B960494DF}">
-                  <a14:hiddenLine xmlns="" xmlns:a14="http://schemas.microsoft.com/office/drawing/2010/main" w="9525">
+                  <a14:hiddenLine xmlns:a14="http://schemas.microsoft.com/office/drawing/2010/main" xmlns="" w="9525">
                     <a:solidFill>
                       <a:srgbClr val="000000"/>
                     </a:solidFill>
@@ -15119,7 +15119,7 @@
               </a:ln>
               <a:extLst>
                 <a:ext uri="{91240B29-F687-4f45-9708-019B960494DF}">
-                  <a14:hiddenLine xmlns="" xmlns:a14="http://schemas.microsoft.com/office/drawing/2010/main" w="9525">
+                  <a14:hiddenLine xmlns:a14="http://schemas.microsoft.com/office/drawing/2010/main" xmlns="" w="9525">
                     <a:solidFill>
                       <a:srgbClr val="000000"/>
                     </a:solidFill>
@@ -15234,7 +15234,7 @@
               </a:ln>
               <a:extLst>
                 <a:ext uri="{91240B29-F687-4f45-9708-019B960494DF}">
-                  <a14:hiddenLine xmlns="" xmlns:a14="http://schemas.microsoft.com/office/drawing/2010/main" w="9525">
+                  <a14:hiddenLine xmlns:a14="http://schemas.microsoft.com/office/drawing/2010/main" xmlns="" w="9525">
                     <a:solidFill>
                       <a:srgbClr val="000000"/>
                     </a:solidFill>
@@ -15324,7 +15324,7 @@
               </a:ln>
               <a:extLst>
                 <a:ext uri="{91240B29-F687-4f45-9708-019B960494DF}">
-                  <a14:hiddenLine xmlns="" xmlns:a14="http://schemas.microsoft.com/office/drawing/2010/main" w="9525">
+                  <a14:hiddenLine xmlns:a14="http://schemas.microsoft.com/office/drawing/2010/main" xmlns="" w="9525">
                     <a:solidFill>
                       <a:srgbClr val="000000"/>
                     </a:solidFill>
@@ -15389,7 +15389,7 @@
               </a:ln>
               <a:extLst>
                 <a:ext uri="{91240B29-F687-4f45-9708-019B960494DF}">
-                  <a14:hiddenLine xmlns="" xmlns:a14="http://schemas.microsoft.com/office/drawing/2010/main" w="9525">
+                  <a14:hiddenLine xmlns:a14="http://schemas.microsoft.com/office/drawing/2010/main" xmlns="" w="9525">
                     <a:solidFill>
                       <a:srgbClr val="000000"/>
                     </a:solidFill>
@@ -15479,7 +15479,7 @@
               </a:ln>
               <a:extLst>
                 <a:ext uri="{91240B29-F687-4f45-9708-019B960494DF}">
-                  <a14:hiddenLine xmlns="" xmlns:a14="http://schemas.microsoft.com/office/drawing/2010/main" w="9525">
+                  <a14:hiddenLine xmlns:a14="http://schemas.microsoft.com/office/drawing/2010/main" xmlns="" w="9525">
                     <a:solidFill>
                       <a:srgbClr val="000000"/>
                     </a:solidFill>
@@ -15547,7 +15547,7 @@
               </a:ln>
               <a:extLst>
                 <a:ext uri="{91240B29-F687-4f45-9708-019B960494DF}">
-                  <a14:hiddenLine xmlns="" xmlns:a14="http://schemas.microsoft.com/office/drawing/2010/main" w="9525">
+                  <a14:hiddenLine xmlns:a14="http://schemas.microsoft.com/office/drawing/2010/main" xmlns="" w="9525">
                     <a:solidFill>
                       <a:srgbClr val="000000"/>
                     </a:solidFill>
@@ -15637,7 +15637,7 @@
               </a:ln>
               <a:extLst>
                 <a:ext uri="{91240B29-F687-4f45-9708-019B960494DF}">
-                  <a14:hiddenLine xmlns="" xmlns:a14="http://schemas.microsoft.com/office/drawing/2010/main" w="9525">
+                  <a14:hiddenLine xmlns:a14="http://schemas.microsoft.com/office/drawing/2010/main" xmlns="" w="9525">
                     <a:solidFill>
                       <a:srgbClr val="000000"/>
                     </a:solidFill>
@@ -15705,7 +15705,7 @@
               </a:ln>
               <a:extLst>
                 <a:ext uri="{91240B29-F687-4f45-9708-019B960494DF}">
-                  <a14:hiddenLine xmlns="" xmlns:a14="http://schemas.microsoft.com/office/drawing/2010/main" w="9525">
+                  <a14:hiddenLine xmlns:a14="http://schemas.microsoft.com/office/drawing/2010/main" xmlns="" w="9525">
                     <a:solidFill>
                       <a:srgbClr val="000000"/>
                     </a:solidFill>
@@ -15795,7 +15795,7 @@
               </a:ln>
               <a:extLst>
                 <a:ext uri="{91240B29-F687-4f45-9708-019B960494DF}">
-                  <a14:hiddenLine xmlns="" xmlns:a14="http://schemas.microsoft.com/office/drawing/2010/main" w="9525">
+                  <a14:hiddenLine xmlns:a14="http://schemas.microsoft.com/office/drawing/2010/main" xmlns="" w="9525">
                     <a:solidFill>
                       <a:srgbClr val="000000"/>
                     </a:solidFill>
@@ -15829,7 +15829,7 @@
               </a:ln>
               <a:extLst>
                 <a:ext uri="{91240B29-F687-4f45-9708-019B960494DF}">
-                  <a14:hiddenLine xmlns="" xmlns:a14="http://schemas.microsoft.com/office/drawing/2010/main" w="9525">
+                  <a14:hiddenLine xmlns:a14="http://schemas.microsoft.com/office/drawing/2010/main" xmlns="" w="9525">
                     <a:solidFill>
                       <a:srgbClr val="000000"/>
                     </a:solidFill>
@@ -15970,7 +15970,7 @@
             <a:fld id="{48A87A34-81AB-432B-8DAE-1953F412C126}" type="datetimeFigureOut">
               <a:rPr lang="en-US" dirty="0"/>
               <a:pPr/>
-              <a:t>10/15/2017</a:t>
+              <a:t>10/16/2017</a:t>
             </a:fld>
             <a:endParaRPr lang="en-US" dirty="0"/>
           </a:p>
@@ -26842,30 +26842,33 @@
             <p:ph type="title"/>
           </p:nvPr>
         </p:nvSpPr>
-        <p:spPr/>
-        <p:txBody>
-          <a:bodyPr/>
-          <a:lstStyle/>
-          <a:p>
-            <a:r>
-              <a:rPr lang="de-CH" dirty="0" smtClean="0"/>
-              <a:t>Precision </a:t>
-            </a:r>
-            <a:r>
-              <a:rPr lang="de-CH" dirty="0" err="1" smtClean="0"/>
-              <a:t>and</a:t>
-            </a:r>
-            <a:r>
-              <a:rPr lang="de-CH" dirty="0" smtClean="0"/>
-              <a:t> Recall</a:t>
-            </a:r>
-            <a:endParaRPr lang="de-CH" dirty="0"/>
-          </a:p>
-        </p:txBody>
-      </p:sp>
-      <p:sp>
-        <p:nvSpPr>
-          <p:cNvPr id="3" name="Content Placeholder 2"/>
+        <p:spPr>
+          <a:xfrm>
+            <a:off x="1141413" y="316872"/>
+            <a:ext cx="9905998" cy="1221959"/>
+          </a:xfrm>
+        </p:spPr>
+        <p:txBody>
+          <a:bodyPr>
+            <a:normAutofit/>
+          </a:bodyPr>
+          <a:lstStyle/>
+          <a:p>
+            <a:r>
+              <a:rPr lang="de-CH" sz="3200" dirty="0" smtClean="0"/>
+              <a:t>Performance-Masse von binären </a:t>
+            </a:r>
+            <a:r>
+              <a:rPr lang="de-CH" sz="3200" dirty="0" err="1" smtClean="0"/>
+              <a:t>Klassifikatoren</a:t>
+            </a:r>
+            <a:endParaRPr lang="de-CH" sz="3200" dirty="0"/>
+          </a:p>
+        </p:txBody>
+      </p:sp>
+      <p:sp>
+        <p:nvSpPr>
+          <p:cNvPr id="9" name="Content Placeholder 8"/>
           <p:cNvSpPr>
             <a:spLocks noGrp="1"/>
           </p:cNvSpPr>
@@ -26884,7 +26887,7 @@
       </p:sp>
       <p:pic>
         <p:nvPicPr>
-          <p:cNvPr id="4" name="Picture 3"/>
+          <p:cNvPr id="10" name="Picture 9"/>
           <p:cNvPicPr>
             <a:picLocks noChangeAspect="1"/>
           </p:cNvPicPr>
@@ -26898,32 +26901,8 @@
         </p:blipFill>
         <p:spPr>
           <a:xfrm>
-            <a:off x="1583867" y="1847067"/>
-            <a:ext cx="3247183" cy="4132778"/>
-          </a:xfrm>
-          <a:prstGeom prst="rect">
-            <a:avLst/>
-          </a:prstGeom>
-        </p:spPr>
-      </p:pic>
-      <p:pic>
-        <p:nvPicPr>
-          <p:cNvPr id="5" name="Picture 4"/>
-          <p:cNvPicPr>
-            <a:picLocks noChangeAspect="1"/>
-          </p:cNvPicPr>
-          <p:nvPr/>
-        </p:nvPicPr>
-        <p:blipFill>
-          <a:blip r:embed="rId4"/>
-          <a:stretch>
-            <a:fillRect/>
-          </a:stretch>
-        </p:blipFill>
-        <p:spPr>
-          <a:xfrm>
-            <a:off x="5704509" y="2346208"/>
-            <a:ext cx="4610134" cy="2904385"/>
+            <a:off x="1268588" y="1395431"/>
+            <a:ext cx="9387337" cy="4593586"/>
           </a:xfrm>
           <a:prstGeom prst="rect">
             <a:avLst/>

--- a/presentation.pptx
+++ b/presentation.pptx
@@ -238,7 +238,7 @@
           <a:p>
             <a:fld id="{7C9032C8-5182-4818-BB2B-C6DBA1F28B4F}" type="datetimeFigureOut">
               <a:rPr lang="de-CH" smtClean="0"/>
-              <a:t>16.10.2017</a:t>
+              <a:t>17.10.2017</a:t>
             </a:fld>
             <a:endParaRPr lang="de-CH"/>
           </a:p>
@@ -4211,7 +4211,7 @@
           <a:noFill/>
           <a:extLst>
             <a:ext uri="{909E8E84-426E-40dd-AFC4-6F175D3DCCD1}">
-              <a14:hiddenFill xmlns:a14="http://schemas.microsoft.com/office/drawing/2010/main" xmlns="">
+              <a14:hiddenFill xmlns="" xmlns:a14="http://schemas.microsoft.com/office/drawing/2010/main">
                 <a:solidFill>
                   <a:srgbClr val="FFFFFF"/>
                 </a:solidFill>
@@ -4270,7 +4270,7 @@
             </a:ln>
             <a:extLst>
               <a:ext uri="{91240B29-F687-4f45-9708-019B960494DF}">
-                <a14:hiddenLine xmlns:a14="http://schemas.microsoft.com/office/drawing/2010/main" xmlns="" w="9525">
+                <a14:hiddenLine xmlns="" xmlns:a14="http://schemas.microsoft.com/office/drawing/2010/main" w="9525">
                   <a:solidFill>
                     <a:srgbClr val="000000"/>
                   </a:solidFill>
@@ -4360,7 +4360,7 @@
             </a:ln>
             <a:extLst>
               <a:ext uri="{91240B29-F687-4f45-9708-019B960494DF}">
-                <a14:hiddenLine xmlns:a14="http://schemas.microsoft.com/office/drawing/2010/main" xmlns="" w="9525">
+                <a14:hiddenLine xmlns="" xmlns:a14="http://schemas.microsoft.com/office/drawing/2010/main" w="9525">
                   <a:solidFill>
                     <a:srgbClr val="000000"/>
                   </a:solidFill>
@@ -4450,7 +4450,7 @@
             </a:ln>
             <a:extLst>
               <a:ext uri="{91240B29-F687-4f45-9708-019B960494DF}">
-                <a14:hiddenLine xmlns:a14="http://schemas.microsoft.com/office/drawing/2010/main" xmlns="" w="9525">
+                <a14:hiddenLine xmlns="" xmlns:a14="http://schemas.microsoft.com/office/drawing/2010/main" w="9525">
                   <a:solidFill>
                     <a:srgbClr val="000000"/>
                   </a:solidFill>
@@ -4484,7 +4484,7 @@
             </a:ln>
             <a:extLst>
               <a:ext uri="{91240B29-F687-4f45-9708-019B960494DF}">
-                <a14:hiddenLine xmlns:a14="http://schemas.microsoft.com/office/drawing/2010/main" xmlns="" w="9525">
+                <a14:hiddenLine xmlns="" xmlns:a14="http://schemas.microsoft.com/office/drawing/2010/main" w="9525">
                   <a:solidFill>
                     <a:srgbClr val="000000"/>
                   </a:solidFill>
@@ -4574,7 +4574,7 @@
             </a:ln>
             <a:extLst>
               <a:ext uri="{91240B29-F687-4f45-9708-019B960494DF}">
-                <a14:hiddenLine xmlns:a14="http://schemas.microsoft.com/office/drawing/2010/main" xmlns="" w="9525">
+                <a14:hiddenLine xmlns="" xmlns:a14="http://schemas.microsoft.com/office/drawing/2010/main" w="9525">
                   <a:solidFill>
                     <a:srgbClr val="000000"/>
                   </a:solidFill>
@@ -4636,7 +4636,7 @@
             </a:ln>
             <a:extLst>
               <a:ext uri="{91240B29-F687-4f45-9708-019B960494DF}">
-                <a14:hiddenLine xmlns:a14="http://schemas.microsoft.com/office/drawing/2010/main" xmlns="" w="9525">
+                <a14:hiddenLine xmlns="" xmlns:a14="http://schemas.microsoft.com/office/drawing/2010/main" w="9525">
                   <a:solidFill>
                     <a:srgbClr val="000000"/>
                   </a:solidFill>
@@ -4698,7 +4698,7 @@
             </a:ln>
             <a:extLst>
               <a:ext uri="{91240B29-F687-4f45-9708-019B960494DF}">
-                <a14:hiddenLine xmlns:a14="http://schemas.microsoft.com/office/drawing/2010/main" xmlns="" w="9525">
+                <a14:hiddenLine xmlns="" xmlns:a14="http://schemas.microsoft.com/office/drawing/2010/main" w="9525">
                   <a:solidFill>
                     <a:srgbClr val="000000"/>
                   </a:solidFill>
@@ -4788,7 +4788,7 @@
             </a:ln>
             <a:extLst>
               <a:ext uri="{91240B29-F687-4f45-9708-019B960494DF}">
-                <a14:hiddenLine xmlns:a14="http://schemas.microsoft.com/office/drawing/2010/main" xmlns="" w="9525">
+                <a14:hiddenLine xmlns="" xmlns:a14="http://schemas.microsoft.com/office/drawing/2010/main" w="9525">
                   <a:solidFill>
                     <a:srgbClr val="000000"/>
                   </a:solidFill>
@@ -4850,7 +4850,7 @@
             </a:ln>
             <a:extLst>
               <a:ext uri="{91240B29-F687-4f45-9708-019B960494DF}">
-                <a14:hiddenLine xmlns:a14="http://schemas.microsoft.com/office/drawing/2010/main" xmlns="" w="9525">
+                <a14:hiddenLine xmlns="" xmlns:a14="http://schemas.microsoft.com/office/drawing/2010/main" w="9525">
                   <a:solidFill>
                     <a:srgbClr val="000000"/>
                   </a:solidFill>
@@ -4912,7 +4912,7 @@
             </a:ln>
             <a:extLst>
               <a:ext uri="{91240B29-F687-4f45-9708-019B960494DF}">
-                <a14:hiddenLine xmlns:a14="http://schemas.microsoft.com/office/drawing/2010/main" xmlns="" w="9525">
+                <a14:hiddenLine xmlns="" xmlns:a14="http://schemas.microsoft.com/office/drawing/2010/main" w="9525">
                   <a:solidFill>
                     <a:srgbClr val="000000"/>
                   </a:solidFill>
@@ -5002,7 +5002,7 @@
             </a:ln>
             <a:extLst>
               <a:ext uri="{91240B29-F687-4f45-9708-019B960494DF}">
-                <a14:hiddenLine xmlns:a14="http://schemas.microsoft.com/office/drawing/2010/main" xmlns="" w="9525">
+                <a14:hiddenLine xmlns="" xmlns:a14="http://schemas.microsoft.com/office/drawing/2010/main" w="9525">
                   <a:solidFill>
                     <a:srgbClr val="000000"/>
                   </a:solidFill>
@@ -5092,7 +5092,7 @@
             </a:ln>
             <a:extLst>
               <a:ext uri="{91240B29-F687-4f45-9708-019B960494DF}">
-                <a14:hiddenLine xmlns:a14="http://schemas.microsoft.com/office/drawing/2010/main" xmlns="" w="9525">
+                <a14:hiddenLine xmlns="" xmlns:a14="http://schemas.microsoft.com/office/drawing/2010/main" w="9525">
                   <a:solidFill>
                     <a:srgbClr val="000000"/>
                   </a:solidFill>
@@ -5154,7 +5154,7 @@
             </a:ln>
             <a:extLst>
               <a:ext uri="{91240B29-F687-4f45-9708-019B960494DF}">
-                <a14:hiddenLine xmlns:a14="http://schemas.microsoft.com/office/drawing/2010/main" xmlns="" w="9525">
+                <a14:hiddenLine xmlns="" xmlns:a14="http://schemas.microsoft.com/office/drawing/2010/main" w="9525">
                   <a:solidFill>
                     <a:srgbClr val="000000"/>
                   </a:solidFill>
@@ -5264,7 +5264,7 @@
             </a:ln>
             <a:extLst>
               <a:ext uri="{91240B29-F687-4f45-9708-019B960494DF}">
-                <a14:hiddenLine xmlns:a14="http://schemas.microsoft.com/office/drawing/2010/main" xmlns="" w="9525">
+                <a14:hiddenLine xmlns="" xmlns:a14="http://schemas.microsoft.com/office/drawing/2010/main" w="9525">
                   <a:solidFill>
                     <a:srgbClr val="000000"/>
                   </a:solidFill>
@@ -5326,7 +5326,7 @@
             </a:ln>
             <a:extLst>
               <a:ext uri="{91240B29-F687-4f45-9708-019B960494DF}">
-                <a14:hiddenLine xmlns:a14="http://schemas.microsoft.com/office/drawing/2010/main" xmlns="" w="9525">
+                <a14:hiddenLine xmlns="" xmlns:a14="http://schemas.microsoft.com/office/drawing/2010/main" w="9525">
                   <a:solidFill>
                     <a:srgbClr val="000000"/>
                   </a:solidFill>
@@ -5416,7 +5416,7 @@
             </a:ln>
             <a:extLst>
               <a:ext uri="{91240B29-F687-4f45-9708-019B960494DF}">
-                <a14:hiddenLine xmlns:a14="http://schemas.microsoft.com/office/drawing/2010/main" xmlns="" w="9525">
+                <a14:hiddenLine xmlns="" xmlns:a14="http://schemas.microsoft.com/office/drawing/2010/main" w="9525">
                   <a:solidFill>
                     <a:srgbClr val="000000"/>
                   </a:solidFill>
@@ -5506,7 +5506,7 @@
             </a:ln>
             <a:extLst>
               <a:ext uri="{91240B29-F687-4f45-9708-019B960494DF}">
-                <a14:hiddenLine xmlns:a14="http://schemas.microsoft.com/office/drawing/2010/main" xmlns="" w="9525">
+                <a14:hiddenLine xmlns="" xmlns:a14="http://schemas.microsoft.com/office/drawing/2010/main" w="9525">
                   <a:solidFill>
                     <a:srgbClr val="000000"/>
                   </a:solidFill>
@@ -5568,7 +5568,7 @@
             </a:ln>
             <a:extLst>
               <a:ext uri="{91240B29-F687-4f45-9708-019B960494DF}">
-                <a14:hiddenLine xmlns:a14="http://schemas.microsoft.com/office/drawing/2010/main" xmlns="" w="9525">
+                <a14:hiddenLine xmlns="" xmlns:a14="http://schemas.microsoft.com/office/drawing/2010/main" w="9525">
                   <a:solidFill>
                     <a:srgbClr val="000000"/>
                   </a:solidFill>
@@ -5658,7 +5658,7 @@
             </a:ln>
             <a:extLst>
               <a:ext uri="{91240B29-F687-4f45-9708-019B960494DF}">
-                <a14:hiddenLine xmlns:a14="http://schemas.microsoft.com/office/drawing/2010/main" xmlns="" w="9525">
+                <a14:hiddenLine xmlns="" xmlns:a14="http://schemas.microsoft.com/office/drawing/2010/main" w="9525">
                   <a:solidFill>
                     <a:srgbClr val="000000"/>
                   </a:solidFill>
@@ -5748,7 +5748,7 @@
             </a:ln>
             <a:extLst>
               <a:ext uri="{91240B29-F687-4f45-9708-019B960494DF}">
-                <a14:hiddenLine xmlns:a14="http://schemas.microsoft.com/office/drawing/2010/main" xmlns="" w="9525">
+                <a14:hiddenLine xmlns="" xmlns:a14="http://schemas.microsoft.com/office/drawing/2010/main" w="9525">
                   <a:solidFill>
                     <a:srgbClr val="000000"/>
                   </a:solidFill>
@@ -5804,7 +5804,7 @@
             </a:ln>
             <a:extLst>
               <a:ext uri="{91240B29-F687-4f45-9708-019B960494DF}">
-                <a14:hiddenLine xmlns:a14="http://schemas.microsoft.com/office/drawing/2010/main" xmlns="" w="9525">
+                <a14:hiddenLine xmlns="" xmlns:a14="http://schemas.microsoft.com/office/drawing/2010/main" w="9525">
                   <a:solidFill>
                     <a:srgbClr val="000000"/>
                   </a:solidFill>
@@ -5894,7 +5894,7 @@
             </a:ln>
             <a:extLst>
               <a:ext uri="{91240B29-F687-4f45-9708-019B960494DF}">
-                <a14:hiddenLine xmlns:a14="http://schemas.microsoft.com/office/drawing/2010/main" xmlns="" w="9525">
+                <a14:hiddenLine xmlns="" xmlns:a14="http://schemas.microsoft.com/office/drawing/2010/main" w="9525">
                   <a:solidFill>
                     <a:srgbClr val="000000"/>
                   </a:solidFill>
@@ -5950,7 +5950,7 @@
             </a:ln>
             <a:extLst>
               <a:ext uri="{91240B29-F687-4f45-9708-019B960494DF}">
-                <a14:hiddenLine xmlns:a14="http://schemas.microsoft.com/office/drawing/2010/main" xmlns="" w="9525">
+                <a14:hiddenLine xmlns="" xmlns:a14="http://schemas.microsoft.com/office/drawing/2010/main" w="9525">
                   <a:solidFill>
                     <a:srgbClr val="000000"/>
                   </a:solidFill>
@@ -6040,7 +6040,7 @@
             </a:ln>
             <a:extLst>
               <a:ext uri="{91240B29-F687-4f45-9708-019B960494DF}">
-                <a14:hiddenLine xmlns:a14="http://schemas.microsoft.com/office/drawing/2010/main" xmlns="" w="9525">
+                <a14:hiddenLine xmlns="" xmlns:a14="http://schemas.microsoft.com/office/drawing/2010/main" w="9525">
                   <a:solidFill>
                     <a:srgbClr val="000000"/>
                   </a:solidFill>
@@ -6108,7 +6108,7 @@
             </a:ln>
             <a:extLst>
               <a:ext uri="{91240B29-F687-4f45-9708-019B960494DF}">
-                <a14:hiddenLine xmlns:a14="http://schemas.microsoft.com/office/drawing/2010/main" xmlns="" w="9525">
+                <a14:hiddenLine xmlns="" xmlns:a14="http://schemas.microsoft.com/office/drawing/2010/main" w="9525">
                   <a:solidFill>
                     <a:srgbClr val="000000"/>
                   </a:solidFill>
@@ -6198,7 +6198,7 @@
             </a:ln>
             <a:extLst>
               <a:ext uri="{91240B29-F687-4f45-9708-019B960494DF}">
-                <a14:hiddenLine xmlns:a14="http://schemas.microsoft.com/office/drawing/2010/main" xmlns="" w="9525">
+                <a14:hiddenLine xmlns="" xmlns:a14="http://schemas.microsoft.com/office/drawing/2010/main" w="9525">
                   <a:solidFill>
                     <a:srgbClr val="000000"/>
                   </a:solidFill>
@@ -6266,7 +6266,7 @@
             </a:ln>
             <a:extLst>
               <a:ext uri="{91240B29-F687-4f45-9708-019B960494DF}">
-                <a14:hiddenLine xmlns:a14="http://schemas.microsoft.com/office/drawing/2010/main" xmlns="" w="9525">
+                <a14:hiddenLine xmlns="" xmlns:a14="http://schemas.microsoft.com/office/drawing/2010/main" w="9525">
                   <a:solidFill>
                     <a:srgbClr val="000000"/>
                   </a:solidFill>
@@ -6356,7 +6356,7 @@
             </a:ln>
             <a:extLst>
               <a:ext uri="{91240B29-F687-4f45-9708-019B960494DF}">
-                <a14:hiddenLine xmlns:a14="http://schemas.microsoft.com/office/drawing/2010/main" xmlns="" w="9525">
+                <a14:hiddenLine xmlns="" xmlns:a14="http://schemas.microsoft.com/office/drawing/2010/main" w="9525">
                   <a:solidFill>
                     <a:srgbClr val="000000"/>
                   </a:solidFill>
@@ -6390,7 +6390,7 @@
             </a:ln>
             <a:extLst>
               <a:ext uri="{91240B29-F687-4f45-9708-019B960494DF}">
-                <a14:hiddenLine xmlns:a14="http://schemas.microsoft.com/office/drawing/2010/main" xmlns="" w="9525">
+                <a14:hiddenLine xmlns="" xmlns:a14="http://schemas.microsoft.com/office/drawing/2010/main" w="9525">
                   <a:solidFill>
                     <a:srgbClr val="000000"/>
                   </a:solidFill>
@@ -6480,7 +6480,7 @@
             </a:ln>
             <a:extLst>
               <a:ext uri="{91240B29-F687-4f45-9708-019B960494DF}">
-                <a14:hiddenLine xmlns:a14="http://schemas.microsoft.com/office/drawing/2010/main" xmlns="" w="9525">
+                <a14:hiddenLine xmlns="" xmlns:a14="http://schemas.microsoft.com/office/drawing/2010/main" w="9525">
                   <a:solidFill>
                     <a:srgbClr val="000000"/>
                   </a:solidFill>
@@ -6542,7 +6542,7 @@
             </a:ln>
             <a:extLst>
               <a:ext uri="{91240B29-F687-4f45-9708-019B960494DF}">
-                <a14:hiddenLine xmlns:a14="http://schemas.microsoft.com/office/drawing/2010/main" xmlns="" w="9525">
+                <a14:hiddenLine xmlns="" xmlns:a14="http://schemas.microsoft.com/office/drawing/2010/main" w="9525">
                   <a:solidFill>
                     <a:srgbClr val="000000"/>
                   </a:solidFill>
@@ -6604,7 +6604,7 @@
             </a:ln>
             <a:extLst>
               <a:ext uri="{91240B29-F687-4f45-9708-019B960494DF}">
-                <a14:hiddenLine xmlns:a14="http://schemas.microsoft.com/office/drawing/2010/main" xmlns="" w="9525">
+                <a14:hiddenLine xmlns="" xmlns:a14="http://schemas.microsoft.com/office/drawing/2010/main" w="9525">
                   <a:solidFill>
                     <a:srgbClr val="000000"/>
                   </a:solidFill>
@@ -6694,7 +6694,7 @@
             </a:ln>
             <a:extLst>
               <a:ext uri="{91240B29-F687-4f45-9708-019B960494DF}">
-                <a14:hiddenLine xmlns:a14="http://schemas.microsoft.com/office/drawing/2010/main" xmlns="" w="9525">
+                <a14:hiddenLine xmlns="" xmlns:a14="http://schemas.microsoft.com/office/drawing/2010/main" w="9525">
                   <a:solidFill>
                     <a:srgbClr val="000000"/>
                   </a:solidFill>
@@ -6762,7 +6762,7 @@
             </a:ln>
             <a:extLst>
               <a:ext uri="{91240B29-F687-4f45-9708-019B960494DF}">
-                <a14:hiddenLine xmlns:a14="http://schemas.microsoft.com/office/drawing/2010/main" xmlns="" w="9525">
+                <a14:hiddenLine xmlns="" xmlns:a14="http://schemas.microsoft.com/office/drawing/2010/main" w="9525">
                   <a:solidFill>
                     <a:srgbClr val="000000"/>
                   </a:solidFill>
@@ -6824,7 +6824,7 @@
             </a:ln>
             <a:extLst>
               <a:ext uri="{91240B29-F687-4f45-9708-019B960494DF}">
-                <a14:hiddenLine xmlns:a14="http://schemas.microsoft.com/office/drawing/2010/main" xmlns="" w="9525">
+                <a14:hiddenLine xmlns="" xmlns:a14="http://schemas.microsoft.com/office/drawing/2010/main" w="9525">
                   <a:solidFill>
                     <a:srgbClr val="000000"/>
                   </a:solidFill>
@@ -6914,7 +6914,7 @@
             </a:ln>
             <a:extLst>
               <a:ext uri="{91240B29-F687-4f45-9708-019B960494DF}">
-                <a14:hiddenLine xmlns:a14="http://schemas.microsoft.com/office/drawing/2010/main" xmlns="" w="9525">
+                <a14:hiddenLine xmlns="" xmlns:a14="http://schemas.microsoft.com/office/drawing/2010/main" w="9525">
                   <a:solidFill>
                     <a:srgbClr val="000000"/>
                   </a:solidFill>
@@ -6976,7 +6976,7 @@
             </a:ln>
             <a:extLst>
               <a:ext uri="{91240B29-F687-4f45-9708-019B960494DF}">
-                <a14:hiddenLine xmlns:a14="http://schemas.microsoft.com/office/drawing/2010/main" xmlns="" w="9525">
+                <a14:hiddenLine xmlns="" xmlns:a14="http://schemas.microsoft.com/office/drawing/2010/main" w="9525">
                   <a:solidFill>
                     <a:srgbClr val="000000"/>
                   </a:solidFill>
@@ -7066,7 +7066,7 @@
             </a:ln>
             <a:extLst>
               <a:ext uri="{91240B29-F687-4f45-9708-019B960494DF}">
-                <a14:hiddenLine xmlns:a14="http://schemas.microsoft.com/office/drawing/2010/main" xmlns="" w="9525">
+                <a14:hiddenLine xmlns="" xmlns:a14="http://schemas.microsoft.com/office/drawing/2010/main" w="9525">
                   <a:solidFill>
                     <a:srgbClr val="000000"/>
                   </a:solidFill>
@@ -7128,7 +7128,7 @@
             </a:ln>
             <a:extLst>
               <a:ext uri="{91240B29-F687-4f45-9708-019B960494DF}">
-                <a14:hiddenLine xmlns:a14="http://schemas.microsoft.com/office/drawing/2010/main" xmlns="" w="9525">
+                <a14:hiddenLine xmlns="" xmlns:a14="http://schemas.microsoft.com/office/drawing/2010/main" w="9525">
                   <a:solidFill>
                     <a:srgbClr val="000000"/>
                   </a:solidFill>
@@ -7218,7 +7218,7 @@
             </a:ln>
             <a:extLst>
               <a:ext uri="{91240B29-F687-4f45-9708-019B960494DF}">
-                <a14:hiddenLine xmlns:a14="http://schemas.microsoft.com/office/drawing/2010/main" xmlns="" w="9525">
+                <a14:hiddenLine xmlns="" xmlns:a14="http://schemas.microsoft.com/office/drawing/2010/main" w="9525">
                   <a:solidFill>
                     <a:srgbClr val="000000"/>
                   </a:solidFill>
@@ -7252,7 +7252,7 @@
             </a:ln>
             <a:extLst>
               <a:ext uri="{91240B29-F687-4f45-9708-019B960494DF}">
-                <a14:hiddenLine xmlns:a14="http://schemas.microsoft.com/office/drawing/2010/main" xmlns="" w="9525">
+                <a14:hiddenLine xmlns="" xmlns:a14="http://schemas.microsoft.com/office/drawing/2010/main" w="9525">
                   <a:solidFill>
                     <a:srgbClr val="000000"/>
                   </a:solidFill>
@@ -7317,7 +7317,7 @@
             </a:ln>
             <a:extLst>
               <a:ext uri="{91240B29-F687-4f45-9708-019B960494DF}">
-                <a14:hiddenLine xmlns:a14="http://schemas.microsoft.com/office/drawing/2010/main" xmlns="" w="9525">
+                <a14:hiddenLine xmlns="" xmlns:a14="http://schemas.microsoft.com/office/drawing/2010/main" w="9525">
                   <a:solidFill>
                     <a:srgbClr val="000000"/>
                   </a:solidFill>
@@ -7407,7 +7407,7 @@
             </a:ln>
             <a:extLst>
               <a:ext uri="{91240B29-F687-4f45-9708-019B960494DF}">
-                <a14:hiddenLine xmlns:a14="http://schemas.microsoft.com/office/drawing/2010/main" xmlns="" w="9525">
+                <a14:hiddenLine xmlns="" xmlns:a14="http://schemas.microsoft.com/office/drawing/2010/main" w="9525">
                   <a:solidFill>
                     <a:srgbClr val="000000"/>
                   </a:solidFill>
@@ -7469,7 +7469,7 @@
             </a:ln>
             <a:extLst>
               <a:ext uri="{91240B29-F687-4f45-9708-019B960494DF}">
-                <a14:hiddenLine xmlns:a14="http://schemas.microsoft.com/office/drawing/2010/main" xmlns="" w="9525">
+                <a14:hiddenLine xmlns="" xmlns:a14="http://schemas.microsoft.com/office/drawing/2010/main" w="9525">
                   <a:solidFill>
                     <a:srgbClr val="000000"/>
                   </a:solidFill>
@@ -7559,7 +7559,7 @@
             </a:ln>
             <a:extLst>
               <a:ext uri="{91240B29-F687-4f45-9708-019B960494DF}">
-                <a14:hiddenLine xmlns:a14="http://schemas.microsoft.com/office/drawing/2010/main" xmlns="" w="9525">
+                <a14:hiddenLine xmlns="" xmlns:a14="http://schemas.microsoft.com/office/drawing/2010/main" w="9525">
                   <a:solidFill>
                     <a:srgbClr val="000000"/>
                   </a:solidFill>
@@ -7649,7 +7649,7 @@
             </a:ln>
             <a:extLst>
               <a:ext uri="{91240B29-F687-4f45-9708-019B960494DF}">
-                <a14:hiddenLine xmlns:a14="http://schemas.microsoft.com/office/drawing/2010/main" xmlns="" w="9525">
+                <a14:hiddenLine xmlns="" xmlns:a14="http://schemas.microsoft.com/office/drawing/2010/main" w="9525">
                   <a:solidFill>
                     <a:srgbClr val="000000"/>
                   </a:solidFill>
@@ -7714,7 +7714,7 @@
             </a:ln>
             <a:extLst>
               <a:ext uri="{91240B29-F687-4f45-9708-019B960494DF}">
-                <a14:hiddenLine xmlns:a14="http://schemas.microsoft.com/office/drawing/2010/main" xmlns="" w="9525">
+                <a14:hiddenLine xmlns="" xmlns:a14="http://schemas.microsoft.com/office/drawing/2010/main" w="9525">
                   <a:solidFill>
                     <a:srgbClr val="000000"/>
                   </a:solidFill>
@@ -7776,7 +7776,7 @@
             </a:ln>
             <a:extLst>
               <a:ext uri="{91240B29-F687-4f45-9708-019B960494DF}">
-                <a14:hiddenLine xmlns:a14="http://schemas.microsoft.com/office/drawing/2010/main" xmlns="" w="9525">
+                <a14:hiddenLine xmlns="" xmlns:a14="http://schemas.microsoft.com/office/drawing/2010/main" w="9525">
                   <a:solidFill>
                     <a:srgbClr val="000000"/>
                   </a:solidFill>
@@ -7866,7 +7866,7 @@
             </a:ln>
             <a:extLst>
               <a:ext uri="{91240B29-F687-4f45-9708-019B960494DF}">
-                <a14:hiddenLine xmlns:a14="http://schemas.microsoft.com/office/drawing/2010/main" xmlns="" w="9525">
+                <a14:hiddenLine xmlns="" xmlns:a14="http://schemas.microsoft.com/office/drawing/2010/main" w="9525">
                   <a:solidFill>
                     <a:srgbClr val="000000"/>
                   </a:solidFill>
@@ -7956,7 +7956,7 @@
             </a:ln>
             <a:extLst>
               <a:ext uri="{91240B29-F687-4f45-9708-019B960494DF}">
-                <a14:hiddenLine xmlns:a14="http://schemas.microsoft.com/office/drawing/2010/main" xmlns="" w="9525">
+                <a14:hiddenLine xmlns="" xmlns:a14="http://schemas.microsoft.com/office/drawing/2010/main" w="9525">
                   <a:solidFill>
                     <a:srgbClr val="000000"/>
                   </a:solidFill>
@@ -8018,7 +8018,7 @@
             </a:ln>
             <a:extLst>
               <a:ext uri="{91240B29-F687-4f45-9708-019B960494DF}">
-                <a14:hiddenLine xmlns:a14="http://schemas.microsoft.com/office/drawing/2010/main" xmlns="" w="9525">
+                <a14:hiddenLine xmlns="" xmlns:a14="http://schemas.microsoft.com/office/drawing/2010/main" w="9525">
                   <a:solidFill>
                     <a:srgbClr val="000000"/>
                   </a:solidFill>
@@ -8138,7 +8138,7 @@
             </a:ln>
             <a:extLst>
               <a:ext uri="{91240B29-F687-4f45-9708-019B960494DF}">
-                <a14:hiddenLine xmlns:a14="http://schemas.microsoft.com/office/drawing/2010/main" xmlns="" w="9525">
+                <a14:hiddenLine xmlns="" xmlns:a14="http://schemas.microsoft.com/office/drawing/2010/main" w="9525">
                   <a:solidFill>
                     <a:srgbClr val="000000"/>
                   </a:solidFill>
@@ -8206,7 +8206,7 @@
             </a:ln>
             <a:extLst>
               <a:ext uri="{91240B29-F687-4f45-9708-019B960494DF}">
-                <a14:hiddenLine xmlns:a14="http://schemas.microsoft.com/office/drawing/2010/main" xmlns="" w="9525">
+                <a14:hiddenLine xmlns="" xmlns:a14="http://schemas.microsoft.com/office/drawing/2010/main" w="9525">
                   <a:solidFill>
                     <a:srgbClr val="000000"/>
                   </a:solidFill>
@@ -8296,7 +8296,7 @@
             </a:ln>
             <a:extLst>
               <a:ext uri="{91240B29-F687-4f45-9708-019B960494DF}">
-                <a14:hiddenLine xmlns:a14="http://schemas.microsoft.com/office/drawing/2010/main" xmlns="" w="9525">
+                <a14:hiddenLine xmlns="" xmlns:a14="http://schemas.microsoft.com/office/drawing/2010/main" w="9525">
                   <a:solidFill>
                     <a:srgbClr val="000000"/>
                   </a:solidFill>
@@ -8436,7 +8436,7 @@
           <a:p>
             <a:fld id="{48A87A34-81AB-432B-8DAE-1953F412C126}" type="datetimeFigureOut">
               <a:rPr lang="en-US" dirty="0"/>
-              <a:t>10/16/2017</a:t>
+              <a:t>10/17/2017</a:t>
             </a:fld>
             <a:endParaRPr lang="en-US" dirty="0"/>
           </a:p>
@@ -8698,7 +8698,7 @@
           <a:p>
             <a:fld id="{48A87A34-81AB-432B-8DAE-1953F412C126}" type="datetimeFigureOut">
               <a:rPr lang="en-US" dirty="0"/>
-              <a:t>10/16/2017</a:t>
+              <a:t>10/17/2017</a:t>
             </a:fld>
             <a:endParaRPr lang="en-US" dirty="0"/>
           </a:p>
@@ -8889,7 +8889,7 @@
           <a:p>
             <a:fld id="{48A87A34-81AB-432B-8DAE-1953F412C126}" type="datetimeFigureOut">
               <a:rPr lang="en-US" dirty="0"/>
-              <a:t>10/16/2017</a:t>
+              <a:t>10/17/2017</a:t>
             </a:fld>
             <a:endParaRPr lang="en-US" dirty="0"/>
           </a:p>
@@ -9147,7 +9147,7 @@
           <a:p>
             <a:fld id="{48A87A34-81AB-432B-8DAE-1953F412C126}" type="datetimeFigureOut">
               <a:rPr lang="en-US" dirty="0"/>
-              <a:t>10/16/2017</a:t>
+              <a:t>10/17/2017</a:t>
             </a:fld>
             <a:endParaRPr lang="en-US" dirty="0"/>
           </a:p>
@@ -9576,7 +9576,7 @@
           <a:p>
             <a:fld id="{48A87A34-81AB-432B-8DAE-1953F412C126}" type="datetimeFigureOut">
               <a:rPr lang="en-US" dirty="0"/>
-              <a:t>10/16/2017</a:t>
+              <a:t>10/17/2017</a:t>
             </a:fld>
             <a:endParaRPr lang="en-US" dirty="0"/>
           </a:p>
@@ -10117,7 +10117,7 @@
           <a:p>
             <a:fld id="{48A87A34-81AB-432B-8DAE-1953F412C126}" type="datetimeFigureOut">
               <a:rPr lang="en-US" dirty="0"/>
-              <a:t>10/16/2017</a:t>
+              <a:t>10/17/2017</a:t>
             </a:fld>
             <a:endParaRPr lang="en-US" dirty="0"/>
           </a:p>
@@ -10832,7 +10832,7 @@
           <a:p>
             <a:fld id="{48A87A34-81AB-432B-8DAE-1953F412C126}" type="datetimeFigureOut">
               <a:rPr lang="en-US" dirty="0"/>
-              <a:t>10/16/2017</a:t>
+              <a:t>10/17/2017</a:t>
             </a:fld>
             <a:endParaRPr lang="en-US" dirty="0"/>
           </a:p>
@@ -10997,7 +10997,7 @@
           <a:p>
             <a:fld id="{48A87A34-81AB-432B-8DAE-1953F412C126}" type="datetimeFigureOut">
               <a:rPr lang="en-US" dirty="0"/>
-              <a:t>10/16/2017</a:t>
+              <a:t>10/17/2017</a:t>
             </a:fld>
             <a:endParaRPr lang="en-US" dirty="0"/>
           </a:p>
@@ -11172,7 +11172,7 @@
           <a:p>
             <a:fld id="{48A87A34-81AB-432B-8DAE-1953F412C126}" type="datetimeFigureOut">
               <a:rPr lang="en-US" dirty="0"/>
-              <a:t>10/16/2017</a:t>
+              <a:t>10/17/2017</a:t>
             </a:fld>
             <a:endParaRPr lang="en-US" dirty="0"/>
           </a:p>
@@ -11337,7 +11337,7 @@
           <a:p>
             <a:fld id="{48A87A34-81AB-432B-8DAE-1953F412C126}" type="datetimeFigureOut">
               <a:rPr lang="en-US" dirty="0"/>
-              <a:t>10/16/2017</a:t>
+              <a:t>10/17/2017</a:t>
             </a:fld>
             <a:endParaRPr lang="en-US" dirty="0"/>
           </a:p>
@@ -11582,7 +11582,7 @@
           <a:p>
             <a:fld id="{48A87A34-81AB-432B-8DAE-1953F412C126}" type="datetimeFigureOut">
               <a:rPr lang="en-US" dirty="0"/>
-              <a:t>10/16/2017</a:t>
+              <a:t>10/17/2017</a:t>
             </a:fld>
             <a:endParaRPr lang="en-US" dirty="0"/>
           </a:p>
@@ -11809,7 +11809,7 @@
           <a:p>
             <a:fld id="{48A87A34-81AB-432B-8DAE-1953F412C126}" type="datetimeFigureOut">
               <a:rPr lang="en-US" dirty="0"/>
-              <a:t>10/16/2017</a:t>
+              <a:t>10/17/2017</a:t>
             </a:fld>
             <a:endParaRPr lang="en-US" dirty="0"/>
           </a:p>
@@ -12185,7 +12185,7 @@
           <a:p>
             <a:fld id="{48A87A34-81AB-432B-8DAE-1953F412C126}" type="datetimeFigureOut">
               <a:rPr lang="en-US" dirty="0"/>
-              <a:t>10/16/2017</a:t>
+              <a:t>10/17/2017</a:t>
             </a:fld>
             <a:endParaRPr lang="en-US" dirty="0"/>
           </a:p>
@@ -12298,7 +12298,7 @@
           <a:p>
             <a:fld id="{48A87A34-81AB-432B-8DAE-1953F412C126}" type="datetimeFigureOut">
               <a:rPr lang="en-US" dirty="0"/>
-              <a:t>10/16/2017</a:t>
+              <a:t>10/17/2017</a:t>
             </a:fld>
             <a:endParaRPr lang="en-US" dirty="0"/>
           </a:p>
@@ -12388,7 +12388,7 @@
           <a:p>
             <a:fld id="{48A87A34-81AB-432B-8DAE-1953F412C126}" type="datetimeFigureOut">
               <a:rPr lang="en-US" dirty="0"/>
-              <a:t>10/16/2017</a:t>
+              <a:t>10/17/2017</a:t>
             </a:fld>
             <a:endParaRPr lang="en-US" dirty="0"/>
           </a:p>
@@ -12632,7 +12632,7 @@
           <a:p>
             <a:fld id="{48A87A34-81AB-432B-8DAE-1953F412C126}" type="datetimeFigureOut">
               <a:rPr lang="en-US" dirty="0"/>
-              <a:t>10/16/2017</a:t>
+              <a:t>10/17/2017</a:t>
             </a:fld>
             <a:endParaRPr lang="en-US" dirty="0"/>
           </a:p>
@@ -12907,7 +12907,7 @@
           <a:p>
             <a:fld id="{48A87A34-81AB-432B-8DAE-1953F412C126}" type="datetimeFigureOut">
               <a:rPr lang="en-US" dirty="0"/>
-              <a:t>10/16/2017</a:t>
+              <a:t>10/17/2017</a:t>
             </a:fld>
             <a:endParaRPr lang="en-US" dirty="0"/>
           </a:p>
@@ -13025,7 +13025,7 @@
           <a:noFill/>
           <a:extLst>
             <a:ext uri="{909E8E84-426E-40dd-AFC4-6F175D3DCCD1}">
-              <a14:hiddenFill xmlns:a14="http://schemas.microsoft.com/office/drawing/2010/main" xmlns="">
+              <a14:hiddenFill xmlns="" xmlns:a14="http://schemas.microsoft.com/office/drawing/2010/main">
                 <a:solidFill>
                   <a:srgbClr val="FFFFFF"/>
                 </a:solidFill>
@@ -13099,7 +13099,7 @@
               </a:ln>
               <a:extLst>
                 <a:ext uri="{91240B29-F687-4f45-9708-019B960494DF}">
-                  <a14:hiddenLine xmlns:a14="http://schemas.microsoft.com/office/drawing/2010/main" xmlns="" w="9525">
+                  <a14:hiddenLine xmlns="" xmlns:a14="http://schemas.microsoft.com/office/drawing/2010/main" w="9525">
                     <a:solidFill>
                       <a:srgbClr val="000000"/>
                     </a:solidFill>
@@ -13189,7 +13189,7 @@
               </a:ln>
               <a:extLst>
                 <a:ext uri="{91240B29-F687-4f45-9708-019B960494DF}">
-                  <a14:hiddenLine xmlns:a14="http://schemas.microsoft.com/office/drawing/2010/main" xmlns="" w="9525">
+                  <a14:hiddenLine xmlns="" xmlns:a14="http://schemas.microsoft.com/office/drawing/2010/main" w="9525">
                     <a:solidFill>
                       <a:srgbClr val="000000"/>
                     </a:solidFill>
@@ -13279,7 +13279,7 @@
               </a:ln>
               <a:extLst>
                 <a:ext uri="{91240B29-F687-4f45-9708-019B960494DF}">
-                  <a14:hiddenLine xmlns:a14="http://schemas.microsoft.com/office/drawing/2010/main" xmlns="" w="9525">
+                  <a14:hiddenLine xmlns="" xmlns:a14="http://schemas.microsoft.com/office/drawing/2010/main" w="9525">
                     <a:solidFill>
                       <a:srgbClr val="000000"/>
                     </a:solidFill>
@@ -13341,7 +13341,7 @@
               </a:ln>
               <a:extLst>
                 <a:ext uri="{91240B29-F687-4f45-9708-019B960494DF}">
-                  <a14:hiddenLine xmlns:a14="http://schemas.microsoft.com/office/drawing/2010/main" xmlns="" w="9525">
+                  <a14:hiddenLine xmlns="" xmlns:a14="http://schemas.microsoft.com/office/drawing/2010/main" w="9525">
                     <a:solidFill>
                       <a:srgbClr val="000000"/>
                     </a:solidFill>
@@ -13431,7 +13431,7 @@
               </a:ln>
               <a:extLst>
                 <a:ext uri="{91240B29-F687-4f45-9708-019B960494DF}">
-                  <a14:hiddenLine xmlns:a14="http://schemas.microsoft.com/office/drawing/2010/main" xmlns="" w="9525">
+                  <a14:hiddenLine xmlns="" xmlns:a14="http://schemas.microsoft.com/office/drawing/2010/main" w="9525">
                     <a:solidFill>
                       <a:srgbClr val="000000"/>
                     </a:solidFill>
@@ -13493,7 +13493,7 @@
               </a:ln>
               <a:extLst>
                 <a:ext uri="{91240B29-F687-4f45-9708-019B960494DF}">
-                  <a14:hiddenLine xmlns:a14="http://schemas.microsoft.com/office/drawing/2010/main" xmlns="" w="9525">
+                  <a14:hiddenLine xmlns="" xmlns:a14="http://schemas.microsoft.com/office/drawing/2010/main" w="9525">
                     <a:solidFill>
                       <a:srgbClr val="000000"/>
                     </a:solidFill>
@@ -13555,7 +13555,7 @@
               </a:ln>
               <a:extLst>
                 <a:ext uri="{91240B29-F687-4f45-9708-019B960494DF}">
-                  <a14:hiddenLine xmlns:a14="http://schemas.microsoft.com/office/drawing/2010/main" xmlns="" w="9525">
+                  <a14:hiddenLine xmlns="" xmlns:a14="http://schemas.microsoft.com/office/drawing/2010/main" w="9525">
                     <a:solidFill>
                       <a:srgbClr val="000000"/>
                     </a:solidFill>
@@ -13645,7 +13645,7 @@
               </a:ln>
               <a:extLst>
                 <a:ext uri="{91240B29-F687-4f45-9708-019B960494DF}">
-                  <a14:hiddenLine xmlns:a14="http://schemas.microsoft.com/office/drawing/2010/main" xmlns="" w="9525">
+                  <a14:hiddenLine xmlns="" xmlns:a14="http://schemas.microsoft.com/office/drawing/2010/main" w="9525">
                     <a:solidFill>
                       <a:srgbClr val="000000"/>
                     </a:solidFill>
@@ -13735,7 +13735,7 @@
               </a:ln>
               <a:extLst>
                 <a:ext uri="{91240B29-F687-4f45-9708-019B960494DF}">
-                  <a14:hiddenLine xmlns:a14="http://schemas.microsoft.com/office/drawing/2010/main" xmlns="" w="9525">
+                  <a14:hiddenLine xmlns="" xmlns:a14="http://schemas.microsoft.com/office/drawing/2010/main" w="9525">
                     <a:solidFill>
                       <a:srgbClr val="000000"/>
                     </a:solidFill>
@@ -13797,7 +13797,7 @@
               </a:ln>
               <a:extLst>
                 <a:ext uri="{91240B29-F687-4f45-9708-019B960494DF}">
-                  <a14:hiddenLine xmlns:a14="http://schemas.microsoft.com/office/drawing/2010/main" xmlns="" w="9525">
+                  <a14:hiddenLine xmlns="" xmlns:a14="http://schemas.microsoft.com/office/drawing/2010/main" w="9525">
                     <a:solidFill>
                       <a:srgbClr val="000000"/>
                     </a:solidFill>
@@ -13907,7 +13907,7 @@
               </a:ln>
               <a:extLst>
                 <a:ext uri="{91240B29-F687-4f45-9708-019B960494DF}">
-                  <a14:hiddenLine xmlns:a14="http://schemas.microsoft.com/office/drawing/2010/main" xmlns="" w="9525">
+                  <a14:hiddenLine xmlns="" xmlns:a14="http://schemas.microsoft.com/office/drawing/2010/main" w="9525">
                     <a:solidFill>
                       <a:srgbClr val="000000"/>
                     </a:solidFill>
@@ -13991,7 +13991,7 @@
               </a:ln>
               <a:extLst>
                 <a:ext uri="{91240B29-F687-4f45-9708-019B960494DF}">
-                  <a14:hiddenLine xmlns:a14="http://schemas.microsoft.com/office/drawing/2010/main" xmlns="" w="9525">
+                  <a14:hiddenLine xmlns="" xmlns:a14="http://schemas.microsoft.com/office/drawing/2010/main" w="9525">
                     <a:solidFill>
                       <a:srgbClr val="000000"/>
                     </a:solidFill>
@@ -14053,7 +14053,7 @@
               </a:ln>
               <a:extLst>
                 <a:ext uri="{91240B29-F687-4f45-9708-019B960494DF}">
-                  <a14:hiddenLine xmlns:a14="http://schemas.microsoft.com/office/drawing/2010/main" xmlns="" w="9525">
+                  <a14:hiddenLine xmlns="" xmlns:a14="http://schemas.microsoft.com/office/drawing/2010/main" w="9525">
                     <a:solidFill>
                       <a:srgbClr val="000000"/>
                     </a:solidFill>
@@ -14115,7 +14115,7 @@
               </a:ln>
               <a:extLst>
                 <a:ext uri="{91240B29-F687-4f45-9708-019B960494DF}">
-                  <a14:hiddenLine xmlns:a14="http://schemas.microsoft.com/office/drawing/2010/main" xmlns="" w="9525">
+                  <a14:hiddenLine xmlns="" xmlns:a14="http://schemas.microsoft.com/office/drawing/2010/main" w="9525">
                     <a:solidFill>
                       <a:srgbClr val="000000"/>
                     </a:solidFill>
@@ -14205,7 +14205,7 @@
               </a:ln>
               <a:extLst>
                 <a:ext uri="{91240B29-F687-4f45-9708-019B960494DF}">
-                  <a14:hiddenLine xmlns:a14="http://schemas.microsoft.com/office/drawing/2010/main" xmlns="" w="9525">
+                  <a14:hiddenLine xmlns="" xmlns:a14="http://schemas.microsoft.com/office/drawing/2010/main" w="9525">
                     <a:solidFill>
                       <a:srgbClr val="000000"/>
                     </a:solidFill>
@@ -14239,7 +14239,7 @@
               </a:ln>
               <a:extLst>
                 <a:ext uri="{91240B29-F687-4f45-9708-019B960494DF}">
-                  <a14:hiddenLine xmlns:a14="http://schemas.microsoft.com/office/drawing/2010/main" xmlns="" w="9525">
+                  <a14:hiddenLine xmlns="" xmlns:a14="http://schemas.microsoft.com/office/drawing/2010/main" w="9525">
                     <a:solidFill>
                       <a:srgbClr val="000000"/>
                     </a:solidFill>
@@ -14304,7 +14304,7 @@
               </a:ln>
               <a:extLst>
                 <a:ext uri="{91240B29-F687-4f45-9708-019B960494DF}">
-                  <a14:hiddenLine xmlns:a14="http://schemas.microsoft.com/office/drawing/2010/main" xmlns="" w="9525">
+                  <a14:hiddenLine xmlns="" xmlns:a14="http://schemas.microsoft.com/office/drawing/2010/main" w="9525">
                     <a:solidFill>
                       <a:srgbClr val="000000"/>
                     </a:solidFill>
@@ -14394,7 +14394,7 @@
               </a:ln>
               <a:extLst>
                 <a:ext uri="{91240B29-F687-4f45-9708-019B960494DF}">
-                  <a14:hiddenLine xmlns:a14="http://schemas.microsoft.com/office/drawing/2010/main" xmlns="" w="9525">
+                  <a14:hiddenLine xmlns="" xmlns:a14="http://schemas.microsoft.com/office/drawing/2010/main" w="9525">
                     <a:solidFill>
                       <a:srgbClr val="000000"/>
                     </a:solidFill>
@@ -14456,7 +14456,7 @@
               </a:ln>
               <a:extLst>
                 <a:ext uri="{91240B29-F687-4f45-9708-019B960494DF}">
-                  <a14:hiddenLine xmlns:a14="http://schemas.microsoft.com/office/drawing/2010/main" xmlns="" w="9525">
+                  <a14:hiddenLine xmlns="" xmlns:a14="http://schemas.microsoft.com/office/drawing/2010/main" w="9525">
                     <a:solidFill>
                       <a:srgbClr val="000000"/>
                     </a:solidFill>
@@ -14546,7 +14546,7 @@
               </a:ln>
               <a:extLst>
                 <a:ext uri="{91240B29-F687-4f45-9708-019B960494DF}">
-                  <a14:hiddenLine xmlns:a14="http://schemas.microsoft.com/office/drawing/2010/main" xmlns="" w="9525">
+                  <a14:hiddenLine xmlns="" xmlns:a14="http://schemas.microsoft.com/office/drawing/2010/main" w="9525">
                     <a:solidFill>
                       <a:srgbClr val="000000"/>
                     </a:solidFill>
@@ -14611,7 +14611,7 @@
               </a:ln>
               <a:extLst>
                 <a:ext uri="{91240B29-F687-4f45-9708-019B960494DF}">
-                  <a14:hiddenLine xmlns:a14="http://schemas.microsoft.com/office/drawing/2010/main" xmlns="" w="9525">
+                  <a14:hiddenLine xmlns="" xmlns:a14="http://schemas.microsoft.com/office/drawing/2010/main" w="9525">
                     <a:solidFill>
                       <a:srgbClr val="000000"/>
                     </a:solidFill>
@@ -14673,7 +14673,7 @@
               </a:ln>
               <a:extLst>
                 <a:ext uri="{91240B29-F687-4f45-9708-019B960494DF}">
-                  <a14:hiddenLine xmlns:a14="http://schemas.microsoft.com/office/drawing/2010/main" xmlns="" w="9525">
+                  <a14:hiddenLine xmlns="" xmlns:a14="http://schemas.microsoft.com/office/drawing/2010/main" w="9525">
                     <a:solidFill>
                       <a:srgbClr val="000000"/>
                     </a:solidFill>
@@ -14763,7 +14763,7 @@
               </a:ln>
               <a:extLst>
                 <a:ext uri="{91240B29-F687-4f45-9708-019B960494DF}">
-                  <a14:hiddenLine xmlns:a14="http://schemas.microsoft.com/office/drawing/2010/main" xmlns="" w="9525">
+                  <a14:hiddenLine xmlns="" xmlns:a14="http://schemas.microsoft.com/office/drawing/2010/main" w="9525">
                     <a:solidFill>
                       <a:srgbClr val="000000"/>
                     </a:solidFill>
@@ -14853,7 +14853,7 @@
               </a:ln>
               <a:extLst>
                 <a:ext uri="{91240B29-F687-4f45-9708-019B960494DF}">
-                  <a14:hiddenLine xmlns:a14="http://schemas.microsoft.com/office/drawing/2010/main" xmlns="" w="9525">
+                  <a14:hiddenLine xmlns="" xmlns:a14="http://schemas.microsoft.com/office/drawing/2010/main" w="9525">
                     <a:solidFill>
                       <a:srgbClr val="000000"/>
                     </a:solidFill>
@@ -14918,7 +14918,7 @@
               </a:ln>
               <a:extLst>
                 <a:ext uri="{91240B29-F687-4f45-9708-019B960494DF}">
-                  <a14:hiddenLine xmlns:a14="http://schemas.microsoft.com/office/drawing/2010/main" xmlns="" w="9525">
+                  <a14:hiddenLine xmlns="" xmlns:a14="http://schemas.microsoft.com/office/drawing/2010/main" w="9525">
                     <a:solidFill>
                       <a:srgbClr val="000000"/>
                     </a:solidFill>
@@ -15038,7 +15038,7 @@
               </a:ln>
               <a:extLst>
                 <a:ext uri="{91240B29-F687-4f45-9708-019B960494DF}">
-                  <a14:hiddenLine xmlns:a14="http://schemas.microsoft.com/office/drawing/2010/main" xmlns="" w="9525">
+                  <a14:hiddenLine xmlns="" xmlns:a14="http://schemas.microsoft.com/office/drawing/2010/main" w="9525">
                     <a:solidFill>
                       <a:srgbClr val="000000"/>
                     </a:solidFill>
@@ -15119,7 +15119,7 @@
               </a:ln>
               <a:extLst>
                 <a:ext uri="{91240B29-F687-4f45-9708-019B960494DF}">
-                  <a14:hiddenLine xmlns:a14="http://schemas.microsoft.com/office/drawing/2010/main" xmlns="" w="9525">
+                  <a14:hiddenLine xmlns="" xmlns:a14="http://schemas.microsoft.com/office/drawing/2010/main" w="9525">
                     <a:solidFill>
                       <a:srgbClr val="000000"/>
                     </a:solidFill>
@@ -15234,7 +15234,7 @@
               </a:ln>
               <a:extLst>
                 <a:ext uri="{91240B29-F687-4f45-9708-019B960494DF}">
-                  <a14:hiddenLine xmlns:a14="http://schemas.microsoft.com/office/drawing/2010/main" xmlns="" w="9525">
+                  <a14:hiddenLine xmlns="" xmlns:a14="http://schemas.microsoft.com/office/drawing/2010/main" w="9525">
                     <a:solidFill>
                       <a:srgbClr val="000000"/>
                     </a:solidFill>
@@ -15324,7 +15324,7 @@
               </a:ln>
               <a:extLst>
                 <a:ext uri="{91240B29-F687-4f45-9708-019B960494DF}">
-                  <a14:hiddenLine xmlns:a14="http://schemas.microsoft.com/office/drawing/2010/main" xmlns="" w="9525">
+                  <a14:hiddenLine xmlns="" xmlns:a14="http://schemas.microsoft.com/office/drawing/2010/main" w="9525">
                     <a:solidFill>
                       <a:srgbClr val="000000"/>
                     </a:solidFill>
@@ -15389,7 +15389,7 @@
               </a:ln>
               <a:extLst>
                 <a:ext uri="{91240B29-F687-4f45-9708-019B960494DF}">
-                  <a14:hiddenLine xmlns:a14="http://schemas.microsoft.com/office/drawing/2010/main" xmlns="" w="9525">
+                  <a14:hiddenLine xmlns="" xmlns:a14="http://schemas.microsoft.com/office/drawing/2010/main" w="9525">
                     <a:solidFill>
                       <a:srgbClr val="000000"/>
                     </a:solidFill>
@@ -15479,7 +15479,7 @@
               </a:ln>
               <a:extLst>
                 <a:ext uri="{91240B29-F687-4f45-9708-019B960494DF}">
-                  <a14:hiddenLine xmlns:a14="http://schemas.microsoft.com/office/drawing/2010/main" xmlns="" w="9525">
+                  <a14:hiddenLine xmlns="" xmlns:a14="http://schemas.microsoft.com/office/drawing/2010/main" w="9525">
                     <a:solidFill>
                       <a:srgbClr val="000000"/>
                     </a:solidFill>
@@ -15547,7 +15547,7 @@
               </a:ln>
               <a:extLst>
                 <a:ext uri="{91240B29-F687-4f45-9708-019B960494DF}">
-                  <a14:hiddenLine xmlns:a14="http://schemas.microsoft.com/office/drawing/2010/main" xmlns="" w="9525">
+                  <a14:hiddenLine xmlns="" xmlns:a14="http://schemas.microsoft.com/office/drawing/2010/main" w="9525">
                     <a:solidFill>
                       <a:srgbClr val="000000"/>
                     </a:solidFill>
@@ -15637,7 +15637,7 @@
               </a:ln>
               <a:extLst>
                 <a:ext uri="{91240B29-F687-4f45-9708-019B960494DF}">
-                  <a14:hiddenLine xmlns:a14="http://schemas.microsoft.com/office/drawing/2010/main" xmlns="" w="9525">
+                  <a14:hiddenLine xmlns="" xmlns:a14="http://schemas.microsoft.com/office/drawing/2010/main" w="9525">
                     <a:solidFill>
                       <a:srgbClr val="000000"/>
                     </a:solidFill>
@@ -15705,7 +15705,7 @@
               </a:ln>
               <a:extLst>
                 <a:ext uri="{91240B29-F687-4f45-9708-019B960494DF}">
-                  <a14:hiddenLine xmlns:a14="http://schemas.microsoft.com/office/drawing/2010/main" xmlns="" w="9525">
+                  <a14:hiddenLine xmlns="" xmlns:a14="http://schemas.microsoft.com/office/drawing/2010/main" w="9525">
                     <a:solidFill>
                       <a:srgbClr val="000000"/>
                     </a:solidFill>
@@ -15795,7 +15795,7 @@
               </a:ln>
               <a:extLst>
                 <a:ext uri="{91240B29-F687-4f45-9708-019B960494DF}">
-                  <a14:hiddenLine xmlns:a14="http://schemas.microsoft.com/office/drawing/2010/main" xmlns="" w="9525">
+                  <a14:hiddenLine xmlns="" xmlns:a14="http://schemas.microsoft.com/office/drawing/2010/main" w="9525">
                     <a:solidFill>
                       <a:srgbClr val="000000"/>
                     </a:solidFill>
@@ -15829,7 +15829,7 @@
               </a:ln>
               <a:extLst>
                 <a:ext uri="{91240B29-F687-4f45-9708-019B960494DF}">
-                  <a14:hiddenLine xmlns:a14="http://schemas.microsoft.com/office/drawing/2010/main" xmlns="" w="9525">
+                  <a14:hiddenLine xmlns="" xmlns:a14="http://schemas.microsoft.com/office/drawing/2010/main" w="9525">
                     <a:solidFill>
                       <a:srgbClr val="000000"/>
                     </a:solidFill>
@@ -15970,7 +15970,7 @@
             <a:fld id="{48A87A34-81AB-432B-8DAE-1953F412C126}" type="datetimeFigureOut">
               <a:rPr lang="en-US" dirty="0"/>
               <a:pPr/>
-              <a:t>10/16/2017</a:t>
+              <a:t>10/17/2017</a:t>
             </a:fld>
             <a:endParaRPr lang="en-US" dirty="0"/>
           </a:p>

--- a/presentation.pptx
+++ b/presentation.pptx
@@ -5,7 +5,7 @@
     <p:sldMasterId id="2147483648" r:id="rId1"/>
   </p:sldMasterIdLst>
   <p:notesMasterIdLst>
-    <p:notesMasterId r:id="rId44"/>
+    <p:notesMasterId r:id="rId45"/>
   </p:notesMasterIdLst>
   <p:sldIdLst>
     <p:sldId id="256" r:id="rId2"/>
@@ -39,17 +39,18 @@
     <p:sldId id="283" r:id="rId30"/>
     <p:sldId id="284" r:id="rId31"/>
     <p:sldId id="285" r:id="rId32"/>
-    <p:sldId id="279" r:id="rId33"/>
-    <p:sldId id="280" r:id="rId34"/>
-    <p:sldId id="299" r:id="rId35"/>
-    <p:sldId id="282" r:id="rId36"/>
-    <p:sldId id="289" r:id="rId37"/>
-    <p:sldId id="291" r:id="rId38"/>
-    <p:sldId id="290" r:id="rId39"/>
-    <p:sldId id="292" r:id="rId40"/>
-    <p:sldId id="293" r:id="rId41"/>
-    <p:sldId id="294" r:id="rId42"/>
-    <p:sldId id="288" r:id="rId43"/>
+    <p:sldId id="300" r:id="rId33"/>
+    <p:sldId id="279" r:id="rId34"/>
+    <p:sldId id="280" r:id="rId35"/>
+    <p:sldId id="299" r:id="rId36"/>
+    <p:sldId id="282" r:id="rId37"/>
+    <p:sldId id="289" r:id="rId38"/>
+    <p:sldId id="291" r:id="rId39"/>
+    <p:sldId id="290" r:id="rId40"/>
+    <p:sldId id="292" r:id="rId41"/>
+    <p:sldId id="293" r:id="rId42"/>
+    <p:sldId id="294" r:id="rId43"/>
+    <p:sldId id="288" r:id="rId44"/>
   </p:sldIdLst>
   <p:sldSz cx="12192000" cy="6858000"/>
   <p:notesSz cx="6858000" cy="9144000"/>
@@ -238,7 +239,7 @@
           <a:p>
             <a:fld id="{7C9032C8-5182-4818-BB2B-C6DBA1F28B4F}" type="datetimeFigureOut">
               <a:rPr lang="de-CH" smtClean="0"/>
-              <a:t>17.10.2017</a:t>
+              <a:t>19.10.2017</a:t>
             </a:fld>
             <a:endParaRPr lang="de-CH"/>
           </a:p>
@@ -1853,7 +1854,17 @@
           <a:p>
             <a:r>
               <a:rPr lang="de-CH" dirty="0" smtClean="0"/>
-              <a:t>Wir wissen was es ist, wirklich interessant ist aber, was man damit tun kann. Das werden wir später sehen, aber dies hier vorab.</a:t>
+              <a:t>Wir wissen was es ist, wirklich interessant ist aber, was man damit tun kann. Das werden wir später sehen, aber dies hier vorab</a:t>
+            </a:r>
+            <a:r>
+              <a:rPr lang="de-CH" dirty="0" smtClean="0"/>
+              <a:t>.</a:t>
+            </a:r>
+          </a:p>
+          <a:p>
+            <a:r>
+              <a:rPr lang="de-CH" dirty="0" smtClean="0"/>
+              <a:t>Das wäre auch gerade die Abgrenzung die Mario verlangt hat.</a:t>
             </a:r>
             <a:endParaRPr lang="de-CH" dirty="0"/>
           </a:p>
@@ -2684,8 +2695,64 @@
             </a:r>
             <a:r>
               <a:rPr lang="de-CH" baseline="0" dirty="0" smtClean="0"/>
-              <a:t> man das bereits macht?</a:t>
-            </a:r>
+              <a:t> man das bereits macht</a:t>
+            </a:r>
+            <a:r>
+              <a:rPr lang="de-CH" baseline="0" dirty="0" smtClean="0"/>
+              <a:t>?</a:t>
+            </a:r>
+          </a:p>
+          <a:p>
+            <a:endParaRPr lang="de-CH" baseline="0" dirty="0" smtClean="0"/>
+          </a:p>
+          <a:p>
+            <a:pPr marL="0" indent="0">
+              <a:buNone/>
+            </a:pPr>
+            <a:r>
+              <a:rPr lang="de-CH" sz="1200" dirty="0" smtClean="0"/>
+              <a:t>Mit geordnete (</a:t>
+            </a:r>
+            <a:r>
+              <a:rPr lang="de-CH" sz="1200" dirty="0" err="1" smtClean="0"/>
+              <a:t>labeled</a:t>
+            </a:r>
+            <a:r>
+              <a:rPr lang="de-CH" sz="1200" dirty="0" smtClean="0"/>
+              <a:t>) Daten wird gewünschtes Verhalten trainiert</a:t>
+            </a:r>
+          </a:p>
+          <a:p>
+            <a:pPr marL="0" indent="0">
+              <a:buNone/>
+            </a:pPr>
+            <a:endParaRPr lang="de-CH" sz="1200" dirty="0" smtClean="0"/>
+          </a:p>
+          <a:p>
+            <a:pPr marL="0" indent="0">
+              <a:buNone/>
+            </a:pPr>
+            <a:r>
+              <a:rPr lang="de-CH" sz="1200" dirty="0" smtClean="0"/>
+              <a:t>Voraussagen über neue </a:t>
+            </a:r>
+            <a:br>
+              <a:rPr lang="de-CH" sz="1200" dirty="0" smtClean="0"/>
+            </a:br>
+            <a:r>
+              <a:rPr lang="de-CH" sz="1200" dirty="0" smtClean="0"/>
+              <a:t>(</a:t>
+            </a:r>
+            <a:r>
+              <a:rPr lang="de-CH" sz="1200" dirty="0" err="1" smtClean="0"/>
+              <a:t>unlabeled</a:t>
+            </a:r>
+            <a:r>
+              <a:rPr lang="de-CH" sz="1200" dirty="0" smtClean="0"/>
+              <a:t>) Daten können gemacht werden</a:t>
+            </a:r>
+          </a:p>
+          <a:p>
             <a:endParaRPr lang="de-CH" dirty="0"/>
           </a:p>
         </p:txBody>
@@ -2869,44 +2936,18 @@
           <a:lstStyle/>
           <a:p>
             <a:r>
-              <a:rPr lang="de-CH" smtClean="0"/>
-              <a:t>HelloR</a:t>
-            </a:r>
-            <a:r>
-              <a:rPr lang="de-CH" baseline="0" smtClean="0"/>
-              <a:t> zeigen über Remote-Desktop-Verbindung</a:t>
-            </a:r>
-            <a:endParaRPr lang="de-CH" smtClean="0"/>
-          </a:p>
-          <a:p>
-            <a:endParaRPr lang="de-CH" dirty="0" smtClean="0"/>
-          </a:p>
-          <a:p>
-            <a:r>
               <a:rPr lang="de-CH" dirty="0" smtClean="0"/>
-              <a:t>Pakete</a:t>
+              <a:t>Labeled</a:t>
+            </a:r>
+          </a:p>
+          <a:p>
+            <a:r>
+              <a:rPr lang="de-CH" dirty="0" smtClean="0"/>
+              <a:t>Weiss jemand wo</a:t>
             </a:r>
             <a:r>
               <a:rPr lang="de-CH" baseline="0" dirty="0" smtClean="0"/>
-              <a:t> installieren</a:t>
-            </a:r>
-          </a:p>
-          <a:p>
-            <a:r>
-              <a:rPr lang="de-CH" baseline="0" dirty="0" smtClean="0"/>
-              <a:t>Pakete includieren</a:t>
-            </a:r>
-          </a:p>
-          <a:p>
-            <a:r>
-              <a:rPr lang="de-CH" baseline="0" dirty="0" smtClean="0"/>
-              <a:t>Variable assgnement</a:t>
-            </a:r>
-          </a:p>
-          <a:p>
-            <a:r>
-              <a:rPr lang="de-CH" baseline="0" dirty="0" smtClean="0"/>
-              <a:t>Datenbank connection</a:t>
+              <a:t> man das bereits macht?</a:t>
             </a:r>
             <a:endParaRPr lang="de-CH" dirty="0"/>
           </a:p>
@@ -2929,7 +2970,7 @@
           <a:p>
             <a:fld id="{DA58BC1F-B303-41BB-B1E5-E3EE1F495441}" type="slidenum">
               <a:rPr lang="de-CH" smtClean="0"/>
-              <a:t>33</a:t>
+              <a:t>32</a:t>
             </a:fld>
             <a:endParaRPr lang="de-CH"/>
           </a:p>
@@ -2938,7 +2979,7 @@
     </p:spTree>
     <p:extLst>
       <p:ext uri="{BB962C8B-B14F-4D97-AF65-F5344CB8AC3E}">
-        <p14:creationId xmlns:p14="http://schemas.microsoft.com/office/powerpoint/2010/main" val="3516317793"/>
+        <p14:creationId xmlns:p14="http://schemas.microsoft.com/office/powerpoint/2010/main" val="328142719"/>
       </p:ext>
     </p:extLst>
   </p:cSld>
@@ -2993,94 +3034,46 @@
           <a:lstStyle/>
           <a:p>
             <a:r>
-              <a:rPr lang="de-CH" dirty="0" err="1" smtClean="0"/>
-              <a:t>Tradeoff</a:t>
-            </a:r>
+              <a:rPr lang="de-CH" smtClean="0"/>
+              <a:t>HelloR</a:t>
+            </a:r>
+            <a:r>
+              <a:rPr lang="de-CH" baseline="0" smtClean="0"/>
+              <a:t> zeigen über Remote-Desktop-Verbindung</a:t>
+            </a:r>
+            <a:endParaRPr lang="de-CH" smtClean="0"/>
+          </a:p>
+          <a:p>
+            <a:endParaRPr lang="de-CH" dirty="0" smtClean="0"/>
+          </a:p>
+          <a:p>
             <a:r>
               <a:rPr lang="de-CH" dirty="0" smtClean="0"/>
-              <a:t>: </a:t>
+              <a:t>Pakete</a:t>
             </a:r>
             <a:r>
               <a:rPr lang="de-CH" baseline="0" dirty="0" smtClean="0"/>
-              <a:t>DNA Untersuchung für Überführung Straftäter </a:t>
+              <a:t> installieren</a:t>
             </a:r>
           </a:p>
           <a:p>
             <a:r>
               <a:rPr lang="de-CH" baseline="0" dirty="0" smtClean="0"/>
-              <a:t> -&gt; Precision -&gt; Unschuldige Leute im Knast</a:t>
+              <a:t>Pakete includieren</a:t>
             </a:r>
           </a:p>
           <a:p>
             <a:r>
               <a:rPr lang="de-CH" baseline="0" dirty="0" smtClean="0"/>
-              <a:t> -&gt; Recall (</a:t>
-            </a:r>
-            <a:r>
-              <a:rPr lang="de-CH" baseline="0" dirty="0" err="1" smtClean="0"/>
-              <a:t>sensitivity</a:t>
-            </a:r>
+              <a:t>Variable assgnement</a:t>
+            </a:r>
+          </a:p>
+          <a:p>
             <a:r>
               <a:rPr lang="de-CH" baseline="0" dirty="0" smtClean="0"/>
-              <a:t>) – Straftäter frei </a:t>
-            </a:r>
-          </a:p>
-          <a:p>
-            <a:r>
-              <a:rPr lang="de-CH" baseline="0" dirty="0" smtClean="0"/>
-              <a:t>-&gt; Gäbe auch noch </a:t>
-            </a:r>
-            <a:r>
-              <a:rPr lang="de-CH" baseline="0" dirty="0" err="1" smtClean="0"/>
-              <a:t>specifity</a:t>
-            </a:r>
-            <a:r>
-              <a:rPr lang="de-CH" baseline="0" dirty="0" smtClean="0"/>
-              <a:t> (</a:t>
-            </a:r>
-            <a:r>
-              <a:rPr lang="de-CH" baseline="0" dirty="0" err="1" smtClean="0"/>
-              <a:t>tn</a:t>
-            </a:r>
-            <a:r>
-              <a:rPr lang="de-CH" baseline="0" dirty="0" smtClean="0"/>
-              <a:t>/n = </a:t>
-            </a:r>
-            <a:r>
-              <a:rPr lang="de-CH" baseline="0" dirty="0" err="1" smtClean="0"/>
-              <a:t>tn</a:t>
-            </a:r>
-            <a:r>
-              <a:rPr lang="de-CH" baseline="0" dirty="0" smtClean="0"/>
-              <a:t> / (</a:t>
-            </a:r>
-            <a:r>
-              <a:rPr lang="de-CH" baseline="0" dirty="0" err="1" smtClean="0"/>
-              <a:t>tn+fp</a:t>
-            </a:r>
-            <a:r>
-              <a:rPr lang="de-CH" baseline="0" dirty="0" smtClean="0"/>
-              <a:t>)) -&gt; Precision </a:t>
-            </a:r>
-            <a:r>
-              <a:rPr lang="de-CH" baseline="0" dirty="0" err="1" smtClean="0"/>
-              <a:t>for</a:t>
-            </a:r>
-            <a:r>
-              <a:rPr lang="de-CH" baseline="0" dirty="0" smtClean="0"/>
-              <a:t> </a:t>
-            </a:r>
-            <a:r>
-              <a:rPr lang="de-CH" baseline="0" dirty="0" err="1" smtClean="0"/>
-              <a:t>Negativity</a:t>
-            </a:r>
-            <a:endParaRPr lang="de-CH" baseline="0" dirty="0" smtClean="0"/>
-          </a:p>
-          <a:p>
-            <a:r>
-              <a:rPr lang="de-CH" baseline="0" dirty="0" smtClean="0"/>
-              <a:t>https://uberpython.wordpress.com/2012/01/01/precision-recall-sensitivity-and-specificity/</a:t>
-            </a:r>
+              <a:t>Datenbank connection</a:t>
+            </a:r>
+            <a:endParaRPr lang="de-CH" dirty="0"/>
           </a:p>
         </p:txBody>
       </p:sp>
@@ -3110,7 +3103,7 @@
     </p:spTree>
     <p:extLst>
       <p:ext uri="{BB962C8B-B14F-4D97-AF65-F5344CB8AC3E}">
-        <p14:creationId xmlns:p14="http://schemas.microsoft.com/office/powerpoint/2010/main" val="3594156965"/>
+        <p14:creationId xmlns:p14="http://schemas.microsoft.com/office/powerpoint/2010/main" val="3516317793"/>
       </p:ext>
     </p:extLst>
   </p:cSld>
@@ -3277,10 +3270,94 @@
           <a:lstStyle/>
           <a:p>
             <a:r>
+              <a:rPr lang="de-CH" dirty="0" err="1" smtClean="0"/>
+              <a:t>Tradeoff</a:t>
+            </a:r>
+            <a:r>
               <a:rPr lang="de-CH" dirty="0" smtClean="0"/>
-              <a:t>Screenshots von Walkthrough</a:t>
-            </a:r>
-            <a:endParaRPr lang="de-CH" dirty="0"/>
+              <a:t>: </a:t>
+            </a:r>
+            <a:r>
+              <a:rPr lang="de-CH" baseline="0" dirty="0" smtClean="0"/>
+              <a:t>DNA Untersuchung für Überführung Straftäter </a:t>
+            </a:r>
+          </a:p>
+          <a:p>
+            <a:r>
+              <a:rPr lang="de-CH" baseline="0" dirty="0" smtClean="0"/>
+              <a:t> -&gt; Precision -&gt; Unschuldige Leute im Knast</a:t>
+            </a:r>
+          </a:p>
+          <a:p>
+            <a:r>
+              <a:rPr lang="de-CH" baseline="0" dirty="0" smtClean="0"/>
+              <a:t> -&gt; Recall (</a:t>
+            </a:r>
+            <a:r>
+              <a:rPr lang="de-CH" baseline="0" dirty="0" err="1" smtClean="0"/>
+              <a:t>sensitivity</a:t>
+            </a:r>
+            <a:r>
+              <a:rPr lang="de-CH" baseline="0" dirty="0" smtClean="0"/>
+              <a:t>) – Straftäter frei </a:t>
+            </a:r>
+          </a:p>
+          <a:p>
+            <a:r>
+              <a:rPr lang="de-CH" baseline="0" dirty="0" smtClean="0"/>
+              <a:t>-&gt; Gäbe auch noch </a:t>
+            </a:r>
+            <a:r>
+              <a:rPr lang="de-CH" baseline="0" dirty="0" err="1" smtClean="0"/>
+              <a:t>specifity</a:t>
+            </a:r>
+            <a:r>
+              <a:rPr lang="de-CH" baseline="0" dirty="0" smtClean="0"/>
+              <a:t> (</a:t>
+            </a:r>
+            <a:r>
+              <a:rPr lang="de-CH" baseline="0" dirty="0" err="1" smtClean="0"/>
+              <a:t>tn</a:t>
+            </a:r>
+            <a:r>
+              <a:rPr lang="de-CH" baseline="0" dirty="0" smtClean="0"/>
+              <a:t>/n = </a:t>
+            </a:r>
+            <a:r>
+              <a:rPr lang="de-CH" baseline="0" dirty="0" err="1" smtClean="0"/>
+              <a:t>tn</a:t>
+            </a:r>
+            <a:r>
+              <a:rPr lang="de-CH" baseline="0" dirty="0" smtClean="0"/>
+              <a:t> / (</a:t>
+            </a:r>
+            <a:r>
+              <a:rPr lang="de-CH" baseline="0" dirty="0" err="1" smtClean="0"/>
+              <a:t>tn+fp</a:t>
+            </a:r>
+            <a:r>
+              <a:rPr lang="de-CH" baseline="0" dirty="0" smtClean="0"/>
+              <a:t>)) -&gt; Precision </a:t>
+            </a:r>
+            <a:r>
+              <a:rPr lang="de-CH" baseline="0" dirty="0" err="1" smtClean="0"/>
+              <a:t>for</a:t>
+            </a:r>
+            <a:r>
+              <a:rPr lang="de-CH" baseline="0" dirty="0" smtClean="0"/>
+              <a:t> </a:t>
+            </a:r>
+            <a:r>
+              <a:rPr lang="de-CH" baseline="0" dirty="0" err="1" smtClean="0"/>
+              <a:t>Negativity</a:t>
+            </a:r>
+            <a:endParaRPr lang="de-CH" baseline="0" dirty="0" smtClean="0"/>
+          </a:p>
+          <a:p>
+            <a:r>
+              <a:rPr lang="de-CH" baseline="0" dirty="0" smtClean="0"/>
+              <a:t>https://uberpython.wordpress.com/2012/01/01/precision-recall-sensitivity-and-specificity/</a:t>
+            </a:r>
           </a:p>
         </p:txBody>
       </p:sp>
@@ -3310,7 +3387,7 @@
     </p:spTree>
     <p:extLst>
       <p:ext uri="{BB962C8B-B14F-4D97-AF65-F5344CB8AC3E}">
-        <p14:creationId xmlns:p14="http://schemas.microsoft.com/office/powerpoint/2010/main" val="2842412450"/>
+        <p14:creationId xmlns:p14="http://schemas.microsoft.com/office/powerpoint/2010/main" val="3594156965"/>
       </p:ext>
     </p:extLst>
   </p:cSld>
@@ -3366,47 +3443,7 @@
           <a:p>
             <a:r>
               <a:rPr lang="de-CH" dirty="0" smtClean="0"/>
-              <a:t>Ensemble </a:t>
-            </a:r>
-            <a:r>
-              <a:rPr lang="de-CH" dirty="0" err="1" smtClean="0"/>
-              <a:t>learning</a:t>
-            </a:r>
-            <a:r>
-              <a:rPr lang="de-CH" dirty="0" smtClean="0"/>
-              <a:t> (e.g. Random </a:t>
-            </a:r>
-            <a:r>
-              <a:rPr lang="de-CH" dirty="0" err="1" smtClean="0"/>
-              <a:t>Forests</a:t>
-            </a:r>
-            <a:r>
-              <a:rPr lang="de-CH" dirty="0" smtClean="0"/>
-              <a:t>), </a:t>
-            </a:r>
-            <a:r>
-              <a:rPr lang="de-CH" dirty="0" err="1" smtClean="0"/>
-              <a:t>Neural</a:t>
-            </a:r>
-            <a:r>
-              <a:rPr lang="de-CH" dirty="0" smtClean="0"/>
-              <a:t> Networks, </a:t>
-            </a:r>
-            <a:r>
-              <a:rPr lang="de-CH" dirty="0" err="1" smtClean="0"/>
-              <a:t>Recommenders</a:t>
-            </a:r>
-            <a:r>
-              <a:rPr lang="de-CH" dirty="0" smtClean="0"/>
-              <a:t>, Dimension </a:t>
-            </a:r>
-            <a:r>
-              <a:rPr lang="de-CH" dirty="0" err="1" smtClean="0"/>
-              <a:t>Reduction</a:t>
-            </a:r>
-            <a:r>
-              <a:rPr lang="de-CH" dirty="0" smtClean="0"/>
-              <a:t>, Feature Engineering</a:t>
+              <a:t>Screenshots von Walkthrough</a:t>
             </a:r>
             <a:endParaRPr lang="de-CH" dirty="0"/>
           </a:p>
@@ -3429,7 +3466,135 @@
           <a:p>
             <a:fld id="{DA58BC1F-B303-41BB-B1E5-E3EE1F495441}" type="slidenum">
               <a:rPr lang="de-CH" smtClean="0"/>
-              <a:t>42</a:t>
+              <a:t>36</a:t>
+            </a:fld>
+            <a:endParaRPr lang="de-CH"/>
+          </a:p>
+        </p:txBody>
+      </p:sp>
+    </p:spTree>
+    <p:extLst>
+      <p:ext uri="{BB962C8B-B14F-4D97-AF65-F5344CB8AC3E}">
+        <p14:creationId xmlns:p14="http://schemas.microsoft.com/office/powerpoint/2010/main" val="2842412450"/>
+      </p:ext>
+    </p:extLst>
+  </p:cSld>
+  <p:clrMapOvr>
+    <a:masterClrMapping/>
+  </p:clrMapOvr>
+</p:notes>
+</file>
+
+<file path=ppt/notesSlides/notesSlide32.xml><?xml version="1.0" encoding="utf-8"?>
+<p:notes xmlns:a="http://schemas.openxmlformats.org/drawingml/2006/main" xmlns:r="http://schemas.openxmlformats.org/officeDocument/2006/relationships" xmlns:p="http://schemas.openxmlformats.org/presentationml/2006/main">
+  <p:cSld>
+    <p:spTree>
+      <p:nvGrpSpPr>
+        <p:cNvPr id="1" name=""/>
+        <p:cNvGrpSpPr/>
+        <p:nvPr/>
+      </p:nvGrpSpPr>
+      <p:grpSpPr>
+        <a:xfrm>
+          <a:off x="0" y="0"/>
+          <a:ext cx="0" cy="0"/>
+          <a:chOff x="0" y="0"/>
+          <a:chExt cx="0" cy="0"/>
+        </a:xfrm>
+      </p:grpSpPr>
+      <p:sp>
+        <p:nvSpPr>
+          <p:cNvPr id="2" name="Slide Image Placeholder 1"/>
+          <p:cNvSpPr>
+            <a:spLocks noGrp="1" noRot="1" noChangeAspect="1"/>
+          </p:cNvSpPr>
+          <p:nvPr>
+            <p:ph type="sldImg"/>
+          </p:nvPr>
+        </p:nvSpPr>
+        <p:spPr/>
+      </p:sp>
+      <p:sp>
+        <p:nvSpPr>
+          <p:cNvPr id="3" name="Notes Placeholder 2"/>
+          <p:cNvSpPr>
+            <a:spLocks noGrp="1"/>
+          </p:cNvSpPr>
+          <p:nvPr>
+            <p:ph type="body" idx="1"/>
+          </p:nvPr>
+        </p:nvSpPr>
+        <p:spPr/>
+        <p:txBody>
+          <a:bodyPr/>
+          <a:lstStyle/>
+          <a:p>
+            <a:r>
+              <a:rPr lang="de-CH" dirty="0" smtClean="0"/>
+              <a:t>Ensemble </a:t>
+            </a:r>
+            <a:r>
+              <a:rPr lang="de-CH" dirty="0" err="1" smtClean="0"/>
+              <a:t>learning</a:t>
+            </a:r>
+            <a:r>
+              <a:rPr lang="de-CH" dirty="0" smtClean="0"/>
+              <a:t> (e.g. Random </a:t>
+            </a:r>
+            <a:r>
+              <a:rPr lang="de-CH" dirty="0" err="1" smtClean="0"/>
+              <a:t>Forests</a:t>
+            </a:r>
+            <a:r>
+              <a:rPr lang="de-CH" dirty="0" smtClean="0"/>
+              <a:t>), </a:t>
+            </a:r>
+            <a:r>
+              <a:rPr lang="de-CH" dirty="0" err="1" smtClean="0"/>
+              <a:t>Neural</a:t>
+            </a:r>
+            <a:r>
+              <a:rPr lang="de-CH" dirty="0" smtClean="0"/>
+              <a:t> Networks, </a:t>
+            </a:r>
+            <a:r>
+              <a:rPr lang="de-CH" dirty="0" err="1" smtClean="0"/>
+              <a:t>Recommenders</a:t>
+            </a:r>
+            <a:r>
+              <a:rPr lang="de-CH" dirty="0" smtClean="0"/>
+              <a:t>, Dimension </a:t>
+            </a:r>
+            <a:r>
+              <a:rPr lang="de-CH" dirty="0" err="1" smtClean="0"/>
+              <a:t>Reduction</a:t>
+            </a:r>
+            <a:r>
+              <a:rPr lang="de-CH" dirty="0" smtClean="0"/>
+              <a:t>, Feature Engineering</a:t>
+            </a:r>
+            <a:endParaRPr lang="de-CH" dirty="0"/>
+          </a:p>
+        </p:txBody>
+      </p:sp>
+      <p:sp>
+        <p:nvSpPr>
+          <p:cNvPr id="4" name="Slide Number Placeholder 3"/>
+          <p:cNvSpPr>
+            <a:spLocks noGrp="1"/>
+          </p:cNvSpPr>
+          <p:nvPr>
+            <p:ph type="sldNum" sz="quarter" idx="10"/>
+          </p:nvPr>
+        </p:nvSpPr>
+        <p:spPr/>
+        <p:txBody>
+          <a:bodyPr/>
+          <a:lstStyle/>
+          <a:p>
+            <a:fld id="{DA58BC1F-B303-41BB-B1E5-E3EE1F495441}" type="slidenum">
+              <a:rPr lang="de-CH" smtClean="0"/>
+              <a:t>43</a:t>
             </a:fld>
             <a:endParaRPr lang="de-CH"/>
           </a:p>
@@ -4211,7 +4376,7 @@
           <a:noFill/>
           <a:extLst>
             <a:ext uri="{909E8E84-426E-40dd-AFC4-6F175D3DCCD1}">
-              <a14:hiddenFill xmlns="" xmlns:a14="http://schemas.microsoft.com/office/drawing/2010/main">
+              <a14:hiddenFill xmlns:a14="http://schemas.microsoft.com/office/drawing/2010/main" xmlns="">
                 <a:solidFill>
                   <a:srgbClr val="FFFFFF"/>
                 </a:solidFill>
@@ -4270,7 +4435,7 @@
             </a:ln>
             <a:extLst>
               <a:ext uri="{91240B29-F687-4f45-9708-019B960494DF}">
-                <a14:hiddenLine xmlns="" xmlns:a14="http://schemas.microsoft.com/office/drawing/2010/main" w="9525">
+                <a14:hiddenLine xmlns:a14="http://schemas.microsoft.com/office/drawing/2010/main" xmlns="" w="9525">
                   <a:solidFill>
                     <a:srgbClr val="000000"/>
                   </a:solidFill>
@@ -4360,7 +4525,7 @@
             </a:ln>
             <a:extLst>
               <a:ext uri="{91240B29-F687-4f45-9708-019B960494DF}">
-                <a14:hiddenLine xmlns="" xmlns:a14="http://schemas.microsoft.com/office/drawing/2010/main" w="9525">
+                <a14:hiddenLine xmlns:a14="http://schemas.microsoft.com/office/drawing/2010/main" xmlns="" w="9525">
                   <a:solidFill>
                     <a:srgbClr val="000000"/>
                   </a:solidFill>
@@ -4450,7 +4615,7 @@
             </a:ln>
             <a:extLst>
               <a:ext uri="{91240B29-F687-4f45-9708-019B960494DF}">
-                <a14:hiddenLine xmlns="" xmlns:a14="http://schemas.microsoft.com/office/drawing/2010/main" w="9525">
+                <a14:hiddenLine xmlns:a14="http://schemas.microsoft.com/office/drawing/2010/main" xmlns="" w="9525">
                   <a:solidFill>
                     <a:srgbClr val="000000"/>
                   </a:solidFill>
@@ -4484,7 +4649,7 @@
             </a:ln>
             <a:extLst>
               <a:ext uri="{91240B29-F687-4f45-9708-019B960494DF}">
-                <a14:hiddenLine xmlns="" xmlns:a14="http://schemas.microsoft.com/office/drawing/2010/main" w="9525">
+                <a14:hiddenLine xmlns:a14="http://schemas.microsoft.com/office/drawing/2010/main" xmlns="" w="9525">
                   <a:solidFill>
                     <a:srgbClr val="000000"/>
                   </a:solidFill>
@@ -4574,7 +4739,7 @@
             </a:ln>
             <a:extLst>
               <a:ext uri="{91240B29-F687-4f45-9708-019B960494DF}">
-                <a14:hiddenLine xmlns="" xmlns:a14="http://schemas.microsoft.com/office/drawing/2010/main" w="9525">
+                <a14:hiddenLine xmlns:a14="http://schemas.microsoft.com/office/drawing/2010/main" xmlns="" w="9525">
                   <a:solidFill>
                     <a:srgbClr val="000000"/>
                   </a:solidFill>
@@ -4636,7 +4801,7 @@
             </a:ln>
             <a:extLst>
               <a:ext uri="{91240B29-F687-4f45-9708-019B960494DF}">
-                <a14:hiddenLine xmlns="" xmlns:a14="http://schemas.microsoft.com/office/drawing/2010/main" w="9525">
+                <a14:hiddenLine xmlns:a14="http://schemas.microsoft.com/office/drawing/2010/main" xmlns="" w="9525">
                   <a:solidFill>
                     <a:srgbClr val="000000"/>
                   </a:solidFill>
@@ -4698,7 +4863,7 @@
             </a:ln>
             <a:extLst>
               <a:ext uri="{91240B29-F687-4f45-9708-019B960494DF}">
-                <a14:hiddenLine xmlns="" xmlns:a14="http://schemas.microsoft.com/office/drawing/2010/main" w="9525">
+                <a14:hiddenLine xmlns:a14="http://schemas.microsoft.com/office/drawing/2010/main" xmlns="" w="9525">
                   <a:solidFill>
                     <a:srgbClr val="000000"/>
                   </a:solidFill>
@@ -4788,7 +4953,7 @@
             </a:ln>
             <a:extLst>
               <a:ext uri="{91240B29-F687-4f45-9708-019B960494DF}">
-                <a14:hiddenLine xmlns="" xmlns:a14="http://schemas.microsoft.com/office/drawing/2010/main" w="9525">
+                <a14:hiddenLine xmlns:a14="http://schemas.microsoft.com/office/drawing/2010/main" xmlns="" w="9525">
                   <a:solidFill>
                     <a:srgbClr val="000000"/>
                   </a:solidFill>
@@ -4850,7 +5015,7 @@
             </a:ln>
             <a:extLst>
               <a:ext uri="{91240B29-F687-4f45-9708-019B960494DF}">
-                <a14:hiddenLine xmlns="" xmlns:a14="http://schemas.microsoft.com/office/drawing/2010/main" w="9525">
+                <a14:hiddenLine xmlns:a14="http://schemas.microsoft.com/office/drawing/2010/main" xmlns="" w="9525">
                   <a:solidFill>
                     <a:srgbClr val="000000"/>
                   </a:solidFill>
@@ -4912,7 +5077,7 @@
             </a:ln>
             <a:extLst>
               <a:ext uri="{91240B29-F687-4f45-9708-019B960494DF}">
-                <a14:hiddenLine xmlns="" xmlns:a14="http://schemas.microsoft.com/office/drawing/2010/main" w="9525">
+                <a14:hiddenLine xmlns:a14="http://schemas.microsoft.com/office/drawing/2010/main" xmlns="" w="9525">
                   <a:solidFill>
                     <a:srgbClr val="000000"/>
                   </a:solidFill>
@@ -5002,7 +5167,7 @@
             </a:ln>
             <a:extLst>
               <a:ext uri="{91240B29-F687-4f45-9708-019B960494DF}">
-                <a14:hiddenLine xmlns="" xmlns:a14="http://schemas.microsoft.com/office/drawing/2010/main" w="9525">
+                <a14:hiddenLine xmlns:a14="http://schemas.microsoft.com/office/drawing/2010/main" xmlns="" w="9525">
                   <a:solidFill>
                     <a:srgbClr val="000000"/>
                   </a:solidFill>
@@ -5092,7 +5257,7 @@
             </a:ln>
             <a:extLst>
               <a:ext uri="{91240B29-F687-4f45-9708-019B960494DF}">
-                <a14:hiddenLine xmlns="" xmlns:a14="http://schemas.microsoft.com/office/drawing/2010/main" w="9525">
+                <a14:hiddenLine xmlns:a14="http://schemas.microsoft.com/office/drawing/2010/main" xmlns="" w="9525">
                   <a:solidFill>
                     <a:srgbClr val="000000"/>
                   </a:solidFill>
@@ -5154,7 +5319,7 @@
             </a:ln>
             <a:extLst>
               <a:ext uri="{91240B29-F687-4f45-9708-019B960494DF}">
-                <a14:hiddenLine xmlns="" xmlns:a14="http://schemas.microsoft.com/office/drawing/2010/main" w="9525">
+                <a14:hiddenLine xmlns:a14="http://schemas.microsoft.com/office/drawing/2010/main" xmlns="" w="9525">
                   <a:solidFill>
                     <a:srgbClr val="000000"/>
                   </a:solidFill>
@@ -5264,7 +5429,7 @@
             </a:ln>
             <a:extLst>
               <a:ext uri="{91240B29-F687-4f45-9708-019B960494DF}">
-                <a14:hiddenLine xmlns="" xmlns:a14="http://schemas.microsoft.com/office/drawing/2010/main" w="9525">
+                <a14:hiddenLine xmlns:a14="http://schemas.microsoft.com/office/drawing/2010/main" xmlns="" w="9525">
                   <a:solidFill>
                     <a:srgbClr val="000000"/>
                   </a:solidFill>
@@ -5326,7 +5491,7 @@
             </a:ln>
             <a:extLst>
               <a:ext uri="{91240B29-F687-4f45-9708-019B960494DF}">
-                <a14:hiddenLine xmlns="" xmlns:a14="http://schemas.microsoft.com/office/drawing/2010/main" w="9525">
+                <a14:hiddenLine xmlns:a14="http://schemas.microsoft.com/office/drawing/2010/main" xmlns="" w="9525">
                   <a:solidFill>
                     <a:srgbClr val="000000"/>
                   </a:solidFill>
@@ -5416,7 +5581,7 @@
             </a:ln>
             <a:extLst>
               <a:ext uri="{91240B29-F687-4f45-9708-019B960494DF}">
-                <a14:hiddenLine xmlns="" xmlns:a14="http://schemas.microsoft.com/office/drawing/2010/main" w="9525">
+                <a14:hiddenLine xmlns:a14="http://schemas.microsoft.com/office/drawing/2010/main" xmlns="" w="9525">
                   <a:solidFill>
                     <a:srgbClr val="000000"/>
                   </a:solidFill>
@@ -5506,7 +5671,7 @@
             </a:ln>
             <a:extLst>
               <a:ext uri="{91240B29-F687-4f45-9708-019B960494DF}">
-                <a14:hiddenLine xmlns="" xmlns:a14="http://schemas.microsoft.com/office/drawing/2010/main" w="9525">
+                <a14:hiddenLine xmlns:a14="http://schemas.microsoft.com/office/drawing/2010/main" xmlns="" w="9525">
                   <a:solidFill>
                     <a:srgbClr val="000000"/>
                   </a:solidFill>
@@ -5568,7 +5733,7 @@
             </a:ln>
             <a:extLst>
               <a:ext uri="{91240B29-F687-4f45-9708-019B960494DF}">
-                <a14:hiddenLine xmlns="" xmlns:a14="http://schemas.microsoft.com/office/drawing/2010/main" w="9525">
+                <a14:hiddenLine xmlns:a14="http://schemas.microsoft.com/office/drawing/2010/main" xmlns="" w="9525">
                   <a:solidFill>
                     <a:srgbClr val="000000"/>
                   </a:solidFill>
@@ -5658,7 +5823,7 @@
             </a:ln>
             <a:extLst>
               <a:ext uri="{91240B29-F687-4f45-9708-019B960494DF}">
-                <a14:hiddenLine xmlns="" xmlns:a14="http://schemas.microsoft.com/office/drawing/2010/main" w="9525">
+                <a14:hiddenLine xmlns:a14="http://schemas.microsoft.com/office/drawing/2010/main" xmlns="" w="9525">
                   <a:solidFill>
                     <a:srgbClr val="000000"/>
                   </a:solidFill>
@@ -5748,7 +5913,7 @@
             </a:ln>
             <a:extLst>
               <a:ext uri="{91240B29-F687-4f45-9708-019B960494DF}">
-                <a14:hiddenLine xmlns="" xmlns:a14="http://schemas.microsoft.com/office/drawing/2010/main" w="9525">
+                <a14:hiddenLine xmlns:a14="http://schemas.microsoft.com/office/drawing/2010/main" xmlns="" w="9525">
                   <a:solidFill>
                     <a:srgbClr val="000000"/>
                   </a:solidFill>
@@ -5804,7 +5969,7 @@
             </a:ln>
             <a:extLst>
               <a:ext uri="{91240B29-F687-4f45-9708-019B960494DF}">
-                <a14:hiddenLine xmlns="" xmlns:a14="http://schemas.microsoft.com/office/drawing/2010/main" w="9525">
+                <a14:hiddenLine xmlns:a14="http://schemas.microsoft.com/office/drawing/2010/main" xmlns="" w="9525">
                   <a:solidFill>
                     <a:srgbClr val="000000"/>
                   </a:solidFill>
@@ -5894,7 +6059,7 @@
             </a:ln>
             <a:extLst>
               <a:ext uri="{91240B29-F687-4f45-9708-019B960494DF}">
-                <a14:hiddenLine xmlns="" xmlns:a14="http://schemas.microsoft.com/office/drawing/2010/main" w="9525">
+                <a14:hiddenLine xmlns:a14="http://schemas.microsoft.com/office/drawing/2010/main" xmlns="" w="9525">
                   <a:solidFill>
                     <a:srgbClr val="000000"/>
                   </a:solidFill>
@@ -5950,7 +6115,7 @@
             </a:ln>
             <a:extLst>
               <a:ext uri="{91240B29-F687-4f45-9708-019B960494DF}">
-                <a14:hiddenLine xmlns="" xmlns:a14="http://schemas.microsoft.com/office/drawing/2010/main" w="9525">
+                <a14:hiddenLine xmlns:a14="http://schemas.microsoft.com/office/drawing/2010/main" xmlns="" w="9525">
                   <a:solidFill>
                     <a:srgbClr val="000000"/>
                   </a:solidFill>
@@ -6040,7 +6205,7 @@
             </a:ln>
             <a:extLst>
               <a:ext uri="{91240B29-F687-4f45-9708-019B960494DF}">
-                <a14:hiddenLine xmlns="" xmlns:a14="http://schemas.microsoft.com/office/drawing/2010/main" w="9525">
+                <a14:hiddenLine xmlns:a14="http://schemas.microsoft.com/office/drawing/2010/main" xmlns="" w="9525">
                   <a:solidFill>
                     <a:srgbClr val="000000"/>
                   </a:solidFill>
@@ -6108,7 +6273,7 @@
             </a:ln>
             <a:extLst>
               <a:ext uri="{91240B29-F687-4f45-9708-019B960494DF}">
-                <a14:hiddenLine xmlns="" xmlns:a14="http://schemas.microsoft.com/office/drawing/2010/main" w="9525">
+                <a14:hiddenLine xmlns:a14="http://schemas.microsoft.com/office/drawing/2010/main" xmlns="" w="9525">
                   <a:solidFill>
                     <a:srgbClr val="000000"/>
                   </a:solidFill>
@@ -6198,7 +6363,7 @@
             </a:ln>
             <a:extLst>
               <a:ext uri="{91240B29-F687-4f45-9708-019B960494DF}">
-                <a14:hiddenLine xmlns="" xmlns:a14="http://schemas.microsoft.com/office/drawing/2010/main" w="9525">
+                <a14:hiddenLine xmlns:a14="http://schemas.microsoft.com/office/drawing/2010/main" xmlns="" w="9525">
                   <a:solidFill>
                     <a:srgbClr val="000000"/>
                   </a:solidFill>
@@ -6266,7 +6431,7 @@
             </a:ln>
             <a:extLst>
               <a:ext uri="{91240B29-F687-4f45-9708-019B960494DF}">
-                <a14:hiddenLine xmlns="" xmlns:a14="http://schemas.microsoft.com/office/drawing/2010/main" w="9525">
+                <a14:hiddenLine xmlns:a14="http://schemas.microsoft.com/office/drawing/2010/main" xmlns="" w="9525">
                   <a:solidFill>
                     <a:srgbClr val="000000"/>
                   </a:solidFill>
@@ -6356,7 +6521,7 @@
             </a:ln>
             <a:extLst>
               <a:ext uri="{91240B29-F687-4f45-9708-019B960494DF}">
-                <a14:hiddenLine xmlns="" xmlns:a14="http://schemas.microsoft.com/office/drawing/2010/main" w="9525">
+                <a14:hiddenLine xmlns:a14="http://schemas.microsoft.com/office/drawing/2010/main" xmlns="" w="9525">
                   <a:solidFill>
                     <a:srgbClr val="000000"/>
                   </a:solidFill>
@@ -6390,7 +6555,7 @@
             </a:ln>
             <a:extLst>
               <a:ext uri="{91240B29-F687-4f45-9708-019B960494DF}">
-                <a14:hiddenLine xmlns="" xmlns:a14="http://schemas.microsoft.com/office/drawing/2010/main" w="9525">
+                <a14:hiddenLine xmlns:a14="http://schemas.microsoft.com/office/drawing/2010/main" xmlns="" w="9525">
                   <a:solidFill>
                     <a:srgbClr val="000000"/>
                   </a:solidFill>
@@ -6480,7 +6645,7 @@
             </a:ln>
             <a:extLst>
               <a:ext uri="{91240B29-F687-4f45-9708-019B960494DF}">
-                <a14:hiddenLine xmlns="" xmlns:a14="http://schemas.microsoft.com/office/drawing/2010/main" w="9525">
+                <a14:hiddenLine xmlns:a14="http://schemas.microsoft.com/office/drawing/2010/main" xmlns="" w="9525">
                   <a:solidFill>
                     <a:srgbClr val="000000"/>
                   </a:solidFill>
@@ -6542,7 +6707,7 @@
             </a:ln>
             <a:extLst>
               <a:ext uri="{91240B29-F687-4f45-9708-019B960494DF}">
-                <a14:hiddenLine xmlns="" xmlns:a14="http://schemas.microsoft.com/office/drawing/2010/main" w="9525">
+                <a14:hiddenLine xmlns:a14="http://schemas.microsoft.com/office/drawing/2010/main" xmlns="" w="9525">
                   <a:solidFill>
                     <a:srgbClr val="000000"/>
                   </a:solidFill>
@@ -6604,7 +6769,7 @@
             </a:ln>
             <a:extLst>
               <a:ext uri="{91240B29-F687-4f45-9708-019B960494DF}">
-                <a14:hiddenLine xmlns="" xmlns:a14="http://schemas.microsoft.com/office/drawing/2010/main" w="9525">
+                <a14:hiddenLine xmlns:a14="http://schemas.microsoft.com/office/drawing/2010/main" xmlns="" w="9525">
                   <a:solidFill>
                     <a:srgbClr val="000000"/>
                   </a:solidFill>
@@ -6694,7 +6859,7 @@
             </a:ln>
             <a:extLst>
               <a:ext uri="{91240B29-F687-4f45-9708-019B960494DF}">
-                <a14:hiddenLine xmlns="" xmlns:a14="http://schemas.microsoft.com/office/drawing/2010/main" w="9525">
+                <a14:hiddenLine xmlns:a14="http://schemas.microsoft.com/office/drawing/2010/main" xmlns="" w="9525">
                   <a:solidFill>
                     <a:srgbClr val="000000"/>
                   </a:solidFill>
@@ -6762,7 +6927,7 @@
             </a:ln>
             <a:extLst>
               <a:ext uri="{91240B29-F687-4f45-9708-019B960494DF}">
-                <a14:hiddenLine xmlns="" xmlns:a14="http://schemas.microsoft.com/office/drawing/2010/main" w="9525">
+                <a14:hiddenLine xmlns:a14="http://schemas.microsoft.com/office/drawing/2010/main" xmlns="" w="9525">
                   <a:solidFill>
                     <a:srgbClr val="000000"/>
                   </a:solidFill>
@@ -6824,7 +6989,7 @@
             </a:ln>
             <a:extLst>
               <a:ext uri="{91240B29-F687-4f45-9708-019B960494DF}">
-                <a14:hiddenLine xmlns="" xmlns:a14="http://schemas.microsoft.com/office/drawing/2010/main" w="9525">
+                <a14:hiddenLine xmlns:a14="http://schemas.microsoft.com/office/drawing/2010/main" xmlns="" w="9525">
                   <a:solidFill>
                     <a:srgbClr val="000000"/>
                   </a:solidFill>
@@ -6914,7 +7079,7 @@
             </a:ln>
             <a:extLst>
               <a:ext uri="{91240B29-F687-4f45-9708-019B960494DF}">
-                <a14:hiddenLine xmlns="" xmlns:a14="http://schemas.microsoft.com/office/drawing/2010/main" w="9525">
+                <a14:hiddenLine xmlns:a14="http://schemas.microsoft.com/office/drawing/2010/main" xmlns="" w="9525">
                   <a:solidFill>
                     <a:srgbClr val="000000"/>
                   </a:solidFill>
@@ -6976,7 +7141,7 @@
             </a:ln>
             <a:extLst>
               <a:ext uri="{91240B29-F687-4f45-9708-019B960494DF}">
-                <a14:hiddenLine xmlns="" xmlns:a14="http://schemas.microsoft.com/office/drawing/2010/main" w="9525">
+                <a14:hiddenLine xmlns:a14="http://schemas.microsoft.com/office/drawing/2010/main" xmlns="" w="9525">
                   <a:solidFill>
                     <a:srgbClr val="000000"/>
                   </a:solidFill>
@@ -7066,7 +7231,7 @@
             </a:ln>
             <a:extLst>
               <a:ext uri="{91240B29-F687-4f45-9708-019B960494DF}">
-                <a14:hiddenLine xmlns="" xmlns:a14="http://schemas.microsoft.com/office/drawing/2010/main" w="9525">
+                <a14:hiddenLine xmlns:a14="http://schemas.microsoft.com/office/drawing/2010/main" xmlns="" w="9525">
                   <a:solidFill>
                     <a:srgbClr val="000000"/>
                   </a:solidFill>
@@ -7128,7 +7293,7 @@
             </a:ln>
             <a:extLst>
               <a:ext uri="{91240B29-F687-4f45-9708-019B960494DF}">
-                <a14:hiddenLine xmlns="" xmlns:a14="http://schemas.microsoft.com/office/drawing/2010/main" w="9525">
+                <a14:hiddenLine xmlns:a14="http://schemas.microsoft.com/office/drawing/2010/main" xmlns="" w="9525">
                   <a:solidFill>
                     <a:srgbClr val="000000"/>
                   </a:solidFill>
@@ -7218,7 +7383,7 @@
             </a:ln>
             <a:extLst>
               <a:ext uri="{91240B29-F687-4f45-9708-019B960494DF}">
-                <a14:hiddenLine xmlns="" xmlns:a14="http://schemas.microsoft.com/office/drawing/2010/main" w="9525">
+                <a14:hiddenLine xmlns:a14="http://schemas.microsoft.com/office/drawing/2010/main" xmlns="" w="9525">
                   <a:solidFill>
                     <a:srgbClr val="000000"/>
                   </a:solidFill>
@@ -7252,7 +7417,7 @@
             </a:ln>
             <a:extLst>
               <a:ext uri="{91240B29-F687-4f45-9708-019B960494DF}">
-                <a14:hiddenLine xmlns="" xmlns:a14="http://schemas.microsoft.com/office/drawing/2010/main" w="9525">
+                <a14:hiddenLine xmlns:a14="http://schemas.microsoft.com/office/drawing/2010/main" xmlns="" w="9525">
                   <a:solidFill>
                     <a:srgbClr val="000000"/>
                   </a:solidFill>
@@ -7317,7 +7482,7 @@
             </a:ln>
             <a:extLst>
               <a:ext uri="{91240B29-F687-4f45-9708-019B960494DF}">
-                <a14:hiddenLine xmlns="" xmlns:a14="http://schemas.microsoft.com/office/drawing/2010/main" w="9525">
+                <a14:hiddenLine xmlns:a14="http://schemas.microsoft.com/office/drawing/2010/main" xmlns="" w="9525">
                   <a:solidFill>
                     <a:srgbClr val="000000"/>
                   </a:solidFill>
@@ -7407,7 +7572,7 @@
             </a:ln>
             <a:extLst>
               <a:ext uri="{91240B29-F687-4f45-9708-019B960494DF}">
-                <a14:hiddenLine xmlns="" xmlns:a14="http://schemas.microsoft.com/office/drawing/2010/main" w="9525">
+                <a14:hiddenLine xmlns:a14="http://schemas.microsoft.com/office/drawing/2010/main" xmlns="" w="9525">
                   <a:solidFill>
                     <a:srgbClr val="000000"/>
                   </a:solidFill>
@@ -7469,7 +7634,7 @@
             </a:ln>
             <a:extLst>
               <a:ext uri="{91240B29-F687-4f45-9708-019B960494DF}">
-                <a14:hiddenLine xmlns="" xmlns:a14="http://schemas.microsoft.com/office/drawing/2010/main" w="9525">
+                <a14:hiddenLine xmlns:a14="http://schemas.microsoft.com/office/drawing/2010/main" xmlns="" w="9525">
                   <a:solidFill>
                     <a:srgbClr val="000000"/>
                   </a:solidFill>
@@ -7559,7 +7724,7 @@
             </a:ln>
             <a:extLst>
               <a:ext uri="{91240B29-F687-4f45-9708-019B960494DF}">
-                <a14:hiddenLine xmlns="" xmlns:a14="http://schemas.microsoft.com/office/drawing/2010/main" w="9525">
+                <a14:hiddenLine xmlns:a14="http://schemas.microsoft.com/office/drawing/2010/main" xmlns="" w="9525">
                   <a:solidFill>
                     <a:srgbClr val="000000"/>
                   </a:solidFill>
@@ -7649,7 +7814,7 @@
             </a:ln>
             <a:extLst>
               <a:ext uri="{91240B29-F687-4f45-9708-019B960494DF}">
-                <a14:hiddenLine xmlns="" xmlns:a14="http://schemas.microsoft.com/office/drawing/2010/main" w="9525">
+                <a14:hiddenLine xmlns:a14="http://schemas.microsoft.com/office/drawing/2010/main" xmlns="" w="9525">
                   <a:solidFill>
                     <a:srgbClr val="000000"/>
                   </a:solidFill>
@@ -7714,7 +7879,7 @@
             </a:ln>
             <a:extLst>
               <a:ext uri="{91240B29-F687-4f45-9708-019B960494DF}">
-                <a14:hiddenLine xmlns="" xmlns:a14="http://schemas.microsoft.com/office/drawing/2010/main" w="9525">
+                <a14:hiddenLine xmlns:a14="http://schemas.microsoft.com/office/drawing/2010/main" xmlns="" w="9525">
                   <a:solidFill>
                     <a:srgbClr val="000000"/>
                   </a:solidFill>
@@ -7776,7 +7941,7 @@
             </a:ln>
             <a:extLst>
               <a:ext uri="{91240B29-F687-4f45-9708-019B960494DF}">
-                <a14:hiddenLine xmlns="" xmlns:a14="http://schemas.microsoft.com/office/drawing/2010/main" w="9525">
+                <a14:hiddenLine xmlns:a14="http://schemas.microsoft.com/office/drawing/2010/main" xmlns="" w="9525">
                   <a:solidFill>
                     <a:srgbClr val="000000"/>
                   </a:solidFill>
@@ -7866,7 +8031,7 @@
             </a:ln>
             <a:extLst>
               <a:ext uri="{91240B29-F687-4f45-9708-019B960494DF}">
-                <a14:hiddenLine xmlns="" xmlns:a14="http://schemas.microsoft.com/office/drawing/2010/main" w="9525">
+                <a14:hiddenLine xmlns:a14="http://schemas.microsoft.com/office/drawing/2010/main" xmlns="" w="9525">
                   <a:solidFill>
                     <a:srgbClr val="000000"/>
                   </a:solidFill>
@@ -7956,7 +8121,7 @@
             </a:ln>
             <a:extLst>
               <a:ext uri="{91240B29-F687-4f45-9708-019B960494DF}">
-                <a14:hiddenLine xmlns="" xmlns:a14="http://schemas.microsoft.com/office/drawing/2010/main" w="9525">
+                <a14:hiddenLine xmlns:a14="http://schemas.microsoft.com/office/drawing/2010/main" xmlns="" w="9525">
                   <a:solidFill>
                     <a:srgbClr val="000000"/>
                   </a:solidFill>
@@ -8018,7 +8183,7 @@
             </a:ln>
             <a:extLst>
               <a:ext uri="{91240B29-F687-4f45-9708-019B960494DF}">
-                <a14:hiddenLine xmlns="" xmlns:a14="http://schemas.microsoft.com/office/drawing/2010/main" w="9525">
+                <a14:hiddenLine xmlns:a14="http://schemas.microsoft.com/office/drawing/2010/main" xmlns="" w="9525">
                   <a:solidFill>
                     <a:srgbClr val="000000"/>
                   </a:solidFill>
@@ -8138,7 +8303,7 @@
             </a:ln>
             <a:extLst>
               <a:ext uri="{91240B29-F687-4f45-9708-019B960494DF}">
-                <a14:hiddenLine xmlns="" xmlns:a14="http://schemas.microsoft.com/office/drawing/2010/main" w="9525">
+                <a14:hiddenLine xmlns:a14="http://schemas.microsoft.com/office/drawing/2010/main" xmlns="" w="9525">
                   <a:solidFill>
                     <a:srgbClr val="000000"/>
                   </a:solidFill>
@@ -8206,7 +8371,7 @@
             </a:ln>
             <a:extLst>
               <a:ext uri="{91240B29-F687-4f45-9708-019B960494DF}">
-                <a14:hiddenLine xmlns="" xmlns:a14="http://schemas.microsoft.com/office/drawing/2010/main" w="9525">
+                <a14:hiddenLine xmlns:a14="http://schemas.microsoft.com/office/drawing/2010/main" xmlns="" w="9525">
                   <a:solidFill>
                     <a:srgbClr val="000000"/>
                   </a:solidFill>
@@ -8296,7 +8461,7 @@
             </a:ln>
             <a:extLst>
               <a:ext uri="{91240B29-F687-4f45-9708-019B960494DF}">
-                <a14:hiddenLine xmlns="" xmlns:a14="http://schemas.microsoft.com/office/drawing/2010/main" w="9525">
+                <a14:hiddenLine xmlns:a14="http://schemas.microsoft.com/office/drawing/2010/main" xmlns="" w="9525">
                   <a:solidFill>
                     <a:srgbClr val="000000"/>
                   </a:solidFill>
@@ -8436,7 +8601,7 @@
           <a:p>
             <a:fld id="{48A87A34-81AB-432B-8DAE-1953F412C126}" type="datetimeFigureOut">
               <a:rPr lang="en-US" dirty="0"/>
-              <a:t>10/17/2017</a:t>
+              <a:t>10/19/2017</a:t>
             </a:fld>
             <a:endParaRPr lang="en-US" dirty="0"/>
           </a:p>
@@ -8698,7 +8863,7 @@
           <a:p>
             <a:fld id="{48A87A34-81AB-432B-8DAE-1953F412C126}" type="datetimeFigureOut">
               <a:rPr lang="en-US" dirty="0"/>
-              <a:t>10/17/2017</a:t>
+              <a:t>10/19/2017</a:t>
             </a:fld>
             <a:endParaRPr lang="en-US" dirty="0"/>
           </a:p>
@@ -8889,7 +9054,7 @@
           <a:p>
             <a:fld id="{48A87A34-81AB-432B-8DAE-1953F412C126}" type="datetimeFigureOut">
               <a:rPr lang="en-US" dirty="0"/>
-              <a:t>10/17/2017</a:t>
+              <a:t>10/19/2017</a:t>
             </a:fld>
             <a:endParaRPr lang="en-US" dirty="0"/>
           </a:p>
@@ -9147,7 +9312,7 @@
           <a:p>
             <a:fld id="{48A87A34-81AB-432B-8DAE-1953F412C126}" type="datetimeFigureOut">
               <a:rPr lang="en-US" dirty="0"/>
-              <a:t>10/17/2017</a:t>
+              <a:t>10/19/2017</a:t>
             </a:fld>
             <a:endParaRPr lang="en-US" dirty="0"/>
           </a:p>
@@ -9576,7 +9741,7 @@
           <a:p>
             <a:fld id="{48A87A34-81AB-432B-8DAE-1953F412C126}" type="datetimeFigureOut">
               <a:rPr lang="en-US" dirty="0"/>
-              <a:t>10/17/2017</a:t>
+              <a:t>10/19/2017</a:t>
             </a:fld>
             <a:endParaRPr lang="en-US" dirty="0"/>
           </a:p>
@@ -10117,7 +10282,7 @@
           <a:p>
             <a:fld id="{48A87A34-81AB-432B-8DAE-1953F412C126}" type="datetimeFigureOut">
               <a:rPr lang="en-US" dirty="0"/>
-              <a:t>10/17/2017</a:t>
+              <a:t>10/19/2017</a:t>
             </a:fld>
             <a:endParaRPr lang="en-US" dirty="0"/>
           </a:p>
@@ -10832,7 +10997,7 @@
           <a:p>
             <a:fld id="{48A87A34-81AB-432B-8DAE-1953F412C126}" type="datetimeFigureOut">
               <a:rPr lang="en-US" dirty="0"/>
-              <a:t>10/17/2017</a:t>
+              <a:t>10/19/2017</a:t>
             </a:fld>
             <a:endParaRPr lang="en-US" dirty="0"/>
           </a:p>
@@ -10997,7 +11162,7 @@
           <a:p>
             <a:fld id="{48A87A34-81AB-432B-8DAE-1953F412C126}" type="datetimeFigureOut">
               <a:rPr lang="en-US" dirty="0"/>
-              <a:t>10/17/2017</a:t>
+              <a:t>10/19/2017</a:t>
             </a:fld>
             <a:endParaRPr lang="en-US" dirty="0"/>
           </a:p>
@@ -11172,7 +11337,7 @@
           <a:p>
             <a:fld id="{48A87A34-81AB-432B-8DAE-1953F412C126}" type="datetimeFigureOut">
               <a:rPr lang="en-US" dirty="0"/>
-              <a:t>10/17/2017</a:t>
+              <a:t>10/19/2017</a:t>
             </a:fld>
             <a:endParaRPr lang="en-US" dirty="0"/>
           </a:p>
@@ -11337,7 +11502,7 @@
           <a:p>
             <a:fld id="{48A87A34-81AB-432B-8DAE-1953F412C126}" type="datetimeFigureOut">
               <a:rPr lang="en-US" dirty="0"/>
-              <a:t>10/17/2017</a:t>
+              <a:t>10/19/2017</a:t>
             </a:fld>
             <a:endParaRPr lang="en-US" dirty="0"/>
           </a:p>
@@ -11582,7 +11747,7 @@
           <a:p>
             <a:fld id="{48A87A34-81AB-432B-8DAE-1953F412C126}" type="datetimeFigureOut">
               <a:rPr lang="en-US" dirty="0"/>
-              <a:t>10/17/2017</a:t>
+              <a:t>10/19/2017</a:t>
             </a:fld>
             <a:endParaRPr lang="en-US" dirty="0"/>
           </a:p>
@@ -11809,7 +11974,7 @@
           <a:p>
             <a:fld id="{48A87A34-81AB-432B-8DAE-1953F412C126}" type="datetimeFigureOut">
               <a:rPr lang="en-US" dirty="0"/>
-              <a:t>10/17/2017</a:t>
+              <a:t>10/19/2017</a:t>
             </a:fld>
             <a:endParaRPr lang="en-US" dirty="0"/>
           </a:p>
@@ -12185,7 +12350,7 @@
           <a:p>
             <a:fld id="{48A87A34-81AB-432B-8DAE-1953F412C126}" type="datetimeFigureOut">
               <a:rPr lang="en-US" dirty="0"/>
-              <a:t>10/17/2017</a:t>
+              <a:t>10/19/2017</a:t>
             </a:fld>
             <a:endParaRPr lang="en-US" dirty="0"/>
           </a:p>
@@ -12298,7 +12463,7 @@
           <a:p>
             <a:fld id="{48A87A34-81AB-432B-8DAE-1953F412C126}" type="datetimeFigureOut">
               <a:rPr lang="en-US" dirty="0"/>
-              <a:t>10/17/2017</a:t>
+              <a:t>10/19/2017</a:t>
             </a:fld>
             <a:endParaRPr lang="en-US" dirty="0"/>
           </a:p>
@@ -12388,7 +12553,7 @@
           <a:p>
             <a:fld id="{48A87A34-81AB-432B-8DAE-1953F412C126}" type="datetimeFigureOut">
               <a:rPr lang="en-US" dirty="0"/>
-              <a:t>10/17/2017</a:t>
+              <a:t>10/19/2017</a:t>
             </a:fld>
             <a:endParaRPr lang="en-US" dirty="0"/>
           </a:p>
@@ -12632,7 +12797,7 @@
           <a:p>
             <a:fld id="{48A87A34-81AB-432B-8DAE-1953F412C126}" type="datetimeFigureOut">
               <a:rPr lang="en-US" dirty="0"/>
-              <a:t>10/17/2017</a:t>
+              <a:t>10/19/2017</a:t>
             </a:fld>
             <a:endParaRPr lang="en-US" dirty="0"/>
           </a:p>
@@ -12907,7 +13072,7 @@
           <a:p>
             <a:fld id="{48A87A34-81AB-432B-8DAE-1953F412C126}" type="datetimeFigureOut">
               <a:rPr lang="en-US" dirty="0"/>
-              <a:t>10/17/2017</a:t>
+              <a:t>10/19/2017</a:t>
             </a:fld>
             <a:endParaRPr lang="en-US" dirty="0"/>
           </a:p>
@@ -13025,7 +13190,7 @@
           <a:noFill/>
           <a:extLst>
             <a:ext uri="{909E8E84-426E-40dd-AFC4-6F175D3DCCD1}">
-              <a14:hiddenFill xmlns="" xmlns:a14="http://schemas.microsoft.com/office/drawing/2010/main">
+              <a14:hiddenFill xmlns:a14="http://schemas.microsoft.com/office/drawing/2010/main" xmlns="">
                 <a:solidFill>
                   <a:srgbClr val="FFFFFF"/>
                 </a:solidFill>
@@ -13099,7 +13264,7 @@
               </a:ln>
               <a:extLst>
                 <a:ext uri="{91240B29-F687-4f45-9708-019B960494DF}">
-                  <a14:hiddenLine xmlns="" xmlns:a14="http://schemas.microsoft.com/office/drawing/2010/main" w="9525">
+                  <a14:hiddenLine xmlns:a14="http://schemas.microsoft.com/office/drawing/2010/main" xmlns="" w="9525">
                     <a:solidFill>
                       <a:srgbClr val="000000"/>
                     </a:solidFill>
@@ -13189,7 +13354,7 @@
               </a:ln>
               <a:extLst>
                 <a:ext uri="{91240B29-F687-4f45-9708-019B960494DF}">
-                  <a14:hiddenLine xmlns="" xmlns:a14="http://schemas.microsoft.com/office/drawing/2010/main" w="9525">
+                  <a14:hiddenLine xmlns:a14="http://schemas.microsoft.com/office/drawing/2010/main" xmlns="" w="9525">
                     <a:solidFill>
                       <a:srgbClr val="000000"/>
                     </a:solidFill>
@@ -13279,7 +13444,7 @@
               </a:ln>
               <a:extLst>
                 <a:ext uri="{91240B29-F687-4f45-9708-019B960494DF}">
-                  <a14:hiddenLine xmlns="" xmlns:a14="http://schemas.microsoft.com/office/drawing/2010/main" w="9525">
+                  <a14:hiddenLine xmlns:a14="http://schemas.microsoft.com/office/drawing/2010/main" xmlns="" w="9525">
                     <a:solidFill>
                       <a:srgbClr val="000000"/>
                     </a:solidFill>
@@ -13341,7 +13506,7 @@
               </a:ln>
               <a:extLst>
                 <a:ext uri="{91240B29-F687-4f45-9708-019B960494DF}">
-                  <a14:hiddenLine xmlns="" xmlns:a14="http://schemas.microsoft.com/office/drawing/2010/main" w="9525">
+                  <a14:hiddenLine xmlns:a14="http://schemas.microsoft.com/office/drawing/2010/main" xmlns="" w="9525">
                     <a:solidFill>
                       <a:srgbClr val="000000"/>
                     </a:solidFill>
@@ -13431,7 +13596,7 @@
               </a:ln>
               <a:extLst>
                 <a:ext uri="{91240B29-F687-4f45-9708-019B960494DF}">
-                  <a14:hiddenLine xmlns="" xmlns:a14="http://schemas.microsoft.com/office/drawing/2010/main" w="9525">
+                  <a14:hiddenLine xmlns:a14="http://schemas.microsoft.com/office/drawing/2010/main" xmlns="" w="9525">
                     <a:solidFill>
                       <a:srgbClr val="000000"/>
                     </a:solidFill>
@@ -13493,7 +13658,7 @@
               </a:ln>
               <a:extLst>
                 <a:ext uri="{91240B29-F687-4f45-9708-019B960494DF}">
-                  <a14:hiddenLine xmlns="" xmlns:a14="http://schemas.microsoft.com/office/drawing/2010/main" w="9525">
+                  <a14:hiddenLine xmlns:a14="http://schemas.microsoft.com/office/drawing/2010/main" xmlns="" w="9525">
                     <a:solidFill>
                       <a:srgbClr val="000000"/>
                     </a:solidFill>
@@ -13555,7 +13720,7 @@
               </a:ln>
               <a:extLst>
                 <a:ext uri="{91240B29-F687-4f45-9708-019B960494DF}">
-                  <a14:hiddenLine xmlns="" xmlns:a14="http://schemas.microsoft.com/office/drawing/2010/main" w="9525">
+                  <a14:hiddenLine xmlns:a14="http://schemas.microsoft.com/office/drawing/2010/main" xmlns="" w="9525">
                     <a:solidFill>
                       <a:srgbClr val="000000"/>
                     </a:solidFill>
@@ -13645,7 +13810,7 @@
               </a:ln>
               <a:extLst>
                 <a:ext uri="{91240B29-F687-4f45-9708-019B960494DF}">
-                  <a14:hiddenLine xmlns="" xmlns:a14="http://schemas.microsoft.com/office/drawing/2010/main" w="9525">
+                  <a14:hiddenLine xmlns:a14="http://schemas.microsoft.com/office/drawing/2010/main" xmlns="" w="9525">
                     <a:solidFill>
                       <a:srgbClr val="000000"/>
                     </a:solidFill>
@@ -13735,7 +13900,7 @@
               </a:ln>
               <a:extLst>
                 <a:ext uri="{91240B29-F687-4f45-9708-019B960494DF}">
-                  <a14:hiddenLine xmlns="" xmlns:a14="http://schemas.microsoft.com/office/drawing/2010/main" w="9525">
+                  <a14:hiddenLine xmlns:a14="http://schemas.microsoft.com/office/drawing/2010/main" xmlns="" w="9525">
                     <a:solidFill>
                       <a:srgbClr val="000000"/>
                     </a:solidFill>
@@ -13797,7 +13962,7 @@
               </a:ln>
               <a:extLst>
                 <a:ext uri="{91240B29-F687-4f45-9708-019B960494DF}">
-                  <a14:hiddenLine xmlns="" xmlns:a14="http://schemas.microsoft.com/office/drawing/2010/main" w="9525">
+                  <a14:hiddenLine xmlns:a14="http://schemas.microsoft.com/office/drawing/2010/main" xmlns="" w="9525">
                     <a:solidFill>
                       <a:srgbClr val="000000"/>
                     </a:solidFill>
@@ -13907,7 +14072,7 @@
               </a:ln>
               <a:extLst>
                 <a:ext uri="{91240B29-F687-4f45-9708-019B960494DF}">
-                  <a14:hiddenLine xmlns="" xmlns:a14="http://schemas.microsoft.com/office/drawing/2010/main" w="9525">
+                  <a14:hiddenLine xmlns:a14="http://schemas.microsoft.com/office/drawing/2010/main" xmlns="" w="9525">
                     <a:solidFill>
                       <a:srgbClr val="000000"/>
                     </a:solidFill>
@@ -13991,7 +14156,7 @@
               </a:ln>
               <a:extLst>
                 <a:ext uri="{91240B29-F687-4f45-9708-019B960494DF}">
-                  <a14:hiddenLine xmlns="" xmlns:a14="http://schemas.microsoft.com/office/drawing/2010/main" w="9525">
+                  <a14:hiddenLine xmlns:a14="http://schemas.microsoft.com/office/drawing/2010/main" xmlns="" w="9525">
                     <a:solidFill>
                       <a:srgbClr val="000000"/>
                     </a:solidFill>
@@ -14053,7 +14218,7 @@
               </a:ln>
               <a:extLst>
                 <a:ext uri="{91240B29-F687-4f45-9708-019B960494DF}">
-                  <a14:hiddenLine xmlns="" xmlns:a14="http://schemas.microsoft.com/office/drawing/2010/main" w="9525">
+                  <a14:hiddenLine xmlns:a14="http://schemas.microsoft.com/office/drawing/2010/main" xmlns="" w="9525">
                     <a:solidFill>
                       <a:srgbClr val="000000"/>
                     </a:solidFill>
@@ -14115,7 +14280,7 @@
               </a:ln>
               <a:extLst>
                 <a:ext uri="{91240B29-F687-4f45-9708-019B960494DF}">
-                  <a14:hiddenLine xmlns="" xmlns:a14="http://schemas.microsoft.com/office/drawing/2010/main" w="9525">
+                  <a14:hiddenLine xmlns:a14="http://schemas.microsoft.com/office/drawing/2010/main" xmlns="" w="9525">
                     <a:solidFill>
                       <a:srgbClr val="000000"/>
                     </a:solidFill>
@@ -14205,7 +14370,7 @@
               </a:ln>
               <a:extLst>
                 <a:ext uri="{91240B29-F687-4f45-9708-019B960494DF}">
-                  <a14:hiddenLine xmlns="" xmlns:a14="http://schemas.microsoft.com/office/drawing/2010/main" w="9525">
+                  <a14:hiddenLine xmlns:a14="http://schemas.microsoft.com/office/drawing/2010/main" xmlns="" w="9525">
                     <a:solidFill>
                       <a:srgbClr val="000000"/>
                     </a:solidFill>
@@ -14239,7 +14404,7 @@
               </a:ln>
               <a:extLst>
                 <a:ext uri="{91240B29-F687-4f45-9708-019B960494DF}">
-                  <a14:hiddenLine xmlns="" xmlns:a14="http://schemas.microsoft.com/office/drawing/2010/main" w="9525">
+                  <a14:hiddenLine xmlns:a14="http://schemas.microsoft.com/office/drawing/2010/main" xmlns="" w="9525">
                     <a:solidFill>
                       <a:srgbClr val="000000"/>
                     </a:solidFill>
@@ -14304,7 +14469,7 @@
               </a:ln>
               <a:extLst>
                 <a:ext uri="{91240B29-F687-4f45-9708-019B960494DF}">
-                  <a14:hiddenLine xmlns="" xmlns:a14="http://schemas.microsoft.com/office/drawing/2010/main" w="9525">
+                  <a14:hiddenLine xmlns:a14="http://schemas.microsoft.com/office/drawing/2010/main" xmlns="" w="9525">
                     <a:solidFill>
                       <a:srgbClr val="000000"/>
                     </a:solidFill>
@@ -14394,7 +14559,7 @@
               </a:ln>
               <a:extLst>
                 <a:ext uri="{91240B29-F687-4f45-9708-019B960494DF}">
-                  <a14:hiddenLine xmlns="" xmlns:a14="http://schemas.microsoft.com/office/drawing/2010/main" w="9525">
+                  <a14:hiddenLine xmlns:a14="http://schemas.microsoft.com/office/drawing/2010/main" xmlns="" w="9525">
                     <a:solidFill>
                       <a:srgbClr val="000000"/>
                     </a:solidFill>
@@ -14456,7 +14621,7 @@
               </a:ln>
               <a:extLst>
                 <a:ext uri="{91240B29-F687-4f45-9708-019B960494DF}">
-                  <a14:hiddenLine xmlns="" xmlns:a14="http://schemas.microsoft.com/office/drawing/2010/main" w="9525">
+                  <a14:hiddenLine xmlns:a14="http://schemas.microsoft.com/office/drawing/2010/main" xmlns="" w="9525">
                     <a:solidFill>
                       <a:srgbClr val="000000"/>
                     </a:solidFill>
@@ -14546,7 +14711,7 @@
               </a:ln>
               <a:extLst>
                 <a:ext uri="{91240B29-F687-4f45-9708-019B960494DF}">
-                  <a14:hiddenLine xmlns="" xmlns:a14="http://schemas.microsoft.com/office/drawing/2010/main" w="9525">
+                  <a14:hiddenLine xmlns:a14="http://schemas.microsoft.com/office/drawing/2010/main" xmlns="" w="9525">
                     <a:solidFill>
                       <a:srgbClr val="000000"/>
                     </a:solidFill>
@@ -14611,7 +14776,7 @@
               </a:ln>
               <a:extLst>
                 <a:ext uri="{91240B29-F687-4f45-9708-019B960494DF}">
-                  <a14:hiddenLine xmlns="" xmlns:a14="http://schemas.microsoft.com/office/drawing/2010/main" w="9525">
+                  <a14:hiddenLine xmlns:a14="http://schemas.microsoft.com/office/drawing/2010/main" xmlns="" w="9525">
                     <a:solidFill>
                       <a:srgbClr val="000000"/>
                     </a:solidFill>
@@ -14673,7 +14838,7 @@
               </a:ln>
               <a:extLst>
                 <a:ext uri="{91240B29-F687-4f45-9708-019B960494DF}">
-                  <a14:hiddenLine xmlns="" xmlns:a14="http://schemas.microsoft.com/office/drawing/2010/main" w="9525">
+                  <a14:hiddenLine xmlns:a14="http://schemas.microsoft.com/office/drawing/2010/main" xmlns="" w="9525">
                     <a:solidFill>
                       <a:srgbClr val="000000"/>
                     </a:solidFill>
@@ -14763,7 +14928,7 @@
               </a:ln>
               <a:extLst>
                 <a:ext uri="{91240B29-F687-4f45-9708-019B960494DF}">
-                  <a14:hiddenLine xmlns="" xmlns:a14="http://schemas.microsoft.com/office/drawing/2010/main" w="9525">
+                  <a14:hiddenLine xmlns:a14="http://schemas.microsoft.com/office/drawing/2010/main" xmlns="" w="9525">
                     <a:solidFill>
                       <a:srgbClr val="000000"/>
                     </a:solidFill>
@@ -14853,7 +15018,7 @@
               </a:ln>
               <a:extLst>
                 <a:ext uri="{91240B29-F687-4f45-9708-019B960494DF}">
-                  <a14:hiddenLine xmlns="" xmlns:a14="http://schemas.microsoft.com/office/drawing/2010/main" w="9525">
+                  <a14:hiddenLine xmlns:a14="http://schemas.microsoft.com/office/drawing/2010/main" xmlns="" w="9525">
                     <a:solidFill>
                       <a:srgbClr val="000000"/>
                     </a:solidFill>
@@ -14918,7 +15083,7 @@
               </a:ln>
               <a:extLst>
                 <a:ext uri="{91240B29-F687-4f45-9708-019B960494DF}">
-                  <a14:hiddenLine xmlns="" xmlns:a14="http://schemas.microsoft.com/office/drawing/2010/main" w="9525">
+                  <a14:hiddenLine xmlns:a14="http://schemas.microsoft.com/office/drawing/2010/main" xmlns="" w="9525">
                     <a:solidFill>
                       <a:srgbClr val="000000"/>
                     </a:solidFill>
@@ -15038,7 +15203,7 @@
               </a:ln>
               <a:extLst>
                 <a:ext uri="{91240B29-F687-4f45-9708-019B960494DF}">
-                  <a14:hiddenLine xmlns="" xmlns:a14="http://schemas.microsoft.com/office/drawing/2010/main" w="9525">
+                  <a14:hiddenLine xmlns:a14="http://schemas.microsoft.com/office/drawing/2010/main" xmlns="" w="9525">
                     <a:solidFill>
                       <a:srgbClr val="000000"/>
                     </a:solidFill>
@@ -15119,7 +15284,7 @@
               </a:ln>
               <a:extLst>
                 <a:ext uri="{91240B29-F687-4f45-9708-019B960494DF}">
-                  <a14:hiddenLine xmlns="" xmlns:a14="http://schemas.microsoft.com/office/drawing/2010/main" w="9525">
+                  <a14:hiddenLine xmlns:a14="http://schemas.microsoft.com/office/drawing/2010/main" xmlns="" w="9525">
                     <a:solidFill>
                       <a:srgbClr val="000000"/>
                     </a:solidFill>
@@ -15234,7 +15399,7 @@
               </a:ln>
               <a:extLst>
                 <a:ext uri="{91240B29-F687-4f45-9708-019B960494DF}">
-                  <a14:hiddenLine xmlns="" xmlns:a14="http://schemas.microsoft.com/office/drawing/2010/main" w="9525">
+                  <a14:hiddenLine xmlns:a14="http://schemas.microsoft.com/office/drawing/2010/main" xmlns="" w="9525">
                     <a:solidFill>
                       <a:srgbClr val="000000"/>
                     </a:solidFill>
@@ -15324,7 +15489,7 @@
               </a:ln>
               <a:extLst>
                 <a:ext uri="{91240B29-F687-4f45-9708-019B960494DF}">
-                  <a14:hiddenLine xmlns="" xmlns:a14="http://schemas.microsoft.com/office/drawing/2010/main" w="9525">
+                  <a14:hiddenLine xmlns:a14="http://schemas.microsoft.com/office/drawing/2010/main" xmlns="" w="9525">
                     <a:solidFill>
                       <a:srgbClr val="000000"/>
                     </a:solidFill>
@@ -15389,7 +15554,7 @@
               </a:ln>
               <a:extLst>
                 <a:ext uri="{91240B29-F687-4f45-9708-019B960494DF}">
-                  <a14:hiddenLine xmlns="" xmlns:a14="http://schemas.microsoft.com/office/drawing/2010/main" w="9525">
+                  <a14:hiddenLine xmlns:a14="http://schemas.microsoft.com/office/drawing/2010/main" xmlns="" w="9525">
                     <a:solidFill>
                       <a:srgbClr val="000000"/>
                     </a:solidFill>
@@ -15479,7 +15644,7 @@
               </a:ln>
               <a:extLst>
                 <a:ext uri="{91240B29-F687-4f45-9708-019B960494DF}">
-                  <a14:hiddenLine xmlns="" xmlns:a14="http://schemas.microsoft.com/office/drawing/2010/main" w="9525">
+                  <a14:hiddenLine xmlns:a14="http://schemas.microsoft.com/office/drawing/2010/main" xmlns="" w="9525">
                     <a:solidFill>
                       <a:srgbClr val="000000"/>
                     </a:solidFill>
@@ -15547,7 +15712,7 @@
               </a:ln>
               <a:extLst>
                 <a:ext uri="{91240B29-F687-4f45-9708-019B960494DF}">
-                  <a14:hiddenLine xmlns="" xmlns:a14="http://schemas.microsoft.com/office/drawing/2010/main" w="9525">
+                  <a14:hiddenLine xmlns:a14="http://schemas.microsoft.com/office/drawing/2010/main" xmlns="" w="9525">
                     <a:solidFill>
                       <a:srgbClr val="000000"/>
                     </a:solidFill>
@@ -15637,7 +15802,7 @@
               </a:ln>
               <a:extLst>
                 <a:ext uri="{91240B29-F687-4f45-9708-019B960494DF}">
-                  <a14:hiddenLine xmlns="" xmlns:a14="http://schemas.microsoft.com/office/drawing/2010/main" w="9525">
+                  <a14:hiddenLine xmlns:a14="http://schemas.microsoft.com/office/drawing/2010/main" xmlns="" w="9525">
                     <a:solidFill>
                       <a:srgbClr val="000000"/>
                     </a:solidFill>
@@ -15705,7 +15870,7 @@
               </a:ln>
               <a:extLst>
                 <a:ext uri="{91240B29-F687-4f45-9708-019B960494DF}">
-                  <a14:hiddenLine xmlns="" xmlns:a14="http://schemas.microsoft.com/office/drawing/2010/main" w="9525">
+                  <a14:hiddenLine xmlns:a14="http://schemas.microsoft.com/office/drawing/2010/main" xmlns="" w="9525">
                     <a:solidFill>
                       <a:srgbClr val="000000"/>
                     </a:solidFill>
@@ -15795,7 +15960,7 @@
               </a:ln>
               <a:extLst>
                 <a:ext uri="{91240B29-F687-4f45-9708-019B960494DF}">
-                  <a14:hiddenLine xmlns="" xmlns:a14="http://schemas.microsoft.com/office/drawing/2010/main" w="9525">
+                  <a14:hiddenLine xmlns:a14="http://schemas.microsoft.com/office/drawing/2010/main" xmlns="" w="9525">
                     <a:solidFill>
                       <a:srgbClr val="000000"/>
                     </a:solidFill>
@@ -15829,7 +15994,7 @@
               </a:ln>
               <a:extLst>
                 <a:ext uri="{91240B29-F687-4f45-9708-019B960494DF}">
-                  <a14:hiddenLine xmlns="" xmlns:a14="http://schemas.microsoft.com/office/drawing/2010/main" w="9525">
+                  <a14:hiddenLine xmlns:a14="http://schemas.microsoft.com/office/drawing/2010/main" xmlns="" w="9525">
                     <a:solidFill>
                       <a:srgbClr val="000000"/>
                     </a:solidFill>
@@ -15970,7 +16135,7 @@
             <a:fld id="{48A87A34-81AB-432B-8DAE-1953F412C126}" type="datetimeFigureOut">
               <a:rPr lang="en-US" dirty="0"/>
               <a:pPr/>
-              <a:t>10/17/2017</a:t>
+              <a:t>10/19/2017</a:t>
             </a:fld>
             <a:endParaRPr lang="en-US" dirty="0"/>
           </a:p>
@@ -25365,7 +25530,12 @@
             <p:ph idx="1"/>
           </p:nvPr>
         </p:nvSpPr>
-        <p:spPr/>
+        <p:spPr>
+          <a:xfrm>
+            <a:off x="1143001" y="2249487"/>
+            <a:ext cx="9905999" cy="3541714"/>
+          </a:xfrm>
+        </p:spPr>
         <p:txBody>
           <a:bodyPr/>
           <a:lstStyle/>
@@ -25380,20 +25550,20 @@
               <a:buNone/>
             </a:pPr>
             <a:r>
-              <a:rPr lang="de-CH" sz="2000" dirty="0" smtClean="0"/>
+              <a:rPr lang="de-CH" sz="1800" dirty="0" smtClean="0"/>
               <a:t>beschäftigen sich mit der gleichen Frage</a:t>
             </a:r>
-            <a:endParaRPr lang="de-CH" sz="4000" dirty="0" smtClean="0"/>
+            <a:endParaRPr lang="de-CH" sz="3600" dirty="0" smtClean="0"/>
           </a:p>
           <a:p>
             <a:pPr marL="0" indent="0" algn="ctr">
               <a:buNone/>
             </a:pPr>
             <a:r>
-              <a:rPr lang="de-CH" sz="4400" dirty="0" smtClean="0"/>
+              <a:rPr lang="de-CH" sz="5400" dirty="0" smtClean="0"/>
               <a:t>Wie lernen wir von Daten?</a:t>
             </a:r>
-            <a:endParaRPr lang="de-CH" sz="4400" dirty="0"/>
+            <a:endParaRPr lang="de-CH" sz="5400" dirty="0"/>
           </a:p>
         </p:txBody>
       </p:sp>
@@ -25405,8 +25575,8 @@
         </p:nvSpPr>
         <p:spPr>
           <a:xfrm>
-            <a:off x="2916380" y="4821382"/>
-            <a:ext cx="6756978" cy="738664"/>
+            <a:off x="3192000" y="4821382"/>
+            <a:ext cx="5808000" cy="646331"/>
           </a:xfrm>
           <a:prstGeom prst="rect">
             <a:avLst/>
@@ -25420,52 +25590,52 @@
           <a:lstStyle/>
           <a:p>
             <a:r>
-              <a:rPr lang="de-CH" sz="2800" dirty="0" err="1" smtClean="0"/>
+              <a:rPr lang="de-CH" sz="2400" dirty="0" err="1" smtClean="0"/>
               <a:t>Machine</a:t>
             </a:r>
             <a:r>
-              <a:rPr lang="de-CH" sz="2800" dirty="0" smtClean="0"/>
+              <a:rPr lang="de-CH" sz="2400" dirty="0" smtClean="0"/>
               <a:t> Learning = </a:t>
             </a:r>
             <a:r>
-              <a:rPr lang="de-CH" sz="2800" dirty="0" err="1" smtClean="0"/>
+              <a:rPr lang="de-CH" sz="2400" dirty="0" err="1" smtClean="0"/>
               <a:t>glorified</a:t>
             </a:r>
             <a:r>
-              <a:rPr lang="de-CH" sz="2800" dirty="0" smtClean="0"/>
+              <a:rPr lang="de-CH" sz="2400" dirty="0" smtClean="0"/>
               <a:t> </a:t>
             </a:r>
             <a:r>
-              <a:rPr lang="de-CH" sz="2800" dirty="0" err="1" smtClean="0"/>
+              <a:rPr lang="de-CH" sz="2400" dirty="0" err="1" smtClean="0"/>
               <a:t>statistics</a:t>
             </a:r>
             <a:r>
-              <a:rPr lang="de-CH" sz="2800" dirty="0" smtClean="0"/>
+              <a:rPr lang="de-CH" sz="2400" dirty="0" smtClean="0"/>
               <a:t> </a:t>
             </a:r>
           </a:p>
           <a:p>
             <a:r>
-              <a:rPr lang="de-CH" sz="1400" dirty="0" smtClean="0"/>
+              <a:rPr lang="de-CH" sz="1200" dirty="0" smtClean="0"/>
               <a:t>(</a:t>
             </a:r>
             <a:r>
-              <a:rPr lang="en-US" sz="1400" dirty="0" smtClean="0"/>
+              <a:rPr lang="en-US" sz="1200" dirty="0" smtClean="0"/>
               <a:t>R. </a:t>
             </a:r>
             <a:r>
-              <a:rPr lang="en-US" sz="1400" dirty="0" err="1"/>
+              <a:rPr lang="en-US" sz="1200" dirty="0" err="1"/>
               <a:t>Tibshirani</a:t>
             </a:r>
             <a:r>
-              <a:rPr lang="en-US" sz="1400" dirty="0"/>
+              <a:rPr lang="en-US" sz="1200" dirty="0"/>
               <a:t>, a statistician and machine learning expert at </a:t>
             </a:r>
             <a:r>
-              <a:rPr lang="en-US" sz="1400" dirty="0" smtClean="0"/>
+              <a:rPr lang="en-US" sz="1200" dirty="0" smtClean="0"/>
               <a:t>Stanford)</a:t>
             </a:r>
-            <a:endParaRPr lang="de-CH" sz="1400" dirty="0"/>
+            <a:endParaRPr lang="de-CH" sz="1200" dirty="0"/>
           </a:p>
         </p:txBody>
       </p:sp>
@@ -26352,47 +26522,58 @@
             <p:ph idx="1"/>
           </p:nvPr>
         </p:nvSpPr>
-        <p:spPr/>
+        <p:spPr>
+          <a:xfrm>
+            <a:off x="1141412" y="2249487"/>
+            <a:ext cx="5380501" cy="3541714"/>
+          </a:xfrm>
+        </p:spPr>
         <p:txBody>
           <a:bodyPr>
             <a:normAutofit/>
           </a:bodyPr>
           <a:lstStyle/>
           <a:p>
-            <a:pPr marL="457200" indent="-457200">
-              <a:buFont typeface="+mj-lt"/>
-              <a:buAutoNum type="arabicPeriod"/>
-            </a:pPr>
             <a:r>
               <a:rPr lang="de-CH" dirty="0" smtClean="0"/>
-              <a:t>Geordnete (labeled) Daten </a:t>
-            </a:r>
-          </a:p>
-          <a:p>
-            <a:pPr marL="457200" indent="-457200">
-              <a:buFont typeface="+mj-lt"/>
-              <a:buAutoNum type="arabicPeriod"/>
-            </a:pPr>
+              <a:t>Verhalten wird mit g</a:t>
+            </a:r>
             <a:r>
               <a:rPr lang="de-CH" dirty="0" smtClean="0"/>
-              <a:t>Modell erstellen</a:t>
-            </a:r>
-          </a:p>
-          <a:p>
-            <a:pPr marL="457200" indent="-457200">
-              <a:buFont typeface="+mj-lt"/>
-              <a:buAutoNum type="arabicPeriod"/>
-            </a:pPr>
+              <a:t>eordneten </a:t>
+            </a:r>
             <a:r>
               <a:rPr lang="de-CH" dirty="0" smtClean="0"/>
-              <a:t>Voraussagen über neue </a:t>
+              <a:t>(labeled) Daten </a:t>
+            </a:r>
+            <a:r>
+              <a:rPr lang="de-CH" dirty="0" smtClean="0"/>
+              <a:t>trainiert</a:t>
+            </a:r>
+            <a:endParaRPr lang="de-CH" dirty="0" smtClean="0"/>
+          </a:p>
+          <a:p>
+            <a:endParaRPr lang="de-CH" dirty="0" smtClean="0"/>
+          </a:p>
+          <a:p>
+            <a:r>
+              <a:rPr lang="de-CH" dirty="0" smtClean="0"/>
+              <a:t>Voraussagen </a:t>
+            </a:r>
+            <a:r>
+              <a:rPr lang="de-CH" dirty="0" smtClean="0"/>
+              <a:t>über neue </a:t>
             </a:r>
             <a:br>
               <a:rPr lang="de-CH" dirty="0" smtClean="0"/>
             </a:br>
             <a:r>
               <a:rPr lang="de-CH" dirty="0" smtClean="0"/>
-              <a:t>(unlabeled) Daten machen </a:t>
+              <a:t>(unlabeled) Daten </a:t>
+            </a:r>
+            <a:r>
+              <a:rPr lang="de-CH" dirty="0" smtClean="0"/>
+              <a:t>können gemacht werden</a:t>
             </a:r>
             <a:endParaRPr lang="de-CH" dirty="0"/>
           </a:p>
@@ -26498,44 +26679,40 @@
             <p:ph idx="1"/>
           </p:nvPr>
         </p:nvSpPr>
-        <p:spPr/>
+        <p:spPr>
+          <a:xfrm>
+            <a:off x="1141413" y="2249487"/>
+            <a:ext cx="4865772" cy="3541714"/>
+          </a:xfrm>
+        </p:spPr>
         <p:txBody>
           <a:bodyPr>
             <a:normAutofit/>
           </a:bodyPr>
           <a:lstStyle/>
           <a:p>
-            <a:pPr marL="457200" indent="-457200">
-              <a:buFont typeface="+mj-lt"/>
-              <a:buAutoNum type="arabicPeriod"/>
-            </a:pPr>
             <a:r>
               <a:rPr lang="de-CH" dirty="0" smtClean="0"/>
-              <a:t>Keine geordneten </a:t>
-            </a:r>
-            <a:br>
-              <a:rPr lang="de-CH" dirty="0" smtClean="0"/>
-            </a:br>
-            <a:r>
-              <a:rPr lang="de-CH" dirty="0" smtClean="0"/>
-              <a:t>(labeled) Daten</a:t>
-            </a:r>
-          </a:p>
-          <a:p>
-            <a:pPr marL="457200" indent="-457200">
-              <a:buFont typeface="+mj-lt"/>
-              <a:buAutoNum type="arabicPeriod"/>
-            </a:pPr>
-            <a:r>
-              <a:rPr lang="de-CH" dirty="0" smtClean="0"/>
-              <a:t>Schlüsse werden gezogen</a:t>
-            </a:r>
-          </a:p>
-          <a:p>
-            <a:pPr marL="457200" indent="-457200">
-              <a:buFont typeface="+mj-lt"/>
-              <a:buAutoNum type="arabicPeriod"/>
-            </a:pPr>
+              <a:t>Analyse von </a:t>
+            </a:r>
+            <a:r>
+              <a:rPr lang="de-CH" dirty="0"/>
+              <a:t>ungeordneten (</a:t>
+            </a:r>
+            <a:r>
+              <a:rPr lang="de-CH" dirty="0" err="1"/>
+              <a:t>unlabeled</a:t>
+            </a:r>
+            <a:r>
+              <a:rPr lang="de-CH" dirty="0"/>
+              <a:t>) Daten</a:t>
+            </a:r>
+            <a:endParaRPr lang="de-CH" dirty="0" smtClean="0"/>
+          </a:p>
+          <a:p>
+            <a:endParaRPr lang="de-CH" dirty="0" smtClean="0"/>
+          </a:p>
+          <a:p>
             <a:r>
               <a:rPr lang="de-CH" dirty="0" smtClean="0"/>
               <a:t>Neue Strukturen/Muster </a:t>
@@ -26646,7 +26823,7 @@
           <a:p>
             <a:r>
               <a:rPr lang="de-CH" dirty="0" smtClean="0"/>
-              <a:t>Machine Learning by Example</a:t>
+              <a:t>Reinforcement Learning</a:t>
             </a:r>
             <a:endParaRPr lang="de-CH" dirty="0"/>
           </a:p>
@@ -26654,47 +26831,88 @@
       </p:sp>
       <p:sp>
         <p:nvSpPr>
-          <p:cNvPr id="4" name="Text Placeholder 3"/>
+          <p:cNvPr id="3" name="Content Placeholder 2"/>
           <p:cNvSpPr>
             <a:spLocks noGrp="1"/>
           </p:cNvSpPr>
           <p:nvPr>
-            <p:ph type="body" idx="1"/>
+            <p:ph idx="1"/>
           </p:nvPr>
         </p:nvSpPr>
-        <p:spPr/>
-        <p:txBody>
-          <a:bodyPr/>
-          <a:lstStyle/>
-          <a:p>
-            <a:r>
-              <a:rPr lang="de-CH" dirty="0" err="1" smtClean="0">
+        <p:spPr>
+          <a:xfrm>
+            <a:off x="1141412" y="2249487"/>
+            <a:ext cx="5338111" cy="3541714"/>
+          </a:xfrm>
+        </p:spPr>
+        <p:txBody>
+          <a:bodyPr>
+            <a:normAutofit/>
+          </a:bodyPr>
+          <a:lstStyle/>
+          <a:p>
+            <a:r>
+              <a:rPr lang="de-CH" dirty="0" smtClean="0"/>
+              <a:t>Lernen in Umgebung mit Belohnung/Bestrafung</a:t>
+            </a:r>
+          </a:p>
+          <a:p>
+            <a:endParaRPr lang="de-CH" dirty="0" smtClean="0"/>
+          </a:p>
+          <a:p>
+            <a:r>
+              <a:rPr lang="de-CH" dirty="0" smtClean="0"/>
+              <a:t>Autonome, selbständige Agenten werden erstellt</a:t>
+            </a:r>
+            <a:endParaRPr lang="de-CH" dirty="0"/>
+          </a:p>
+        </p:txBody>
+      </p:sp>
+      <p:pic>
+        <p:nvPicPr>
+          <p:cNvPr id="7" name="Picture 4" descr="Bildergebnis für reinforcement learning"/>
+          <p:cNvPicPr>
+            <a:picLocks noChangeAspect="1" noChangeArrowheads="1"/>
+          </p:cNvPicPr>
+          <p:nvPr/>
+        </p:nvPicPr>
+        <p:blipFill>
+          <a:blip r:embed="rId3">
+            <a:extLst>
+              <a:ext uri="{28A0092B-C50C-407E-A947-70E740481C1C}">
+                <a14:useLocalDpi xmlns:a14="http://schemas.microsoft.com/office/drawing/2010/main" val="0"/>
+              </a:ext>
+            </a:extLst>
+          </a:blip>
+          <a:srcRect/>
+          <a:stretch>
+            <a:fillRect/>
+          </a:stretch>
+        </p:blipFill>
+        <p:spPr bwMode="auto">
+          <a:xfrm>
+            <a:off x="6031703" y="1698425"/>
+            <a:ext cx="4022651" cy="3887892"/>
+          </a:xfrm>
+          <a:prstGeom prst="rect">
+            <a:avLst/>
+          </a:prstGeom>
+          <a:noFill/>
+          <a:extLst>
+            <a:ext uri="{909E8E84-426E-40DD-AFC4-6F175D3DCCD1}">
+              <a14:hiddenFill xmlns:a14="http://schemas.microsoft.com/office/drawing/2010/main">
                 <a:solidFill>
-                  <a:schemeClr val="tx2"/>
+                  <a:srgbClr val="FFFFFF"/>
                 </a:solidFill>
-              </a:rPr>
-              <a:t>Walkthrough</a:t>
-            </a:r>
-            <a:r>
-              <a:rPr lang="de-CH" dirty="0" smtClean="0">
-                <a:solidFill>
-                  <a:schemeClr val="tx2"/>
-                </a:solidFill>
-              </a:rPr>
-              <a:t> durch ein praktisches Beispiel an einem konkreten Datensatz</a:t>
-            </a:r>
-            <a:endParaRPr lang="de-CH" dirty="0">
-              <a:solidFill>
-                <a:schemeClr val="tx2"/>
-              </a:solidFill>
-            </a:endParaRPr>
-          </a:p>
-        </p:txBody>
-      </p:sp>
+              </a14:hiddenFill>
+            </a:ext>
+          </a:extLst>
+        </p:spPr>
+      </p:pic>
     </p:spTree>
     <p:extLst>
       <p:ext uri="{BB962C8B-B14F-4D97-AF65-F5344CB8AC3E}">
-        <p14:creationId xmlns:p14="http://schemas.microsoft.com/office/powerpoint/2010/main" val="3233697467"/>
+        <p14:creationId xmlns:p14="http://schemas.microsoft.com/office/powerpoint/2010/main" val="611642023"/>
       </p:ext>
     </p:extLst>
   </p:cSld>
@@ -26745,6 +26963,105 @@
           <a:p>
             <a:r>
               <a:rPr lang="de-CH" dirty="0" smtClean="0"/>
+              <a:t>Machine Learning by Example</a:t>
+            </a:r>
+            <a:endParaRPr lang="de-CH" dirty="0"/>
+          </a:p>
+        </p:txBody>
+      </p:sp>
+      <p:sp>
+        <p:nvSpPr>
+          <p:cNvPr id="4" name="Text Placeholder 3"/>
+          <p:cNvSpPr>
+            <a:spLocks noGrp="1"/>
+          </p:cNvSpPr>
+          <p:nvPr>
+            <p:ph type="body" idx="1"/>
+          </p:nvPr>
+        </p:nvSpPr>
+        <p:spPr/>
+        <p:txBody>
+          <a:bodyPr/>
+          <a:lstStyle/>
+          <a:p>
+            <a:r>
+              <a:rPr lang="de-CH" dirty="0" err="1" smtClean="0">
+                <a:solidFill>
+                  <a:schemeClr val="tx2"/>
+                </a:solidFill>
+              </a:rPr>
+              <a:t>Walkthrough</a:t>
+            </a:r>
+            <a:r>
+              <a:rPr lang="de-CH" dirty="0" smtClean="0">
+                <a:solidFill>
+                  <a:schemeClr val="tx2"/>
+                </a:solidFill>
+              </a:rPr>
+              <a:t> durch ein praktisches Beispiel an einem konkreten Datensatz</a:t>
+            </a:r>
+            <a:endParaRPr lang="de-CH" dirty="0">
+              <a:solidFill>
+                <a:schemeClr val="tx2"/>
+              </a:solidFill>
+            </a:endParaRPr>
+          </a:p>
+        </p:txBody>
+      </p:sp>
+    </p:spTree>
+    <p:extLst>
+      <p:ext uri="{BB962C8B-B14F-4D97-AF65-F5344CB8AC3E}">
+        <p14:creationId xmlns:p14="http://schemas.microsoft.com/office/powerpoint/2010/main" val="3233697467"/>
+      </p:ext>
+    </p:extLst>
+  </p:cSld>
+  <p:clrMapOvr>
+    <a:masterClrMapping/>
+  </p:clrMapOvr>
+  <p:timing>
+    <p:tnLst>
+      <p:par>
+        <p:cTn id="1" dur="indefinite" restart="never" nodeType="tmRoot"/>
+      </p:par>
+    </p:tnLst>
+  </p:timing>
+</p:sld>
+</file>
+
+<file path=ppt/slides/slide34.xml><?xml version="1.0" encoding="utf-8"?>
+<p:sld xmlns:a="http://schemas.openxmlformats.org/drawingml/2006/main" xmlns:r="http://schemas.openxmlformats.org/officeDocument/2006/relationships" xmlns:p="http://schemas.openxmlformats.org/presentationml/2006/main">
+  <p:cSld>
+    <p:spTree>
+      <p:nvGrpSpPr>
+        <p:cNvPr id="1" name=""/>
+        <p:cNvGrpSpPr/>
+        <p:nvPr/>
+      </p:nvGrpSpPr>
+      <p:grpSpPr>
+        <a:xfrm>
+          <a:off x="0" y="0"/>
+          <a:ext cx="0" cy="0"/>
+          <a:chOff x="0" y="0"/>
+          <a:chExt cx="0" cy="0"/>
+        </a:xfrm>
+      </p:grpSpPr>
+      <p:sp>
+        <p:nvSpPr>
+          <p:cNvPr id="2" name="Title 1"/>
+          <p:cNvSpPr>
+            <a:spLocks noGrp="1"/>
+          </p:cNvSpPr>
+          <p:nvPr>
+            <p:ph type="title"/>
+          </p:nvPr>
+        </p:nvSpPr>
+        <p:spPr/>
+        <p:txBody>
+          <a:bodyPr/>
+          <a:lstStyle/>
+          <a:p>
+            <a:r>
+              <a:rPr lang="de-CH" dirty="0" smtClean="0"/>
               <a:t>Machine Learning with RStudio</a:t>
             </a:r>
             <a:endParaRPr lang="de-CH" dirty="0"/>
@@ -26815,7 +27132,7 @@
 </p:sld>
 </file>
 
-<file path=ppt/slides/slide34.xml><?xml version="1.0" encoding="utf-8"?>
+<file path=ppt/slides/slide35.xml><?xml version="1.0" encoding="utf-8"?>
 <p:sld xmlns:a="http://schemas.openxmlformats.org/drawingml/2006/main" xmlns:r="http://schemas.openxmlformats.org/officeDocument/2006/relationships" xmlns:p="http://schemas.openxmlformats.org/presentationml/2006/main">
   <p:cSld>
     <p:spTree>
@@ -26929,7 +27246,7 @@
 </p:sld>
 </file>
 
-<file path=ppt/slides/slide35.xml><?xml version="1.0" encoding="utf-8"?>
+<file path=ppt/slides/slide36.xml><?xml version="1.0" encoding="utf-8"?>
 <p:sld xmlns:a="http://schemas.openxmlformats.org/drawingml/2006/main" xmlns:r="http://schemas.openxmlformats.org/officeDocument/2006/relationships" xmlns:p="http://schemas.openxmlformats.org/presentationml/2006/main">
   <p:cSld>
     <p:spTree>
@@ -27020,7 +27337,7 @@
 </p:sld>
 </file>
 
-<file path=ppt/slides/slide36.xml><?xml version="1.0" encoding="utf-8"?>
+<file path=ppt/slides/slide37.xml><?xml version="1.0" encoding="utf-8"?>
 <p:sld xmlns:a="http://schemas.openxmlformats.org/drawingml/2006/main" xmlns:r="http://schemas.openxmlformats.org/officeDocument/2006/relationships" xmlns:p="http://schemas.openxmlformats.org/presentationml/2006/main">
   <p:cSld>
     <p:spTree>
@@ -27161,7 +27478,7 @@
 </p:sld>
 </file>
 
-<file path=ppt/slides/slide37.xml><?xml version="1.0" encoding="utf-8"?>
+<file path=ppt/slides/slide38.xml><?xml version="1.0" encoding="utf-8"?>
 <p:sld xmlns:a="http://schemas.openxmlformats.org/drawingml/2006/main" xmlns:r="http://schemas.openxmlformats.org/officeDocument/2006/relationships" xmlns:p="http://schemas.openxmlformats.org/presentationml/2006/main">
   <p:cSld>
     <p:spTree>
@@ -27302,7 +27619,7 @@
 </p:sld>
 </file>
 
-<file path=ppt/slides/slide38.xml><?xml version="1.0" encoding="utf-8"?>
+<file path=ppt/slides/slide39.xml><?xml version="1.0" encoding="utf-8"?>
 <p:sld xmlns:a="http://schemas.openxmlformats.org/drawingml/2006/main" xmlns:r="http://schemas.openxmlformats.org/officeDocument/2006/relationships" xmlns:p="http://schemas.openxmlformats.org/presentationml/2006/main">
   <p:cSld>
     <p:spTree>
@@ -27399,155 +27716,6 @@
     <p:extLst>
       <p:ext uri="{BB962C8B-B14F-4D97-AF65-F5344CB8AC3E}">
         <p14:creationId xmlns:p14="http://schemas.microsoft.com/office/powerpoint/2010/main" val="3379649275"/>
-      </p:ext>
-    </p:extLst>
-  </p:cSld>
-  <p:clrMapOvr>
-    <a:masterClrMapping/>
-  </p:clrMapOvr>
-  <p:timing>
-    <p:tnLst>
-      <p:par>
-        <p:cTn id="1" dur="indefinite" restart="never" nodeType="tmRoot"/>
-      </p:par>
-    </p:tnLst>
-  </p:timing>
-</p:sld>
-</file>
-
-<file path=ppt/slides/slide39.xml><?xml version="1.0" encoding="utf-8"?>
-<p:sld xmlns:a="http://schemas.openxmlformats.org/drawingml/2006/main" xmlns:r="http://schemas.openxmlformats.org/officeDocument/2006/relationships" xmlns:p="http://schemas.openxmlformats.org/presentationml/2006/main">
-  <p:cSld>
-    <p:spTree>
-      <p:nvGrpSpPr>
-        <p:cNvPr id="1" name=""/>
-        <p:cNvGrpSpPr/>
-        <p:nvPr/>
-      </p:nvGrpSpPr>
-      <p:grpSpPr>
-        <a:xfrm>
-          <a:off x="0" y="0"/>
-          <a:ext cx="0" cy="0"/>
-          <a:chOff x="0" y="0"/>
-          <a:chExt cx="0" cy="0"/>
-        </a:xfrm>
-      </p:grpSpPr>
-      <p:sp>
-        <p:nvSpPr>
-          <p:cNvPr id="4" name="Title 3"/>
-          <p:cNvSpPr>
-            <a:spLocks noGrp="1"/>
-          </p:cNvSpPr>
-          <p:nvPr>
-            <p:ph type="title"/>
-          </p:nvPr>
-        </p:nvSpPr>
-        <p:spPr/>
-        <p:txBody>
-          <a:bodyPr/>
-          <a:lstStyle/>
-          <a:p>
-            <a:r>
-              <a:rPr lang="de-CH" dirty="0" smtClean="0"/>
-              <a:t>Ist das </a:t>
-            </a:r>
-            <a:br>
-              <a:rPr lang="de-CH" dirty="0" smtClean="0"/>
-            </a:br>
-            <a:r>
-              <a:rPr lang="de-CH" dirty="0" smtClean="0"/>
-              <a:t>seltsam?</a:t>
-            </a:r>
-            <a:endParaRPr lang="de-CH" dirty="0"/>
-          </a:p>
-        </p:txBody>
-      </p:sp>
-      <p:sp>
-        <p:nvSpPr>
-          <p:cNvPr id="6" name="Text Placeholder 5"/>
-          <p:cNvSpPr>
-            <a:spLocks noGrp="1"/>
-          </p:cNvSpPr>
-          <p:nvPr>
-            <p:ph type="body" sz="half" idx="2"/>
-          </p:nvPr>
-        </p:nvSpPr>
-        <p:spPr/>
-        <p:txBody>
-          <a:bodyPr/>
-          <a:lstStyle/>
-          <a:p>
-            <a:r>
-              <a:rPr lang="de-CH" dirty="0" err="1" smtClean="0"/>
-              <a:t>Anomaly</a:t>
-            </a:r>
-            <a:r>
-              <a:rPr lang="de-CH" dirty="0" smtClean="0"/>
-              <a:t> </a:t>
-            </a:r>
-            <a:r>
-              <a:rPr lang="de-CH" dirty="0" err="1" smtClean="0"/>
-              <a:t>detection</a:t>
-            </a:r>
-            <a:r>
-              <a:rPr lang="de-CH" dirty="0" smtClean="0"/>
-              <a:t> </a:t>
-            </a:r>
-            <a:r>
-              <a:rPr lang="de-CH" dirty="0" err="1" smtClean="0"/>
-              <a:t>algorithms</a:t>
-            </a:r>
-            <a:endParaRPr lang="de-CH" dirty="0"/>
-          </a:p>
-        </p:txBody>
-      </p:sp>
-      <p:sp>
-        <p:nvSpPr>
-          <p:cNvPr id="2" name="Content Placeholder 1"/>
-          <p:cNvSpPr>
-            <a:spLocks noGrp="1"/>
-          </p:cNvSpPr>
-          <p:nvPr>
-            <p:ph idx="1"/>
-          </p:nvPr>
-        </p:nvSpPr>
-        <p:spPr/>
-        <p:txBody>
-          <a:bodyPr/>
-          <a:lstStyle/>
-          <a:p>
-            <a:endParaRPr lang="de-CH"/>
-          </a:p>
-        </p:txBody>
-      </p:sp>
-      <p:pic>
-        <p:nvPicPr>
-          <p:cNvPr id="3" name="Picture 2"/>
-          <p:cNvPicPr>
-            <a:picLocks noChangeAspect="1"/>
-          </p:cNvPicPr>
-          <p:nvPr/>
-        </p:nvPicPr>
-        <p:blipFill>
-          <a:blip r:embed="rId2"/>
-          <a:stretch>
-            <a:fillRect/>
-          </a:stretch>
-        </p:blipFill>
-        <p:spPr>
-          <a:xfrm>
-            <a:off x="5224174" y="754081"/>
-            <a:ext cx="5510253" cy="5119725"/>
-          </a:xfrm>
-          <a:prstGeom prst="rect">
-            <a:avLst/>
-          </a:prstGeom>
-        </p:spPr>
-      </p:pic>
-    </p:spTree>
-    <p:extLst>
-      <p:ext uri="{BB962C8B-B14F-4D97-AF65-F5344CB8AC3E}">
-        <p14:creationId xmlns:p14="http://schemas.microsoft.com/office/powerpoint/2010/main" val="3727954938"/>
       </p:ext>
     </p:extLst>
   </p:cSld>
@@ -27714,7 +27882,14 @@
           <a:p>
             <a:r>
               <a:rPr lang="de-CH" dirty="0" smtClean="0"/>
-              <a:t>Was soll ich als nächste tun?</a:t>
+              <a:t>Ist das </a:t>
+            </a:r>
+            <a:br>
+              <a:rPr lang="de-CH" dirty="0" smtClean="0"/>
+            </a:br>
+            <a:r>
+              <a:rPr lang="de-CH" dirty="0" smtClean="0"/>
+              <a:t>seltsam?</a:t>
             </a:r>
             <a:endParaRPr lang="de-CH" dirty="0"/>
           </a:p>
@@ -27736,12 +27911,16 @@
           <a:lstStyle/>
           <a:p>
             <a:r>
+              <a:rPr lang="de-CH" dirty="0" err="1" smtClean="0"/>
+              <a:t>Anomaly</a:t>
+            </a:r>
+            <a:r>
               <a:rPr lang="de-CH" dirty="0" smtClean="0"/>
-              <a:t>Reinforcement </a:t>
+              <a:t> </a:t>
             </a:r>
             <a:r>
               <a:rPr lang="de-CH" dirty="0" err="1" smtClean="0"/>
-              <a:t>learning</a:t>
+              <a:t>detection</a:t>
             </a:r>
             <a:r>
               <a:rPr lang="de-CH" dirty="0" smtClean="0"/>
@@ -27774,10 +27953,34 @@
           </a:p>
         </p:txBody>
       </p:sp>
+      <p:pic>
+        <p:nvPicPr>
+          <p:cNvPr id="3" name="Picture 2"/>
+          <p:cNvPicPr>
+            <a:picLocks noChangeAspect="1"/>
+          </p:cNvPicPr>
+          <p:nvPr/>
+        </p:nvPicPr>
+        <p:blipFill>
+          <a:blip r:embed="rId2"/>
+          <a:stretch>
+            <a:fillRect/>
+          </a:stretch>
+        </p:blipFill>
+        <p:spPr>
+          <a:xfrm>
+            <a:off x="5274453" y="1078780"/>
+            <a:ext cx="4939190" cy="4589135"/>
+          </a:xfrm>
+          <a:prstGeom prst="rect">
+            <a:avLst/>
+          </a:prstGeom>
+        </p:spPr>
+      </p:pic>
     </p:spTree>
     <p:extLst>
       <p:ext uri="{BB962C8B-B14F-4D97-AF65-F5344CB8AC3E}">
-        <p14:creationId xmlns:p14="http://schemas.microsoft.com/office/powerpoint/2010/main" val="2087689458"/>
+        <p14:creationId xmlns:p14="http://schemas.microsoft.com/office/powerpoint/2010/main" val="3727954938"/>
       </p:ext>
     </p:extLst>
   </p:cSld>
@@ -27813,6 +28016,120 @@
       </p:grpSpPr>
       <p:sp>
         <p:nvSpPr>
+          <p:cNvPr id="4" name="Title 3"/>
+          <p:cNvSpPr>
+            <a:spLocks noGrp="1"/>
+          </p:cNvSpPr>
+          <p:nvPr>
+            <p:ph type="title"/>
+          </p:nvPr>
+        </p:nvSpPr>
+        <p:spPr/>
+        <p:txBody>
+          <a:bodyPr/>
+          <a:lstStyle/>
+          <a:p>
+            <a:r>
+              <a:rPr lang="de-CH" dirty="0" smtClean="0"/>
+              <a:t>Was soll ich als nächste tun?</a:t>
+            </a:r>
+            <a:endParaRPr lang="de-CH" dirty="0"/>
+          </a:p>
+        </p:txBody>
+      </p:sp>
+      <p:sp>
+        <p:nvSpPr>
+          <p:cNvPr id="6" name="Text Placeholder 5"/>
+          <p:cNvSpPr>
+            <a:spLocks noGrp="1"/>
+          </p:cNvSpPr>
+          <p:nvPr>
+            <p:ph type="body" sz="half" idx="2"/>
+          </p:nvPr>
+        </p:nvSpPr>
+        <p:spPr/>
+        <p:txBody>
+          <a:bodyPr/>
+          <a:lstStyle/>
+          <a:p>
+            <a:r>
+              <a:rPr lang="de-CH" dirty="0" smtClean="0"/>
+              <a:t>Reinforcement </a:t>
+            </a:r>
+            <a:r>
+              <a:rPr lang="de-CH" dirty="0" err="1" smtClean="0"/>
+              <a:t>learning</a:t>
+            </a:r>
+            <a:r>
+              <a:rPr lang="de-CH" dirty="0" smtClean="0"/>
+              <a:t> </a:t>
+            </a:r>
+            <a:r>
+              <a:rPr lang="de-CH" dirty="0" err="1" smtClean="0"/>
+              <a:t>algorithms</a:t>
+            </a:r>
+            <a:endParaRPr lang="de-CH" dirty="0"/>
+          </a:p>
+        </p:txBody>
+      </p:sp>
+      <p:sp>
+        <p:nvSpPr>
+          <p:cNvPr id="2" name="Content Placeholder 1"/>
+          <p:cNvSpPr>
+            <a:spLocks noGrp="1"/>
+          </p:cNvSpPr>
+          <p:nvPr>
+            <p:ph idx="1"/>
+          </p:nvPr>
+        </p:nvSpPr>
+        <p:spPr/>
+        <p:txBody>
+          <a:bodyPr/>
+          <a:lstStyle/>
+          <a:p>
+            <a:endParaRPr lang="de-CH"/>
+          </a:p>
+        </p:txBody>
+      </p:sp>
+    </p:spTree>
+    <p:extLst>
+      <p:ext uri="{BB962C8B-B14F-4D97-AF65-F5344CB8AC3E}">
+        <p14:creationId xmlns:p14="http://schemas.microsoft.com/office/powerpoint/2010/main" val="2087689458"/>
+      </p:ext>
+    </p:extLst>
+  </p:cSld>
+  <p:clrMapOvr>
+    <a:masterClrMapping/>
+  </p:clrMapOvr>
+  <p:timing>
+    <p:tnLst>
+      <p:par>
+        <p:cTn id="1" dur="indefinite" restart="never" nodeType="tmRoot"/>
+      </p:par>
+    </p:tnLst>
+  </p:timing>
+</p:sld>
+</file>
+
+<file path=ppt/slides/slide42.xml><?xml version="1.0" encoding="utf-8"?>
+<p:sld xmlns:a="http://schemas.openxmlformats.org/drawingml/2006/main" xmlns:r="http://schemas.openxmlformats.org/officeDocument/2006/relationships" xmlns:p="http://schemas.openxmlformats.org/presentationml/2006/main">
+  <p:cSld>
+    <p:spTree>
+      <p:nvGrpSpPr>
+        <p:cNvPr id="1" name=""/>
+        <p:cNvGrpSpPr/>
+        <p:nvPr/>
+      </p:nvGrpSpPr>
+      <p:grpSpPr>
+        <a:xfrm>
+          <a:off x="0" y="0"/>
+          <a:ext cx="0" cy="0"/>
+          <a:chOff x="0" y="0"/>
+          <a:chExt cx="0" cy="0"/>
+        </a:xfrm>
+      </p:grpSpPr>
+      <p:sp>
+        <p:nvSpPr>
           <p:cNvPr id="2" name="Title 1"/>
           <p:cNvSpPr>
             <a:spLocks noGrp="1"/>
@@ -27955,7 +28272,7 @@
 </p:sld>
 </file>
 
-<file path=ppt/slides/slide42.xml><?xml version="1.0" encoding="utf-8"?>
+<file path=ppt/slides/slide43.xml><?xml version="1.0" encoding="utf-8"?>
 <p:sld xmlns:a="http://schemas.openxmlformats.org/drawingml/2006/main" xmlns:r="http://schemas.openxmlformats.org/officeDocument/2006/relationships" xmlns:p="http://schemas.openxmlformats.org/presentationml/2006/main">
   <p:cSld>
     <p:spTree>

--- a/presentation.pptx
+++ b/presentation.pptx
@@ -5,7 +5,7 @@
     <p:sldMasterId id="2147483648" r:id="rId1"/>
   </p:sldMasterIdLst>
   <p:notesMasterIdLst>
-    <p:notesMasterId r:id="rId45"/>
+    <p:notesMasterId r:id="rId47"/>
   </p:notesMasterIdLst>
   <p:sldIdLst>
     <p:sldId id="256" r:id="rId2"/>
@@ -51,6 +51,8 @@
     <p:sldId id="293" r:id="rId42"/>
     <p:sldId id="294" r:id="rId43"/>
     <p:sldId id="288" r:id="rId44"/>
+    <p:sldId id="302" r:id="rId45"/>
+    <p:sldId id="301" r:id="rId46"/>
   </p:sldIdLst>
   <p:sldSz cx="12192000" cy="6858000"/>
   <p:notesSz cx="6858000" cy="9144000"/>
@@ -1854,11 +1856,7 @@
           <a:p>
             <a:r>
               <a:rPr lang="de-CH" dirty="0" smtClean="0"/>
-              <a:t>Wir wissen was es ist, wirklich interessant ist aber, was man damit tun kann. Das werden wir später sehen, aber dies hier vorab</a:t>
-            </a:r>
-            <a:r>
-              <a:rPr lang="de-CH" dirty="0" smtClean="0"/>
-              <a:t>.</a:t>
+              <a:t>Wir wissen was es ist, wirklich interessant ist aber, was man damit tun kann. Das werden wir später sehen, aber dies hier vorab.</a:t>
             </a:r>
           </a:p>
           <a:p>
@@ -2695,11 +2693,7 @@
             </a:r>
             <a:r>
               <a:rPr lang="de-CH" baseline="0" dirty="0" smtClean="0"/>
-              <a:t> man das bereits macht</a:t>
-            </a:r>
-            <a:r>
-              <a:rPr lang="de-CH" baseline="0" dirty="0" smtClean="0"/>
-              <a:t>?</a:t>
+              <a:t> man das bereits macht?</a:t>
             </a:r>
           </a:p>
           <a:p>
@@ -2936,18 +2930,24 @@
           <a:lstStyle/>
           <a:p>
             <a:r>
+              <a:rPr lang="de-CH" dirty="0" err="1" smtClean="0"/>
+              <a:t>Markov</a:t>
+            </a:r>
+            <a:r>
               <a:rPr lang="de-CH" dirty="0" smtClean="0"/>
-              <a:t>Labeled</a:t>
-            </a:r>
-          </a:p>
-          <a:p>
+              <a:t> </a:t>
+            </a:r>
+            <a:r>
+              <a:rPr lang="de-CH" dirty="0" err="1" smtClean="0"/>
+              <a:t>Descision</a:t>
+            </a:r>
             <a:r>
               <a:rPr lang="de-CH" dirty="0" smtClean="0"/>
-              <a:t>Weiss jemand wo</a:t>
-            </a:r>
-            <a:r>
-              <a:rPr lang="de-CH" baseline="0" dirty="0" smtClean="0"/>
-              <a:t> man das bereits macht?</a:t>
+              <a:t> </a:t>
+            </a:r>
+            <a:r>
+              <a:rPr lang="de-CH" dirty="0" err="1" smtClean="0"/>
+              <a:t>Process</a:t>
             </a:r>
             <a:endParaRPr lang="de-CH" dirty="0"/>
           </a:p>
@@ -3604,6 +3604,226 @@
     <p:extLst>
       <p:ext uri="{BB962C8B-B14F-4D97-AF65-F5344CB8AC3E}">
         <p14:creationId xmlns:p14="http://schemas.microsoft.com/office/powerpoint/2010/main" val="2774138433"/>
+      </p:ext>
+    </p:extLst>
+  </p:cSld>
+  <p:clrMapOvr>
+    <a:masterClrMapping/>
+  </p:clrMapOvr>
+</p:notes>
+</file>
+
+<file path=ppt/notesSlides/notesSlide33.xml><?xml version="1.0" encoding="utf-8"?>
+<p:notes xmlns:a="http://schemas.openxmlformats.org/drawingml/2006/main" xmlns:r="http://schemas.openxmlformats.org/officeDocument/2006/relationships" xmlns:p="http://schemas.openxmlformats.org/presentationml/2006/main">
+  <p:cSld>
+    <p:spTree>
+      <p:nvGrpSpPr>
+        <p:cNvPr id="1" name=""/>
+        <p:cNvGrpSpPr/>
+        <p:nvPr/>
+      </p:nvGrpSpPr>
+      <p:grpSpPr>
+        <a:xfrm>
+          <a:off x="0" y="0"/>
+          <a:ext cx="0" cy="0"/>
+          <a:chOff x="0" y="0"/>
+          <a:chExt cx="0" cy="0"/>
+        </a:xfrm>
+      </p:grpSpPr>
+      <p:sp>
+        <p:nvSpPr>
+          <p:cNvPr id="2" name="Slide Image Placeholder 1"/>
+          <p:cNvSpPr>
+            <a:spLocks noGrp="1" noRot="1" noChangeAspect="1"/>
+          </p:cNvSpPr>
+          <p:nvPr>
+            <p:ph type="sldImg"/>
+          </p:nvPr>
+        </p:nvSpPr>
+        <p:spPr/>
+      </p:sp>
+      <p:sp>
+        <p:nvSpPr>
+          <p:cNvPr id="3" name="Notes Placeholder 2"/>
+          <p:cNvSpPr>
+            <a:spLocks noGrp="1"/>
+          </p:cNvSpPr>
+          <p:nvPr>
+            <p:ph type="body" idx="1"/>
+          </p:nvPr>
+        </p:nvSpPr>
+        <p:spPr/>
+        <p:txBody>
+          <a:bodyPr/>
+          <a:lstStyle/>
+          <a:p>
+            <a:r>
+              <a:rPr lang="de-CH" dirty="0" err="1" smtClean="0"/>
+              <a:t>Concerns</a:t>
+            </a:r>
+            <a:r>
+              <a:rPr lang="de-CH" dirty="0" smtClean="0"/>
+              <a:t>? </a:t>
+            </a:r>
+            <a:endParaRPr lang="de-CH" dirty="0"/>
+          </a:p>
+        </p:txBody>
+      </p:sp>
+      <p:sp>
+        <p:nvSpPr>
+          <p:cNvPr id="4" name="Slide Number Placeholder 3"/>
+          <p:cNvSpPr>
+            <a:spLocks noGrp="1"/>
+          </p:cNvSpPr>
+          <p:nvPr>
+            <p:ph type="sldNum" sz="quarter" idx="10"/>
+          </p:nvPr>
+        </p:nvSpPr>
+        <p:spPr/>
+        <p:txBody>
+          <a:bodyPr/>
+          <a:lstStyle/>
+          <a:p>
+            <a:fld id="{DA58BC1F-B303-41BB-B1E5-E3EE1F495441}" type="slidenum">
+              <a:rPr lang="de-CH" smtClean="0"/>
+              <a:t>44</a:t>
+            </a:fld>
+            <a:endParaRPr lang="de-CH"/>
+          </a:p>
+        </p:txBody>
+      </p:sp>
+    </p:spTree>
+    <p:extLst>
+      <p:ext uri="{BB962C8B-B14F-4D97-AF65-F5344CB8AC3E}">
+        <p14:creationId xmlns:p14="http://schemas.microsoft.com/office/powerpoint/2010/main" val="2949606340"/>
+      </p:ext>
+    </p:extLst>
+  </p:cSld>
+  <p:clrMapOvr>
+    <a:masterClrMapping/>
+  </p:clrMapOvr>
+</p:notes>
+</file>
+
+<file path=ppt/notesSlides/notesSlide34.xml><?xml version="1.0" encoding="utf-8"?>
+<p:notes xmlns:a="http://schemas.openxmlformats.org/drawingml/2006/main" xmlns:r="http://schemas.openxmlformats.org/officeDocument/2006/relationships" xmlns:p="http://schemas.openxmlformats.org/presentationml/2006/main">
+  <p:cSld>
+    <p:spTree>
+      <p:nvGrpSpPr>
+        <p:cNvPr id="1" name=""/>
+        <p:cNvGrpSpPr/>
+        <p:nvPr/>
+      </p:nvGrpSpPr>
+      <p:grpSpPr>
+        <a:xfrm>
+          <a:off x="0" y="0"/>
+          <a:ext cx="0" cy="0"/>
+          <a:chOff x="0" y="0"/>
+          <a:chExt cx="0" cy="0"/>
+        </a:xfrm>
+      </p:grpSpPr>
+      <p:sp>
+        <p:nvSpPr>
+          <p:cNvPr id="2" name="Slide Image Placeholder 1"/>
+          <p:cNvSpPr>
+            <a:spLocks noGrp="1" noRot="1" noChangeAspect="1"/>
+          </p:cNvSpPr>
+          <p:nvPr>
+            <p:ph type="sldImg"/>
+          </p:nvPr>
+        </p:nvSpPr>
+        <p:spPr/>
+      </p:sp>
+      <p:sp>
+        <p:nvSpPr>
+          <p:cNvPr id="3" name="Notes Placeholder 2"/>
+          <p:cNvSpPr>
+            <a:spLocks noGrp="1"/>
+          </p:cNvSpPr>
+          <p:nvPr>
+            <p:ph type="body" idx="1"/>
+          </p:nvPr>
+        </p:nvSpPr>
+        <p:spPr/>
+        <p:txBody>
+          <a:bodyPr/>
+          <a:lstStyle/>
+          <a:p>
+            <a:r>
+              <a:rPr lang="de-CH" dirty="0" smtClean="0"/>
+              <a:t>Ensemble </a:t>
+            </a:r>
+            <a:r>
+              <a:rPr lang="de-CH" dirty="0" err="1" smtClean="0"/>
+              <a:t>learning</a:t>
+            </a:r>
+            <a:r>
+              <a:rPr lang="de-CH" dirty="0" smtClean="0"/>
+              <a:t> (e.g. Random </a:t>
+            </a:r>
+            <a:r>
+              <a:rPr lang="de-CH" dirty="0" err="1" smtClean="0"/>
+              <a:t>Forests</a:t>
+            </a:r>
+            <a:r>
+              <a:rPr lang="de-CH" dirty="0" smtClean="0"/>
+              <a:t>), </a:t>
+            </a:r>
+            <a:r>
+              <a:rPr lang="de-CH" dirty="0" err="1" smtClean="0"/>
+              <a:t>Neural</a:t>
+            </a:r>
+            <a:r>
+              <a:rPr lang="de-CH" dirty="0" smtClean="0"/>
+              <a:t> Networks, </a:t>
+            </a:r>
+            <a:r>
+              <a:rPr lang="de-CH" dirty="0" err="1" smtClean="0"/>
+              <a:t>Recommenders</a:t>
+            </a:r>
+            <a:r>
+              <a:rPr lang="de-CH" dirty="0" smtClean="0"/>
+              <a:t>, Dimension </a:t>
+            </a:r>
+            <a:r>
+              <a:rPr lang="de-CH" dirty="0" err="1" smtClean="0"/>
+              <a:t>Reduction</a:t>
+            </a:r>
+            <a:r>
+              <a:rPr lang="de-CH" dirty="0" smtClean="0"/>
+              <a:t>, Feature Engineering</a:t>
+            </a:r>
+            <a:endParaRPr lang="de-CH" dirty="0"/>
+          </a:p>
+        </p:txBody>
+      </p:sp>
+      <p:sp>
+        <p:nvSpPr>
+          <p:cNvPr id="4" name="Slide Number Placeholder 3"/>
+          <p:cNvSpPr>
+            <a:spLocks noGrp="1"/>
+          </p:cNvSpPr>
+          <p:nvPr>
+            <p:ph type="sldNum" sz="quarter" idx="10"/>
+          </p:nvPr>
+        </p:nvSpPr>
+        <p:spPr/>
+        <p:txBody>
+          <a:bodyPr/>
+          <a:lstStyle/>
+          <a:p>
+            <a:fld id="{DA58BC1F-B303-41BB-B1E5-E3EE1F495441}" type="slidenum">
+              <a:rPr lang="de-CH" smtClean="0"/>
+              <a:t>45</a:t>
+            </a:fld>
+            <a:endParaRPr lang="de-CH"/>
+          </a:p>
+        </p:txBody>
+      </p:sp>
+    </p:spTree>
+    <p:extLst>
+      <p:ext uri="{BB962C8B-B14F-4D97-AF65-F5344CB8AC3E}">
+        <p14:creationId xmlns:p14="http://schemas.microsoft.com/office/powerpoint/2010/main" val="469871801"/>
       </p:ext>
     </p:extLst>
   </p:cSld>
@@ -4376,7 +4596,7 @@
           <a:noFill/>
           <a:extLst>
             <a:ext uri="{909E8E84-426E-40dd-AFC4-6F175D3DCCD1}">
-              <a14:hiddenFill xmlns:a14="http://schemas.microsoft.com/office/drawing/2010/main" xmlns="">
+              <a14:hiddenFill xmlns="" xmlns:a14="http://schemas.microsoft.com/office/drawing/2010/main">
                 <a:solidFill>
                   <a:srgbClr val="FFFFFF"/>
                 </a:solidFill>
@@ -4435,7 +4655,7 @@
             </a:ln>
             <a:extLst>
               <a:ext uri="{91240B29-F687-4f45-9708-019B960494DF}">
-                <a14:hiddenLine xmlns:a14="http://schemas.microsoft.com/office/drawing/2010/main" xmlns="" w="9525">
+                <a14:hiddenLine xmlns="" xmlns:a14="http://schemas.microsoft.com/office/drawing/2010/main" w="9525">
                   <a:solidFill>
                     <a:srgbClr val="000000"/>
                   </a:solidFill>
@@ -4525,7 +4745,7 @@
             </a:ln>
             <a:extLst>
               <a:ext uri="{91240B29-F687-4f45-9708-019B960494DF}">
-                <a14:hiddenLine xmlns:a14="http://schemas.microsoft.com/office/drawing/2010/main" xmlns="" w="9525">
+                <a14:hiddenLine xmlns="" xmlns:a14="http://schemas.microsoft.com/office/drawing/2010/main" w="9525">
                   <a:solidFill>
                     <a:srgbClr val="000000"/>
                   </a:solidFill>
@@ -4615,7 +4835,7 @@
             </a:ln>
             <a:extLst>
               <a:ext uri="{91240B29-F687-4f45-9708-019B960494DF}">
-                <a14:hiddenLine xmlns:a14="http://schemas.microsoft.com/office/drawing/2010/main" xmlns="" w="9525">
+                <a14:hiddenLine xmlns="" xmlns:a14="http://schemas.microsoft.com/office/drawing/2010/main" w="9525">
                   <a:solidFill>
                     <a:srgbClr val="000000"/>
                   </a:solidFill>
@@ -4649,7 +4869,7 @@
             </a:ln>
             <a:extLst>
               <a:ext uri="{91240B29-F687-4f45-9708-019B960494DF}">
-                <a14:hiddenLine xmlns:a14="http://schemas.microsoft.com/office/drawing/2010/main" xmlns="" w="9525">
+                <a14:hiddenLine xmlns="" xmlns:a14="http://schemas.microsoft.com/office/drawing/2010/main" w="9525">
                   <a:solidFill>
                     <a:srgbClr val="000000"/>
                   </a:solidFill>
@@ -4739,7 +4959,7 @@
             </a:ln>
             <a:extLst>
               <a:ext uri="{91240B29-F687-4f45-9708-019B960494DF}">
-                <a14:hiddenLine xmlns:a14="http://schemas.microsoft.com/office/drawing/2010/main" xmlns="" w="9525">
+                <a14:hiddenLine xmlns="" xmlns:a14="http://schemas.microsoft.com/office/drawing/2010/main" w="9525">
                   <a:solidFill>
                     <a:srgbClr val="000000"/>
                   </a:solidFill>
@@ -4801,7 +5021,7 @@
             </a:ln>
             <a:extLst>
               <a:ext uri="{91240B29-F687-4f45-9708-019B960494DF}">
-                <a14:hiddenLine xmlns:a14="http://schemas.microsoft.com/office/drawing/2010/main" xmlns="" w="9525">
+                <a14:hiddenLine xmlns="" xmlns:a14="http://schemas.microsoft.com/office/drawing/2010/main" w="9525">
                   <a:solidFill>
                     <a:srgbClr val="000000"/>
                   </a:solidFill>
@@ -4863,7 +5083,7 @@
             </a:ln>
             <a:extLst>
               <a:ext uri="{91240B29-F687-4f45-9708-019B960494DF}">
-                <a14:hiddenLine xmlns:a14="http://schemas.microsoft.com/office/drawing/2010/main" xmlns="" w="9525">
+                <a14:hiddenLine xmlns="" xmlns:a14="http://schemas.microsoft.com/office/drawing/2010/main" w="9525">
                   <a:solidFill>
                     <a:srgbClr val="000000"/>
                   </a:solidFill>
@@ -4953,7 +5173,7 @@
             </a:ln>
             <a:extLst>
               <a:ext uri="{91240B29-F687-4f45-9708-019B960494DF}">
-                <a14:hiddenLine xmlns:a14="http://schemas.microsoft.com/office/drawing/2010/main" xmlns="" w="9525">
+                <a14:hiddenLine xmlns="" xmlns:a14="http://schemas.microsoft.com/office/drawing/2010/main" w="9525">
                   <a:solidFill>
                     <a:srgbClr val="000000"/>
                   </a:solidFill>
@@ -5015,7 +5235,7 @@
             </a:ln>
             <a:extLst>
               <a:ext uri="{91240B29-F687-4f45-9708-019B960494DF}">
-                <a14:hiddenLine xmlns:a14="http://schemas.microsoft.com/office/drawing/2010/main" xmlns="" w="9525">
+                <a14:hiddenLine xmlns="" xmlns:a14="http://schemas.microsoft.com/office/drawing/2010/main" w="9525">
                   <a:solidFill>
                     <a:srgbClr val="000000"/>
                   </a:solidFill>
@@ -5077,7 +5297,7 @@
             </a:ln>
             <a:extLst>
               <a:ext uri="{91240B29-F687-4f45-9708-019B960494DF}">
-                <a14:hiddenLine xmlns:a14="http://schemas.microsoft.com/office/drawing/2010/main" xmlns="" w="9525">
+                <a14:hiddenLine xmlns="" xmlns:a14="http://schemas.microsoft.com/office/drawing/2010/main" w="9525">
                   <a:solidFill>
                     <a:srgbClr val="000000"/>
                   </a:solidFill>
@@ -5167,7 +5387,7 @@
             </a:ln>
             <a:extLst>
               <a:ext uri="{91240B29-F687-4f45-9708-019B960494DF}">
-                <a14:hiddenLine xmlns:a14="http://schemas.microsoft.com/office/drawing/2010/main" xmlns="" w="9525">
+                <a14:hiddenLine xmlns="" xmlns:a14="http://schemas.microsoft.com/office/drawing/2010/main" w="9525">
                   <a:solidFill>
                     <a:srgbClr val="000000"/>
                   </a:solidFill>
@@ -5257,7 +5477,7 @@
             </a:ln>
             <a:extLst>
               <a:ext uri="{91240B29-F687-4f45-9708-019B960494DF}">
-                <a14:hiddenLine xmlns:a14="http://schemas.microsoft.com/office/drawing/2010/main" xmlns="" w="9525">
+                <a14:hiddenLine xmlns="" xmlns:a14="http://schemas.microsoft.com/office/drawing/2010/main" w="9525">
                   <a:solidFill>
                     <a:srgbClr val="000000"/>
                   </a:solidFill>
@@ -5319,7 +5539,7 @@
             </a:ln>
             <a:extLst>
               <a:ext uri="{91240B29-F687-4f45-9708-019B960494DF}">
-                <a14:hiddenLine xmlns:a14="http://schemas.microsoft.com/office/drawing/2010/main" xmlns="" w="9525">
+                <a14:hiddenLine xmlns="" xmlns:a14="http://schemas.microsoft.com/office/drawing/2010/main" w="9525">
                   <a:solidFill>
                     <a:srgbClr val="000000"/>
                   </a:solidFill>
@@ -5429,7 +5649,7 @@
             </a:ln>
             <a:extLst>
               <a:ext uri="{91240B29-F687-4f45-9708-019B960494DF}">
-                <a14:hiddenLine xmlns:a14="http://schemas.microsoft.com/office/drawing/2010/main" xmlns="" w="9525">
+                <a14:hiddenLine xmlns="" xmlns:a14="http://schemas.microsoft.com/office/drawing/2010/main" w="9525">
                   <a:solidFill>
                     <a:srgbClr val="000000"/>
                   </a:solidFill>
@@ -5491,7 +5711,7 @@
             </a:ln>
             <a:extLst>
               <a:ext uri="{91240B29-F687-4f45-9708-019B960494DF}">
-                <a14:hiddenLine xmlns:a14="http://schemas.microsoft.com/office/drawing/2010/main" xmlns="" w="9525">
+                <a14:hiddenLine xmlns="" xmlns:a14="http://schemas.microsoft.com/office/drawing/2010/main" w="9525">
                   <a:solidFill>
                     <a:srgbClr val="000000"/>
                   </a:solidFill>
@@ -5581,7 +5801,7 @@
             </a:ln>
             <a:extLst>
               <a:ext uri="{91240B29-F687-4f45-9708-019B960494DF}">
-                <a14:hiddenLine xmlns:a14="http://schemas.microsoft.com/office/drawing/2010/main" xmlns="" w="9525">
+                <a14:hiddenLine xmlns="" xmlns:a14="http://schemas.microsoft.com/office/drawing/2010/main" w="9525">
                   <a:solidFill>
                     <a:srgbClr val="000000"/>
                   </a:solidFill>
@@ -5671,7 +5891,7 @@
             </a:ln>
             <a:extLst>
               <a:ext uri="{91240B29-F687-4f45-9708-019B960494DF}">
-                <a14:hiddenLine xmlns:a14="http://schemas.microsoft.com/office/drawing/2010/main" xmlns="" w="9525">
+                <a14:hiddenLine xmlns="" xmlns:a14="http://schemas.microsoft.com/office/drawing/2010/main" w="9525">
                   <a:solidFill>
                     <a:srgbClr val="000000"/>
                   </a:solidFill>
@@ -5733,7 +5953,7 @@
             </a:ln>
             <a:extLst>
               <a:ext uri="{91240B29-F687-4f45-9708-019B960494DF}">
-                <a14:hiddenLine xmlns:a14="http://schemas.microsoft.com/office/drawing/2010/main" xmlns="" w="9525">
+                <a14:hiddenLine xmlns="" xmlns:a14="http://schemas.microsoft.com/office/drawing/2010/main" w="9525">
                   <a:solidFill>
                     <a:srgbClr val="000000"/>
                   </a:solidFill>
@@ -5823,7 +6043,7 @@
             </a:ln>
             <a:extLst>
               <a:ext uri="{91240B29-F687-4f45-9708-019B960494DF}">
-                <a14:hiddenLine xmlns:a14="http://schemas.microsoft.com/office/drawing/2010/main" xmlns="" w="9525">
+                <a14:hiddenLine xmlns="" xmlns:a14="http://schemas.microsoft.com/office/drawing/2010/main" w="9525">
                   <a:solidFill>
                     <a:srgbClr val="000000"/>
                   </a:solidFill>
@@ -5913,7 +6133,7 @@
             </a:ln>
             <a:extLst>
               <a:ext uri="{91240B29-F687-4f45-9708-019B960494DF}">
-                <a14:hiddenLine xmlns:a14="http://schemas.microsoft.com/office/drawing/2010/main" xmlns="" w="9525">
+                <a14:hiddenLine xmlns="" xmlns:a14="http://schemas.microsoft.com/office/drawing/2010/main" w="9525">
                   <a:solidFill>
                     <a:srgbClr val="000000"/>
                   </a:solidFill>
@@ -5969,7 +6189,7 @@
             </a:ln>
             <a:extLst>
               <a:ext uri="{91240B29-F687-4f45-9708-019B960494DF}">
-                <a14:hiddenLine xmlns:a14="http://schemas.microsoft.com/office/drawing/2010/main" xmlns="" w="9525">
+                <a14:hiddenLine xmlns="" xmlns:a14="http://schemas.microsoft.com/office/drawing/2010/main" w="9525">
                   <a:solidFill>
                     <a:srgbClr val="000000"/>
                   </a:solidFill>
@@ -6059,7 +6279,7 @@
             </a:ln>
             <a:extLst>
               <a:ext uri="{91240B29-F687-4f45-9708-019B960494DF}">
-                <a14:hiddenLine xmlns:a14="http://schemas.microsoft.com/office/drawing/2010/main" xmlns="" w="9525">
+                <a14:hiddenLine xmlns="" xmlns:a14="http://schemas.microsoft.com/office/drawing/2010/main" w="9525">
                   <a:solidFill>
                     <a:srgbClr val="000000"/>
                   </a:solidFill>
@@ -6115,7 +6335,7 @@
             </a:ln>
             <a:extLst>
               <a:ext uri="{91240B29-F687-4f45-9708-019B960494DF}">
-                <a14:hiddenLine xmlns:a14="http://schemas.microsoft.com/office/drawing/2010/main" xmlns="" w="9525">
+                <a14:hiddenLine xmlns="" xmlns:a14="http://schemas.microsoft.com/office/drawing/2010/main" w="9525">
                   <a:solidFill>
                     <a:srgbClr val="000000"/>
                   </a:solidFill>
@@ -6205,7 +6425,7 @@
             </a:ln>
             <a:extLst>
               <a:ext uri="{91240B29-F687-4f45-9708-019B960494DF}">
-                <a14:hiddenLine xmlns:a14="http://schemas.microsoft.com/office/drawing/2010/main" xmlns="" w="9525">
+                <a14:hiddenLine xmlns="" xmlns:a14="http://schemas.microsoft.com/office/drawing/2010/main" w="9525">
                   <a:solidFill>
                     <a:srgbClr val="000000"/>
                   </a:solidFill>
@@ -6273,7 +6493,7 @@
             </a:ln>
             <a:extLst>
               <a:ext uri="{91240B29-F687-4f45-9708-019B960494DF}">
-                <a14:hiddenLine xmlns:a14="http://schemas.microsoft.com/office/drawing/2010/main" xmlns="" w="9525">
+                <a14:hiddenLine xmlns="" xmlns:a14="http://schemas.microsoft.com/office/drawing/2010/main" w="9525">
                   <a:solidFill>
                     <a:srgbClr val="000000"/>
                   </a:solidFill>
@@ -6363,7 +6583,7 @@
             </a:ln>
             <a:extLst>
               <a:ext uri="{91240B29-F687-4f45-9708-019B960494DF}">
-                <a14:hiddenLine xmlns:a14="http://schemas.microsoft.com/office/drawing/2010/main" xmlns="" w="9525">
+                <a14:hiddenLine xmlns="" xmlns:a14="http://schemas.microsoft.com/office/drawing/2010/main" w="9525">
                   <a:solidFill>
                     <a:srgbClr val="000000"/>
                   </a:solidFill>
@@ -6431,7 +6651,7 @@
             </a:ln>
             <a:extLst>
               <a:ext uri="{91240B29-F687-4f45-9708-019B960494DF}">
-                <a14:hiddenLine xmlns:a14="http://schemas.microsoft.com/office/drawing/2010/main" xmlns="" w="9525">
+                <a14:hiddenLine xmlns="" xmlns:a14="http://schemas.microsoft.com/office/drawing/2010/main" w="9525">
                   <a:solidFill>
                     <a:srgbClr val="000000"/>
                   </a:solidFill>
@@ -6521,7 +6741,7 @@
             </a:ln>
             <a:extLst>
               <a:ext uri="{91240B29-F687-4f45-9708-019B960494DF}">
-                <a14:hiddenLine xmlns:a14="http://schemas.microsoft.com/office/drawing/2010/main" xmlns="" w="9525">
+                <a14:hiddenLine xmlns="" xmlns:a14="http://schemas.microsoft.com/office/drawing/2010/main" w="9525">
                   <a:solidFill>
                     <a:srgbClr val="000000"/>
                   </a:solidFill>
@@ -6555,7 +6775,7 @@
             </a:ln>
             <a:extLst>
               <a:ext uri="{91240B29-F687-4f45-9708-019B960494DF}">
-                <a14:hiddenLine xmlns:a14="http://schemas.microsoft.com/office/drawing/2010/main" xmlns="" w="9525">
+                <a14:hiddenLine xmlns="" xmlns:a14="http://schemas.microsoft.com/office/drawing/2010/main" w="9525">
                   <a:solidFill>
                     <a:srgbClr val="000000"/>
                   </a:solidFill>
@@ -6645,7 +6865,7 @@
             </a:ln>
             <a:extLst>
               <a:ext uri="{91240B29-F687-4f45-9708-019B960494DF}">
-                <a14:hiddenLine xmlns:a14="http://schemas.microsoft.com/office/drawing/2010/main" xmlns="" w="9525">
+                <a14:hiddenLine xmlns="" xmlns:a14="http://schemas.microsoft.com/office/drawing/2010/main" w="9525">
                   <a:solidFill>
                     <a:srgbClr val="000000"/>
                   </a:solidFill>
@@ -6707,7 +6927,7 @@
             </a:ln>
             <a:extLst>
               <a:ext uri="{91240B29-F687-4f45-9708-019B960494DF}">
-                <a14:hiddenLine xmlns:a14="http://schemas.microsoft.com/office/drawing/2010/main" xmlns="" w="9525">
+                <a14:hiddenLine xmlns="" xmlns:a14="http://schemas.microsoft.com/office/drawing/2010/main" w="9525">
                   <a:solidFill>
                     <a:srgbClr val="000000"/>
                   </a:solidFill>
@@ -6769,7 +6989,7 @@
             </a:ln>
             <a:extLst>
               <a:ext uri="{91240B29-F687-4f45-9708-019B960494DF}">
-                <a14:hiddenLine xmlns:a14="http://schemas.microsoft.com/office/drawing/2010/main" xmlns="" w="9525">
+                <a14:hiddenLine xmlns="" xmlns:a14="http://schemas.microsoft.com/office/drawing/2010/main" w="9525">
                   <a:solidFill>
                     <a:srgbClr val="000000"/>
                   </a:solidFill>
@@ -6859,7 +7079,7 @@
             </a:ln>
             <a:extLst>
               <a:ext uri="{91240B29-F687-4f45-9708-019B960494DF}">
-                <a14:hiddenLine xmlns:a14="http://schemas.microsoft.com/office/drawing/2010/main" xmlns="" w="9525">
+                <a14:hiddenLine xmlns="" xmlns:a14="http://schemas.microsoft.com/office/drawing/2010/main" w="9525">
                   <a:solidFill>
                     <a:srgbClr val="000000"/>
                   </a:solidFill>
@@ -6927,7 +7147,7 @@
             </a:ln>
             <a:extLst>
               <a:ext uri="{91240B29-F687-4f45-9708-019B960494DF}">
-                <a14:hiddenLine xmlns:a14="http://schemas.microsoft.com/office/drawing/2010/main" xmlns="" w="9525">
+                <a14:hiddenLine xmlns="" xmlns:a14="http://schemas.microsoft.com/office/drawing/2010/main" w="9525">
                   <a:solidFill>
                     <a:srgbClr val="000000"/>
                   </a:solidFill>
@@ -6989,7 +7209,7 @@
             </a:ln>
             <a:extLst>
               <a:ext uri="{91240B29-F687-4f45-9708-019B960494DF}">
-                <a14:hiddenLine xmlns:a14="http://schemas.microsoft.com/office/drawing/2010/main" xmlns="" w="9525">
+                <a14:hiddenLine xmlns="" xmlns:a14="http://schemas.microsoft.com/office/drawing/2010/main" w="9525">
                   <a:solidFill>
                     <a:srgbClr val="000000"/>
                   </a:solidFill>
@@ -7079,7 +7299,7 @@
             </a:ln>
             <a:extLst>
               <a:ext uri="{91240B29-F687-4f45-9708-019B960494DF}">
-                <a14:hiddenLine xmlns:a14="http://schemas.microsoft.com/office/drawing/2010/main" xmlns="" w="9525">
+                <a14:hiddenLine xmlns="" xmlns:a14="http://schemas.microsoft.com/office/drawing/2010/main" w="9525">
                   <a:solidFill>
                     <a:srgbClr val="000000"/>
                   </a:solidFill>
@@ -7141,7 +7361,7 @@
             </a:ln>
             <a:extLst>
               <a:ext uri="{91240B29-F687-4f45-9708-019B960494DF}">
-                <a14:hiddenLine xmlns:a14="http://schemas.microsoft.com/office/drawing/2010/main" xmlns="" w="9525">
+                <a14:hiddenLine xmlns="" xmlns:a14="http://schemas.microsoft.com/office/drawing/2010/main" w="9525">
                   <a:solidFill>
                     <a:srgbClr val="000000"/>
                   </a:solidFill>
@@ -7231,7 +7451,7 @@
             </a:ln>
             <a:extLst>
               <a:ext uri="{91240B29-F687-4f45-9708-019B960494DF}">
-                <a14:hiddenLine xmlns:a14="http://schemas.microsoft.com/office/drawing/2010/main" xmlns="" w="9525">
+                <a14:hiddenLine xmlns="" xmlns:a14="http://schemas.microsoft.com/office/drawing/2010/main" w="9525">
                   <a:solidFill>
                     <a:srgbClr val="000000"/>
                   </a:solidFill>
@@ -7293,7 +7513,7 @@
             </a:ln>
             <a:extLst>
               <a:ext uri="{91240B29-F687-4f45-9708-019B960494DF}">
-                <a14:hiddenLine xmlns:a14="http://schemas.microsoft.com/office/drawing/2010/main" xmlns="" w="9525">
+                <a14:hiddenLine xmlns="" xmlns:a14="http://schemas.microsoft.com/office/drawing/2010/main" w="9525">
                   <a:solidFill>
                     <a:srgbClr val="000000"/>
                   </a:solidFill>
@@ -7383,7 +7603,7 @@
             </a:ln>
             <a:extLst>
               <a:ext uri="{91240B29-F687-4f45-9708-019B960494DF}">
-                <a14:hiddenLine xmlns:a14="http://schemas.microsoft.com/office/drawing/2010/main" xmlns="" w="9525">
+                <a14:hiddenLine xmlns="" xmlns:a14="http://schemas.microsoft.com/office/drawing/2010/main" w="9525">
                   <a:solidFill>
                     <a:srgbClr val="000000"/>
                   </a:solidFill>
@@ -7417,7 +7637,7 @@
             </a:ln>
             <a:extLst>
               <a:ext uri="{91240B29-F687-4f45-9708-019B960494DF}">
-                <a14:hiddenLine xmlns:a14="http://schemas.microsoft.com/office/drawing/2010/main" xmlns="" w="9525">
+                <a14:hiddenLine xmlns="" xmlns:a14="http://schemas.microsoft.com/office/drawing/2010/main" w="9525">
                   <a:solidFill>
                     <a:srgbClr val="000000"/>
                   </a:solidFill>
@@ -7482,7 +7702,7 @@
             </a:ln>
             <a:extLst>
               <a:ext uri="{91240B29-F687-4f45-9708-019B960494DF}">
-                <a14:hiddenLine xmlns:a14="http://schemas.microsoft.com/office/drawing/2010/main" xmlns="" w="9525">
+                <a14:hiddenLine xmlns="" xmlns:a14="http://schemas.microsoft.com/office/drawing/2010/main" w="9525">
                   <a:solidFill>
                     <a:srgbClr val="000000"/>
                   </a:solidFill>
@@ -7572,7 +7792,7 @@
             </a:ln>
             <a:extLst>
               <a:ext uri="{91240B29-F687-4f45-9708-019B960494DF}">
-                <a14:hiddenLine xmlns:a14="http://schemas.microsoft.com/office/drawing/2010/main" xmlns="" w="9525">
+                <a14:hiddenLine xmlns="" xmlns:a14="http://schemas.microsoft.com/office/drawing/2010/main" w="9525">
                   <a:solidFill>
                     <a:srgbClr val="000000"/>
                   </a:solidFill>
@@ -7634,7 +7854,7 @@
             </a:ln>
             <a:extLst>
               <a:ext uri="{91240B29-F687-4f45-9708-019B960494DF}">
-                <a14:hiddenLine xmlns:a14="http://schemas.microsoft.com/office/drawing/2010/main" xmlns="" w="9525">
+                <a14:hiddenLine xmlns="" xmlns:a14="http://schemas.microsoft.com/office/drawing/2010/main" w="9525">
                   <a:solidFill>
                     <a:srgbClr val="000000"/>
                   </a:solidFill>
@@ -7724,7 +7944,7 @@
             </a:ln>
             <a:extLst>
               <a:ext uri="{91240B29-F687-4f45-9708-019B960494DF}">
-                <a14:hiddenLine xmlns:a14="http://schemas.microsoft.com/office/drawing/2010/main" xmlns="" w="9525">
+                <a14:hiddenLine xmlns="" xmlns:a14="http://schemas.microsoft.com/office/drawing/2010/main" w="9525">
                   <a:solidFill>
                     <a:srgbClr val="000000"/>
                   </a:solidFill>
@@ -7814,7 +8034,7 @@
             </a:ln>
             <a:extLst>
               <a:ext uri="{91240B29-F687-4f45-9708-019B960494DF}">
-                <a14:hiddenLine xmlns:a14="http://schemas.microsoft.com/office/drawing/2010/main" xmlns="" w="9525">
+                <a14:hiddenLine xmlns="" xmlns:a14="http://schemas.microsoft.com/office/drawing/2010/main" w="9525">
                   <a:solidFill>
                     <a:srgbClr val="000000"/>
                   </a:solidFill>
@@ -7879,7 +8099,7 @@
             </a:ln>
             <a:extLst>
               <a:ext uri="{91240B29-F687-4f45-9708-019B960494DF}">
-                <a14:hiddenLine xmlns:a14="http://schemas.microsoft.com/office/drawing/2010/main" xmlns="" w="9525">
+                <a14:hiddenLine xmlns="" xmlns:a14="http://schemas.microsoft.com/office/drawing/2010/main" w="9525">
                   <a:solidFill>
                     <a:srgbClr val="000000"/>
                   </a:solidFill>
@@ -7941,7 +8161,7 @@
             </a:ln>
             <a:extLst>
               <a:ext uri="{91240B29-F687-4f45-9708-019B960494DF}">
-                <a14:hiddenLine xmlns:a14="http://schemas.microsoft.com/office/drawing/2010/main" xmlns="" w="9525">
+                <a14:hiddenLine xmlns="" xmlns:a14="http://schemas.microsoft.com/office/drawing/2010/main" w="9525">
                   <a:solidFill>
                     <a:srgbClr val="000000"/>
                   </a:solidFill>
@@ -8031,7 +8251,7 @@
             </a:ln>
             <a:extLst>
               <a:ext uri="{91240B29-F687-4f45-9708-019B960494DF}">
-                <a14:hiddenLine xmlns:a14="http://schemas.microsoft.com/office/drawing/2010/main" xmlns="" w="9525">
+                <a14:hiddenLine xmlns="" xmlns:a14="http://schemas.microsoft.com/office/drawing/2010/main" w="9525">
                   <a:solidFill>
                     <a:srgbClr val="000000"/>
                   </a:solidFill>
@@ -8121,7 +8341,7 @@
             </a:ln>
             <a:extLst>
               <a:ext uri="{91240B29-F687-4f45-9708-019B960494DF}">
-                <a14:hiddenLine xmlns:a14="http://schemas.microsoft.com/office/drawing/2010/main" xmlns="" w="9525">
+                <a14:hiddenLine xmlns="" xmlns:a14="http://schemas.microsoft.com/office/drawing/2010/main" w="9525">
                   <a:solidFill>
                     <a:srgbClr val="000000"/>
                   </a:solidFill>
@@ -8183,7 +8403,7 @@
             </a:ln>
             <a:extLst>
               <a:ext uri="{91240B29-F687-4f45-9708-019B960494DF}">
-                <a14:hiddenLine xmlns:a14="http://schemas.microsoft.com/office/drawing/2010/main" xmlns="" w="9525">
+                <a14:hiddenLine xmlns="" xmlns:a14="http://schemas.microsoft.com/office/drawing/2010/main" w="9525">
                   <a:solidFill>
                     <a:srgbClr val="000000"/>
                   </a:solidFill>
@@ -8303,7 +8523,7 @@
             </a:ln>
             <a:extLst>
               <a:ext uri="{91240B29-F687-4f45-9708-019B960494DF}">
-                <a14:hiddenLine xmlns:a14="http://schemas.microsoft.com/office/drawing/2010/main" xmlns="" w="9525">
+                <a14:hiddenLine xmlns="" xmlns:a14="http://schemas.microsoft.com/office/drawing/2010/main" w="9525">
                   <a:solidFill>
                     <a:srgbClr val="000000"/>
                   </a:solidFill>
@@ -8371,7 +8591,7 @@
             </a:ln>
             <a:extLst>
               <a:ext uri="{91240B29-F687-4f45-9708-019B960494DF}">
-                <a14:hiddenLine xmlns:a14="http://schemas.microsoft.com/office/drawing/2010/main" xmlns="" w="9525">
+                <a14:hiddenLine xmlns="" xmlns:a14="http://schemas.microsoft.com/office/drawing/2010/main" w="9525">
                   <a:solidFill>
                     <a:srgbClr val="000000"/>
                   </a:solidFill>
@@ -8461,7 +8681,7 @@
             </a:ln>
             <a:extLst>
               <a:ext uri="{91240B29-F687-4f45-9708-019B960494DF}">
-                <a14:hiddenLine xmlns:a14="http://schemas.microsoft.com/office/drawing/2010/main" xmlns="" w="9525">
+                <a14:hiddenLine xmlns="" xmlns:a14="http://schemas.microsoft.com/office/drawing/2010/main" w="9525">
                   <a:solidFill>
                     <a:srgbClr val="000000"/>
                   </a:solidFill>
@@ -13190,7 +13410,7 @@
           <a:noFill/>
           <a:extLst>
             <a:ext uri="{909E8E84-426E-40dd-AFC4-6F175D3DCCD1}">
-              <a14:hiddenFill xmlns:a14="http://schemas.microsoft.com/office/drawing/2010/main" xmlns="">
+              <a14:hiddenFill xmlns="" xmlns:a14="http://schemas.microsoft.com/office/drawing/2010/main">
                 <a:solidFill>
                   <a:srgbClr val="FFFFFF"/>
                 </a:solidFill>
@@ -13264,7 +13484,7 @@
               </a:ln>
               <a:extLst>
                 <a:ext uri="{91240B29-F687-4f45-9708-019B960494DF}">
-                  <a14:hiddenLine xmlns:a14="http://schemas.microsoft.com/office/drawing/2010/main" xmlns="" w="9525">
+                  <a14:hiddenLine xmlns="" xmlns:a14="http://schemas.microsoft.com/office/drawing/2010/main" w="9525">
                     <a:solidFill>
                       <a:srgbClr val="000000"/>
                     </a:solidFill>
@@ -13354,7 +13574,7 @@
               </a:ln>
               <a:extLst>
                 <a:ext uri="{91240B29-F687-4f45-9708-019B960494DF}">
-                  <a14:hiddenLine xmlns:a14="http://schemas.microsoft.com/office/drawing/2010/main" xmlns="" w="9525">
+                  <a14:hiddenLine xmlns="" xmlns:a14="http://schemas.microsoft.com/office/drawing/2010/main" w="9525">
                     <a:solidFill>
                       <a:srgbClr val="000000"/>
                     </a:solidFill>
@@ -13444,7 +13664,7 @@
               </a:ln>
               <a:extLst>
                 <a:ext uri="{91240B29-F687-4f45-9708-019B960494DF}">
-                  <a14:hiddenLine xmlns:a14="http://schemas.microsoft.com/office/drawing/2010/main" xmlns="" w="9525">
+                  <a14:hiddenLine xmlns="" xmlns:a14="http://schemas.microsoft.com/office/drawing/2010/main" w="9525">
                     <a:solidFill>
                       <a:srgbClr val="000000"/>
                     </a:solidFill>
@@ -13506,7 +13726,7 @@
               </a:ln>
               <a:extLst>
                 <a:ext uri="{91240B29-F687-4f45-9708-019B960494DF}">
-                  <a14:hiddenLine xmlns:a14="http://schemas.microsoft.com/office/drawing/2010/main" xmlns="" w="9525">
+                  <a14:hiddenLine xmlns="" xmlns:a14="http://schemas.microsoft.com/office/drawing/2010/main" w="9525">
                     <a:solidFill>
                       <a:srgbClr val="000000"/>
                     </a:solidFill>
@@ -13596,7 +13816,7 @@
               </a:ln>
               <a:extLst>
                 <a:ext uri="{91240B29-F687-4f45-9708-019B960494DF}">
-                  <a14:hiddenLine xmlns:a14="http://schemas.microsoft.com/office/drawing/2010/main" xmlns="" w="9525">
+                  <a14:hiddenLine xmlns="" xmlns:a14="http://schemas.microsoft.com/office/drawing/2010/main" w="9525">
                     <a:solidFill>
                       <a:srgbClr val="000000"/>
                     </a:solidFill>
@@ -13658,7 +13878,7 @@
               </a:ln>
               <a:extLst>
                 <a:ext uri="{91240B29-F687-4f45-9708-019B960494DF}">
-                  <a14:hiddenLine xmlns:a14="http://schemas.microsoft.com/office/drawing/2010/main" xmlns="" w="9525">
+                  <a14:hiddenLine xmlns="" xmlns:a14="http://schemas.microsoft.com/office/drawing/2010/main" w="9525">
                     <a:solidFill>
                       <a:srgbClr val="000000"/>
                     </a:solidFill>
@@ -13720,7 +13940,7 @@
               </a:ln>
               <a:extLst>
                 <a:ext uri="{91240B29-F687-4f45-9708-019B960494DF}">
-                  <a14:hiddenLine xmlns:a14="http://schemas.microsoft.com/office/drawing/2010/main" xmlns="" w="9525">
+                  <a14:hiddenLine xmlns="" xmlns:a14="http://schemas.microsoft.com/office/drawing/2010/main" w="9525">
                     <a:solidFill>
                       <a:srgbClr val="000000"/>
                     </a:solidFill>
@@ -13810,7 +14030,7 @@
               </a:ln>
               <a:extLst>
                 <a:ext uri="{91240B29-F687-4f45-9708-019B960494DF}">
-                  <a14:hiddenLine xmlns:a14="http://schemas.microsoft.com/office/drawing/2010/main" xmlns="" w="9525">
+                  <a14:hiddenLine xmlns="" xmlns:a14="http://schemas.microsoft.com/office/drawing/2010/main" w="9525">
                     <a:solidFill>
                       <a:srgbClr val="000000"/>
                     </a:solidFill>
@@ -13900,7 +14120,7 @@
               </a:ln>
               <a:extLst>
                 <a:ext uri="{91240B29-F687-4f45-9708-019B960494DF}">
-                  <a14:hiddenLine xmlns:a14="http://schemas.microsoft.com/office/drawing/2010/main" xmlns="" w="9525">
+                  <a14:hiddenLine xmlns="" xmlns:a14="http://schemas.microsoft.com/office/drawing/2010/main" w="9525">
                     <a:solidFill>
                       <a:srgbClr val="000000"/>
                     </a:solidFill>
@@ -13962,7 +14182,7 @@
               </a:ln>
               <a:extLst>
                 <a:ext uri="{91240B29-F687-4f45-9708-019B960494DF}">
-                  <a14:hiddenLine xmlns:a14="http://schemas.microsoft.com/office/drawing/2010/main" xmlns="" w="9525">
+                  <a14:hiddenLine xmlns="" xmlns:a14="http://schemas.microsoft.com/office/drawing/2010/main" w="9525">
                     <a:solidFill>
                       <a:srgbClr val="000000"/>
                     </a:solidFill>
@@ -14072,7 +14292,7 @@
               </a:ln>
               <a:extLst>
                 <a:ext uri="{91240B29-F687-4f45-9708-019B960494DF}">
-                  <a14:hiddenLine xmlns:a14="http://schemas.microsoft.com/office/drawing/2010/main" xmlns="" w="9525">
+                  <a14:hiddenLine xmlns="" xmlns:a14="http://schemas.microsoft.com/office/drawing/2010/main" w="9525">
                     <a:solidFill>
                       <a:srgbClr val="000000"/>
                     </a:solidFill>
@@ -14156,7 +14376,7 @@
               </a:ln>
               <a:extLst>
                 <a:ext uri="{91240B29-F687-4f45-9708-019B960494DF}">
-                  <a14:hiddenLine xmlns:a14="http://schemas.microsoft.com/office/drawing/2010/main" xmlns="" w="9525">
+                  <a14:hiddenLine xmlns="" xmlns:a14="http://schemas.microsoft.com/office/drawing/2010/main" w="9525">
                     <a:solidFill>
                       <a:srgbClr val="000000"/>
                     </a:solidFill>
@@ -14218,7 +14438,7 @@
               </a:ln>
               <a:extLst>
                 <a:ext uri="{91240B29-F687-4f45-9708-019B960494DF}">
-                  <a14:hiddenLine xmlns:a14="http://schemas.microsoft.com/office/drawing/2010/main" xmlns="" w="9525">
+                  <a14:hiddenLine xmlns="" xmlns:a14="http://schemas.microsoft.com/office/drawing/2010/main" w="9525">
                     <a:solidFill>
                       <a:srgbClr val="000000"/>
                     </a:solidFill>
@@ -14280,7 +14500,7 @@
               </a:ln>
               <a:extLst>
                 <a:ext uri="{91240B29-F687-4f45-9708-019B960494DF}">
-                  <a14:hiddenLine xmlns:a14="http://schemas.microsoft.com/office/drawing/2010/main" xmlns="" w="9525">
+                  <a14:hiddenLine xmlns="" xmlns:a14="http://schemas.microsoft.com/office/drawing/2010/main" w="9525">
                     <a:solidFill>
                       <a:srgbClr val="000000"/>
                     </a:solidFill>
@@ -14370,7 +14590,7 @@
               </a:ln>
               <a:extLst>
                 <a:ext uri="{91240B29-F687-4f45-9708-019B960494DF}">
-                  <a14:hiddenLine xmlns:a14="http://schemas.microsoft.com/office/drawing/2010/main" xmlns="" w="9525">
+                  <a14:hiddenLine xmlns="" xmlns:a14="http://schemas.microsoft.com/office/drawing/2010/main" w="9525">
                     <a:solidFill>
                       <a:srgbClr val="000000"/>
                     </a:solidFill>
@@ -14404,7 +14624,7 @@
               </a:ln>
               <a:extLst>
                 <a:ext uri="{91240B29-F687-4f45-9708-019B960494DF}">
-                  <a14:hiddenLine xmlns:a14="http://schemas.microsoft.com/office/drawing/2010/main" xmlns="" w="9525">
+                  <a14:hiddenLine xmlns="" xmlns:a14="http://schemas.microsoft.com/office/drawing/2010/main" w="9525">
                     <a:solidFill>
                       <a:srgbClr val="000000"/>
                     </a:solidFill>
@@ -14469,7 +14689,7 @@
               </a:ln>
               <a:extLst>
                 <a:ext uri="{91240B29-F687-4f45-9708-019B960494DF}">
-                  <a14:hiddenLine xmlns:a14="http://schemas.microsoft.com/office/drawing/2010/main" xmlns="" w="9525">
+                  <a14:hiddenLine xmlns="" xmlns:a14="http://schemas.microsoft.com/office/drawing/2010/main" w="9525">
                     <a:solidFill>
                       <a:srgbClr val="000000"/>
                     </a:solidFill>
@@ -14559,7 +14779,7 @@
               </a:ln>
               <a:extLst>
                 <a:ext uri="{91240B29-F687-4f45-9708-019B960494DF}">
-                  <a14:hiddenLine xmlns:a14="http://schemas.microsoft.com/office/drawing/2010/main" xmlns="" w="9525">
+                  <a14:hiddenLine xmlns="" xmlns:a14="http://schemas.microsoft.com/office/drawing/2010/main" w="9525">
                     <a:solidFill>
                       <a:srgbClr val="000000"/>
                     </a:solidFill>
@@ -14621,7 +14841,7 @@
               </a:ln>
               <a:extLst>
                 <a:ext uri="{91240B29-F687-4f45-9708-019B960494DF}">
-                  <a14:hiddenLine xmlns:a14="http://schemas.microsoft.com/office/drawing/2010/main" xmlns="" w="9525">
+                  <a14:hiddenLine xmlns="" xmlns:a14="http://schemas.microsoft.com/office/drawing/2010/main" w="9525">
                     <a:solidFill>
                       <a:srgbClr val="000000"/>
                     </a:solidFill>
@@ -14711,7 +14931,7 @@
               </a:ln>
               <a:extLst>
                 <a:ext uri="{91240B29-F687-4f45-9708-019B960494DF}">
-                  <a14:hiddenLine xmlns:a14="http://schemas.microsoft.com/office/drawing/2010/main" xmlns="" w="9525">
+                  <a14:hiddenLine xmlns="" xmlns:a14="http://schemas.microsoft.com/office/drawing/2010/main" w="9525">
                     <a:solidFill>
                       <a:srgbClr val="000000"/>
                     </a:solidFill>
@@ -14776,7 +14996,7 @@
               </a:ln>
               <a:extLst>
                 <a:ext uri="{91240B29-F687-4f45-9708-019B960494DF}">
-                  <a14:hiddenLine xmlns:a14="http://schemas.microsoft.com/office/drawing/2010/main" xmlns="" w="9525">
+                  <a14:hiddenLine xmlns="" xmlns:a14="http://schemas.microsoft.com/office/drawing/2010/main" w="9525">
                     <a:solidFill>
                       <a:srgbClr val="000000"/>
                     </a:solidFill>
@@ -14838,7 +15058,7 @@
               </a:ln>
               <a:extLst>
                 <a:ext uri="{91240B29-F687-4f45-9708-019B960494DF}">
-                  <a14:hiddenLine xmlns:a14="http://schemas.microsoft.com/office/drawing/2010/main" xmlns="" w="9525">
+                  <a14:hiddenLine xmlns="" xmlns:a14="http://schemas.microsoft.com/office/drawing/2010/main" w="9525">
                     <a:solidFill>
                       <a:srgbClr val="000000"/>
                     </a:solidFill>
@@ -14928,7 +15148,7 @@
               </a:ln>
               <a:extLst>
                 <a:ext uri="{91240B29-F687-4f45-9708-019B960494DF}">
-                  <a14:hiddenLine xmlns:a14="http://schemas.microsoft.com/office/drawing/2010/main" xmlns="" w="9525">
+                  <a14:hiddenLine xmlns="" xmlns:a14="http://schemas.microsoft.com/office/drawing/2010/main" w="9525">
                     <a:solidFill>
                       <a:srgbClr val="000000"/>
                     </a:solidFill>
@@ -15018,7 +15238,7 @@
               </a:ln>
               <a:extLst>
                 <a:ext uri="{91240B29-F687-4f45-9708-019B960494DF}">
-                  <a14:hiddenLine xmlns:a14="http://schemas.microsoft.com/office/drawing/2010/main" xmlns="" w="9525">
+                  <a14:hiddenLine xmlns="" xmlns:a14="http://schemas.microsoft.com/office/drawing/2010/main" w="9525">
                     <a:solidFill>
                       <a:srgbClr val="000000"/>
                     </a:solidFill>
@@ -15083,7 +15303,7 @@
               </a:ln>
               <a:extLst>
                 <a:ext uri="{91240B29-F687-4f45-9708-019B960494DF}">
-                  <a14:hiddenLine xmlns:a14="http://schemas.microsoft.com/office/drawing/2010/main" xmlns="" w="9525">
+                  <a14:hiddenLine xmlns="" xmlns:a14="http://schemas.microsoft.com/office/drawing/2010/main" w="9525">
                     <a:solidFill>
                       <a:srgbClr val="000000"/>
                     </a:solidFill>
@@ -15203,7 +15423,7 @@
               </a:ln>
               <a:extLst>
                 <a:ext uri="{91240B29-F687-4f45-9708-019B960494DF}">
-                  <a14:hiddenLine xmlns:a14="http://schemas.microsoft.com/office/drawing/2010/main" xmlns="" w="9525">
+                  <a14:hiddenLine xmlns="" xmlns:a14="http://schemas.microsoft.com/office/drawing/2010/main" w="9525">
                     <a:solidFill>
                       <a:srgbClr val="000000"/>
                     </a:solidFill>
@@ -15284,7 +15504,7 @@
               </a:ln>
               <a:extLst>
                 <a:ext uri="{91240B29-F687-4f45-9708-019B960494DF}">
-                  <a14:hiddenLine xmlns:a14="http://schemas.microsoft.com/office/drawing/2010/main" xmlns="" w="9525">
+                  <a14:hiddenLine xmlns="" xmlns:a14="http://schemas.microsoft.com/office/drawing/2010/main" w="9525">
                     <a:solidFill>
                       <a:srgbClr val="000000"/>
                     </a:solidFill>
@@ -15399,7 +15619,7 @@
               </a:ln>
               <a:extLst>
                 <a:ext uri="{91240B29-F687-4f45-9708-019B960494DF}">
-                  <a14:hiddenLine xmlns:a14="http://schemas.microsoft.com/office/drawing/2010/main" xmlns="" w="9525">
+                  <a14:hiddenLine xmlns="" xmlns:a14="http://schemas.microsoft.com/office/drawing/2010/main" w="9525">
                     <a:solidFill>
                       <a:srgbClr val="000000"/>
                     </a:solidFill>
@@ -15489,7 +15709,7 @@
               </a:ln>
               <a:extLst>
                 <a:ext uri="{91240B29-F687-4f45-9708-019B960494DF}">
-                  <a14:hiddenLine xmlns:a14="http://schemas.microsoft.com/office/drawing/2010/main" xmlns="" w="9525">
+                  <a14:hiddenLine xmlns="" xmlns:a14="http://schemas.microsoft.com/office/drawing/2010/main" w="9525">
                     <a:solidFill>
                       <a:srgbClr val="000000"/>
                     </a:solidFill>
@@ -15554,7 +15774,7 @@
               </a:ln>
               <a:extLst>
                 <a:ext uri="{91240B29-F687-4f45-9708-019B960494DF}">
-                  <a14:hiddenLine xmlns:a14="http://schemas.microsoft.com/office/drawing/2010/main" xmlns="" w="9525">
+                  <a14:hiddenLine xmlns="" xmlns:a14="http://schemas.microsoft.com/office/drawing/2010/main" w="9525">
                     <a:solidFill>
                       <a:srgbClr val="000000"/>
                     </a:solidFill>
@@ -15644,7 +15864,7 @@
               </a:ln>
               <a:extLst>
                 <a:ext uri="{91240B29-F687-4f45-9708-019B960494DF}">
-                  <a14:hiddenLine xmlns:a14="http://schemas.microsoft.com/office/drawing/2010/main" xmlns="" w="9525">
+                  <a14:hiddenLine xmlns="" xmlns:a14="http://schemas.microsoft.com/office/drawing/2010/main" w="9525">
                     <a:solidFill>
                       <a:srgbClr val="000000"/>
                     </a:solidFill>
@@ -15712,7 +15932,7 @@
               </a:ln>
               <a:extLst>
                 <a:ext uri="{91240B29-F687-4f45-9708-019B960494DF}">
-                  <a14:hiddenLine xmlns:a14="http://schemas.microsoft.com/office/drawing/2010/main" xmlns="" w="9525">
+                  <a14:hiddenLine xmlns="" xmlns:a14="http://schemas.microsoft.com/office/drawing/2010/main" w="9525">
                     <a:solidFill>
                       <a:srgbClr val="000000"/>
                     </a:solidFill>
@@ -15802,7 +16022,7 @@
               </a:ln>
               <a:extLst>
                 <a:ext uri="{91240B29-F687-4f45-9708-019B960494DF}">
-                  <a14:hiddenLine xmlns:a14="http://schemas.microsoft.com/office/drawing/2010/main" xmlns="" w="9525">
+                  <a14:hiddenLine xmlns="" xmlns:a14="http://schemas.microsoft.com/office/drawing/2010/main" w="9525">
                     <a:solidFill>
                       <a:srgbClr val="000000"/>
                     </a:solidFill>
@@ -15870,7 +16090,7 @@
               </a:ln>
               <a:extLst>
                 <a:ext uri="{91240B29-F687-4f45-9708-019B960494DF}">
-                  <a14:hiddenLine xmlns:a14="http://schemas.microsoft.com/office/drawing/2010/main" xmlns="" w="9525">
+                  <a14:hiddenLine xmlns="" xmlns:a14="http://schemas.microsoft.com/office/drawing/2010/main" w="9525">
                     <a:solidFill>
                       <a:srgbClr val="000000"/>
                     </a:solidFill>
@@ -15960,7 +16180,7 @@
               </a:ln>
               <a:extLst>
                 <a:ext uri="{91240B29-F687-4f45-9708-019B960494DF}">
-                  <a14:hiddenLine xmlns:a14="http://schemas.microsoft.com/office/drawing/2010/main" xmlns="" w="9525">
+                  <a14:hiddenLine xmlns="" xmlns:a14="http://schemas.microsoft.com/office/drawing/2010/main" w="9525">
                     <a:solidFill>
                       <a:srgbClr val="000000"/>
                     </a:solidFill>
@@ -15994,7 +16214,7 @@
               </a:ln>
               <a:extLst>
                 <a:ext uri="{91240B29-F687-4f45-9708-019B960494DF}">
-                  <a14:hiddenLine xmlns:a14="http://schemas.microsoft.com/office/drawing/2010/main" xmlns="" w="9525">
+                  <a14:hiddenLine xmlns="" xmlns:a14="http://schemas.microsoft.com/office/drawing/2010/main" w="9525">
                     <a:solidFill>
                       <a:srgbClr val="000000"/>
                     </a:solidFill>
@@ -26536,44 +26756,23 @@
           <a:p>
             <a:r>
               <a:rPr lang="de-CH" dirty="0" smtClean="0"/>
-              <a:t>Verhalten wird mit g</a:t>
-            </a:r>
+              <a:t>Verhalten wird mit geordneten (labeled) Daten trainiert</a:t>
+            </a:r>
+          </a:p>
+          <a:p>
+            <a:endParaRPr lang="de-CH" dirty="0" smtClean="0"/>
+          </a:p>
+          <a:p>
             <a:r>
               <a:rPr lang="de-CH" dirty="0" smtClean="0"/>
-              <a:t>eordneten </a:t>
-            </a:r>
-            <a:r>
-              <a:rPr lang="de-CH" dirty="0" smtClean="0"/>
-              <a:t>(labeled) Daten </a:t>
-            </a:r>
-            <a:r>
-              <a:rPr lang="de-CH" dirty="0" smtClean="0"/>
-              <a:t>trainiert</a:t>
-            </a:r>
-            <a:endParaRPr lang="de-CH" dirty="0" smtClean="0"/>
-          </a:p>
-          <a:p>
-            <a:endParaRPr lang="de-CH" dirty="0" smtClean="0"/>
-          </a:p>
-          <a:p>
-            <a:r>
-              <a:rPr lang="de-CH" dirty="0" smtClean="0"/>
-              <a:t>Voraussagen </a:t>
-            </a:r>
-            <a:r>
-              <a:rPr lang="de-CH" dirty="0" smtClean="0"/>
-              <a:t>über neue </a:t>
+              <a:t>Voraussagen über neue </a:t>
             </a:r>
             <a:br>
               <a:rPr lang="de-CH" dirty="0" smtClean="0"/>
             </a:br>
             <a:r>
               <a:rPr lang="de-CH" dirty="0" smtClean="0"/>
-              <a:t>(unlabeled) Daten </a:t>
-            </a:r>
-            <a:r>
-              <a:rPr lang="de-CH" dirty="0" smtClean="0"/>
-              <a:t>können gemacht werden</a:t>
+              <a:t>(unlabeled) Daten können gemacht werden</a:t>
             </a:r>
             <a:endParaRPr lang="de-CH" dirty="0"/>
           </a:p>
@@ -27458,6 +27657,48 @@
           </a:prstGeom>
         </p:spPr>
       </p:pic>
+      <p:sp>
+        <p:nvSpPr>
+          <p:cNvPr id="2" name="TextBox 1"/>
+          <p:cNvSpPr txBox="1"/>
+          <p:nvPr/>
+        </p:nvSpPr>
+        <p:spPr>
+          <a:xfrm>
+            <a:off x="4638611" y="5843682"/>
+            <a:ext cx="5144357" cy="307777"/>
+          </a:xfrm>
+          <a:prstGeom prst="rect">
+            <a:avLst/>
+          </a:prstGeom>
+          <a:noFill/>
+        </p:spPr>
+        <p:txBody>
+          <a:bodyPr wrap="none" rtlCol="0">
+            <a:spAutoFit/>
+          </a:bodyPr>
+          <a:lstStyle/>
+          <a:p>
+            <a:r>
+              <a:rPr lang="de-CH" sz="1400" dirty="0" err="1" smtClean="0"/>
+              <a:t>Descision</a:t>
+            </a:r>
+            <a:r>
+              <a:rPr lang="de-CH" sz="1400" dirty="0" smtClean="0"/>
+              <a:t> </a:t>
+            </a:r>
+            <a:r>
+              <a:rPr lang="de-CH" sz="1400" dirty="0" err="1" smtClean="0"/>
+              <a:t>Tree</a:t>
+            </a:r>
+            <a:r>
+              <a:rPr lang="de-CH" sz="1400" dirty="0" smtClean="0"/>
+              <a:t> aus Beispiel mit Häuser und deren Standort</a:t>
+            </a:r>
+            <a:endParaRPr lang="de-CH" sz="1400" dirty="0"/>
+          </a:p>
+        </p:txBody>
+      </p:sp>
     </p:spTree>
     <p:extLst>
       <p:ext uri="{BB962C8B-B14F-4D97-AF65-F5344CB8AC3E}">
@@ -27591,14 +27832,52 @@
         </p:blipFill>
         <p:spPr>
           <a:xfrm>
-            <a:off x="4381813" y="1162680"/>
-            <a:ext cx="6566764" cy="4566080"/>
+            <a:off x="4932447" y="1429543"/>
+            <a:ext cx="5852627" cy="4069518"/>
           </a:xfrm>
           <a:prstGeom prst="rect">
             <a:avLst/>
           </a:prstGeom>
         </p:spPr>
       </p:pic>
+      <p:sp>
+        <p:nvSpPr>
+          <p:cNvPr id="7" name="TextBox 6"/>
+          <p:cNvSpPr txBox="1"/>
+          <p:nvPr/>
+        </p:nvSpPr>
+        <p:spPr>
+          <a:xfrm>
+            <a:off x="4905061" y="5546957"/>
+            <a:ext cx="5974713" cy="307777"/>
+          </a:xfrm>
+          <a:prstGeom prst="rect">
+            <a:avLst/>
+          </a:prstGeom>
+          <a:noFill/>
+        </p:spPr>
+        <p:txBody>
+          <a:bodyPr wrap="none" rtlCol="0">
+            <a:spAutoFit/>
+          </a:bodyPr>
+          <a:lstStyle/>
+          <a:p>
+            <a:r>
+              <a:rPr lang="de-CH" sz="1400" dirty="0" smtClean="0"/>
+              <a:t>Regression von Price pro Quadratfuss in </a:t>
+            </a:r>
+            <a:r>
+              <a:rPr lang="de-CH" sz="1400" dirty="0"/>
+              <a:t>A</a:t>
+            </a:r>
+            <a:r>
+              <a:rPr lang="de-CH" sz="1400" dirty="0" smtClean="0"/>
+              <a:t>bhängigkeit von Standort</a:t>
+            </a:r>
+            <a:endParaRPr lang="de-CH" sz="1400" dirty="0"/>
+          </a:p>
+        </p:txBody>
+      </p:sp>
     </p:spTree>
     <p:extLst>
       <p:ext uri="{BB962C8B-B14F-4D97-AF65-F5344CB8AC3E}">
@@ -27677,8 +27956,8 @@
         </p:blipFill>
         <p:spPr>
           <a:xfrm>
-            <a:off x="4518292" y="1130305"/>
-            <a:ext cx="6430286" cy="4721138"/>
+            <a:off x="4815145" y="1338294"/>
+            <a:ext cx="5982042" cy="4392036"/>
           </a:xfrm>
           <a:prstGeom prst="rect">
             <a:avLst/>
@@ -27709,6 +27988,44 @@
               <a:t>algorithms</a:t>
             </a:r>
             <a:endParaRPr lang="de-CH" dirty="0"/>
+          </a:p>
+        </p:txBody>
+      </p:sp>
+      <p:sp>
+        <p:nvSpPr>
+          <p:cNvPr id="5" name="TextBox 4"/>
+          <p:cNvSpPr txBox="1"/>
+          <p:nvPr/>
+        </p:nvSpPr>
+        <p:spPr>
+          <a:xfrm>
+            <a:off x="4905055" y="5791200"/>
+            <a:ext cx="5630067" cy="307777"/>
+          </a:xfrm>
+          <a:prstGeom prst="rect">
+            <a:avLst/>
+          </a:prstGeom>
+          <a:noFill/>
+        </p:spPr>
+        <p:txBody>
+          <a:bodyPr wrap="none" rtlCol="0">
+            <a:spAutoFit/>
+          </a:bodyPr>
+          <a:lstStyle/>
+          <a:p>
+            <a:r>
+              <a:rPr lang="de-CH" sz="1400" dirty="0" smtClean="0"/>
+              <a:t>Visualisierung von unterschiedlichen </a:t>
+            </a:r>
+            <a:r>
+              <a:rPr lang="de-CH" sz="1400" dirty="0" err="1" smtClean="0"/>
+              <a:t>Pflanzenspezien</a:t>
+            </a:r>
+            <a:r>
+              <a:rPr lang="de-CH" sz="1400" dirty="0" smtClean="0"/>
+              <a:t> in Clusters</a:t>
+            </a:r>
+            <a:endParaRPr lang="de-CH" sz="1400" dirty="0"/>
           </a:p>
         </p:txBody>
       </p:sp>
@@ -27977,6 +28294,48 @@
           </a:prstGeom>
         </p:spPr>
       </p:pic>
+      <p:sp>
+        <p:nvSpPr>
+          <p:cNvPr id="7" name="TextBox 6"/>
+          <p:cNvSpPr txBox="1"/>
+          <p:nvPr/>
+        </p:nvSpPr>
+        <p:spPr>
+          <a:xfrm>
+            <a:off x="5226007" y="5846252"/>
+            <a:ext cx="4227439" cy="307777"/>
+          </a:xfrm>
+          <a:prstGeom prst="rect">
+            <a:avLst/>
+          </a:prstGeom>
+          <a:noFill/>
+        </p:spPr>
+        <p:txBody>
+          <a:bodyPr wrap="none" rtlCol="0">
+            <a:spAutoFit/>
+          </a:bodyPr>
+          <a:lstStyle/>
+          <a:p>
+            <a:r>
+              <a:rPr lang="de-CH" sz="1400" dirty="0" err="1" smtClean="0"/>
+              <a:t>Anomaly</a:t>
+            </a:r>
+            <a:r>
+              <a:rPr lang="de-CH" sz="1400" dirty="0" smtClean="0"/>
+              <a:t> </a:t>
+            </a:r>
+            <a:r>
+              <a:rPr lang="de-CH" sz="1400" dirty="0" err="1" smtClean="0"/>
+              <a:t>detection</a:t>
+            </a:r>
+            <a:r>
+              <a:rPr lang="de-CH" sz="1400" dirty="0" smtClean="0"/>
+              <a:t> mit Algorithmus von Twitter</a:t>
+            </a:r>
+            <a:endParaRPr lang="de-CH" sz="1400" dirty="0"/>
+          </a:p>
+        </p:txBody>
+      </p:sp>
     </p:spTree>
     <p:extLst>
       <p:ext uri="{BB962C8B-B14F-4D97-AF65-F5344CB8AC3E}">
@@ -28091,6 +28450,84 @@
           </a:p>
         </p:txBody>
       </p:sp>
+      <p:pic>
+        <p:nvPicPr>
+          <p:cNvPr id="3" name="Picture 2"/>
+          <p:cNvPicPr>
+            <a:picLocks noChangeAspect="1"/>
+          </p:cNvPicPr>
+          <p:nvPr/>
+        </p:nvPicPr>
+        <p:blipFill>
+          <a:blip r:embed="rId2"/>
+          <a:stretch>
+            <a:fillRect/>
+          </a:stretch>
+        </p:blipFill>
+        <p:spPr>
+          <a:xfrm>
+            <a:off x="5232063" y="1543467"/>
+            <a:ext cx="5383378" cy="3993788"/>
+          </a:xfrm>
+          <a:prstGeom prst="rect">
+            <a:avLst/>
+          </a:prstGeom>
+        </p:spPr>
+      </p:pic>
+      <p:sp>
+        <p:nvSpPr>
+          <p:cNvPr id="7" name="TextBox 6"/>
+          <p:cNvSpPr txBox="1"/>
+          <p:nvPr/>
+        </p:nvSpPr>
+        <p:spPr>
+          <a:xfrm>
+            <a:off x="5156200" y="5680181"/>
+            <a:ext cx="4265911" cy="307777"/>
+          </a:xfrm>
+          <a:prstGeom prst="rect">
+            <a:avLst/>
+          </a:prstGeom>
+          <a:noFill/>
+        </p:spPr>
+        <p:txBody>
+          <a:bodyPr wrap="none" rtlCol="0">
+            <a:spAutoFit/>
+          </a:bodyPr>
+          <a:lstStyle/>
+          <a:p>
+            <a:r>
+              <a:rPr lang="de-CH" sz="1400" dirty="0" smtClean="0"/>
+              <a:t>State-Action </a:t>
+            </a:r>
+            <a:r>
+              <a:rPr lang="de-CH" sz="1400" dirty="0" err="1" smtClean="0"/>
+              <a:t>function</a:t>
+            </a:r>
+            <a:r>
+              <a:rPr lang="de-CH" sz="1400" dirty="0" smtClean="0"/>
+              <a:t> Q aus Tic-</a:t>
+            </a:r>
+            <a:r>
+              <a:rPr lang="de-CH" sz="1400" dirty="0" err="1" smtClean="0"/>
+              <a:t>Tac</a:t>
+            </a:r>
+            <a:r>
+              <a:rPr lang="de-CH" sz="1400" dirty="0" smtClean="0"/>
+              <a:t>-</a:t>
+            </a:r>
+            <a:r>
+              <a:rPr lang="de-CH" sz="1400" dirty="0" err="1" smtClean="0"/>
+              <a:t>Toe</a:t>
+            </a:r>
+            <a:r>
+              <a:rPr lang="de-CH" sz="1400" dirty="0" smtClean="0"/>
+              <a:t>-Beispiel</a:t>
+            </a:r>
+            <a:endParaRPr lang="de-CH" sz="1400" dirty="0"/>
+          </a:p>
+        </p:txBody>
+      </p:sp>
     </p:spTree>
     <p:extLst>
       <p:ext uri="{BB962C8B-B14F-4D97-AF65-F5344CB8AC3E}">
@@ -28376,6 +28813,282 @@
   <p:clrMapOvr>
     <a:masterClrMapping/>
   </p:clrMapOvr>
+  <p:timing>
+    <p:tnLst>
+      <p:par>
+        <p:cTn id="1" dur="indefinite" restart="never" nodeType="tmRoot"/>
+      </p:par>
+    </p:tnLst>
+  </p:timing>
+</p:sld>
+</file>
+
+<file path=ppt/slides/slide44.xml><?xml version="1.0" encoding="utf-8"?>
+<p:sld xmlns:a="http://schemas.openxmlformats.org/drawingml/2006/main" xmlns:r="http://schemas.openxmlformats.org/officeDocument/2006/relationships" xmlns:p="http://schemas.openxmlformats.org/presentationml/2006/main">
+  <p:cSld>
+    <p:spTree>
+      <p:nvGrpSpPr>
+        <p:cNvPr id="1" name=""/>
+        <p:cNvGrpSpPr/>
+        <p:nvPr/>
+      </p:nvGrpSpPr>
+      <p:grpSpPr>
+        <a:xfrm>
+          <a:off x="0" y="0"/>
+          <a:ext cx="0" cy="0"/>
+          <a:chOff x="0" y="0"/>
+          <a:chExt cx="0" cy="0"/>
+        </a:xfrm>
+      </p:grpSpPr>
+      <p:sp>
+        <p:nvSpPr>
+          <p:cNvPr id="3" name="Title 2"/>
+          <p:cNvSpPr>
+            <a:spLocks noGrp="1"/>
+          </p:cNvSpPr>
+          <p:nvPr>
+            <p:ph type="title"/>
+          </p:nvPr>
+        </p:nvSpPr>
+        <p:spPr/>
+        <p:txBody>
+          <a:bodyPr/>
+          <a:lstStyle/>
+          <a:p>
+            <a:endParaRPr lang="de-CH"/>
+          </a:p>
+        </p:txBody>
+      </p:sp>
+      <p:sp>
+        <p:nvSpPr>
+          <p:cNvPr id="5" name="Text Placeholder 4"/>
+          <p:cNvSpPr>
+            <a:spLocks noGrp="1"/>
+          </p:cNvSpPr>
+          <p:nvPr>
+            <p:ph type="body" idx="1"/>
+          </p:nvPr>
+        </p:nvSpPr>
+        <p:spPr/>
+        <p:txBody>
+          <a:bodyPr/>
+          <a:lstStyle/>
+          <a:p>
+            <a:endParaRPr lang="de-CH"/>
+          </a:p>
+        </p:txBody>
+      </p:sp>
+      <p:pic>
+        <p:nvPicPr>
+          <p:cNvPr id="6" name="Picture 5"/>
+          <p:cNvPicPr>
+            <a:picLocks noChangeAspect="1"/>
+          </p:cNvPicPr>
+          <p:nvPr/>
+        </p:nvPicPr>
+        <p:blipFill>
+          <a:blip r:embed="rId3">
+            <a:extLst>
+              <a:ext uri="{28A0092B-C50C-407E-A947-70E740481C1C}">
+                <a14:useLocalDpi xmlns:a14="http://schemas.microsoft.com/office/drawing/2010/main" val="0"/>
+              </a:ext>
+            </a:extLst>
+          </a:blip>
+          <a:stretch>
+            <a:fillRect/>
+          </a:stretch>
+        </p:blipFill>
+        <p:spPr>
+          <a:xfrm>
+            <a:off x="2785402" y="1975338"/>
+            <a:ext cx="6621197" cy="2907325"/>
+          </a:xfrm>
+          <a:prstGeom prst="rect">
+            <a:avLst/>
+          </a:prstGeom>
+        </p:spPr>
+      </p:pic>
+    </p:spTree>
+    <p:extLst>
+      <p:ext uri="{BB962C8B-B14F-4D97-AF65-F5344CB8AC3E}">
+        <p14:creationId xmlns:p14="http://schemas.microsoft.com/office/powerpoint/2010/main" val="2093611516"/>
+      </p:ext>
+    </p:extLst>
+  </p:cSld>
+  <p:clrMapOvr>
+    <a:masterClrMapping/>
+  </p:clrMapOvr>
+  <p:timing>
+    <p:tnLst>
+      <p:par>
+        <p:cTn id="1" dur="indefinite" restart="never" nodeType="tmRoot"/>
+      </p:par>
+    </p:tnLst>
+  </p:timing>
+</p:sld>
+</file>
+
+<file path=ppt/slides/slide45.xml><?xml version="1.0" encoding="utf-8"?>
+<p:sld xmlns:a="http://schemas.openxmlformats.org/drawingml/2006/main" xmlns:r="http://schemas.openxmlformats.org/officeDocument/2006/relationships" xmlns:p="http://schemas.openxmlformats.org/presentationml/2006/main">
+  <p:cSld>
+    <p:spTree>
+      <p:nvGrpSpPr>
+        <p:cNvPr id="1" name=""/>
+        <p:cNvGrpSpPr/>
+        <p:nvPr/>
+      </p:nvGrpSpPr>
+      <p:grpSpPr>
+        <a:xfrm>
+          <a:off x="0" y="0"/>
+          <a:ext cx="0" cy="0"/>
+          <a:chOff x="0" y="0"/>
+          <a:chExt cx="0" cy="0"/>
+        </a:xfrm>
+      </p:grpSpPr>
+      <p:pic>
+        <p:nvPicPr>
+          <p:cNvPr id="1026" name="Picture 2" descr="Bildergebnis für matrix pill"/>
+          <p:cNvPicPr>
+            <a:picLocks noChangeAspect="1" noChangeArrowheads="1"/>
+          </p:cNvPicPr>
+          <p:nvPr/>
+        </p:nvPicPr>
+        <p:blipFill>
+          <a:blip r:embed="rId3">
+            <a:extLst>
+              <a:ext uri="{28A0092B-C50C-407E-A947-70E740481C1C}">
+                <a14:useLocalDpi xmlns:a14="http://schemas.microsoft.com/office/drawing/2010/main" val="0"/>
+              </a:ext>
+            </a:extLst>
+          </a:blip>
+          <a:srcRect/>
+          <a:stretch>
+            <a:fillRect/>
+          </a:stretch>
+        </p:blipFill>
+        <p:spPr bwMode="auto">
+          <a:xfrm>
+            <a:off x="1" y="0"/>
+            <a:ext cx="12192000" cy="6858000"/>
+          </a:xfrm>
+          <a:prstGeom prst="rect">
+            <a:avLst/>
+          </a:prstGeom>
+          <a:noFill/>
+          <a:extLst>
+            <a:ext uri="{909E8E84-426E-40DD-AFC4-6F175D3DCCD1}">
+              <a14:hiddenFill xmlns:a14="http://schemas.microsoft.com/office/drawing/2010/main">
+                <a:solidFill>
+                  <a:srgbClr val="FFFFFF"/>
+                </a:solidFill>
+              </a14:hiddenFill>
+            </a:ext>
+          </a:extLst>
+        </p:spPr>
+      </p:pic>
+      <p:sp>
+        <p:nvSpPr>
+          <p:cNvPr id="3" name="Title 2"/>
+          <p:cNvSpPr>
+            <a:spLocks noGrp="1"/>
+          </p:cNvSpPr>
+          <p:nvPr>
+            <p:ph type="title"/>
+          </p:nvPr>
+        </p:nvSpPr>
+        <p:spPr>
+          <a:xfrm>
+            <a:off x="1141411" y="1776509"/>
+            <a:ext cx="9906000" cy="2852737"/>
+          </a:xfrm>
+        </p:spPr>
+        <p:txBody>
+          <a:bodyPr/>
+          <a:lstStyle/>
+          <a:p>
+            <a:pPr algn="ctr"/>
+            <a:r>
+              <a:rPr lang="en-US" i="1" dirty="0"/>
+              <a:t>“</a:t>
+            </a:r>
+            <a:r>
+              <a:rPr lang="en-US" i="1" dirty="0" smtClean="0"/>
+              <a:t>I </a:t>
+            </a:r>
+            <a:r>
+              <a:rPr lang="en-US" i="1" dirty="0"/>
+              <a:t>can only show you the door. You're the one that has to walk through it</a:t>
+            </a:r>
+            <a:r>
+              <a:rPr lang="en-US" i="1" dirty="0" smtClean="0"/>
+              <a:t>.“ </a:t>
+            </a:r>
+            <a:br>
+              <a:rPr lang="en-US" i="1" dirty="0" smtClean="0"/>
+            </a:br>
+            <a:r>
+              <a:rPr lang="en-US" i="1" dirty="0" smtClean="0"/>
+              <a:t/>
+            </a:r>
+            <a:br>
+              <a:rPr lang="en-US" i="1" dirty="0" smtClean="0"/>
+            </a:br>
+            <a:r>
+              <a:rPr lang="en-US" sz="1800" i="1" dirty="0" smtClean="0"/>
+              <a:t>(The Matrix, Wachowski Brothers)</a:t>
+            </a:r>
+            <a:r>
+              <a:rPr lang="en-US" sz="1800" dirty="0"/>
+              <a:t/>
+            </a:r>
+            <a:br>
+              <a:rPr lang="en-US" sz="1800" dirty="0"/>
+            </a:br>
+            <a:endParaRPr lang="de-CH" dirty="0"/>
+          </a:p>
+        </p:txBody>
+      </p:sp>
+      <p:sp>
+        <p:nvSpPr>
+          <p:cNvPr id="5" name="Text Placeholder 4"/>
+          <p:cNvSpPr>
+            <a:spLocks noGrp="1"/>
+          </p:cNvSpPr>
+          <p:nvPr>
+            <p:ph type="body" idx="1"/>
+          </p:nvPr>
+        </p:nvSpPr>
+        <p:spPr/>
+        <p:txBody>
+          <a:bodyPr/>
+          <a:lstStyle/>
+          <a:p>
+            <a:endParaRPr lang="de-CH"/>
+          </a:p>
+        </p:txBody>
+      </p:sp>
+    </p:spTree>
+    <p:extLst>
+      <p:ext uri="{BB962C8B-B14F-4D97-AF65-F5344CB8AC3E}">
+        <p14:creationId xmlns:p14="http://schemas.microsoft.com/office/powerpoint/2010/main" val="2741503769"/>
+      </p:ext>
+    </p:extLst>
+  </p:cSld>
+  <p:clrMapOvr>
+    <a:masterClrMapping/>
+  </p:clrMapOvr>
+  <mc:AlternateContent xmlns:mc="http://schemas.openxmlformats.org/markup-compatibility/2006">
+    <mc:Choice xmlns:p14="http://schemas.microsoft.com/office/powerpoint/2010/main" Requires="p14">
+      <p:transition spd="slow" p14:dur="1200">
+        <p:dissolve/>
+      </p:transition>
+    </mc:Choice>
+    <mc:Fallback>
+      <p:transition spd="slow">
+        <p:dissolve/>
+      </p:transition>
+    </mc:Fallback>
+  </mc:AlternateContent>
   <p:timing>
     <p:tnLst>
       <p:par>

--- a/presentation.pptx
+++ b/presentation.pptx
@@ -4356,6 +4356,33 @@
               <a:rPr lang="de-CH" dirty="0" smtClean="0"/>
               <a:t> </a:t>
             </a:r>
+            <a:endParaRPr lang="de-CH" dirty="0" smtClean="0"/>
+          </a:p>
+          <a:p>
+            <a:r>
+              <a:rPr lang="de-CH" dirty="0" smtClean="0"/>
+              <a:t>ML</a:t>
+            </a:r>
+            <a:r>
+              <a:rPr lang="de-CH" baseline="0" dirty="0" smtClean="0"/>
+              <a:t> ist das </a:t>
+            </a:r>
+            <a:r>
+              <a:rPr lang="de-CH" baseline="0" dirty="0" err="1" smtClean="0"/>
+              <a:t>NoSQL</a:t>
+            </a:r>
+            <a:r>
+              <a:rPr lang="de-CH" baseline="0" dirty="0" smtClean="0"/>
+              <a:t> </a:t>
+            </a:r>
+            <a:r>
+              <a:rPr lang="de-CH" baseline="0" dirty="0" err="1" smtClean="0"/>
+              <a:t>for</a:t>
+            </a:r>
+            <a:r>
+              <a:rPr lang="de-CH" baseline="0" smtClean="0"/>
+              <a:t> Big Data</a:t>
+            </a:r>
             <a:endParaRPr lang="de-CH" dirty="0"/>
           </a:p>
         </p:txBody>
@@ -4596,7 +4623,7 @@
           <a:noFill/>
           <a:extLst>
             <a:ext uri="{909E8E84-426E-40dd-AFC4-6F175D3DCCD1}">
-              <a14:hiddenFill xmlns="" xmlns:a14="http://schemas.microsoft.com/office/drawing/2010/main">
+              <a14:hiddenFill xmlns:a14="http://schemas.microsoft.com/office/drawing/2010/main" xmlns="">
                 <a:solidFill>
                   <a:srgbClr val="FFFFFF"/>
                 </a:solidFill>
@@ -4655,7 +4682,7 @@
             </a:ln>
             <a:extLst>
               <a:ext uri="{91240B29-F687-4f45-9708-019B960494DF}">
-                <a14:hiddenLine xmlns="" xmlns:a14="http://schemas.microsoft.com/office/drawing/2010/main" w="9525">
+                <a14:hiddenLine xmlns:a14="http://schemas.microsoft.com/office/drawing/2010/main" xmlns="" w="9525">
                   <a:solidFill>
                     <a:srgbClr val="000000"/>
                   </a:solidFill>
@@ -4745,7 +4772,7 @@
             </a:ln>
             <a:extLst>
               <a:ext uri="{91240B29-F687-4f45-9708-019B960494DF}">
-                <a14:hiddenLine xmlns="" xmlns:a14="http://schemas.microsoft.com/office/drawing/2010/main" w="9525">
+                <a14:hiddenLine xmlns:a14="http://schemas.microsoft.com/office/drawing/2010/main" xmlns="" w="9525">
                   <a:solidFill>
                     <a:srgbClr val="000000"/>
                   </a:solidFill>
@@ -4835,7 +4862,7 @@
             </a:ln>
             <a:extLst>
               <a:ext uri="{91240B29-F687-4f45-9708-019B960494DF}">
-                <a14:hiddenLine xmlns="" xmlns:a14="http://schemas.microsoft.com/office/drawing/2010/main" w="9525">
+                <a14:hiddenLine xmlns:a14="http://schemas.microsoft.com/office/drawing/2010/main" xmlns="" w="9525">
                   <a:solidFill>
                     <a:srgbClr val="000000"/>
                   </a:solidFill>
@@ -4869,7 +4896,7 @@
             </a:ln>
             <a:extLst>
               <a:ext uri="{91240B29-F687-4f45-9708-019B960494DF}">
-                <a14:hiddenLine xmlns="" xmlns:a14="http://schemas.microsoft.com/office/drawing/2010/main" w="9525">
+                <a14:hiddenLine xmlns:a14="http://schemas.microsoft.com/office/drawing/2010/main" xmlns="" w="9525">
                   <a:solidFill>
                     <a:srgbClr val="000000"/>
                   </a:solidFill>
@@ -4959,7 +4986,7 @@
             </a:ln>
             <a:extLst>
               <a:ext uri="{91240B29-F687-4f45-9708-019B960494DF}">
-                <a14:hiddenLine xmlns="" xmlns:a14="http://schemas.microsoft.com/office/drawing/2010/main" w="9525">
+                <a14:hiddenLine xmlns:a14="http://schemas.microsoft.com/office/drawing/2010/main" xmlns="" w="9525">
                   <a:solidFill>
                     <a:srgbClr val="000000"/>
                   </a:solidFill>
@@ -5021,7 +5048,7 @@
             </a:ln>
             <a:extLst>
               <a:ext uri="{91240B29-F687-4f45-9708-019B960494DF}">
-                <a14:hiddenLine xmlns="" xmlns:a14="http://schemas.microsoft.com/office/drawing/2010/main" w="9525">
+                <a14:hiddenLine xmlns:a14="http://schemas.microsoft.com/office/drawing/2010/main" xmlns="" w="9525">
                   <a:solidFill>
                     <a:srgbClr val="000000"/>
                   </a:solidFill>
@@ -5083,7 +5110,7 @@
             </a:ln>
             <a:extLst>
               <a:ext uri="{91240B29-F687-4f45-9708-019B960494DF}">
-                <a14:hiddenLine xmlns="" xmlns:a14="http://schemas.microsoft.com/office/drawing/2010/main" w="9525">
+                <a14:hiddenLine xmlns:a14="http://schemas.microsoft.com/office/drawing/2010/main" xmlns="" w="9525">
                   <a:solidFill>
                     <a:srgbClr val="000000"/>
                   </a:solidFill>
@@ -5173,7 +5200,7 @@
             </a:ln>
             <a:extLst>
               <a:ext uri="{91240B29-F687-4f45-9708-019B960494DF}">
-                <a14:hiddenLine xmlns="" xmlns:a14="http://schemas.microsoft.com/office/drawing/2010/main" w="9525">
+                <a14:hiddenLine xmlns:a14="http://schemas.microsoft.com/office/drawing/2010/main" xmlns="" w="9525">
                   <a:solidFill>
                     <a:srgbClr val="000000"/>
                   </a:solidFill>
@@ -5235,7 +5262,7 @@
             </a:ln>
             <a:extLst>
               <a:ext uri="{91240B29-F687-4f45-9708-019B960494DF}">
-                <a14:hiddenLine xmlns="" xmlns:a14="http://schemas.microsoft.com/office/drawing/2010/main" w="9525">
+                <a14:hiddenLine xmlns:a14="http://schemas.microsoft.com/office/drawing/2010/main" xmlns="" w="9525">
                   <a:solidFill>
                     <a:srgbClr val="000000"/>
                   </a:solidFill>
@@ -5297,7 +5324,7 @@
             </a:ln>
             <a:extLst>
               <a:ext uri="{91240B29-F687-4f45-9708-019B960494DF}">
-                <a14:hiddenLine xmlns="" xmlns:a14="http://schemas.microsoft.com/office/drawing/2010/main" w="9525">
+                <a14:hiddenLine xmlns:a14="http://schemas.microsoft.com/office/drawing/2010/main" xmlns="" w="9525">
                   <a:solidFill>
                     <a:srgbClr val="000000"/>
                   </a:solidFill>
@@ -5387,7 +5414,7 @@
             </a:ln>
             <a:extLst>
               <a:ext uri="{91240B29-F687-4f45-9708-019B960494DF}">
-                <a14:hiddenLine xmlns="" xmlns:a14="http://schemas.microsoft.com/office/drawing/2010/main" w="9525">
+                <a14:hiddenLine xmlns:a14="http://schemas.microsoft.com/office/drawing/2010/main" xmlns="" w="9525">
                   <a:solidFill>
                     <a:srgbClr val="000000"/>
                   </a:solidFill>
@@ -5477,7 +5504,7 @@
             </a:ln>
             <a:extLst>
               <a:ext uri="{91240B29-F687-4f45-9708-019B960494DF}">
-                <a14:hiddenLine xmlns="" xmlns:a14="http://schemas.microsoft.com/office/drawing/2010/main" w="9525">
+                <a14:hiddenLine xmlns:a14="http://schemas.microsoft.com/office/drawing/2010/main" xmlns="" w="9525">
                   <a:solidFill>
                     <a:srgbClr val="000000"/>
                   </a:solidFill>
@@ -5539,7 +5566,7 @@
             </a:ln>
             <a:extLst>
               <a:ext uri="{91240B29-F687-4f45-9708-019B960494DF}">
-                <a14:hiddenLine xmlns="" xmlns:a14="http://schemas.microsoft.com/office/drawing/2010/main" w="9525">
+                <a14:hiddenLine xmlns:a14="http://schemas.microsoft.com/office/drawing/2010/main" xmlns="" w="9525">
                   <a:solidFill>
                     <a:srgbClr val="000000"/>
                   </a:solidFill>
@@ -5649,7 +5676,7 @@
             </a:ln>
             <a:extLst>
               <a:ext uri="{91240B29-F687-4f45-9708-019B960494DF}">
-                <a14:hiddenLine xmlns="" xmlns:a14="http://schemas.microsoft.com/office/drawing/2010/main" w="9525">
+                <a14:hiddenLine xmlns:a14="http://schemas.microsoft.com/office/drawing/2010/main" xmlns="" w="9525">
                   <a:solidFill>
                     <a:srgbClr val="000000"/>
                   </a:solidFill>
@@ -5711,7 +5738,7 @@
             </a:ln>
             <a:extLst>
               <a:ext uri="{91240B29-F687-4f45-9708-019B960494DF}">
-                <a14:hiddenLine xmlns="" xmlns:a14="http://schemas.microsoft.com/office/drawing/2010/main" w="9525">
+                <a14:hiddenLine xmlns:a14="http://schemas.microsoft.com/office/drawing/2010/main" xmlns="" w="9525">
                   <a:solidFill>
                     <a:srgbClr val="000000"/>
                   </a:solidFill>
@@ -5801,7 +5828,7 @@
             </a:ln>
             <a:extLst>
               <a:ext uri="{91240B29-F687-4f45-9708-019B960494DF}">
-                <a14:hiddenLine xmlns="" xmlns:a14="http://schemas.microsoft.com/office/drawing/2010/main" w="9525">
+                <a14:hiddenLine xmlns:a14="http://schemas.microsoft.com/office/drawing/2010/main" xmlns="" w="9525">
                   <a:solidFill>
                     <a:srgbClr val="000000"/>
                   </a:solidFill>
@@ -5891,7 +5918,7 @@
             </a:ln>
             <a:extLst>
               <a:ext uri="{91240B29-F687-4f45-9708-019B960494DF}">
-                <a14:hiddenLine xmlns="" xmlns:a14="http://schemas.microsoft.com/office/drawing/2010/main" w="9525">
+                <a14:hiddenLine xmlns:a14="http://schemas.microsoft.com/office/drawing/2010/main" xmlns="" w="9525">
                   <a:solidFill>
                     <a:srgbClr val="000000"/>
                   </a:solidFill>
@@ -5953,7 +5980,7 @@
             </a:ln>
             <a:extLst>
               <a:ext uri="{91240B29-F687-4f45-9708-019B960494DF}">
-                <a14:hiddenLine xmlns="" xmlns:a14="http://schemas.microsoft.com/office/drawing/2010/main" w="9525">
+                <a14:hiddenLine xmlns:a14="http://schemas.microsoft.com/office/drawing/2010/main" xmlns="" w="9525">
                   <a:solidFill>
                     <a:srgbClr val="000000"/>
                   </a:solidFill>
@@ -6043,7 +6070,7 @@
             </a:ln>
             <a:extLst>
               <a:ext uri="{91240B29-F687-4f45-9708-019B960494DF}">
-                <a14:hiddenLine xmlns="" xmlns:a14="http://schemas.microsoft.com/office/drawing/2010/main" w="9525">
+                <a14:hiddenLine xmlns:a14="http://schemas.microsoft.com/office/drawing/2010/main" xmlns="" w="9525">
                   <a:solidFill>
                     <a:srgbClr val="000000"/>
                   </a:solidFill>
@@ -6133,7 +6160,7 @@
             </a:ln>
             <a:extLst>
               <a:ext uri="{91240B29-F687-4f45-9708-019B960494DF}">
-                <a14:hiddenLine xmlns="" xmlns:a14="http://schemas.microsoft.com/office/drawing/2010/main" w="9525">
+                <a14:hiddenLine xmlns:a14="http://schemas.microsoft.com/office/drawing/2010/main" xmlns="" w="9525">
                   <a:solidFill>
                     <a:srgbClr val="000000"/>
                   </a:solidFill>
@@ -6189,7 +6216,7 @@
             </a:ln>
             <a:extLst>
               <a:ext uri="{91240B29-F687-4f45-9708-019B960494DF}">
-                <a14:hiddenLine xmlns="" xmlns:a14="http://schemas.microsoft.com/office/drawing/2010/main" w="9525">
+                <a14:hiddenLine xmlns:a14="http://schemas.microsoft.com/office/drawing/2010/main" xmlns="" w="9525">
                   <a:solidFill>
                     <a:srgbClr val="000000"/>
                   </a:solidFill>
@@ -6279,7 +6306,7 @@
             </a:ln>
             <a:extLst>
               <a:ext uri="{91240B29-F687-4f45-9708-019B960494DF}">
-                <a14:hiddenLine xmlns="" xmlns:a14="http://schemas.microsoft.com/office/drawing/2010/main" w="9525">
+                <a14:hiddenLine xmlns:a14="http://schemas.microsoft.com/office/drawing/2010/main" xmlns="" w="9525">
                   <a:solidFill>
                     <a:srgbClr val="000000"/>
                   </a:solidFill>
@@ -6335,7 +6362,7 @@
             </a:ln>
             <a:extLst>
               <a:ext uri="{91240B29-F687-4f45-9708-019B960494DF}">
-                <a14:hiddenLine xmlns="" xmlns:a14="http://schemas.microsoft.com/office/drawing/2010/main" w="9525">
+                <a14:hiddenLine xmlns:a14="http://schemas.microsoft.com/office/drawing/2010/main" xmlns="" w="9525">
                   <a:solidFill>
                     <a:srgbClr val="000000"/>
                   </a:solidFill>
@@ -6425,7 +6452,7 @@
             </a:ln>
             <a:extLst>
               <a:ext uri="{91240B29-F687-4f45-9708-019B960494DF}">
-                <a14:hiddenLine xmlns="" xmlns:a14="http://schemas.microsoft.com/office/drawing/2010/main" w="9525">
+                <a14:hiddenLine xmlns:a14="http://schemas.microsoft.com/office/drawing/2010/main" xmlns="" w="9525">
                   <a:solidFill>
                     <a:srgbClr val="000000"/>
                   </a:solidFill>
@@ -6493,7 +6520,7 @@
             </a:ln>
             <a:extLst>
               <a:ext uri="{91240B29-F687-4f45-9708-019B960494DF}">
-                <a14:hiddenLine xmlns="" xmlns:a14="http://schemas.microsoft.com/office/drawing/2010/main" w="9525">
+                <a14:hiddenLine xmlns:a14="http://schemas.microsoft.com/office/drawing/2010/main" xmlns="" w="9525">
                   <a:solidFill>
                     <a:srgbClr val="000000"/>
                   </a:solidFill>
@@ -6583,7 +6610,7 @@
             </a:ln>
             <a:extLst>
               <a:ext uri="{91240B29-F687-4f45-9708-019B960494DF}">
-                <a14:hiddenLine xmlns="" xmlns:a14="http://schemas.microsoft.com/office/drawing/2010/main" w="9525">
+                <a14:hiddenLine xmlns:a14="http://schemas.microsoft.com/office/drawing/2010/main" xmlns="" w="9525">
                   <a:solidFill>
                     <a:srgbClr val="000000"/>
                   </a:solidFill>
@@ -6651,7 +6678,7 @@
             </a:ln>
             <a:extLst>
               <a:ext uri="{91240B29-F687-4f45-9708-019B960494DF}">
-                <a14:hiddenLine xmlns="" xmlns:a14="http://schemas.microsoft.com/office/drawing/2010/main" w="9525">
+                <a14:hiddenLine xmlns:a14="http://schemas.microsoft.com/office/drawing/2010/main" xmlns="" w="9525">
                   <a:solidFill>
                     <a:srgbClr val="000000"/>
                   </a:solidFill>
@@ -6741,7 +6768,7 @@
             </a:ln>
             <a:extLst>
               <a:ext uri="{91240B29-F687-4f45-9708-019B960494DF}">
-                <a14:hiddenLine xmlns="" xmlns:a14="http://schemas.microsoft.com/office/drawing/2010/main" w="9525">
+                <a14:hiddenLine xmlns:a14="http://schemas.microsoft.com/office/drawing/2010/main" xmlns="" w="9525">
                   <a:solidFill>
                     <a:srgbClr val="000000"/>
                   </a:solidFill>
@@ -6775,7 +6802,7 @@
             </a:ln>
             <a:extLst>
               <a:ext uri="{91240B29-F687-4f45-9708-019B960494DF}">
-                <a14:hiddenLine xmlns="" xmlns:a14="http://schemas.microsoft.com/office/drawing/2010/main" w="9525">
+                <a14:hiddenLine xmlns:a14="http://schemas.microsoft.com/office/drawing/2010/main" xmlns="" w="9525">
                   <a:solidFill>
                     <a:srgbClr val="000000"/>
                   </a:solidFill>
@@ -6865,7 +6892,7 @@
             </a:ln>
             <a:extLst>
               <a:ext uri="{91240B29-F687-4f45-9708-019B960494DF}">
-                <a14:hiddenLine xmlns="" xmlns:a14="http://schemas.microsoft.com/office/drawing/2010/main" w="9525">
+                <a14:hiddenLine xmlns:a14="http://schemas.microsoft.com/office/drawing/2010/main" xmlns="" w="9525">
                   <a:solidFill>
                     <a:srgbClr val="000000"/>
                   </a:solidFill>
@@ -6927,7 +6954,7 @@
             </a:ln>
             <a:extLst>
               <a:ext uri="{91240B29-F687-4f45-9708-019B960494DF}">
-                <a14:hiddenLine xmlns="" xmlns:a14="http://schemas.microsoft.com/office/drawing/2010/main" w="9525">
+                <a14:hiddenLine xmlns:a14="http://schemas.microsoft.com/office/drawing/2010/main" xmlns="" w="9525">
                   <a:solidFill>
                     <a:srgbClr val="000000"/>
                   </a:solidFill>
@@ -6989,7 +7016,7 @@
             </a:ln>
             <a:extLst>
               <a:ext uri="{91240B29-F687-4f45-9708-019B960494DF}">
-                <a14:hiddenLine xmlns="" xmlns:a14="http://schemas.microsoft.com/office/drawing/2010/main" w="9525">
+                <a14:hiddenLine xmlns:a14="http://schemas.microsoft.com/office/drawing/2010/main" xmlns="" w="9525">
                   <a:solidFill>
                     <a:srgbClr val="000000"/>
                   </a:solidFill>
@@ -7079,7 +7106,7 @@
             </a:ln>
             <a:extLst>
               <a:ext uri="{91240B29-F687-4f45-9708-019B960494DF}">
-                <a14:hiddenLine xmlns="" xmlns:a14="http://schemas.microsoft.com/office/drawing/2010/main" w="9525">
+                <a14:hiddenLine xmlns:a14="http://schemas.microsoft.com/office/drawing/2010/main" xmlns="" w="9525">
                   <a:solidFill>
                     <a:srgbClr val="000000"/>
                   </a:solidFill>
@@ -7147,7 +7174,7 @@
             </a:ln>
             <a:extLst>
               <a:ext uri="{91240B29-F687-4f45-9708-019B960494DF}">
-                <a14:hiddenLine xmlns="" xmlns:a14="http://schemas.microsoft.com/office/drawing/2010/main" w="9525">
+                <a14:hiddenLine xmlns:a14="http://schemas.microsoft.com/office/drawing/2010/main" xmlns="" w="9525">
                   <a:solidFill>
                     <a:srgbClr val="000000"/>
                   </a:solidFill>
@@ -7209,7 +7236,7 @@
             </a:ln>
             <a:extLst>
               <a:ext uri="{91240B29-F687-4f45-9708-019B960494DF}">
-                <a14:hiddenLine xmlns="" xmlns:a14="http://schemas.microsoft.com/office/drawing/2010/main" w="9525">
+                <a14:hiddenLine xmlns:a14="http://schemas.microsoft.com/office/drawing/2010/main" xmlns="" w="9525">
                   <a:solidFill>
                     <a:srgbClr val="000000"/>
                   </a:solidFill>
@@ -7299,7 +7326,7 @@
             </a:ln>
             <a:extLst>
               <a:ext uri="{91240B29-F687-4f45-9708-019B960494DF}">
-                <a14:hiddenLine xmlns="" xmlns:a14="http://schemas.microsoft.com/office/drawing/2010/main" w="9525">
+                <a14:hiddenLine xmlns:a14="http://schemas.microsoft.com/office/drawing/2010/main" xmlns="" w="9525">
                   <a:solidFill>
                     <a:srgbClr val="000000"/>
                   </a:solidFill>
@@ -7361,7 +7388,7 @@
             </a:ln>
             <a:extLst>
               <a:ext uri="{91240B29-F687-4f45-9708-019B960494DF}">
-                <a14:hiddenLine xmlns="" xmlns:a14="http://schemas.microsoft.com/office/drawing/2010/main" w="9525">
+                <a14:hiddenLine xmlns:a14="http://schemas.microsoft.com/office/drawing/2010/main" xmlns="" w="9525">
                   <a:solidFill>
                     <a:srgbClr val="000000"/>
                   </a:solidFill>
@@ -7451,7 +7478,7 @@
             </a:ln>
             <a:extLst>
               <a:ext uri="{91240B29-F687-4f45-9708-019B960494DF}">
-                <a14:hiddenLine xmlns="" xmlns:a14="http://schemas.microsoft.com/office/drawing/2010/main" w="9525">
+                <a14:hiddenLine xmlns:a14="http://schemas.microsoft.com/office/drawing/2010/main" xmlns="" w="9525">
                   <a:solidFill>
                     <a:srgbClr val="000000"/>
                   </a:solidFill>
@@ -7513,7 +7540,7 @@
             </a:ln>
             <a:extLst>
               <a:ext uri="{91240B29-F687-4f45-9708-019B960494DF}">
-                <a14:hiddenLine xmlns="" xmlns:a14="http://schemas.microsoft.com/office/drawing/2010/main" w="9525">
+                <a14:hiddenLine xmlns:a14="http://schemas.microsoft.com/office/drawing/2010/main" xmlns="" w="9525">
                   <a:solidFill>
                     <a:srgbClr val="000000"/>
                   </a:solidFill>
@@ -7603,7 +7630,7 @@
             </a:ln>
             <a:extLst>
               <a:ext uri="{91240B29-F687-4f45-9708-019B960494DF}">
-                <a14:hiddenLine xmlns="" xmlns:a14="http://schemas.microsoft.com/office/drawing/2010/main" w="9525">
+                <a14:hiddenLine xmlns:a14="http://schemas.microsoft.com/office/drawing/2010/main" xmlns="" w="9525">
                   <a:solidFill>
                     <a:srgbClr val="000000"/>
                   </a:solidFill>
@@ -7637,7 +7664,7 @@
             </a:ln>
             <a:extLst>
               <a:ext uri="{91240B29-F687-4f45-9708-019B960494DF}">
-                <a14:hiddenLine xmlns="" xmlns:a14="http://schemas.microsoft.com/office/drawing/2010/main" w="9525">
+                <a14:hiddenLine xmlns:a14="http://schemas.microsoft.com/office/drawing/2010/main" xmlns="" w="9525">
                   <a:solidFill>
                     <a:srgbClr val="000000"/>
                   </a:solidFill>
@@ -7702,7 +7729,7 @@
             </a:ln>
             <a:extLst>
               <a:ext uri="{91240B29-F687-4f45-9708-019B960494DF}">
-                <a14:hiddenLine xmlns="" xmlns:a14="http://schemas.microsoft.com/office/drawing/2010/main" w="9525">
+                <a14:hiddenLine xmlns:a14="http://schemas.microsoft.com/office/drawing/2010/main" xmlns="" w="9525">
                   <a:solidFill>
                     <a:srgbClr val="000000"/>
                   </a:solidFill>
@@ -7792,7 +7819,7 @@
             </a:ln>
             <a:extLst>
               <a:ext uri="{91240B29-F687-4f45-9708-019B960494DF}">
-                <a14:hiddenLine xmlns="" xmlns:a14="http://schemas.microsoft.com/office/drawing/2010/main" w="9525">
+                <a14:hiddenLine xmlns:a14="http://schemas.microsoft.com/office/drawing/2010/main" xmlns="" w="9525">
                   <a:solidFill>
                     <a:srgbClr val="000000"/>
                   </a:solidFill>
@@ -7854,7 +7881,7 @@
             </a:ln>
             <a:extLst>
               <a:ext uri="{91240B29-F687-4f45-9708-019B960494DF}">
-                <a14:hiddenLine xmlns="" xmlns:a14="http://schemas.microsoft.com/office/drawing/2010/main" w="9525">
+                <a14:hiddenLine xmlns:a14="http://schemas.microsoft.com/office/drawing/2010/main" xmlns="" w="9525">
                   <a:solidFill>
                     <a:srgbClr val="000000"/>
                   </a:solidFill>
@@ -7944,7 +7971,7 @@
             </a:ln>
             <a:extLst>
               <a:ext uri="{91240B29-F687-4f45-9708-019B960494DF}">
-                <a14:hiddenLine xmlns="" xmlns:a14="http://schemas.microsoft.com/office/drawing/2010/main" w="9525">
+                <a14:hiddenLine xmlns:a14="http://schemas.microsoft.com/office/drawing/2010/main" xmlns="" w="9525">
                   <a:solidFill>
                     <a:srgbClr val="000000"/>
                   </a:solidFill>
@@ -8034,7 +8061,7 @@
             </a:ln>
             <a:extLst>
               <a:ext uri="{91240B29-F687-4f45-9708-019B960494DF}">
-                <a14:hiddenLine xmlns="" xmlns:a14="http://schemas.microsoft.com/office/drawing/2010/main" w="9525">
+                <a14:hiddenLine xmlns:a14="http://schemas.microsoft.com/office/drawing/2010/main" xmlns="" w="9525">
                   <a:solidFill>
                     <a:srgbClr val="000000"/>
                   </a:solidFill>
@@ -8099,7 +8126,7 @@
             </a:ln>
             <a:extLst>
               <a:ext uri="{91240B29-F687-4f45-9708-019B960494DF}">
-                <a14:hiddenLine xmlns="" xmlns:a14="http://schemas.microsoft.com/office/drawing/2010/main" w="9525">
+                <a14:hiddenLine xmlns:a14="http://schemas.microsoft.com/office/drawing/2010/main" xmlns="" w="9525">
                   <a:solidFill>
                     <a:srgbClr val="000000"/>
                   </a:solidFill>
@@ -8161,7 +8188,7 @@
             </a:ln>
             <a:extLst>
               <a:ext uri="{91240B29-F687-4f45-9708-019B960494DF}">
-                <a14:hiddenLine xmlns="" xmlns:a14="http://schemas.microsoft.com/office/drawing/2010/main" w="9525">
+                <a14:hiddenLine xmlns:a14="http://schemas.microsoft.com/office/drawing/2010/main" xmlns="" w="9525">
                   <a:solidFill>
                     <a:srgbClr val="000000"/>
                   </a:solidFill>
@@ -8251,7 +8278,7 @@
             </a:ln>
             <a:extLst>
               <a:ext uri="{91240B29-F687-4f45-9708-019B960494DF}">
-                <a14:hiddenLine xmlns="" xmlns:a14="http://schemas.microsoft.com/office/drawing/2010/main" w="9525">
+                <a14:hiddenLine xmlns:a14="http://schemas.microsoft.com/office/drawing/2010/main" xmlns="" w="9525">
                   <a:solidFill>
                     <a:srgbClr val="000000"/>
                   </a:solidFill>
@@ -8341,7 +8368,7 @@
             </a:ln>
             <a:extLst>
               <a:ext uri="{91240B29-F687-4f45-9708-019B960494DF}">
-                <a14:hiddenLine xmlns="" xmlns:a14="http://schemas.microsoft.com/office/drawing/2010/main" w="9525">
+                <a14:hiddenLine xmlns:a14="http://schemas.microsoft.com/office/drawing/2010/main" xmlns="" w="9525">
                   <a:solidFill>
                     <a:srgbClr val="000000"/>
                   </a:solidFill>
@@ -8403,7 +8430,7 @@
             </a:ln>
             <a:extLst>
               <a:ext uri="{91240B29-F687-4f45-9708-019B960494DF}">
-                <a14:hiddenLine xmlns="" xmlns:a14="http://schemas.microsoft.com/office/drawing/2010/main" w="9525">
+                <a14:hiddenLine xmlns:a14="http://schemas.microsoft.com/office/drawing/2010/main" xmlns="" w="9525">
                   <a:solidFill>
                     <a:srgbClr val="000000"/>
                   </a:solidFill>
@@ -8523,7 +8550,7 @@
             </a:ln>
             <a:extLst>
               <a:ext uri="{91240B29-F687-4f45-9708-019B960494DF}">
-                <a14:hiddenLine xmlns="" xmlns:a14="http://schemas.microsoft.com/office/drawing/2010/main" w="9525">
+                <a14:hiddenLine xmlns:a14="http://schemas.microsoft.com/office/drawing/2010/main" xmlns="" w="9525">
                   <a:solidFill>
                     <a:srgbClr val="000000"/>
                   </a:solidFill>
@@ -8591,7 +8618,7 @@
             </a:ln>
             <a:extLst>
               <a:ext uri="{91240B29-F687-4f45-9708-019B960494DF}">
-                <a14:hiddenLine xmlns="" xmlns:a14="http://schemas.microsoft.com/office/drawing/2010/main" w="9525">
+                <a14:hiddenLine xmlns:a14="http://schemas.microsoft.com/office/drawing/2010/main" xmlns="" w="9525">
                   <a:solidFill>
                     <a:srgbClr val="000000"/>
                   </a:solidFill>
@@ -8681,7 +8708,7 @@
             </a:ln>
             <a:extLst>
               <a:ext uri="{91240B29-F687-4f45-9708-019B960494DF}">
-                <a14:hiddenLine xmlns="" xmlns:a14="http://schemas.microsoft.com/office/drawing/2010/main" w="9525">
+                <a14:hiddenLine xmlns:a14="http://schemas.microsoft.com/office/drawing/2010/main" xmlns="" w="9525">
                   <a:solidFill>
                     <a:srgbClr val="000000"/>
                   </a:solidFill>
@@ -13410,7 +13437,7 @@
           <a:noFill/>
           <a:extLst>
             <a:ext uri="{909E8E84-426E-40dd-AFC4-6F175D3DCCD1}">
-              <a14:hiddenFill xmlns="" xmlns:a14="http://schemas.microsoft.com/office/drawing/2010/main">
+              <a14:hiddenFill xmlns:a14="http://schemas.microsoft.com/office/drawing/2010/main" xmlns="">
                 <a:solidFill>
                   <a:srgbClr val="FFFFFF"/>
                 </a:solidFill>
@@ -13484,7 +13511,7 @@
               </a:ln>
               <a:extLst>
                 <a:ext uri="{91240B29-F687-4f45-9708-019B960494DF}">
-                  <a14:hiddenLine xmlns="" xmlns:a14="http://schemas.microsoft.com/office/drawing/2010/main" w="9525">
+                  <a14:hiddenLine xmlns:a14="http://schemas.microsoft.com/office/drawing/2010/main" xmlns="" w="9525">
                     <a:solidFill>
                       <a:srgbClr val="000000"/>
                     </a:solidFill>
@@ -13574,7 +13601,7 @@
               </a:ln>
               <a:extLst>
                 <a:ext uri="{91240B29-F687-4f45-9708-019B960494DF}">
-                  <a14:hiddenLine xmlns="" xmlns:a14="http://schemas.microsoft.com/office/drawing/2010/main" w="9525">
+                  <a14:hiddenLine xmlns:a14="http://schemas.microsoft.com/office/drawing/2010/main" xmlns="" w="9525">
                     <a:solidFill>
                       <a:srgbClr val="000000"/>
                     </a:solidFill>
@@ -13664,7 +13691,7 @@
               </a:ln>
               <a:extLst>
                 <a:ext uri="{91240B29-F687-4f45-9708-019B960494DF}">
-                  <a14:hiddenLine xmlns="" xmlns:a14="http://schemas.microsoft.com/office/drawing/2010/main" w="9525">
+                  <a14:hiddenLine xmlns:a14="http://schemas.microsoft.com/office/drawing/2010/main" xmlns="" w="9525">
                     <a:solidFill>
                       <a:srgbClr val="000000"/>
                     </a:solidFill>
@@ -13726,7 +13753,7 @@
               </a:ln>
               <a:extLst>
                 <a:ext uri="{91240B29-F687-4f45-9708-019B960494DF}">
-                  <a14:hiddenLine xmlns="" xmlns:a14="http://schemas.microsoft.com/office/drawing/2010/main" w="9525">
+                  <a14:hiddenLine xmlns:a14="http://schemas.microsoft.com/office/drawing/2010/main" xmlns="" w="9525">
                     <a:solidFill>
                       <a:srgbClr val="000000"/>
                     </a:solidFill>
@@ -13816,7 +13843,7 @@
               </a:ln>
               <a:extLst>
                 <a:ext uri="{91240B29-F687-4f45-9708-019B960494DF}">
-                  <a14:hiddenLine xmlns="" xmlns:a14="http://schemas.microsoft.com/office/drawing/2010/main" w="9525">
+                  <a14:hiddenLine xmlns:a14="http://schemas.microsoft.com/office/drawing/2010/main" xmlns="" w="9525">
                     <a:solidFill>
                       <a:srgbClr val="000000"/>
                     </a:solidFill>
@@ -13878,7 +13905,7 @@
               </a:ln>
               <a:extLst>
                 <a:ext uri="{91240B29-F687-4f45-9708-019B960494DF}">
-                  <a14:hiddenLine xmlns="" xmlns:a14="http://schemas.microsoft.com/office/drawing/2010/main" w="9525">
+                  <a14:hiddenLine xmlns:a14="http://schemas.microsoft.com/office/drawing/2010/main" xmlns="" w="9525">
                     <a:solidFill>
                       <a:srgbClr val="000000"/>
                     </a:solidFill>
@@ -13940,7 +13967,7 @@
               </a:ln>
               <a:extLst>
                 <a:ext uri="{91240B29-F687-4f45-9708-019B960494DF}">
-                  <a14:hiddenLine xmlns="" xmlns:a14="http://schemas.microsoft.com/office/drawing/2010/main" w="9525">
+                  <a14:hiddenLine xmlns:a14="http://schemas.microsoft.com/office/drawing/2010/main" xmlns="" w="9525">
                     <a:solidFill>
                       <a:srgbClr val="000000"/>
                     </a:solidFill>
@@ -14030,7 +14057,7 @@
               </a:ln>
               <a:extLst>
                 <a:ext uri="{91240B29-F687-4f45-9708-019B960494DF}">
-                  <a14:hiddenLine xmlns="" xmlns:a14="http://schemas.microsoft.com/office/drawing/2010/main" w="9525">
+                  <a14:hiddenLine xmlns:a14="http://schemas.microsoft.com/office/drawing/2010/main" xmlns="" w="9525">
                     <a:solidFill>
                       <a:srgbClr val="000000"/>
                     </a:solidFill>
@@ -14120,7 +14147,7 @@
               </a:ln>
               <a:extLst>
                 <a:ext uri="{91240B29-F687-4f45-9708-019B960494DF}">
-                  <a14:hiddenLine xmlns="" xmlns:a14="http://schemas.microsoft.com/office/drawing/2010/main" w="9525">
+                  <a14:hiddenLine xmlns:a14="http://schemas.microsoft.com/office/drawing/2010/main" xmlns="" w="9525">
                     <a:solidFill>
                       <a:srgbClr val="000000"/>
                     </a:solidFill>
@@ -14182,7 +14209,7 @@
               </a:ln>
               <a:extLst>
                 <a:ext uri="{91240B29-F687-4f45-9708-019B960494DF}">
-                  <a14:hiddenLine xmlns="" xmlns:a14="http://schemas.microsoft.com/office/drawing/2010/main" w="9525">
+                  <a14:hiddenLine xmlns:a14="http://schemas.microsoft.com/office/drawing/2010/main" xmlns="" w="9525">
                     <a:solidFill>
                       <a:srgbClr val="000000"/>
                     </a:solidFill>
@@ -14292,7 +14319,7 @@
               </a:ln>
               <a:extLst>
                 <a:ext uri="{91240B29-F687-4f45-9708-019B960494DF}">
-                  <a14:hiddenLine xmlns="" xmlns:a14="http://schemas.microsoft.com/office/drawing/2010/main" w="9525">
+                  <a14:hiddenLine xmlns:a14="http://schemas.microsoft.com/office/drawing/2010/main" xmlns="" w="9525">
                     <a:solidFill>
                       <a:srgbClr val="000000"/>
                     </a:solidFill>
@@ -14376,7 +14403,7 @@
               </a:ln>
               <a:extLst>
                 <a:ext uri="{91240B29-F687-4f45-9708-019B960494DF}">
-                  <a14:hiddenLine xmlns="" xmlns:a14="http://schemas.microsoft.com/office/drawing/2010/main" w="9525">
+                  <a14:hiddenLine xmlns:a14="http://schemas.microsoft.com/office/drawing/2010/main" xmlns="" w="9525">
                     <a:solidFill>
                       <a:srgbClr val="000000"/>
                     </a:solidFill>
@@ -14438,7 +14465,7 @@
               </a:ln>
               <a:extLst>
                 <a:ext uri="{91240B29-F687-4f45-9708-019B960494DF}">
-                  <a14:hiddenLine xmlns="" xmlns:a14="http://schemas.microsoft.com/office/drawing/2010/main" w="9525">
+                  <a14:hiddenLine xmlns:a14="http://schemas.microsoft.com/office/drawing/2010/main" xmlns="" w="9525">
                     <a:solidFill>
                       <a:srgbClr val="000000"/>
                     </a:solidFill>
@@ -14500,7 +14527,7 @@
               </a:ln>
               <a:extLst>
                 <a:ext uri="{91240B29-F687-4f45-9708-019B960494DF}">
-                  <a14:hiddenLine xmlns="" xmlns:a14="http://schemas.microsoft.com/office/drawing/2010/main" w="9525">
+                  <a14:hiddenLine xmlns:a14="http://schemas.microsoft.com/office/drawing/2010/main" xmlns="" w="9525">
                     <a:solidFill>
                       <a:srgbClr val="000000"/>
                     </a:solidFill>
@@ -14590,7 +14617,7 @@
               </a:ln>
               <a:extLst>
                 <a:ext uri="{91240B29-F687-4f45-9708-019B960494DF}">
-                  <a14:hiddenLine xmlns="" xmlns:a14="http://schemas.microsoft.com/office/drawing/2010/main" w="9525">
+                  <a14:hiddenLine xmlns:a14="http://schemas.microsoft.com/office/drawing/2010/main" xmlns="" w="9525">
                     <a:solidFill>
                       <a:srgbClr val="000000"/>
                     </a:solidFill>
@@ -14624,7 +14651,7 @@
               </a:ln>
               <a:extLst>
                 <a:ext uri="{91240B29-F687-4f45-9708-019B960494DF}">
-                  <a14:hiddenLine xmlns="" xmlns:a14="http://schemas.microsoft.com/office/drawing/2010/main" w="9525">
+                  <a14:hiddenLine xmlns:a14="http://schemas.microsoft.com/office/drawing/2010/main" xmlns="" w="9525">
                     <a:solidFill>
                       <a:srgbClr val="000000"/>
                     </a:solidFill>
@@ -14689,7 +14716,7 @@
               </a:ln>
               <a:extLst>
                 <a:ext uri="{91240B29-F687-4f45-9708-019B960494DF}">
-                  <a14:hiddenLine xmlns="" xmlns:a14="http://schemas.microsoft.com/office/drawing/2010/main" w="9525">
+                  <a14:hiddenLine xmlns:a14="http://schemas.microsoft.com/office/drawing/2010/main" xmlns="" w="9525">
                     <a:solidFill>
                       <a:srgbClr val="000000"/>
                     </a:solidFill>
@@ -14779,7 +14806,7 @@
               </a:ln>
               <a:extLst>
                 <a:ext uri="{91240B29-F687-4f45-9708-019B960494DF}">
-                  <a14:hiddenLine xmlns="" xmlns:a14="http://schemas.microsoft.com/office/drawing/2010/main" w="9525">
+                  <a14:hiddenLine xmlns:a14="http://schemas.microsoft.com/office/drawing/2010/main" xmlns="" w="9525">
                     <a:solidFill>
                       <a:srgbClr val="000000"/>
                     </a:solidFill>
@@ -14841,7 +14868,7 @@
               </a:ln>
               <a:extLst>
                 <a:ext uri="{91240B29-F687-4f45-9708-019B960494DF}">
-                  <a14:hiddenLine xmlns="" xmlns:a14="http://schemas.microsoft.com/office/drawing/2010/main" w="9525">
+                  <a14:hiddenLine xmlns:a14="http://schemas.microsoft.com/office/drawing/2010/main" xmlns="" w="9525">
                     <a:solidFill>
                       <a:srgbClr val="000000"/>
                     </a:solidFill>
@@ -14931,7 +14958,7 @@
               </a:ln>
               <a:extLst>
                 <a:ext uri="{91240B29-F687-4f45-9708-019B960494DF}">
-                  <a14:hiddenLine xmlns="" xmlns:a14="http://schemas.microsoft.com/office/drawing/2010/main" w="9525">
+                  <a14:hiddenLine xmlns:a14="http://schemas.microsoft.com/office/drawing/2010/main" xmlns="" w="9525">
                     <a:solidFill>
                       <a:srgbClr val="000000"/>
                     </a:solidFill>
@@ -14996,7 +15023,7 @@
               </a:ln>
               <a:extLst>
                 <a:ext uri="{91240B29-F687-4f45-9708-019B960494DF}">
-                  <a14:hiddenLine xmlns="" xmlns:a14="http://schemas.microsoft.com/office/drawing/2010/main" w="9525">
+                  <a14:hiddenLine xmlns:a14="http://schemas.microsoft.com/office/drawing/2010/main" xmlns="" w="9525">
                     <a:solidFill>
                       <a:srgbClr val="000000"/>
                     </a:solidFill>
@@ -15058,7 +15085,7 @@
               </a:ln>
               <a:extLst>
                 <a:ext uri="{91240B29-F687-4f45-9708-019B960494DF}">
-                  <a14:hiddenLine xmlns="" xmlns:a14="http://schemas.microsoft.com/office/drawing/2010/main" w="9525">
+                  <a14:hiddenLine xmlns:a14="http://schemas.microsoft.com/office/drawing/2010/main" xmlns="" w="9525">
                     <a:solidFill>
                       <a:srgbClr val="000000"/>
                     </a:solidFill>
@@ -15148,7 +15175,7 @@
               </a:ln>
               <a:extLst>
                 <a:ext uri="{91240B29-F687-4f45-9708-019B960494DF}">
-                  <a14:hiddenLine xmlns="" xmlns:a14="http://schemas.microsoft.com/office/drawing/2010/main" w="9525">
+                  <a14:hiddenLine xmlns:a14="http://schemas.microsoft.com/office/drawing/2010/main" xmlns="" w="9525">
                     <a:solidFill>
                       <a:srgbClr val="000000"/>
                     </a:solidFill>
@@ -15238,7 +15265,7 @@
               </a:ln>
               <a:extLst>
                 <a:ext uri="{91240B29-F687-4f45-9708-019B960494DF}">
-                  <a14:hiddenLine xmlns="" xmlns:a14="http://schemas.microsoft.com/office/drawing/2010/main" w="9525">
+                  <a14:hiddenLine xmlns:a14="http://schemas.microsoft.com/office/drawing/2010/main" xmlns="" w="9525">
                     <a:solidFill>
                       <a:srgbClr val="000000"/>
                     </a:solidFill>
@@ -15303,7 +15330,7 @@
               </a:ln>
               <a:extLst>
                 <a:ext uri="{91240B29-F687-4f45-9708-019B960494DF}">
-                  <a14:hiddenLine xmlns="" xmlns:a14="http://schemas.microsoft.com/office/drawing/2010/main" w="9525">
+                  <a14:hiddenLine xmlns:a14="http://schemas.microsoft.com/office/drawing/2010/main" xmlns="" w="9525">
                     <a:solidFill>
                       <a:srgbClr val="000000"/>
                     </a:solidFill>
@@ -15423,7 +15450,7 @@
               </a:ln>
               <a:extLst>
                 <a:ext uri="{91240B29-F687-4f45-9708-019B960494DF}">
-                  <a14:hiddenLine xmlns="" xmlns:a14="http://schemas.microsoft.com/office/drawing/2010/main" w="9525">
+                  <a14:hiddenLine xmlns:a14="http://schemas.microsoft.com/office/drawing/2010/main" xmlns="" w="9525">
                     <a:solidFill>
                       <a:srgbClr val="000000"/>
                     </a:solidFill>
@@ -15504,7 +15531,7 @@
               </a:ln>
               <a:extLst>
                 <a:ext uri="{91240B29-F687-4f45-9708-019B960494DF}">
-                  <a14:hiddenLine xmlns="" xmlns:a14="http://schemas.microsoft.com/office/drawing/2010/main" w="9525">
+                  <a14:hiddenLine xmlns:a14="http://schemas.microsoft.com/office/drawing/2010/main" xmlns="" w="9525">
                     <a:solidFill>
                       <a:srgbClr val="000000"/>
                     </a:solidFill>
@@ -15619,7 +15646,7 @@
               </a:ln>
               <a:extLst>
                 <a:ext uri="{91240B29-F687-4f45-9708-019B960494DF}">
-                  <a14:hiddenLine xmlns="" xmlns:a14="http://schemas.microsoft.com/office/drawing/2010/main" w="9525">
+                  <a14:hiddenLine xmlns:a14="http://schemas.microsoft.com/office/drawing/2010/main" xmlns="" w="9525">
                     <a:solidFill>
                       <a:srgbClr val="000000"/>
                     </a:solidFill>
@@ -15709,7 +15736,7 @@
               </a:ln>
               <a:extLst>
                 <a:ext uri="{91240B29-F687-4f45-9708-019B960494DF}">
-                  <a14:hiddenLine xmlns="" xmlns:a14="http://schemas.microsoft.com/office/drawing/2010/main" w="9525">
+                  <a14:hiddenLine xmlns:a14="http://schemas.microsoft.com/office/drawing/2010/main" xmlns="" w="9525">
                     <a:solidFill>
                       <a:srgbClr val="000000"/>
                     </a:solidFill>
@@ -15774,7 +15801,7 @@
               </a:ln>
               <a:extLst>
                 <a:ext uri="{91240B29-F687-4f45-9708-019B960494DF}">
-                  <a14:hiddenLine xmlns="" xmlns:a14="http://schemas.microsoft.com/office/drawing/2010/main" w="9525">
+                  <a14:hiddenLine xmlns:a14="http://schemas.microsoft.com/office/drawing/2010/main" xmlns="" w="9525">
                     <a:solidFill>
                       <a:srgbClr val="000000"/>
                     </a:solidFill>
@@ -15864,7 +15891,7 @@
               </a:ln>
               <a:extLst>
                 <a:ext uri="{91240B29-F687-4f45-9708-019B960494DF}">
-                  <a14:hiddenLine xmlns="" xmlns:a14="http://schemas.microsoft.com/office/drawing/2010/main" w="9525">
+                  <a14:hiddenLine xmlns:a14="http://schemas.microsoft.com/office/drawing/2010/main" xmlns="" w="9525">
                     <a:solidFill>
                       <a:srgbClr val="000000"/>
                     </a:solidFill>
@@ -15932,7 +15959,7 @@
               </a:ln>
               <a:extLst>
                 <a:ext uri="{91240B29-F687-4f45-9708-019B960494DF}">
-                  <a14:hiddenLine xmlns="" xmlns:a14="http://schemas.microsoft.com/office/drawing/2010/main" w="9525">
+                  <a14:hiddenLine xmlns:a14="http://schemas.microsoft.com/office/drawing/2010/main" xmlns="" w="9525">
                     <a:solidFill>
                       <a:srgbClr val="000000"/>
                     </a:solidFill>
@@ -16022,7 +16049,7 @@
               </a:ln>
               <a:extLst>
                 <a:ext uri="{91240B29-F687-4f45-9708-019B960494DF}">
-                  <a14:hiddenLine xmlns="" xmlns:a14="http://schemas.microsoft.com/office/drawing/2010/main" w="9525">
+                  <a14:hiddenLine xmlns:a14="http://schemas.microsoft.com/office/drawing/2010/main" xmlns="" w="9525">
                     <a:solidFill>
                       <a:srgbClr val="000000"/>
                     </a:solidFill>
@@ -16090,7 +16117,7 @@
               </a:ln>
               <a:extLst>
                 <a:ext uri="{91240B29-F687-4f45-9708-019B960494DF}">
-                  <a14:hiddenLine xmlns="" xmlns:a14="http://schemas.microsoft.com/office/drawing/2010/main" w="9525">
+                  <a14:hiddenLine xmlns:a14="http://schemas.microsoft.com/office/drawing/2010/main" xmlns="" w="9525">
                     <a:solidFill>
                       <a:srgbClr val="000000"/>
                     </a:solidFill>
@@ -16180,7 +16207,7 @@
               </a:ln>
               <a:extLst>
                 <a:ext uri="{91240B29-F687-4f45-9708-019B960494DF}">
-                  <a14:hiddenLine xmlns="" xmlns:a14="http://schemas.microsoft.com/office/drawing/2010/main" w="9525">
+                  <a14:hiddenLine xmlns:a14="http://schemas.microsoft.com/office/drawing/2010/main" xmlns="" w="9525">
                     <a:solidFill>
                       <a:srgbClr val="000000"/>
                     </a:solidFill>
@@ -16214,7 +16241,7 @@
               </a:ln>
               <a:extLst>
                 <a:ext uri="{91240B29-F687-4f45-9708-019B960494DF}">
-                  <a14:hiddenLine xmlns="" xmlns:a14="http://schemas.microsoft.com/office/drawing/2010/main" w="9525">
+                  <a14:hiddenLine xmlns:a14="http://schemas.microsoft.com/office/drawing/2010/main" xmlns="" w="9525">
                     <a:solidFill>
                       <a:srgbClr val="000000"/>
                     </a:solidFill>
@@ -29077,13 +29104,13 @@
   <p:clrMapOvr>
     <a:masterClrMapping/>
   </p:clrMapOvr>
-  <mc:AlternateContent xmlns:mc="http://schemas.openxmlformats.org/markup-compatibility/2006">
-    <mc:Choice xmlns:p14="http://schemas.microsoft.com/office/powerpoint/2010/main" Requires="p14">
+  <mc:AlternateContent xmlns:mc="http://schemas.openxmlformats.org/markup-compatibility/2006" xmlns:p14="http://schemas.microsoft.com/office/powerpoint/2010/main">
+    <mc:Choice Requires="p14">
       <p:transition spd="slow" p14:dur="1200">
         <p:dissolve/>
       </p:transition>
     </mc:Choice>
-    <mc:Fallback>
+    <mc:Fallback xmlns="">
       <p:transition spd="slow">
         <p:dissolve/>
       </p:transition>
